--- a/Documentation/Presentation/Design Presentation/Design Presentation.pptx
+++ b/Documentation/Presentation/Design Presentation/Design Presentation.pptx
@@ -31,7 +31,15 @@
     <p:sldId id="269" r:id="rId25"/>
     <p:sldId id="270" r:id="rId26"/>
     <p:sldId id="261" r:id="rId27"/>
-    <p:sldId id="262" r:id="rId28"/>
+    <p:sldId id="287" r:id="rId28"/>
+    <p:sldId id="286" r:id="rId29"/>
+    <p:sldId id="285" r:id="rId30"/>
+    <p:sldId id="284" r:id="rId31"/>
+    <p:sldId id="283" r:id="rId32"/>
+    <p:sldId id="289" r:id="rId33"/>
+    <p:sldId id="288" r:id="rId34"/>
+    <p:sldId id="290" r:id="rId35"/>
+    <p:sldId id="262" r:id="rId36"/>
   </p:sldIdLst>
   <p:sldSz cx="12192000" cy="6858000"/>
   <p:notesSz cx="6858000" cy="9144000"/>
@@ -195,7 +203,7 @@
           <a:noFill/>
           <a:extLst>
             <a:ext uri="{909E8E84-426E-40dd-AFC4-6F175D3DCCD1}">
-              <a14:hiddenFill xmlns="" xmlns:a14="http://schemas.microsoft.com/office/drawing/2010/main">
+              <a14:hiddenFill xmlns:a14="http://schemas.microsoft.com/office/drawing/2010/main" xmlns="">
                 <a:solidFill>
                   <a:srgbClr val="FFFFFF"/>
                 </a:solidFill>
@@ -254,7 +262,7 @@
             </a:ln>
             <a:extLst>
               <a:ext uri="{91240B29-F687-4f45-9708-019B960494DF}">
-                <a14:hiddenLine xmlns="" xmlns:a14="http://schemas.microsoft.com/office/drawing/2010/main" w="9525">
+                <a14:hiddenLine xmlns:a14="http://schemas.microsoft.com/office/drawing/2010/main" xmlns="" w="9525">
                   <a:solidFill>
                     <a:srgbClr val="000000"/>
                   </a:solidFill>
@@ -344,7 +352,7 @@
             </a:ln>
             <a:extLst>
               <a:ext uri="{91240B29-F687-4f45-9708-019B960494DF}">
-                <a14:hiddenLine xmlns="" xmlns:a14="http://schemas.microsoft.com/office/drawing/2010/main" w="9525">
+                <a14:hiddenLine xmlns:a14="http://schemas.microsoft.com/office/drawing/2010/main" xmlns="" w="9525">
                   <a:solidFill>
                     <a:srgbClr val="000000"/>
                   </a:solidFill>
@@ -434,7 +442,7 @@
             </a:ln>
             <a:extLst>
               <a:ext uri="{91240B29-F687-4f45-9708-019B960494DF}">
-                <a14:hiddenLine xmlns="" xmlns:a14="http://schemas.microsoft.com/office/drawing/2010/main" w="9525">
+                <a14:hiddenLine xmlns:a14="http://schemas.microsoft.com/office/drawing/2010/main" xmlns="" w="9525">
                   <a:solidFill>
                     <a:srgbClr val="000000"/>
                   </a:solidFill>
@@ -468,7 +476,7 @@
             </a:ln>
             <a:extLst>
               <a:ext uri="{91240B29-F687-4f45-9708-019B960494DF}">
-                <a14:hiddenLine xmlns="" xmlns:a14="http://schemas.microsoft.com/office/drawing/2010/main" w="9525">
+                <a14:hiddenLine xmlns:a14="http://schemas.microsoft.com/office/drawing/2010/main" xmlns="" w="9525">
                   <a:solidFill>
                     <a:srgbClr val="000000"/>
                   </a:solidFill>
@@ -558,7 +566,7 @@
             </a:ln>
             <a:extLst>
               <a:ext uri="{91240B29-F687-4f45-9708-019B960494DF}">
-                <a14:hiddenLine xmlns="" xmlns:a14="http://schemas.microsoft.com/office/drawing/2010/main" w="9525">
+                <a14:hiddenLine xmlns:a14="http://schemas.microsoft.com/office/drawing/2010/main" xmlns="" w="9525">
                   <a:solidFill>
                     <a:srgbClr val="000000"/>
                   </a:solidFill>
@@ -620,7 +628,7 @@
             </a:ln>
             <a:extLst>
               <a:ext uri="{91240B29-F687-4f45-9708-019B960494DF}">
-                <a14:hiddenLine xmlns="" xmlns:a14="http://schemas.microsoft.com/office/drawing/2010/main" w="9525">
+                <a14:hiddenLine xmlns:a14="http://schemas.microsoft.com/office/drawing/2010/main" xmlns="" w="9525">
                   <a:solidFill>
                     <a:srgbClr val="000000"/>
                   </a:solidFill>
@@ -682,7 +690,7 @@
             </a:ln>
             <a:extLst>
               <a:ext uri="{91240B29-F687-4f45-9708-019B960494DF}">
-                <a14:hiddenLine xmlns="" xmlns:a14="http://schemas.microsoft.com/office/drawing/2010/main" w="9525">
+                <a14:hiddenLine xmlns:a14="http://schemas.microsoft.com/office/drawing/2010/main" xmlns="" w="9525">
                   <a:solidFill>
                     <a:srgbClr val="000000"/>
                   </a:solidFill>
@@ -772,7 +780,7 @@
             </a:ln>
             <a:extLst>
               <a:ext uri="{91240B29-F687-4f45-9708-019B960494DF}">
-                <a14:hiddenLine xmlns="" xmlns:a14="http://schemas.microsoft.com/office/drawing/2010/main" w="9525">
+                <a14:hiddenLine xmlns:a14="http://schemas.microsoft.com/office/drawing/2010/main" xmlns="" w="9525">
                   <a:solidFill>
                     <a:srgbClr val="000000"/>
                   </a:solidFill>
@@ -834,7 +842,7 @@
             </a:ln>
             <a:extLst>
               <a:ext uri="{91240B29-F687-4f45-9708-019B960494DF}">
-                <a14:hiddenLine xmlns="" xmlns:a14="http://schemas.microsoft.com/office/drawing/2010/main" w="9525">
+                <a14:hiddenLine xmlns:a14="http://schemas.microsoft.com/office/drawing/2010/main" xmlns="" w="9525">
                   <a:solidFill>
                     <a:srgbClr val="000000"/>
                   </a:solidFill>
@@ -896,7 +904,7 @@
             </a:ln>
             <a:extLst>
               <a:ext uri="{91240B29-F687-4f45-9708-019B960494DF}">
-                <a14:hiddenLine xmlns="" xmlns:a14="http://schemas.microsoft.com/office/drawing/2010/main" w="9525">
+                <a14:hiddenLine xmlns:a14="http://schemas.microsoft.com/office/drawing/2010/main" xmlns="" w="9525">
                   <a:solidFill>
                     <a:srgbClr val="000000"/>
                   </a:solidFill>
@@ -986,7 +994,7 @@
             </a:ln>
             <a:extLst>
               <a:ext uri="{91240B29-F687-4f45-9708-019B960494DF}">
-                <a14:hiddenLine xmlns="" xmlns:a14="http://schemas.microsoft.com/office/drawing/2010/main" w="9525">
+                <a14:hiddenLine xmlns:a14="http://schemas.microsoft.com/office/drawing/2010/main" xmlns="" w="9525">
                   <a:solidFill>
                     <a:srgbClr val="000000"/>
                   </a:solidFill>
@@ -1076,7 +1084,7 @@
             </a:ln>
             <a:extLst>
               <a:ext uri="{91240B29-F687-4f45-9708-019B960494DF}">
-                <a14:hiddenLine xmlns="" xmlns:a14="http://schemas.microsoft.com/office/drawing/2010/main" w="9525">
+                <a14:hiddenLine xmlns:a14="http://schemas.microsoft.com/office/drawing/2010/main" xmlns="" w="9525">
                   <a:solidFill>
                     <a:srgbClr val="000000"/>
                   </a:solidFill>
@@ -1138,7 +1146,7 @@
             </a:ln>
             <a:extLst>
               <a:ext uri="{91240B29-F687-4f45-9708-019B960494DF}">
-                <a14:hiddenLine xmlns="" xmlns:a14="http://schemas.microsoft.com/office/drawing/2010/main" w="9525">
+                <a14:hiddenLine xmlns:a14="http://schemas.microsoft.com/office/drawing/2010/main" xmlns="" w="9525">
                   <a:solidFill>
                     <a:srgbClr val="000000"/>
                   </a:solidFill>
@@ -1248,7 +1256,7 @@
             </a:ln>
             <a:extLst>
               <a:ext uri="{91240B29-F687-4f45-9708-019B960494DF}">
-                <a14:hiddenLine xmlns="" xmlns:a14="http://schemas.microsoft.com/office/drawing/2010/main" w="9525">
+                <a14:hiddenLine xmlns:a14="http://schemas.microsoft.com/office/drawing/2010/main" xmlns="" w="9525">
                   <a:solidFill>
                     <a:srgbClr val="000000"/>
                   </a:solidFill>
@@ -1310,7 +1318,7 @@
             </a:ln>
             <a:extLst>
               <a:ext uri="{91240B29-F687-4f45-9708-019B960494DF}">
-                <a14:hiddenLine xmlns="" xmlns:a14="http://schemas.microsoft.com/office/drawing/2010/main" w="9525">
+                <a14:hiddenLine xmlns:a14="http://schemas.microsoft.com/office/drawing/2010/main" xmlns="" w="9525">
                   <a:solidFill>
                     <a:srgbClr val="000000"/>
                   </a:solidFill>
@@ -1400,7 +1408,7 @@
             </a:ln>
             <a:extLst>
               <a:ext uri="{91240B29-F687-4f45-9708-019B960494DF}">
-                <a14:hiddenLine xmlns="" xmlns:a14="http://schemas.microsoft.com/office/drawing/2010/main" w="9525">
+                <a14:hiddenLine xmlns:a14="http://schemas.microsoft.com/office/drawing/2010/main" xmlns="" w="9525">
                   <a:solidFill>
                     <a:srgbClr val="000000"/>
                   </a:solidFill>
@@ -1490,7 +1498,7 @@
             </a:ln>
             <a:extLst>
               <a:ext uri="{91240B29-F687-4f45-9708-019B960494DF}">
-                <a14:hiddenLine xmlns="" xmlns:a14="http://schemas.microsoft.com/office/drawing/2010/main" w="9525">
+                <a14:hiddenLine xmlns:a14="http://schemas.microsoft.com/office/drawing/2010/main" xmlns="" w="9525">
                   <a:solidFill>
                     <a:srgbClr val="000000"/>
                   </a:solidFill>
@@ -1552,7 +1560,7 @@
             </a:ln>
             <a:extLst>
               <a:ext uri="{91240B29-F687-4f45-9708-019B960494DF}">
-                <a14:hiddenLine xmlns="" xmlns:a14="http://schemas.microsoft.com/office/drawing/2010/main" w="9525">
+                <a14:hiddenLine xmlns:a14="http://schemas.microsoft.com/office/drawing/2010/main" xmlns="" w="9525">
                   <a:solidFill>
                     <a:srgbClr val="000000"/>
                   </a:solidFill>
@@ -1642,7 +1650,7 @@
             </a:ln>
             <a:extLst>
               <a:ext uri="{91240B29-F687-4f45-9708-019B960494DF}">
-                <a14:hiddenLine xmlns="" xmlns:a14="http://schemas.microsoft.com/office/drawing/2010/main" w="9525">
+                <a14:hiddenLine xmlns:a14="http://schemas.microsoft.com/office/drawing/2010/main" xmlns="" w="9525">
                   <a:solidFill>
                     <a:srgbClr val="000000"/>
                   </a:solidFill>
@@ -1732,7 +1740,7 @@
             </a:ln>
             <a:extLst>
               <a:ext uri="{91240B29-F687-4f45-9708-019B960494DF}">
-                <a14:hiddenLine xmlns="" xmlns:a14="http://schemas.microsoft.com/office/drawing/2010/main" w="9525">
+                <a14:hiddenLine xmlns:a14="http://schemas.microsoft.com/office/drawing/2010/main" xmlns="" w="9525">
                   <a:solidFill>
                     <a:srgbClr val="000000"/>
                   </a:solidFill>
@@ -1788,7 +1796,7 @@
             </a:ln>
             <a:extLst>
               <a:ext uri="{91240B29-F687-4f45-9708-019B960494DF}">
-                <a14:hiddenLine xmlns="" xmlns:a14="http://schemas.microsoft.com/office/drawing/2010/main" w="9525">
+                <a14:hiddenLine xmlns:a14="http://schemas.microsoft.com/office/drawing/2010/main" xmlns="" w="9525">
                   <a:solidFill>
                     <a:srgbClr val="000000"/>
                   </a:solidFill>
@@ -1878,7 +1886,7 @@
             </a:ln>
             <a:extLst>
               <a:ext uri="{91240B29-F687-4f45-9708-019B960494DF}">
-                <a14:hiddenLine xmlns="" xmlns:a14="http://schemas.microsoft.com/office/drawing/2010/main" w="9525">
+                <a14:hiddenLine xmlns:a14="http://schemas.microsoft.com/office/drawing/2010/main" xmlns="" w="9525">
                   <a:solidFill>
                     <a:srgbClr val="000000"/>
                   </a:solidFill>
@@ -1934,7 +1942,7 @@
             </a:ln>
             <a:extLst>
               <a:ext uri="{91240B29-F687-4f45-9708-019B960494DF}">
-                <a14:hiddenLine xmlns="" xmlns:a14="http://schemas.microsoft.com/office/drawing/2010/main" w="9525">
+                <a14:hiddenLine xmlns:a14="http://schemas.microsoft.com/office/drawing/2010/main" xmlns="" w="9525">
                   <a:solidFill>
                     <a:srgbClr val="000000"/>
                   </a:solidFill>
@@ -2024,7 +2032,7 @@
             </a:ln>
             <a:extLst>
               <a:ext uri="{91240B29-F687-4f45-9708-019B960494DF}">
-                <a14:hiddenLine xmlns="" xmlns:a14="http://schemas.microsoft.com/office/drawing/2010/main" w="9525">
+                <a14:hiddenLine xmlns:a14="http://schemas.microsoft.com/office/drawing/2010/main" xmlns="" w="9525">
                   <a:solidFill>
                     <a:srgbClr val="000000"/>
                   </a:solidFill>
@@ -2092,7 +2100,7 @@
             </a:ln>
             <a:extLst>
               <a:ext uri="{91240B29-F687-4f45-9708-019B960494DF}">
-                <a14:hiddenLine xmlns="" xmlns:a14="http://schemas.microsoft.com/office/drawing/2010/main" w="9525">
+                <a14:hiddenLine xmlns:a14="http://schemas.microsoft.com/office/drawing/2010/main" xmlns="" w="9525">
                   <a:solidFill>
                     <a:srgbClr val="000000"/>
                   </a:solidFill>
@@ -2182,7 +2190,7 @@
             </a:ln>
             <a:extLst>
               <a:ext uri="{91240B29-F687-4f45-9708-019B960494DF}">
-                <a14:hiddenLine xmlns="" xmlns:a14="http://schemas.microsoft.com/office/drawing/2010/main" w="9525">
+                <a14:hiddenLine xmlns:a14="http://schemas.microsoft.com/office/drawing/2010/main" xmlns="" w="9525">
                   <a:solidFill>
                     <a:srgbClr val="000000"/>
                   </a:solidFill>
@@ -2250,7 +2258,7 @@
             </a:ln>
             <a:extLst>
               <a:ext uri="{91240B29-F687-4f45-9708-019B960494DF}">
-                <a14:hiddenLine xmlns="" xmlns:a14="http://schemas.microsoft.com/office/drawing/2010/main" w="9525">
+                <a14:hiddenLine xmlns:a14="http://schemas.microsoft.com/office/drawing/2010/main" xmlns="" w="9525">
                   <a:solidFill>
                     <a:srgbClr val="000000"/>
                   </a:solidFill>
@@ -2340,7 +2348,7 @@
             </a:ln>
             <a:extLst>
               <a:ext uri="{91240B29-F687-4f45-9708-019B960494DF}">
-                <a14:hiddenLine xmlns="" xmlns:a14="http://schemas.microsoft.com/office/drawing/2010/main" w="9525">
+                <a14:hiddenLine xmlns:a14="http://schemas.microsoft.com/office/drawing/2010/main" xmlns="" w="9525">
                   <a:solidFill>
                     <a:srgbClr val="000000"/>
                   </a:solidFill>
@@ -2374,7 +2382,7 @@
             </a:ln>
             <a:extLst>
               <a:ext uri="{91240B29-F687-4f45-9708-019B960494DF}">
-                <a14:hiddenLine xmlns="" xmlns:a14="http://schemas.microsoft.com/office/drawing/2010/main" w="9525">
+                <a14:hiddenLine xmlns:a14="http://schemas.microsoft.com/office/drawing/2010/main" xmlns="" w="9525">
                   <a:solidFill>
                     <a:srgbClr val="000000"/>
                   </a:solidFill>
@@ -2464,7 +2472,7 @@
             </a:ln>
             <a:extLst>
               <a:ext uri="{91240B29-F687-4f45-9708-019B960494DF}">
-                <a14:hiddenLine xmlns="" xmlns:a14="http://schemas.microsoft.com/office/drawing/2010/main" w="9525">
+                <a14:hiddenLine xmlns:a14="http://schemas.microsoft.com/office/drawing/2010/main" xmlns="" w="9525">
                   <a:solidFill>
                     <a:srgbClr val="000000"/>
                   </a:solidFill>
@@ -2526,7 +2534,7 @@
             </a:ln>
             <a:extLst>
               <a:ext uri="{91240B29-F687-4f45-9708-019B960494DF}">
-                <a14:hiddenLine xmlns="" xmlns:a14="http://schemas.microsoft.com/office/drawing/2010/main" w="9525">
+                <a14:hiddenLine xmlns:a14="http://schemas.microsoft.com/office/drawing/2010/main" xmlns="" w="9525">
                   <a:solidFill>
                     <a:srgbClr val="000000"/>
                   </a:solidFill>
@@ -2588,7 +2596,7 @@
             </a:ln>
             <a:extLst>
               <a:ext uri="{91240B29-F687-4f45-9708-019B960494DF}">
-                <a14:hiddenLine xmlns="" xmlns:a14="http://schemas.microsoft.com/office/drawing/2010/main" w="9525">
+                <a14:hiddenLine xmlns:a14="http://schemas.microsoft.com/office/drawing/2010/main" xmlns="" w="9525">
                   <a:solidFill>
                     <a:srgbClr val="000000"/>
                   </a:solidFill>
@@ -2678,7 +2686,7 @@
             </a:ln>
             <a:extLst>
               <a:ext uri="{91240B29-F687-4f45-9708-019B960494DF}">
-                <a14:hiddenLine xmlns="" xmlns:a14="http://schemas.microsoft.com/office/drawing/2010/main" w="9525">
+                <a14:hiddenLine xmlns:a14="http://schemas.microsoft.com/office/drawing/2010/main" xmlns="" w="9525">
                   <a:solidFill>
                     <a:srgbClr val="000000"/>
                   </a:solidFill>
@@ -2746,7 +2754,7 @@
             </a:ln>
             <a:extLst>
               <a:ext uri="{91240B29-F687-4f45-9708-019B960494DF}">
-                <a14:hiddenLine xmlns="" xmlns:a14="http://schemas.microsoft.com/office/drawing/2010/main" w="9525">
+                <a14:hiddenLine xmlns:a14="http://schemas.microsoft.com/office/drawing/2010/main" xmlns="" w="9525">
                   <a:solidFill>
                     <a:srgbClr val="000000"/>
                   </a:solidFill>
@@ -2808,7 +2816,7 @@
             </a:ln>
             <a:extLst>
               <a:ext uri="{91240B29-F687-4f45-9708-019B960494DF}">
-                <a14:hiddenLine xmlns="" xmlns:a14="http://schemas.microsoft.com/office/drawing/2010/main" w="9525">
+                <a14:hiddenLine xmlns:a14="http://schemas.microsoft.com/office/drawing/2010/main" xmlns="" w="9525">
                   <a:solidFill>
                     <a:srgbClr val="000000"/>
                   </a:solidFill>
@@ -2898,7 +2906,7 @@
             </a:ln>
             <a:extLst>
               <a:ext uri="{91240B29-F687-4f45-9708-019B960494DF}">
-                <a14:hiddenLine xmlns="" xmlns:a14="http://schemas.microsoft.com/office/drawing/2010/main" w="9525">
+                <a14:hiddenLine xmlns:a14="http://schemas.microsoft.com/office/drawing/2010/main" xmlns="" w="9525">
                   <a:solidFill>
                     <a:srgbClr val="000000"/>
                   </a:solidFill>
@@ -2960,7 +2968,7 @@
             </a:ln>
             <a:extLst>
               <a:ext uri="{91240B29-F687-4f45-9708-019B960494DF}">
-                <a14:hiddenLine xmlns="" xmlns:a14="http://schemas.microsoft.com/office/drawing/2010/main" w="9525">
+                <a14:hiddenLine xmlns:a14="http://schemas.microsoft.com/office/drawing/2010/main" xmlns="" w="9525">
                   <a:solidFill>
                     <a:srgbClr val="000000"/>
                   </a:solidFill>
@@ -3050,7 +3058,7 @@
             </a:ln>
             <a:extLst>
               <a:ext uri="{91240B29-F687-4f45-9708-019B960494DF}">
-                <a14:hiddenLine xmlns="" xmlns:a14="http://schemas.microsoft.com/office/drawing/2010/main" w="9525">
+                <a14:hiddenLine xmlns:a14="http://schemas.microsoft.com/office/drawing/2010/main" xmlns="" w="9525">
                   <a:solidFill>
                     <a:srgbClr val="000000"/>
                   </a:solidFill>
@@ -3112,7 +3120,7 @@
             </a:ln>
             <a:extLst>
               <a:ext uri="{91240B29-F687-4f45-9708-019B960494DF}">
-                <a14:hiddenLine xmlns="" xmlns:a14="http://schemas.microsoft.com/office/drawing/2010/main" w="9525">
+                <a14:hiddenLine xmlns:a14="http://schemas.microsoft.com/office/drawing/2010/main" xmlns="" w="9525">
                   <a:solidFill>
                     <a:srgbClr val="000000"/>
                   </a:solidFill>
@@ -3202,7 +3210,7 @@
             </a:ln>
             <a:extLst>
               <a:ext uri="{91240B29-F687-4f45-9708-019B960494DF}">
-                <a14:hiddenLine xmlns="" xmlns:a14="http://schemas.microsoft.com/office/drawing/2010/main" w="9525">
+                <a14:hiddenLine xmlns:a14="http://schemas.microsoft.com/office/drawing/2010/main" xmlns="" w="9525">
                   <a:solidFill>
                     <a:srgbClr val="000000"/>
                   </a:solidFill>
@@ -3236,7 +3244,7 @@
             </a:ln>
             <a:extLst>
               <a:ext uri="{91240B29-F687-4f45-9708-019B960494DF}">
-                <a14:hiddenLine xmlns="" xmlns:a14="http://schemas.microsoft.com/office/drawing/2010/main" w="9525">
+                <a14:hiddenLine xmlns:a14="http://schemas.microsoft.com/office/drawing/2010/main" xmlns="" w="9525">
                   <a:solidFill>
                     <a:srgbClr val="000000"/>
                   </a:solidFill>
@@ -3301,7 +3309,7 @@
             </a:ln>
             <a:extLst>
               <a:ext uri="{91240B29-F687-4f45-9708-019B960494DF}">
-                <a14:hiddenLine xmlns="" xmlns:a14="http://schemas.microsoft.com/office/drawing/2010/main" w="9525">
+                <a14:hiddenLine xmlns:a14="http://schemas.microsoft.com/office/drawing/2010/main" xmlns="" w="9525">
                   <a:solidFill>
                     <a:srgbClr val="000000"/>
                   </a:solidFill>
@@ -3391,7 +3399,7 @@
             </a:ln>
             <a:extLst>
               <a:ext uri="{91240B29-F687-4f45-9708-019B960494DF}">
-                <a14:hiddenLine xmlns="" xmlns:a14="http://schemas.microsoft.com/office/drawing/2010/main" w="9525">
+                <a14:hiddenLine xmlns:a14="http://schemas.microsoft.com/office/drawing/2010/main" xmlns="" w="9525">
                   <a:solidFill>
                     <a:srgbClr val="000000"/>
                   </a:solidFill>
@@ -3453,7 +3461,7 @@
             </a:ln>
             <a:extLst>
               <a:ext uri="{91240B29-F687-4f45-9708-019B960494DF}">
-                <a14:hiddenLine xmlns="" xmlns:a14="http://schemas.microsoft.com/office/drawing/2010/main" w="9525">
+                <a14:hiddenLine xmlns:a14="http://schemas.microsoft.com/office/drawing/2010/main" xmlns="" w="9525">
                   <a:solidFill>
                     <a:srgbClr val="000000"/>
                   </a:solidFill>
@@ -3543,7 +3551,7 @@
             </a:ln>
             <a:extLst>
               <a:ext uri="{91240B29-F687-4f45-9708-019B960494DF}">
-                <a14:hiddenLine xmlns="" xmlns:a14="http://schemas.microsoft.com/office/drawing/2010/main" w="9525">
+                <a14:hiddenLine xmlns:a14="http://schemas.microsoft.com/office/drawing/2010/main" xmlns="" w="9525">
                   <a:solidFill>
                     <a:srgbClr val="000000"/>
                   </a:solidFill>
@@ -3633,7 +3641,7 @@
             </a:ln>
             <a:extLst>
               <a:ext uri="{91240B29-F687-4f45-9708-019B960494DF}">
-                <a14:hiddenLine xmlns="" xmlns:a14="http://schemas.microsoft.com/office/drawing/2010/main" w="9525">
+                <a14:hiddenLine xmlns:a14="http://schemas.microsoft.com/office/drawing/2010/main" xmlns="" w="9525">
                   <a:solidFill>
                     <a:srgbClr val="000000"/>
                   </a:solidFill>
@@ -3698,7 +3706,7 @@
             </a:ln>
             <a:extLst>
               <a:ext uri="{91240B29-F687-4f45-9708-019B960494DF}">
-                <a14:hiddenLine xmlns="" xmlns:a14="http://schemas.microsoft.com/office/drawing/2010/main" w="9525">
+                <a14:hiddenLine xmlns:a14="http://schemas.microsoft.com/office/drawing/2010/main" xmlns="" w="9525">
                   <a:solidFill>
                     <a:srgbClr val="000000"/>
                   </a:solidFill>
@@ -3760,7 +3768,7 @@
             </a:ln>
             <a:extLst>
               <a:ext uri="{91240B29-F687-4f45-9708-019B960494DF}">
-                <a14:hiddenLine xmlns="" xmlns:a14="http://schemas.microsoft.com/office/drawing/2010/main" w="9525">
+                <a14:hiddenLine xmlns:a14="http://schemas.microsoft.com/office/drawing/2010/main" xmlns="" w="9525">
                   <a:solidFill>
                     <a:srgbClr val="000000"/>
                   </a:solidFill>
@@ -3850,7 +3858,7 @@
             </a:ln>
             <a:extLst>
               <a:ext uri="{91240B29-F687-4f45-9708-019B960494DF}">
-                <a14:hiddenLine xmlns="" xmlns:a14="http://schemas.microsoft.com/office/drawing/2010/main" w="9525">
+                <a14:hiddenLine xmlns:a14="http://schemas.microsoft.com/office/drawing/2010/main" xmlns="" w="9525">
                   <a:solidFill>
                     <a:srgbClr val="000000"/>
                   </a:solidFill>
@@ -3940,7 +3948,7 @@
             </a:ln>
             <a:extLst>
               <a:ext uri="{91240B29-F687-4f45-9708-019B960494DF}">
-                <a14:hiddenLine xmlns="" xmlns:a14="http://schemas.microsoft.com/office/drawing/2010/main" w="9525">
+                <a14:hiddenLine xmlns:a14="http://schemas.microsoft.com/office/drawing/2010/main" xmlns="" w="9525">
                   <a:solidFill>
                     <a:srgbClr val="000000"/>
                   </a:solidFill>
@@ -4002,7 +4010,7 @@
             </a:ln>
             <a:extLst>
               <a:ext uri="{91240B29-F687-4f45-9708-019B960494DF}">
-                <a14:hiddenLine xmlns="" xmlns:a14="http://schemas.microsoft.com/office/drawing/2010/main" w="9525">
+                <a14:hiddenLine xmlns:a14="http://schemas.microsoft.com/office/drawing/2010/main" xmlns="" w="9525">
                   <a:solidFill>
                     <a:srgbClr val="000000"/>
                   </a:solidFill>
@@ -4122,7 +4130,7 @@
             </a:ln>
             <a:extLst>
               <a:ext uri="{91240B29-F687-4f45-9708-019B960494DF}">
-                <a14:hiddenLine xmlns="" xmlns:a14="http://schemas.microsoft.com/office/drawing/2010/main" w="9525">
+                <a14:hiddenLine xmlns:a14="http://schemas.microsoft.com/office/drawing/2010/main" xmlns="" w="9525">
                   <a:solidFill>
                     <a:srgbClr val="000000"/>
                   </a:solidFill>
@@ -4190,7 +4198,7 @@
             </a:ln>
             <a:extLst>
               <a:ext uri="{91240B29-F687-4f45-9708-019B960494DF}">
-                <a14:hiddenLine xmlns="" xmlns:a14="http://schemas.microsoft.com/office/drawing/2010/main" w="9525">
+                <a14:hiddenLine xmlns:a14="http://schemas.microsoft.com/office/drawing/2010/main" xmlns="" w="9525">
                   <a:solidFill>
                     <a:srgbClr val="000000"/>
                   </a:solidFill>
@@ -4280,7 +4288,7 @@
             </a:ln>
             <a:extLst>
               <a:ext uri="{91240B29-F687-4f45-9708-019B960494DF}">
-                <a14:hiddenLine xmlns="" xmlns:a14="http://schemas.microsoft.com/office/drawing/2010/main" w="9525">
+                <a14:hiddenLine xmlns:a14="http://schemas.microsoft.com/office/drawing/2010/main" xmlns="" w="9525">
                   <a:solidFill>
                     <a:srgbClr val="000000"/>
                   </a:solidFill>
@@ -9009,7 +9017,7 @@
           <a:noFill/>
           <a:extLst>
             <a:ext uri="{909E8E84-426E-40dd-AFC4-6F175D3DCCD1}">
-              <a14:hiddenFill xmlns="" xmlns:a14="http://schemas.microsoft.com/office/drawing/2010/main">
+              <a14:hiddenFill xmlns:a14="http://schemas.microsoft.com/office/drawing/2010/main" xmlns="">
                 <a:solidFill>
                   <a:srgbClr val="FFFFFF"/>
                 </a:solidFill>
@@ -9083,7 +9091,7 @@
               </a:ln>
               <a:extLst>
                 <a:ext uri="{91240B29-F687-4f45-9708-019B960494DF}">
-                  <a14:hiddenLine xmlns="" xmlns:a14="http://schemas.microsoft.com/office/drawing/2010/main" w="9525">
+                  <a14:hiddenLine xmlns:a14="http://schemas.microsoft.com/office/drawing/2010/main" xmlns="" w="9525">
                     <a:solidFill>
                       <a:srgbClr val="000000"/>
                     </a:solidFill>
@@ -9173,7 +9181,7 @@
               </a:ln>
               <a:extLst>
                 <a:ext uri="{91240B29-F687-4f45-9708-019B960494DF}">
-                  <a14:hiddenLine xmlns="" xmlns:a14="http://schemas.microsoft.com/office/drawing/2010/main" w="9525">
+                  <a14:hiddenLine xmlns:a14="http://schemas.microsoft.com/office/drawing/2010/main" xmlns="" w="9525">
                     <a:solidFill>
                       <a:srgbClr val="000000"/>
                     </a:solidFill>
@@ -9263,7 +9271,7 @@
               </a:ln>
               <a:extLst>
                 <a:ext uri="{91240B29-F687-4f45-9708-019B960494DF}">
-                  <a14:hiddenLine xmlns="" xmlns:a14="http://schemas.microsoft.com/office/drawing/2010/main" w="9525">
+                  <a14:hiddenLine xmlns:a14="http://schemas.microsoft.com/office/drawing/2010/main" xmlns="" w="9525">
                     <a:solidFill>
                       <a:srgbClr val="000000"/>
                     </a:solidFill>
@@ -9325,7 +9333,7 @@
               </a:ln>
               <a:extLst>
                 <a:ext uri="{91240B29-F687-4f45-9708-019B960494DF}">
-                  <a14:hiddenLine xmlns="" xmlns:a14="http://schemas.microsoft.com/office/drawing/2010/main" w="9525">
+                  <a14:hiddenLine xmlns:a14="http://schemas.microsoft.com/office/drawing/2010/main" xmlns="" w="9525">
                     <a:solidFill>
                       <a:srgbClr val="000000"/>
                     </a:solidFill>
@@ -9415,7 +9423,7 @@
               </a:ln>
               <a:extLst>
                 <a:ext uri="{91240B29-F687-4f45-9708-019B960494DF}">
-                  <a14:hiddenLine xmlns="" xmlns:a14="http://schemas.microsoft.com/office/drawing/2010/main" w="9525">
+                  <a14:hiddenLine xmlns:a14="http://schemas.microsoft.com/office/drawing/2010/main" xmlns="" w="9525">
                     <a:solidFill>
                       <a:srgbClr val="000000"/>
                     </a:solidFill>
@@ -9477,7 +9485,7 @@
               </a:ln>
               <a:extLst>
                 <a:ext uri="{91240B29-F687-4f45-9708-019B960494DF}">
-                  <a14:hiddenLine xmlns="" xmlns:a14="http://schemas.microsoft.com/office/drawing/2010/main" w="9525">
+                  <a14:hiddenLine xmlns:a14="http://schemas.microsoft.com/office/drawing/2010/main" xmlns="" w="9525">
                     <a:solidFill>
                       <a:srgbClr val="000000"/>
                     </a:solidFill>
@@ -9539,7 +9547,7 @@
               </a:ln>
               <a:extLst>
                 <a:ext uri="{91240B29-F687-4f45-9708-019B960494DF}">
-                  <a14:hiddenLine xmlns="" xmlns:a14="http://schemas.microsoft.com/office/drawing/2010/main" w="9525">
+                  <a14:hiddenLine xmlns:a14="http://schemas.microsoft.com/office/drawing/2010/main" xmlns="" w="9525">
                     <a:solidFill>
                       <a:srgbClr val="000000"/>
                     </a:solidFill>
@@ -9629,7 +9637,7 @@
               </a:ln>
               <a:extLst>
                 <a:ext uri="{91240B29-F687-4f45-9708-019B960494DF}">
-                  <a14:hiddenLine xmlns="" xmlns:a14="http://schemas.microsoft.com/office/drawing/2010/main" w="9525">
+                  <a14:hiddenLine xmlns:a14="http://schemas.microsoft.com/office/drawing/2010/main" xmlns="" w="9525">
                     <a:solidFill>
                       <a:srgbClr val="000000"/>
                     </a:solidFill>
@@ -9719,7 +9727,7 @@
               </a:ln>
               <a:extLst>
                 <a:ext uri="{91240B29-F687-4f45-9708-019B960494DF}">
-                  <a14:hiddenLine xmlns="" xmlns:a14="http://schemas.microsoft.com/office/drawing/2010/main" w="9525">
+                  <a14:hiddenLine xmlns:a14="http://schemas.microsoft.com/office/drawing/2010/main" xmlns="" w="9525">
                     <a:solidFill>
                       <a:srgbClr val="000000"/>
                     </a:solidFill>
@@ -9781,7 +9789,7 @@
               </a:ln>
               <a:extLst>
                 <a:ext uri="{91240B29-F687-4f45-9708-019B960494DF}">
-                  <a14:hiddenLine xmlns="" xmlns:a14="http://schemas.microsoft.com/office/drawing/2010/main" w="9525">
+                  <a14:hiddenLine xmlns:a14="http://schemas.microsoft.com/office/drawing/2010/main" xmlns="" w="9525">
                     <a:solidFill>
                       <a:srgbClr val="000000"/>
                     </a:solidFill>
@@ -9891,7 +9899,7 @@
               </a:ln>
               <a:extLst>
                 <a:ext uri="{91240B29-F687-4f45-9708-019B960494DF}">
-                  <a14:hiddenLine xmlns="" xmlns:a14="http://schemas.microsoft.com/office/drawing/2010/main" w="9525">
+                  <a14:hiddenLine xmlns:a14="http://schemas.microsoft.com/office/drawing/2010/main" xmlns="" w="9525">
                     <a:solidFill>
                       <a:srgbClr val="000000"/>
                     </a:solidFill>
@@ -9975,7 +9983,7 @@
               </a:ln>
               <a:extLst>
                 <a:ext uri="{91240B29-F687-4f45-9708-019B960494DF}">
-                  <a14:hiddenLine xmlns="" xmlns:a14="http://schemas.microsoft.com/office/drawing/2010/main" w="9525">
+                  <a14:hiddenLine xmlns:a14="http://schemas.microsoft.com/office/drawing/2010/main" xmlns="" w="9525">
                     <a:solidFill>
                       <a:srgbClr val="000000"/>
                     </a:solidFill>
@@ -10037,7 +10045,7 @@
               </a:ln>
               <a:extLst>
                 <a:ext uri="{91240B29-F687-4f45-9708-019B960494DF}">
-                  <a14:hiddenLine xmlns="" xmlns:a14="http://schemas.microsoft.com/office/drawing/2010/main" w="9525">
+                  <a14:hiddenLine xmlns:a14="http://schemas.microsoft.com/office/drawing/2010/main" xmlns="" w="9525">
                     <a:solidFill>
                       <a:srgbClr val="000000"/>
                     </a:solidFill>
@@ -10099,7 +10107,7 @@
               </a:ln>
               <a:extLst>
                 <a:ext uri="{91240B29-F687-4f45-9708-019B960494DF}">
-                  <a14:hiddenLine xmlns="" xmlns:a14="http://schemas.microsoft.com/office/drawing/2010/main" w="9525">
+                  <a14:hiddenLine xmlns:a14="http://schemas.microsoft.com/office/drawing/2010/main" xmlns="" w="9525">
                     <a:solidFill>
                       <a:srgbClr val="000000"/>
                     </a:solidFill>
@@ -10189,7 +10197,7 @@
               </a:ln>
               <a:extLst>
                 <a:ext uri="{91240B29-F687-4f45-9708-019B960494DF}">
-                  <a14:hiddenLine xmlns="" xmlns:a14="http://schemas.microsoft.com/office/drawing/2010/main" w="9525">
+                  <a14:hiddenLine xmlns:a14="http://schemas.microsoft.com/office/drawing/2010/main" xmlns="" w="9525">
                     <a:solidFill>
                       <a:srgbClr val="000000"/>
                     </a:solidFill>
@@ -10223,7 +10231,7 @@
               </a:ln>
               <a:extLst>
                 <a:ext uri="{91240B29-F687-4f45-9708-019B960494DF}">
-                  <a14:hiddenLine xmlns="" xmlns:a14="http://schemas.microsoft.com/office/drawing/2010/main" w="9525">
+                  <a14:hiddenLine xmlns:a14="http://schemas.microsoft.com/office/drawing/2010/main" xmlns="" w="9525">
                     <a:solidFill>
                       <a:srgbClr val="000000"/>
                     </a:solidFill>
@@ -10288,7 +10296,7 @@
               </a:ln>
               <a:extLst>
                 <a:ext uri="{91240B29-F687-4f45-9708-019B960494DF}">
-                  <a14:hiddenLine xmlns="" xmlns:a14="http://schemas.microsoft.com/office/drawing/2010/main" w="9525">
+                  <a14:hiddenLine xmlns:a14="http://schemas.microsoft.com/office/drawing/2010/main" xmlns="" w="9525">
                     <a:solidFill>
                       <a:srgbClr val="000000"/>
                     </a:solidFill>
@@ -10378,7 +10386,7 @@
               </a:ln>
               <a:extLst>
                 <a:ext uri="{91240B29-F687-4f45-9708-019B960494DF}">
-                  <a14:hiddenLine xmlns="" xmlns:a14="http://schemas.microsoft.com/office/drawing/2010/main" w="9525">
+                  <a14:hiddenLine xmlns:a14="http://schemas.microsoft.com/office/drawing/2010/main" xmlns="" w="9525">
                     <a:solidFill>
                       <a:srgbClr val="000000"/>
                     </a:solidFill>
@@ -10440,7 +10448,7 @@
               </a:ln>
               <a:extLst>
                 <a:ext uri="{91240B29-F687-4f45-9708-019B960494DF}">
-                  <a14:hiddenLine xmlns="" xmlns:a14="http://schemas.microsoft.com/office/drawing/2010/main" w="9525">
+                  <a14:hiddenLine xmlns:a14="http://schemas.microsoft.com/office/drawing/2010/main" xmlns="" w="9525">
                     <a:solidFill>
                       <a:srgbClr val="000000"/>
                     </a:solidFill>
@@ -10530,7 +10538,7 @@
               </a:ln>
               <a:extLst>
                 <a:ext uri="{91240B29-F687-4f45-9708-019B960494DF}">
-                  <a14:hiddenLine xmlns="" xmlns:a14="http://schemas.microsoft.com/office/drawing/2010/main" w="9525">
+                  <a14:hiddenLine xmlns:a14="http://schemas.microsoft.com/office/drawing/2010/main" xmlns="" w="9525">
                     <a:solidFill>
                       <a:srgbClr val="000000"/>
                     </a:solidFill>
@@ -10595,7 +10603,7 @@
               </a:ln>
               <a:extLst>
                 <a:ext uri="{91240B29-F687-4f45-9708-019B960494DF}">
-                  <a14:hiddenLine xmlns="" xmlns:a14="http://schemas.microsoft.com/office/drawing/2010/main" w="9525">
+                  <a14:hiddenLine xmlns:a14="http://schemas.microsoft.com/office/drawing/2010/main" xmlns="" w="9525">
                     <a:solidFill>
                       <a:srgbClr val="000000"/>
                     </a:solidFill>
@@ -10657,7 +10665,7 @@
               </a:ln>
               <a:extLst>
                 <a:ext uri="{91240B29-F687-4f45-9708-019B960494DF}">
-                  <a14:hiddenLine xmlns="" xmlns:a14="http://schemas.microsoft.com/office/drawing/2010/main" w="9525">
+                  <a14:hiddenLine xmlns:a14="http://schemas.microsoft.com/office/drawing/2010/main" xmlns="" w="9525">
                     <a:solidFill>
                       <a:srgbClr val="000000"/>
                     </a:solidFill>
@@ -10747,7 +10755,7 @@
               </a:ln>
               <a:extLst>
                 <a:ext uri="{91240B29-F687-4f45-9708-019B960494DF}">
-                  <a14:hiddenLine xmlns="" xmlns:a14="http://schemas.microsoft.com/office/drawing/2010/main" w="9525">
+                  <a14:hiddenLine xmlns:a14="http://schemas.microsoft.com/office/drawing/2010/main" xmlns="" w="9525">
                     <a:solidFill>
                       <a:srgbClr val="000000"/>
                     </a:solidFill>
@@ -10837,7 +10845,7 @@
               </a:ln>
               <a:extLst>
                 <a:ext uri="{91240B29-F687-4f45-9708-019B960494DF}">
-                  <a14:hiddenLine xmlns="" xmlns:a14="http://schemas.microsoft.com/office/drawing/2010/main" w="9525">
+                  <a14:hiddenLine xmlns:a14="http://schemas.microsoft.com/office/drawing/2010/main" xmlns="" w="9525">
                     <a:solidFill>
                       <a:srgbClr val="000000"/>
                     </a:solidFill>
@@ -10902,7 +10910,7 @@
               </a:ln>
               <a:extLst>
                 <a:ext uri="{91240B29-F687-4f45-9708-019B960494DF}">
-                  <a14:hiddenLine xmlns="" xmlns:a14="http://schemas.microsoft.com/office/drawing/2010/main" w="9525">
+                  <a14:hiddenLine xmlns:a14="http://schemas.microsoft.com/office/drawing/2010/main" xmlns="" w="9525">
                     <a:solidFill>
                       <a:srgbClr val="000000"/>
                     </a:solidFill>
@@ -11022,7 +11030,7 @@
               </a:ln>
               <a:extLst>
                 <a:ext uri="{91240B29-F687-4f45-9708-019B960494DF}">
-                  <a14:hiddenLine xmlns="" xmlns:a14="http://schemas.microsoft.com/office/drawing/2010/main" w="9525">
+                  <a14:hiddenLine xmlns:a14="http://schemas.microsoft.com/office/drawing/2010/main" xmlns="" w="9525">
                     <a:solidFill>
                       <a:srgbClr val="000000"/>
                     </a:solidFill>
@@ -11103,7 +11111,7 @@
               </a:ln>
               <a:extLst>
                 <a:ext uri="{91240B29-F687-4f45-9708-019B960494DF}">
-                  <a14:hiddenLine xmlns="" xmlns:a14="http://schemas.microsoft.com/office/drawing/2010/main" w="9525">
+                  <a14:hiddenLine xmlns:a14="http://schemas.microsoft.com/office/drawing/2010/main" xmlns="" w="9525">
                     <a:solidFill>
                       <a:srgbClr val="000000"/>
                     </a:solidFill>
@@ -11218,7 +11226,7 @@
               </a:ln>
               <a:extLst>
                 <a:ext uri="{91240B29-F687-4f45-9708-019B960494DF}">
-                  <a14:hiddenLine xmlns="" xmlns:a14="http://schemas.microsoft.com/office/drawing/2010/main" w="9525">
+                  <a14:hiddenLine xmlns:a14="http://schemas.microsoft.com/office/drawing/2010/main" xmlns="" w="9525">
                     <a:solidFill>
                       <a:srgbClr val="000000"/>
                     </a:solidFill>
@@ -11308,7 +11316,7 @@
               </a:ln>
               <a:extLst>
                 <a:ext uri="{91240B29-F687-4f45-9708-019B960494DF}">
-                  <a14:hiddenLine xmlns="" xmlns:a14="http://schemas.microsoft.com/office/drawing/2010/main" w="9525">
+                  <a14:hiddenLine xmlns:a14="http://schemas.microsoft.com/office/drawing/2010/main" xmlns="" w="9525">
                     <a:solidFill>
                       <a:srgbClr val="000000"/>
                     </a:solidFill>
@@ -11373,7 +11381,7 @@
               </a:ln>
               <a:extLst>
                 <a:ext uri="{91240B29-F687-4f45-9708-019B960494DF}">
-                  <a14:hiddenLine xmlns="" xmlns:a14="http://schemas.microsoft.com/office/drawing/2010/main" w="9525">
+                  <a14:hiddenLine xmlns:a14="http://schemas.microsoft.com/office/drawing/2010/main" xmlns="" w="9525">
                     <a:solidFill>
                       <a:srgbClr val="000000"/>
                     </a:solidFill>
@@ -11463,7 +11471,7 @@
               </a:ln>
               <a:extLst>
                 <a:ext uri="{91240B29-F687-4f45-9708-019B960494DF}">
-                  <a14:hiddenLine xmlns="" xmlns:a14="http://schemas.microsoft.com/office/drawing/2010/main" w="9525">
+                  <a14:hiddenLine xmlns:a14="http://schemas.microsoft.com/office/drawing/2010/main" xmlns="" w="9525">
                     <a:solidFill>
                       <a:srgbClr val="000000"/>
                     </a:solidFill>
@@ -11531,7 +11539,7 @@
               </a:ln>
               <a:extLst>
                 <a:ext uri="{91240B29-F687-4f45-9708-019B960494DF}">
-                  <a14:hiddenLine xmlns="" xmlns:a14="http://schemas.microsoft.com/office/drawing/2010/main" w="9525">
+                  <a14:hiddenLine xmlns:a14="http://schemas.microsoft.com/office/drawing/2010/main" xmlns="" w="9525">
                     <a:solidFill>
                       <a:srgbClr val="000000"/>
                     </a:solidFill>
@@ -11621,7 +11629,7 @@
               </a:ln>
               <a:extLst>
                 <a:ext uri="{91240B29-F687-4f45-9708-019B960494DF}">
-                  <a14:hiddenLine xmlns="" xmlns:a14="http://schemas.microsoft.com/office/drawing/2010/main" w="9525">
+                  <a14:hiddenLine xmlns:a14="http://schemas.microsoft.com/office/drawing/2010/main" xmlns="" w="9525">
                     <a:solidFill>
                       <a:srgbClr val="000000"/>
                     </a:solidFill>
@@ -11689,7 +11697,7 @@
               </a:ln>
               <a:extLst>
                 <a:ext uri="{91240B29-F687-4f45-9708-019B960494DF}">
-                  <a14:hiddenLine xmlns="" xmlns:a14="http://schemas.microsoft.com/office/drawing/2010/main" w="9525">
+                  <a14:hiddenLine xmlns:a14="http://schemas.microsoft.com/office/drawing/2010/main" xmlns="" w="9525">
                     <a:solidFill>
                       <a:srgbClr val="000000"/>
                     </a:solidFill>
@@ -11779,7 +11787,7 @@
               </a:ln>
               <a:extLst>
                 <a:ext uri="{91240B29-F687-4f45-9708-019B960494DF}">
-                  <a14:hiddenLine xmlns="" xmlns:a14="http://schemas.microsoft.com/office/drawing/2010/main" w="9525">
+                  <a14:hiddenLine xmlns:a14="http://schemas.microsoft.com/office/drawing/2010/main" xmlns="" w="9525">
                     <a:solidFill>
                       <a:srgbClr val="000000"/>
                     </a:solidFill>
@@ -11813,7 +11821,7 @@
               </a:ln>
               <a:extLst>
                 <a:ext uri="{91240B29-F687-4f45-9708-019B960494DF}">
-                  <a14:hiddenLine xmlns="" xmlns:a14="http://schemas.microsoft.com/office/drawing/2010/main" w="9525">
+                  <a14:hiddenLine xmlns:a14="http://schemas.microsoft.com/office/drawing/2010/main" xmlns="" w="9525">
                     <a:solidFill>
                       <a:srgbClr val="000000"/>
                     </a:solidFill>
@@ -12451,6 +12459,96 @@
           </a:p>
         </p:txBody>
       </p:sp>
+      <p:pic>
+        <p:nvPicPr>
+          <p:cNvPr id="4" name="Picture 3"/>
+          <p:cNvPicPr>
+            <a:picLocks noChangeAspect="1"/>
+          </p:cNvPicPr>
+          <p:nvPr/>
+        </p:nvPicPr>
+        <p:blipFill>
+          <a:blip r:embed="rId2">
+            <a:extLst>
+              <a:ext uri="{28A0092B-C50C-407E-A947-70E740481C1C}">
+                <a14:useLocalDpi xmlns:a14="http://schemas.microsoft.com/office/drawing/2010/main" val="0"/>
+              </a:ext>
+            </a:extLst>
+          </a:blip>
+          <a:stretch>
+            <a:fillRect/>
+          </a:stretch>
+        </p:blipFill>
+        <p:spPr>
+          <a:xfrm>
+            <a:off x="10667999" y="0"/>
+            <a:ext cx="1524000" cy="1524000"/>
+          </a:xfrm>
+          <a:prstGeom prst="rect">
+            <a:avLst/>
+          </a:prstGeom>
+        </p:spPr>
+      </p:pic>
+      <p:pic>
+        <p:nvPicPr>
+          <p:cNvPr id="6" name="Picture 5"/>
+          <p:cNvPicPr>
+            <a:picLocks noChangeAspect="1"/>
+          </p:cNvPicPr>
+          <p:nvPr/>
+        </p:nvPicPr>
+        <p:blipFill>
+          <a:blip r:embed="rId3">
+            <a:extLst>
+              <a:ext uri="{28A0092B-C50C-407E-A947-70E740481C1C}">
+                <a14:useLocalDpi xmlns:a14="http://schemas.microsoft.com/office/drawing/2010/main" val="0"/>
+              </a:ext>
+            </a:extLst>
+          </a:blip>
+          <a:stretch>
+            <a:fillRect/>
+          </a:stretch>
+        </p:blipFill>
+        <p:spPr>
+          <a:xfrm>
+            <a:off x="6266550" y="589472"/>
+            <a:ext cx="2419350" cy="247650"/>
+          </a:xfrm>
+          <a:prstGeom prst="rect">
+            <a:avLst/>
+          </a:prstGeom>
+        </p:spPr>
+      </p:pic>
+      <p:pic>
+        <p:nvPicPr>
+          <p:cNvPr id="8" name="Picture 7"/>
+          <p:cNvPicPr>
+            <a:picLocks noChangeAspect="1"/>
+          </p:cNvPicPr>
+          <p:nvPr/>
+        </p:nvPicPr>
+        <p:blipFill>
+          <a:blip r:embed="rId4">
+            <a:extLst>
+              <a:ext uri="{28A0092B-C50C-407E-A947-70E740481C1C}">
+                <a14:useLocalDpi xmlns:a14="http://schemas.microsoft.com/office/drawing/2010/main" val="0"/>
+              </a:ext>
+            </a:extLst>
+          </a:blip>
+          <a:stretch>
+            <a:fillRect/>
+          </a:stretch>
+        </p:blipFill>
+        <p:spPr>
+          <a:xfrm>
+            <a:off x="9143999" y="0"/>
+            <a:ext cx="1523999" cy="1523999"/>
+          </a:xfrm>
+          <a:prstGeom prst="rect">
+            <a:avLst/>
+          </a:prstGeom>
+        </p:spPr>
+      </p:pic>
     </p:spTree>
     <p:extLst>
       <p:ext uri="{BB962C8B-B14F-4D97-AF65-F5344CB8AC3E}">
@@ -12874,8 +12972,8 @@
           </a:p>
         </p:txBody>
       </p:sp>
-      <mc:AlternateContent xmlns:mc="http://schemas.openxmlformats.org/markup-compatibility/2006">
-        <mc:Choice xmlns:a14="http://schemas.microsoft.com/office/drawing/2010/main" Requires="a14">
+      <mc:AlternateContent xmlns:mc="http://schemas.openxmlformats.org/markup-compatibility/2006" xmlns:a14="http://schemas.microsoft.com/office/drawing/2010/main">
+        <mc:Choice Requires="a14">
           <p:sp>
             <p:nvSpPr>
               <p:cNvPr id="3" name="Content Placeholder 2"/>
@@ -13390,7 +13488,7 @@
             </p:txBody>
           </p:sp>
         </mc:Choice>
-        <mc:Fallback>
+        <mc:Fallback xmlns="">
           <p:sp>
             <p:nvSpPr>
               <p:cNvPr id="3" name="Content Placeholder 2"/>
@@ -15742,8 +15840,8 @@
           </a:p>
         </p:txBody>
       </p:sp>
-      <mc:AlternateContent xmlns:mc="http://schemas.openxmlformats.org/markup-compatibility/2006">
-        <mc:Choice xmlns:a14="http://schemas.microsoft.com/office/drawing/2010/main" Requires="a14">
+      <mc:AlternateContent xmlns:mc="http://schemas.openxmlformats.org/markup-compatibility/2006" xmlns:a14="http://schemas.microsoft.com/office/drawing/2010/main">
+        <mc:Choice Requires="a14">
           <p:sp>
             <p:nvSpPr>
               <p:cNvPr id="3" name="Content Placeholder 2"/>
@@ -15968,7 +16066,7 @@
             </p:txBody>
           </p:sp>
         </mc:Choice>
-        <mc:Fallback>
+        <mc:Fallback xmlns="">
           <p:sp>
             <p:nvSpPr>
               <p:cNvPr id="3" name="Content Placeholder 2"/>
@@ -17138,8 +17236,8 @@
           </a:p>
         </p:txBody>
       </p:sp>
-      <mc:AlternateContent xmlns:mc="http://schemas.openxmlformats.org/markup-compatibility/2006">
-        <mc:Choice xmlns:a14="http://schemas.microsoft.com/office/drawing/2010/main" Requires="a14">
+      <mc:AlternateContent xmlns:mc="http://schemas.openxmlformats.org/markup-compatibility/2006" xmlns:a14="http://schemas.microsoft.com/office/drawing/2010/main">
+        <mc:Choice Requires="a14">
           <p:sp>
             <p:nvSpPr>
               <p:cNvPr id="3" name="Content Placeholder 2"/>
@@ -17459,7 +17557,7 @@
             </p:txBody>
           </p:sp>
         </mc:Choice>
-        <mc:Fallback>
+        <mc:Fallback xmlns="">
           <p:sp>
             <p:nvSpPr>
               <p:cNvPr id="3" name="Content Placeholder 2"/>
@@ -19406,8 +19504,8 @@
           </a:prstGeom>
         </p:spPr>
       </p:pic>
-      <mc:AlternateContent xmlns:mc="http://schemas.openxmlformats.org/markup-compatibility/2006">
-        <mc:Choice xmlns:a14="http://schemas.microsoft.com/office/drawing/2010/main" Requires="a14">
+      <mc:AlternateContent xmlns:mc="http://schemas.openxmlformats.org/markup-compatibility/2006" xmlns:a14="http://schemas.microsoft.com/office/drawing/2010/main">
+        <mc:Choice Requires="a14">
           <p:sp>
             <p:nvSpPr>
               <p:cNvPr id="5" name="TextBox 4"/>
@@ -19563,7 +19661,7 @@
             </p:txBody>
           </p:sp>
         </mc:Choice>
-        <mc:Fallback>
+        <mc:Fallback xmlns="">
           <p:sp>
             <p:nvSpPr>
               <p:cNvPr id="5" name="TextBox 4"/>
@@ -19790,7 +19888,7 @@
           <a:bodyPr/>
           <a:lstStyle/>
           <a:p>
-            <a:endParaRPr lang="en-US"/>
+            <a:endParaRPr lang="en-US" dirty="0"/>
           </a:p>
         </p:txBody>
       </p:sp>
@@ -19854,8 +19952,8 @@
           </a:p>
         </p:txBody>
       </p:sp>
-      <mc:AlternateContent xmlns:mc="http://schemas.openxmlformats.org/markup-compatibility/2006">
-        <mc:Choice xmlns:a14="http://schemas.microsoft.com/office/drawing/2010/main" Requires="a14">
+      <mc:AlternateContent xmlns:mc="http://schemas.openxmlformats.org/markup-compatibility/2006" xmlns:a14="http://schemas.microsoft.com/office/drawing/2010/main">
+        <mc:Choice Requires="a14">
           <p:sp>
             <p:nvSpPr>
               <p:cNvPr id="3" name="Content Placeholder 2"/>
@@ -20799,7 +20897,7 @@
             </p:txBody>
           </p:sp>
         </mc:Choice>
-        <mc:Fallback>
+        <mc:Fallback xmlns="">
           <p:sp>
             <p:nvSpPr>
               <p:cNvPr id="3" name="Content Placeholder 2"/>
@@ -21845,7 +21943,47 @@
           <a:bodyPr/>
           <a:lstStyle/>
           <a:p>
-            <a:endParaRPr lang="en-US"/>
+            <a:r>
+              <a:rPr lang="en-US" dirty="0" smtClean="0"/>
+              <a:t>Microcontroller and Programming</a:t>
+            </a:r>
+          </a:p>
+          <a:p>
+            <a:r>
+              <a:rPr lang="en-US" dirty="0" smtClean="0"/>
+              <a:t>Control Algorithms</a:t>
+            </a:r>
+          </a:p>
+          <a:p>
+            <a:r>
+              <a:rPr lang="en-US" dirty="0" smtClean="0"/>
+              <a:t>Communication System</a:t>
+            </a:r>
+          </a:p>
+          <a:p>
+            <a:r>
+              <a:rPr lang="en-US" dirty="0" smtClean="0"/>
+              <a:t>Debug Panel</a:t>
+            </a:r>
+            <a:endParaRPr lang="en-US" dirty="0" smtClean="0"/>
+          </a:p>
+          <a:p>
+            <a:r>
+              <a:rPr lang="en-US" dirty="0" smtClean="0"/>
+              <a:t>Control Signal and Feedback Conditioning</a:t>
+            </a:r>
+          </a:p>
+          <a:p>
+            <a:endParaRPr lang="en-US" dirty="0" smtClean="0"/>
+          </a:p>
+          <a:p>
+            <a:pPr marL="0" indent="0">
+              <a:buNone/>
+            </a:pPr>
+            <a:endParaRPr lang="en-US" dirty="0" smtClean="0"/>
+          </a:p>
+          <a:p>
+            <a:endParaRPr lang="en-US" dirty="0"/>
           </a:p>
         </p:txBody>
       </p:sp>
@@ -21895,8 +22033,154 @@
           <a:lstStyle/>
           <a:p>
             <a:r>
-              <a:rPr lang="en-US" smtClean="0"/>
-              <a:t>Questions?</a:t>
+              <a:rPr lang="en-US" dirty="0"/>
+              <a:t>Microcontroller and Programming</a:t>
+            </a:r>
+            <a:br>
+              <a:rPr lang="en-US" dirty="0"/>
+            </a:br>
+            <a:endParaRPr lang="en-US" dirty="0"/>
+          </a:p>
+        </p:txBody>
+      </p:sp>
+      <p:sp>
+        <p:nvSpPr>
+          <p:cNvPr id="3" name="Content Placeholder 2"/>
+          <p:cNvSpPr>
+            <a:spLocks noGrp="1"/>
+          </p:cNvSpPr>
+          <p:nvPr>
+            <p:ph idx="1"/>
+          </p:nvPr>
+        </p:nvSpPr>
+        <p:spPr>
+          <a:xfrm>
+            <a:off x="1141413" y="1706022"/>
+            <a:ext cx="9905999" cy="4608513"/>
+          </a:xfrm>
+        </p:spPr>
+        <p:txBody>
+          <a:bodyPr>
+            <a:normAutofit/>
+          </a:bodyPr>
+          <a:lstStyle/>
+          <a:p>
+            <a:r>
+              <a:rPr lang="en-US" dirty="0" smtClean="0"/>
+              <a:t>Arduino Mega 2560 is used to control the system’s actions</a:t>
+            </a:r>
+          </a:p>
+          <a:p>
+            <a:r>
+              <a:rPr lang="en-US" dirty="0" smtClean="0"/>
+              <a:t>Advantages </a:t>
+            </a:r>
+          </a:p>
+          <a:p>
+            <a:pPr marL="0" indent="0">
+              <a:buNone/>
+            </a:pPr>
+            <a:r>
+              <a:rPr lang="en-US" dirty="0"/>
+              <a:t>	</a:t>
+            </a:r>
+            <a:r>
+              <a:rPr lang="en-US" dirty="0" smtClean="0"/>
+              <a:t>-Low cost microcontroller</a:t>
+            </a:r>
+          </a:p>
+          <a:p>
+            <a:pPr marL="0" indent="0">
+              <a:buNone/>
+            </a:pPr>
+            <a:r>
+              <a:rPr lang="en-US" dirty="0"/>
+              <a:t>	</a:t>
+            </a:r>
+            <a:r>
+              <a:rPr lang="en-US" dirty="0" smtClean="0"/>
+              <a:t>-Analog inputs </a:t>
+            </a:r>
+          </a:p>
+          <a:p>
+            <a:pPr marL="0" indent="0">
+              <a:buNone/>
+            </a:pPr>
+            <a:r>
+              <a:rPr lang="en-US" dirty="0"/>
+              <a:t>	</a:t>
+            </a:r>
+            <a:r>
+              <a:rPr lang="en-US" dirty="0" smtClean="0"/>
+              <a:t>-Pulse-width modulated outputs</a:t>
+            </a:r>
+          </a:p>
+          <a:p>
+            <a:pPr marL="0" indent="0">
+              <a:buNone/>
+            </a:pPr>
+            <a:endParaRPr lang="en-US" dirty="0" smtClean="0"/>
+          </a:p>
+          <a:p>
+            <a:r>
+              <a:rPr lang="en-US" dirty="0" err="1" smtClean="0"/>
+              <a:t>Mathwork’s</a:t>
+            </a:r>
+            <a:r>
+              <a:rPr lang="en-US" dirty="0" smtClean="0"/>
+              <a:t> Simulink models and code generation used for programming</a:t>
+            </a:r>
+          </a:p>
+        </p:txBody>
+      </p:sp>
+    </p:spTree>
+    <p:extLst>
+      <p:ext uri="{BB962C8B-B14F-4D97-AF65-F5344CB8AC3E}">
+        <p14:creationId xmlns:p14="http://schemas.microsoft.com/office/powerpoint/2010/main" val="2703070454"/>
+      </p:ext>
+    </p:extLst>
+  </p:cSld>
+  <p:clrMapOvr>
+    <a:masterClrMapping/>
+  </p:clrMapOvr>
+</p:sld>
+</file>
+
+<file path=ppt/slides/slide28.xml><?xml version="1.0" encoding="utf-8"?>
+<p:sld xmlns:a="http://schemas.openxmlformats.org/drawingml/2006/main" xmlns:r="http://schemas.openxmlformats.org/officeDocument/2006/relationships" xmlns:p="http://schemas.openxmlformats.org/presentationml/2006/main">
+  <p:cSld>
+    <p:spTree>
+      <p:nvGrpSpPr>
+        <p:cNvPr id="1" name=""/>
+        <p:cNvGrpSpPr/>
+        <p:nvPr/>
+      </p:nvGrpSpPr>
+      <p:grpSpPr>
+        <a:xfrm>
+          <a:off x="0" y="0"/>
+          <a:ext cx="0" cy="0"/>
+          <a:chOff x="0" y="0"/>
+          <a:chExt cx="0" cy="0"/>
+        </a:xfrm>
+      </p:grpSpPr>
+      <p:sp>
+        <p:nvSpPr>
+          <p:cNvPr id="2" name="Title 1"/>
+          <p:cNvSpPr>
+            <a:spLocks noGrp="1"/>
+          </p:cNvSpPr>
+          <p:nvPr>
+            <p:ph type="title"/>
+          </p:nvPr>
+        </p:nvSpPr>
+        <p:spPr/>
+        <p:txBody>
+          <a:bodyPr/>
+          <a:lstStyle/>
+          <a:p>
+            <a:r>
+              <a:rPr lang="en-US" dirty="0" smtClean="0"/>
+              <a:t>Control Algorithms</a:t>
             </a:r>
             <a:endParaRPr lang="en-US" dirty="0"/>
           </a:p>
@@ -21917,14 +22201,133 @@
           <a:bodyPr/>
           <a:lstStyle/>
           <a:p>
-            <a:endParaRPr lang="en-US"/>
+            <a:r>
+              <a:rPr lang="en-US" dirty="0" smtClean="0"/>
+              <a:t>The Simulink PID algorithm are used for control</a:t>
+            </a:r>
+          </a:p>
+          <a:p>
+            <a:r>
+              <a:rPr lang="en-US" dirty="0" smtClean="0"/>
+              <a:t>Implementation of a step is done in the system’s state machine</a:t>
+            </a:r>
+          </a:p>
+          <a:p>
+            <a:r>
+              <a:rPr lang="en-US" dirty="0" smtClean="0"/>
+              <a:t>The state machine drives the PID in each control loop</a:t>
+            </a:r>
           </a:p>
         </p:txBody>
       </p:sp>
     </p:spTree>
     <p:extLst>
       <p:ext uri="{BB962C8B-B14F-4D97-AF65-F5344CB8AC3E}">
-        <p14:creationId xmlns:p14="http://schemas.microsoft.com/office/powerpoint/2010/main" val="2128152266"/>
+        <p14:creationId xmlns:p14="http://schemas.microsoft.com/office/powerpoint/2010/main" val="839516483"/>
+      </p:ext>
+    </p:extLst>
+  </p:cSld>
+  <p:clrMapOvr>
+    <a:masterClrMapping/>
+  </p:clrMapOvr>
+</p:sld>
+</file>
+
+<file path=ppt/slides/slide29.xml><?xml version="1.0" encoding="utf-8"?>
+<p:sld xmlns:a="http://schemas.openxmlformats.org/drawingml/2006/main" xmlns:r="http://schemas.openxmlformats.org/officeDocument/2006/relationships" xmlns:p="http://schemas.openxmlformats.org/presentationml/2006/main">
+  <p:cSld>
+    <p:spTree>
+      <p:nvGrpSpPr>
+        <p:cNvPr id="1" name=""/>
+        <p:cNvGrpSpPr/>
+        <p:nvPr/>
+      </p:nvGrpSpPr>
+      <p:grpSpPr>
+        <a:xfrm>
+          <a:off x="0" y="0"/>
+          <a:ext cx="0" cy="0"/>
+          <a:chOff x="0" y="0"/>
+          <a:chExt cx="0" cy="0"/>
+        </a:xfrm>
+      </p:grpSpPr>
+      <p:sp>
+        <p:nvSpPr>
+          <p:cNvPr id="2" name="Title 1"/>
+          <p:cNvSpPr>
+            <a:spLocks noGrp="1"/>
+          </p:cNvSpPr>
+          <p:nvPr>
+            <p:ph type="title"/>
+          </p:nvPr>
+        </p:nvSpPr>
+        <p:spPr/>
+        <p:txBody>
+          <a:bodyPr/>
+          <a:lstStyle/>
+          <a:p>
+            <a:r>
+              <a:rPr lang="en-US" dirty="0" smtClean="0"/>
+              <a:t>Control Algorithm For One </a:t>
+            </a:r>
+            <a:r>
+              <a:rPr lang="en-US" dirty="0" err="1" smtClean="0"/>
+              <a:t>LEg</a:t>
+            </a:r>
+            <a:endParaRPr lang="en-US" dirty="0"/>
+          </a:p>
+        </p:txBody>
+      </p:sp>
+      <p:sp>
+        <p:nvSpPr>
+          <p:cNvPr id="3" name="Content Placeholder 2"/>
+          <p:cNvSpPr>
+            <a:spLocks noGrp="1"/>
+          </p:cNvSpPr>
+          <p:nvPr>
+            <p:ph idx="1"/>
+          </p:nvPr>
+        </p:nvSpPr>
+        <p:spPr/>
+        <p:txBody>
+          <a:bodyPr/>
+          <a:lstStyle/>
+          <a:p>
+            <a:endParaRPr lang="en-US"/>
+          </a:p>
+        </p:txBody>
+      </p:sp>
+      <p:pic>
+        <p:nvPicPr>
+          <p:cNvPr id="4" name="Picture 3"/>
+          <p:cNvPicPr/>
+          <p:nvPr/>
+        </p:nvPicPr>
+        <p:blipFill>
+          <a:blip r:embed="rId2">
+            <a:extLst>
+              <a:ext uri="{28A0092B-C50C-407E-A947-70E740481C1C}">
+                <a14:useLocalDpi xmlns:a14="http://schemas.microsoft.com/office/drawing/2010/main" val="0"/>
+              </a:ext>
+            </a:extLst>
+          </a:blip>
+          <a:stretch>
+            <a:fillRect/>
+          </a:stretch>
+        </p:blipFill>
+        <p:spPr>
+          <a:xfrm>
+            <a:off x="941133" y="1786102"/>
+            <a:ext cx="10106278" cy="4589253"/>
+          </a:xfrm>
+          <a:prstGeom prst="rect">
+            <a:avLst/>
+          </a:prstGeom>
+        </p:spPr>
+      </p:pic>
+    </p:spTree>
+    <p:extLst>
+      <p:ext uri="{BB962C8B-B14F-4D97-AF65-F5344CB8AC3E}">
+        <p14:creationId xmlns:p14="http://schemas.microsoft.com/office/powerpoint/2010/main" val="1105105286"/>
       </p:ext>
     </p:extLst>
   </p:cSld>
@@ -21997,6 +22400,761 @@
     <p:extLst>
       <p:ext uri="{BB962C8B-B14F-4D97-AF65-F5344CB8AC3E}">
         <p14:creationId xmlns:p14="http://schemas.microsoft.com/office/powerpoint/2010/main" val="1715809892"/>
+      </p:ext>
+    </p:extLst>
+  </p:cSld>
+  <p:clrMapOvr>
+    <a:masterClrMapping/>
+  </p:clrMapOvr>
+</p:sld>
+</file>
+
+<file path=ppt/slides/slide30.xml><?xml version="1.0" encoding="utf-8"?>
+<p:sld xmlns:a="http://schemas.openxmlformats.org/drawingml/2006/main" xmlns:r="http://schemas.openxmlformats.org/officeDocument/2006/relationships" xmlns:p="http://schemas.openxmlformats.org/presentationml/2006/main">
+  <p:cSld>
+    <p:spTree>
+      <p:nvGrpSpPr>
+        <p:cNvPr id="1" name=""/>
+        <p:cNvGrpSpPr/>
+        <p:nvPr/>
+      </p:nvGrpSpPr>
+      <p:grpSpPr>
+        <a:xfrm>
+          <a:off x="0" y="0"/>
+          <a:ext cx="0" cy="0"/>
+          <a:chOff x="0" y="0"/>
+          <a:chExt cx="0" cy="0"/>
+        </a:xfrm>
+      </p:grpSpPr>
+      <p:sp>
+        <p:nvSpPr>
+          <p:cNvPr id="2" name="Title 1"/>
+          <p:cNvSpPr>
+            <a:spLocks noGrp="1"/>
+          </p:cNvSpPr>
+          <p:nvPr>
+            <p:ph type="title"/>
+          </p:nvPr>
+        </p:nvSpPr>
+        <p:spPr/>
+        <p:txBody>
+          <a:bodyPr/>
+          <a:lstStyle/>
+          <a:p>
+            <a:r>
+              <a:rPr lang="en-US" dirty="0" smtClean="0"/>
+              <a:t>Communication System</a:t>
+            </a:r>
+            <a:endParaRPr lang="en-US" dirty="0"/>
+          </a:p>
+        </p:txBody>
+      </p:sp>
+      <p:pic>
+        <p:nvPicPr>
+          <p:cNvPr id="4" name="Content Placeholder 3"/>
+          <p:cNvPicPr>
+            <a:picLocks noGrp="1" noChangeAspect="1"/>
+          </p:cNvPicPr>
+          <p:nvPr>
+            <p:ph idx="1"/>
+          </p:nvPr>
+        </p:nvPicPr>
+        <p:blipFill>
+          <a:blip r:embed="rId2">
+            <a:extLst>
+              <a:ext uri="{28A0092B-C50C-407E-A947-70E740481C1C}">
+                <a14:useLocalDpi xmlns:a14="http://schemas.microsoft.com/office/drawing/2010/main" val="0"/>
+              </a:ext>
+            </a:extLst>
+          </a:blip>
+          <a:stretch>
+            <a:fillRect/>
+          </a:stretch>
+        </p:blipFill>
+        <p:spPr>
+          <a:xfrm>
+            <a:off x="7816943" y="3959525"/>
+            <a:ext cx="4375057" cy="2898475"/>
+          </a:xfrm>
+        </p:spPr>
+      </p:pic>
+      <p:pic>
+        <p:nvPicPr>
+          <p:cNvPr id="5" name="Picture 4"/>
+          <p:cNvPicPr>
+            <a:picLocks noChangeAspect="1"/>
+          </p:cNvPicPr>
+          <p:nvPr/>
+        </p:nvPicPr>
+        <p:blipFill>
+          <a:blip r:embed="rId3">
+            <a:extLst>
+              <a:ext uri="{28A0092B-C50C-407E-A947-70E740481C1C}">
+                <a14:useLocalDpi xmlns:a14="http://schemas.microsoft.com/office/drawing/2010/main" val="0"/>
+              </a:ext>
+            </a:extLst>
+          </a:blip>
+          <a:stretch>
+            <a:fillRect/>
+          </a:stretch>
+        </p:blipFill>
+        <p:spPr>
+          <a:xfrm>
+            <a:off x="7816942" y="869639"/>
+            <a:ext cx="4375057" cy="3089885"/>
+          </a:xfrm>
+          <a:prstGeom prst="rect">
+            <a:avLst/>
+          </a:prstGeom>
+        </p:spPr>
+      </p:pic>
+      <p:sp>
+        <p:nvSpPr>
+          <p:cNvPr id="7" name="TextBox 6"/>
+          <p:cNvSpPr txBox="1"/>
+          <p:nvPr/>
+        </p:nvSpPr>
+        <p:spPr>
+          <a:xfrm>
+            <a:off x="1216325" y="1820174"/>
+            <a:ext cx="6090249" cy="2862322"/>
+          </a:xfrm>
+          <a:prstGeom prst="rect">
+            <a:avLst/>
+          </a:prstGeom>
+          <a:noFill/>
+        </p:spPr>
+        <p:txBody>
+          <a:bodyPr wrap="square" rtlCol="0">
+            <a:spAutoFit/>
+          </a:bodyPr>
+          <a:lstStyle/>
+          <a:p>
+            <a:pPr marL="285750" indent="-285750">
+              <a:buFont typeface="Arial" panose="020B0604020202020204" pitchFamily="34" charset="0"/>
+              <a:buChar char="•"/>
+            </a:pPr>
+            <a:r>
+              <a:rPr lang="en-US" dirty="0" err="1" smtClean="0"/>
+              <a:t>XBee</a:t>
+            </a:r>
+            <a:r>
+              <a:rPr lang="en-US" dirty="0" smtClean="0"/>
+              <a:t> Series 1 Radio</a:t>
+            </a:r>
+          </a:p>
+          <a:p>
+            <a:pPr lvl="1"/>
+            <a:r>
+              <a:rPr lang="en-US" dirty="0"/>
+              <a:t>-IEEE 802.15.4 protocol </a:t>
+            </a:r>
+          </a:p>
+          <a:p>
+            <a:pPr lvl="1"/>
+            <a:r>
+              <a:rPr lang="en-US" dirty="0"/>
+              <a:t>-Operational Frequency 2.4 </a:t>
+            </a:r>
+            <a:r>
+              <a:rPr lang="en-US" dirty="0" smtClean="0"/>
+              <a:t>GHz</a:t>
+            </a:r>
+          </a:p>
+          <a:p>
+            <a:pPr lvl="1"/>
+            <a:endParaRPr lang="en-US" dirty="0"/>
+          </a:p>
+          <a:p>
+            <a:pPr marL="285750" indent="-285750">
+              <a:buFont typeface="Arial" panose="020B0604020202020204" pitchFamily="34" charset="0"/>
+              <a:buChar char="•"/>
+            </a:pPr>
+            <a:r>
+              <a:rPr lang="en-US" dirty="0" smtClean="0"/>
+              <a:t>Mounted onto the Arduino through </a:t>
+            </a:r>
+            <a:r>
+              <a:rPr lang="en-US" dirty="0" err="1" smtClean="0"/>
+              <a:t>XBee</a:t>
+            </a:r>
+            <a:r>
+              <a:rPr lang="en-US" dirty="0" smtClean="0"/>
+              <a:t> Shield</a:t>
+            </a:r>
+          </a:p>
+          <a:p>
+            <a:pPr marL="285750" indent="-285750">
+              <a:buFont typeface="Arial" panose="020B0604020202020204" pitchFamily="34" charset="0"/>
+              <a:buChar char="•"/>
+            </a:pPr>
+            <a:endParaRPr lang="en-US" dirty="0"/>
+          </a:p>
+          <a:p>
+            <a:pPr marL="285750" indent="-285750">
+              <a:buFont typeface="Arial" panose="020B0604020202020204" pitchFamily="34" charset="0"/>
+              <a:buChar char="•"/>
+            </a:pPr>
+            <a:r>
+              <a:rPr lang="en-US" dirty="0" smtClean="0"/>
+              <a:t>User interface runs on PC Simulink model</a:t>
+            </a:r>
+          </a:p>
+          <a:p>
+            <a:pPr marL="285750" indent="-285750">
+              <a:buFont typeface="Arial" panose="020B0604020202020204" pitchFamily="34" charset="0"/>
+              <a:buChar char="•"/>
+            </a:pPr>
+            <a:endParaRPr lang="en-US" dirty="0"/>
+          </a:p>
+          <a:p>
+            <a:pPr marL="285750" indent="-285750">
+              <a:buFont typeface="Arial" panose="020B0604020202020204" pitchFamily="34" charset="0"/>
+              <a:buChar char="•"/>
+            </a:pPr>
+            <a:endParaRPr lang="en-US" dirty="0" smtClean="0"/>
+          </a:p>
+          <a:p>
+            <a:pPr lvl="1"/>
+            <a:endParaRPr lang="en-US" dirty="0" smtClean="0"/>
+          </a:p>
+        </p:txBody>
+      </p:sp>
+    </p:spTree>
+    <p:extLst>
+      <p:ext uri="{BB962C8B-B14F-4D97-AF65-F5344CB8AC3E}">
+        <p14:creationId xmlns:p14="http://schemas.microsoft.com/office/powerpoint/2010/main" val="661891167"/>
+      </p:ext>
+    </p:extLst>
+  </p:cSld>
+  <p:clrMapOvr>
+    <a:masterClrMapping/>
+  </p:clrMapOvr>
+</p:sld>
+</file>
+
+<file path=ppt/slides/slide31.xml><?xml version="1.0" encoding="utf-8"?>
+<p:sld xmlns:a="http://schemas.openxmlformats.org/drawingml/2006/main" xmlns:r="http://schemas.openxmlformats.org/officeDocument/2006/relationships" xmlns:p="http://schemas.openxmlformats.org/presentationml/2006/main">
+  <p:cSld>
+    <p:spTree>
+      <p:nvGrpSpPr>
+        <p:cNvPr id="1" name=""/>
+        <p:cNvGrpSpPr/>
+        <p:nvPr/>
+      </p:nvGrpSpPr>
+      <p:grpSpPr>
+        <a:xfrm>
+          <a:off x="0" y="0"/>
+          <a:ext cx="0" cy="0"/>
+          <a:chOff x="0" y="0"/>
+          <a:chExt cx="0" cy="0"/>
+        </a:xfrm>
+      </p:grpSpPr>
+      <p:sp>
+        <p:nvSpPr>
+          <p:cNvPr id="2" name="Title 1"/>
+          <p:cNvSpPr>
+            <a:spLocks noGrp="1"/>
+          </p:cNvSpPr>
+          <p:nvPr>
+            <p:ph type="title"/>
+          </p:nvPr>
+        </p:nvSpPr>
+        <p:spPr/>
+        <p:txBody>
+          <a:bodyPr/>
+          <a:lstStyle/>
+          <a:p>
+            <a:r>
+              <a:rPr lang="en-US" dirty="0" smtClean="0"/>
+              <a:t>Debug Panel</a:t>
+            </a:r>
+            <a:endParaRPr lang="en-US" dirty="0"/>
+          </a:p>
+        </p:txBody>
+      </p:sp>
+      <p:sp>
+        <p:nvSpPr>
+          <p:cNvPr id="3" name="Content Placeholder 2"/>
+          <p:cNvSpPr>
+            <a:spLocks noGrp="1"/>
+          </p:cNvSpPr>
+          <p:nvPr>
+            <p:ph idx="1"/>
+          </p:nvPr>
+        </p:nvSpPr>
+        <p:spPr/>
+        <p:txBody>
+          <a:bodyPr/>
+          <a:lstStyle/>
+          <a:p>
+            <a:r>
+              <a:rPr lang="en-US" dirty="0" smtClean="0"/>
+              <a:t>Standard for MSOE test equipment – Banana Plug</a:t>
+            </a:r>
+          </a:p>
+          <a:p>
+            <a:r>
+              <a:rPr lang="en-US" dirty="0" smtClean="0"/>
+              <a:t>On Switch</a:t>
+            </a:r>
+          </a:p>
+          <a:p>
+            <a:r>
+              <a:rPr lang="en-US" dirty="0" smtClean="0"/>
+              <a:t>Emergency Stop – Cuts Power to valve solenoids</a:t>
+            </a:r>
+          </a:p>
+          <a:p>
+            <a:r>
+              <a:rPr lang="en-US" dirty="0" smtClean="0"/>
+              <a:t>Battery Level Indicators</a:t>
+            </a:r>
+          </a:p>
+          <a:p>
+            <a:r>
+              <a:rPr lang="en-US" dirty="0" smtClean="0"/>
+              <a:t>Status LEDs</a:t>
+            </a:r>
+          </a:p>
+          <a:p>
+            <a:endParaRPr lang="en-US" dirty="0" smtClean="0"/>
+          </a:p>
+        </p:txBody>
+      </p:sp>
+    </p:spTree>
+    <p:extLst>
+      <p:ext uri="{BB962C8B-B14F-4D97-AF65-F5344CB8AC3E}">
+        <p14:creationId xmlns:p14="http://schemas.microsoft.com/office/powerpoint/2010/main" val="2861225453"/>
+      </p:ext>
+    </p:extLst>
+  </p:cSld>
+  <p:clrMapOvr>
+    <a:masterClrMapping/>
+  </p:clrMapOvr>
+</p:sld>
+</file>
+
+<file path=ppt/slides/slide32.xml><?xml version="1.0" encoding="utf-8"?>
+<p:sld xmlns:a="http://schemas.openxmlformats.org/drawingml/2006/main" xmlns:r="http://schemas.openxmlformats.org/officeDocument/2006/relationships" xmlns:p="http://schemas.openxmlformats.org/presentationml/2006/main">
+  <p:cSld>
+    <p:spTree>
+      <p:nvGrpSpPr>
+        <p:cNvPr id="1" name=""/>
+        <p:cNvGrpSpPr/>
+        <p:nvPr/>
+      </p:nvGrpSpPr>
+      <p:grpSpPr>
+        <a:xfrm>
+          <a:off x="0" y="0"/>
+          <a:ext cx="0" cy="0"/>
+          <a:chOff x="0" y="0"/>
+          <a:chExt cx="0" cy="0"/>
+        </a:xfrm>
+      </p:grpSpPr>
+      <p:sp>
+        <p:nvSpPr>
+          <p:cNvPr id="2" name="Title 1"/>
+          <p:cNvSpPr>
+            <a:spLocks noGrp="1"/>
+          </p:cNvSpPr>
+          <p:nvPr>
+            <p:ph type="title"/>
+          </p:nvPr>
+        </p:nvSpPr>
+        <p:spPr/>
+        <p:txBody>
+          <a:bodyPr/>
+          <a:lstStyle/>
+          <a:p>
+            <a:r>
+              <a:rPr lang="en-US" dirty="0" smtClean="0"/>
+              <a:t>Debug Panel – 9 volt battery Indicator</a:t>
+            </a:r>
+            <a:endParaRPr lang="en-US" dirty="0"/>
+          </a:p>
+        </p:txBody>
+      </p:sp>
+      <p:sp>
+        <p:nvSpPr>
+          <p:cNvPr id="3" name="Content Placeholder 2"/>
+          <p:cNvSpPr>
+            <a:spLocks noGrp="1"/>
+          </p:cNvSpPr>
+          <p:nvPr>
+            <p:ph idx="1"/>
+          </p:nvPr>
+        </p:nvSpPr>
+        <p:spPr/>
+        <p:txBody>
+          <a:bodyPr/>
+          <a:lstStyle/>
+          <a:p>
+            <a:r>
+              <a:rPr lang="en-US" dirty="0" smtClean="0"/>
+              <a:t>Three LEDs in series with </a:t>
+            </a:r>
+            <a:r>
+              <a:rPr lang="en-US" dirty="0" err="1"/>
+              <a:t>z</a:t>
+            </a:r>
+            <a:r>
+              <a:rPr lang="en-US" dirty="0" err="1" smtClean="0"/>
+              <a:t>ener</a:t>
+            </a:r>
+            <a:r>
+              <a:rPr lang="en-US" dirty="0" smtClean="0"/>
+              <a:t> diodes</a:t>
+            </a:r>
+          </a:p>
+          <a:p>
+            <a:r>
+              <a:rPr lang="en-US" dirty="0" smtClean="0"/>
+              <a:t>LED colors: Green, Yellow, Red</a:t>
+            </a:r>
+            <a:endParaRPr lang="en-US" dirty="0"/>
+          </a:p>
+        </p:txBody>
+      </p:sp>
+      <p:pic>
+        <p:nvPicPr>
+          <p:cNvPr id="4" name="Picture 3"/>
+          <p:cNvPicPr>
+            <a:picLocks noChangeAspect="1"/>
+          </p:cNvPicPr>
+          <p:nvPr/>
+        </p:nvPicPr>
+        <p:blipFill>
+          <a:blip r:embed="rId2">
+            <a:extLst>
+              <a:ext uri="{28A0092B-C50C-407E-A947-70E740481C1C}">
+                <a14:useLocalDpi xmlns:a14="http://schemas.microsoft.com/office/drawing/2010/main" val="0"/>
+              </a:ext>
+            </a:extLst>
+          </a:blip>
+          <a:stretch>
+            <a:fillRect/>
+          </a:stretch>
+        </p:blipFill>
+        <p:spPr>
+          <a:xfrm>
+            <a:off x="4192440" y="3418057"/>
+            <a:ext cx="1975448" cy="3136163"/>
+          </a:xfrm>
+          <a:prstGeom prst="rect">
+            <a:avLst/>
+          </a:prstGeom>
+        </p:spPr>
+      </p:pic>
+      <p:pic>
+        <p:nvPicPr>
+          <p:cNvPr id="5" name="Picture 4"/>
+          <p:cNvPicPr>
+            <a:picLocks noChangeAspect="1"/>
+          </p:cNvPicPr>
+          <p:nvPr/>
+        </p:nvPicPr>
+        <p:blipFill>
+          <a:blip r:embed="rId3">
+            <a:extLst>
+              <a:ext uri="{28A0092B-C50C-407E-A947-70E740481C1C}">
+                <a14:useLocalDpi xmlns:a14="http://schemas.microsoft.com/office/drawing/2010/main" val="0"/>
+              </a:ext>
+            </a:extLst>
+          </a:blip>
+          <a:stretch>
+            <a:fillRect/>
+          </a:stretch>
+        </p:blipFill>
+        <p:spPr>
+          <a:xfrm>
+            <a:off x="6779570" y="1966582"/>
+            <a:ext cx="4999153" cy="4587638"/>
+          </a:xfrm>
+          <a:prstGeom prst="rect">
+            <a:avLst/>
+          </a:prstGeom>
+        </p:spPr>
+      </p:pic>
+    </p:spTree>
+    <p:extLst>
+      <p:ext uri="{BB962C8B-B14F-4D97-AF65-F5344CB8AC3E}">
+        <p14:creationId xmlns:p14="http://schemas.microsoft.com/office/powerpoint/2010/main" val="1537235511"/>
+      </p:ext>
+    </p:extLst>
+  </p:cSld>
+  <p:clrMapOvr>
+    <a:masterClrMapping/>
+  </p:clrMapOvr>
+</p:sld>
+</file>
+
+<file path=ppt/slides/slide33.xml><?xml version="1.0" encoding="utf-8"?>
+<p:sld xmlns:a="http://schemas.openxmlformats.org/drawingml/2006/main" xmlns:r="http://schemas.openxmlformats.org/officeDocument/2006/relationships" xmlns:p="http://schemas.openxmlformats.org/presentationml/2006/main">
+  <p:cSld>
+    <p:spTree>
+      <p:nvGrpSpPr>
+        <p:cNvPr id="1" name=""/>
+        <p:cNvGrpSpPr/>
+        <p:nvPr/>
+      </p:nvGrpSpPr>
+      <p:grpSpPr>
+        <a:xfrm>
+          <a:off x="0" y="0"/>
+          <a:ext cx="0" cy="0"/>
+          <a:chOff x="0" y="0"/>
+          <a:chExt cx="0" cy="0"/>
+        </a:xfrm>
+      </p:grpSpPr>
+      <p:sp>
+        <p:nvSpPr>
+          <p:cNvPr id="2" name="Title 1"/>
+          <p:cNvSpPr>
+            <a:spLocks noGrp="1"/>
+          </p:cNvSpPr>
+          <p:nvPr>
+            <p:ph type="title"/>
+          </p:nvPr>
+        </p:nvSpPr>
+        <p:spPr/>
+        <p:txBody>
+          <a:bodyPr/>
+          <a:lstStyle/>
+          <a:p>
+            <a:r>
+              <a:rPr lang="en-US" dirty="0" smtClean="0"/>
+              <a:t>Debug Panel Diagram</a:t>
+            </a:r>
+            <a:endParaRPr lang="en-US" dirty="0"/>
+          </a:p>
+        </p:txBody>
+      </p:sp>
+      <p:sp>
+        <p:nvSpPr>
+          <p:cNvPr id="3" name="Content Placeholder 2"/>
+          <p:cNvSpPr>
+            <a:spLocks noGrp="1"/>
+          </p:cNvSpPr>
+          <p:nvPr>
+            <p:ph idx="1"/>
+          </p:nvPr>
+        </p:nvSpPr>
+        <p:spPr/>
+        <p:txBody>
+          <a:bodyPr/>
+          <a:lstStyle/>
+          <a:p>
+            <a:r>
+              <a:rPr lang="en-US" dirty="0" smtClean="0"/>
+              <a:t>&lt;Diagram to be added here&gt;</a:t>
+            </a:r>
+            <a:endParaRPr lang="en-US" dirty="0"/>
+          </a:p>
+        </p:txBody>
+      </p:sp>
+    </p:spTree>
+    <p:extLst>
+      <p:ext uri="{BB962C8B-B14F-4D97-AF65-F5344CB8AC3E}">
+        <p14:creationId xmlns:p14="http://schemas.microsoft.com/office/powerpoint/2010/main" val="3201284775"/>
+      </p:ext>
+    </p:extLst>
+  </p:cSld>
+  <p:clrMapOvr>
+    <a:masterClrMapping/>
+  </p:clrMapOvr>
+</p:sld>
+</file>
+
+<file path=ppt/slides/slide34.xml><?xml version="1.0" encoding="utf-8"?>
+<p:sld xmlns:a="http://schemas.openxmlformats.org/drawingml/2006/main" xmlns:r="http://schemas.openxmlformats.org/officeDocument/2006/relationships" xmlns:p="http://schemas.openxmlformats.org/presentationml/2006/main">
+  <p:cSld>
+    <p:spTree>
+      <p:nvGrpSpPr>
+        <p:cNvPr id="1" name=""/>
+        <p:cNvGrpSpPr/>
+        <p:nvPr/>
+      </p:nvGrpSpPr>
+      <p:grpSpPr>
+        <a:xfrm>
+          <a:off x="0" y="0"/>
+          <a:ext cx="0" cy="0"/>
+          <a:chOff x="0" y="0"/>
+          <a:chExt cx="0" cy="0"/>
+        </a:xfrm>
+      </p:grpSpPr>
+      <p:sp>
+        <p:nvSpPr>
+          <p:cNvPr id="2" name="Title 1"/>
+          <p:cNvSpPr>
+            <a:spLocks noGrp="1"/>
+          </p:cNvSpPr>
+          <p:nvPr>
+            <p:ph type="title"/>
+          </p:nvPr>
+        </p:nvSpPr>
+        <p:spPr/>
+        <p:txBody>
+          <a:bodyPr/>
+          <a:lstStyle/>
+          <a:p>
+            <a:r>
+              <a:rPr lang="en-US" dirty="0" smtClean="0"/>
+              <a:t>Control Signal and Feedback Conditioning</a:t>
+            </a:r>
+            <a:endParaRPr lang="en-US" dirty="0"/>
+          </a:p>
+        </p:txBody>
+      </p:sp>
+      <p:sp>
+        <p:nvSpPr>
+          <p:cNvPr id="3" name="Content Placeholder 2"/>
+          <p:cNvSpPr>
+            <a:spLocks noGrp="1"/>
+          </p:cNvSpPr>
+          <p:nvPr>
+            <p:ph idx="1"/>
+          </p:nvPr>
+        </p:nvSpPr>
+        <p:spPr/>
+        <p:txBody>
+          <a:bodyPr/>
+          <a:lstStyle/>
+          <a:p>
+            <a:r>
+              <a:rPr lang="en-US" dirty="0" smtClean="0"/>
+              <a:t>Signal Conditioning</a:t>
+            </a:r>
+          </a:p>
+          <a:p>
+            <a:pPr marL="0" indent="0">
+              <a:buNone/>
+            </a:pPr>
+            <a:r>
+              <a:rPr lang="en-US" dirty="0" smtClean="0"/>
+              <a:t>	PWM -&gt; analog voltage -&gt; optical signal -&gt; analog voltage</a:t>
+            </a:r>
+          </a:p>
+          <a:p>
+            <a:r>
+              <a:rPr lang="en-US" dirty="0" err="1" smtClean="0"/>
+              <a:t>Opto</a:t>
+            </a:r>
+            <a:r>
+              <a:rPr lang="en-US" dirty="0" smtClean="0"/>
+              <a:t>-isolator separates electrical circuits</a:t>
+            </a:r>
+          </a:p>
+          <a:p>
+            <a:endParaRPr lang="en-US" dirty="0"/>
+          </a:p>
+        </p:txBody>
+      </p:sp>
+      <p:pic>
+        <p:nvPicPr>
+          <p:cNvPr id="4" name="Picture 3"/>
+          <p:cNvPicPr>
+            <a:picLocks noChangeAspect="1"/>
+          </p:cNvPicPr>
+          <p:nvPr/>
+        </p:nvPicPr>
+        <p:blipFill>
+          <a:blip r:embed="rId2">
+            <a:extLst>
+              <a:ext uri="{28A0092B-C50C-407E-A947-70E740481C1C}">
+                <a14:useLocalDpi xmlns:a14="http://schemas.microsoft.com/office/drawing/2010/main" val="0"/>
+              </a:ext>
+            </a:extLst>
+          </a:blip>
+          <a:stretch>
+            <a:fillRect/>
+          </a:stretch>
+        </p:blipFill>
+        <p:spPr>
+          <a:xfrm>
+            <a:off x="1065211" y="4149370"/>
+            <a:ext cx="10058400" cy="2448910"/>
+          </a:xfrm>
+          <a:prstGeom prst="rect">
+            <a:avLst/>
+          </a:prstGeom>
+        </p:spPr>
+      </p:pic>
+    </p:spTree>
+    <p:extLst>
+      <p:ext uri="{BB962C8B-B14F-4D97-AF65-F5344CB8AC3E}">
+        <p14:creationId xmlns:p14="http://schemas.microsoft.com/office/powerpoint/2010/main" val="3362615130"/>
+      </p:ext>
+    </p:extLst>
+  </p:cSld>
+  <p:clrMapOvr>
+    <a:masterClrMapping/>
+  </p:clrMapOvr>
+</p:sld>
+</file>
+
+<file path=ppt/slides/slide35.xml><?xml version="1.0" encoding="utf-8"?>
+<p:sld xmlns:a="http://schemas.openxmlformats.org/drawingml/2006/main" xmlns:r="http://schemas.openxmlformats.org/officeDocument/2006/relationships" xmlns:p="http://schemas.openxmlformats.org/presentationml/2006/main">
+  <p:cSld>
+    <p:spTree>
+      <p:nvGrpSpPr>
+        <p:cNvPr id="1" name=""/>
+        <p:cNvGrpSpPr/>
+        <p:nvPr/>
+      </p:nvGrpSpPr>
+      <p:grpSpPr>
+        <a:xfrm>
+          <a:off x="0" y="0"/>
+          <a:ext cx="0" cy="0"/>
+          <a:chOff x="0" y="0"/>
+          <a:chExt cx="0" cy="0"/>
+        </a:xfrm>
+      </p:grpSpPr>
+      <p:sp>
+        <p:nvSpPr>
+          <p:cNvPr id="2" name="Title 1"/>
+          <p:cNvSpPr>
+            <a:spLocks noGrp="1"/>
+          </p:cNvSpPr>
+          <p:nvPr>
+            <p:ph type="title"/>
+          </p:nvPr>
+        </p:nvSpPr>
+        <p:spPr/>
+        <p:txBody>
+          <a:bodyPr/>
+          <a:lstStyle/>
+          <a:p>
+            <a:r>
+              <a:rPr lang="en-US" smtClean="0"/>
+              <a:t>Questions?</a:t>
+            </a:r>
+            <a:endParaRPr lang="en-US" dirty="0"/>
+          </a:p>
+        </p:txBody>
+      </p:sp>
+      <p:sp>
+        <p:nvSpPr>
+          <p:cNvPr id="3" name="Content Placeholder 2"/>
+          <p:cNvSpPr>
+            <a:spLocks noGrp="1"/>
+          </p:cNvSpPr>
+          <p:nvPr>
+            <p:ph idx="1"/>
+          </p:nvPr>
+        </p:nvSpPr>
+        <p:spPr/>
+        <p:txBody>
+          <a:bodyPr/>
+          <a:lstStyle/>
+          <a:p>
+            <a:endParaRPr lang="en-US"/>
+          </a:p>
+        </p:txBody>
+      </p:sp>
+    </p:spTree>
+    <p:extLst>
+      <p:ext uri="{BB962C8B-B14F-4D97-AF65-F5344CB8AC3E}">
+        <p14:creationId xmlns:p14="http://schemas.microsoft.com/office/powerpoint/2010/main" val="2128152266"/>
       </p:ext>
     </p:extLst>
   </p:cSld>
@@ -24474,8 +25632,8 @@
           </a:p>
         </p:txBody>
       </p:sp>
-      <mc:AlternateContent xmlns:mc="http://schemas.openxmlformats.org/markup-compatibility/2006">
-        <mc:Choice xmlns:a14="http://schemas.microsoft.com/office/drawing/2010/main" Requires="a14">
+      <mc:AlternateContent xmlns:mc="http://schemas.openxmlformats.org/markup-compatibility/2006" xmlns:a14="http://schemas.microsoft.com/office/drawing/2010/main">
+        <mc:Choice Requires="a14">
           <p:sp>
             <p:nvSpPr>
               <p:cNvPr id="56" name="TextBox 55"/>
@@ -25762,7 +26920,7 @@
             </p:txBody>
           </p:sp>
         </mc:Choice>
-        <mc:Fallback>
+        <mc:Fallback xmlns="">
           <p:sp>
             <p:nvSpPr>
               <p:cNvPr id="56" name="TextBox 55"/>
@@ -25907,8 +27065,8 @@
           </a:p>
         </p:txBody>
       </p:sp>
-      <mc:AlternateContent xmlns:mc="http://schemas.openxmlformats.org/markup-compatibility/2006">
-        <mc:Choice xmlns:a14="http://schemas.microsoft.com/office/drawing/2010/main" Requires="a14">
+      <mc:AlternateContent xmlns:mc="http://schemas.openxmlformats.org/markup-compatibility/2006" xmlns:a14="http://schemas.microsoft.com/office/drawing/2010/main">
+        <mc:Choice Requires="a14">
           <p:sp>
             <p:nvSpPr>
               <p:cNvPr id="4" name="TextBox 3"/>
@@ -26301,7 +27459,7 @@
             </p:txBody>
           </p:sp>
         </mc:Choice>
-        <mc:Fallback>
+        <mc:Fallback xmlns="">
           <p:sp>
             <p:nvSpPr>
               <p:cNvPr id="4" name="TextBox 3"/>

--- a/Documentation/Presentation/Design Presentation/Design Presentation.pptx
+++ b/Documentation/Presentation/Design Presentation/Design Presentation.pptx
@@ -203,7 +203,7 @@
           <a:noFill/>
           <a:extLst>
             <a:ext uri="{909E8E84-426E-40dd-AFC4-6F175D3DCCD1}">
-              <a14:hiddenFill xmlns:a14="http://schemas.microsoft.com/office/drawing/2010/main" xmlns="">
+              <a14:hiddenFill xmlns="" xmlns:a14="http://schemas.microsoft.com/office/drawing/2010/main">
                 <a:solidFill>
                   <a:srgbClr val="FFFFFF"/>
                 </a:solidFill>
@@ -262,7 +262,7 @@
             </a:ln>
             <a:extLst>
               <a:ext uri="{91240B29-F687-4f45-9708-019B960494DF}">
-                <a14:hiddenLine xmlns:a14="http://schemas.microsoft.com/office/drawing/2010/main" xmlns="" w="9525">
+                <a14:hiddenLine xmlns="" xmlns:a14="http://schemas.microsoft.com/office/drawing/2010/main" w="9525">
                   <a:solidFill>
                     <a:srgbClr val="000000"/>
                   </a:solidFill>
@@ -352,7 +352,7 @@
             </a:ln>
             <a:extLst>
               <a:ext uri="{91240B29-F687-4f45-9708-019B960494DF}">
-                <a14:hiddenLine xmlns:a14="http://schemas.microsoft.com/office/drawing/2010/main" xmlns="" w="9525">
+                <a14:hiddenLine xmlns="" xmlns:a14="http://schemas.microsoft.com/office/drawing/2010/main" w="9525">
                   <a:solidFill>
                     <a:srgbClr val="000000"/>
                   </a:solidFill>
@@ -442,7 +442,7 @@
             </a:ln>
             <a:extLst>
               <a:ext uri="{91240B29-F687-4f45-9708-019B960494DF}">
-                <a14:hiddenLine xmlns:a14="http://schemas.microsoft.com/office/drawing/2010/main" xmlns="" w="9525">
+                <a14:hiddenLine xmlns="" xmlns:a14="http://schemas.microsoft.com/office/drawing/2010/main" w="9525">
                   <a:solidFill>
                     <a:srgbClr val="000000"/>
                   </a:solidFill>
@@ -476,7 +476,7 @@
             </a:ln>
             <a:extLst>
               <a:ext uri="{91240B29-F687-4f45-9708-019B960494DF}">
-                <a14:hiddenLine xmlns:a14="http://schemas.microsoft.com/office/drawing/2010/main" xmlns="" w="9525">
+                <a14:hiddenLine xmlns="" xmlns:a14="http://schemas.microsoft.com/office/drawing/2010/main" w="9525">
                   <a:solidFill>
                     <a:srgbClr val="000000"/>
                   </a:solidFill>
@@ -566,7 +566,7 @@
             </a:ln>
             <a:extLst>
               <a:ext uri="{91240B29-F687-4f45-9708-019B960494DF}">
-                <a14:hiddenLine xmlns:a14="http://schemas.microsoft.com/office/drawing/2010/main" xmlns="" w="9525">
+                <a14:hiddenLine xmlns="" xmlns:a14="http://schemas.microsoft.com/office/drawing/2010/main" w="9525">
                   <a:solidFill>
                     <a:srgbClr val="000000"/>
                   </a:solidFill>
@@ -628,7 +628,7 @@
             </a:ln>
             <a:extLst>
               <a:ext uri="{91240B29-F687-4f45-9708-019B960494DF}">
-                <a14:hiddenLine xmlns:a14="http://schemas.microsoft.com/office/drawing/2010/main" xmlns="" w="9525">
+                <a14:hiddenLine xmlns="" xmlns:a14="http://schemas.microsoft.com/office/drawing/2010/main" w="9525">
                   <a:solidFill>
                     <a:srgbClr val="000000"/>
                   </a:solidFill>
@@ -690,7 +690,7 @@
             </a:ln>
             <a:extLst>
               <a:ext uri="{91240B29-F687-4f45-9708-019B960494DF}">
-                <a14:hiddenLine xmlns:a14="http://schemas.microsoft.com/office/drawing/2010/main" xmlns="" w="9525">
+                <a14:hiddenLine xmlns="" xmlns:a14="http://schemas.microsoft.com/office/drawing/2010/main" w="9525">
                   <a:solidFill>
                     <a:srgbClr val="000000"/>
                   </a:solidFill>
@@ -780,7 +780,7 @@
             </a:ln>
             <a:extLst>
               <a:ext uri="{91240B29-F687-4f45-9708-019B960494DF}">
-                <a14:hiddenLine xmlns:a14="http://schemas.microsoft.com/office/drawing/2010/main" xmlns="" w="9525">
+                <a14:hiddenLine xmlns="" xmlns:a14="http://schemas.microsoft.com/office/drawing/2010/main" w="9525">
                   <a:solidFill>
                     <a:srgbClr val="000000"/>
                   </a:solidFill>
@@ -842,7 +842,7 @@
             </a:ln>
             <a:extLst>
               <a:ext uri="{91240B29-F687-4f45-9708-019B960494DF}">
-                <a14:hiddenLine xmlns:a14="http://schemas.microsoft.com/office/drawing/2010/main" xmlns="" w="9525">
+                <a14:hiddenLine xmlns="" xmlns:a14="http://schemas.microsoft.com/office/drawing/2010/main" w="9525">
                   <a:solidFill>
                     <a:srgbClr val="000000"/>
                   </a:solidFill>
@@ -904,7 +904,7 @@
             </a:ln>
             <a:extLst>
               <a:ext uri="{91240B29-F687-4f45-9708-019B960494DF}">
-                <a14:hiddenLine xmlns:a14="http://schemas.microsoft.com/office/drawing/2010/main" xmlns="" w="9525">
+                <a14:hiddenLine xmlns="" xmlns:a14="http://schemas.microsoft.com/office/drawing/2010/main" w="9525">
                   <a:solidFill>
                     <a:srgbClr val="000000"/>
                   </a:solidFill>
@@ -994,7 +994,7 @@
             </a:ln>
             <a:extLst>
               <a:ext uri="{91240B29-F687-4f45-9708-019B960494DF}">
-                <a14:hiddenLine xmlns:a14="http://schemas.microsoft.com/office/drawing/2010/main" xmlns="" w="9525">
+                <a14:hiddenLine xmlns="" xmlns:a14="http://schemas.microsoft.com/office/drawing/2010/main" w="9525">
                   <a:solidFill>
                     <a:srgbClr val="000000"/>
                   </a:solidFill>
@@ -1084,7 +1084,7 @@
             </a:ln>
             <a:extLst>
               <a:ext uri="{91240B29-F687-4f45-9708-019B960494DF}">
-                <a14:hiddenLine xmlns:a14="http://schemas.microsoft.com/office/drawing/2010/main" xmlns="" w="9525">
+                <a14:hiddenLine xmlns="" xmlns:a14="http://schemas.microsoft.com/office/drawing/2010/main" w="9525">
                   <a:solidFill>
                     <a:srgbClr val="000000"/>
                   </a:solidFill>
@@ -1146,7 +1146,7 @@
             </a:ln>
             <a:extLst>
               <a:ext uri="{91240B29-F687-4f45-9708-019B960494DF}">
-                <a14:hiddenLine xmlns:a14="http://schemas.microsoft.com/office/drawing/2010/main" xmlns="" w="9525">
+                <a14:hiddenLine xmlns="" xmlns:a14="http://schemas.microsoft.com/office/drawing/2010/main" w="9525">
                   <a:solidFill>
                     <a:srgbClr val="000000"/>
                   </a:solidFill>
@@ -1256,7 +1256,7 @@
             </a:ln>
             <a:extLst>
               <a:ext uri="{91240B29-F687-4f45-9708-019B960494DF}">
-                <a14:hiddenLine xmlns:a14="http://schemas.microsoft.com/office/drawing/2010/main" xmlns="" w="9525">
+                <a14:hiddenLine xmlns="" xmlns:a14="http://schemas.microsoft.com/office/drawing/2010/main" w="9525">
                   <a:solidFill>
                     <a:srgbClr val="000000"/>
                   </a:solidFill>
@@ -1318,7 +1318,7 @@
             </a:ln>
             <a:extLst>
               <a:ext uri="{91240B29-F687-4f45-9708-019B960494DF}">
-                <a14:hiddenLine xmlns:a14="http://schemas.microsoft.com/office/drawing/2010/main" xmlns="" w="9525">
+                <a14:hiddenLine xmlns="" xmlns:a14="http://schemas.microsoft.com/office/drawing/2010/main" w="9525">
                   <a:solidFill>
                     <a:srgbClr val="000000"/>
                   </a:solidFill>
@@ -1408,7 +1408,7 @@
             </a:ln>
             <a:extLst>
               <a:ext uri="{91240B29-F687-4f45-9708-019B960494DF}">
-                <a14:hiddenLine xmlns:a14="http://schemas.microsoft.com/office/drawing/2010/main" xmlns="" w="9525">
+                <a14:hiddenLine xmlns="" xmlns:a14="http://schemas.microsoft.com/office/drawing/2010/main" w="9525">
                   <a:solidFill>
                     <a:srgbClr val="000000"/>
                   </a:solidFill>
@@ -1498,7 +1498,7 @@
             </a:ln>
             <a:extLst>
               <a:ext uri="{91240B29-F687-4f45-9708-019B960494DF}">
-                <a14:hiddenLine xmlns:a14="http://schemas.microsoft.com/office/drawing/2010/main" xmlns="" w="9525">
+                <a14:hiddenLine xmlns="" xmlns:a14="http://schemas.microsoft.com/office/drawing/2010/main" w="9525">
                   <a:solidFill>
                     <a:srgbClr val="000000"/>
                   </a:solidFill>
@@ -1560,7 +1560,7 @@
             </a:ln>
             <a:extLst>
               <a:ext uri="{91240B29-F687-4f45-9708-019B960494DF}">
-                <a14:hiddenLine xmlns:a14="http://schemas.microsoft.com/office/drawing/2010/main" xmlns="" w="9525">
+                <a14:hiddenLine xmlns="" xmlns:a14="http://schemas.microsoft.com/office/drawing/2010/main" w="9525">
                   <a:solidFill>
                     <a:srgbClr val="000000"/>
                   </a:solidFill>
@@ -1650,7 +1650,7 @@
             </a:ln>
             <a:extLst>
               <a:ext uri="{91240B29-F687-4f45-9708-019B960494DF}">
-                <a14:hiddenLine xmlns:a14="http://schemas.microsoft.com/office/drawing/2010/main" xmlns="" w="9525">
+                <a14:hiddenLine xmlns="" xmlns:a14="http://schemas.microsoft.com/office/drawing/2010/main" w="9525">
                   <a:solidFill>
                     <a:srgbClr val="000000"/>
                   </a:solidFill>
@@ -1740,7 +1740,7 @@
             </a:ln>
             <a:extLst>
               <a:ext uri="{91240B29-F687-4f45-9708-019B960494DF}">
-                <a14:hiddenLine xmlns:a14="http://schemas.microsoft.com/office/drawing/2010/main" xmlns="" w="9525">
+                <a14:hiddenLine xmlns="" xmlns:a14="http://schemas.microsoft.com/office/drawing/2010/main" w="9525">
                   <a:solidFill>
                     <a:srgbClr val="000000"/>
                   </a:solidFill>
@@ -1796,7 +1796,7 @@
             </a:ln>
             <a:extLst>
               <a:ext uri="{91240B29-F687-4f45-9708-019B960494DF}">
-                <a14:hiddenLine xmlns:a14="http://schemas.microsoft.com/office/drawing/2010/main" xmlns="" w="9525">
+                <a14:hiddenLine xmlns="" xmlns:a14="http://schemas.microsoft.com/office/drawing/2010/main" w="9525">
                   <a:solidFill>
                     <a:srgbClr val="000000"/>
                   </a:solidFill>
@@ -1886,7 +1886,7 @@
             </a:ln>
             <a:extLst>
               <a:ext uri="{91240B29-F687-4f45-9708-019B960494DF}">
-                <a14:hiddenLine xmlns:a14="http://schemas.microsoft.com/office/drawing/2010/main" xmlns="" w="9525">
+                <a14:hiddenLine xmlns="" xmlns:a14="http://schemas.microsoft.com/office/drawing/2010/main" w="9525">
                   <a:solidFill>
                     <a:srgbClr val="000000"/>
                   </a:solidFill>
@@ -1942,7 +1942,7 @@
             </a:ln>
             <a:extLst>
               <a:ext uri="{91240B29-F687-4f45-9708-019B960494DF}">
-                <a14:hiddenLine xmlns:a14="http://schemas.microsoft.com/office/drawing/2010/main" xmlns="" w="9525">
+                <a14:hiddenLine xmlns="" xmlns:a14="http://schemas.microsoft.com/office/drawing/2010/main" w="9525">
                   <a:solidFill>
                     <a:srgbClr val="000000"/>
                   </a:solidFill>
@@ -2032,7 +2032,7 @@
             </a:ln>
             <a:extLst>
               <a:ext uri="{91240B29-F687-4f45-9708-019B960494DF}">
-                <a14:hiddenLine xmlns:a14="http://schemas.microsoft.com/office/drawing/2010/main" xmlns="" w="9525">
+                <a14:hiddenLine xmlns="" xmlns:a14="http://schemas.microsoft.com/office/drawing/2010/main" w="9525">
                   <a:solidFill>
                     <a:srgbClr val="000000"/>
                   </a:solidFill>
@@ -2100,7 +2100,7 @@
             </a:ln>
             <a:extLst>
               <a:ext uri="{91240B29-F687-4f45-9708-019B960494DF}">
-                <a14:hiddenLine xmlns:a14="http://schemas.microsoft.com/office/drawing/2010/main" xmlns="" w="9525">
+                <a14:hiddenLine xmlns="" xmlns:a14="http://schemas.microsoft.com/office/drawing/2010/main" w="9525">
                   <a:solidFill>
                     <a:srgbClr val="000000"/>
                   </a:solidFill>
@@ -2190,7 +2190,7 @@
             </a:ln>
             <a:extLst>
               <a:ext uri="{91240B29-F687-4f45-9708-019B960494DF}">
-                <a14:hiddenLine xmlns:a14="http://schemas.microsoft.com/office/drawing/2010/main" xmlns="" w="9525">
+                <a14:hiddenLine xmlns="" xmlns:a14="http://schemas.microsoft.com/office/drawing/2010/main" w="9525">
                   <a:solidFill>
                     <a:srgbClr val="000000"/>
                   </a:solidFill>
@@ -2258,7 +2258,7 @@
             </a:ln>
             <a:extLst>
               <a:ext uri="{91240B29-F687-4f45-9708-019B960494DF}">
-                <a14:hiddenLine xmlns:a14="http://schemas.microsoft.com/office/drawing/2010/main" xmlns="" w="9525">
+                <a14:hiddenLine xmlns="" xmlns:a14="http://schemas.microsoft.com/office/drawing/2010/main" w="9525">
                   <a:solidFill>
                     <a:srgbClr val="000000"/>
                   </a:solidFill>
@@ -2348,7 +2348,7 @@
             </a:ln>
             <a:extLst>
               <a:ext uri="{91240B29-F687-4f45-9708-019B960494DF}">
-                <a14:hiddenLine xmlns:a14="http://schemas.microsoft.com/office/drawing/2010/main" xmlns="" w="9525">
+                <a14:hiddenLine xmlns="" xmlns:a14="http://schemas.microsoft.com/office/drawing/2010/main" w="9525">
                   <a:solidFill>
                     <a:srgbClr val="000000"/>
                   </a:solidFill>
@@ -2382,7 +2382,7 @@
             </a:ln>
             <a:extLst>
               <a:ext uri="{91240B29-F687-4f45-9708-019B960494DF}">
-                <a14:hiddenLine xmlns:a14="http://schemas.microsoft.com/office/drawing/2010/main" xmlns="" w="9525">
+                <a14:hiddenLine xmlns="" xmlns:a14="http://schemas.microsoft.com/office/drawing/2010/main" w="9525">
                   <a:solidFill>
                     <a:srgbClr val="000000"/>
                   </a:solidFill>
@@ -2472,7 +2472,7 @@
             </a:ln>
             <a:extLst>
               <a:ext uri="{91240B29-F687-4f45-9708-019B960494DF}">
-                <a14:hiddenLine xmlns:a14="http://schemas.microsoft.com/office/drawing/2010/main" xmlns="" w="9525">
+                <a14:hiddenLine xmlns="" xmlns:a14="http://schemas.microsoft.com/office/drawing/2010/main" w="9525">
                   <a:solidFill>
                     <a:srgbClr val="000000"/>
                   </a:solidFill>
@@ -2534,7 +2534,7 @@
             </a:ln>
             <a:extLst>
               <a:ext uri="{91240B29-F687-4f45-9708-019B960494DF}">
-                <a14:hiddenLine xmlns:a14="http://schemas.microsoft.com/office/drawing/2010/main" xmlns="" w="9525">
+                <a14:hiddenLine xmlns="" xmlns:a14="http://schemas.microsoft.com/office/drawing/2010/main" w="9525">
                   <a:solidFill>
                     <a:srgbClr val="000000"/>
                   </a:solidFill>
@@ -2596,7 +2596,7 @@
             </a:ln>
             <a:extLst>
               <a:ext uri="{91240B29-F687-4f45-9708-019B960494DF}">
-                <a14:hiddenLine xmlns:a14="http://schemas.microsoft.com/office/drawing/2010/main" xmlns="" w="9525">
+                <a14:hiddenLine xmlns="" xmlns:a14="http://schemas.microsoft.com/office/drawing/2010/main" w="9525">
                   <a:solidFill>
                     <a:srgbClr val="000000"/>
                   </a:solidFill>
@@ -2686,7 +2686,7 @@
             </a:ln>
             <a:extLst>
               <a:ext uri="{91240B29-F687-4f45-9708-019B960494DF}">
-                <a14:hiddenLine xmlns:a14="http://schemas.microsoft.com/office/drawing/2010/main" xmlns="" w="9525">
+                <a14:hiddenLine xmlns="" xmlns:a14="http://schemas.microsoft.com/office/drawing/2010/main" w="9525">
                   <a:solidFill>
                     <a:srgbClr val="000000"/>
                   </a:solidFill>
@@ -2754,7 +2754,7 @@
             </a:ln>
             <a:extLst>
               <a:ext uri="{91240B29-F687-4f45-9708-019B960494DF}">
-                <a14:hiddenLine xmlns:a14="http://schemas.microsoft.com/office/drawing/2010/main" xmlns="" w="9525">
+                <a14:hiddenLine xmlns="" xmlns:a14="http://schemas.microsoft.com/office/drawing/2010/main" w="9525">
                   <a:solidFill>
                     <a:srgbClr val="000000"/>
                   </a:solidFill>
@@ -2816,7 +2816,7 @@
             </a:ln>
             <a:extLst>
               <a:ext uri="{91240B29-F687-4f45-9708-019B960494DF}">
-                <a14:hiddenLine xmlns:a14="http://schemas.microsoft.com/office/drawing/2010/main" xmlns="" w="9525">
+                <a14:hiddenLine xmlns="" xmlns:a14="http://schemas.microsoft.com/office/drawing/2010/main" w="9525">
                   <a:solidFill>
                     <a:srgbClr val="000000"/>
                   </a:solidFill>
@@ -2906,7 +2906,7 @@
             </a:ln>
             <a:extLst>
               <a:ext uri="{91240B29-F687-4f45-9708-019B960494DF}">
-                <a14:hiddenLine xmlns:a14="http://schemas.microsoft.com/office/drawing/2010/main" xmlns="" w="9525">
+                <a14:hiddenLine xmlns="" xmlns:a14="http://schemas.microsoft.com/office/drawing/2010/main" w="9525">
                   <a:solidFill>
                     <a:srgbClr val="000000"/>
                   </a:solidFill>
@@ -2968,7 +2968,7 @@
             </a:ln>
             <a:extLst>
               <a:ext uri="{91240B29-F687-4f45-9708-019B960494DF}">
-                <a14:hiddenLine xmlns:a14="http://schemas.microsoft.com/office/drawing/2010/main" xmlns="" w="9525">
+                <a14:hiddenLine xmlns="" xmlns:a14="http://schemas.microsoft.com/office/drawing/2010/main" w="9525">
                   <a:solidFill>
                     <a:srgbClr val="000000"/>
                   </a:solidFill>
@@ -3058,7 +3058,7 @@
             </a:ln>
             <a:extLst>
               <a:ext uri="{91240B29-F687-4f45-9708-019B960494DF}">
-                <a14:hiddenLine xmlns:a14="http://schemas.microsoft.com/office/drawing/2010/main" xmlns="" w="9525">
+                <a14:hiddenLine xmlns="" xmlns:a14="http://schemas.microsoft.com/office/drawing/2010/main" w="9525">
                   <a:solidFill>
                     <a:srgbClr val="000000"/>
                   </a:solidFill>
@@ -3120,7 +3120,7 @@
             </a:ln>
             <a:extLst>
               <a:ext uri="{91240B29-F687-4f45-9708-019B960494DF}">
-                <a14:hiddenLine xmlns:a14="http://schemas.microsoft.com/office/drawing/2010/main" xmlns="" w="9525">
+                <a14:hiddenLine xmlns="" xmlns:a14="http://schemas.microsoft.com/office/drawing/2010/main" w="9525">
                   <a:solidFill>
                     <a:srgbClr val="000000"/>
                   </a:solidFill>
@@ -3210,7 +3210,7 @@
             </a:ln>
             <a:extLst>
               <a:ext uri="{91240B29-F687-4f45-9708-019B960494DF}">
-                <a14:hiddenLine xmlns:a14="http://schemas.microsoft.com/office/drawing/2010/main" xmlns="" w="9525">
+                <a14:hiddenLine xmlns="" xmlns:a14="http://schemas.microsoft.com/office/drawing/2010/main" w="9525">
                   <a:solidFill>
                     <a:srgbClr val="000000"/>
                   </a:solidFill>
@@ -3244,7 +3244,7 @@
             </a:ln>
             <a:extLst>
               <a:ext uri="{91240B29-F687-4f45-9708-019B960494DF}">
-                <a14:hiddenLine xmlns:a14="http://schemas.microsoft.com/office/drawing/2010/main" xmlns="" w="9525">
+                <a14:hiddenLine xmlns="" xmlns:a14="http://schemas.microsoft.com/office/drawing/2010/main" w="9525">
                   <a:solidFill>
                     <a:srgbClr val="000000"/>
                   </a:solidFill>
@@ -3309,7 +3309,7 @@
             </a:ln>
             <a:extLst>
               <a:ext uri="{91240B29-F687-4f45-9708-019B960494DF}">
-                <a14:hiddenLine xmlns:a14="http://schemas.microsoft.com/office/drawing/2010/main" xmlns="" w="9525">
+                <a14:hiddenLine xmlns="" xmlns:a14="http://schemas.microsoft.com/office/drawing/2010/main" w="9525">
                   <a:solidFill>
                     <a:srgbClr val="000000"/>
                   </a:solidFill>
@@ -3399,7 +3399,7 @@
             </a:ln>
             <a:extLst>
               <a:ext uri="{91240B29-F687-4f45-9708-019B960494DF}">
-                <a14:hiddenLine xmlns:a14="http://schemas.microsoft.com/office/drawing/2010/main" xmlns="" w="9525">
+                <a14:hiddenLine xmlns="" xmlns:a14="http://schemas.microsoft.com/office/drawing/2010/main" w="9525">
                   <a:solidFill>
                     <a:srgbClr val="000000"/>
                   </a:solidFill>
@@ -3461,7 +3461,7 @@
             </a:ln>
             <a:extLst>
               <a:ext uri="{91240B29-F687-4f45-9708-019B960494DF}">
-                <a14:hiddenLine xmlns:a14="http://schemas.microsoft.com/office/drawing/2010/main" xmlns="" w="9525">
+                <a14:hiddenLine xmlns="" xmlns:a14="http://schemas.microsoft.com/office/drawing/2010/main" w="9525">
                   <a:solidFill>
                     <a:srgbClr val="000000"/>
                   </a:solidFill>
@@ -3551,7 +3551,7 @@
             </a:ln>
             <a:extLst>
               <a:ext uri="{91240B29-F687-4f45-9708-019B960494DF}">
-                <a14:hiddenLine xmlns:a14="http://schemas.microsoft.com/office/drawing/2010/main" xmlns="" w="9525">
+                <a14:hiddenLine xmlns="" xmlns:a14="http://schemas.microsoft.com/office/drawing/2010/main" w="9525">
                   <a:solidFill>
                     <a:srgbClr val="000000"/>
                   </a:solidFill>
@@ -3641,7 +3641,7 @@
             </a:ln>
             <a:extLst>
               <a:ext uri="{91240B29-F687-4f45-9708-019B960494DF}">
-                <a14:hiddenLine xmlns:a14="http://schemas.microsoft.com/office/drawing/2010/main" xmlns="" w="9525">
+                <a14:hiddenLine xmlns="" xmlns:a14="http://schemas.microsoft.com/office/drawing/2010/main" w="9525">
                   <a:solidFill>
                     <a:srgbClr val="000000"/>
                   </a:solidFill>
@@ -3706,7 +3706,7 @@
             </a:ln>
             <a:extLst>
               <a:ext uri="{91240B29-F687-4f45-9708-019B960494DF}">
-                <a14:hiddenLine xmlns:a14="http://schemas.microsoft.com/office/drawing/2010/main" xmlns="" w="9525">
+                <a14:hiddenLine xmlns="" xmlns:a14="http://schemas.microsoft.com/office/drawing/2010/main" w="9525">
                   <a:solidFill>
                     <a:srgbClr val="000000"/>
                   </a:solidFill>
@@ -3768,7 +3768,7 @@
             </a:ln>
             <a:extLst>
               <a:ext uri="{91240B29-F687-4f45-9708-019B960494DF}">
-                <a14:hiddenLine xmlns:a14="http://schemas.microsoft.com/office/drawing/2010/main" xmlns="" w="9525">
+                <a14:hiddenLine xmlns="" xmlns:a14="http://schemas.microsoft.com/office/drawing/2010/main" w="9525">
                   <a:solidFill>
                     <a:srgbClr val="000000"/>
                   </a:solidFill>
@@ -3858,7 +3858,7 @@
             </a:ln>
             <a:extLst>
               <a:ext uri="{91240B29-F687-4f45-9708-019B960494DF}">
-                <a14:hiddenLine xmlns:a14="http://schemas.microsoft.com/office/drawing/2010/main" xmlns="" w="9525">
+                <a14:hiddenLine xmlns="" xmlns:a14="http://schemas.microsoft.com/office/drawing/2010/main" w="9525">
                   <a:solidFill>
                     <a:srgbClr val="000000"/>
                   </a:solidFill>
@@ -3948,7 +3948,7 @@
             </a:ln>
             <a:extLst>
               <a:ext uri="{91240B29-F687-4f45-9708-019B960494DF}">
-                <a14:hiddenLine xmlns:a14="http://schemas.microsoft.com/office/drawing/2010/main" xmlns="" w="9525">
+                <a14:hiddenLine xmlns="" xmlns:a14="http://schemas.microsoft.com/office/drawing/2010/main" w="9525">
                   <a:solidFill>
                     <a:srgbClr val="000000"/>
                   </a:solidFill>
@@ -4010,7 +4010,7 @@
             </a:ln>
             <a:extLst>
               <a:ext uri="{91240B29-F687-4f45-9708-019B960494DF}">
-                <a14:hiddenLine xmlns:a14="http://schemas.microsoft.com/office/drawing/2010/main" xmlns="" w="9525">
+                <a14:hiddenLine xmlns="" xmlns:a14="http://schemas.microsoft.com/office/drawing/2010/main" w="9525">
                   <a:solidFill>
                     <a:srgbClr val="000000"/>
                   </a:solidFill>
@@ -4130,7 +4130,7 @@
             </a:ln>
             <a:extLst>
               <a:ext uri="{91240B29-F687-4f45-9708-019B960494DF}">
-                <a14:hiddenLine xmlns:a14="http://schemas.microsoft.com/office/drawing/2010/main" xmlns="" w="9525">
+                <a14:hiddenLine xmlns="" xmlns:a14="http://schemas.microsoft.com/office/drawing/2010/main" w="9525">
                   <a:solidFill>
                     <a:srgbClr val="000000"/>
                   </a:solidFill>
@@ -4198,7 +4198,7 @@
             </a:ln>
             <a:extLst>
               <a:ext uri="{91240B29-F687-4f45-9708-019B960494DF}">
-                <a14:hiddenLine xmlns:a14="http://schemas.microsoft.com/office/drawing/2010/main" xmlns="" w="9525">
+                <a14:hiddenLine xmlns="" xmlns:a14="http://schemas.microsoft.com/office/drawing/2010/main" w="9525">
                   <a:solidFill>
                     <a:srgbClr val="000000"/>
                   </a:solidFill>
@@ -4288,7 +4288,7 @@
             </a:ln>
             <a:extLst>
               <a:ext uri="{91240B29-F687-4f45-9708-019B960494DF}">
-                <a14:hiddenLine xmlns:a14="http://schemas.microsoft.com/office/drawing/2010/main" xmlns="" w="9525">
+                <a14:hiddenLine xmlns="" xmlns:a14="http://schemas.microsoft.com/office/drawing/2010/main" w="9525">
                   <a:solidFill>
                     <a:srgbClr val="000000"/>
                   </a:solidFill>
@@ -4428,7 +4428,7 @@
           <a:p>
             <a:fld id="{48A87A34-81AB-432B-8DAE-1953F412C126}" type="datetimeFigureOut">
               <a:rPr lang="en-US" dirty="0"/>
-              <a:t>2/25/2015</a:t>
+              <a:t>2/26/2015</a:t>
             </a:fld>
             <a:endParaRPr lang="en-US" dirty="0"/>
           </a:p>
@@ -4690,7 +4690,7 @@
           <a:p>
             <a:fld id="{48A87A34-81AB-432B-8DAE-1953F412C126}" type="datetimeFigureOut">
               <a:rPr lang="en-US" dirty="0"/>
-              <a:t>2/25/2015</a:t>
+              <a:t>2/26/2015</a:t>
             </a:fld>
             <a:endParaRPr lang="en-US" dirty="0"/>
           </a:p>
@@ -4881,7 +4881,7 @@
           <a:p>
             <a:fld id="{48A87A34-81AB-432B-8DAE-1953F412C126}" type="datetimeFigureOut">
               <a:rPr lang="en-US" dirty="0"/>
-              <a:t>2/25/2015</a:t>
+              <a:t>2/26/2015</a:t>
             </a:fld>
             <a:endParaRPr lang="en-US" dirty="0"/>
           </a:p>
@@ -5139,7 +5139,7 @@
           <a:p>
             <a:fld id="{48A87A34-81AB-432B-8DAE-1953F412C126}" type="datetimeFigureOut">
               <a:rPr lang="en-US" dirty="0"/>
-              <a:t>2/25/2015</a:t>
+              <a:t>2/26/2015</a:t>
             </a:fld>
             <a:endParaRPr lang="en-US" dirty="0"/>
           </a:p>
@@ -5568,7 +5568,7 @@
           <a:p>
             <a:fld id="{48A87A34-81AB-432B-8DAE-1953F412C126}" type="datetimeFigureOut">
               <a:rPr lang="en-US" dirty="0"/>
-              <a:t>2/25/2015</a:t>
+              <a:t>2/26/2015</a:t>
             </a:fld>
             <a:endParaRPr lang="en-US" dirty="0"/>
           </a:p>
@@ -6109,7 +6109,7 @@
           <a:p>
             <a:fld id="{48A87A34-81AB-432B-8DAE-1953F412C126}" type="datetimeFigureOut">
               <a:rPr lang="en-US" dirty="0"/>
-              <a:t>2/25/2015</a:t>
+              <a:t>2/26/2015</a:t>
             </a:fld>
             <a:endParaRPr lang="en-US" dirty="0"/>
           </a:p>
@@ -6824,7 +6824,7 @@
           <a:p>
             <a:fld id="{48A87A34-81AB-432B-8DAE-1953F412C126}" type="datetimeFigureOut">
               <a:rPr lang="en-US" dirty="0"/>
-              <a:t>2/25/2015</a:t>
+              <a:t>2/26/2015</a:t>
             </a:fld>
             <a:endParaRPr lang="en-US" dirty="0"/>
           </a:p>
@@ -6989,7 +6989,7 @@
           <a:p>
             <a:fld id="{48A87A34-81AB-432B-8DAE-1953F412C126}" type="datetimeFigureOut">
               <a:rPr lang="en-US" dirty="0"/>
-              <a:t>2/25/2015</a:t>
+              <a:t>2/26/2015</a:t>
             </a:fld>
             <a:endParaRPr lang="en-US" dirty="0"/>
           </a:p>
@@ -7164,7 +7164,7 @@
           <a:p>
             <a:fld id="{48A87A34-81AB-432B-8DAE-1953F412C126}" type="datetimeFigureOut">
               <a:rPr lang="en-US" dirty="0"/>
-              <a:t>2/25/2015</a:t>
+              <a:t>2/26/2015</a:t>
             </a:fld>
             <a:endParaRPr lang="en-US" dirty="0"/>
           </a:p>
@@ -7329,7 +7329,7 @@
           <a:p>
             <a:fld id="{48A87A34-81AB-432B-8DAE-1953F412C126}" type="datetimeFigureOut">
               <a:rPr lang="en-US" dirty="0"/>
-              <a:t>2/25/2015</a:t>
+              <a:t>2/26/2015</a:t>
             </a:fld>
             <a:endParaRPr lang="en-US" dirty="0"/>
           </a:p>
@@ -7574,7 +7574,7 @@
           <a:p>
             <a:fld id="{48A87A34-81AB-432B-8DAE-1953F412C126}" type="datetimeFigureOut">
               <a:rPr lang="en-US" dirty="0"/>
-              <a:t>2/25/2015</a:t>
+              <a:t>2/26/2015</a:t>
             </a:fld>
             <a:endParaRPr lang="en-US" dirty="0"/>
           </a:p>
@@ -7801,7 +7801,7 @@
           <a:p>
             <a:fld id="{48A87A34-81AB-432B-8DAE-1953F412C126}" type="datetimeFigureOut">
               <a:rPr lang="en-US" dirty="0"/>
-              <a:t>2/25/2015</a:t>
+              <a:t>2/26/2015</a:t>
             </a:fld>
             <a:endParaRPr lang="en-US" dirty="0"/>
           </a:p>
@@ -8177,7 +8177,7 @@
           <a:p>
             <a:fld id="{48A87A34-81AB-432B-8DAE-1953F412C126}" type="datetimeFigureOut">
               <a:rPr lang="en-US" dirty="0"/>
-              <a:t>2/25/2015</a:t>
+              <a:t>2/26/2015</a:t>
             </a:fld>
             <a:endParaRPr lang="en-US" dirty="0"/>
           </a:p>
@@ -8290,7 +8290,7 @@
           <a:p>
             <a:fld id="{48A87A34-81AB-432B-8DAE-1953F412C126}" type="datetimeFigureOut">
               <a:rPr lang="en-US" dirty="0"/>
-              <a:t>2/25/2015</a:t>
+              <a:t>2/26/2015</a:t>
             </a:fld>
             <a:endParaRPr lang="en-US" dirty="0"/>
           </a:p>
@@ -8380,7 +8380,7 @@
           <a:p>
             <a:fld id="{48A87A34-81AB-432B-8DAE-1953F412C126}" type="datetimeFigureOut">
               <a:rPr lang="en-US" dirty="0"/>
-              <a:t>2/25/2015</a:t>
+              <a:t>2/26/2015</a:t>
             </a:fld>
             <a:endParaRPr lang="en-US" dirty="0"/>
           </a:p>
@@ -8624,7 +8624,7 @@
           <a:p>
             <a:fld id="{48A87A34-81AB-432B-8DAE-1953F412C126}" type="datetimeFigureOut">
               <a:rPr lang="en-US" dirty="0"/>
-              <a:t>2/25/2015</a:t>
+              <a:t>2/26/2015</a:t>
             </a:fld>
             <a:endParaRPr lang="en-US" dirty="0"/>
           </a:p>
@@ -8899,7 +8899,7 @@
           <a:p>
             <a:fld id="{48A87A34-81AB-432B-8DAE-1953F412C126}" type="datetimeFigureOut">
               <a:rPr lang="en-US" dirty="0"/>
-              <a:t>2/25/2015</a:t>
+              <a:t>2/26/2015</a:t>
             </a:fld>
             <a:endParaRPr lang="en-US" dirty="0"/>
           </a:p>
@@ -9017,7 +9017,7 @@
           <a:noFill/>
           <a:extLst>
             <a:ext uri="{909E8E84-426E-40dd-AFC4-6F175D3DCCD1}">
-              <a14:hiddenFill xmlns:a14="http://schemas.microsoft.com/office/drawing/2010/main" xmlns="">
+              <a14:hiddenFill xmlns="" xmlns:a14="http://schemas.microsoft.com/office/drawing/2010/main">
                 <a:solidFill>
                   <a:srgbClr val="FFFFFF"/>
                 </a:solidFill>
@@ -9091,7 +9091,7 @@
               </a:ln>
               <a:extLst>
                 <a:ext uri="{91240B29-F687-4f45-9708-019B960494DF}">
-                  <a14:hiddenLine xmlns:a14="http://schemas.microsoft.com/office/drawing/2010/main" xmlns="" w="9525">
+                  <a14:hiddenLine xmlns="" xmlns:a14="http://schemas.microsoft.com/office/drawing/2010/main" w="9525">
                     <a:solidFill>
                       <a:srgbClr val="000000"/>
                     </a:solidFill>
@@ -9181,7 +9181,7 @@
               </a:ln>
               <a:extLst>
                 <a:ext uri="{91240B29-F687-4f45-9708-019B960494DF}">
-                  <a14:hiddenLine xmlns:a14="http://schemas.microsoft.com/office/drawing/2010/main" xmlns="" w="9525">
+                  <a14:hiddenLine xmlns="" xmlns:a14="http://schemas.microsoft.com/office/drawing/2010/main" w="9525">
                     <a:solidFill>
                       <a:srgbClr val="000000"/>
                     </a:solidFill>
@@ -9271,7 +9271,7 @@
               </a:ln>
               <a:extLst>
                 <a:ext uri="{91240B29-F687-4f45-9708-019B960494DF}">
-                  <a14:hiddenLine xmlns:a14="http://schemas.microsoft.com/office/drawing/2010/main" xmlns="" w="9525">
+                  <a14:hiddenLine xmlns="" xmlns:a14="http://schemas.microsoft.com/office/drawing/2010/main" w="9525">
                     <a:solidFill>
                       <a:srgbClr val="000000"/>
                     </a:solidFill>
@@ -9333,7 +9333,7 @@
               </a:ln>
               <a:extLst>
                 <a:ext uri="{91240B29-F687-4f45-9708-019B960494DF}">
-                  <a14:hiddenLine xmlns:a14="http://schemas.microsoft.com/office/drawing/2010/main" xmlns="" w="9525">
+                  <a14:hiddenLine xmlns="" xmlns:a14="http://schemas.microsoft.com/office/drawing/2010/main" w="9525">
                     <a:solidFill>
                       <a:srgbClr val="000000"/>
                     </a:solidFill>
@@ -9423,7 +9423,7 @@
               </a:ln>
               <a:extLst>
                 <a:ext uri="{91240B29-F687-4f45-9708-019B960494DF}">
-                  <a14:hiddenLine xmlns:a14="http://schemas.microsoft.com/office/drawing/2010/main" xmlns="" w="9525">
+                  <a14:hiddenLine xmlns="" xmlns:a14="http://schemas.microsoft.com/office/drawing/2010/main" w="9525">
                     <a:solidFill>
                       <a:srgbClr val="000000"/>
                     </a:solidFill>
@@ -9485,7 +9485,7 @@
               </a:ln>
               <a:extLst>
                 <a:ext uri="{91240B29-F687-4f45-9708-019B960494DF}">
-                  <a14:hiddenLine xmlns:a14="http://schemas.microsoft.com/office/drawing/2010/main" xmlns="" w="9525">
+                  <a14:hiddenLine xmlns="" xmlns:a14="http://schemas.microsoft.com/office/drawing/2010/main" w="9525">
                     <a:solidFill>
                       <a:srgbClr val="000000"/>
                     </a:solidFill>
@@ -9547,7 +9547,7 @@
               </a:ln>
               <a:extLst>
                 <a:ext uri="{91240B29-F687-4f45-9708-019B960494DF}">
-                  <a14:hiddenLine xmlns:a14="http://schemas.microsoft.com/office/drawing/2010/main" xmlns="" w="9525">
+                  <a14:hiddenLine xmlns="" xmlns:a14="http://schemas.microsoft.com/office/drawing/2010/main" w="9525">
                     <a:solidFill>
                       <a:srgbClr val="000000"/>
                     </a:solidFill>
@@ -9637,7 +9637,7 @@
               </a:ln>
               <a:extLst>
                 <a:ext uri="{91240B29-F687-4f45-9708-019B960494DF}">
-                  <a14:hiddenLine xmlns:a14="http://schemas.microsoft.com/office/drawing/2010/main" xmlns="" w="9525">
+                  <a14:hiddenLine xmlns="" xmlns:a14="http://schemas.microsoft.com/office/drawing/2010/main" w="9525">
                     <a:solidFill>
                       <a:srgbClr val="000000"/>
                     </a:solidFill>
@@ -9727,7 +9727,7 @@
               </a:ln>
               <a:extLst>
                 <a:ext uri="{91240B29-F687-4f45-9708-019B960494DF}">
-                  <a14:hiddenLine xmlns:a14="http://schemas.microsoft.com/office/drawing/2010/main" xmlns="" w="9525">
+                  <a14:hiddenLine xmlns="" xmlns:a14="http://schemas.microsoft.com/office/drawing/2010/main" w="9525">
                     <a:solidFill>
                       <a:srgbClr val="000000"/>
                     </a:solidFill>
@@ -9789,7 +9789,7 @@
               </a:ln>
               <a:extLst>
                 <a:ext uri="{91240B29-F687-4f45-9708-019B960494DF}">
-                  <a14:hiddenLine xmlns:a14="http://schemas.microsoft.com/office/drawing/2010/main" xmlns="" w="9525">
+                  <a14:hiddenLine xmlns="" xmlns:a14="http://schemas.microsoft.com/office/drawing/2010/main" w="9525">
                     <a:solidFill>
                       <a:srgbClr val="000000"/>
                     </a:solidFill>
@@ -9899,7 +9899,7 @@
               </a:ln>
               <a:extLst>
                 <a:ext uri="{91240B29-F687-4f45-9708-019B960494DF}">
-                  <a14:hiddenLine xmlns:a14="http://schemas.microsoft.com/office/drawing/2010/main" xmlns="" w="9525">
+                  <a14:hiddenLine xmlns="" xmlns:a14="http://schemas.microsoft.com/office/drawing/2010/main" w="9525">
                     <a:solidFill>
                       <a:srgbClr val="000000"/>
                     </a:solidFill>
@@ -9983,7 +9983,7 @@
               </a:ln>
               <a:extLst>
                 <a:ext uri="{91240B29-F687-4f45-9708-019B960494DF}">
-                  <a14:hiddenLine xmlns:a14="http://schemas.microsoft.com/office/drawing/2010/main" xmlns="" w="9525">
+                  <a14:hiddenLine xmlns="" xmlns:a14="http://schemas.microsoft.com/office/drawing/2010/main" w="9525">
                     <a:solidFill>
                       <a:srgbClr val="000000"/>
                     </a:solidFill>
@@ -10045,7 +10045,7 @@
               </a:ln>
               <a:extLst>
                 <a:ext uri="{91240B29-F687-4f45-9708-019B960494DF}">
-                  <a14:hiddenLine xmlns:a14="http://schemas.microsoft.com/office/drawing/2010/main" xmlns="" w="9525">
+                  <a14:hiddenLine xmlns="" xmlns:a14="http://schemas.microsoft.com/office/drawing/2010/main" w="9525">
                     <a:solidFill>
                       <a:srgbClr val="000000"/>
                     </a:solidFill>
@@ -10107,7 +10107,7 @@
               </a:ln>
               <a:extLst>
                 <a:ext uri="{91240B29-F687-4f45-9708-019B960494DF}">
-                  <a14:hiddenLine xmlns:a14="http://schemas.microsoft.com/office/drawing/2010/main" xmlns="" w="9525">
+                  <a14:hiddenLine xmlns="" xmlns:a14="http://schemas.microsoft.com/office/drawing/2010/main" w="9525">
                     <a:solidFill>
                       <a:srgbClr val="000000"/>
                     </a:solidFill>
@@ -10197,7 +10197,7 @@
               </a:ln>
               <a:extLst>
                 <a:ext uri="{91240B29-F687-4f45-9708-019B960494DF}">
-                  <a14:hiddenLine xmlns:a14="http://schemas.microsoft.com/office/drawing/2010/main" xmlns="" w="9525">
+                  <a14:hiddenLine xmlns="" xmlns:a14="http://schemas.microsoft.com/office/drawing/2010/main" w="9525">
                     <a:solidFill>
                       <a:srgbClr val="000000"/>
                     </a:solidFill>
@@ -10231,7 +10231,7 @@
               </a:ln>
               <a:extLst>
                 <a:ext uri="{91240B29-F687-4f45-9708-019B960494DF}">
-                  <a14:hiddenLine xmlns:a14="http://schemas.microsoft.com/office/drawing/2010/main" xmlns="" w="9525">
+                  <a14:hiddenLine xmlns="" xmlns:a14="http://schemas.microsoft.com/office/drawing/2010/main" w="9525">
                     <a:solidFill>
                       <a:srgbClr val="000000"/>
                     </a:solidFill>
@@ -10296,7 +10296,7 @@
               </a:ln>
               <a:extLst>
                 <a:ext uri="{91240B29-F687-4f45-9708-019B960494DF}">
-                  <a14:hiddenLine xmlns:a14="http://schemas.microsoft.com/office/drawing/2010/main" xmlns="" w="9525">
+                  <a14:hiddenLine xmlns="" xmlns:a14="http://schemas.microsoft.com/office/drawing/2010/main" w="9525">
                     <a:solidFill>
                       <a:srgbClr val="000000"/>
                     </a:solidFill>
@@ -10386,7 +10386,7 @@
               </a:ln>
               <a:extLst>
                 <a:ext uri="{91240B29-F687-4f45-9708-019B960494DF}">
-                  <a14:hiddenLine xmlns:a14="http://schemas.microsoft.com/office/drawing/2010/main" xmlns="" w="9525">
+                  <a14:hiddenLine xmlns="" xmlns:a14="http://schemas.microsoft.com/office/drawing/2010/main" w="9525">
                     <a:solidFill>
                       <a:srgbClr val="000000"/>
                     </a:solidFill>
@@ -10448,7 +10448,7 @@
               </a:ln>
               <a:extLst>
                 <a:ext uri="{91240B29-F687-4f45-9708-019B960494DF}">
-                  <a14:hiddenLine xmlns:a14="http://schemas.microsoft.com/office/drawing/2010/main" xmlns="" w="9525">
+                  <a14:hiddenLine xmlns="" xmlns:a14="http://schemas.microsoft.com/office/drawing/2010/main" w="9525">
                     <a:solidFill>
                       <a:srgbClr val="000000"/>
                     </a:solidFill>
@@ -10538,7 +10538,7 @@
               </a:ln>
               <a:extLst>
                 <a:ext uri="{91240B29-F687-4f45-9708-019B960494DF}">
-                  <a14:hiddenLine xmlns:a14="http://schemas.microsoft.com/office/drawing/2010/main" xmlns="" w="9525">
+                  <a14:hiddenLine xmlns="" xmlns:a14="http://schemas.microsoft.com/office/drawing/2010/main" w="9525">
                     <a:solidFill>
                       <a:srgbClr val="000000"/>
                     </a:solidFill>
@@ -10603,7 +10603,7 @@
               </a:ln>
               <a:extLst>
                 <a:ext uri="{91240B29-F687-4f45-9708-019B960494DF}">
-                  <a14:hiddenLine xmlns:a14="http://schemas.microsoft.com/office/drawing/2010/main" xmlns="" w="9525">
+                  <a14:hiddenLine xmlns="" xmlns:a14="http://schemas.microsoft.com/office/drawing/2010/main" w="9525">
                     <a:solidFill>
                       <a:srgbClr val="000000"/>
                     </a:solidFill>
@@ -10665,7 +10665,7 @@
               </a:ln>
               <a:extLst>
                 <a:ext uri="{91240B29-F687-4f45-9708-019B960494DF}">
-                  <a14:hiddenLine xmlns:a14="http://schemas.microsoft.com/office/drawing/2010/main" xmlns="" w="9525">
+                  <a14:hiddenLine xmlns="" xmlns:a14="http://schemas.microsoft.com/office/drawing/2010/main" w="9525">
                     <a:solidFill>
                       <a:srgbClr val="000000"/>
                     </a:solidFill>
@@ -10755,7 +10755,7 @@
               </a:ln>
               <a:extLst>
                 <a:ext uri="{91240B29-F687-4f45-9708-019B960494DF}">
-                  <a14:hiddenLine xmlns:a14="http://schemas.microsoft.com/office/drawing/2010/main" xmlns="" w="9525">
+                  <a14:hiddenLine xmlns="" xmlns:a14="http://schemas.microsoft.com/office/drawing/2010/main" w="9525">
                     <a:solidFill>
                       <a:srgbClr val="000000"/>
                     </a:solidFill>
@@ -10845,7 +10845,7 @@
               </a:ln>
               <a:extLst>
                 <a:ext uri="{91240B29-F687-4f45-9708-019B960494DF}">
-                  <a14:hiddenLine xmlns:a14="http://schemas.microsoft.com/office/drawing/2010/main" xmlns="" w="9525">
+                  <a14:hiddenLine xmlns="" xmlns:a14="http://schemas.microsoft.com/office/drawing/2010/main" w="9525">
                     <a:solidFill>
                       <a:srgbClr val="000000"/>
                     </a:solidFill>
@@ -10910,7 +10910,7 @@
               </a:ln>
               <a:extLst>
                 <a:ext uri="{91240B29-F687-4f45-9708-019B960494DF}">
-                  <a14:hiddenLine xmlns:a14="http://schemas.microsoft.com/office/drawing/2010/main" xmlns="" w="9525">
+                  <a14:hiddenLine xmlns="" xmlns:a14="http://schemas.microsoft.com/office/drawing/2010/main" w="9525">
                     <a:solidFill>
                       <a:srgbClr val="000000"/>
                     </a:solidFill>
@@ -11030,7 +11030,7 @@
               </a:ln>
               <a:extLst>
                 <a:ext uri="{91240B29-F687-4f45-9708-019B960494DF}">
-                  <a14:hiddenLine xmlns:a14="http://schemas.microsoft.com/office/drawing/2010/main" xmlns="" w="9525">
+                  <a14:hiddenLine xmlns="" xmlns:a14="http://schemas.microsoft.com/office/drawing/2010/main" w="9525">
                     <a:solidFill>
                       <a:srgbClr val="000000"/>
                     </a:solidFill>
@@ -11111,7 +11111,7 @@
               </a:ln>
               <a:extLst>
                 <a:ext uri="{91240B29-F687-4f45-9708-019B960494DF}">
-                  <a14:hiddenLine xmlns:a14="http://schemas.microsoft.com/office/drawing/2010/main" xmlns="" w="9525">
+                  <a14:hiddenLine xmlns="" xmlns:a14="http://schemas.microsoft.com/office/drawing/2010/main" w="9525">
                     <a:solidFill>
                       <a:srgbClr val="000000"/>
                     </a:solidFill>
@@ -11226,7 +11226,7 @@
               </a:ln>
               <a:extLst>
                 <a:ext uri="{91240B29-F687-4f45-9708-019B960494DF}">
-                  <a14:hiddenLine xmlns:a14="http://schemas.microsoft.com/office/drawing/2010/main" xmlns="" w="9525">
+                  <a14:hiddenLine xmlns="" xmlns:a14="http://schemas.microsoft.com/office/drawing/2010/main" w="9525">
                     <a:solidFill>
                       <a:srgbClr val="000000"/>
                     </a:solidFill>
@@ -11316,7 +11316,7 @@
               </a:ln>
               <a:extLst>
                 <a:ext uri="{91240B29-F687-4f45-9708-019B960494DF}">
-                  <a14:hiddenLine xmlns:a14="http://schemas.microsoft.com/office/drawing/2010/main" xmlns="" w="9525">
+                  <a14:hiddenLine xmlns="" xmlns:a14="http://schemas.microsoft.com/office/drawing/2010/main" w="9525">
                     <a:solidFill>
                       <a:srgbClr val="000000"/>
                     </a:solidFill>
@@ -11381,7 +11381,7 @@
               </a:ln>
               <a:extLst>
                 <a:ext uri="{91240B29-F687-4f45-9708-019B960494DF}">
-                  <a14:hiddenLine xmlns:a14="http://schemas.microsoft.com/office/drawing/2010/main" xmlns="" w="9525">
+                  <a14:hiddenLine xmlns="" xmlns:a14="http://schemas.microsoft.com/office/drawing/2010/main" w="9525">
                     <a:solidFill>
                       <a:srgbClr val="000000"/>
                     </a:solidFill>
@@ -11471,7 +11471,7 @@
               </a:ln>
               <a:extLst>
                 <a:ext uri="{91240B29-F687-4f45-9708-019B960494DF}">
-                  <a14:hiddenLine xmlns:a14="http://schemas.microsoft.com/office/drawing/2010/main" xmlns="" w="9525">
+                  <a14:hiddenLine xmlns="" xmlns:a14="http://schemas.microsoft.com/office/drawing/2010/main" w="9525">
                     <a:solidFill>
                       <a:srgbClr val="000000"/>
                     </a:solidFill>
@@ -11539,7 +11539,7 @@
               </a:ln>
               <a:extLst>
                 <a:ext uri="{91240B29-F687-4f45-9708-019B960494DF}">
-                  <a14:hiddenLine xmlns:a14="http://schemas.microsoft.com/office/drawing/2010/main" xmlns="" w="9525">
+                  <a14:hiddenLine xmlns="" xmlns:a14="http://schemas.microsoft.com/office/drawing/2010/main" w="9525">
                     <a:solidFill>
                       <a:srgbClr val="000000"/>
                     </a:solidFill>
@@ -11629,7 +11629,7 @@
               </a:ln>
               <a:extLst>
                 <a:ext uri="{91240B29-F687-4f45-9708-019B960494DF}">
-                  <a14:hiddenLine xmlns:a14="http://schemas.microsoft.com/office/drawing/2010/main" xmlns="" w="9525">
+                  <a14:hiddenLine xmlns="" xmlns:a14="http://schemas.microsoft.com/office/drawing/2010/main" w="9525">
                     <a:solidFill>
                       <a:srgbClr val="000000"/>
                     </a:solidFill>
@@ -11697,7 +11697,7 @@
               </a:ln>
               <a:extLst>
                 <a:ext uri="{91240B29-F687-4f45-9708-019B960494DF}">
-                  <a14:hiddenLine xmlns:a14="http://schemas.microsoft.com/office/drawing/2010/main" xmlns="" w="9525">
+                  <a14:hiddenLine xmlns="" xmlns:a14="http://schemas.microsoft.com/office/drawing/2010/main" w="9525">
                     <a:solidFill>
                       <a:srgbClr val="000000"/>
                     </a:solidFill>
@@ -11787,7 +11787,7 @@
               </a:ln>
               <a:extLst>
                 <a:ext uri="{91240B29-F687-4f45-9708-019B960494DF}">
-                  <a14:hiddenLine xmlns:a14="http://schemas.microsoft.com/office/drawing/2010/main" xmlns="" w="9525">
+                  <a14:hiddenLine xmlns="" xmlns:a14="http://schemas.microsoft.com/office/drawing/2010/main" w="9525">
                     <a:solidFill>
                       <a:srgbClr val="000000"/>
                     </a:solidFill>
@@ -11821,7 +11821,7 @@
               </a:ln>
               <a:extLst>
                 <a:ext uri="{91240B29-F687-4f45-9708-019B960494DF}">
-                  <a14:hiddenLine xmlns:a14="http://schemas.microsoft.com/office/drawing/2010/main" xmlns="" w="9525">
+                  <a14:hiddenLine xmlns="" xmlns:a14="http://schemas.microsoft.com/office/drawing/2010/main" w="9525">
                     <a:solidFill>
                       <a:srgbClr val="000000"/>
                     </a:solidFill>
@@ -11962,7 +11962,7 @@
             <a:fld id="{48A87A34-81AB-432B-8DAE-1953F412C126}" type="datetimeFigureOut">
               <a:rPr lang="en-US" dirty="0"/>
               <a:pPr/>
-              <a:t>2/25/2015</a:t>
+              <a:t>2/26/2015</a:t>
             </a:fld>
             <a:endParaRPr lang="en-US" dirty="0"/>
           </a:p>
@@ -17236,8 +17236,8 @@
           </a:p>
         </p:txBody>
       </p:sp>
-      <mc:AlternateContent xmlns:mc="http://schemas.openxmlformats.org/markup-compatibility/2006" xmlns:a14="http://schemas.microsoft.com/office/drawing/2010/main">
-        <mc:Choice Requires="a14">
+      <mc:AlternateContent xmlns:mc="http://schemas.openxmlformats.org/markup-compatibility/2006">
+        <mc:Choice xmlns:a14="http://schemas.microsoft.com/office/drawing/2010/main" Requires="a14">
           <p:sp>
             <p:nvSpPr>
               <p:cNvPr id="3" name="Content Placeholder 2"/>
@@ -17262,8 +17262,13 @@
               <a:p>
                 <a:r>
                   <a:rPr lang="en-US" dirty="0" smtClean="0"/>
-                  <a:t>Calculated using impulse and conservation of momentum on foot</a:t>
+                  <a:t>Calculated using impulse and conservation of momentum on </a:t>
                 </a:r>
+                <a:r>
+                  <a:rPr lang="en-US" dirty="0" smtClean="0"/>
+                  <a:t>leg</a:t>
+                </a:r>
+                <a:endParaRPr lang="en-US" dirty="0" smtClean="0"/>
               </a:p>
               <a:p>
                 <a:pPr lvl="1"/>
@@ -17276,7 +17281,19 @@
                 <a:pPr lvl="1"/>
                 <a:r>
                   <a:rPr lang="en-US" dirty="0" smtClean="0"/>
-                  <a:t>Assuming other leg forces are same as the swing phase</a:t>
+                  <a:t>Assuming other leg forces are </a:t>
+                </a:r>
+                <a:r>
+                  <a:rPr lang="en-US" dirty="0" smtClean="0"/>
+                  <a:t>unchanged from the </a:t>
+                </a:r>
+                <a:r>
+                  <a:rPr lang="en-US" dirty="0" smtClean="0"/>
+                  <a:t>swing </a:t>
+                </a:r>
+                <a:r>
+                  <a:rPr lang="en-US" dirty="0" smtClean="0"/>
+                  <a:t>phase</a:t>
                 </a:r>
               </a:p>
               <a:p>
@@ -17557,7 +17574,7 @@
             </p:txBody>
           </p:sp>
         </mc:Choice>
-        <mc:Fallback xmlns="">
+        <mc:Fallback>
           <p:sp>
             <p:nvSpPr>
               <p:cNvPr id="3" name="Content Placeholder 2"/>
@@ -17576,7 +17593,7 @@
               <a:blipFill rotWithShape="0">
                 <a:blip r:embed="rId2"/>
                 <a:stretch>
-                  <a:fillRect l="-2086" t="-1893" r="-1472"/>
+                  <a:fillRect l="-2086" t="-1893"/>
                 </a:stretch>
               </a:blipFill>
             </p:spPr>
@@ -18385,7 +18402,44 @@
           <a:bodyPr/>
           <a:lstStyle/>
           <a:p>
-            <a:endParaRPr lang="en-US"/>
+            <a:r>
+              <a:rPr lang="en-US" dirty="0" smtClean="0"/>
+              <a:t>Benefits of pneumatics over other power sources</a:t>
+            </a:r>
+          </a:p>
+          <a:p>
+            <a:r>
+              <a:rPr lang="en-US" dirty="0" smtClean="0"/>
+              <a:t>Component Specifications</a:t>
+            </a:r>
+          </a:p>
+          <a:p>
+            <a:pPr lvl="1"/>
+            <a:r>
+              <a:rPr lang="en-US" dirty="0" smtClean="0"/>
+              <a:t>Air Cylinders</a:t>
+            </a:r>
+          </a:p>
+          <a:p>
+            <a:pPr lvl="1"/>
+            <a:r>
+              <a:rPr lang="en-US" dirty="0" smtClean="0"/>
+              <a:t>Directional Control Valves</a:t>
+            </a:r>
+          </a:p>
+          <a:p>
+            <a:pPr lvl="1"/>
+            <a:r>
+              <a:rPr lang="en-US" dirty="0" smtClean="0"/>
+              <a:t>Air Compressors</a:t>
+            </a:r>
+          </a:p>
+          <a:p>
+            <a:r>
+              <a:rPr lang="en-US" dirty="0" smtClean="0"/>
+              <a:t>Other circuit components</a:t>
+            </a:r>
+            <a:endParaRPr lang="en-US" dirty="0"/>
           </a:p>
         </p:txBody>
       </p:sp>
@@ -19934,7 +19988,7 @@
         </p:nvSpPr>
         <p:spPr>
           <a:xfrm>
-            <a:off x="609600" y="274638"/>
+            <a:off x="609600" y="255141"/>
             <a:ext cx="10972800" cy="563562"/>
           </a:xfrm>
         </p:spPr>
@@ -19952,8 +20006,8 @@
           </a:p>
         </p:txBody>
       </p:sp>
-      <mc:AlternateContent xmlns:mc="http://schemas.openxmlformats.org/markup-compatibility/2006" xmlns:a14="http://schemas.microsoft.com/office/drawing/2010/main">
-        <mc:Choice Requires="a14">
+      <mc:AlternateContent xmlns:mc="http://schemas.openxmlformats.org/markup-compatibility/2006">
+        <mc:Choice xmlns:a14="http://schemas.microsoft.com/office/drawing/2010/main" Requires="a14">
           <p:sp>
             <p:nvSpPr>
               <p:cNvPr id="3" name="Content Placeholder 2"/>
@@ -19966,8 +20020,8 @@
             </p:nvSpPr>
             <p:spPr>
               <a:xfrm>
-                <a:off x="203200" y="1066800"/>
-                <a:ext cx="11887200" cy="5410200"/>
+                <a:off x="152400" y="1026452"/>
+                <a:ext cx="11887200" cy="5678785"/>
               </a:xfrm>
             </p:spPr>
             <p:txBody>
@@ -19980,51 +20034,16 @@
                   <a:buNone/>
                 </a:pPr>
                 <a:r>
-                  <a:rPr lang="en-US" sz="2000" dirty="0" smtClean="0"/>
-                  <a:t>Required force: 178 </a:t>
-                </a:r>
-                <a:r>
-                  <a:rPr lang="en-US" sz="2000" dirty="0" err="1" smtClean="0"/>
-                  <a:t>lbf</a:t>
-                </a:r>
-                <a:r>
-                  <a:rPr lang="en-US" sz="2000" dirty="0" smtClean="0"/>
-                  <a:t> 	Stroke length: 4 inch	Rod diameter: 0.5 inch</a:t>
-                </a:r>
-              </a:p>
-              <a:p>
-                <a:pPr marL="0" indent="0">
-                  <a:buNone/>
-                </a:pPr>
-                <a:r>
-                  <a:rPr lang="en-US" sz="2000" dirty="0" smtClean="0"/>
-                  <a:t>Bore diameter: 2 inches	Cycles: 60 per minute</a:t>
-                </a:r>
-              </a:p>
-              <a:p>
-                <a:pPr marL="0" indent="0">
-                  <a:buNone/>
-                </a:pPr>
-                <a:r>
-                  <a:rPr lang="en-US" sz="2200" dirty="0" smtClean="0"/>
-                  <a:t>	</a:t>
-                </a:r>
-              </a:p>
-              <a:p>
-                <a:pPr marL="0" indent="0">
-                  <a:buNone/>
-                </a:pPr>
-                <a:r>
                   <a:rPr lang="en-US" sz="2200" b="1" dirty="0" smtClean="0"/>
-                  <a:t>Extend phase:</a:t>
-                </a:r>
-                <a:r>
-                  <a:rPr lang="en-US" sz="2200" dirty="0" smtClean="0"/>
-                  <a:t>			</a:t>
+                  <a:t>Extend </a:t>
                 </a:r>
                 <a:r>
                   <a:rPr lang="en-US" sz="2200" b="1" dirty="0" smtClean="0"/>
-                  <a:t>Retract Phase:</a:t>
+                  <a:t>phase</a:t>
+                </a:r>
+                <a:r>
+                  <a:rPr lang="en-US" sz="2200" b="1" dirty="0" smtClean="0"/>
+                  <a:t>:</a:t>
                 </a:r>
               </a:p>
               <a:p>
@@ -20224,9 +20243,29 @@
                   <a:rPr lang="en-US" sz="1800" b="1" dirty="0" smtClean="0"/>
                   <a:t> </a:t>
                 </a:r>
+                <a:endParaRPr lang="en-US" sz="1800" b="1" dirty="0" smtClean="0"/>
+              </a:p>
+              <a:p>
+                <a:pPr marL="0" indent="0">
+                  <a:buNone/>
+                </a:pPr>
+                <a:r>
+                  <a:rPr lang="en-US" sz="2200" b="1" dirty="0"/>
+                  <a:t>Retract Phase</a:t>
+                </a:r>
                 <a:r>
                   <a:rPr lang="en-US" sz="2200" b="1" dirty="0" smtClean="0"/>
-                  <a:t>	 </a:t>
+                  <a:t>:</a:t>
+                </a:r>
+                <a:endParaRPr lang="en-US" sz="2200" b="1" dirty="0" smtClean="0"/>
+              </a:p>
+              <a:p>
+                <a:pPr marL="0" indent="0">
+                  <a:buNone/>
+                </a:pPr>
+                <a:r>
+                  <a:rPr lang="en-US" sz="2200" b="1" dirty="0" smtClean="0"/>
+                  <a:t> </a:t>
                 </a:r>
                 <a14:m>
                   <m:oMath xmlns:m="http://schemas.openxmlformats.org/officeDocument/2006/math">
@@ -20640,36 +20679,78 @@
                         </a:rPr>
                         <m:t>=</m:t>
                       </m:r>
-                      <m:d>
-                        <m:dPr>
+                      <m:f>
+                        <m:fPr>
                           <m:ctrlPr>
                             <a:rPr lang="en-US" sz="2000" b="0" i="1" smtClean="0">
                               <a:latin typeface="Cambria Math" panose="02040503050406030204" pitchFamily="18" charset="0"/>
                             </a:rPr>
                           </m:ctrlPr>
-                        </m:dPr>
-                        <m:e>
-                          <m:r>
-                            <a:rPr lang="en-US" sz="2000" i="1" smtClean="0">
-                              <a:latin typeface="Cambria Math"/>
-                            </a:rPr>
-                            <m:t>3</m:t>
-                          </m:r>
-                          <m:r>
-                            <a:rPr lang="en-US" sz="2000" b="0" i="1" smtClean="0">
-                              <a:latin typeface="Cambria Math"/>
-                            </a:rPr>
-                            <m:t>.1416 </m:t>
-                          </m:r>
-                          <m:sSup>
-                            <m:sSupPr>
+                        </m:fPr>
+                        <m:num>
+                          <m:d>
+                            <m:dPr>
                               <m:ctrlPr>
                                 <a:rPr lang="en-US" sz="2000" b="0" i="1" smtClean="0">
                                   <a:latin typeface="Cambria Math" panose="02040503050406030204" pitchFamily="18" charset="0"/>
                                 </a:rPr>
                               </m:ctrlPr>
-                            </m:sSupPr>
+                            </m:dPr>
                             <m:e>
+                              <m:r>
+                                <a:rPr lang="en-US" sz="2000" i="1" smtClean="0">
+                                  <a:latin typeface="Cambria Math"/>
+                                </a:rPr>
+                                <m:t>3</m:t>
+                              </m:r>
+                              <m:r>
+                                <a:rPr lang="en-US" sz="2000" b="0" i="1" smtClean="0">
+                                  <a:latin typeface="Cambria Math"/>
+                                </a:rPr>
+                                <m:t>.1416 </m:t>
+                              </m:r>
+                              <m:sSup>
+                                <m:sSupPr>
+                                  <m:ctrlPr>
+                                    <a:rPr lang="en-US" sz="2000" b="0" i="1" smtClean="0">
+                                      <a:latin typeface="Cambria Math" panose="02040503050406030204" pitchFamily="18" charset="0"/>
+                                    </a:rPr>
+                                  </m:ctrlPr>
+                                </m:sSupPr>
+                                <m:e>
+                                  <m:r>
+                                    <a:rPr lang="en-US" sz="2000" b="0" i="1" smtClean="0">
+                                      <a:latin typeface="Cambria Math"/>
+                                    </a:rPr>
+                                    <m:t>𝑖𝑛</m:t>
+                                  </m:r>
+                                </m:e>
+                                <m:sup>
+                                  <m:r>
+                                    <a:rPr lang="en-US" sz="2000" b="0" i="1" smtClean="0">
+                                      <a:latin typeface="Cambria Math"/>
+                                    </a:rPr>
+                                    <m:t>2</m:t>
+                                  </m:r>
+                                </m:sup>
+                              </m:sSup>
+                            </m:e>
+                          </m:d>
+                          <m:d>
+                            <m:dPr>
+                              <m:ctrlPr>
+                                <a:rPr lang="en-US" sz="2000" b="0" i="1" smtClean="0">
+                                  <a:latin typeface="Cambria Math" panose="02040503050406030204" pitchFamily="18" charset="0"/>
+                                </a:rPr>
+                              </m:ctrlPr>
+                            </m:dPr>
+                            <m:e>
+                              <m:r>
+                                <a:rPr lang="en-US" sz="2000" b="0" i="1" smtClean="0">
+                                  <a:latin typeface="Cambria Math"/>
+                                </a:rPr>
+                                <m:t>8 </m:t>
+                              </m:r>
                               <m:r>
                                 <a:rPr lang="en-US" sz="2000" b="0" i="1" smtClean="0">
                                   <a:latin typeface="Cambria Math"/>
@@ -20677,117 +20758,180 @@
                                 <m:t>𝑖𝑛</m:t>
                               </m:r>
                             </m:e>
-                            <m:sup>
-                              <m:r>
-                                <a:rPr lang="en-US" sz="2000" b="0" i="1" smtClean="0">
-                                  <a:latin typeface="Cambria Math"/>
-                                </a:rPr>
-                                <m:t>2</m:t>
-                              </m:r>
-                            </m:sup>
-                          </m:sSup>
-                        </m:e>
-                      </m:d>
-                      <m:d>
-                        <m:dPr>
-                          <m:ctrlPr>
-                            <a:rPr lang="en-US" sz="2000" b="0" i="1" smtClean="0">
-                              <a:latin typeface="Cambria Math" panose="02040503050406030204" pitchFamily="18" charset="0"/>
-                            </a:rPr>
-                          </m:ctrlPr>
-                        </m:dPr>
-                        <m:e>
-                          <m:r>
-                            <a:rPr lang="en-US" sz="2000" b="0" i="1" smtClean="0">
-                              <a:latin typeface="Cambria Math"/>
-                            </a:rPr>
-                            <m:t>8 </m:t>
-                          </m:r>
-                          <m:r>
-                            <a:rPr lang="en-US" sz="2000" b="0" i="1" smtClean="0">
-                              <a:latin typeface="Cambria Math"/>
-                            </a:rPr>
-                            <m:t>𝑖𝑛</m:t>
-                          </m:r>
-                        </m:e>
-                      </m:d>
-                      <m:d>
-                        <m:dPr>
-                          <m:ctrlPr>
-                            <a:rPr lang="en-US" sz="2000" b="0" i="1" smtClean="0">
-                              <a:latin typeface="Cambria Math" panose="02040503050406030204" pitchFamily="18" charset="0"/>
-                            </a:rPr>
-                          </m:ctrlPr>
-                        </m:dPr>
-                        <m:e>
-                          <m:r>
-                            <a:rPr lang="en-US" sz="2000" b="0" i="1" smtClean="0">
-                              <a:latin typeface="Cambria Math"/>
-                            </a:rPr>
-                            <m:t>60</m:t>
-                          </m:r>
-                        </m:e>
-                      </m:d>
-                      <m:d>
-                        <m:dPr>
-                          <m:ctrlPr>
-                            <a:rPr lang="en-US" sz="2000" b="0" i="1" smtClean="0">
-                              <a:latin typeface="Cambria Math" panose="02040503050406030204" pitchFamily="18" charset="0"/>
-                            </a:rPr>
-                          </m:ctrlPr>
-                        </m:dPr>
-                        <m:e>
-                          <m:f>
-                            <m:fPr>
+                          </m:d>
+                          <m:d>
+                            <m:dPr>
                               <m:ctrlPr>
                                 <a:rPr lang="en-US" sz="2000" b="0" i="1" smtClean="0">
                                   <a:latin typeface="Cambria Math" panose="02040503050406030204" pitchFamily="18" charset="0"/>
                                 </a:rPr>
                               </m:ctrlPr>
-                            </m:fPr>
-                            <m:num>
+                            </m:dPr>
+                            <m:e>
                               <m:r>
                                 <a:rPr lang="en-US" sz="2000" b="0" i="1" smtClean="0">
                                   <a:latin typeface="Cambria Math"/>
                                 </a:rPr>
-                                <m:t>56.73</m:t>
+                                <m:t>60</m:t>
                               </m:r>
+                            </m:e>
+                          </m:d>
+                          <m:d>
+                            <m:dPr>
+                              <m:ctrlPr>
+                                <a:rPr lang="en-US" sz="2000" b="0" i="1" smtClean="0">
+                                  <a:latin typeface="Cambria Math" panose="02040503050406030204" pitchFamily="18" charset="0"/>
+                                </a:rPr>
+                              </m:ctrlPr>
+                            </m:dPr>
+                            <m:e>
+                              <m:f>
+                                <m:fPr>
+                                  <m:ctrlPr>
+                                    <a:rPr lang="en-US" sz="2000" b="0" i="1" smtClean="0">
+                                      <a:latin typeface="Cambria Math" panose="02040503050406030204" pitchFamily="18" charset="0"/>
+                                    </a:rPr>
+                                  </m:ctrlPr>
+                                </m:fPr>
+                                <m:num>
+                                  <m:r>
+                                    <a:rPr lang="en-US" sz="2000" b="0" i="1" smtClean="0">
+                                      <a:latin typeface="Cambria Math"/>
+                                    </a:rPr>
+                                    <m:t>56.73</m:t>
+                                  </m:r>
+                                  <m:r>
+                                    <a:rPr lang="en-US" sz="2000" b="0" i="1" smtClean="0">
+                                      <a:latin typeface="Cambria Math"/>
+                                    </a:rPr>
+                                    <m:t>𝑝𝑠𝑖</m:t>
+                                  </m:r>
+                                  <m:r>
+                                    <a:rPr lang="en-US" sz="2000" b="0" i="1" smtClean="0">
+                                      <a:latin typeface="Cambria Math"/>
+                                    </a:rPr>
+                                    <m:t>+14.7</m:t>
+                                  </m:r>
+                                  <m:r>
+                                    <a:rPr lang="en-US" sz="2000" b="0" i="1" smtClean="0">
+                                      <a:latin typeface="Cambria Math"/>
+                                    </a:rPr>
+                                    <m:t>𝑝𝑠𝑖</m:t>
+                                  </m:r>
+                                </m:num>
+                                <m:den>
+                                  <m:r>
+                                    <a:rPr lang="en-US" sz="2000" b="0" i="1" smtClean="0">
+                                      <a:latin typeface="Cambria Math"/>
+                                    </a:rPr>
+                                    <m:t>14.7</m:t>
+                                  </m:r>
+                                  <m:r>
+                                    <a:rPr lang="en-US" sz="2000" b="0" i="1" smtClean="0">
+                                      <a:latin typeface="Cambria Math"/>
+                                    </a:rPr>
+                                    <m:t>𝑝𝑠𝑖</m:t>
+                                  </m:r>
+                                </m:den>
+                              </m:f>
+                            </m:e>
+                          </m:d>
+                        </m:num>
+                        <m:den>
+                          <m:d>
+                            <m:dPr>
+                              <m:ctrlPr>
+                                <a:rPr lang="en-US" sz="2000" i="1">
+                                  <a:latin typeface="Cambria Math" panose="02040503050406030204" pitchFamily="18" charset="0"/>
+                                </a:rPr>
+                              </m:ctrlPr>
+                            </m:dPr>
+                            <m:e>
                               <m:r>
-                                <a:rPr lang="en-US" sz="2000" b="0" i="1" smtClean="0">
-                                  <a:latin typeface="Cambria Math"/>
+                                <a:rPr lang="en-US" sz="2000" i="1">
+                                  <a:latin typeface="Cambria Math" panose="02040503050406030204" pitchFamily="18" charset="0"/>
                                 </a:rPr>
-                                <m:t>𝑝𝑠𝑖</m:t>
+                                <m:t>1728</m:t>
                               </m:r>
-                              <m:r>
-                                <a:rPr lang="en-US" sz="2000" b="0" i="1" smtClean="0">
-                                  <a:latin typeface="Cambria Math"/>
-                                </a:rPr>
-                                <m:t>+14.7</m:t>
-                              </m:r>
-                              <m:r>
-                                <a:rPr lang="en-US" sz="2000" b="0" i="1" smtClean="0">
-                                  <a:latin typeface="Cambria Math"/>
-                                </a:rPr>
-                                <m:t>𝑝𝑠𝑖</m:t>
-                              </m:r>
-                            </m:num>
-                            <m:den>
-                              <m:r>
-                                <a:rPr lang="en-US" sz="2000" b="0" i="1" smtClean="0">
-                                  <a:latin typeface="Cambria Math"/>
-                                </a:rPr>
-                                <m:t>14.7</m:t>
-                              </m:r>
-                              <m:r>
-                                <a:rPr lang="en-US" sz="2000" b="0" i="1" smtClean="0">
-                                  <a:latin typeface="Cambria Math"/>
-                                </a:rPr>
-                                <m:t>𝑝𝑠𝑖</m:t>
-                              </m:r>
-                            </m:den>
-                          </m:f>
-                        </m:e>
-                      </m:d>
+                              <m:f>
+                                <m:fPr>
+                                  <m:ctrlPr>
+                                    <a:rPr lang="en-US" sz="2000" i="1">
+                                      <a:latin typeface="Cambria Math" panose="02040503050406030204" pitchFamily="18" charset="0"/>
+                                    </a:rPr>
+                                  </m:ctrlPr>
+                                </m:fPr>
+                                <m:num>
+                                  <m:r>
+                                    <a:rPr lang="en-US" sz="2000" i="1">
+                                      <a:latin typeface="Cambria Math" panose="02040503050406030204" pitchFamily="18" charset="0"/>
+                                    </a:rPr>
+                                    <m:t>𝑖</m:t>
+                                  </m:r>
+                                  <m:sSup>
+                                    <m:sSupPr>
+                                      <m:ctrlPr>
+                                        <a:rPr lang="en-US" sz="2000" i="1">
+                                          <a:latin typeface="Cambria Math" panose="02040503050406030204" pitchFamily="18" charset="0"/>
+                                        </a:rPr>
+                                      </m:ctrlPr>
+                                    </m:sSupPr>
+                                    <m:e>
+                                      <m:r>
+                                        <a:rPr lang="en-US" sz="2000" i="1">
+                                          <a:latin typeface="Cambria Math" panose="02040503050406030204" pitchFamily="18" charset="0"/>
+                                        </a:rPr>
+                                        <m:t>𝑛</m:t>
+                                      </m:r>
+                                    </m:e>
+                                    <m:sup>
+                                      <m:r>
+                                        <a:rPr lang="en-US" sz="2000" i="1">
+                                          <a:latin typeface="Cambria Math" panose="02040503050406030204" pitchFamily="18" charset="0"/>
+                                        </a:rPr>
+                                        <m:t>3</m:t>
+                                      </m:r>
+                                    </m:sup>
+                                  </m:sSup>
+                                </m:num>
+                                <m:den>
+                                  <m:r>
+                                    <a:rPr lang="en-US" sz="2000" i="1">
+                                      <a:latin typeface="Cambria Math" panose="02040503050406030204" pitchFamily="18" charset="0"/>
+                                    </a:rPr>
+                                    <m:t>𝑓</m:t>
+                                  </m:r>
+                                  <m:sSup>
+                                    <m:sSupPr>
+                                      <m:ctrlPr>
+                                        <a:rPr lang="en-US" sz="2000" i="1">
+                                          <a:latin typeface="Cambria Math" panose="02040503050406030204" pitchFamily="18" charset="0"/>
+                                        </a:rPr>
+                                      </m:ctrlPr>
+                                    </m:sSupPr>
+                                    <m:e>
+                                      <m:r>
+                                        <a:rPr lang="en-US" sz="2000" i="1">
+                                          <a:latin typeface="Cambria Math" panose="02040503050406030204" pitchFamily="18" charset="0"/>
+                                        </a:rPr>
+                                        <m:t>𝑡</m:t>
+                                      </m:r>
+                                    </m:e>
+                                    <m:sup>
+                                      <m:r>
+                                        <a:rPr lang="en-US" sz="2000" i="1">
+                                          <a:latin typeface="Cambria Math" panose="02040503050406030204" pitchFamily="18" charset="0"/>
+                                        </a:rPr>
+                                        <m:t>3</m:t>
+                                      </m:r>
+                                    </m:sup>
+                                  </m:sSup>
+                                </m:den>
+                              </m:f>
+                            </m:e>
+                          </m:d>
+                        </m:den>
+                      </m:f>
                     </m:oMath>
                   </m:oMathPara>
                 </a14:m>
@@ -20897,7 +21041,7 @@
             </p:txBody>
           </p:sp>
         </mc:Choice>
-        <mc:Fallback xmlns="">
+        <mc:Fallback>
           <p:sp>
             <p:nvSpPr>
               <p:cNvPr id="3" name="Content Placeholder 2"/>
@@ -20910,13 +21054,13 @@
             </p:nvSpPr>
             <p:spPr>
               <a:xfrm>
-                <a:off x="203200" y="1066800"/>
-                <a:ext cx="11887200" cy="5410200"/>
+                <a:off x="152400" y="1026452"/>
+                <a:ext cx="11887200" cy="5678785"/>
               </a:xfrm>
               <a:blipFill rotWithShape="0">
                 <a:blip r:embed="rId2"/>
                 <a:stretch>
-                  <a:fillRect l="-513" t="-450"/>
+                  <a:fillRect l="-513" t="-322"/>
                 </a:stretch>
               </a:blipFill>
             </p:spPr>
@@ -20943,8 +21087,8 @@
         </p:nvSpPr>
         <p:spPr>
           <a:xfrm>
-            <a:off x="7721600" y="3950326"/>
-            <a:ext cx="5089047" cy="1200329"/>
+            <a:off x="7637522" y="4123335"/>
+            <a:ext cx="3220259" cy="1200329"/>
           </a:xfrm>
           <a:prstGeom prst="rect">
             <a:avLst/>
@@ -20958,8 +21102,16 @@
           <a:lstStyle/>
           <a:p>
             <a:r>
+              <a:rPr lang="en-US" sz="2400" b="1" dirty="0" err="1" smtClean="0"/>
+              <a:t>Selcted</a:t>
+            </a:r>
+            <a:r>
               <a:rPr lang="en-US" sz="2400" b="1" dirty="0" smtClean="0"/>
-              <a:t>Resulting Cylinder Specs</a:t>
+              <a:t> Cylinder </a:t>
+            </a:r>
+            <a:r>
+              <a:rPr lang="en-US" sz="2400" b="1" dirty="0" smtClean="0"/>
+              <a:t>Specs</a:t>
             </a:r>
             <a:r>
               <a:rPr lang="en-US" sz="2400" dirty="0" smtClean="0"/>
@@ -20976,6 +21128,70 @@
             <a:r>
               <a:rPr lang="en-US" sz="2400" dirty="0" smtClean="0"/>
               <a:t>4 inch Stroke Length</a:t>
+            </a:r>
+            <a:endParaRPr lang="en-US" dirty="0" smtClean="0"/>
+          </a:p>
+        </p:txBody>
+      </p:sp>
+      <p:sp>
+        <p:nvSpPr>
+          <p:cNvPr id="5" name="TextBox 4"/>
+          <p:cNvSpPr txBox="1"/>
+          <p:nvPr/>
+        </p:nvSpPr>
+        <p:spPr>
+          <a:xfrm>
+            <a:off x="7637522" y="1493710"/>
+            <a:ext cx="3766600" cy="1569660"/>
+          </a:xfrm>
+          <a:prstGeom prst="rect">
+            <a:avLst/>
+          </a:prstGeom>
+          <a:noFill/>
+        </p:spPr>
+        <p:txBody>
+          <a:bodyPr wrap="square" rtlCol="0">
+            <a:spAutoFit/>
+          </a:bodyPr>
+          <a:lstStyle/>
+          <a:p>
+            <a:r>
+              <a:rPr lang="en-US" sz="2400" b="1" dirty="0" smtClean="0"/>
+              <a:t>Required Cylinder </a:t>
+            </a:r>
+            <a:r>
+              <a:rPr lang="en-US" sz="2400" b="1" dirty="0" smtClean="0"/>
+              <a:t>Specs</a:t>
+            </a:r>
+            <a:r>
+              <a:rPr lang="en-US" sz="2400" dirty="0" smtClean="0"/>
+              <a:t>:</a:t>
+            </a:r>
+          </a:p>
+          <a:p>
+            <a:r>
+              <a:rPr lang="en-US" sz="2400" dirty="0" smtClean="0"/>
+              <a:t>178 </a:t>
+            </a:r>
+            <a:r>
+              <a:rPr lang="en-US" sz="2400" dirty="0" err="1" smtClean="0"/>
+              <a:t>lbf</a:t>
+            </a:r>
+            <a:r>
+              <a:rPr lang="en-US" sz="2400" dirty="0" smtClean="0"/>
+              <a:t> max output</a:t>
+            </a:r>
+          </a:p>
+          <a:p>
+            <a:r>
+              <a:rPr lang="en-US" sz="2400" dirty="0" smtClean="0"/>
+              <a:t>4 inch stroke length</a:t>
+            </a:r>
+          </a:p>
+          <a:p>
+            <a:r>
+              <a:rPr lang="en-US" sz="2400" dirty="0" smtClean="0"/>
+              <a:t>60 cycles per minute</a:t>
             </a:r>
             <a:endParaRPr lang="en-US" dirty="0" smtClean="0"/>
           </a:p>
@@ -21065,7 +21281,23 @@
           <a:p>
             <a:r>
               <a:rPr lang="en-US" sz="2400" dirty="0" smtClean="0"/>
-              <a:t>Controls flow through air  cylinders based on spool position</a:t>
+              <a:t>Controls </a:t>
+            </a:r>
+            <a:r>
+              <a:rPr lang="en-US" sz="2400" dirty="0" smtClean="0"/>
+              <a:t>fluid flow </a:t>
+            </a:r>
+            <a:r>
+              <a:rPr lang="en-US" sz="2400" dirty="0" smtClean="0"/>
+              <a:t>through </a:t>
+            </a:r>
+            <a:r>
+              <a:rPr lang="en-US" sz="2400" dirty="0" smtClean="0"/>
+              <a:t>air </a:t>
+            </a:r>
+            <a:r>
+              <a:rPr lang="en-US" sz="2400" dirty="0" smtClean="0"/>
+              <a:t>cylinders based on spool position</a:t>
             </a:r>
           </a:p>
           <a:p>
@@ -21452,7 +21684,11 @@
             </a:pPr>
             <a:r>
               <a:rPr lang="en-US" sz="2800" dirty="0" smtClean="0"/>
-              <a:t>-Pressure required by air cylinders</a:t>
+              <a:t>-Maximum Pressure </a:t>
+            </a:r>
+            <a:r>
+              <a:rPr lang="en-US" sz="2800" dirty="0" smtClean="0"/>
+              <a:t>required by air cylinders</a:t>
             </a:r>
           </a:p>
           <a:p>
@@ -21463,7 +21699,11 @@
             </a:pPr>
             <a:r>
               <a:rPr lang="en-US" sz="2800" dirty="0" smtClean="0"/>
-              <a:t>-Volumetric flow rate required by air cylinders</a:t>
+              <a:t>-Average volumetric </a:t>
+            </a:r>
+            <a:r>
+              <a:rPr lang="en-US" sz="2800" dirty="0" smtClean="0"/>
+              <a:t>flow rate required by air cylinders</a:t>
             </a:r>
             <a:endParaRPr lang="en-US" sz="2800" dirty="0"/>
           </a:p>
@@ -21965,7 +22205,6 @@
               <a:rPr lang="en-US" dirty="0" smtClean="0"/>
               <a:t>Debug Panel</a:t>
             </a:r>
-            <a:endParaRPr lang="en-US" dirty="0" smtClean="0"/>
           </a:p>
           <a:p>
             <a:r>
@@ -22128,8 +22367,13 @@
             </a:r>
             <a:r>
               <a:rPr lang="en-US" dirty="0" smtClean="0"/>
-              <a:t> Simulink models and code generation used for programming</a:t>
-            </a:r>
+              <a:t> Simulink models </a:t>
+            </a:r>
+            <a:r>
+              <a:rPr lang="en-US" dirty="0" smtClean="0"/>
+              <a:t>cross compiled to microcontroller</a:t>
+            </a:r>
+            <a:endParaRPr lang="en-US" dirty="0" smtClean="0"/>
           </a:p>
         </p:txBody>
       </p:sp>
@@ -22203,14 +22447,27 @@
           <a:p>
             <a:r>
               <a:rPr lang="en-US" dirty="0" smtClean="0"/>
-              <a:t>The Simulink PID algorithm are used for control</a:t>
-            </a:r>
-          </a:p>
-          <a:p>
+              <a:t>The Simulink PID </a:t>
+            </a:r>
             <a:r>
               <a:rPr lang="en-US" dirty="0" smtClean="0"/>
-              <a:t>Implementation of a step is done in the system’s state machine</a:t>
-            </a:r>
+              <a:t>algorithms </a:t>
+            </a:r>
+            <a:r>
+              <a:rPr lang="en-US" dirty="0" smtClean="0"/>
+              <a:t>are used for control</a:t>
+            </a:r>
+          </a:p>
+          <a:p>
+            <a:r>
+              <a:rPr lang="en-US" dirty="0" smtClean="0"/>
+              <a:t>Implementation of a step is done </a:t>
+            </a:r>
+            <a:r>
+              <a:rPr lang="en-US" dirty="0" smtClean="0"/>
+              <a:t>using state machine architecture</a:t>
+            </a:r>
+            <a:endParaRPr lang="en-US" dirty="0" smtClean="0"/>
           </a:p>
           <a:p>
             <a:r>
@@ -22220,6 +22477,39 @@
           </a:p>
         </p:txBody>
       </p:sp>
+      <p:pic>
+        <p:nvPicPr>
+          <p:cNvPr id="4" name="Picture 3" descr="D:\MyDocs\Documents\GitHub\AgileRoboticControls\System Modelling\Control\Control - General.png"/>
+          <p:cNvPicPr/>
+          <p:nvPr/>
+        </p:nvPicPr>
+        <p:blipFill>
+          <a:blip r:embed="rId2">
+            <a:extLst>
+              <a:ext uri="{28A0092B-C50C-407E-A947-70E740481C1C}">
+                <a14:useLocalDpi xmlns:a14="http://schemas.microsoft.com/office/drawing/2010/main" val="0"/>
+              </a:ext>
+            </a:extLst>
+          </a:blip>
+          <a:srcRect/>
+          <a:stretch>
+            <a:fillRect/>
+          </a:stretch>
+        </p:blipFill>
+        <p:spPr bwMode="auto">
+          <a:xfrm>
+            <a:off x="2319643" y="4397387"/>
+            <a:ext cx="6756946" cy="1856764"/>
+          </a:xfrm>
+          <a:prstGeom prst="rect">
+            <a:avLst/>
+          </a:prstGeom>
+          <a:noFill/>
+          <a:ln>
+            <a:noFill/>
+          </a:ln>
+        </p:spPr>
+      </p:pic>
     </p:spTree>
     <p:extLst>
       <p:ext uri="{BB962C8B-B14F-4D97-AF65-F5344CB8AC3E}">
@@ -22298,7 +22588,7 @@
       </p:sp>
       <p:pic>
         <p:nvPicPr>
-          <p:cNvPr id="4" name="Picture 3"/>
+          <p:cNvPr id="5" name="Picture 4" descr="D:\MyDocs\Documents\GitHub\AgileRoboticControls\System Modelling\Control\Control - Implementation.png"/>
           <p:cNvPicPr/>
           <p:nvPr/>
         </p:nvPicPr>
@@ -22310,18 +22600,23 @@
               </a:ext>
             </a:extLst>
           </a:blip>
+          <a:srcRect/>
           <a:stretch>
             <a:fillRect/>
           </a:stretch>
         </p:blipFill>
-        <p:spPr>
+        <p:spPr bwMode="auto">
           <a:xfrm>
-            <a:off x="941133" y="1786102"/>
-            <a:ext cx="10106278" cy="4589253"/>
+            <a:off x="390898" y="2249487"/>
+            <a:ext cx="11407025" cy="2328263"/>
           </a:xfrm>
           <a:prstGeom prst="rect">
             <a:avLst/>
           </a:prstGeom>
+          <a:noFill/>
+          <a:ln>
+            <a:noFill/>
+          </a:ln>
         </p:spPr>
       </p:pic>
     </p:spTree>
@@ -25470,7 +25765,15 @@
           <a:p>
             <a:r>
               <a:rPr lang="en-US" dirty="0" smtClean="0"/>
-              <a:t>Four 2R serial linkage originating at the body’s center of gravity</a:t>
+              <a:t>Four </a:t>
+            </a:r>
+            <a:r>
+              <a:rPr lang="en-US" dirty="0" smtClean="0"/>
+              <a:t>three-bar serial linkages </a:t>
+            </a:r>
+            <a:r>
+              <a:rPr lang="en-US" dirty="0" smtClean="0"/>
+              <a:t>originating at the body’s center of gravity</a:t>
             </a:r>
           </a:p>
           <a:p>
@@ -25482,7 +25785,11 @@
           <a:p>
             <a:r>
               <a:rPr lang="en-US" dirty="0" smtClean="0"/>
-              <a:t>16 equations to define link positions in x and y</a:t>
+              <a:t>16 equations to define link </a:t>
+            </a:r>
+            <a:r>
+              <a:rPr lang="en-US" dirty="0" smtClean="0"/>
+              <a:t>positions</a:t>
             </a:r>
             <a:endParaRPr lang="en-US" dirty="0"/>
           </a:p>
@@ -25632,8 +25939,8 @@
           </a:p>
         </p:txBody>
       </p:sp>
-      <mc:AlternateContent xmlns:mc="http://schemas.openxmlformats.org/markup-compatibility/2006" xmlns:a14="http://schemas.microsoft.com/office/drawing/2010/main">
-        <mc:Choice Requires="a14">
+      <mc:AlternateContent xmlns:mc="http://schemas.openxmlformats.org/markup-compatibility/2006">
+        <mc:Choice xmlns:a14="http://schemas.microsoft.com/office/drawing/2010/main" Requires="a14">
           <p:sp>
             <p:nvSpPr>
               <p:cNvPr id="56" name="TextBox 55"/>
@@ -25883,12 +26190,6 @@
                         </m:sSub>
                       </m:den>
                     </m:f>
-                    <m:r>
-                      <a:rPr lang="en-US" i="1">
-                        <a:latin typeface="Cambria Math" panose="02040503050406030204" pitchFamily="18" charset="0"/>
-                      </a:rPr>
-                      <m:t>∗</m:t>
-                    </m:r>
                     <m:f>
                       <m:fPr>
                         <m:ctrlPr>
@@ -26007,12 +26308,6 @@
                         </m:sSub>
                       </m:den>
                     </m:f>
-                    <m:r>
-                      <a:rPr lang="en-US" i="1">
-                        <a:latin typeface="Cambria Math" panose="02040503050406030204" pitchFamily="18" charset="0"/>
-                      </a:rPr>
-                      <m:t>∗</m:t>
-                    </m:r>
                     <m:f>
                       <m:fPr>
                         <m:ctrlPr>
@@ -26131,12 +26426,6 @@
                         </m:sSub>
                       </m:den>
                     </m:f>
-                    <m:r>
-                      <a:rPr lang="en-US" i="1">
-                        <a:latin typeface="Cambria Math" panose="02040503050406030204" pitchFamily="18" charset="0"/>
-                      </a:rPr>
-                      <m:t>∗</m:t>
-                    </m:r>
                     <m:f>
                       <m:fPr>
                         <m:ctrlPr>
@@ -26451,12 +26740,6 @@
                           </m:d>
                         </m:e>
                       </m:d>
-                      <m:r>
-                        <a:rPr lang="en-US" i="1">
-                          <a:latin typeface="Cambria Math" panose="02040503050406030204" pitchFamily="18" charset="0"/>
-                        </a:rPr>
-                        <m:t>∗</m:t>
-                      </m:r>
                       <m:d>
                         <m:dPr>
                           <m:ctrlPr>
@@ -26704,12 +26987,6 @@
                           </m:r>
                         </m:e>
                       </m:d>
-                      <m:r>
-                        <a:rPr lang="en-US" i="1">
-                          <a:latin typeface="Cambria Math" panose="02040503050406030204" pitchFamily="18" charset="0"/>
-                        </a:rPr>
-                        <m:t>∗</m:t>
-                      </m:r>
                       <m:d>
                         <m:dPr>
                           <m:ctrlPr>
@@ -26920,7 +27197,7 @@
             </p:txBody>
           </p:sp>
         </mc:Choice>
-        <mc:Fallback xmlns="">
+        <mc:Fallback>
           <p:sp>
             <p:nvSpPr>
               <p:cNvPr id="56" name="TextBox 55"/>
@@ -27059,7 +27336,27 @@
           <a:p>
             <a:r>
               <a:rPr lang="en-US" dirty="0" smtClean="0"/>
-              <a:t>Joint torques and forces are also functions of q</a:t>
+              <a:t>By extension, </a:t>
+            </a:r>
+            <a:r>
+              <a:rPr lang="en-US" dirty="0"/>
+              <a:t>j</a:t>
+            </a:r>
+            <a:r>
+              <a:rPr lang="en-US" dirty="0" smtClean="0"/>
+              <a:t>oint </a:t>
+            </a:r>
+            <a:r>
+              <a:rPr lang="en-US" dirty="0" smtClean="0"/>
+              <a:t>torques and forces are </a:t>
+            </a:r>
+            <a:r>
+              <a:rPr lang="en-US" dirty="0" smtClean="0"/>
+              <a:t>functions </a:t>
+            </a:r>
+            <a:r>
+              <a:rPr lang="en-US" dirty="0" smtClean="0"/>
+              <a:t>of q</a:t>
             </a:r>
             <a:endParaRPr lang="en-US" dirty="0"/>
           </a:p>

--- a/Documentation/Presentation/Design Presentation/Design Presentation.pptx
+++ b/Documentation/Presentation/Design Presentation/Design Presentation.pptx
@@ -6,40 +6,42 @@
   </p:sldMasterIdLst>
   <p:sldIdLst>
     <p:sldId id="256" r:id="rId2"/>
-    <p:sldId id="257" r:id="rId3"/>
-    <p:sldId id="258" r:id="rId4"/>
-    <p:sldId id="271" r:id="rId5"/>
-    <p:sldId id="272" r:id="rId6"/>
-    <p:sldId id="273" r:id="rId7"/>
-    <p:sldId id="274" r:id="rId8"/>
-    <p:sldId id="275" r:id="rId9"/>
-    <p:sldId id="276" r:id="rId10"/>
-    <p:sldId id="277" r:id="rId11"/>
-    <p:sldId id="278" r:id="rId12"/>
-    <p:sldId id="279" r:id="rId13"/>
-    <p:sldId id="280" r:id="rId14"/>
-    <p:sldId id="281" r:id="rId15"/>
-    <p:sldId id="282" r:id="rId16"/>
-    <p:sldId id="259" r:id="rId17"/>
-    <p:sldId id="260" r:id="rId18"/>
-    <p:sldId id="263" r:id="rId19"/>
-    <p:sldId id="264" r:id="rId20"/>
-    <p:sldId id="265" r:id="rId21"/>
-    <p:sldId id="266" r:id="rId22"/>
-    <p:sldId id="267" r:id="rId23"/>
-    <p:sldId id="268" r:id="rId24"/>
-    <p:sldId id="269" r:id="rId25"/>
-    <p:sldId id="270" r:id="rId26"/>
-    <p:sldId id="261" r:id="rId27"/>
-    <p:sldId id="287" r:id="rId28"/>
-    <p:sldId id="286" r:id="rId29"/>
-    <p:sldId id="285" r:id="rId30"/>
-    <p:sldId id="284" r:id="rId31"/>
-    <p:sldId id="283" r:id="rId32"/>
-    <p:sldId id="289" r:id="rId33"/>
-    <p:sldId id="288" r:id="rId34"/>
-    <p:sldId id="290" r:id="rId35"/>
-    <p:sldId id="262" r:id="rId36"/>
+    <p:sldId id="291" r:id="rId3"/>
+    <p:sldId id="292" r:id="rId4"/>
+    <p:sldId id="293" r:id="rId5"/>
+    <p:sldId id="258" r:id="rId6"/>
+    <p:sldId id="271" r:id="rId7"/>
+    <p:sldId id="272" r:id="rId8"/>
+    <p:sldId id="273" r:id="rId9"/>
+    <p:sldId id="274" r:id="rId10"/>
+    <p:sldId id="275" r:id="rId11"/>
+    <p:sldId id="276" r:id="rId12"/>
+    <p:sldId id="277" r:id="rId13"/>
+    <p:sldId id="278" r:id="rId14"/>
+    <p:sldId id="279" r:id="rId15"/>
+    <p:sldId id="280" r:id="rId16"/>
+    <p:sldId id="281" r:id="rId17"/>
+    <p:sldId id="282" r:id="rId18"/>
+    <p:sldId id="259" r:id="rId19"/>
+    <p:sldId id="260" r:id="rId20"/>
+    <p:sldId id="263" r:id="rId21"/>
+    <p:sldId id="264" r:id="rId22"/>
+    <p:sldId id="265" r:id="rId23"/>
+    <p:sldId id="266" r:id="rId24"/>
+    <p:sldId id="267" r:id="rId25"/>
+    <p:sldId id="268" r:id="rId26"/>
+    <p:sldId id="269" r:id="rId27"/>
+    <p:sldId id="270" r:id="rId28"/>
+    <p:sldId id="261" r:id="rId29"/>
+    <p:sldId id="287" r:id="rId30"/>
+    <p:sldId id="286" r:id="rId31"/>
+    <p:sldId id="285" r:id="rId32"/>
+    <p:sldId id="284" r:id="rId33"/>
+    <p:sldId id="283" r:id="rId34"/>
+    <p:sldId id="289" r:id="rId35"/>
+    <p:sldId id="288" r:id="rId36"/>
+    <p:sldId id="290" r:id="rId37"/>
+    <p:sldId id="262" r:id="rId38"/>
   </p:sldIdLst>
   <p:sldSz cx="12192000" cy="6858000"/>
   <p:notesSz cx="6858000" cy="9144000"/>
@@ -12449,11 +12451,7 @@
           <a:p>
             <a:r>
               <a:rPr lang="en-US" dirty="0" smtClean="0"/>
-              <a:t>Ron </a:t>
-            </a:r>
-            <a:r>
-              <a:rPr lang="en-US" dirty="0" err="1" smtClean="0"/>
-              <a:t>SHipman</a:t>
+              <a:t>Ron Shipman</a:t>
             </a:r>
             <a:endParaRPr lang="en-US" dirty="0"/>
           </a:p>
@@ -12563,6 +12561,1962 @@
 </file>
 
 <file path=ppt/slides/slide10.xml><?xml version="1.0" encoding="utf-8"?>
+<p:sld xmlns:a="http://schemas.openxmlformats.org/drawingml/2006/main" xmlns:r="http://schemas.openxmlformats.org/officeDocument/2006/relationships" xmlns:p="http://schemas.openxmlformats.org/presentationml/2006/main">
+  <p:cSld>
+    <p:spTree>
+      <p:nvGrpSpPr>
+        <p:cNvPr id="1" name=""/>
+        <p:cNvGrpSpPr/>
+        <p:nvPr/>
+      </p:nvGrpSpPr>
+      <p:grpSpPr>
+        <a:xfrm>
+          <a:off x="0" y="0"/>
+          <a:ext cx="0" cy="0"/>
+          <a:chOff x="0" y="0"/>
+          <a:chExt cx="0" cy="0"/>
+        </a:xfrm>
+      </p:grpSpPr>
+      <p:sp>
+        <p:nvSpPr>
+          <p:cNvPr id="2" name="Title 1"/>
+          <p:cNvSpPr>
+            <a:spLocks noGrp="1"/>
+          </p:cNvSpPr>
+          <p:nvPr>
+            <p:ph type="title"/>
+          </p:nvPr>
+        </p:nvSpPr>
+        <p:spPr/>
+        <p:txBody>
+          <a:bodyPr/>
+          <a:lstStyle/>
+          <a:p>
+            <a:r>
+              <a:rPr lang="en-US" dirty="0" smtClean="0"/>
+              <a:t>Jacobian differentiation</a:t>
+            </a:r>
+            <a:endParaRPr lang="en-US" dirty="0"/>
+          </a:p>
+        </p:txBody>
+      </p:sp>
+      <p:sp>
+        <p:nvSpPr>
+          <p:cNvPr id="3" name="Content Placeholder 2"/>
+          <p:cNvSpPr>
+            <a:spLocks noGrp="1"/>
+          </p:cNvSpPr>
+          <p:nvPr>
+            <p:ph idx="1"/>
+          </p:nvPr>
+        </p:nvSpPr>
+        <p:spPr>
+          <a:xfrm>
+            <a:off x="1141413" y="2249486"/>
+            <a:ext cx="4984236" cy="4358347"/>
+          </a:xfrm>
+        </p:spPr>
+        <p:txBody>
+          <a:bodyPr>
+            <a:normAutofit lnSpcReduction="10000"/>
+          </a:bodyPr>
+          <a:lstStyle/>
+          <a:p>
+            <a:r>
+              <a:rPr lang="en-US" dirty="0" smtClean="0"/>
+              <a:t>Simplification of the Full Derivative of a multivariable function</a:t>
+            </a:r>
+          </a:p>
+          <a:p>
+            <a:r>
+              <a:rPr lang="en-US" dirty="0" smtClean="0"/>
+              <a:t>Used to calculate velocity and acceleration of links</a:t>
+            </a:r>
+          </a:p>
+          <a:p>
+            <a:r>
+              <a:rPr lang="en-US" dirty="0" smtClean="0"/>
+              <a:t>Break function derivative into a Jacobian and time derivative vector</a:t>
+            </a:r>
+          </a:p>
+          <a:p>
+            <a:r>
+              <a:rPr lang="en-US" dirty="0" smtClean="0"/>
+              <a:t>Allows symbolic equation solution with MATLAB for faster iteration</a:t>
+            </a:r>
+          </a:p>
+          <a:p>
+            <a:r>
+              <a:rPr lang="en-US" dirty="0" smtClean="0"/>
+              <a:t>Verified with hand calculations</a:t>
+            </a:r>
+            <a:endParaRPr lang="en-US" dirty="0"/>
+          </a:p>
+        </p:txBody>
+      </p:sp>
+      <mc:AlternateContent xmlns:mc="http://schemas.openxmlformats.org/markup-compatibility/2006" xmlns:a14="http://schemas.microsoft.com/office/drawing/2010/main">
+        <mc:Choice Requires="a14">
+          <p:sp>
+            <p:nvSpPr>
+              <p:cNvPr id="56" name="TextBox 55"/>
+              <p:cNvSpPr txBox="1"/>
+              <p:nvPr/>
+            </p:nvSpPr>
+            <p:spPr>
+              <a:xfrm>
+                <a:off x="5615797" y="618518"/>
+                <a:ext cx="7004649" cy="5788829"/>
+              </a:xfrm>
+              <a:prstGeom prst="rect">
+                <a:avLst/>
+              </a:prstGeom>
+              <a:noFill/>
+            </p:spPr>
+            <p:txBody>
+              <a:bodyPr wrap="square" rtlCol="0">
+                <a:spAutoFit/>
+              </a:bodyPr>
+              <a:lstStyle/>
+              <a:p>
+                <a:pPr/>
+                <a14:m>
+                  <m:oMathPara xmlns:m="http://schemas.openxmlformats.org/officeDocument/2006/math">
+                    <m:oMathParaPr>
+                      <m:jc m:val="centerGroup"/>
+                    </m:oMathParaPr>
+                    <m:oMath xmlns:m="http://schemas.openxmlformats.org/officeDocument/2006/math">
+                      <m:f>
+                        <m:fPr>
+                          <m:ctrlPr>
+                            <a:rPr lang="en-US" i="1" smtClean="0">
+                              <a:latin typeface="Cambria Math" panose="02040503050406030204" pitchFamily="18" charset="0"/>
+                            </a:rPr>
+                          </m:ctrlPr>
+                        </m:fPr>
+                        <m:num>
+                          <m:r>
+                            <a:rPr lang="en-US" i="1">
+                              <a:latin typeface="Cambria Math" panose="02040503050406030204" pitchFamily="18" charset="0"/>
+                            </a:rPr>
+                            <m:t>𝑑𝑓</m:t>
+                          </m:r>
+                          <m:r>
+                            <a:rPr lang="en-US" i="1">
+                              <a:latin typeface="Cambria Math" panose="02040503050406030204" pitchFamily="18" charset="0"/>
+                            </a:rPr>
+                            <m:t>(</m:t>
+                          </m:r>
+                          <m:r>
+                            <a:rPr lang="en-US" i="1">
+                              <a:latin typeface="Cambria Math" panose="02040503050406030204" pitchFamily="18" charset="0"/>
+                            </a:rPr>
+                            <m:t>𝑑</m:t>
+                          </m:r>
+                          <m:sSub>
+                            <m:sSubPr>
+                              <m:ctrlPr>
+                                <a:rPr lang="en-US" i="1">
+                                  <a:latin typeface="Cambria Math" panose="02040503050406030204" pitchFamily="18" charset="0"/>
+                                </a:rPr>
+                              </m:ctrlPr>
+                            </m:sSubPr>
+                            <m:e>
+                              <m:r>
+                                <a:rPr lang="en-US" i="1">
+                                  <a:latin typeface="Cambria Math" panose="02040503050406030204" pitchFamily="18" charset="0"/>
+                                </a:rPr>
+                                <m:t>𝑥</m:t>
+                              </m:r>
+                            </m:e>
+                            <m:sub>
+                              <m:r>
+                                <a:rPr lang="en-US" i="1">
+                                  <a:latin typeface="Cambria Math" panose="02040503050406030204" pitchFamily="18" charset="0"/>
+                                </a:rPr>
+                                <m:t>1</m:t>
+                              </m:r>
+                            </m:sub>
+                          </m:sSub>
+                          <m:r>
+                            <a:rPr lang="en-US" i="1">
+                              <a:latin typeface="Cambria Math" panose="02040503050406030204" pitchFamily="18" charset="0"/>
+                            </a:rPr>
+                            <m:t>,</m:t>
+                          </m:r>
+                          <m:r>
+                            <a:rPr lang="en-US" i="1">
+                              <a:latin typeface="Cambria Math" panose="02040503050406030204" pitchFamily="18" charset="0"/>
+                            </a:rPr>
+                            <m:t>𝑑</m:t>
+                          </m:r>
+                          <m:sSub>
+                            <m:sSubPr>
+                              <m:ctrlPr>
+                                <a:rPr lang="en-US" i="1">
+                                  <a:latin typeface="Cambria Math" panose="02040503050406030204" pitchFamily="18" charset="0"/>
+                                </a:rPr>
+                              </m:ctrlPr>
+                            </m:sSubPr>
+                            <m:e>
+                              <m:r>
+                                <a:rPr lang="en-US" i="1">
+                                  <a:latin typeface="Cambria Math" panose="02040503050406030204" pitchFamily="18" charset="0"/>
+                                </a:rPr>
+                                <m:t>𝑥</m:t>
+                              </m:r>
+                            </m:e>
+                            <m:sub>
+                              <m:r>
+                                <a:rPr lang="en-US" i="1">
+                                  <a:latin typeface="Cambria Math" panose="02040503050406030204" pitchFamily="18" charset="0"/>
+                                </a:rPr>
+                                <m:t>2</m:t>
+                              </m:r>
+                            </m:sub>
+                          </m:sSub>
+                          <m:r>
+                            <a:rPr lang="en-US" i="1">
+                              <a:latin typeface="Cambria Math" panose="02040503050406030204" pitchFamily="18" charset="0"/>
+                            </a:rPr>
+                            <m:t>, …,</m:t>
+                          </m:r>
+                          <m:r>
+                            <a:rPr lang="en-US" i="1">
+                              <a:latin typeface="Cambria Math" panose="02040503050406030204" pitchFamily="18" charset="0"/>
+                            </a:rPr>
+                            <m:t>𝑑</m:t>
+                          </m:r>
+                          <m:sSub>
+                            <m:sSubPr>
+                              <m:ctrlPr>
+                                <a:rPr lang="en-US" i="1">
+                                  <a:latin typeface="Cambria Math" panose="02040503050406030204" pitchFamily="18" charset="0"/>
+                                </a:rPr>
+                              </m:ctrlPr>
+                            </m:sSubPr>
+                            <m:e>
+                              <m:r>
+                                <a:rPr lang="en-US" i="1">
+                                  <a:latin typeface="Cambria Math" panose="02040503050406030204" pitchFamily="18" charset="0"/>
+                                </a:rPr>
+                                <m:t>𝑥</m:t>
+                              </m:r>
+                            </m:e>
+                            <m:sub>
+                              <m:r>
+                                <a:rPr lang="en-US" i="1">
+                                  <a:latin typeface="Cambria Math" panose="02040503050406030204" pitchFamily="18" charset="0"/>
+                                </a:rPr>
+                                <m:t>𝑛</m:t>
+                              </m:r>
+                            </m:sub>
+                          </m:sSub>
+                          <m:r>
+                            <a:rPr lang="en-US" i="1">
+                              <a:latin typeface="Cambria Math" panose="02040503050406030204" pitchFamily="18" charset="0"/>
+                            </a:rPr>
+                            <m:t>)</m:t>
+                          </m:r>
+                        </m:num>
+                        <m:den>
+                          <m:r>
+                            <a:rPr lang="en-US" i="1">
+                              <a:latin typeface="Cambria Math" panose="02040503050406030204" pitchFamily="18" charset="0"/>
+                            </a:rPr>
+                            <m:t>𝑑𝑡</m:t>
+                          </m:r>
+                        </m:den>
+                      </m:f>
+                      <m:r>
+                        <a:rPr lang="en-US" i="1">
+                          <a:latin typeface="Cambria Math" panose="02040503050406030204" pitchFamily="18" charset="0"/>
+                        </a:rPr>
+                        <m:t>=</m:t>
+                      </m:r>
+                    </m:oMath>
+                  </m:oMathPara>
+                </a14:m>
+                <a:endParaRPr lang="en-US" i="1" dirty="0" smtClean="0"/>
+              </a:p>
+              <a:p>
+                <a:endParaRPr lang="en-US" i="1" dirty="0" smtClean="0"/>
+              </a:p>
+              <a:p>
+                <a:pPr algn="ctr"/>
+                <a:r>
+                  <a:rPr lang="en-US" dirty="0" smtClean="0"/>
+                  <a:t>= </a:t>
+                </a:r>
+                <a14:m>
+                  <m:oMath xmlns:m="http://schemas.openxmlformats.org/officeDocument/2006/math">
+                    <m:f>
+                      <m:fPr>
+                        <m:ctrlPr>
+                          <a:rPr lang="en-US" i="1">
+                            <a:latin typeface="Cambria Math" panose="02040503050406030204" pitchFamily="18" charset="0"/>
+                          </a:rPr>
+                        </m:ctrlPr>
+                      </m:fPr>
+                      <m:num>
+                        <m:r>
+                          <a:rPr lang="en-US" i="1">
+                            <a:latin typeface="Cambria Math" panose="02040503050406030204" pitchFamily="18" charset="0"/>
+                          </a:rPr>
+                          <m:t>𝜕</m:t>
+                        </m:r>
+                        <m:r>
+                          <a:rPr lang="en-US" i="1">
+                            <a:latin typeface="Cambria Math" panose="02040503050406030204" pitchFamily="18" charset="0"/>
+                          </a:rPr>
+                          <m:t>𝑓</m:t>
+                        </m:r>
+                      </m:num>
+                      <m:den>
+                        <m:r>
+                          <a:rPr lang="en-US" i="1">
+                            <a:latin typeface="Cambria Math" panose="02040503050406030204" pitchFamily="18" charset="0"/>
+                          </a:rPr>
+                          <m:t>𝜕</m:t>
+                        </m:r>
+                        <m:sSub>
+                          <m:sSubPr>
+                            <m:ctrlPr>
+                              <a:rPr lang="en-US" i="1">
+                                <a:latin typeface="Cambria Math" panose="02040503050406030204" pitchFamily="18" charset="0"/>
+                              </a:rPr>
+                            </m:ctrlPr>
+                          </m:sSubPr>
+                          <m:e>
+                            <m:r>
+                              <a:rPr lang="en-US" i="1">
+                                <a:latin typeface="Cambria Math" panose="02040503050406030204" pitchFamily="18" charset="0"/>
+                              </a:rPr>
+                              <m:t>𝑥</m:t>
+                            </m:r>
+                          </m:e>
+                          <m:sub>
+                            <m:r>
+                              <a:rPr lang="en-US" i="1">
+                                <a:latin typeface="Cambria Math" panose="02040503050406030204" pitchFamily="18" charset="0"/>
+                              </a:rPr>
+                              <m:t>1</m:t>
+                            </m:r>
+                          </m:sub>
+                        </m:sSub>
+                      </m:den>
+                    </m:f>
+                    <m:f>
+                      <m:fPr>
+                        <m:ctrlPr>
+                          <a:rPr lang="en-US" i="1">
+                            <a:latin typeface="Cambria Math" panose="02040503050406030204" pitchFamily="18" charset="0"/>
+                          </a:rPr>
+                        </m:ctrlPr>
+                      </m:fPr>
+                      <m:num>
+                        <m:r>
+                          <a:rPr lang="en-US" i="1">
+                            <a:latin typeface="Cambria Math" panose="02040503050406030204" pitchFamily="18" charset="0"/>
+                          </a:rPr>
+                          <m:t>𝜕</m:t>
+                        </m:r>
+                        <m:sSub>
+                          <m:sSubPr>
+                            <m:ctrlPr>
+                              <a:rPr lang="en-US" i="1">
+                                <a:latin typeface="Cambria Math" panose="02040503050406030204" pitchFamily="18" charset="0"/>
+                              </a:rPr>
+                            </m:ctrlPr>
+                          </m:sSubPr>
+                          <m:e>
+                            <m:r>
+                              <a:rPr lang="en-US" i="1">
+                                <a:latin typeface="Cambria Math" panose="02040503050406030204" pitchFamily="18" charset="0"/>
+                              </a:rPr>
+                              <m:t>𝑥</m:t>
+                            </m:r>
+                          </m:e>
+                          <m:sub>
+                            <m:r>
+                              <a:rPr lang="en-US" i="1">
+                                <a:latin typeface="Cambria Math" panose="02040503050406030204" pitchFamily="18" charset="0"/>
+                              </a:rPr>
+                              <m:t>1</m:t>
+                            </m:r>
+                          </m:sub>
+                        </m:sSub>
+                      </m:num>
+                      <m:den>
+                        <m:r>
+                          <a:rPr lang="en-US" i="1">
+                            <a:latin typeface="Cambria Math" panose="02040503050406030204" pitchFamily="18" charset="0"/>
+                          </a:rPr>
+                          <m:t>𝜕</m:t>
+                        </m:r>
+                        <m:r>
+                          <a:rPr lang="en-US" i="1">
+                            <a:latin typeface="Cambria Math" panose="02040503050406030204" pitchFamily="18" charset="0"/>
+                          </a:rPr>
+                          <m:t>𝑡</m:t>
+                        </m:r>
+                      </m:den>
+                    </m:f>
+                    <m:r>
+                      <a:rPr lang="en-US" i="1">
+                        <a:latin typeface="Cambria Math" panose="02040503050406030204" pitchFamily="18" charset="0"/>
+                      </a:rPr>
+                      <m:t>+ </m:t>
+                    </m:r>
+                    <m:f>
+                      <m:fPr>
+                        <m:ctrlPr>
+                          <a:rPr lang="en-US" i="1">
+                            <a:latin typeface="Cambria Math" panose="02040503050406030204" pitchFamily="18" charset="0"/>
+                          </a:rPr>
+                        </m:ctrlPr>
+                      </m:fPr>
+                      <m:num>
+                        <m:r>
+                          <a:rPr lang="en-US" i="1">
+                            <a:latin typeface="Cambria Math" panose="02040503050406030204" pitchFamily="18" charset="0"/>
+                          </a:rPr>
+                          <m:t>𝜕</m:t>
+                        </m:r>
+                        <m:r>
+                          <a:rPr lang="en-US" i="1">
+                            <a:latin typeface="Cambria Math" panose="02040503050406030204" pitchFamily="18" charset="0"/>
+                          </a:rPr>
+                          <m:t>𝑓</m:t>
+                        </m:r>
+                      </m:num>
+                      <m:den>
+                        <m:r>
+                          <a:rPr lang="en-US" i="1">
+                            <a:latin typeface="Cambria Math" panose="02040503050406030204" pitchFamily="18" charset="0"/>
+                          </a:rPr>
+                          <m:t>𝜕</m:t>
+                        </m:r>
+                        <m:sSub>
+                          <m:sSubPr>
+                            <m:ctrlPr>
+                              <a:rPr lang="en-US" i="1">
+                                <a:latin typeface="Cambria Math" panose="02040503050406030204" pitchFamily="18" charset="0"/>
+                              </a:rPr>
+                            </m:ctrlPr>
+                          </m:sSubPr>
+                          <m:e>
+                            <m:r>
+                              <a:rPr lang="en-US" i="1">
+                                <a:latin typeface="Cambria Math" panose="02040503050406030204" pitchFamily="18" charset="0"/>
+                              </a:rPr>
+                              <m:t>𝑥</m:t>
+                            </m:r>
+                          </m:e>
+                          <m:sub>
+                            <m:r>
+                              <a:rPr lang="en-US" i="1">
+                                <a:latin typeface="Cambria Math" panose="02040503050406030204" pitchFamily="18" charset="0"/>
+                              </a:rPr>
+                              <m:t>2</m:t>
+                            </m:r>
+                          </m:sub>
+                        </m:sSub>
+                      </m:den>
+                    </m:f>
+                    <m:f>
+                      <m:fPr>
+                        <m:ctrlPr>
+                          <a:rPr lang="en-US" i="1">
+                            <a:latin typeface="Cambria Math" panose="02040503050406030204" pitchFamily="18" charset="0"/>
+                          </a:rPr>
+                        </m:ctrlPr>
+                      </m:fPr>
+                      <m:num>
+                        <m:r>
+                          <a:rPr lang="en-US" i="1">
+                            <a:latin typeface="Cambria Math" panose="02040503050406030204" pitchFamily="18" charset="0"/>
+                          </a:rPr>
+                          <m:t>𝜕</m:t>
+                        </m:r>
+                        <m:sSub>
+                          <m:sSubPr>
+                            <m:ctrlPr>
+                              <a:rPr lang="en-US" i="1">
+                                <a:latin typeface="Cambria Math" panose="02040503050406030204" pitchFamily="18" charset="0"/>
+                              </a:rPr>
+                            </m:ctrlPr>
+                          </m:sSubPr>
+                          <m:e>
+                            <m:r>
+                              <a:rPr lang="en-US" i="1">
+                                <a:latin typeface="Cambria Math" panose="02040503050406030204" pitchFamily="18" charset="0"/>
+                              </a:rPr>
+                              <m:t>𝑥</m:t>
+                            </m:r>
+                          </m:e>
+                          <m:sub>
+                            <m:r>
+                              <a:rPr lang="en-US" i="1">
+                                <a:latin typeface="Cambria Math" panose="02040503050406030204" pitchFamily="18" charset="0"/>
+                              </a:rPr>
+                              <m:t>2</m:t>
+                            </m:r>
+                          </m:sub>
+                        </m:sSub>
+                      </m:num>
+                      <m:den>
+                        <m:r>
+                          <a:rPr lang="en-US" i="1">
+                            <a:latin typeface="Cambria Math" panose="02040503050406030204" pitchFamily="18" charset="0"/>
+                          </a:rPr>
+                          <m:t>𝜕</m:t>
+                        </m:r>
+                        <m:r>
+                          <a:rPr lang="en-US" i="1">
+                            <a:latin typeface="Cambria Math" panose="02040503050406030204" pitchFamily="18" charset="0"/>
+                          </a:rPr>
+                          <m:t>𝑡</m:t>
+                        </m:r>
+                      </m:den>
+                    </m:f>
+                    <m:r>
+                      <a:rPr lang="en-US" i="1">
+                        <a:latin typeface="Cambria Math" panose="02040503050406030204" pitchFamily="18" charset="0"/>
+                      </a:rPr>
+                      <m:t>+…+ </m:t>
+                    </m:r>
+                    <m:f>
+                      <m:fPr>
+                        <m:ctrlPr>
+                          <a:rPr lang="en-US" i="1">
+                            <a:latin typeface="Cambria Math" panose="02040503050406030204" pitchFamily="18" charset="0"/>
+                          </a:rPr>
+                        </m:ctrlPr>
+                      </m:fPr>
+                      <m:num>
+                        <m:r>
+                          <a:rPr lang="en-US" i="1">
+                            <a:latin typeface="Cambria Math" panose="02040503050406030204" pitchFamily="18" charset="0"/>
+                          </a:rPr>
+                          <m:t>𝜕</m:t>
+                        </m:r>
+                        <m:r>
+                          <a:rPr lang="en-US" i="1">
+                            <a:latin typeface="Cambria Math" panose="02040503050406030204" pitchFamily="18" charset="0"/>
+                          </a:rPr>
+                          <m:t>𝑓</m:t>
+                        </m:r>
+                      </m:num>
+                      <m:den>
+                        <m:r>
+                          <a:rPr lang="en-US" i="1">
+                            <a:latin typeface="Cambria Math" panose="02040503050406030204" pitchFamily="18" charset="0"/>
+                          </a:rPr>
+                          <m:t>𝜕</m:t>
+                        </m:r>
+                        <m:sSub>
+                          <m:sSubPr>
+                            <m:ctrlPr>
+                              <a:rPr lang="en-US" i="1">
+                                <a:latin typeface="Cambria Math" panose="02040503050406030204" pitchFamily="18" charset="0"/>
+                              </a:rPr>
+                            </m:ctrlPr>
+                          </m:sSubPr>
+                          <m:e>
+                            <m:r>
+                              <a:rPr lang="en-US" i="1">
+                                <a:latin typeface="Cambria Math" panose="02040503050406030204" pitchFamily="18" charset="0"/>
+                              </a:rPr>
+                              <m:t>𝑥</m:t>
+                            </m:r>
+                          </m:e>
+                          <m:sub>
+                            <m:r>
+                              <a:rPr lang="en-US" i="1">
+                                <a:latin typeface="Cambria Math" panose="02040503050406030204" pitchFamily="18" charset="0"/>
+                              </a:rPr>
+                              <m:t>𝑛</m:t>
+                            </m:r>
+                          </m:sub>
+                        </m:sSub>
+                      </m:den>
+                    </m:f>
+                    <m:f>
+                      <m:fPr>
+                        <m:ctrlPr>
+                          <a:rPr lang="en-US" i="1">
+                            <a:latin typeface="Cambria Math" panose="02040503050406030204" pitchFamily="18" charset="0"/>
+                          </a:rPr>
+                        </m:ctrlPr>
+                      </m:fPr>
+                      <m:num>
+                        <m:r>
+                          <a:rPr lang="en-US" i="1">
+                            <a:latin typeface="Cambria Math" panose="02040503050406030204" pitchFamily="18" charset="0"/>
+                          </a:rPr>
+                          <m:t>𝜕</m:t>
+                        </m:r>
+                        <m:sSub>
+                          <m:sSubPr>
+                            <m:ctrlPr>
+                              <a:rPr lang="en-US" i="1">
+                                <a:latin typeface="Cambria Math" panose="02040503050406030204" pitchFamily="18" charset="0"/>
+                              </a:rPr>
+                            </m:ctrlPr>
+                          </m:sSubPr>
+                          <m:e>
+                            <m:r>
+                              <a:rPr lang="en-US" i="1">
+                                <a:latin typeface="Cambria Math" panose="02040503050406030204" pitchFamily="18" charset="0"/>
+                              </a:rPr>
+                              <m:t>𝑥</m:t>
+                            </m:r>
+                          </m:e>
+                          <m:sub>
+                            <m:r>
+                              <a:rPr lang="en-US" i="1">
+                                <a:latin typeface="Cambria Math" panose="02040503050406030204" pitchFamily="18" charset="0"/>
+                              </a:rPr>
+                              <m:t>𝑛</m:t>
+                            </m:r>
+                          </m:sub>
+                        </m:sSub>
+                      </m:num>
+                      <m:den>
+                        <m:r>
+                          <a:rPr lang="en-US" i="1">
+                            <a:latin typeface="Cambria Math" panose="02040503050406030204" pitchFamily="18" charset="0"/>
+                          </a:rPr>
+                          <m:t>𝜕</m:t>
+                        </m:r>
+                        <m:r>
+                          <a:rPr lang="en-US" i="1">
+                            <a:latin typeface="Cambria Math" panose="02040503050406030204" pitchFamily="18" charset="0"/>
+                          </a:rPr>
+                          <m:t>𝑡</m:t>
+                        </m:r>
+                      </m:den>
+                    </m:f>
+                  </m:oMath>
+                </a14:m>
+                <a:endParaRPr lang="en-US" dirty="0" smtClean="0"/>
+              </a:p>
+              <a:p>
+                <a:endParaRPr lang="en-US" dirty="0"/>
+              </a:p>
+              <a:p>
+                <a:pPr/>
+                <a14:m>
+                  <m:oMathPara xmlns:m="http://schemas.openxmlformats.org/officeDocument/2006/math">
+                    <m:oMathParaPr>
+                      <m:jc m:val="centerGroup"/>
+                    </m:oMathParaPr>
+                    <m:oMath xmlns:m="http://schemas.openxmlformats.org/officeDocument/2006/math">
+                      <m:r>
+                        <a:rPr lang="en-US" b="0" i="1" smtClean="0">
+                          <a:latin typeface="Cambria Math" panose="02040503050406030204" pitchFamily="18" charset="0"/>
+                        </a:rPr>
+                        <m:t>=</m:t>
+                      </m:r>
+                      <m:d>
+                        <m:dPr>
+                          <m:ctrlPr>
+                            <a:rPr lang="en-US" i="1">
+                              <a:latin typeface="Cambria Math" panose="02040503050406030204" pitchFamily="18" charset="0"/>
+                            </a:rPr>
+                          </m:ctrlPr>
+                        </m:dPr>
+                        <m:e>
+                          <m:d>
+                            <m:dPr>
+                              <m:begChr m:val="["/>
+                              <m:endChr m:val="]"/>
+                              <m:ctrlPr>
+                                <a:rPr lang="en-US" i="1">
+                                  <a:latin typeface="Cambria Math" panose="02040503050406030204" pitchFamily="18" charset="0"/>
+                                </a:rPr>
+                              </m:ctrlPr>
+                            </m:dPr>
+                            <m:e>
+                              <m:f>
+                                <m:fPr>
+                                  <m:ctrlPr>
+                                    <a:rPr lang="en-US" i="1">
+                                      <a:latin typeface="Cambria Math" panose="02040503050406030204" pitchFamily="18" charset="0"/>
+                                    </a:rPr>
+                                  </m:ctrlPr>
+                                </m:fPr>
+                                <m:num>
+                                  <m:r>
+                                    <a:rPr lang="en-US" i="1">
+                                      <a:latin typeface="Cambria Math" panose="02040503050406030204" pitchFamily="18" charset="0"/>
+                                    </a:rPr>
+                                    <m:t>𝜕</m:t>
+                                  </m:r>
+                                  <m:r>
+                                    <a:rPr lang="en-US" i="1">
+                                      <a:latin typeface="Cambria Math" panose="02040503050406030204" pitchFamily="18" charset="0"/>
+                                    </a:rPr>
+                                    <m:t>𝑓</m:t>
+                                  </m:r>
+                                </m:num>
+                                <m:den>
+                                  <m:r>
+                                    <a:rPr lang="en-US" i="1">
+                                      <a:latin typeface="Cambria Math" panose="02040503050406030204" pitchFamily="18" charset="0"/>
+                                    </a:rPr>
+                                    <m:t>𝜕</m:t>
+                                  </m:r>
+                                  <m:sSub>
+                                    <m:sSubPr>
+                                      <m:ctrlPr>
+                                        <a:rPr lang="en-US" i="1">
+                                          <a:latin typeface="Cambria Math" panose="02040503050406030204" pitchFamily="18" charset="0"/>
+                                        </a:rPr>
+                                      </m:ctrlPr>
+                                    </m:sSubPr>
+                                    <m:e>
+                                      <m:r>
+                                        <a:rPr lang="en-US" i="1">
+                                          <a:latin typeface="Cambria Math" panose="02040503050406030204" pitchFamily="18" charset="0"/>
+                                        </a:rPr>
+                                        <m:t>𝑥</m:t>
+                                      </m:r>
+                                    </m:e>
+                                    <m:sub>
+                                      <m:r>
+                                        <a:rPr lang="en-US" i="1">
+                                          <a:latin typeface="Cambria Math" panose="02040503050406030204" pitchFamily="18" charset="0"/>
+                                        </a:rPr>
+                                        <m:t>1</m:t>
+                                      </m:r>
+                                    </m:sub>
+                                  </m:sSub>
+                                </m:den>
+                              </m:f>
+                            </m:e>
+                          </m:d>
+                          <m:d>
+                            <m:dPr>
+                              <m:begChr m:val="["/>
+                              <m:endChr m:val="]"/>
+                              <m:ctrlPr>
+                                <a:rPr lang="en-US" i="1">
+                                  <a:latin typeface="Cambria Math" panose="02040503050406030204" pitchFamily="18" charset="0"/>
+                                </a:rPr>
+                              </m:ctrlPr>
+                            </m:dPr>
+                            <m:e>
+                              <m:f>
+                                <m:fPr>
+                                  <m:ctrlPr>
+                                    <a:rPr lang="en-US" i="1">
+                                      <a:latin typeface="Cambria Math" panose="02040503050406030204" pitchFamily="18" charset="0"/>
+                                    </a:rPr>
+                                  </m:ctrlPr>
+                                </m:fPr>
+                                <m:num>
+                                  <m:r>
+                                    <a:rPr lang="en-US" i="1">
+                                      <a:latin typeface="Cambria Math" panose="02040503050406030204" pitchFamily="18" charset="0"/>
+                                    </a:rPr>
+                                    <m:t>𝜕</m:t>
+                                  </m:r>
+                                  <m:r>
+                                    <a:rPr lang="en-US" i="1">
+                                      <a:latin typeface="Cambria Math" panose="02040503050406030204" pitchFamily="18" charset="0"/>
+                                    </a:rPr>
+                                    <m:t>𝑓</m:t>
+                                  </m:r>
+                                </m:num>
+                                <m:den>
+                                  <m:r>
+                                    <a:rPr lang="en-US" i="1">
+                                      <a:latin typeface="Cambria Math" panose="02040503050406030204" pitchFamily="18" charset="0"/>
+                                    </a:rPr>
+                                    <m:t>𝜕</m:t>
+                                  </m:r>
+                                  <m:sSub>
+                                    <m:sSubPr>
+                                      <m:ctrlPr>
+                                        <a:rPr lang="en-US" i="1">
+                                          <a:latin typeface="Cambria Math" panose="02040503050406030204" pitchFamily="18" charset="0"/>
+                                        </a:rPr>
+                                      </m:ctrlPr>
+                                    </m:sSubPr>
+                                    <m:e>
+                                      <m:r>
+                                        <a:rPr lang="en-US" i="1">
+                                          <a:latin typeface="Cambria Math" panose="02040503050406030204" pitchFamily="18" charset="0"/>
+                                        </a:rPr>
+                                        <m:t>𝑥</m:t>
+                                      </m:r>
+                                    </m:e>
+                                    <m:sub>
+                                      <m:r>
+                                        <a:rPr lang="en-US" i="1">
+                                          <a:latin typeface="Cambria Math" panose="02040503050406030204" pitchFamily="18" charset="0"/>
+                                        </a:rPr>
+                                        <m:t>2</m:t>
+                                      </m:r>
+                                    </m:sub>
+                                  </m:sSub>
+                                </m:den>
+                              </m:f>
+                            </m:e>
+                          </m:d>
+                          <m:d>
+                            <m:dPr>
+                              <m:begChr m:val="["/>
+                              <m:endChr m:val="]"/>
+                              <m:ctrlPr>
+                                <a:rPr lang="en-US" i="1">
+                                  <a:latin typeface="Cambria Math" panose="02040503050406030204" pitchFamily="18" charset="0"/>
+                                </a:rPr>
+                              </m:ctrlPr>
+                            </m:dPr>
+                            <m:e>
+                              <m:r>
+                                <a:rPr lang="en-US" i="1">
+                                  <a:latin typeface="Cambria Math" panose="02040503050406030204" pitchFamily="18" charset="0"/>
+                                </a:rPr>
+                                <m:t>…</m:t>
+                              </m:r>
+                            </m:e>
+                          </m:d>
+                          <m:d>
+                            <m:dPr>
+                              <m:begChr m:val="["/>
+                              <m:endChr m:val="]"/>
+                              <m:ctrlPr>
+                                <a:rPr lang="en-US" i="1">
+                                  <a:latin typeface="Cambria Math" panose="02040503050406030204" pitchFamily="18" charset="0"/>
+                                </a:rPr>
+                              </m:ctrlPr>
+                            </m:dPr>
+                            <m:e>
+                              <m:f>
+                                <m:fPr>
+                                  <m:ctrlPr>
+                                    <a:rPr lang="en-US" i="1">
+                                      <a:latin typeface="Cambria Math" panose="02040503050406030204" pitchFamily="18" charset="0"/>
+                                    </a:rPr>
+                                  </m:ctrlPr>
+                                </m:fPr>
+                                <m:num>
+                                  <m:r>
+                                    <a:rPr lang="en-US" i="1">
+                                      <a:latin typeface="Cambria Math" panose="02040503050406030204" pitchFamily="18" charset="0"/>
+                                    </a:rPr>
+                                    <m:t>𝜕</m:t>
+                                  </m:r>
+                                  <m:r>
+                                    <a:rPr lang="en-US" i="1">
+                                      <a:latin typeface="Cambria Math" panose="02040503050406030204" pitchFamily="18" charset="0"/>
+                                    </a:rPr>
+                                    <m:t>𝑓</m:t>
+                                  </m:r>
+                                </m:num>
+                                <m:den>
+                                  <m:r>
+                                    <a:rPr lang="en-US" i="1">
+                                      <a:latin typeface="Cambria Math" panose="02040503050406030204" pitchFamily="18" charset="0"/>
+                                    </a:rPr>
+                                    <m:t>𝜕</m:t>
+                                  </m:r>
+                                  <m:sSub>
+                                    <m:sSubPr>
+                                      <m:ctrlPr>
+                                        <a:rPr lang="en-US" i="1">
+                                          <a:latin typeface="Cambria Math" panose="02040503050406030204" pitchFamily="18" charset="0"/>
+                                        </a:rPr>
+                                      </m:ctrlPr>
+                                    </m:sSubPr>
+                                    <m:e>
+                                      <m:r>
+                                        <a:rPr lang="en-US" i="1">
+                                          <a:latin typeface="Cambria Math" panose="02040503050406030204" pitchFamily="18" charset="0"/>
+                                        </a:rPr>
+                                        <m:t>𝑥</m:t>
+                                      </m:r>
+                                    </m:e>
+                                    <m:sub>
+                                      <m:r>
+                                        <a:rPr lang="en-US" i="1">
+                                          <a:latin typeface="Cambria Math" panose="02040503050406030204" pitchFamily="18" charset="0"/>
+                                        </a:rPr>
+                                        <m:t>𝑛</m:t>
+                                      </m:r>
+                                    </m:sub>
+                                  </m:sSub>
+                                </m:den>
+                              </m:f>
+                            </m:e>
+                          </m:d>
+                        </m:e>
+                      </m:d>
+                      <m:d>
+                        <m:dPr>
+                          <m:ctrlPr>
+                            <a:rPr lang="en-US" i="1">
+                              <a:latin typeface="Cambria Math" panose="02040503050406030204" pitchFamily="18" charset="0"/>
+                            </a:rPr>
+                          </m:ctrlPr>
+                        </m:dPr>
+                        <m:e>
+                          <m:eqArr>
+                            <m:eqArrPr>
+                              <m:ctrlPr>
+                                <a:rPr lang="en-US" i="1">
+                                  <a:latin typeface="Cambria Math" panose="02040503050406030204" pitchFamily="18" charset="0"/>
+                                </a:rPr>
+                              </m:ctrlPr>
+                            </m:eqArrPr>
+                            <m:e>
+                              <m:f>
+                                <m:fPr>
+                                  <m:ctrlPr>
+                                    <a:rPr lang="en-US" i="1">
+                                      <a:latin typeface="Cambria Math" panose="02040503050406030204" pitchFamily="18" charset="0"/>
+                                    </a:rPr>
+                                  </m:ctrlPr>
+                                </m:fPr>
+                                <m:num>
+                                  <m:r>
+                                    <a:rPr lang="en-US" i="1">
+                                      <a:latin typeface="Cambria Math" panose="02040503050406030204" pitchFamily="18" charset="0"/>
+                                    </a:rPr>
+                                    <m:t>𝜕</m:t>
+                                  </m:r>
+                                  <m:sSub>
+                                    <m:sSubPr>
+                                      <m:ctrlPr>
+                                        <a:rPr lang="en-US" i="1">
+                                          <a:latin typeface="Cambria Math" panose="02040503050406030204" pitchFamily="18" charset="0"/>
+                                        </a:rPr>
+                                      </m:ctrlPr>
+                                    </m:sSubPr>
+                                    <m:e>
+                                      <m:r>
+                                        <a:rPr lang="en-US" i="1">
+                                          <a:latin typeface="Cambria Math" panose="02040503050406030204" pitchFamily="18" charset="0"/>
+                                        </a:rPr>
+                                        <m:t>𝑥</m:t>
+                                      </m:r>
+                                    </m:e>
+                                    <m:sub>
+                                      <m:r>
+                                        <a:rPr lang="en-US" i="1">
+                                          <a:latin typeface="Cambria Math" panose="02040503050406030204" pitchFamily="18" charset="0"/>
+                                        </a:rPr>
+                                        <m:t>1</m:t>
+                                      </m:r>
+                                    </m:sub>
+                                  </m:sSub>
+                                </m:num>
+                                <m:den>
+                                  <m:r>
+                                    <a:rPr lang="en-US" i="1">
+                                      <a:latin typeface="Cambria Math" panose="02040503050406030204" pitchFamily="18" charset="0"/>
+                                    </a:rPr>
+                                    <m:t>𝜕</m:t>
+                                  </m:r>
+                                  <m:r>
+                                    <a:rPr lang="en-US" i="1">
+                                      <a:latin typeface="Cambria Math" panose="02040503050406030204" pitchFamily="18" charset="0"/>
+                                    </a:rPr>
+                                    <m:t>𝑡</m:t>
+                                  </m:r>
+                                </m:den>
+                              </m:f>
+                            </m:e>
+                            <m:e>
+                              <m:f>
+                                <m:fPr>
+                                  <m:ctrlPr>
+                                    <a:rPr lang="en-US" i="1">
+                                      <a:latin typeface="Cambria Math" panose="02040503050406030204" pitchFamily="18" charset="0"/>
+                                    </a:rPr>
+                                  </m:ctrlPr>
+                                </m:fPr>
+                                <m:num>
+                                  <m:r>
+                                    <a:rPr lang="en-US" i="1">
+                                      <a:latin typeface="Cambria Math" panose="02040503050406030204" pitchFamily="18" charset="0"/>
+                                    </a:rPr>
+                                    <m:t>𝜕</m:t>
+                                  </m:r>
+                                  <m:sSub>
+                                    <m:sSubPr>
+                                      <m:ctrlPr>
+                                        <a:rPr lang="en-US" i="1">
+                                          <a:latin typeface="Cambria Math" panose="02040503050406030204" pitchFamily="18" charset="0"/>
+                                        </a:rPr>
+                                      </m:ctrlPr>
+                                    </m:sSubPr>
+                                    <m:e>
+                                      <m:r>
+                                        <a:rPr lang="en-US" i="1">
+                                          <a:latin typeface="Cambria Math" panose="02040503050406030204" pitchFamily="18" charset="0"/>
+                                        </a:rPr>
+                                        <m:t>𝑥</m:t>
+                                      </m:r>
+                                    </m:e>
+                                    <m:sub>
+                                      <m:r>
+                                        <a:rPr lang="en-US" i="1">
+                                          <a:latin typeface="Cambria Math" panose="02040503050406030204" pitchFamily="18" charset="0"/>
+                                        </a:rPr>
+                                        <m:t>2</m:t>
+                                      </m:r>
+                                    </m:sub>
+                                  </m:sSub>
+                                </m:num>
+                                <m:den>
+                                  <m:r>
+                                    <a:rPr lang="en-US" i="1">
+                                      <a:latin typeface="Cambria Math" panose="02040503050406030204" pitchFamily="18" charset="0"/>
+                                    </a:rPr>
+                                    <m:t>𝜕</m:t>
+                                  </m:r>
+                                  <m:r>
+                                    <a:rPr lang="en-US" i="1">
+                                      <a:latin typeface="Cambria Math" panose="02040503050406030204" pitchFamily="18" charset="0"/>
+                                    </a:rPr>
+                                    <m:t>𝑡</m:t>
+                                  </m:r>
+                                </m:den>
+                              </m:f>
+                            </m:e>
+                            <m:e>
+                              <m:r>
+                                <a:rPr lang="en-US" i="1">
+                                  <a:latin typeface="Cambria Math" panose="02040503050406030204" pitchFamily="18" charset="0"/>
+                                </a:rPr>
+                                <m:t>⋮</m:t>
+                              </m:r>
+                            </m:e>
+                            <m:e>
+                              <m:f>
+                                <m:fPr>
+                                  <m:ctrlPr>
+                                    <a:rPr lang="en-US" i="1">
+                                      <a:latin typeface="Cambria Math" panose="02040503050406030204" pitchFamily="18" charset="0"/>
+                                    </a:rPr>
+                                  </m:ctrlPr>
+                                </m:fPr>
+                                <m:num>
+                                  <m:r>
+                                    <a:rPr lang="en-US" i="1">
+                                      <a:latin typeface="Cambria Math" panose="02040503050406030204" pitchFamily="18" charset="0"/>
+                                    </a:rPr>
+                                    <m:t>𝜕</m:t>
+                                  </m:r>
+                                  <m:sSub>
+                                    <m:sSubPr>
+                                      <m:ctrlPr>
+                                        <a:rPr lang="en-US" i="1">
+                                          <a:latin typeface="Cambria Math" panose="02040503050406030204" pitchFamily="18" charset="0"/>
+                                        </a:rPr>
+                                      </m:ctrlPr>
+                                    </m:sSubPr>
+                                    <m:e>
+                                      <m:r>
+                                        <a:rPr lang="en-US" i="1">
+                                          <a:latin typeface="Cambria Math" panose="02040503050406030204" pitchFamily="18" charset="0"/>
+                                        </a:rPr>
+                                        <m:t>𝑥</m:t>
+                                      </m:r>
+                                    </m:e>
+                                    <m:sub>
+                                      <m:r>
+                                        <a:rPr lang="en-US" i="1">
+                                          <a:latin typeface="Cambria Math" panose="02040503050406030204" pitchFamily="18" charset="0"/>
+                                        </a:rPr>
+                                        <m:t>𝑛</m:t>
+                                      </m:r>
+                                    </m:sub>
+                                  </m:sSub>
+                                </m:num>
+                                <m:den>
+                                  <m:r>
+                                    <a:rPr lang="en-US" i="1">
+                                      <a:latin typeface="Cambria Math" panose="02040503050406030204" pitchFamily="18" charset="0"/>
+                                    </a:rPr>
+                                    <m:t>𝜕</m:t>
+                                  </m:r>
+                                  <m:r>
+                                    <a:rPr lang="en-US" i="1">
+                                      <a:latin typeface="Cambria Math" panose="02040503050406030204" pitchFamily="18" charset="0"/>
+                                    </a:rPr>
+                                    <m:t>𝑡</m:t>
+                                  </m:r>
+                                </m:den>
+                              </m:f>
+                            </m:e>
+                          </m:eqArr>
+                        </m:e>
+                      </m:d>
+                    </m:oMath>
+                  </m:oMathPara>
+                </a14:m>
+                <a:endParaRPr lang="en-US" dirty="0" smtClean="0"/>
+              </a:p>
+              <a:p>
+                <a:endParaRPr lang="en-US" dirty="0"/>
+              </a:p>
+              <a:p>
+                <a:pPr/>
+                <a14:m>
+                  <m:oMathPara xmlns:m="http://schemas.openxmlformats.org/officeDocument/2006/math">
+                    <m:oMathParaPr>
+                      <m:jc m:val="centerGroup"/>
+                    </m:oMathParaPr>
+                    <m:oMath xmlns:m="http://schemas.openxmlformats.org/officeDocument/2006/math">
+                      <m:r>
+                        <a:rPr lang="en-US" i="1">
+                          <a:latin typeface="Cambria Math" panose="02040503050406030204" pitchFamily="18" charset="0"/>
+                        </a:rPr>
+                        <m:t>=</m:t>
+                      </m:r>
+                      <m:r>
+                        <a:rPr lang="en-US" i="1">
+                          <a:latin typeface="Cambria Math" panose="02040503050406030204" pitchFamily="18" charset="0"/>
+                        </a:rPr>
+                        <m:t>𝐽</m:t>
+                      </m:r>
+                      <m:d>
+                        <m:dPr>
+                          <m:ctrlPr>
+                            <a:rPr lang="en-US" i="1">
+                              <a:latin typeface="Cambria Math" panose="02040503050406030204" pitchFamily="18" charset="0"/>
+                            </a:rPr>
+                          </m:ctrlPr>
+                        </m:dPr>
+                        <m:e>
+                          <m:r>
+                            <a:rPr lang="en-US" i="1">
+                              <a:latin typeface="Cambria Math" panose="02040503050406030204" pitchFamily="18" charset="0"/>
+                            </a:rPr>
+                            <m:t>𝑓</m:t>
+                          </m:r>
+                        </m:e>
+                      </m:d>
+                      <m:d>
+                        <m:dPr>
+                          <m:ctrlPr>
+                            <a:rPr lang="en-US" i="1">
+                              <a:latin typeface="Cambria Math" panose="02040503050406030204" pitchFamily="18" charset="0"/>
+                            </a:rPr>
+                          </m:ctrlPr>
+                        </m:dPr>
+                        <m:e>
+                          <m:eqArr>
+                            <m:eqArrPr>
+                              <m:ctrlPr>
+                                <a:rPr lang="en-US" i="1">
+                                  <a:latin typeface="Cambria Math" panose="02040503050406030204" pitchFamily="18" charset="0"/>
+                                </a:rPr>
+                              </m:ctrlPr>
+                            </m:eqArrPr>
+                            <m:e>
+                              <m:f>
+                                <m:fPr>
+                                  <m:ctrlPr>
+                                    <a:rPr lang="en-US" i="1">
+                                      <a:latin typeface="Cambria Math" panose="02040503050406030204" pitchFamily="18" charset="0"/>
+                                    </a:rPr>
+                                  </m:ctrlPr>
+                                </m:fPr>
+                                <m:num>
+                                  <m:r>
+                                    <a:rPr lang="en-US" i="1">
+                                      <a:latin typeface="Cambria Math" panose="02040503050406030204" pitchFamily="18" charset="0"/>
+                                    </a:rPr>
+                                    <m:t>𝜕</m:t>
+                                  </m:r>
+                                  <m:sSub>
+                                    <m:sSubPr>
+                                      <m:ctrlPr>
+                                        <a:rPr lang="en-US" i="1">
+                                          <a:latin typeface="Cambria Math" panose="02040503050406030204" pitchFamily="18" charset="0"/>
+                                        </a:rPr>
+                                      </m:ctrlPr>
+                                    </m:sSubPr>
+                                    <m:e>
+                                      <m:r>
+                                        <a:rPr lang="en-US" i="1">
+                                          <a:latin typeface="Cambria Math" panose="02040503050406030204" pitchFamily="18" charset="0"/>
+                                        </a:rPr>
+                                        <m:t>𝑥</m:t>
+                                      </m:r>
+                                    </m:e>
+                                    <m:sub>
+                                      <m:r>
+                                        <a:rPr lang="en-US" i="1">
+                                          <a:latin typeface="Cambria Math" panose="02040503050406030204" pitchFamily="18" charset="0"/>
+                                        </a:rPr>
+                                        <m:t>1</m:t>
+                                      </m:r>
+                                    </m:sub>
+                                  </m:sSub>
+                                </m:num>
+                                <m:den>
+                                  <m:r>
+                                    <a:rPr lang="en-US" i="1">
+                                      <a:latin typeface="Cambria Math" panose="02040503050406030204" pitchFamily="18" charset="0"/>
+                                    </a:rPr>
+                                    <m:t>𝜕</m:t>
+                                  </m:r>
+                                  <m:r>
+                                    <a:rPr lang="en-US" i="1">
+                                      <a:latin typeface="Cambria Math" panose="02040503050406030204" pitchFamily="18" charset="0"/>
+                                    </a:rPr>
+                                    <m:t>𝑡</m:t>
+                                  </m:r>
+                                </m:den>
+                              </m:f>
+                            </m:e>
+                            <m:e>
+                              <m:f>
+                                <m:fPr>
+                                  <m:ctrlPr>
+                                    <a:rPr lang="en-US" i="1">
+                                      <a:latin typeface="Cambria Math" panose="02040503050406030204" pitchFamily="18" charset="0"/>
+                                    </a:rPr>
+                                  </m:ctrlPr>
+                                </m:fPr>
+                                <m:num>
+                                  <m:r>
+                                    <a:rPr lang="en-US" i="1">
+                                      <a:latin typeface="Cambria Math" panose="02040503050406030204" pitchFamily="18" charset="0"/>
+                                    </a:rPr>
+                                    <m:t>𝜕</m:t>
+                                  </m:r>
+                                  <m:sSub>
+                                    <m:sSubPr>
+                                      <m:ctrlPr>
+                                        <a:rPr lang="en-US" i="1">
+                                          <a:latin typeface="Cambria Math" panose="02040503050406030204" pitchFamily="18" charset="0"/>
+                                        </a:rPr>
+                                      </m:ctrlPr>
+                                    </m:sSubPr>
+                                    <m:e>
+                                      <m:r>
+                                        <a:rPr lang="en-US" i="1">
+                                          <a:latin typeface="Cambria Math" panose="02040503050406030204" pitchFamily="18" charset="0"/>
+                                        </a:rPr>
+                                        <m:t>𝑥</m:t>
+                                      </m:r>
+                                    </m:e>
+                                    <m:sub>
+                                      <m:r>
+                                        <a:rPr lang="en-US" i="1">
+                                          <a:latin typeface="Cambria Math" panose="02040503050406030204" pitchFamily="18" charset="0"/>
+                                        </a:rPr>
+                                        <m:t>2</m:t>
+                                      </m:r>
+                                    </m:sub>
+                                  </m:sSub>
+                                </m:num>
+                                <m:den>
+                                  <m:r>
+                                    <a:rPr lang="en-US" i="1">
+                                      <a:latin typeface="Cambria Math" panose="02040503050406030204" pitchFamily="18" charset="0"/>
+                                    </a:rPr>
+                                    <m:t>𝜕</m:t>
+                                  </m:r>
+                                  <m:r>
+                                    <a:rPr lang="en-US" i="1">
+                                      <a:latin typeface="Cambria Math" panose="02040503050406030204" pitchFamily="18" charset="0"/>
+                                    </a:rPr>
+                                    <m:t>𝑡</m:t>
+                                  </m:r>
+                                </m:den>
+                              </m:f>
+                            </m:e>
+                            <m:e>
+                              <m:r>
+                                <a:rPr lang="en-US" i="1">
+                                  <a:latin typeface="Cambria Math" panose="02040503050406030204" pitchFamily="18" charset="0"/>
+                                </a:rPr>
+                                <m:t>⋮</m:t>
+                              </m:r>
+                            </m:e>
+                            <m:e>
+                              <m:f>
+                                <m:fPr>
+                                  <m:ctrlPr>
+                                    <a:rPr lang="en-US" i="1">
+                                      <a:latin typeface="Cambria Math" panose="02040503050406030204" pitchFamily="18" charset="0"/>
+                                    </a:rPr>
+                                  </m:ctrlPr>
+                                </m:fPr>
+                                <m:num>
+                                  <m:r>
+                                    <a:rPr lang="en-US" i="1">
+                                      <a:latin typeface="Cambria Math" panose="02040503050406030204" pitchFamily="18" charset="0"/>
+                                    </a:rPr>
+                                    <m:t>𝜕</m:t>
+                                  </m:r>
+                                  <m:sSub>
+                                    <m:sSubPr>
+                                      <m:ctrlPr>
+                                        <a:rPr lang="en-US" i="1">
+                                          <a:latin typeface="Cambria Math" panose="02040503050406030204" pitchFamily="18" charset="0"/>
+                                        </a:rPr>
+                                      </m:ctrlPr>
+                                    </m:sSubPr>
+                                    <m:e>
+                                      <m:r>
+                                        <a:rPr lang="en-US" i="1">
+                                          <a:latin typeface="Cambria Math" panose="02040503050406030204" pitchFamily="18" charset="0"/>
+                                        </a:rPr>
+                                        <m:t>𝑥</m:t>
+                                      </m:r>
+                                    </m:e>
+                                    <m:sub>
+                                      <m:r>
+                                        <a:rPr lang="en-US" i="1">
+                                          <a:latin typeface="Cambria Math" panose="02040503050406030204" pitchFamily="18" charset="0"/>
+                                        </a:rPr>
+                                        <m:t>𝑛</m:t>
+                                      </m:r>
+                                    </m:sub>
+                                  </m:sSub>
+                                </m:num>
+                                <m:den>
+                                  <m:r>
+                                    <a:rPr lang="en-US" i="1">
+                                      <a:latin typeface="Cambria Math" panose="02040503050406030204" pitchFamily="18" charset="0"/>
+                                    </a:rPr>
+                                    <m:t>𝜕</m:t>
+                                  </m:r>
+                                  <m:r>
+                                    <a:rPr lang="en-US" i="1">
+                                      <a:latin typeface="Cambria Math" panose="02040503050406030204" pitchFamily="18" charset="0"/>
+                                    </a:rPr>
+                                    <m:t>𝑡</m:t>
+                                  </m:r>
+                                </m:den>
+                              </m:f>
+                            </m:e>
+                          </m:eqArr>
+                        </m:e>
+                      </m:d>
+                    </m:oMath>
+                  </m:oMathPara>
+                </a14:m>
+                <a:endParaRPr lang="en-US" dirty="0"/>
+              </a:p>
+            </p:txBody>
+          </p:sp>
+        </mc:Choice>
+        <mc:Fallback xmlns="">
+          <p:sp>
+            <p:nvSpPr>
+              <p:cNvPr id="56" name="TextBox 55"/>
+              <p:cNvSpPr txBox="1">
+                <a:spLocks noRot="1" noChangeAspect="1" noMove="1" noResize="1" noEditPoints="1" noAdjustHandles="1" noChangeArrowheads="1" noChangeShapeType="1" noTextEdit="1"/>
+              </p:cNvSpPr>
+              <p:nvPr/>
+            </p:nvSpPr>
+            <p:spPr>
+              <a:xfrm>
+                <a:off x="5615797" y="618518"/>
+                <a:ext cx="7004649" cy="5788829"/>
+              </a:xfrm>
+              <a:prstGeom prst="rect">
+                <a:avLst/>
+              </a:prstGeom>
+              <a:blipFill rotWithShape="0">
+                <a:blip r:embed="rId2"/>
+                <a:stretch>
+                  <a:fillRect/>
+                </a:stretch>
+              </a:blipFill>
+            </p:spPr>
+            <p:txBody>
+              <a:bodyPr/>
+              <a:lstStyle/>
+              <a:p>
+                <a:r>
+                  <a:rPr lang="en-US">
+                    <a:noFill/>
+                  </a:rPr>
+                  <a:t> </a:t>
+                </a:r>
+              </a:p>
+            </p:txBody>
+          </p:sp>
+        </mc:Fallback>
+      </mc:AlternateContent>
+    </p:spTree>
+    <p:extLst>
+      <p:ext uri="{BB962C8B-B14F-4D97-AF65-F5344CB8AC3E}">
+        <p14:creationId xmlns:p14="http://schemas.microsoft.com/office/powerpoint/2010/main" val="1629185053"/>
+      </p:ext>
+    </p:extLst>
+  </p:cSld>
+  <p:clrMapOvr>
+    <a:masterClrMapping/>
+  </p:clrMapOvr>
+  <p:timing>
+    <p:tnLst>
+      <p:par>
+        <p:cTn id="1" dur="indefinite" restart="never" nodeType="tmRoot"/>
+      </p:par>
+    </p:tnLst>
+  </p:timing>
+</p:sld>
+</file>
+
+<file path=ppt/slides/slide11.xml><?xml version="1.0" encoding="utf-8"?>
+<p:sld xmlns:a="http://schemas.openxmlformats.org/drawingml/2006/main" xmlns:r="http://schemas.openxmlformats.org/officeDocument/2006/relationships" xmlns:p="http://schemas.openxmlformats.org/presentationml/2006/main">
+  <p:cSld>
+    <p:spTree>
+      <p:nvGrpSpPr>
+        <p:cNvPr id="1" name=""/>
+        <p:cNvGrpSpPr/>
+        <p:nvPr/>
+      </p:nvGrpSpPr>
+      <p:grpSpPr>
+        <a:xfrm>
+          <a:off x="0" y="0"/>
+          <a:ext cx="0" cy="0"/>
+          <a:chOff x="0" y="0"/>
+          <a:chExt cx="0" cy="0"/>
+        </a:xfrm>
+      </p:grpSpPr>
+      <p:sp>
+        <p:nvSpPr>
+          <p:cNvPr id="2" name="Title 1"/>
+          <p:cNvSpPr>
+            <a:spLocks noGrp="1"/>
+          </p:cNvSpPr>
+          <p:nvPr>
+            <p:ph type="title"/>
+          </p:nvPr>
+        </p:nvSpPr>
+        <p:spPr/>
+        <p:txBody>
+          <a:bodyPr/>
+          <a:lstStyle/>
+          <a:p>
+            <a:r>
+              <a:rPr lang="en-US" dirty="0" smtClean="0"/>
+              <a:t>State Vector</a:t>
+            </a:r>
+            <a:endParaRPr lang="en-US" dirty="0"/>
+          </a:p>
+        </p:txBody>
+      </p:sp>
+      <p:sp>
+        <p:nvSpPr>
+          <p:cNvPr id="3" name="Content Placeholder 2"/>
+          <p:cNvSpPr>
+            <a:spLocks noGrp="1"/>
+          </p:cNvSpPr>
+          <p:nvPr>
+            <p:ph idx="1"/>
+          </p:nvPr>
+        </p:nvSpPr>
+        <p:spPr>
+          <a:xfrm>
+            <a:off x="1141413" y="2249487"/>
+            <a:ext cx="4966090" cy="3541714"/>
+          </a:xfrm>
+        </p:spPr>
+        <p:txBody>
+          <a:bodyPr>
+            <a:normAutofit/>
+          </a:bodyPr>
+          <a:lstStyle/>
+          <a:p>
+            <a:r>
+              <a:rPr lang="en-US" dirty="0" smtClean="0"/>
+              <a:t>Positions</a:t>
+            </a:r>
+            <a:r>
+              <a:rPr lang="en-US" dirty="0" smtClean="0"/>
+              <a:t>, velocities, and accelerations are all in terms of a state vector,</a:t>
+            </a:r>
+            <a:r>
+              <a:rPr lang="en-US" i="1" dirty="0" smtClean="0"/>
+              <a:t> q</a:t>
+            </a:r>
+          </a:p>
+          <a:p>
+            <a:r>
+              <a:rPr lang="en-US" dirty="0" smtClean="0"/>
+              <a:t>By extension, </a:t>
+            </a:r>
+            <a:r>
+              <a:rPr lang="en-US" dirty="0"/>
+              <a:t>j</a:t>
+            </a:r>
+            <a:r>
+              <a:rPr lang="en-US" dirty="0" smtClean="0"/>
+              <a:t>oint torques and forces are functions of q</a:t>
+            </a:r>
+            <a:endParaRPr lang="en-US" dirty="0"/>
+          </a:p>
+        </p:txBody>
+      </p:sp>
+      <mc:AlternateContent xmlns:mc="http://schemas.openxmlformats.org/markup-compatibility/2006" xmlns:a14="http://schemas.microsoft.com/office/drawing/2010/main">
+        <mc:Choice Requires="a14">
+          <p:sp>
+            <p:nvSpPr>
+              <p:cNvPr id="4" name="TextBox 3"/>
+              <p:cNvSpPr txBox="1"/>
+              <p:nvPr/>
+            </p:nvSpPr>
+            <p:spPr>
+              <a:xfrm>
+                <a:off x="8074325" y="2249487"/>
+                <a:ext cx="1915064" cy="3609130"/>
+              </a:xfrm>
+              <a:prstGeom prst="rect">
+                <a:avLst/>
+              </a:prstGeom>
+              <a:noFill/>
+            </p:spPr>
+            <p:txBody>
+              <a:bodyPr wrap="square" rtlCol="0">
+                <a:spAutoFit/>
+              </a:bodyPr>
+              <a:lstStyle/>
+              <a:p>
+                <a:pPr/>
+                <a14:m>
+                  <m:oMathPara xmlns:m="http://schemas.openxmlformats.org/officeDocument/2006/math">
+                    <m:oMathParaPr>
+                      <m:jc m:val="centerGroup"/>
+                    </m:oMathParaPr>
+                    <m:oMath xmlns:m="http://schemas.openxmlformats.org/officeDocument/2006/math">
+                      <m:r>
+                        <a:rPr lang="en-US" i="1">
+                          <a:latin typeface="Cambria Math" panose="02040503050406030204" pitchFamily="18" charset="0"/>
+                        </a:rPr>
+                        <m:t>𝑞</m:t>
+                      </m:r>
+                      <m:r>
+                        <a:rPr lang="en-US" i="1">
+                          <a:latin typeface="Cambria Math" panose="02040503050406030204" pitchFamily="18" charset="0"/>
+                        </a:rPr>
+                        <m:t>=</m:t>
+                      </m:r>
+                      <m:d>
+                        <m:dPr>
+                          <m:begChr m:val="["/>
+                          <m:endChr m:val="]"/>
+                          <m:ctrlPr>
+                            <a:rPr lang="en-US" i="1">
+                              <a:latin typeface="Cambria Math" panose="02040503050406030204" pitchFamily="18" charset="0"/>
+                            </a:rPr>
+                          </m:ctrlPr>
+                        </m:dPr>
+                        <m:e>
+                          <m:eqArr>
+                            <m:eqArrPr>
+                              <m:ctrlPr>
+                                <a:rPr lang="en-US" i="1">
+                                  <a:latin typeface="Cambria Math" panose="02040503050406030204" pitchFamily="18" charset="0"/>
+                                </a:rPr>
+                              </m:ctrlPr>
+                            </m:eqArrPr>
+                            <m:e>
+                              <m:eqArr>
+                                <m:eqArrPr>
+                                  <m:ctrlPr>
+                                    <a:rPr lang="en-US" i="1">
+                                      <a:latin typeface="Cambria Math" panose="02040503050406030204" pitchFamily="18" charset="0"/>
+                                    </a:rPr>
+                                  </m:ctrlPr>
+                                </m:eqArrPr>
+                                <m:e>
+                                  <m:r>
+                                    <a:rPr lang="en-US" i="1">
+                                      <a:latin typeface="Cambria Math" panose="02040503050406030204" pitchFamily="18" charset="0"/>
+                                    </a:rPr>
+                                    <m:t>𝑥</m:t>
+                                  </m:r>
+                                </m:e>
+                                <m:e>
+                                  <m:r>
+                                    <a:rPr lang="en-US" i="1">
+                                      <a:latin typeface="Cambria Math" panose="02040503050406030204" pitchFamily="18" charset="0"/>
+                                    </a:rPr>
+                                    <m:t>𝑦</m:t>
+                                  </m:r>
+                                </m:e>
+                                <m:e>
+                                  <m:sSub>
+                                    <m:sSubPr>
+                                      <m:ctrlPr>
+                                        <a:rPr lang="en-US" i="1">
+                                          <a:latin typeface="Cambria Math" panose="02040503050406030204" pitchFamily="18" charset="0"/>
+                                        </a:rPr>
+                                      </m:ctrlPr>
+                                    </m:sSubPr>
+                                    <m:e>
+                                      <m:r>
+                                        <a:rPr lang="en-US" i="1">
+                                          <a:latin typeface="Cambria Math" panose="02040503050406030204" pitchFamily="18" charset="0"/>
+                                        </a:rPr>
+                                        <m:t>𝜃</m:t>
+                                      </m:r>
+                                    </m:e>
+                                    <m:sub>
+                                      <m:r>
+                                        <a:rPr lang="en-US" i="1">
+                                          <a:latin typeface="Cambria Math" panose="02040503050406030204" pitchFamily="18" charset="0"/>
+                                        </a:rPr>
+                                        <m:t>𝑏𝑜𝑑𝑦</m:t>
+                                      </m:r>
+                                    </m:sub>
+                                  </m:sSub>
+                                </m:e>
+                                <m:e>
+                                  <m:sSub>
+                                    <m:sSubPr>
+                                      <m:ctrlPr>
+                                        <a:rPr lang="en-US" i="1">
+                                          <a:latin typeface="Cambria Math" panose="02040503050406030204" pitchFamily="18" charset="0"/>
+                                        </a:rPr>
+                                      </m:ctrlPr>
+                                    </m:sSubPr>
+                                    <m:e>
+                                      <m:r>
+                                        <a:rPr lang="en-US" i="1">
+                                          <a:latin typeface="Cambria Math" panose="02040503050406030204" pitchFamily="18" charset="0"/>
+                                        </a:rPr>
+                                        <m:t>𝜃</m:t>
+                                      </m:r>
+                                    </m:e>
+                                    <m:sub>
+                                      <m:r>
+                                        <a:rPr lang="en-US" i="1">
+                                          <a:latin typeface="Cambria Math" panose="02040503050406030204" pitchFamily="18" charset="0"/>
+                                        </a:rPr>
+                                        <m:t>h𝑖𝑝</m:t>
+                                      </m:r>
+                                      <m:r>
+                                        <a:rPr lang="en-US" i="1">
+                                          <a:latin typeface="Cambria Math" panose="02040503050406030204" pitchFamily="18" charset="0"/>
+                                        </a:rPr>
+                                        <m:t>, 1</m:t>
+                                      </m:r>
+                                    </m:sub>
+                                  </m:sSub>
+                                </m:e>
+                                <m:e>
+                                  <m:sSub>
+                                    <m:sSubPr>
+                                      <m:ctrlPr>
+                                        <a:rPr lang="en-US" i="1">
+                                          <a:latin typeface="Cambria Math" panose="02040503050406030204" pitchFamily="18" charset="0"/>
+                                        </a:rPr>
+                                      </m:ctrlPr>
+                                    </m:sSubPr>
+                                    <m:e>
+                                      <m:r>
+                                        <a:rPr lang="en-US" i="1">
+                                          <a:latin typeface="Cambria Math" panose="02040503050406030204" pitchFamily="18" charset="0"/>
+                                        </a:rPr>
+                                        <m:t>𝜃</m:t>
+                                      </m:r>
+                                    </m:e>
+                                    <m:sub>
+                                      <m:r>
+                                        <a:rPr lang="en-US" i="1">
+                                          <a:latin typeface="Cambria Math" panose="02040503050406030204" pitchFamily="18" charset="0"/>
+                                        </a:rPr>
+                                        <m:t>h𝑖𝑝</m:t>
+                                      </m:r>
+                                      <m:r>
+                                        <a:rPr lang="en-US" i="1">
+                                          <a:latin typeface="Cambria Math" panose="02040503050406030204" pitchFamily="18" charset="0"/>
+                                        </a:rPr>
+                                        <m:t>, 2</m:t>
+                                      </m:r>
+                                    </m:sub>
+                                  </m:sSub>
+                                </m:e>
+                                <m:e>
+                                  <m:sSub>
+                                    <m:sSubPr>
+                                      <m:ctrlPr>
+                                        <a:rPr lang="en-US" i="1">
+                                          <a:latin typeface="Cambria Math" panose="02040503050406030204" pitchFamily="18" charset="0"/>
+                                        </a:rPr>
+                                      </m:ctrlPr>
+                                    </m:sSubPr>
+                                    <m:e>
+                                      <m:r>
+                                        <a:rPr lang="en-US" i="1">
+                                          <a:latin typeface="Cambria Math" panose="02040503050406030204" pitchFamily="18" charset="0"/>
+                                        </a:rPr>
+                                        <m:t>𝜃</m:t>
+                                      </m:r>
+                                    </m:e>
+                                    <m:sub>
+                                      <m:r>
+                                        <a:rPr lang="en-US" i="1">
+                                          <a:latin typeface="Cambria Math" panose="02040503050406030204" pitchFamily="18" charset="0"/>
+                                        </a:rPr>
+                                        <m:t>h𝑖𝑝</m:t>
+                                      </m:r>
+                                      <m:r>
+                                        <a:rPr lang="en-US" i="1">
+                                          <a:latin typeface="Cambria Math" panose="02040503050406030204" pitchFamily="18" charset="0"/>
+                                        </a:rPr>
+                                        <m:t>, 3</m:t>
+                                      </m:r>
+                                    </m:sub>
+                                  </m:sSub>
+                                </m:e>
+                                <m:e>
+                                  <m:sSub>
+                                    <m:sSubPr>
+                                      <m:ctrlPr>
+                                        <a:rPr lang="en-US" i="1">
+                                          <a:latin typeface="Cambria Math" panose="02040503050406030204" pitchFamily="18" charset="0"/>
+                                        </a:rPr>
+                                      </m:ctrlPr>
+                                    </m:sSubPr>
+                                    <m:e>
+                                      <m:r>
+                                        <a:rPr lang="en-US" i="1">
+                                          <a:latin typeface="Cambria Math" panose="02040503050406030204" pitchFamily="18" charset="0"/>
+                                        </a:rPr>
+                                        <m:t>𝜃</m:t>
+                                      </m:r>
+                                    </m:e>
+                                    <m:sub>
+                                      <m:r>
+                                        <a:rPr lang="en-US" i="1">
+                                          <a:latin typeface="Cambria Math" panose="02040503050406030204" pitchFamily="18" charset="0"/>
+                                        </a:rPr>
+                                        <m:t>h𝑖𝑝</m:t>
+                                      </m:r>
+                                      <m:r>
+                                        <a:rPr lang="en-US" i="1">
+                                          <a:latin typeface="Cambria Math" panose="02040503050406030204" pitchFamily="18" charset="0"/>
+                                        </a:rPr>
+                                        <m:t>, 4</m:t>
+                                      </m:r>
+                                    </m:sub>
+                                  </m:sSub>
+                                </m:e>
+                              </m:eqArr>
+                            </m:e>
+                            <m:e>
+                              <m:sSub>
+                                <m:sSubPr>
+                                  <m:ctrlPr>
+                                    <a:rPr lang="en-US" i="1">
+                                      <a:latin typeface="Cambria Math" panose="02040503050406030204" pitchFamily="18" charset="0"/>
+                                    </a:rPr>
+                                  </m:ctrlPr>
+                                </m:sSubPr>
+                                <m:e>
+                                  <m:r>
+                                    <a:rPr lang="en-US" i="1">
+                                      <a:latin typeface="Cambria Math" panose="02040503050406030204" pitchFamily="18" charset="0"/>
+                                    </a:rPr>
+                                    <m:t>𝜃</m:t>
+                                  </m:r>
+                                </m:e>
+                                <m:sub>
+                                  <m:r>
+                                    <a:rPr lang="en-US" i="1">
+                                      <a:latin typeface="Cambria Math" panose="02040503050406030204" pitchFamily="18" charset="0"/>
+                                    </a:rPr>
+                                    <m:t>𝑘𝑛𝑒𝑒</m:t>
+                                  </m:r>
+                                  <m:r>
+                                    <a:rPr lang="en-US" i="1">
+                                      <a:latin typeface="Cambria Math" panose="02040503050406030204" pitchFamily="18" charset="0"/>
+                                    </a:rPr>
+                                    <m:t>, 1</m:t>
+                                  </m:r>
+                                </m:sub>
+                              </m:sSub>
+                            </m:e>
+                            <m:e>
+                              <m:sSub>
+                                <m:sSubPr>
+                                  <m:ctrlPr>
+                                    <a:rPr lang="en-US" i="1">
+                                      <a:latin typeface="Cambria Math" panose="02040503050406030204" pitchFamily="18" charset="0"/>
+                                    </a:rPr>
+                                  </m:ctrlPr>
+                                </m:sSubPr>
+                                <m:e>
+                                  <m:r>
+                                    <a:rPr lang="en-US" i="1">
+                                      <a:latin typeface="Cambria Math" panose="02040503050406030204" pitchFamily="18" charset="0"/>
+                                    </a:rPr>
+                                    <m:t>𝜃</m:t>
+                                  </m:r>
+                                </m:e>
+                                <m:sub>
+                                  <m:r>
+                                    <a:rPr lang="en-US" i="1">
+                                      <a:latin typeface="Cambria Math" panose="02040503050406030204" pitchFamily="18" charset="0"/>
+                                    </a:rPr>
+                                    <m:t>𝑘𝑛𝑒𝑒</m:t>
+                                  </m:r>
+                                  <m:r>
+                                    <a:rPr lang="en-US" i="1">
+                                      <a:latin typeface="Cambria Math" panose="02040503050406030204" pitchFamily="18" charset="0"/>
+                                    </a:rPr>
+                                    <m:t>, 2</m:t>
+                                  </m:r>
+                                </m:sub>
+                              </m:sSub>
+                            </m:e>
+                            <m:e>
+                              <m:sSub>
+                                <m:sSubPr>
+                                  <m:ctrlPr>
+                                    <a:rPr lang="en-US" i="1">
+                                      <a:latin typeface="Cambria Math" panose="02040503050406030204" pitchFamily="18" charset="0"/>
+                                    </a:rPr>
+                                  </m:ctrlPr>
+                                </m:sSubPr>
+                                <m:e>
+                                  <m:r>
+                                    <a:rPr lang="en-US" i="1">
+                                      <a:latin typeface="Cambria Math" panose="02040503050406030204" pitchFamily="18" charset="0"/>
+                                    </a:rPr>
+                                    <m:t>𝜃</m:t>
+                                  </m:r>
+                                </m:e>
+                                <m:sub>
+                                  <m:r>
+                                    <a:rPr lang="en-US" i="1">
+                                      <a:latin typeface="Cambria Math" panose="02040503050406030204" pitchFamily="18" charset="0"/>
+                                    </a:rPr>
+                                    <m:t>𝑘𝑛𝑒𝑒</m:t>
+                                  </m:r>
+                                  <m:r>
+                                    <a:rPr lang="en-US" i="1">
+                                      <a:latin typeface="Cambria Math" panose="02040503050406030204" pitchFamily="18" charset="0"/>
+                                    </a:rPr>
+                                    <m:t>, 3</m:t>
+                                  </m:r>
+                                </m:sub>
+                              </m:sSub>
+                            </m:e>
+                            <m:e>
+                              <m:sSub>
+                                <m:sSubPr>
+                                  <m:ctrlPr>
+                                    <a:rPr lang="en-US" i="1">
+                                      <a:latin typeface="Cambria Math" panose="02040503050406030204" pitchFamily="18" charset="0"/>
+                                    </a:rPr>
+                                  </m:ctrlPr>
+                                </m:sSubPr>
+                                <m:e>
+                                  <m:r>
+                                    <a:rPr lang="en-US" i="1">
+                                      <a:latin typeface="Cambria Math" panose="02040503050406030204" pitchFamily="18" charset="0"/>
+                                    </a:rPr>
+                                    <m:t>𝜃</m:t>
+                                  </m:r>
+                                </m:e>
+                                <m:sub>
+                                  <m:r>
+                                    <a:rPr lang="en-US" i="1">
+                                      <a:latin typeface="Cambria Math" panose="02040503050406030204" pitchFamily="18" charset="0"/>
+                                    </a:rPr>
+                                    <m:t>𝑘𝑛𝑒𝑒</m:t>
+                                  </m:r>
+                                  <m:r>
+                                    <a:rPr lang="en-US" i="1">
+                                      <a:latin typeface="Cambria Math" panose="02040503050406030204" pitchFamily="18" charset="0"/>
+                                    </a:rPr>
+                                    <m:t>, 4</m:t>
+                                  </m:r>
+                                </m:sub>
+                              </m:sSub>
+                            </m:e>
+                          </m:eqArr>
+                        </m:e>
+                      </m:d>
+                    </m:oMath>
+                  </m:oMathPara>
+                </a14:m>
+                <a:endParaRPr lang="en-US" dirty="0"/>
+              </a:p>
+              <a:p>
+                <a:endParaRPr lang="en-US" dirty="0"/>
+              </a:p>
+            </p:txBody>
+          </p:sp>
+        </mc:Choice>
+        <mc:Fallback xmlns="">
+          <p:sp>
+            <p:nvSpPr>
+              <p:cNvPr id="4" name="TextBox 3"/>
+              <p:cNvSpPr txBox="1">
+                <a:spLocks noRot="1" noChangeAspect="1" noMove="1" noResize="1" noEditPoints="1" noAdjustHandles="1" noChangeArrowheads="1" noChangeShapeType="1" noTextEdit="1"/>
+              </p:cNvSpPr>
+              <p:nvPr/>
+            </p:nvSpPr>
+            <p:spPr>
+              <a:xfrm>
+                <a:off x="8074325" y="2249487"/>
+                <a:ext cx="1915064" cy="3609130"/>
+              </a:xfrm>
+              <a:prstGeom prst="rect">
+                <a:avLst/>
+              </a:prstGeom>
+              <a:blipFill rotWithShape="0">
+                <a:blip r:embed="rId2"/>
+                <a:stretch>
+                  <a:fillRect/>
+                </a:stretch>
+              </a:blipFill>
+            </p:spPr>
+            <p:txBody>
+              <a:bodyPr/>
+              <a:lstStyle/>
+              <a:p>
+                <a:r>
+                  <a:rPr lang="en-US">
+                    <a:noFill/>
+                  </a:rPr>
+                  <a:t> </a:t>
+                </a:r>
+              </a:p>
+            </p:txBody>
+          </p:sp>
+        </mc:Fallback>
+      </mc:AlternateContent>
+    </p:spTree>
+    <p:extLst>
+      <p:ext uri="{BB962C8B-B14F-4D97-AF65-F5344CB8AC3E}">
+        <p14:creationId xmlns:p14="http://schemas.microsoft.com/office/powerpoint/2010/main" val="3463496399"/>
+      </p:ext>
+    </p:extLst>
+  </p:cSld>
+  <p:clrMapOvr>
+    <a:masterClrMapping/>
+  </p:clrMapOvr>
+  <p:timing>
+    <p:tnLst>
+      <p:par>
+        <p:cTn id="1" dur="indefinite" restart="never" nodeType="tmRoot"/>
+      </p:par>
+    </p:tnLst>
+  </p:timing>
+</p:sld>
+</file>
+
+<file path=ppt/slides/slide12.xml><?xml version="1.0" encoding="utf-8"?>
 <p:sld xmlns:a="http://schemas.openxmlformats.org/drawingml/2006/main" xmlns:r="http://schemas.openxmlformats.org/officeDocument/2006/relationships" xmlns:p="http://schemas.openxmlformats.org/presentationml/2006/main">
   <p:cSld>
     <p:spTree>
@@ -12811,7 +14765,7 @@
 </p:sld>
 </file>
 
-<file path=ppt/slides/slide11.xml><?xml version="1.0" encoding="utf-8"?>
+<file path=ppt/slides/slide13.xml><?xml version="1.0" encoding="utf-8"?>
 <p:sld xmlns:a="http://schemas.openxmlformats.org/drawingml/2006/main" xmlns:r="http://schemas.openxmlformats.org/officeDocument/2006/relationships" xmlns:p="http://schemas.openxmlformats.org/presentationml/2006/main">
   <p:cSld>
     <p:spTree>
@@ -12932,7 +14886,7 @@
 </p:sld>
 </file>
 
-<file path=ppt/slides/slide12.xml><?xml version="1.0" encoding="utf-8"?>
+<file path=ppt/slides/slide14.xml><?xml version="1.0" encoding="utf-8"?>
 <p:sld xmlns:a="http://schemas.openxmlformats.org/drawingml/2006/main" xmlns:r="http://schemas.openxmlformats.org/officeDocument/2006/relationships" xmlns:p="http://schemas.openxmlformats.org/presentationml/2006/main">
   <p:cSld>
     <p:spTree>
@@ -15093,7 +17047,7 @@
 </p:sld>
 </file>
 
-<file path=ppt/slides/slide13.xml><?xml version="1.0" encoding="utf-8"?>
+<file path=ppt/slides/slide15.xml><?xml version="1.0" encoding="utf-8"?>
 <p:sld xmlns:a="http://schemas.openxmlformats.org/drawingml/2006/main" xmlns:r="http://schemas.openxmlformats.org/officeDocument/2006/relationships" xmlns:p="http://schemas.openxmlformats.org/presentationml/2006/main">
   <p:cSld>
     <p:spTree>
@@ -16489,7 +18443,7 @@
 </p:sld>
 </file>
 
-<file path=ppt/slides/slide14.xml><?xml version="1.0" encoding="utf-8"?>
+<file path=ppt/slides/slide16.xml><?xml version="1.0" encoding="utf-8"?>
 <p:sld xmlns:a="http://schemas.openxmlformats.org/drawingml/2006/main" xmlns:r="http://schemas.openxmlformats.org/officeDocument/2006/relationships" xmlns:p="http://schemas.openxmlformats.org/presentationml/2006/main">
   <p:cSld>
     <p:spTree>
@@ -17262,13 +19216,16 @@
               <a:p>
                 <a:r>
                   <a:rPr lang="en-US" dirty="0" smtClean="0"/>
-                  <a:t>Calculated using impulse and conservation of momentum on </a:t>
+                  <a:t>Calculated using </a:t>
                 </a:r>
                 <a:r>
                   <a:rPr lang="en-US" dirty="0" smtClean="0"/>
-                  <a:t>leg</a:t>
+                  <a:t>conservation </a:t>
                 </a:r>
-                <a:endParaRPr lang="en-US" dirty="0" smtClean="0"/>
+                <a:r>
+                  <a:rPr lang="en-US" dirty="0" smtClean="0"/>
+                  <a:t>of momentum on leg</a:t>
+                </a:r>
               </a:p>
               <a:p>
                 <a:pPr lvl="1"/>
@@ -17281,19 +19238,7 @@
                 <a:pPr lvl="1"/>
                 <a:r>
                   <a:rPr lang="en-US" dirty="0" smtClean="0"/>
-                  <a:t>Assuming other leg forces are </a:t>
-                </a:r>
-                <a:r>
-                  <a:rPr lang="en-US" dirty="0" smtClean="0"/>
-                  <a:t>unchanged from the </a:t>
-                </a:r>
-                <a:r>
-                  <a:rPr lang="en-US" dirty="0" smtClean="0"/>
-                  <a:t>swing </a:t>
-                </a:r>
-                <a:r>
-                  <a:rPr lang="en-US" dirty="0" smtClean="0"/>
-                  <a:t>phase</a:t>
+                  <a:t>Assuming other leg forces are unchanged from the swing phase</a:t>
                 </a:r>
               </a:p>
               <a:p>
@@ -18187,166 +20132,6 @@
 </p:sld>
 </file>
 
-<file path=ppt/slides/slide15.xml><?xml version="1.0" encoding="utf-8"?>
-<p:sld xmlns:a="http://schemas.openxmlformats.org/drawingml/2006/main" xmlns:r="http://schemas.openxmlformats.org/officeDocument/2006/relationships" xmlns:p="http://schemas.openxmlformats.org/presentationml/2006/main">
-  <p:cSld>
-    <p:spTree>
-      <p:nvGrpSpPr>
-        <p:cNvPr id="1" name=""/>
-        <p:cNvGrpSpPr/>
-        <p:nvPr/>
-      </p:nvGrpSpPr>
-      <p:grpSpPr>
-        <a:xfrm>
-          <a:off x="0" y="0"/>
-          <a:ext cx="0" cy="0"/>
-          <a:chOff x="0" y="0"/>
-          <a:chExt cx="0" cy="0"/>
-        </a:xfrm>
-      </p:grpSpPr>
-      <p:sp>
-        <p:nvSpPr>
-          <p:cNvPr id="2" name="Title 1"/>
-          <p:cNvSpPr>
-            <a:spLocks noGrp="1"/>
-          </p:cNvSpPr>
-          <p:nvPr>
-            <p:ph type="title"/>
-          </p:nvPr>
-        </p:nvSpPr>
-        <p:spPr/>
-        <p:txBody>
-          <a:bodyPr/>
-          <a:lstStyle/>
-          <a:p>
-            <a:r>
-              <a:rPr lang="en-US" dirty="0" smtClean="0"/>
-              <a:t>Results</a:t>
-            </a:r>
-            <a:endParaRPr lang="en-US" dirty="0"/>
-          </a:p>
-        </p:txBody>
-      </p:sp>
-      <p:sp>
-        <p:nvSpPr>
-          <p:cNvPr id="3" name="Content Placeholder 2"/>
-          <p:cNvSpPr>
-            <a:spLocks noGrp="1"/>
-          </p:cNvSpPr>
-          <p:nvPr>
-            <p:ph idx="1"/>
-          </p:nvPr>
-        </p:nvSpPr>
-        <p:spPr/>
-        <p:txBody>
-          <a:bodyPr/>
-          <a:lstStyle/>
-          <a:p>
-            <a:r>
-              <a:rPr lang="en-US" dirty="0" smtClean="0"/>
-              <a:t>Torques and forces used for finite element analysis of structural elements</a:t>
-            </a:r>
-          </a:p>
-          <a:p>
-            <a:r>
-              <a:rPr lang="en-US" dirty="0" smtClean="0"/>
-              <a:t>Torques used with motion study to determine cylinder stroke, bore size, and maximum pressure</a:t>
-            </a:r>
-          </a:p>
-          <a:p>
-            <a:r>
-              <a:rPr lang="en-US" dirty="0" smtClean="0"/>
-              <a:t>Cylinder analysis used to create specifications for other pneumatic components, such as storage tanks and tubing/valve size</a:t>
-            </a:r>
-            <a:endParaRPr lang="en-US" dirty="0"/>
-          </a:p>
-        </p:txBody>
-      </p:sp>
-    </p:spTree>
-    <p:extLst>
-      <p:ext uri="{BB962C8B-B14F-4D97-AF65-F5344CB8AC3E}">
-        <p14:creationId xmlns:p14="http://schemas.microsoft.com/office/powerpoint/2010/main" val="2087344944"/>
-      </p:ext>
-    </p:extLst>
-  </p:cSld>
-  <p:clrMapOvr>
-    <a:masterClrMapping/>
-  </p:clrMapOvr>
-</p:sld>
-</file>
-
-<file path=ppt/slides/slide16.xml><?xml version="1.0" encoding="utf-8"?>
-<p:sld xmlns:a="http://schemas.openxmlformats.org/drawingml/2006/main" xmlns:r="http://schemas.openxmlformats.org/officeDocument/2006/relationships" xmlns:p="http://schemas.openxmlformats.org/presentationml/2006/main">
-  <p:cSld>
-    <p:spTree>
-      <p:nvGrpSpPr>
-        <p:cNvPr id="1" name=""/>
-        <p:cNvGrpSpPr/>
-        <p:nvPr/>
-      </p:nvGrpSpPr>
-      <p:grpSpPr>
-        <a:xfrm>
-          <a:off x="0" y="0"/>
-          <a:ext cx="0" cy="0"/>
-          <a:chOff x="0" y="0"/>
-          <a:chExt cx="0" cy="0"/>
-        </a:xfrm>
-      </p:grpSpPr>
-      <p:sp>
-        <p:nvSpPr>
-          <p:cNvPr id="2" name="Title 1"/>
-          <p:cNvSpPr>
-            <a:spLocks noGrp="1"/>
-          </p:cNvSpPr>
-          <p:nvPr>
-            <p:ph type="title"/>
-          </p:nvPr>
-        </p:nvSpPr>
-        <p:spPr/>
-        <p:txBody>
-          <a:bodyPr/>
-          <a:lstStyle/>
-          <a:p>
-            <a:r>
-              <a:rPr lang="en-US" dirty="0" smtClean="0"/>
-              <a:t>Mechanical</a:t>
-            </a:r>
-            <a:endParaRPr lang="en-US" dirty="0"/>
-          </a:p>
-        </p:txBody>
-      </p:sp>
-      <p:sp>
-        <p:nvSpPr>
-          <p:cNvPr id="3" name="Content Placeholder 2"/>
-          <p:cNvSpPr>
-            <a:spLocks noGrp="1"/>
-          </p:cNvSpPr>
-          <p:nvPr>
-            <p:ph idx="1"/>
-          </p:nvPr>
-        </p:nvSpPr>
-        <p:spPr/>
-        <p:txBody>
-          <a:bodyPr/>
-          <a:lstStyle/>
-          <a:p>
-            <a:endParaRPr lang="en-US"/>
-          </a:p>
-        </p:txBody>
-      </p:sp>
-    </p:spTree>
-    <p:extLst>
-      <p:ext uri="{BB962C8B-B14F-4D97-AF65-F5344CB8AC3E}">
-        <p14:creationId xmlns:p14="http://schemas.microsoft.com/office/powerpoint/2010/main" val="674988903"/>
-      </p:ext>
-    </p:extLst>
-  </p:cSld>
-  <p:clrMapOvr>
-    <a:masterClrMapping/>
-  </p:clrMapOvr>
-</p:sld>
-</file>
-
 <file path=ppt/slides/slide17.xml><?xml version="1.0" encoding="utf-8"?>
 <p:sld xmlns:a="http://schemas.openxmlformats.org/drawingml/2006/main" xmlns:r="http://schemas.openxmlformats.org/officeDocument/2006/relationships" xmlns:p="http://schemas.openxmlformats.org/presentationml/2006/main">
   <p:cSld>
@@ -18381,7 +20166,7 @@
           <a:p>
             <a:r>
               <a:rPr lang="en-US" dirty="0" smtClean="0"/>
-              <a:t>Pneumatics</a:t>
+              <a:t>Results</a:t>
             </a:r>
             <a:endParaRPr lang="en-US" dirty="0"/>
           </a:p>
@@ -18404,6 +20189,166 @@
           <a:p>
             <a:r>
               <a:rPr lang="en-US" dirty="0" smtClean="0"/>
+              <a:t>Torques and forces used for finite element analysis of structural elements</a:t>
+            </a:r>
+          </a:p>
+          <a:p>
+            <a:r>
+              <a:rPr lang="en-US" dirty="0" smtClean="0"/>
+              <a:t>Torques used with motion study to determine cylinder stroke, bore size, and maximum pressure</a:t>
+            </a:r>
+          </a:p>
+          <a:p>
+            <a:r>
+              <a:rPr lang="en-US" dirty="0" smtClean="0"/>
+              <a:t>Cylinder analysis used to create specifications for other pneumatic components, such as storage tanks and tubing/valve size</a:t>
+            </a:r>
+            <a:endParaRPr lang="en-US" dirty="0"/>
+          </a:p>
+        </p:txBody>
+      </p:sp>
+    </p:spTree>
+    <p:extLst>
+      <p:ext uri="{BB962C8B-B14F-4D97-AF65-F5344CB8AC3E}">
+        <p14:creationId xmlns:p14="http://schemas.microsoft.com/office/powerpoint/2010/main" val="2087344944"/>
+      </p:ext>
+    </p:extLst>
+  </p:cSld>
+  <p:clrMapOvr>
+    <a:masterClrMapping/>
+  </p:clrMapOvr>
+</p:sld>
+</file>
+
+<file path=ppt/slides/slide18.xml><?xml version="1.0" encoding="utf-8"?>
+<p:sld xmlns:a="http://schemas.openxmlformats.org/drawingml/2006/main" xmlns:r="http://schemas.openxmlformats.org/officeDocument/2006/relationships" xmlns:p="http://schemas.openxmlformats.org/presentationml/2006/main">
+  <p:cSld>
+    <p:spTree>
+      <p:nvGrpSpPr>
+        <p:cNvPr id="1" name=""/>
+        <p:cNvGrpSpPr/>
+        <p:nvPr/>
+      </p:nvGrpSpPr>
+      <p:grpSpPr>
+        <a:xfrm>
+          <a:off x="0" y="0"/>
+          <a:ext cx="0" cy="0"/>
+          <a:chOff x="0" y="0"/>
+          <a:chExt cx="0" cy="0"/>
+        </a:xfrm>
+      </p:grpSpPr>
+      <p:sp>
+        <p:nvSpPr>
+          <p:cNvPr id="2" name="Title 1"/>
+          <p:cNvSpPr>
+            <a:spLocks noGrp="1"/>
+          </p:cNvSpPr>
+          <p:nvPr>
+            <p:ph type="title"/>
+          </p:nvPr>
+        </p:nvSpPr>
+        <p:spPr/>
+        <p:txBody>
+          <a:bodyPr/>
+          <a:lstStyle/>
+          <a:p>
+            <a:r>
+              <a:rPr lang="en-US" dirty="0" smtClean="0"/>
+              <a:t>Mechanical</a:t>
+            </a:r>
+            <a:endParaRPr lang="en-US" dirty="0"/>
+          </a:p>
+        </p:txBody>
+      </p:sp>
+      <p:sp>
+        <p:nvSpPr>
+          <p:cNvPr id="3" name="Content Placeholder 2"/>
+          <p:cNvSpPr>
+            <a:spLocks noGrp="1"/>
+          </p:cNvSpPr>
+          <p:nvPr>
+            <p:ph idx="1"/>
+          </p:nvPr>
+        </p:nvSpPr>
+        <p:spPr/>
+        <p:txBody>
+          <a:bodyPr/>
+          <a:lstStyle/>
+          <a:p>
+            <a:endParaRPr lang="en-US"/>
+          </a:p>
+        </p:txBody>
+      </p:sp>
+    </p:spTree>
+    <p:extLst>
+      <p:ext uri="{BB962C8B-B14F-4D97-AF65-F5344CB8AC3E}">
+        <p14:creationId xmlns:p14="http://schemas.microsoft.com/office/powerpoint/2010/main" val="674988903"/>
+      </p:ext>
+    </p:extLst>
+  </p:cSld>
+  <p:clrMapOvr>
+    <a:masterClrMapping/>
+  </p:clrMapOvr>
+</p:sld>
+</file>
+
+<file path=ppt/slides/slide19.xml><?xml version="1.0" encoding="utf-8"?>
+<p:sld xmlns:a="http://schemas.openxmlformats.org/drawingml/2006/main" xmlns:r="http://schemas.openxmlformats.org/officeDocument/2006/relationships" xmlns:p="http://schemas.openxmlformats.org/presentationml/2006/main">
+  <p:cSld>
+    <p:spTree>
+      <p:nvGrpSpPr>
+        <p:cNvPr id="1" name=""/>
+        <p:cNvGrpSpPr/>
+        <p:nvPr/>
+      </p:nvGrpSpPr>
+      <p:grpSpPr>
+        <a:xfrm>
+          <a:off x="0" y="0"/>
+          <a:ext cx="0" cy="0"/>
+          <a:chOff x="0" y="0"/>
+          <a:chExt cx="0" cy="0"/>
+        </a:xfrm>
+      </p:grpSpPr>
+      <p:sp>
+        <p:nvSpPr>
+          <p:cNvPr id="2" name="Title 1"/>
+          <p:cNvSpPr>
+            <a:spLocks noGrp="1"/>
+          </p:cNvSpPr>
+          <p:nvPr>
+            <p:ph type="title"/>
+          </p:nvPr>
+        </p:nvSpPr>
+        <p:spPr/>
+        <p:txBody>
+          <a:bodyPr/>
+          <a:lstStyle/>
+          <a:p>
+            <a:r>
+              <a:rPr lang="en-US" dirty="0" smtClean="0"/>
+              <a:t>Pneumatics</a:t>
+            </a:r>
+            <a:endParaRPr lang="en-US" dirty="0"/>
+          </a:p>
+        </p:txBody>
+      </p:sp>
+      <p:sp>
+        <p:nvSpPr>
+          <p:cNvPr id="3" name="Content Placeholder 2"/>
+          <p:cNvSpPr>
+            <a:spLocks noGrp="1"/>
+          </p:cNvSpPr>
+          <p:nvPr>
+            <p:ph idx="1"/>
+          </p:nvPr>
+        </p:nvSpPr>
+        <p:spPr/>
+        <p:txBody>
+          <a:bodyPr/>
+          <a:lstStyle/>
+          <a:p>
+            <a:r>
+              <a:rPr lang="en-US" dirty="0" smtClean="0"/>
               <a:t>Benefits of pneumatics over other power sources</a:t>
             </a:r>
           </a:p>
@@ -18456,7 +20401,175 @@
 </p:sld>
 </file>
 
-<file path=ppt/slides/slide18.xml><?xml version="1.0" encoding="utf-8"?>
+<file path=ppt/slides/slide2.xml><?xml version="1.0" encoding="utf-8"?>
+<p:sld xmlns:a="http://schemas.openxmlformats.org/drawingml/2006/main" xmlns:r="http://schemas.openxmlformats.org/officeDocument/2006/relationships" xmlns:p="http://schemas.openxmlformats.org/presentationml/2006/main">
+  <p:cSld>
+    <p:spTree>
+      <p:nvGrpSpPr>
+        <p:cNvPr id="1" name=""/>
+        <p:cNvGrpSpPr/>
+        <p:nvPr/>
+      </p:nvGrpSpPr>
+      <p:grpSpPr>
+        <a:xfrm>
+          <a:off x="0" y="0"/>
+          <a:ext cx="0" cy="0"/>
+          <a:chOff x="0" y="0"/>
+          <a:chExt cx="0" cy="0"/>
+        </a:xfrm>
+      </p:grpSpPr>
+      <p:sp>
+        <p:nvSpPr>
+          <p:cNvPr id="2" name="Title 1"/>
+          <p:cNvSpPr>
+            <a:spLocks noGrp="1"/>
+          </p:cNvSpPr>
+          <p:nvPr>
+            <p:ph type="title"/>
+          </p:nvPr>
+        </p:nvSpPr>
+        <p:spPr/>
+        <p:txBody>
+          <a:bodyPr/>
+          <a:lstStyle/>
+          <a:p>
+            <a:r>
+              <a:rPr lang="en-US" dirty="0" smtClean="0"/>
+              <a:t>Project Overview</a:t>
+            </a:r>
+            <a:endParaRPr lang="en-US" dirty="0"/>
+          </a:p>
+        </p:txBody>
+      </p:sp>
+      <p:sp>
+        <p:nvSpPr>
+          <p:cNvPr id="3" name="Content Placeholder 2"/>
+          <p:cNvSpPr>
+            <a:spLocks noGrp="1"/>
+          </p:cNvSpPr>
+          <p:nvPr>
+            <p:ph idx="1"/>
+          </p:nvPr>
+        </p:nvSpPr>
+        <p:spPr/>
+        <p:txBody>
+          <a:bodyPr>
+            <a:normAutofit fontScale="92500" lnSpcReduction="20000"/>
+          </a:bodyPr>
+          <a:lstStyle/>
+          <a:p>
+            <a:r>
+              <a:rPr lang="en-US" dirty="0"/>
+              <a:t>Develop initial robotics platform</a:t>
+            </a:r>
+          </a:p>
+          <a:p>
+            <a:r>
+              <a:rPr lang="en-US" dirty="0"/>
+              <a:t>Public Outreach</a:t>
+            </a:r>
+          </a:p>
+          <a:p>
+            <a:pPr lvl="1"/>
+            <a:r>
+              <a:rPr lang="en-US" dirty="0"/>
+              <a:t>Increase interest in STEM </a:t>
+            </a:r>
+            <a:r>
+              <a:rPr lang="en-US" dirty="0" smtClean="0"/>
+              <a:t>fields – 15% decrease in STEM interest in 2013</a:t>
+            </a:r>
+            <a:endParaRPr lang="en-US" dirty="0"/>
+          </a:p>
+          <a:p>
+            <a:pPr lvl="1"/>
+            <a:r>
+              <a:rPr lang="en-US" dirty="0" smtClean="0"/>
+              <a:t>Low math and science proficiency – 65</a:t>
+            </a:r>
+            <a:r>
+              <a:rPr lang="en-US" baseline="30000" dirty="0" smtClean="0"/>
+              <a:t>th</a:t>
+            </a:r>
+            <a:r>
+              <a:rPr lang="en-US" dirty="0" smtClean="0"/>
+              <a:t> percentile math, 50</a:t>
+            </a:r>
+            <a:r>
+              <a:rPr lang="en-US" baseline="30000" dirty="0" smtClean="0"/>
+              <a:t>th</a:t>
+            </a:r>
+            <a:r>
+              <a:rPr lang="en-US" dirty="0" smtClean="0"/>
+              <a:t> percentile science</a:t>
+            </a:r>
+          </a:p>
+          <a:p>
+            <a:pPr lvl="1"/>
+            <a:r>
+              <a:rPr lang="en-US" dirty="0" smtClean="0"/>
+              <a:t>Fluid Power</a:t>
+            </a:r>
+            <a:endParaRPr lang="en-US" dirty="0"/>
+          </a:p>
+          <a:p>
+            <a:r>
+              <a:rPr lang="en-US" dirty="0"/>
+              <a:t>Educational robotics platform</a:t>
+            </a:r>
+          </a:p>
+          <a:p>
+            <a:pPr lvl="1"/>
+            <a:r>
+              <a:rPr lang="en-US" dirty="0"/>
+              <a:t>Fluid Power</a:t>
+            </a:r>
+          </a:p>
+          <a:p>
+            <a:pPr lvl="1"/>
+            <a:r>
+              <a:rPr lang="en-US" dirty="0"/>
+              <a:t>Control </a:t>
+            </a:r>
+            <a:r>
+              <a:rPr lang="en-US" dirty="0" smtClean="0"/>
+              <a:t>Systems</a:t>
+            </a:r>
+          </a:p>
+          <a:p>
+            <a:pPr lvl="1"/>
+            <a:r>
+              <a:rPr lang="en-US" dirty="0" smtClean="0"/>
+              <a:t>Robotics</a:t>
+            </a:r>
+            <a:endParaRPr lang="en-US" dirty="0"/>
+          </a:p>
+          <a:p>
+            <a:endParaRPr lang="en-US" dirty="0"/>
+          </a:p>
+        </p:txBody>
+      </p:sp>
+    </p:spTree>
+    <p:extLst>
+      <p:ext uri="{BB962C8B-B14F-4D97-AF65-F5344CB8AC3E}">
+        <p14:creationId xmlns:p14="http://schemas.microsoft.com/office/powerpoint/2010/main" val="913993921"/>
+      </p:ext>
+    </p:extLst>
+  </p:cSld>
+  <p:clrMapOvr>
+    <a:masterClrMapping/>
+  </p:clrMapOvr>
+  <p:timing>
+    <p:tnLst>
+      <p:par>
+        <p:cTn id="1" dur="indefinite" restart="never" nodeType="tmRoot"/>
+      </p:par>
+    </p:tnLst>
+  </p:timing>
+</p:sld>
+</file>
+
+<file path=ppt/slides/slide20.xml><?xml version="1.0" encoding="utf-8"?>
 <p:sld xmlns:a="http://schemas.openxmlformats.org/drawingml/2006/main" xmlns:r="http://schemas.openxmlformats.org/officeDocument/2006/relationships" xmlns:p="http://schemas.openxmlformats.org/presentationml/2006/main">
   <p:cSld>
     <p:spTree>
@@ -19479,7 +21592,7 @@
 </p:sld>
 </file>
 
-<file path=ppt/slides/slide19.xml><?xml version="1.0" encoding="utf-8"?>
+<file path=ppt/slides/slide21.xml><?xml version="1.0" encoding="utf-8"?>
 <p:sld xmlns:a="http://schemas.openxmlformats.org/drawingml/2006/main" xmlns:r="http://schemas.openxmlformats.org/officeDocument/2006/relationships" xmlns:p="http://schemas.openxmlformats.org/presentationml/2006/main">
   <p:cSld>
     <p:spTree>
@@ -19887,79 +22000,7 @@
 </p:sld>
 </file>
 
-<file path=ppt/slides/slide2.xml><?xml version="1.0" encoding="utf-8"?>
-<p:sld xmlns:a="http://schemas.openxmlformats.org/drawingml/2006/main" xmlns:r="http://schemas.openxmlformats.org/officeDocument/2006/relationships" xmlns:p="http://schemas.openxmlformats.org/presentationml/2006/main">
-  <p:cSld>
-    <p:spTree>
-      <p:nvGrpSpPr>
-        <p:cNvPr id="1" name=""/>
-        <p:cNvGrpSpPr/>
-        <p:nvPr/>
-      </p:nvGrpSpPr>
-      <p:grpSpPr>
-        <a:xfrm>
-          <a:off x="0" y="0"/>
-          <a:ext cx="0" cy="0"/>
-          <a:chOff x="0" y="0"/>
-          <a:chExt cx="0" cy="0"/>
-        </a:xfrm>
-      </p:grpSpPr>
-      <p:sp>
-        <p:nvSpPr>
-          <p:cNvPr id="2" name="Title 1"/>
-          <p:cNvSpPr>
-            <a:spLocks noGrp="1"/>
-          </p:cNvSpPr>
-          <p:nvPr>
-            <p:ph type="title"/>
-          </p:nvPr>
-        </p:nvSpPr>
-        <p:spPr/>
-        <p:txBody>
-          <a:bodyPr/>
-          <a:lstStyle/>
-          <a:p>
-            <a:r>
-              <a:rPr lang="en-US" dirty="0" smtClean="0"/>
-              <a:t>Introduction</a:t>
-            </a:r>
-            <a:endParaRPr lang="en-US" dirty="0"/>
-          </a:p>
-        </p:txBody>
-      </p:sp>
-      <p:sp>
-        <p:nvSpPr>
-          <p:cNvPr id="3" name="Content Placeholder 2"/>
-          <p:cNvSpPr>
-            <a:spLocks noGrp="1"/>
-          </p:cNvSpPr>
-          <p:nvPr>
-            <p:ph idx="1"/>
-          </p:nvPr>
-        </p:nvSpPr>
-        <p:spPr/>
-        <p:txBody>
-          <a:bodyPr/>
-          <a:lstStyle/>
-          <a:p>
-            <a:endParaRPr lang="en-US" dirty="0"/>
-          </a:p>
-        </p:txBody>
-      </p:sp>
-    </p:spTree>
-    <p:extLst>
-      <p:ext uri="{BB962C8B-B14F-4D97-AF65-F5344CB8AC3E}">
-        <p14:creationId xmlns:p14="http://schemas.microsoft.com/office/powerpoint/2010/main" val="2817436113"/>
-      </p:ext>
-    </p:extLst>
-  </p:cSld>
-  <p:clrMapOvr>
-    <a:masterClrMapping/>
-  </p:clrMapOvr>
-</p:sld>
-</file>
-
-<file path=ppt/slides/slide20.xml><?xml version="1.0" encoding="utf-8"?>
+<file path=ppt/slides/slide22.xml><?xml version="1.0" encoding="utf-8"?>
 <p:sld xmlns:a="http://schemas.openxmlformats.org/drawingml/2006/main" xmlns:r="http://schemas.openxmlformats.org/officeDocument/2006/relationships" xmlns:p="http://schemas.openxmlformats.org/presentationml/2006/main">
   <p:cSld>
     <p:spTree>
@@ -20006,8 +22047,8 @@
           </a:p>
         </p:txBody>
       </p:sp>
-      <mc:AlternateContent xmlns:mc="http://schemas.openxmlformats.org/markup-compatibility/2006">
-        <mc:Choice xmlns:a14="http://schemas.microsoft.com/office/drawing/2010/main" Requires="a14">
+      <mc:AlternateContent xmlns:mc="http://schemas.openxmlformats.org/markup-compatibility/2006" xmlns:a14="http://schemas.microsoft.com/office/drawing/2010/main">
+        <mc:Choice Requires="a14">
           <p:sp>
             <p:nvSpPr>
               <p:cNvPr id="3" name="Content Placeholder 2"/>
@@ -20035,15 +22076,7 @@
                 </a:pPr>
                 <a:r>
                   <a:rPr lang="en-US" sz="2200" b="1" dirty="0" smtClean="0"/>
-                  <a:t>Extend </a:t>
-                </a:r>
-                <a:r>
-                  <a:rPr lang="en-US" sz="2200" b="1" dirty="0" smtClean="0"/>
-                  <a:t>phase</a:t>
-                </a:r>
-                <a:r>
-                  <a:rPr lang="en-US" sz="2200" b="1" dirty="0" smtClean="0"/>
-                  <a:t>:</a:t>
+                  <a:t>Extend phase:</a:t>
                 </a:r>
               </a:p>
               <a:p>
@@ -20243,7 +22276,6 @@
                   <a:rPr lang="en-US" sz="1800" b="1" dirty="0" smtClean="0"/>
                   <a:t> </a:t>
                 </a:r>
-                <a:endParaRPr lang="en-US" sz="1800" b="1" dirty="0" smtClean="0"/>
               </a:p>
               <a:p>
                 <a:pPr marL="0" indent="0">
@@ -20257,7 +22289,6 @@
                   <a:rPr lang="en-US" sz="2200" b="1" dirty="0" smtClean="0"/>
                   <a:t>:</a:t>
                 </a:r>
-                <a:endParaRPr lang="en-US" sz="2200" b="1" dirty="0" smtClean="0"/>
               </a:p>
               <a:p>
                 <a:pPr marL="0" indent="0">
@@ -20942,94 +22973,93 @@
                   <a:buNone/>
                 </a:pPr>
                 <a14:m>
-                  <m:oMathPara xmlns:m="http://schemas.openxmlformats.org/officeDocument/2006/math">
-                    <m:oMathParaPr>
-                      <m:jc m:val="left"/>
-                    </m:oMathParaPr>
-                    <m:oMath xmlns:m="http://schemas.openxmlformats.org/officeDocument/2006/math">
-                      <m:r>
-                        <a:rPr lang="en-US" sz="2000" b="1" i="1" smtClean="0">
-                          <a:latin typeface="Cambria Math"/>
-                        </a:rPr>
-                        <m:t>𝑸</m:t>
-                      </m:r>
-                      <m:r>
-                        <a:rPr lang="en-US" sz="2000" b="1" i="1" smtClean="0">
-                          <a:latin typeface="Cambria Math"/>
-                        </a:rPr>
-                        <m:t>=</m:t>
-                      </m:r>
-                      <m:r>
-                        <a:rPr lang="en-US" sz="2000" b="1" i="1" smtClean="0">
-                          <a:latin typeface="Cambria Math"/>
-                        </a:rPr>
-                        <m:t>𝟒</m:t>
-                      </m:r>
-                      <m:r>
-                        <a:rPr lang="en-US" sz="2000" b="1" i="1" smtClean="0">
-                          <a:latin typeface="Cambria Math"/>
-                        </a:rPr>
-                        <m:t>.</m:t>
-                      </m:r>
-                      <m:r>
-                        <a:rPr lang="en-US" sz="2000" b="1" i="1" smtClean="0">
-                          <a:latin typeface="Cambria Math"/>
-                        </a:rPr>
-                        <m:t>𝟐𝟒</m:t>
-                      </m:r>
-                      <m:r>
-                        <a:rPr lang="en-US" sz="2000" b="1" i="1" smtClean="0">
-                          <a:latin typeface="Cambria Math"/>
-                        </a:rPr>
-                        <m:t> </m:t>
-                      </m:r>
-                      <m:f>
-                        <m:fPr>
-                          <m:ctrlPr>
-                            <a:rPr lang="en-US" sz="2000" b="1" i="1" smtClean="0">
-                              <a:latin typeface="Cambria Math" panose="02040503050406030204" pitchFamily="18" charset="0"/>
-                            </a:rPr>
-                          </m:ctrlPr>
-                        </m:fPr>
-                        <m:num>
-                          <m:sSup>
-                            <m:sSupPr>
-                              <m:ctrlPr>
-                                <a:rPr lang="en-US" sz="2000" b="1" i="1" smtClean="0">
-                                  <a:latin typeface="Cambria Math" panose="02040503050406030204" pitchFamily="18" charset="0"/>
-                                </a:rPr>
-                              </m:ctrlPr>
-                            </m:sSupPr>
-                            <m:e>
-                              <m:r>
-                                <a:rPr lang="en-US" sz="2000" b="1" i="1" smtClean="0">
-                                  <a:latin typeface="Cambria Math"/>
-                                </a:rPr>
-                                <m:t>𝒇𝒕</m:t>
-                              </m:r>
-                            </m:e>
-                            <m:sup>
-                              <m:r>
-                                <a:rPr lang="en-US" sz="2000" b="1" i="1" smtClean="0">
-                                  <a:latin typeface="Cambria Math"/>
-                                </a:rPr>
-                                <m:t>𝟑</m:t>
-                              </m:r>
-                            </m:sup>
-                          </m:sSup>
-                        </m:num>
-                        <m:den>
-                          <m:r>
-                            <a:rPr lang="en-US" sz="2000" b="1" i="1" smtClean="0">
-                              <a:latin typeface="Cambria Math"/>
-                            </a:rPr>
-                            <m:t>𝒔𝒆𝒄</m:t>
-                          </m:r>
-                        </m:den>
-                      </m:f>
-                    </m:oMath>
-                  </m:oMathPara>
+                  <m:oMath xmlns:m="http://schemas.openxmlformats.org/officeDocument/2006/math">
+                    <m:r>
+                      <a:rPr lang="en-US" sz="2000" b="1" i="1" smtClean="0">
+                        <a:latin typeface="Cambria Math"/>
+                      </a:rPr>
+                      <m:t>𝑸</m:t>
+                    </m:r>
+                    <m:r>
+                      <a:rPr lang="en-US" sz="2000" b="1" i="1" smtClean="0">
+                        <a:latin typeface="Cambria Math"/>
+                      </a:rPr>
+                      <m:t>=</m:t>
+                    </m:r>
+                    <m:r>
+                      <a:rPr lang="en-US" sz="2000" b="1" i="1" smtClean="0">
+                        <a:latin typeface="Cambria Math"/>
+                      </a:rPr>
+                      <m:t>𝟒</m:t>
+                    </m:r>
+                    <m:r>
+                      <a:rPr lang="en-US" sz="2000" b="1" i="1" smtClean="0">
+                        <a:latin typeface="Cambria Math"/>
+                      </a:rPr>
+                      <m:t>.</m:t>
+                    </m:r>
+                    <m:r>
+                      <a:rPr lang="en-US" sz="2000" b="1" i="1" smtClean="0">
+                        <a:latin typeface="Cambria Math"/>
+                      </a:rPr>
+                      <m:t>𝟐𝟒</m:t>
+                    </m:r>
+                    <m:r>
+                      <a:rPr lang="en-US" sz="2000" b="1" i="1" smtClean="0">
+                        <a:latin typeface="Cambria Math"/>
+                      </a:rPr>
+                      <m:t> </m:t>
+                    </m:r>
+                    <m:f>
+                      <m:fPr>
+                        <m:ctrlPr>
+                          <a:rPr lang="en-US" sz="2000" b="1" i="1" smtClean="0">
+                            <a:latin typeface="Cambria Math" panose="02040503050406030204" pitchFamily="18" charset="0"/>
+                          </a:rPr>
+                        </m:ctrlPr>
+                      </m:fPr>
+                      <m:num>
+                        <m:sSup>
+                          <m:sSupPr>
+                            <m:ctrlPr>
+                              <a:rPr lang="en-US" sz="2000" b="1" i="1" smtClean="0">
+                                <a:latin typeface="Cambria Math" panose="02040503050406030204" pitchFamily="18" charset="0"/>
+                              </a:rPr>
+                            </m:ctrlPr>
+                          </m:sSupPr>
+                          <m:e>
+                            <m:r>
+                              <a:rPr lang="en-US" sz="2000" b="1" i="1" smtClean="0">
+                                <a:latin typeface="Cambria Math"/>
+                              </a:rPr>
+                              <m:t>𝒇𝒕</m:t>
+                            </m:r>
+                          </m:e>
+                          <m:sup>
+                            <m:r>
+                              <a:rPr lang="en-US" sz="2000" b="1" i="1" smtClean="0">
+                                <a:latin typeface="Cambria Math"/>
+                              </a:rPr>
+                              <m:t>𝟑</m:t>
+                            </m:r>
+                          </m:sup>
+                        </m:sSup>
+                      </m:num>
+                      <m:den>
+                        <m:r>
+                          <a:rPr lang="en-US" sz="2000" b="1" i="1" smtClean="0">
+                            <a:latin typeface="Cambria Math"/>
+                          </a:rPr>
+                          <m:t>𝒔𝒆𝒄</m:t>
+                        </m:r>
+                      </m:den>
+                    </m:f>
+                  </m:oMath>
                 </a14:m>
+                <a:r>
+                  <a:rPr lang="en-US" sz="2000" b="1" dirty="0" smtClean="0"/>
+                  <a:t> at STP</a:t>
+                </a:r>
                 <a:endParaRPr lang="en-US" sz="2000" b="1" dirty="0"/>
               </a:p>
               <a:p>
@@ -21041,7 +23071,7 @@
             </p:txBody>
           </p:sp>
         </mc:Choice>
-        <mc:Fallback>
+        <mc:Fallback xmlns="">
           <p:sp>
             <p:nvSpPr>
               <p:cNvPr id="3" name="Content Placeholder 2"/>
@@ -21058,7 +23088,7 @@
                 <a:ext cx="11887200" cy="5678785"/>
               </a:xfrm>
               <a:blipFill rotWithShape="0">
-                <a:blip r:embed="rId2"/>
+                <a:blip r:embed="rId3"/>
                 <a:stretch>
                   <a:fillRect l="-513" t="-322"/>
                 </a:stretch>
@@ -21107,11 +23137,7 @@
             </a:r>
             <a:r>
               <a:rPr lang="en-US" sz="2400" b="1" dirty="0" smtClean="0"/>
-              <a:t> Cylinder </a:t>
-            </a:r>
-            <a:r>
-              <a:rPr lang="en-US" sz="2400" b="1" dirty="0" smtClean="0"/>
-              <a:t>Specs</a:t>
+              <a:t> Cylinder Specs</a:t>
             </a:r>
             <a:r>
               <a:rPr lang="en-US" sz="2400" dirty="0" smtClean="0"/>
@@ -21157,11 +23183,7 @@
           <a:p>
             <a:r>
               <a:rPr lang="en-US" sz="2400" b="1" dirty="0" smtClean="0"/>
-              <a:t>Required Cylinder </a:t>
-            </a:r>
-            <a:r>
-              <a:rPr lang="en-US" sz="2400" b="1" dirty="0" smtClean="0"/>
-              <a:t>Specs</a:t>
+              <a:t>Required Cylinder Specs</a:t>
             </a:r>
             <a:r>
               <a:rPr lang="en-US" sz="2400" dirty="0" smtClean="0"/>
@@ -21210,7 +23232,7 @@
 </p:sld>
 </file>
 
-<file path=ppt/slides/slide21.xml><?xml version="1.0" encoding="utf-8"?>
+<file path=ppt/slides/slide23.xml><?xml version="1.0" encoding="utf-8"?>
 <p:sld xmlns:a="http://schemas.openxmlformats.org/drawingml/2006/main" xmlns:r="http://schemas.openxmlformats.org/officeDocument/2006/relationships" xmlns:p="http://schemas.openxmlformats.org/presentationml/2006/main">
   <p:cSld>
     <p:spTree>
@@ -21281,23 +23303,7 @@
           <a:p>
             <a:r>
               <a:rPr lang="en-US" sz="2400" dirty="0" smtClean="0"/>
-              <a:t>Controls </a:t>
-            </a:r>
-            <a:r>
-              <a:rPr lang="en-US" sz="2400" dirty="0" smtClean="0"/>
-              <a:t>fluid flow </a:t>
-            </a:r>
-            <a:r>
-              <a:rPr lang="en-US" sz="2400" dirty="0" smtClean="0"/>
-              <a:t>through </a:t>
-            </a:r>
-            <a:r>
-              <a:rPr lang="en-US" sz="2400" dirty="0" smtClean="0"/>
-              <a:t>air </a:t>
-            </a:r>
-            <a:r>
-              <a:rPr lang="en-US" sz="2400" dirty="0" smtClean="0"/>
-              <a:t>cylinders based on spool position</a:t>
+              <a:t>Controls fluid flow through air cylinders based on spool position</a:t>
             </a:r>
           </a:p>
           <a:p>
@@ -21512,7 +23518,7 @@
 </p:sld>
 </file>
 
-<file path=ppt/slides/slide22.xml><?xml version="1.0" encoding="utf-8"?>
+<file path=ppt/slides/slide24.xml><?xml version="1.0" encoding="utf-8"?>
 <p:sld xmlns:a="http://schemas.openxmlformats.org/drawingml/2006/main" xmlns:r="http://schemas.openxmlformats.org/officeDocument/2006/relationships" xmlns:p="http://schemas.openxmlformats.org/presentationml/2006/main">
   <p:cSld>
     <p:spTree>
@@ -21684,11 +23690,7 @@
             </a:pPr>
             <a:r>
               <a:rPr lang="en-US" sz="2800" dirty="0" smtClean="0"/>
-              <a:t>-Maximum Pressure </a:t>
-            </a:r>
-            <a:r>
-              <a:rPr lang="en-US" sz="2800" dirty="0" smtClean="0"/>
-              <a:t>required by air cylinders</a:t>
+              <a:t>-Maximum Pressure required by air cylinders</a:t>
             </a:r>
           </a:p>
           <a:p>
@@ -21699,11 +23701,7 @@
             </a:pPr>
             <a:r>
               <a:rPr lang="en-US" sz="2800" dirty="0" smtClean="0"/>
-              <a:t>-Average volumetric </a:t>
-            </a:r>
-            <a:r>
-              <a:rPr lang="en-US" sz="2800" dirty="0" smtClean="0"/>
-              <a:t>flow rate required by air cylinders</a:t>
+              <a:t>-Average volumetric flow rate required by air cylinders</a:t>
             </a:r>
             <a:endParaRPr lang="en-US" sz="2800" dirty="0"/>
           </a:p>
@@ -21722,7 +23720,7 @@
 </p:sld>
 </file>
 
-<file path=ppt/slides/slide23.xml><?xml version="1.0" encoding="utf-8"?>
+<file path=ppt/slides/slide25.xml><?xml version="1.0" encoding="utf-8"?>
 <p:sld xmlns:a="http://schemas.openxmlformats.org/drawingml/2006/main" xmlns:r="http://schemas.openxmlformats.org/officeDocument/2006/relationships" xmlns:p="http://schemas.openxmlformats.org/presentationml/2006/main">
   <p:cSld>
     <p:spTree>
@@ -21883,7 +23881,7 @@
 </p:sld>
 </file>
 
-<file path=ppt/slides/slide24.xml><?xml version="1.0" encoding="utf-8"?>
+<file path=ppt/slides/slide26.xml><?xml version="1.0" encoding="utf-8"?>
 <p:sld xmlns:a="http://schemas.openxmlformats.org/drawingml/2006/main" xmlns:r="http://schemas.openxmlformats.org/officeDocument/2006/relationships" xmlns:p="http://schemas.openxmlformats.org/presentationml/2006/main">
   <p:cSld>
     <p:spTree>
@@ -21985,7 +23983,7 @@
 </p:sld>
 </file>
 
-<file path=ppt/slides/slide25.xml><?xml version="1.0" encoding="utf-8"?>
+<file path=ppt/slides/slide27.xml><?xml version="1.0" encoding="utf-8"?>
 <p:sld xmlns:a="http://schemas.openxmlformats.org/drawingml/2006/main" xmlns:r="http://schemas.openxmlformats.org/officeDocument/2006/relationships" xmlns:p="http://schemas.openxmlformats.org/presentationml/2006/main">
   <p:cSld>
     <p:spTree>
@@ -22128,268 +24126,6 @@
 </p:sld>
 </file>
 
-<file path=ppt/slides/slide26.xml><?xml version="1.0" encoding="utf-8"?>
-<p:sld xmlns:a="http://schemas.openxmlformats.org/drawingml/2006/main" xmlns:r="http://schemas.openxmlformats.org/officeDocument/2006/relationships" xmlns:p="http://schemas.openxmlformats.org/presentationml/2006/main">
-  <p:cSld>
-    <p:spTree>
-      <p:nvGrpSpPr>
-        <p:cNvPr id="1" name=""/>
-        <p:cNvGrpSpPr/>
-        <p:nvPr/>
-      </p:nvGrpSpPr>
-      <p:grpSpPr>
-        <a:xfrm>
-          <a:off x="0" y="0"/>
-          <a:ext cx="0" cy="0"/>
-          <a:chOff x="0" y="0"/>
-          <a:chExt cx="0" cy="0"/>
-        </a:xfrm>
-      </p:grpSpPr>
-      <p:sp>
-        <p:nvSpPr>
-          <p:cNvPr id="2" name="Title 1"/>
-          <p:cNvSpPr>
-            <a:spLocks noGrp="1"/>
-          </p:cNvSpPr>
-          <p:nvPr>
-            <p:ph type="title"/>
-          </p:nvPr>
-        </p:nvSpPr>
-        <p:spPr/>
-        <p:txBody>
-          <a:bodyPr/>
-          <a:lstStyle/>
-          <a:p>
-            <a:r>
-              <a:rPr lang="en-US" dirty="0" smtClean="0"/>
-              <a:t>Electrical</a:t>
-            </a:r>
-            <a:endParaRPr lang="en-US" dirty="0"/>
-          </a:p>
-        </p:txBody>
-      </p:sp>
-      <p:sp>
-        <p:nvSpPr>
-          <p:cNvPr id="3" name="Content Placeholder 2"/>
-          <p:cNvSpPr>
-            <a:spLocks noGrp="1"/>
-          </p:cNvSpPr>
-          <p:nvPr>
-            <p:ph idx="1"/>
-          </p:nvPr>
-        </p:nvSpPr>
-        <p:spPr/>
-        <p:txBody>
-          <a:bodyPr/>
-          <a:lstStyle/>
-          <a:p>
-            <a:r>
-              <a:rPr lang="en-US" dirty="0" smtClean="0"/>
-              <a:t>Microcontroller and Programming</a:t>
-            </a:r>
-          </a:p>
-          <a:p>
-            <a:r>
-              <a:rPr lang="en-US" dirty="0" smtClean="0"/>
-              <a:t>Control Algorithms</a:t>
-            </a:r>
-          </a:p>
-          <a:p>
-            <a:r>
-              <a:rPr lang="en-US" dirty="0" smtClean="0"/>
-              <a:t>Communication System</a:t>
-            </a:r>
-          </a:p>
-          <a:p>
-            <a:r>
-              <a:rPr lang="en-US" dirty="0" smtClean="0"/>
-              <a:t>Debug Panel</a:t>
-            </a:r>
-          </a:p>
-          <a:p>
-            <a:r>
-              <a:rPr lang="en-US" dirty="0" smtClean="0"/>
-              <a:t>Control Signal and Feedback Conditioning</a:t>
-            </a:r>
-          </a:p>
-          <a:p>
-            <a:endParaRPr lang="en-US" dirty="0" smtClean="0"/>
-          </a:p>
-          <a:p>
-            <a:pPr marL="0" indent="0">
-              <a:buNone/>
-            </a:pPr>
-            <a:endParaRPr lang="en-US" dirty="0" smtClean="0"/>
-          </a:p>
-          <a:p>
-            <a:endParaRPr lang="en-US" dirty="0"/>
-          </a:p>
-        </p:txBody>
-      </p:sp>
-    </p:spTree>
-    <p:extLst>
-      <p:ext uri="{BB962C8B-B14F-4D97-AF65-F5344CB8AC3E}">
-        <p14:creationId xmlns:p14="http://schemas.microsoft.com/office/powerpoint/2010/main" val="4231765597"/>
-      </p:ext>
-    </p:extLst>
-  </p:cSld>
-  <p:clrMapOvr>
-    <a:masterClrMapping/>
-  </p:clrMapOvr>
-</p:sld>
-</file>
-
-<file path=ppt/slides/slide27.xml><?xml version="1.0" encoding="utf-8"?>
-<p:sld xmlns:a="http://schemas.openxmlformats.org/drawingml/2006/main" xmlns:r="http://schemas.openxmlformats.org/officeDocument/2006/relationships" xmlns:p="http://schemas.openxmlformats.org/presentationml/2006/main">
-  <p:cSld>
-    <p:spTree>
-      <p:nvGrpSpPr>
-        <p:cNvPr id="1" name=""/>
-        <p:cNvGrpSpPr/>
-        <p:nvPr/>
-      </p:nvGrpSpPr>
-      <p:grpSpPr>
-        <a:xfrm>
-          <a:off x="0" y="0"/>
-          <a:ext cx="0" cy="0"/>
-          <a:chOff x="0" y="0"/>
-          <a:chExt cx="0" cy="0"/>
-        </a:xfrm>
-      </p:grpSpPr>
-      <p:sp>
-        <p:nvSpPr>
-          <p:cNvPr id="2" name="Title 1"/>
-          <p:cNvSpPr>
-            <a:spLocks noGrp="1"/>
-          </p:cNvSpPr>
-          <p:nvPr>
-            <p:ph type="title"/>
-          </p:nvPr>
-        </p:nvSpPr>
-        <p:spPr/>
-        <p:txBody>
-          <a:bodyPr/>
-          <a:lstStyle/>
-          <a:p>
-            <a:r>
-              <a:rPr lang="en-US" dirty="0"/>
-              <a:t>Microcontroller and Programming</a:t>
-            </a:r>
-            <a:br>
-              <a:rPr lang="en-US" dirty="0"/>
-            </a:br>
-            <a:endParaRPr lang="en-US" dirty="0"/>
-          </a:p>
-        </p:txBody>
-      </p:sp>
-      <p:sp>
-        <p:nvSpPr>
-          <p:cNvPr id="3" name="Content Placeholder 2"/>
-          <p:cNvSpPr>
-            <a:spLocks noGrp="1"/>
-          </p:cNvSpPr>
-          <p:nvPr>
-            <p:ph idx="1"/>
-          </p:nvPr>
-        </p:nvSpPr>
-        <p:spPr>
-          <a:xfrm>
-            <a:off x="1141413" y="1706022"/>
-            <a:ext cx="9905999" cy="4608513"/>
-          </a:xfrm>
-        </p:spPr>
-        <p:txBody>
-          <a:bodyPr>
-            <a:normAutofit/>
-          </a:bodyPr>
-          <a:lstStyle/>
-          <a:p>
-            <a:r>
-              <a:rPr lang="en-US" dirty="0" smtClean="0"/>
-              <a:t>Arduino Mega 2560 is used to control the system’s actions</a:t>
-            </a:r>
-          </a:p>
-          <a:p>
-            <a:r>
-              <a:rPr lang="en-US" dirty="0" smtClean="0"/>
-              <a:t>Advantages </a:t>
-            </a:r>
-          </a:p>
-          <a:p>
-            <a:pPr marL="0" indent="0">
-              <a:buNone/>
-            </a:pPr>
-            <a:r>
-              <a:rPr lang="en-US" dirty="0"/>
-              <a:t>	</a:t>
-            </a:r>
-            <a:r>
-              <a:rPr lang="en-US" dirty="0" smtClean="0"/>
-              <a:t>-Low cost microcontroller</a:t>
-            </a:r>
-          </a:p>
-          <a:p>
-            <a:pPr marL="0" indent="0">
-              <a:buNone/>
-            </a:pPr>
-            <a:r>
-              <a:rPr lang="en-US" dirty="0"/>
-              <a:t>	</a:t>
-            </a:r>
-            <a:r>
-              <a:rPr lang="en-US" dirty="0" smtClean="0"/>
-              <a:t>-Analog inputs </a:t>
-            </a:r>
-          </a:p>
-          <a:p>
-            <a:pPr marL="0" indent="0">
-              <a:buNone/>
-            </a:pPr>
-            <a:r>
-              <a:rPr lang="en-US" dirty="0"/>
-              <a:t>	</a:t>
-            </a:r>
-            <a:r>
-              <a:rPr lang="en-US" dirty="0" smtClean="0"/>
-              <a:t>-Pulse-width modulated outputs</a:t>
-            </a:r>
-          </a:p>
-          <a:p>
-            <a:pPr marL="0" indent="0">
-              <a:buNone/>
-            </a:pPr>
-            <a:endParaRPr lang="en-US" dirty="0" smtClean="0"/>
-          </a:p>
-          <a:p>
-            <a:r>
-              <a:rPr lang="en-US" dirty="0" err="1" smtClean="0"/>
-              <a:t>Mathwork’s</a:t>
-            </a:r>
-            <a:r>
-              <a:rPr lang="en-US" dirty="0" smtClean="0"/>
-              <a:t> Simulink models </a:t>
-            </a:r>
-            <a:r>
-              <a:rPr lang="en-US" dirty="0" smtClean="0"/>
-              <a:t>cross compiled to microcontroller</a:t>
-            </a:r>
-            <a:endParaRPr lang="en-US" dirty="0" smtClean="0"/>
-          </a:p>
-        </p:txBody>
-      </p:sp>
-    </p:spTree>
-    <p:extLst>
-      <p:ext uri="{BB962C8B-B14F-4D97-AF65-F5344CB8AC3E}">
-        <p14:creationId xmlns:p14="http://schemas.microsoft.com/office/powerpoint/2010/main" val="2703070454"/>
-      </p:ext>
-    </p:extLst>
-  </p:cSld>
-  <p:clrMapOvr>
-    <a:masterClrMapping/>
-  </p:clrMapOvr>
-</p:sld>
-</file>
-
 <file path=ppt/slides/slide28.xml><?xml version="1.0" encoding="utf-8"?>
 <p:sld xmlns:a="http://schemas.openxmlformats.org/drawingml/2006/main" xmlns:r="http://schemas.openxmlformats.org/officeDocument/2006/relationships" xmlns:p="http://schemas.openxmlformats.org/presentationml/2006/main">
   <p:cSld>
@@ -22424,7 +24160,7 @@
           <a:p>
             <a:r>
               <a:rPr lang="en-US" dirty="0" smtClean="0"/>
-              <a:t>Control Algorithms</a:t>
+              <a:t>Electrical</a:t>
             </a:r>
             <a:endParaRPr lang="en-US" dirty="0"/>
           </a:p>
@@ -22447,27 +24183,418 @@
           <a:p>
             <a:r>
               <a:rPr lang="en-US" dirty="0" smtClean="0"/>
-              <a:t>The Simulink PID </a:t>
-            </a:r>
+              <a:t>Microcontroller and Programming</a:t>
+            </a:r>
+          </a:p>
+          <a:p>
             <a:r>
               <a:rPr lang="en-US" dirty="0" smtClean="0"/>
-              <a:t>algorithms </a:t>
-            </a:r>
+              <a:t>Control Algorithms</a:t>
+            </a:r>
+          </a:p>
+          <a:p>
             <a:r>
               <a:rPr lang="en-US" dirty="0" smtClean="0"/>
-              <a:t>are used for control</a:t>
+              <a:t>Communication System</a:t>
             </a:r>
           </a:p>
           <a:p>
             <a:r>
               <a:rPr lang="en-US" dirty="0" smtClean="0"/>
-              <a:t>Implementation of a step is done </a:t>
-            </a:r>
+              <a:t>Debug Panel</a:t>
+            </a:r>
+          </a:p>
+          <a:p>
             <a:r>
               <a:rPr lang="en-US" dirty="0" smtClean="0"/>
-              <a:t>using state machine architecture</a:t>
-            </a:r>
+              <a:t>Control Signal and Feedback Conditioning</a:t>
+            </a:r>
+          </a:p>
+          <a:p>
             <a:endParaRPr lang="en-US" dirty="0" smtClean="0"/>
+          </a:p>
+          <a:p>
+            <a:pPr marL="0" indent="0">
+              <a:buNone/>
+            </a:pPr>
+            <a:endParaRPr lang="en-US" dirty="0" smtClean="0"/>
+          </a:p>
+          <a:p>
+            <a:endParaRPr lang="en-US" dirty="0"/>
+          </a:p>
+        </p:txBody>
+      </p:sp>
+    </p:spTree>
+    <p:extLst>
+      <p:ext uri="{BB962C8B-B14F-4D97-AF65-F5344CB8AC3E}">
+        <p14:creationId xmlns:p14="http://schemas.microsoft.com/office/powerpoint/2010/main" val="4231765597"/>
+      </p:ext>
+    </p:extLst>
+  </p:cSld>
+  <p:clrMapOvr>
+    <a:masterClrMapping/>
+  </p:clrMapOvr>
+</p:sld>
+</file>
+
+<file path=ppt/slides/slide29.xml><?xml version="1.0" encoding="utf-8"?>
+<p:sld xmlns:a="http://schemas.openxmlformats.org/drawingml/2006/main" xmlns:r="http://schemas.openxmlformats.org/officeDocument/2006/relationships" xmlns:p="http://schemas.openxmlformats.org/presentationml/2006/main">
+  <p:cSld>
+    <p:spTree>
+      <p:nvGrpSpPr>
+        <p:cNvPr id="1" name=""/>
+        <p:cNvGrpSpPr/>
+        <p:nvPr/>
+      </p:nvGrpSpPr>
+      <p:grpSpPr>
+        <a:xfrm>
+          <a:off x="0" y="0"/>
+          <a:ext cx="0" cy="0"/>
+          <a:chOff x="0" y="0"/>
+          <a:chExt cx="0" cy="0"/>
+        </a:xfrm>
+      </p:grpSpPr>
+      <p:sp>
+        <p:nvSpPr>
+          <p:cNvPr id="2" name="Title 1"/>
+          <p:cNvSpPr>
+            <a:spLocks noGrp="1"/>
+          </p:cNvSpPr>
+          <p:nvPr>
+            <p:ph type="title"/>
+          </p:nvPr>
+        </p:nvSpPr>
+        <p:spPr/>
+        <p:txBody>
+          <a:bodyPr/>
+          <a:lstStyle/>
+          <a:p>
+            <a:r>
+              <a:rPr lang="en-US" dirty="0"/>
+              <a:t>Microcontroller and Programming</a:t>
+            </a:r>
+            <a:br>
+              <a:rPr lang="en-US" dirty="0"/>
+            </a:br>
+            <a:endParaRPr lang="en-US" dirty="0"/>
+          </a:p>
+        </p:txBody>
+      </p:sp>
+      <p:sp>
+        <p:nvSpPr>
+          <p:cNvPr id="3" name="Content Placeholder 2"/>
+          <p:cNvSpPr>
+            <a:spLocks noGrp="1"/>
+          </p:cNvSpPr>
+          <p:nvPr>
+            <p:ph idx="1"/>
+          </p:nvPr>
+        </p:nvSpPr>
+        <p:spPr>
+          <a:xfrm>
+            <a:off x="1141413" y="1706022"/>
+            <a:ext cx="9905999" cy="4608513"/>
+          </a:xfrm>
+        </p:spPr>
+        <p:txBody>
+          <a:bodyPr>
+            <a:normAutofit/>
+          </a:bodyPr>
+          <a:lstStyle/>
+          <a:p>
+            <a:r>
+              <a:rPr lang="en-US" dirty="0" smtClean="0"/>
+              <a:t>Arduino Mega 2560 is used to control the system’s actions</a:t>
+            </a:r>
+          </a:p>
+          <a:p>
+            <a:r>
+              <a:rPr lang="en-US" dirty="0" smtClean="0"/>
+              <a:t>Advantages </a:t>
+            </a:r>
+          </a:p>
+          <a:p>
+            <a:pPr marL="0" indent="0">
+              <a:buNone/>
+            </a:pPr>
+            <a:r>
+              <a:rPr lang="en-US" dirty="0"/>
+              <a:t>	</a:t>
+            </a:r>
+            <a:r>
+              <a:rPr lang="en-US" dirty="0" smtClean="0"/>
+              <a:t>-Low cost microcontroller</a:t>
+            </a:r>
+          </a:p>
+          <a:p>
+            <a:pPr marL="0" indent="0">
+              <a:buNone/>
+            </a:pPr>
+            <a:r>
+              <a:rPr lang="en-US" dirty="0"/>
+              <a:t>	</a:t>
+            </a:r>
+            <a:r>
+              <a:rPr lang="en-US" dirty="0" smtClean="0"/>
+              <a:t>-Analog inputs </a:t>
+            </a:r>
+          </a:p>
+          <a:p>
+            <a:pPr marL="0" indent="0">
+              <a:buNone/>
+            </a:pPr>
+            <a:r>
+              <a:rPr lang="en-US" dirty="0"/>
+              <a:t>	</a:t>
+            </a:r>
+            <a:r>
+              <a:rPr lang="en-US" dirty="0" smtClean="0"/>
+              <a:t>-Pulse-width modulated outputs</a:t>
+            </a:r>
+          </a:p>
+          <a:p>
+            <a:pPr marL="0" indent="0">
+              <a:buNone/>
+            </a:pPr>
+            <a:endParaRPr lang="en-US" dirty="0" smtClean="0"/>
+          </a:p>
+          <a:p>
+            <a:r>
+              <a:rPr lang="en-US" dirty="0" err="1" smtClean="0"/>
+              <a:t>Mathwork’s</a:t>
+            </a:r>
+            <a:r>
+              <a:rPr lang="en-US" dirty="0" smtClean="0"/>
+              <a:t> Simulink models cross compiled to microcontroller</a:t>
+            </a:r>
+          </a:p>
+        </p:txBody>
+      </p:sp>
+    </p:spTree>
+    <p:extLst>
+      <p:ext uri="{BB962C8B-B14F-4D97-AF65-F5344CB8AC3E}">
+        <p14:creationId xmlns:p14="http://schemas.microsoft.com/office/powerpoint/2010/main" val="2703070454"/>
+      </p:ext>
+    </p:extLst>
+  </p:cSld>
+  <p:clrMapOvr>
+    <a:masterClrMapping/>
+  </p:clrMapOvr>
+</p:sld>
+</file>
+
+<file path=ppt/slides/slide3.xml><?xml version="1.0" encoding="utf-8"?>
+<p:sld xmlns:a="http://schemas.openxmlformats.org/drawingml/2006/main" xmlns:r="http://schemas.openxmlformats.org/officeDocument/2006/relationships" xmlns:p="http://schemas.openxmlformats.org/presentationml/2006/main">
+  <p:cSld>
+    <p:spTree>
+      <p:nvGrpSpPr>
+        <p:cNvPr id="1" name=""/>
+        <p:cNvGrpSpPr/>
+        <p:nvPr/>
+      </p:nvGrpSpPr>
+      <p:grpSpPr>
+        <a:xfrm>
+          <a:off x="0" y="0"/>
+          <a:ext cx="0" cy="0"/>
+          <a:chOff x="0" y="0"/>
+          <a:chExt cx="0" cy="0"/>
+        </a:xfrm>
+      </p:grpSpPr>
+      <p:sp>
+        <p:nvSpPr>
+          <p:cNvPr id="2" name="Title 1"/>
+          <p:cNvSpPr>
+            <a:spLocks noGrp="1"/>
+          </p:cNvSpPr>
+          <p:nvPr>
+            <p:ph type="title"/>
+          </p:nvPr>
+        </p:nvSpPr>
+        <p:spPr/>
+        <p:txBody>
+          <a:bodyPr/>
+          <a:lstStyle/>
+          <a:p>
+            <a:r>
+              <a:rPr lang="en-US" dirty="0" smtClean="0"/>
+              <a:t>Major Design Decisions</a:t>
+            </a:r>
+            <a:endParaRPr lang="en-US" dirty="0"/>
+          </a:p>
+        </p:txBody>
+      </p:sp>
+      <p:sp>
+        <p:nvSpPr>
+          <p:cNvPr id="3" name="Content Placeholder 2"/>
+          <p:cNvSpPr>
+            <a:spLocks noGrp="1"/>
+          </p:cNvSpPr>
+          <p:nvPr>
+            <p:ph idx="1"/>
+          </p:nvPr>
+        </p:nvSpPr>
+        <p:spPr>
+          <a:xfrm>
+            <a:off x="1141412" y="2249487"/>
+            <a:ext cx="9905999" cy="4063390"/>
+          </a:xfrm>
+        </p:spPr>
+        <p:txBody>
+          <a:bodyPr>
+            <a:normAutofit/>
+          </a:bodyPr>
+          <a:lstStyle/>
+          <a:p>
+            <a:r>
+              <a:rPr lang="en-US" dirty="0"/>
+              <a:t>Quadruped Locomotion</a:t>
+            </a:r>
+          </a:p>
+          <a:p>
+            <a:pPr lvl="1"/>
+            <a:r>
+              <a:rPr lang="en-US" dirty="0"/>
+              <a:t>Agile motion</a:t>
+            </a:r>
+          </a:p>
+          <a:p>
+            <a:pPr lvl="1"/>
+            <a:r>
+              <a:rPr lang="en-US" dirty="0"/>
+              <a:t>Stable</a:t>
+            </a:r>
+          </a:p>
+          <a:p>
+            <a:pPr lvl="1"/>
+            <a:r>
+              <a:rPr lang="en-US" dirty="0"/>
+              <a:t>Rugged </a:t>
+            </a:r>
+            <a:r>
+              <a:rPr lang="en-US" dirty="0" smtClean="0"/>
+              <a:t>Terrain</a:t>
+            </a:r>
+          </a:p>
+          <a:p>
+            <a:pPr lvl="1"/>
+            <a:r>
+              <a:rPr lang="en-US" dirty="0" smtClean="0"/>
+              <a:t>Two Links per Leg</a:t>
+            </a:r>
+            <a:endParaRPr lang="en-US" dirty="0"/>
+          </a:p>
+          <a:p>
+            <a:r>
+              <a:rPr lang="en-US" dirty="0"/>
+              <a:t>Pneumatic Power</a:t>
+            </a:r>
+          </a:p>
+          <a:p>
+            <a:pPr lvl="1"/>
+            <a:r>
+              <a:rPr lang="en-US" dirty="0"/>
+              <a:t>High energy density</a:t>
+            </a:r>
+          </a:p>
+          <a:p>
+            <a:pPr lvl="1"/>
+            <a:r>
+              <a:rPr lang="en-US" dirty="0"/>
+              <a:t>Clean and </a:t>
+            </a:r>
+            <a:r>
+              <a:rPr lang="en-US" dirty="0" smtClean="0"/>
+              <a:t>lightweight</a:t>
+            </a:r>
+            <a:endParaRPr lang="en-US" dirty="0"/>
+          </a:p>
+        </p:txBody>
+      </p:sp>
+    </p:spTree>
+    <p:extLst>
+      <p:ext uri="{BB962C8B-B14F-4D97-AF65-F5344CB8AC3E}">
+        <p14:creationId xmlns:p14="http://schemas.microsoft.com/office/powerpoint/2010/main" val="3853199244"/>
+      </p:ext>
+    </p:extLst>
+  </p:cSld>
+  <p:clrMapOvr>
+    <a:masterClrMapping/>
+  </p:clrMapOvr>
+  <p:timing>
+    <p:tnLst>
+      <p:par>
+        <p:cTn id="1" dur="indefinite" restart="never" nodeType="tmRoot"/>
+      </p:par>
+    </p:tnLst>
+  </p:timing>
+</p:sld>
+</file>
+
+<file path=ppt/slides/slide30.xml><?xml version="1.0" encoding="utf-8"?>
+<p:sld xmlns:a="http://schemas.openxmlformats.org/drawingml/2006/main" xmlns:r="http://schemas.openxmlformats.org/officeDocument/2006/relationships" xmlns:p="http://schemas.openxmlformats.org/presentationml/2006/main">
+  <p:cSld>
+    <p:spTree>
+      <p:nvGrpSpPr>
+        <p:cNvPr id="1" name=""/>
+        <p:cNvGrpSpPr/>
+        <p:nvPr/>
+      </p:nvGrpSpPr>
+      <p:grpSpPr>
+        <a:xfrm>
+          <a:off x="0" y="0"/>
+          <a:ext cx="0" cy="0"/>
+          <a:chOff x="0" y="0"/>
+          <a:chExt cx="0" cy="0"/>
+        </a:xfrm>
+      </p:grpSpPr>
+      <p:sp>
+        <p:nvSpPr>
+          <p:cNvPr id="2" name="Title 1"/>
+          <p:cNvSpPr>
+            <a:spLocks noGrp="1"/>
+          </p:cNvSpPr>
+          <p:nvPr>
+            <p:ph type="title"/>
+          </p:nvPr>
+        </p:nvSpPr>
+        <p:spPr/>
+        <p:txBody>
+          <a:bodyPr/>
+          <a:lstStyle/>
+          <a:p>
+            <a:r>
+              <a:rPr lang="en-US" dirty="0" smtClean="0"/>
+              <a:t>Control Algorithms</a:t>
+            </a:r>
+            <a:endParaRPr lang="en-US" dirty="0"/>
+          </a:p>
+        </p:txBody>
+      </p:sp>
+      <p:sp>
+        <p:nvSpPr>
+          <p:cNvPr id="3" name="Content Placeholder 2"/>
+          <p:cNvSpPr>
+            <a:spLocks noGrp="1"/>
+          </p:cNvSpPr>
+          <p:nvPr>
+            <p:ph idx="1"/>
+          </p:nvPr>
+        </p:nvSpPr>
+        <p:spPr/>
+        <p:txBody>
+          <a:bodyPr/>
+          <a:lstStyle/>
+          <a:p>
+            <a:r>
+              <a:rPr lang="en-US" dirty="0" smtClean="0"/>
+              <a:t>The Simulink PID algorithms are used for control</a:t>
+            </a:r>
+          </a:p>
+          <a:p>
+            <a:r>
+              <a:rPr lang="en-US" dirty="0" smtClean="0"/>
+              <a:t>Implementation of a step is done using state machine architecture</a:t>
+            </a:r>
           </a:p>
           <a:p>
             <a:r>
@@ -22523,7 +24650,7 @@
 </p:sld>
 </file>
 
-<file path=ppt/slides/slide29.xml><?xml version="1.0" encoding="utf-8"?>
+<file path=ppt/slides/slide31.xml><?xml version="1.0" encoding="utf-8"?>
 <p:sld xmlns:a="http://schemas.openxmlformats.org/drawingml/2006/main" xmlns:r="http://schemas.openxmlformats.org/officeDocument/2006/relationships" xmlns:p="http://schemas.openxmlformats.org/presentationml/2006/main">
   <p:cSld>
     <p:spTree>
@@ -22632,79 +24759,7 @@
 </p:sld>
 </file>
 
-<file path=ppt/slides/slide3.xml><?xml version="1.0" encoding="utf-8"?>
-<p:sld xmlns:a="http://schemas.openxmlformats.org/drawingml/2006/main" xmlns:r="http://schemas.openxmlformats.org/officeDocument/2006/relationships" xmlns:p="http://schemas.openxmlformats.org/presentationml/2006/main">
-  <p:cSld>
-    <p:spTree>
-      <p:nvGrpSpPr>
-        <p:cNvPr id="1" name=""/>
-        <p:cNvGrpSpPr/>
-        <p:nvPr/>
-      </p:nvGrpSpPr>
-      <p:grpSpPr>
-        <a:xfrm>
-          <a:off x="0" y="0"/>
-          <a:ext cx="0" cy="0"/>
-          <a:chOff x="0" y="0"/>
-          <a:chExt cx="0" cy="0"/>
-        </a:xfrm>
-      </p:grpSpPr>
-      <p:sp>
-        <p:nvSpPr>
-          <p:cNvPr id="2" name="Title 1"/>
-          <p:cNvSpPr>
-            <a:spLocks noGrp="1"/>
-          </p:cNvSpPr>
-          <p:nvPr>
-            <p:ph type="title"/>
-          </p:nvPr>
-        </p:nvSpPr>
-        <p:spPr/>
-        <p:txBody>
-          <a:bodyPr/>
-          <a:lstStyle/>
-          <a:p>
-            <a:r>
-              <a:rPr lang="en-US" dirty="0" smtClean="0"/>
-              <a:t>Dynamics And Simulations</a:t>
-            </a:r>
-            <a:endParaRPr lang="en-US" dirty="0"/>
-          </a:p>
-        </p:txBody>
-      </p:sp>
-      <p:sp>
-        <p:nvSpPr>
-          <p:cNvPr id="3" name="Content Placeholder 2"/>
-          <p:cNvSpPr>
-            <a:spLocks noGrp="1"/>
-          </p:cNvSpPr>
-          <p:nvPr>
-            <p:ph idx="1"/>
-          </p:nvPr>
-        </p:nvSpPr>
-        <p:spPr/>
-        <p:txBody>
-          <a:bodyPr/>
-          <a:lstStyle/>
-          <a:p>
-            <a:endParaRPr lang="en-US"/>
-          </a:p>
-        </p:txBody>
-      </p:sp>
-    </p:spTree>
-    <p:extLst>
-      <p:ext uri="{BB962C8B-B14F-4D97-AF65-F5344CB8AC3E}">
-        <p14:creationId xmlns:p14="http://schemas.microsoft.com/office/powerpoint/2010/main" val="1715809892"/>
-      </p:ext>
-    </p:extLst>
-  </p:cSld>
-  <p:clrMapOvr>
-    <a:masterClrMapping/>
-  </p:clrMapOvr>
-</p:sld>
-</file>
-
-<file path=ppt/slides/slide30.xml><?xml version="1.0" encoding="utf-8"?>
+<file path=ppt/slides/slide32.xml><?xml version="1.0" encoding="utf-8"?>
 <p:sld xmlns:a="http://schemas.openxmlformats.org/drawingml/2006/main" xmlns:r="http://schemas.openxmlformats.org/officeDocument/2006/relationships" xmlns:p="http://schemas.openxmlformats.org/presentationml/2006/main">
   <p:cSld>
     <p:spTree>
@@ -22928,7 +24983,7 @@
 </p:sld>
 </file>
 
-<file path=ppt/slides/slide31.xml><?xml version="1.0" encoding="utf-8"?>
+<file path=ppt/slides/slide33.xml><?xml version="1.0" encoding="utf-8"?>
 <p:sld xmlns:a="http://schemas.openxmlformats.org/drawingml/2006/main" xmlns:r="http://schemas.openxmlformats.org/officeDocument/2006/relationships" xmlns:p="http://schemas.openxmlformats.org/presentationml/2006/main">
   <p:cSld>
     <p:spTree>
@@ -23030,7 +25085,7 @@
 </p:sld>
 </file>
 
-<file path=ppt/slides/slide32.xml><?xml version="1.0" encoding="utf-8"?>
+<file path=ppt/slides/slide34.xml><?xml version="1.0" encoding="utf-8"?>
 <p:sld xmlns:a="http://schemas.openxmlformats.org/drawingml/2006/main" xmlns:r="http://schemas.openxmlformats.org/officeDocument/2006/relationships" xmlns:p="http://schemas.openxmlformats.org/presentationml/2006/main">
   <p:cSld>
     <p:spTree>
@@ -23184,7 +25239,7 @@
 </p:sld>
 </file>
 
-<file path=ppt/slides/slide33.xml><?xml version="1.0" encoding="utf-8"?>
+<file path=ppt/slides/slide35.xml><?xml version="1.0" encoding="utf-8"?>
 <p:sld xmlns:a="http://schemas.openxmlformats.org/drawingml/2006/main" xmlns:r="http://schemas.openxmlformats.org/officeDocument/2006/relationships" xmlns:p="http://schemas.openxmlformats.org/presentationml/2006/main">
   <p:cSld>
     <p:spTree>
@@ -23260,7 +25315,7 @@
 </p:sld>
 </file>
 
-<file path=ppt/slides/slide34.xml><?xml version="1.0" encoding="utf-8"?>
+<file path=ppt/slides/slide36.xml><?xml version="1.0" encoding="utf-8"?>
 <p:sld xmlns:a="http://schemas.openxmlformats.org/drawingml/2006/main" xmlns:r="http://schemas.openxmlformats.org/officeDocument/2006/relationships" xmlns:p="http://schemas.openxmlformats.org/presentationml/2006/main">
   <p:cSld>
     <p:spTree>
@@ -23387,7 +25442,7 @@
 </p:sld>
 </file>
 
-<file path=ppt/slides/slide35.xml><?xml version="1.0" encoding="utf-8"?>
+<file path=ppt/slides/slide37.xml><?xml version="1.0" encoding="utf-8"?>
 <p:sld xmlns:a="http://schemas.openxmlformats.org/drawingml/2006/main" xmlns:r="http://schemas.openxmlformats.org/officeDocument/2006/relationships" xmlns:p="http://schemas.openxmlformats.org/presentationml/2006/main">
   <p:cSld>
     <p:spTree>
@@ -23460,6 +25515,232 @@
 </file>
 
 <file path=ppt/slides/slide4.xml><?xml version="1.0" encoding="utf-8"?>
+<p:sld xmlns:a="http://schemas.openxmlformats.org/drawingml/2006/main" xmlns:r="http://schemas.openxmlformats.org/officeDocument/2006/relationships" xmlns:p="http://schemas.openxmlformats.org/presentationml/2006/main">
+  <p:cSld>
+    <p:spTree>
+      <p:nvGrpSpPr>
+        <p:cNvPr id="1" name=""/>
+        <p:cNvGrpSpPr/>
+        <p:nvPr/>
+      </p:nvGrpSpPr>
+      <p:grpSpPr>
+        <a:xfrm>
+          <a:off x="0" y="0"/>
+          <a:ext cx="0" cy="0"/>
+          <a:chOff x="0" y="0"/>
+          <a:chExt cx="0" cy="0"/>
+        </a:xfrm>
+      </p:grpSpPr>
+      <p:sp>
+        <p:nvSpPr>
+          <p:cNvPr id="2" name="Title 1"/>
+          <p:cNvSpPr>
+            <a:spLocks noGrp="1"/>
+          </p:cNvSpPr>
+          <p:nvPr>
+            <p:ph type="title"/>
+          </p:nvPr>
+        </p:nvSpPr>
+        <p:spPr/>
+        <p:txBody>
+          <a:bodyPr/>
+          <a:lstStyle/>
+          <a:p>
+            <a:r>
+              <a:rPr lang="en-US" dirty="0" smtClean="0"/>
+              <a:t>Major Constraints and Objectives</a:t>
+            </a:r>
+            <a:endParaRPr lang="en-US" dirty="0"/>
+          </a:p>
+        </p:txBody>
+      </p:sp>
+      <p:sp>
+        <p:nvSpPr>
+          <p:cNvPr id="3" name="Content Placeholder 2"/>
+          <p:cNvSpPr>
+            <a:spLocks noGrp="1"/>
+          </p:cNvSpPr>
+          <p:nvPr>
+            <p:ph idx="1"/>
+          </p:nvPr>
+        </p:nvSpPr>
+        <p:spPr>
+          <a:xfrm>
+            <a:off x="1141412" y="2249486"/>
+            <a:ext cx="9905999" cy="4143149"/>
+          </a:xfrm>
+        </p:spPr>
+        <p:txBody>
+          <a:bodyPr>
+            <a:normAutofit/>
+          </a:bodyPr>
+          <a:lstStyle/>
+          <a:p>
+            <a:r>
+              <a:rPr lang="en-US" dirty="0" smtClean="0"/>
+              <a:t>Does not weight over 35 Kg</a:t>
+            </a:r>
+          </a:p>
+          <a:p>
+            <a:r>
+              <a:rPr lang="en-US" dirty="0" smtClean="0"/>
+              <a:t>Operational speed up to 0.5 m/s</a:t>
+            </a:r>
+          </a:p>
+          <a:p>
+            <a:r>
+              <a:rPr lang="en-US" dirty="0" smtClean="0"/>
+              <a:t>Gait implementations for creep and walk</a:t>
+            </a:r>
+          </a:p>
+          <a:p>
+            <a:r>
+              <a:rPr lang="en-US" dirty="0" smtClean="0"/>
+              <a:t>Emergency stops easily accessible</a:t>
+            </a:r>
+          </a:p>
+          <a:p>
+            <a:r>
+              <a:rPr lang="en-US" dirty="0" smtClean="0"/>
+              <a:t>Battery life of at least 3 hours for pneumatic components</a:t>
+            </a:r>
+          </a:p>
+          <a:p>
+            <a:r>
+              <a:rPr lang="en-US" dirty="0" smtClean="0"/>
+              <a:t>Onboard batteries and control system</a:t>
+            </a:r>
+          </a:p>
+          <a:p>
+            <a:r>
+              <a:rPr lang="en-US" dirty="0" smtClean="0"/>
+              <a:t>Tethered air supply</a:t>
+            </a:r>
+            <a:endParaRPr lang="en-US" dirty="0"/>
+          </a:p>
+        </p:txBody>
+      </p:sp>
+    </p:spTree>
+    <p:extLst>
+      <p:ext uri="{BB962C8B-B14F-4D97-AF65-F5344CB8AC3E}">
+        <p14:creationId xmlns:p14="http://schemas.microsoft.com/office/powerpoint/2010/main" val="2870593098"/>
+      </p:ext>
+    </p:extLst>
+  </p:cSld>
+  <p:clrMapOvr>
+    <a:masterClrMapping/>
+  </p:clrMapOvr>
+  <p:timing>
+    <p:tnLst>
+      <p:par>
+        <p:cTn id="1" dur="indefinite" restart="never" nodeType="tmRoot"/>
+      </p:par>
+    </p:tnLst>
+  </p:timing>
+</p:sld>
+</file>
+
+<file path=ppt/slides/slide5.xml><?xml version="1.0" encoding="utf-8"?>
+<p:sld xmlns:a="http://schemas.openxmlformats.org/drawingml/2006/main" xmlns:r="http://schemas.openxmlformats.org/officeDocument/2006/relationships" xmlns:p="http://schemas.openxmlformats.org/presentationml/2006/main">
+  <p:cSld>
+    <p:spTree>
+      <p:nvGrpSpPr>
+        <p:cNvPr id="1" name=""/>
+        <p:cNvGrpSpPr/>
+        <p:nvPr/>
+      </p:nvGrpSpPr>
+      <p:grpSpPr>
+        <a:xfrm>
+          <a:off x="0" y="0"/>
+          <a:ext cx="0" cy="0"/>
+          <a:chOff x="0" y="0"/>
+          <a:chExt cx="0" cy="0"/>
+        </a:xfrm>
+      </p:grpSpPr>
+      <p:sp>
+        <p:nvSpPr>
+          <p:cNvPr id="2" name="Title 1"/>
+          <p:cNvSpPr>
+            <a:spLocks noGrp="1"/>
+          </p:cNvSpPr>
+          <p:nvPr>
+            <p:ph type="title"/>
+          </p:nvPr>
+        </p:nvSpPr>
+        <p:spPr/>
+        <p:txBody>
+          <a:bodyPr/>
+          <a:lstStyle/>
+          <a:p>
+            <a:r>
+              <a:rPr lang="en-US" dirty="0" smtClean="0"/>
+              <a:t>Dynamics And Simulations</a:t>
+            </a:r>
+            <a:endParaRPr lang="en-US" dirty="0"/>
+          </a:p>
+        </p:txBody>
+      </p:sp>
+      <p:sp>
+        <p:nvSpPr>
+          <p:cNvPr id="3" name="Content Placeholder 2"/>
+          <p:cNvSpPr>
+            <a:spLocks noGrp="1"/>
+          </p:cNvSpPr>
+          <p:nvPr>
+            <p:ph idx="1"/>
+          </p:nvPr>
+        </p:nvSpPr>
+        <p:spPr/>
+        <p:txBody>
+          <a:bodyPr/>
+          <a:lstStyle/>
+          <a:p>
+            <a:r>
+              <a:rPr lang="en-US" dirty="0" smtClean="0"/>
+              <a:t>Mathematical Notation</a:t>
+            </a:r>
+          </a:p>
+          <a:p>
+            <a:r>
+              <a:rPr lang="en-US" dirty="0" smtClean="0"/>
+              <a:t>Free Body Diagrams</a:t>
+            </a:r>
+          </a:p>
+          <a:p>
+            <a:r>
+              <a:rPr lang="en-US" dirty="0" smtClean="0"/>
+              <a:t>Kinematic Modelling</a:t>
+            </a:r>
+          </a:p>
+          <a:p>
+            <a:r>
+              <a:rPr lang="en-US" dirty="0" smtClean="0"/>
+              <a:t>Dynamic Simulation</a:t>
+            </a:r>
+          </a:p>
+          <a:p>
+            <a:r>
+              <a:rPr lang="en-US" dirty="0" smtClean="0"/>
+              <a:t>Foot force calculation</a:t>
+            </a:r>
+            <a:endParaRPr lang="en-US" dirty="0"/>
+          </a:p>
+        </p:txBody>
+      </p:sp>
+    </p:spTree>
+    <p:extLst>
+      <p:ext uri="{BB962C8B-B14F-4D97-AF65-F5344CB8AC3E}">
+        <p14:creationId xmlns:p14="http://schemas.microsoft.com/office/powerpoint/2010/main" val="1715809892"/>
+      </p:ext>
+    </p:extLst>
+  </p:cSld>
+  <p:clrMapOvr>
+    <a:masterClrMapping/>
+  </p:clrMapOvr>
+</p:sld>
+</file>
+
+<file path=ppt/slides/slide6.xml><?xml version="1.0" encoding="utf-8"?>
 <p:sld xmlns:a="http://schemas.openxmlformats.org/drawingml/2006/main" xmlns:r="http://schemas.openxmlformats.org/officeDocument/2006/relationships" xmlns:p="http://schemas.openxmlformats.org/presentationml/2006/main">
   <p:cSld>
     <p:spTree>
@@ -25422,7 +27703,7 @@
 </p:sld>
 </file>
 
-<file path=ppt/slides/slide5.xml><?xml version="1.0" encoding="utf-8"?>
+<file path=ppt/slides/slide7.xml><?xml version="1.0" encoding="utf-8"?>
 <p:sld xmlns:a="http://schemas.openxmlformats.org/drawingml/2006/main" xmlns:r="http://schemas.openxmlformats.org/officeDocument/2006/relationships" xmlns:p="http://schemas.openxmlformats.org/presentationml/2006/main">
   <p:cSld>
     <p:spTree>
@@ -25472,14 +27753,21 @@
             <p:ph idx="1"/>
           </p:nvPr>
         </p:nvSpPr>
-        <p:spPr/>
+        <p:spPr>
+          <a:xfrm>
+            <a:off x="1141412" y="2249487"/>
+            <a:ext cx="9905999" cy="4289336"/>
+          </a:xfrm>
+        </p:spPr>
         <p:txBody>
-          <a:bodyPr/>
+          <a:bodyPr>
+            <a:normAutofit/>
+          </a:bodyPr>
           <a:lstStyle/>
           <a:p>
             <a:r>
               <a:rPr lang="en-US" dirty="0" smtClean="0"/>
-              <a:t>Due to robot acceleration the system is non-inertial</a:t>
+              <a:t>Due to robot’s acceleration the system is not in an inertial reference frame</a:t>
             </a:r>
           </a:p>
           <a:p>
@@ -25492,27 +27780,42 @@
             <a:pPr lvl="1"/>
             <a:r>
               <a:rPr lang="en-US" dirty="0" smtClean="0"/>
-              <a:t>Euler-Newton, F=ma with an arbitrary ground point or virtual inertial forces</a:t>
+              <a:t>Euler-Newton: F=ma with an arbitrary ground point or virtual inertial forces</a:t>
             </a:r>
           </a:p>
           <a:p>
             <a:pPr lvl="1"/>
             <a:r>
               <a:rPr lang="en-US" dirty="0" smtClean="0"/>
-              <a:t>Lagrange-Euler, energy approach with generalized coordinate systems</a:t>
+              <a:t>Lagrange-Euler: energy approach with generalized coordinate systems</a:t>
             </a:r>
             <a:endParaRPr lang="en-US" dirty="0"/>
           </a:p>
           <a:p>
             <a:r>
               <a:rPr lang="en-US" dirty="0" smtClean="0"/>
-              <a:t>Euler-Newton was selected with an arbitrary ground point off the robot chassis due to its familiarity</a:t>
-            </a:r>
-          </a:p>
-          <a:p>
+              <a:t>Euler-Newton was </a:t>
+            </a:r>
+            <a:r>
+              <a:rPr lang="en-US" dirty="0"/>
+              <a:t>selected due to its </a:t>
+            </a:r>
             <a:r>
               <a:rPr lang="en-US" dirty="0" smtClean="0"/>
-              <a:t>Torque equations modified with equivalent torques</a:t>
+              <a:t>familiarity</a:t>
+            </a:r>
+          </a:p>
+          <a:p>
+            <a:pPr lvl="1"/>
+            <a:r>
+              <a:rPr lang="en-US" dirty="0" smtClean="0"/>
+              <a:t>arbitrary ground point off the robot chassis</a:t>
+            </a:r>
+          </a:p>
+          <a:p>
+            <a:r>
+              <a:rPr lang="en-US" dirty="0" smtClean="0"/>
+              <a:t>Torque equations modified with equivalent torques to compensate</a:t>
             </a:r>
           </a:p>
         </p:txBody>
@@ -25537,7 +27840,7 @@
 </p:sld>
 </file>
 
-<file path=ppt/slides/slide6.xml><?xml version="1.0" encoding="utf-8"?>
+<file path=ppt/slides/slide8.xml><?xml version="1.0" encoding="utf-8"?>
 <p:sld xmlns:a="http://schemas.openxmlformats.org/drawingml/2006/main" xmlns:r="http://schemas.openxmlformats.org/officeDocument/2006/relationships" xmlns:p="http://schemas.openxmlformats.org/presentationml/2006/main">
   <p:cSld>
     <p:spTree>
@@ -25703,7 +28006,7 @@
 </p:sld>
 </file>
 
-<file path=ppt/slides/slide7.xml><?xml version="1.0" encoding="utf-8"?>
+<file path=ppt/slides/slide9.xml><?xml version="1.0" encoding="utf-8"?>
 <p:sld xmlns:a="http://schemas.openxmlformats.org/drawingml/2006/main" xmlns:r="http://schemas.openxmlformats.org/officeDocument/2006/relationships" xmlns:p="http://schemas.openxmlformats.org/presentationml/2006/main">
   <p:cSld>
     <p:spTree>
@@ -25765,15 +28068,7 @@
           <a:p>
             <a:r>
               <a:rPr lang="en-US" dirty="0" smtClean="0"/>
-              <a:t>Four </a:t>
-            </a:r>
-            <a:r>
-              <a:rPr lang="en-US" dirty="0" smtClean="0"/>
-              <a:t>three-bar serial linkages </a:t>
-            </a:r>
-            <a:r>
-              <a:rPr lang="en-US" dirty="0" smtClean="0"/>
-              <a:t>originating at the body’s center of gravity</a:t>
+              <a:t>Four three-bar serial linkages originating at the body’s center of gravity</a:t>
             </a:r>
           </a:p>
           <a:p>
@@ -25785,11 +28080,7 @@
           <a:p>
             <a:r>
               <a:rPr lang="en-US" dirty="0" smtClean="0"/>
-              <a:t>16 equations to define link </a:t>
-            </a:r>
-            <a:r>
-              <a:rPr lang="en-US" dirty="0" smtClean="0"/>
-              <a:t>positions</a:t>
+              <a:t>16 equations to define link positions</a:t>
             </a:r>
             <a:endParaRPr lang="en-US" dirty="0"/>
           </a:p>
@@ -25829,1976 +28120,6 @@
     <p:extLst>
       <p:ext uri="{BB962C8B-B14F-4D97-AF65-F5344CB8AC3E}">
         <p14:creationId xmlns:p14="http://schemas.microsoft.com/office/powerpoint/2010/main" val="832115120"/>
-      </p:ext>
-    </p:extLst>
-  </p:cSld>
-  <p:clrMapOvr>
-    <a:masterClrMapping/>
-  </p:clrMapOvr>
-  <p:timing>
-    <p:tnLst>
-      <p:par>
-        <p:cTn id="1" dur="indefinite" restart="never" nodeType="tmRoot"/>
-      </p:par>
-    </p:tnLst>
-  </p:timing>
-</p:sld>
-</file>
-
-<file path=ppt/slides/slide8.xml><?xml version="1.0" encoding="utf-8"?>
-<p:sld xmlns:a="http://schemas.openxmlformats.org/drawingml/2006/main" xmlns:r="http://schemas.openxmlformats.org/officeDocument/2006/relationships" xmlns:p="http://schemas.openxmlformats.org/presentationml/2006/main">
-  <p:cSld>
-    <p:spTree>
-      <p:nvGrpSpPr>
-        <p:cNvPr id="1" name=""/>
-        <p:cNvGrpSpPr/>
-        <p:nvPr/>
-      </p:nvGrpSpPr>
-      <p:grpSpPr>
-        <a:xfrm>
-          <a:off x="0" y="0"/>
-          <a:ext cx="0" cy="0"/>
-          <a:chOff x="0" y="0"/>
-          <a:chExt cx="0" cy="0"/>
-        </a:xfrm>
-      </p:grpSpPr>
-      <p:sp>
-        <p:nvSpPr>
-          <p:cNvPr id="2" name="Title 1"/>
-          <p:cNvSpPr>
-            <a:spLocks noGrp="1"/>
-          </p:cNvSpPr>
-          <p:nvPr>
-            <p:ph type="title"/>
-          </p:nvPr>
-        </p:nvSpPr>
-        <p:spPr/>
-        <p:txBody>
-          <a:bodyPr/>
-          <a:lstStyle/>
-          <a:p>
-            <a:r>
-              <a:rPr lang="en-US" dirty="0" smtClean="0"/>
-              <a:t>Jacobian differentiation</a:t>
-            </a:r>
-            <a:endParaRPr lang="en-US" dirty="0"/>
-          </a:p>
-        </p:txBody>
-      </p:sp>
-      <p:sp>
-        <p:nvSpPr>
-          <p:cNvPr id="3" name="Content Placeholder 2"/>
-          <p:cNvSpPr>
-            <a:spLocks noGrp="1"/>
-          </p:cNvSpPr>
-          <p:nvPr>
-            <p:ph idx="1"/>
-          </p:nvPr>
-        </p:nvSpPr>
-        <p:spPr>
-          <a:xfrm>
-            <a:off x="1141413" y="2249486"/>
-            <a:ext cx="4984236" cy="4358347"/>
-          </a:xfrm>
-        </p:spPr>
-        <p:txBody>
-          <a:bodyPr>
-            <a:normAutofit lnSpcReduction="10000"/>
-          </a:bodyPr>
-          <a:lstStyle/>
-          <a:p>
-            <a:r>
-              <a:rPr lang="en-US" dirty="0" smtClean="0"/>
-              <a:t>Simplification of the Full Derivative of a multivariable function</a:t>
-            </a:r>
-          </a:p>
-          <a:p>
-            <a:r>
-              <a:rPr lang="en-US" dirty="0" smtClean="0"/>
-              <a:t>Used to calculate velocity and acceleration of links</a:t>
-            </a:r>
-          </a:p>
-          <a:p>
-            <a:r>
-              <a:rPr lang="en-US" dirty="0" smtClean="0"/>
-              <a:t>Break function derivative into a Jacobian and time derivative vector</a:t>
-            </a:r>
-          </a:p>
-          <a:p>
-            <a:r>
-              <a:rPr lang="en-US" dirty="0" smtClean="0"/>
-              <a:t>Allows symbolic equation solution with MATLAB for faster iteration</a:t>
-            </a:r>
-          </a:p>
-          <a:p>
-            <a:r>
-              <a:rPr lang="en-US" dirty="0" smtClean="0"/>
-              <a:t>Hand verified</a:t>
-            </a:r>
-            <a:endParaRPr lang="en-US" dirty="0"/>
-          </a:p>
-        </p:txBody>
-      </p:sp>
-      <mc:AlternateContent xmlns:mc="http://schemas.openxmlformats.org/markup-compatibility/2006">
-        <mc:Choice xmlns:a14="http://schemas.microsoft.com/office/drawing/2010/main" Requires="a14">
-          <p:sp>
-            <p:nvSpPr>
-              <p:cNvPr id="56" name="TextBox 55"/>
-              <p:cNvSpPr txBox="1"/>
-              <p:nvPr/>
-            </p:nvSpPr>
-            <p:spPr>
-              <a:xfrm>
-                <a:off x="5615797" y="618518"/>
-                <a:ext cx="7004649" cy="5788829"/>
-              </a:xfrm>
-              <a:prstGeom prst="rect">
-                <a:avLst/>
-              </a:prstGeom>
-              <a:noFill/>
-            </p:spPr>
-            <p:txBody>
-              <a:bodyPr wrap="square" rtlCol="0">
-                <a:spAutoFit/>
-              </a:bodyPr>
-              <a:lstStyle/>
-              <a:p>
-                <a:pPr/>
-                <a14:m>
-                  <m:oMathPara xmlns:m="http://schemas.openxmlformats.org/officeDocument/2006/math">
-                    <m:oMathParaPr>
-                      <m:jc m:val="centerGroup"/>
-                    </m:oMathParaPr>
-                    <m:oMath xmlns:m="http://schemas.openxmlformats.org/officeDocument/2006/math">
-                      <m:f>
-                        <m:fPr>
-                          <m:ctrlPr>
-                            <a:rPr lang="en-US" i="1" smtClean="0">
-                              <a:latin typeface="Cambria Math" panose="02040503050406030204" pitchFamily="18" charset="0"/>
-                            </a:rPr>
-                          </m:ctrlPr>
-                        </m:fPr>
-                        <m:num>
-                          <m:r>
-                            <a:rPr lang="en-US" i="1">
-                              <a:latin typeface="Cambria Math" panose="02040503050406030204" pitchFamily="18" charset="0"/>
-                            </a:rPr>
-                            <m:t>𝑑𝑓</m:t>
-                          </m:r>
-                          <m:r>
-                            <a:rPr lang="en-US" i="1">
-                              <a:latin typeface="Cambria Math" panose="02040503050406030204" pitchFamily="18" charset="0"/>
-                            </a:rPr>
-                            <m:t>(</m:t>
-                          </m:r>
-                          <m:r>
-                            <a:rPr lang="en-US" i="1">
-                              <a:latin typeface="Cambria Math" panose="02040503050406030204" pitchFamily="18" charset="0"/>
-                            </a:rPr>
-                            <m:t>𝑑</m:t>
-                          </m:r>
-                          <m:sSub>
-                            <m:sSubPr>
-                              <m:ctrlPr>
-                                <a:rPr lang="en-US" i="1">
-                                  <a:latin typeface="Cambria Math" panose="02040503050406030204" pitchFamily="18" charset="0"/>
-                                </a:rPr>
-                              </m:ctrlPr>
-                            </m:sSubPr>
-                            <m:e>
-                              <m:r>
-                                <a:rPr lang="en-US" i="1">
-                                  <a:latin typeface="Cambria Math" panose="02040503050406030204" pitchFamily="18" charset="0"/>
-                                </a:rPr>
-                                <m:t>𝑥</m:t>
-                              </m:r>
-                            </m:e>
-                            <m:sub>
-                              <m:r>
-                                <a:rPr lang="en-US" i="1">
-                                  <a:latin typeface="Cambria Math" panose="02040503050406030204" pitchFamily="18" charset="0"/>
-                                </a:rPr>
-                                <m:t>1</m:t>
-                              </m:r>
-                            </m:sub>
-                          </m:sSub>
-                          <m:r>
-                            <a:rPr lang="en-US" i="1">
-                              <a:latin typeface="Cambria Math" panose="02040503050406030204" pitchFamily="18" charset="0"/>
-                            </a:rPr>
-                            <m:t>,</m:t>
-                          </m:r>
-                          <m:r>
-                            <a:rPr lang="en-US" i="1">
-                              <a:latin typeface="Cambria Math" panose="02040503050406030204" pitchFamily="18" charset="0"/>
-                            </a:rPr>
-                            <m:t>𝑑</m:t>
-                          </m:r>
-                          <m:sSub>
-                            <m:sSubPr>
-                              <m:ctrlPr>
-                                <a:rPr lang="en-US" i="1">
-                                  <a:latin typeface="Cambria Math" panose="02040503050406030204" pitchFamily="18" charset="0"/>
-                                </a:rPr>
-                              </m:ctrlPr>
-                            </m:sSubPr>
-                            <m:e>
-                              <m:r>
-                                <a:rPr lang="en-US" i="1">
-                                  <a:latin typeface="Cambria Math" panose="02040503050406030204" pitchFamily="18" charset="0"/>
-                                </a:rPr>
-                                <m:t>𝑥</m:t>
-                              </m:r>
-                            </m:e>
-                            <m:sub>
-                              <m:r>
-                                <a:rPr lang="en-US" i="1">
-                                  <a:latin typeface="Cambria Math" panose="02040503050406030204" pitchFamily="18" charset="0"/>
-                                </a:rPr>
-                                <m:t>2</m:t>
-                              </m:r>
-                            </m:sub>
-                          </m:sSub>
-                          <m:r>
-                            <a:rPr lang="en-US" i="1">
-                              <a:latin typeface="Cambria Math" panose="02040503050406030204" pitchFamily="18" charset="0"/>
-                            </a:rPr>
-                            <m:t>, …,</m:t>
-                          </m:r>
-                          <m:r>
-                            <a:rPr lang="en-US" i="1">
-                              <a:latin typeface="Cambria Math" panose="02040503050406030204" pitchFamily="18" charset="0"/>
-                            </a:rPr>
-                            <m:t>𝑑</m:t>
-                          </m:r>
-                          <m:sSub>
-                            <m:sSubPr>
-                              <m:ctrlPr>
-                                <a:rPr lang="en-US" i="1">
-                                  <a:latin typeface="Cambria Math" panose="02040503050406030204" pitchFamily="18" charset="0"/>
-                                </a:rPr>
-                              </m:ctrlPr>
-                            </m:sSubPr>
-                            <m:e>
-                              <m:r>
-                                <a:rPr lang="en-US" i="1">
-                                  <a:latin typeface="Cambria Math" panose="02040503050406030204" pitchFamily="18" charset="0"/>
-                                </a:rPr>
-                                <m:t>𝑥</m:t>
-                              </m:r>
-                            </m:e>
-                            <m:sub>
-                              <m:r>
-                                <a:rPr lang="en-US" i="1">
-                                  <a:latin typeface="Cambria Math" panose="02040503050406030204" pitchFamily="18" charset="0"/>
-                                </a:rPr>
-                                <m:t>𝑛</m:t>
-                              </m:r>
-                            </m:sub>
-                          </m:sSub>
-                          <m:r>
-                            <a:rPr lang="en-US" i="1">
-                              <a:latin typeface="Cambria Math" panose="02040503050406030204" pitchFamily="18" charset="0"/>
-                            </a:rPr>
-                            <m:t>)</m:t>
-                          </m:r>
-                        </m:num>
-                        <m:den>
-                          <m:r>
-                            <a:rPr lang="en-US" i="1">
-                              <a:latin typeface="Cambria Math" panose="02040503050406030204" pitchFamily="18" charset="0"/>
-                            </a:rPr>
-                            <m:t>𝑑𝑡</m:t>
-                          </m:r>
-                        </m:den>
-                      </m:f>
-                      <m:r>
-                        <a:rPr lang="en-US" i="1">
-                          <a:latin typeface="Cambria Math" panose="02040503050406030204" pitchFamily="18" charset="0"/>
-                        </a:rPr>
-                        <m:t>=</m:t>
-                      </m:r>
-                    </m:oMath>
-                  </m:oMathPara>
-                </a14:m>
-                <a:endParaRPr lang="en-US" i="1" dirty="0" smtClean="0"/>
-              </a:p>
-              <a:p>
-                <a:endParaRPr lang="en-US" i="1" dirty="0" smtClean="0"/>
-              </a:p>
-              <a:p>
-                <a:pPr algn="ctr"/>
-                <a:r>
-                  <a:rPr lang="en-US" dirty="0" smtClean="0"/>
-                  <a:t>= </a:t>
-                </a:r>
-                <a14:m>
-                  <m:oMath xmlns:m="http://schemas.openxmlformats.org/officeDocument/2006/math">
-                    <m:f>
-                      <m:fPr>
-                        <m:ctrlPr>
-                          <a:rPr lang="en-US" i="1">
-                            <a:latin typeface="Cambria Math" panose="02040503050406030204" pitchFamily="18" charset="0"/>
-                          </a:rPr>
-                        </m:ctrlPr>
-                      </m:fPr>
-                      <m:num>
-                        <m:r>
-                          <a:rPr lang="en-US" i="1">
-                            <a:latin typeface="Cambria Math" panose="02040503050406030204" pitchFamily="18" charset="0"/>
-                          </a:rPr>
-                          <m:t>𝜕</m:t>
-                        </m:r>
-                        <m:r>
-                          <a:rPr lang="en-US" i="1">
-                            <a:latin typeface="Cambria Math" panose="02040503050406030204" pitchFamily="18" charset="0"/>
-                          </a:rPr>
-                          <m:t>𝑓</m:t>
-                        </m:r>
-                      </m:num>
-                      <m:den>
-                        <m:r>
-                          <a:rPr lang="en-US" i="1">
-                            <a:latin typeface="Cambria Math" panose="02040503050406030204" pitchFamily="18" charset="0"/>
-                          </a:rPr>
-                          <m:t>𝜕</m:t>
-                        </m:r>
-                        <m:sSub>
-                          <m:sSubPr>
-                            <m:ctrlPr>
-                              <a:rPr lang="en-US" i="1">
-                                <a:latin typeface="Cambria Math" panose="02040503050406030204" pitchFamily="18" charset="0"/>
-                              </a:rPr>
-                            </m:ctrlPr>
-                          </m:sSubPr>
-                          <m:e>
-                            <m:r>
-                              <a:rPr lang="en-US" i="1">
-                                <a:latin typeface="Cambria Math" panose="02040503050406030204" pitchFamily="18" charset="0"/>
-                              </a:rPr>
-                              <m:t>𝑥</m:t>
-                            </m:r>
-                          </m:e>
-                          <m:sub>
-                            <m:r>
-                              <a:rPr lang="en-US" i="1">
-                                <a:latin typeface="Cambria Math" panose="02040503050406030204" pitchFamily="18" charset="0"/>
-                              </a:rPr>
-                              <m:t>1</m:t>
-                            </m:r>
-                          </m:sub>
-                        </m:sSub>
-                      </m:den>
-                    </m:f>
-                    <m:f>
-                      <m:fPr>
-                        <m:ctrlPr>
-                          <a:rPr lang="en-US" i="1">
-                            <a:latin typeface="Cambria Math" panose="02040503050406030204" pitchFamily="18" charset="0"/>
-                          </a:rPr>
-                        </m:ctrlPr>
-                      </m:fPr>
-                      <m:num>
-                        <m:r>
-                          <a:rPr lang="en-US" i="1">
-                            <a:latin typeface="Cambria Math" panose="02040503050406030204" pitchFamily="18" charset="0"/>
-                          </a:rPr>
-                          <m:t>𝜕</m:t>
-                        </m:r>
-                        <m:sSub>
-                          <m:sSubPr>
-                            <m:ctrlPr>
-                              <a:rPr lang="en-US" i="1">
-                                <a:latin typeface="Cambria Math" panose="02040503050406030204" pitchFamily="18" charset="0"/>
-                              </a:rPr>
-                            </m:ctrlPr>
-                          </m:sSubPr>
-                          <m:e>
-                            <m:r>
-                              <a:rPr lang="en-US" i="1">
-                                <a:latin typeface="Cambria Math" panose="02040503050406030204" pitchFamily="18" charset="0"/>
-                              </a:rPr>
-                              <m:t>𝑥</m:t>
-                            </m:r>
-                          </m:e>
-                          <m:sub>
-                            <m:r>
-                              <a:rPr lang="en-US" i="1">
-                                <a:latin typeface="Cambria Math" panose="02040503050406030204" pitchFamily="18" charset="0"/>
-                              </a:rPr>
-                              <m:t>1</m:t>
-                            </m:r>
-                          </m:sub>
-                        </m:sSub>
-                      </m:num>
-                      <m:den>
-                        <m:r>
-                          <a:rPr lang="en-US" i="1">
-                            <a:latin typeface="Cambria Math" panose="02040503050406030204" pitchFamily="18" charset="0"/>
-                          </a:rPr>
-                          <m:t>𝜕</m:t>
-                        </m:r>
-                        <m:r>
-                          <a:rPr lang="en-US" i="1">
-                            <a:latin typeface="Cambria Math" panose="02040503050406030204" pitchFamily="18" charset="0"/>
-                          </a:rPr>
-                          <m:t>𝑡</m:t>
-                        </m:r>
-                      </m:den>
-                    </m:f>
-                    <m:r>
-                      <a:rPr lang="en-US" i="1">
-                        <a:latin typeface="Cambria Math" panose="02040503050406030204" pitchFamily="18" charset="0"/>
-                      </a:rPr>
-                      <m:t>+ </m:t>
-                    </m:r>
-                    <m:f>
-                      <m:fPr>
-                        <m:ctrlPr>
-                          <a:rPr lang="en-US" i="1">
-                            <a:latin typeface="Cambria Math" panose="02040503050406030204" pitchFamily="18" charset="0"/>
-                          </a:rPr>
-                        </m:ctrlPr>
-                      </m:fPr>
-                      <m:num>
-                        <m:r>
-                          <a:rPr lang="en-US" i="1">
-                            <a:latin typeface="Cambria Math" panose="02040503050406030204" pitchFamily="18" charset="0"/>
-                          </a:rPr>
-                          <m:t>𝜕</m:t>
-                        </m:r>
-                        <m:r>
-                          <a:rPr lang="en-US" i="1">
-                            <a:latin typeface="Cambria Math" panose="02040503050406030204" pitchFamily="18" charset="0"/>
-                          </a:rPr>
-                          <m:t>𝑓</m:t>
-                        </m:r>
-                      </m:num>
-                      <m:den>
-                        <m:r>
-                          <a:rPr lang="en-US" i="1">
-                            <a:latin typeface="Cambria Math" panose="02040503050406030204" pitchFamily="18" charset="0"/>
-                          </a:rPr>
-                          <m:t>𝜕</m:t>
-                        </m:r>
-                        <m:sSub>
-                          <m:sSubPr>
-                            <m:ctrlPr>
-                              <a:rPr lang="en-US" i="1">
-                                <a:latin typeface="Cambria Math" panose="02040503050406030204" pitchFamily="18" charset="0"/>
-                              </a:rPr>
-                            </m:ctrlPr>
-                          </m:sSubPr>
-                          <m:e>
-                            <m:r>
-                              <a:rPr lang="en-US" i="1">
-                                <a:latin typeface="Cambria Math" panose="02040503050406030204" pitchFamily="18" charset="0"/>
-                              </a:rPr>
-                              <m:t>𝑥</m:t>
-                            </m:r>
-                          </m:e>
-                          <m:sub>
-                            <m:r>
-                              <a:rPr lang="en-US" i="1">
-                                <a:latin typeface="Cambria Math" panose="02040503050406030204" pitchFamily="18" charset="0"/>
-                              </a:rPr>
-                              <m:t>2</m:t>
-                            </m:r>
-                          </m:sub>
-                        </m:sSub>
-                      </m:den>
-                    </m:f>
-                    <m:f>
-                      <m:fPr>
-                        <m:ctrlPr>
-                          <a:rPr lang="en-US" i="1">
-                            <a:latin typeface="Cambria Math" panose="02040503050406030204" pitchFamily="18" charset="0"/>
-                          </a:rPr>
-                        </m:ctrlPr>
-                      </m:fPr>
-                      <m:num>
-                        <m:r>
-                          <a:rPr lang="en-US" i="1">
-                            <a:latin typeface="Cambria Math" panose="02040503050406030204" pitchFamily="18" charset="0"/>
-                          </a:rPr>
-                          <m:t>𝜕</m:t>
-                        </m:r>
-                        <m:sSub>
-                          <m:sSubPr>
-                            <m:ctrlPr>
-                              <a:rPr lang="en-US" i="1">
-                                <a:latin typeface="Cambria Math" panose="02040503050406030204" pitchFamily="18" charset="0"/>
-                              </a:rPr>
-                            </m:ctrlPr>
-                          </m:sSubPr>
-                          <m:e>
-                            <m:r>
-                              <a:rPr lang="en-US" i="1">
-                                <a:latin typeface="Cambria Math" panose="02040503050406030204" pitchFamily="18" charset="0"/>
-                              </a:rPr>
-                              <m:t>𝑥</m:t>
-                            </m:r>
-                          </m:e>
-                          <m:sub>
-                            <m:r>
-                              <a:rPr lang="en-US" i="1">
-                                <a:latin typeface="Cambria Math" panose="02040503050406030204" pitchFamily="18" charset="0"/>
-                              </a:rPr>
-                              <m:t>2</m:t>
-                            </m:r>
-                          </m:sub>
-                        </m:sSub>
-                      </m:num>
-                      <m:den>
-                        <m:r>
-                          <a:rPr lang="en-US" i="1">
-                            <a:latin typeface="Cambria Math" panose="02040503050406030204" pitchFamily="18" charset="0"/>
-                          </a:rPr>
-                          <m:t>𝜕</m:t>
-                        </m:r>
-                        <m:r>
-                          <a:rPr lang="en-US" i="1">
-                            <a:latin typeface="Cambria Math" panose="02040503050406030204" pitchFamily="18" charset="0"/>
-                          </a:rPr>
-                          <m:t>𝑡</m:t>
-                        </m:r>
-                      </m:den>
-                    </m:f>
-                    <m:r>
-                      <a:rPr lang="en-US" i="1">
-                        <a:latin typeface="Cambria Math" panose="02040503050406030204" pitchFamily="18" charset="0"/>
-                      </a:rPr>
-                      <m:t>+…+ </m:t>
-                    </m:r>
-                    <m:f>
-                      <m:fPr>
-                        <m:ctrlPr>
-                          <a:rPr lang="en-US" i="1">
-                            <a:latin typeface="Cambria Math" panose="02040503050406030204" pitchFamily="18" charset="0"/>
-                          </a:rPr>
-                        </m:ctrlPr>
-                      </m:fPr>
-                      <m:num>
-                        <m:r>
-                          <a:rPr lang="en-US" i="1">
-                            <a:latin typeface="Cambria Math" panose="02040503050406030204" pitchFamily="18" charset="0"/>
-                          </a:rPr>
-                          <m:t>𝜕</m:t>
-                        </m:r>
-                        <m:r>
-                          <a:rPr lang="en-US" i="1">
-                            <a:latin typeface="Cambria Math" panose="02040503050406030204" pitchFamily="18" charset="0"/>
-                          </a:rPr>
-                          <m:t>𝑓</m:t>
-                        </m:r>
-                      </m:num>
-                      <m:den>
-                        <m:r>
-                          <a:rPr lang="en-US" i="1">
-                            <a:latin typeface="Cambria Math" panose="02040503050406030204" pitchFamily="18" charset="0"/>
-                          </a:rPr>
-                          <m:t>𝜕</m:t>
-                        </m:r>
-                        <m:sSub>
-                          <m:sSubPr>
-                            <m:ctrlPr>
-                              <a:rPr lang="en-US" i="1">
-                                <a:latin typeface="Cambria Math" panose="02040503050406030204" pitchFamily="18" charset="0"/>
-                              </a:rPr>
-                            </m:ctrlPr>
-                          </m:sSubPr>
-                          <m:e>
-                            <m:r>
-                              <a:rPr lang="en-US" i="1">
-                                <a:latin typeface="Cambria Math" panose="02040503050406030204" pitchFamily="18" charset="0"/>
-                              </a:rPr>
-                              <m:t>𝑥</m:t>
-                            </m:r>
-                          </m:e>
-                          <m:sub>
-                            <m:r>
-                              <a:rPr lang="en-US" i="1">
-                                <a:latin typeface="Cambria Math" panose="02040503050406030204" pitchFamily="18" charset="0"/>
-                              </a:rPr>
-                              <m:t>𝑛</m:t>
-                            </m:r>
-                          </m:sub>
-                        </m:sSub>
-                      </m:den>
-                    </m:f>
-                    <m:f>
-                      <m:fPr>
-                        <m:ctrlPr>
-                          <a:rPr lang="en-US" i="1">
-                            <a:latin typeface="Cambria Math" panose="02040503050406030204" pitchFamily="18" charset="0"/>
-                          </a:rPr>
-                        </m:ctrlPr>
-                      </m:fPr>
-                      <m:num>
-                        <m:r>
-                          <a:rPr lang="en-US" i="1">
-                            <a:latin typeface="Cambria Math" panose="02040503050406030204" pitchFamily="18" charset="0"/>
-                          </a:rPr>
-                          <m:t>𝜕</m:t>
-                        </m:r>
-                        <m:sSub>
-                          <m:sSubPr>
-                            <m:ctrlPr>
-                              <a:rPr lang="en-US" i="1">
-                                <a:latin typeface="Cambria Math" panose="02040503050406030204" pitchFamily="18" charset="0"/>
-                              </a:rPr>
-                            </m:ctrlPr>
-                          </m:sSubPr>
-                          <m:e>
-                            <m:r>
-                              <a:rPr lang="en-US" i="1">
-                                <a:latin typeface="Cambria Math" panose="02040503050406030204" pitchFamily="18" charset="0"/>
-                              </a:rPr>
-                              <m:t>𝑥</m:t>
-                            </m:r>
-                          </m:e>
-                          <m:sub>
-                            <m:r>
-                              <a:rPr lang="en-US" i="1">
-                                <a:latin typeface="Cambria Math" panose="02040503050406030204" pitchFamily="18" charset="0"/>
-                              </a:rPr>
-                              <m:t>𝑛</m:t>
-                            </m:r>
-                          </m:sub>
-                        </m:sSub>
-                      </m:num>
-                      <m:den>
-                        <m:r>
-                          <a:rPr lang="en-US" i="1">
-                            <a:latin typeface="Cambria Math" panose="02040503050406030204" pitchFamily="18" charset="0"/>
-                          </a:rPr>
-                          <m:t>𝜕</m:t>
-                        </m:r>
-                        <m:r>
-                          <a:rPr lang="en-US" i="1">
-                            <a:latin typeface="Cambria Math" panose="02040503050406030204" pitchFamily="18" charset="0"/>
-                          </a:rPr>
-                          <m:t>𝑡</m:t>
-                        </m:r>
-                      </m:den>
-                    </m:f>
-                  </m:oMath>
-                </a14:m>
-                <a:endParaRPr lang="en-US" dirty="0" smtClean="0"/>
-              </a:p>
-              <a:p>
-                <a:endParaRPr lang="en-US" dirty="0"/>
-              </a:p>
-              <a:p>
-                <a:pPr/>
-                <a14:m>
-                  <m:oMathPara xmlns:m="http://schemas.openxmlformats.org/officeDocument/2006/math">
-                    <m:oMathParaPr>
-                      <m:jc m:val="centerGroup"/>
-                    </m:oMathParaPr>
-                    <m:oMath xmlns:m="http://schemas.openxmlformats.org/officeDocument/2006/math">
-                      <m:r>
-                        <a:rPr lang="en-US" b="0" i="1" smtClean="0">
-                          <a:latin typeface="Cambria Math" panose="02040503050406030204" pitchFamily="18" charset="0"/>
-                        </a:rPr>
-                        <m:t>=</m:t>
-                      </m:r>
-                      <m:d>
-                        <m:dPr>
-                          <m:ctrlPr>
-                            <a:rPr lang="en-US" i="1">
-                              <a:latin typeface="Cambria Math" panose="02040503050406030204" pitchFamily="18" charset="0"/>
-                            </a:rPr>
-                          </m:ctrlPr>
-                        </m:dPr>
-                        <m:e>
-                          <m:d>
-                            <m:dPr>
-                              <m:begChr m:val="["/>
-                              <m:endChr m:val="]"/>
-                              <m:ctrlPr>
-                                <a:rPr lang="en-US" i="1">
-                                  <a:latin typeface="Cambria Math" panose="02040503050406030204" pitchFamily="18" charset="0"/>
-                                </a:rPr>
-                              </m:ctrlPr>
-                            </m:dPr>
-                            <m:e>
-                              <m:f>
-                                <m:fPr>
-                                  <m:ctrlPr>
-                                    <a:rPr lang="en-US" i="1">
-                                      <a:latin typeface="Cambria Math" panose="02040503050406030204" pitchFamily="18" charset="0"/>
-                                    </a:rPr>
-                                  </m:ctrlPr>
-                                </m:fPr>
-                                <m:num>
-                                  <m:r>
-                                    <a:rPr lang="en-US" i="1">
-                                      <a:latin typeface="Cambria Math" panose="02040503050406030204" pitchFamily="18" charset="0"/>
-                                    </a:rPr>
-                                    <m:t>𝜕</m:t>
-                                  </m:r>
-                                  <m:r>
-                                    <a:rPr lang="en-US" i="1">
-                                      <a:latin typeface="Cambria Math" panose="02040503050406030204" pitchFamily="18" charset="0"/>
-                                    </a:rPr>
-                                    <m:t>𝑓</m:t>
-                                  </m:r>
-                                </m:num>
-                                <m:den>
-                                  <m:r>
-                                    <a:rPr lang="en-US" i="1">
-                                      <a:latin typeface="Cambria Math" panose="02040503050406030204" pitchFamily="18" charset="0"/>
-                                    </a:rPr>
-                                    <m:t>𝜕</m:t>
-                                  </m:r>
-                                  <m:sSub>
-                                    <m:sSubPr>
-                                      <m:ctrlPr>
-                                        <a:rPr lang="en-US" i="1">
-                                          <a:latin typeface="Cambria Math" panose="02040503050406030204" pitchFamily="18" charset="0"/>
-                                        </a:rPr>
-                                      </m:ctrlPr>
-                                    </m:sSubPr>
-                                    <m:e>
-                                      <m:r>
-                                        <a:rPr lang="en-US" i="1">
-                                          <a:latin typeface="Cambria Math" panose="02040503050406030204" pitchFamily="18" charset="0"/>
-                                        </a:rPr>
-                                        <m:t>𝑥</m:t>
-                                      </m:r>
-                                    </m:e>
-                                    <m:sub>
-                                      <m:r>
-                                        <a:rPr lang="en-US" i="1">
-                                          <a:latin typeface="Cambria Math" panose="02040503050406030204" pitchFamily="18" charset="0"/>
-                                        </a:rPr>
-                                        <m:t>1</m:t>
-                                      </m:r>
-                                    </m:sub>
-                                  </m:sSub>
-                                </m:den>
-                              </m:f>
-                            </m:e>
-                          </m:d>
-                          <m:d>
-                            <m:dPr>
-                              <m:begChr m:val="["/>
-                              <m:endChr m:val="]"/>
-                              <m:ctrlPr>
-                                <a:rPr lang="en-US" i="1">
-                                  <a:latin typeface="Cambria Math" panose="02040503050406030204" pitchFamily="18" charset="0"/>
-                                </a:rPr>
-                              </m:ctrlPr>
-                            </m:dPr>
-                            <m:e>
-                              <m:f>
-                                <m:fPr>
-                                  <m:ctrlPr>
-                                    <a:rPr lang="en-US" i="1">
-                                      <a:latin typeface="Cambria Math" panose="02040503050406030204" pitchFamily="18" charset="0"/>
-                                    </a:rPr>
-                                  </m:ctrlPr>
-                                </m:fPr>
-                                <m:num>
-                                  <m:r>
-                                    <a:rPr lang="en-US" i="1">
-                                      <a:latin typeface="Cambria Math" panose="02040503050406030204" pitchFamily="18" charset="0"/>
-                                    </a:rPr>
-                                    <m:t>𝜕</m:t>
-                                  </m:r>
-                                  <m:r>
-                                    <a:rPr lang="en-US" i="1">
-                                      <a:latin typeface="Cambria Math" panose="02040503050406030204" pitchFamily="18" charset="0"/>
-                                    </a:rPr>
-                                    <m:t>𝑓</m:t>
-                                  </m:r>
-                                </m:num>
-                                <m:den>
-                                  <m:r>
-                                    <a:rPr lang="en-US" i="1">
-                                      <a:latin typeface="Cambria Math" panose="02040503050406030204" pitchFamily="18" charset="0"/>
-                                    </a:rPr>
-                                    <m:t>𝜕</m:t>
-                                  </m:r>
-                                  <m:sSub>
-                                    <m:sSubPr>
-                                      <m:ctrlPr>
-                                        <a:rPr lang="en-US" i="1">
-                                          <a:latin typeface="Cambria Math" panose="02040503050406030204" pitchFamily="18" charset="0"/>
-                                        </a:rPr>
-                                      </m:ctrlPr>
-                                    </m:sSubPr>
-                                    <m:e>
-                                      <m:r>
-                                        <a:rPr lang="en-US" i="1">
-                                          <a:latin typeface="Cambria Math" panose="02040503050406030204" pitchFamily="18" charset="0"/>
-                                        </a:rPr>
-                                        <m:t>𝑥</m:t>
-                                      </m:r>
-                                    </m:e>
-                                    <m:sub>
-                                      <m:r>
-                                        <a:rPr lang="en-US" i="1">
-                                          <a:latin typeface="Cambria Math" panose="02040503050406030204" pitchFamily="18" charset="0"/>
-                                        </a:rPr>
-                                        <m:t>2</m:t>
-                                      </m:r>
-                                    </m:sub>
-                                  </m:sSub>
-                                </m:den>
-                              </m:f>
-                            </m:e>
-                          </m:d>
-                          <m:d>
-                            <m:dPr>
-                              <m:begChr m:val="["/>
-                              <m:endChr m:val="]"/>
-                              <m:ctrlPr>
-                                <a:rPr lang="en-US" i="1">
-                                  <a:latin typeface="Cambria Math" panose="02040503050406030204" pitchFamily="18" charset="0"/>
-                                </a:rPr>
-                              </m:ctrlPr>
-                            </m:dPr>
-                            <m:e>
-                              <m:r>
-                                <a:rPr lang="en-US" i="1">
-                                  <a:latin typeface="Cambria Math" panose="02040503050406030204" pitchFamily="18" charset="0"/>
-                                </a:rPr>
-                                <m:t>…</m:t>
-                              </m:r>
-                            </m:e>
-                          </m:d>
-                          <m:d>
-                            <m:dPr>
-                              <m:begChr m:val="["/>
-                              <m:endChr m:val="]"/>
-                              <m:ctrlPr>
-                                <a:rPr lang="en-US" i="1">
-                                  <a:latin typeface="Cambria Math" panose="02040503050406030204" pitchFamily="18" charset="0"/>
-                                </a:rPr>
-                              </m:ctrlPr>
-                            </m:dPr>
-                            <m:e>
-                              <m:f>
-                                <m:fPr>
-                                  <m:ctrlPr>
-                                    <a:rPr lang="en-US" i="1">
-                                      <a:latin typeface="Cambria Math" panose="02040503050406030204" pitchFamily="18" charset="0"/>
-                                    </a:rPr>
-                                  </m:ctrlPr>
-                                </m:fPr>
-                                <m:num>
-                                  <m:r>
-                                    <a:rPr lang="en-US" i="1">
-                                      <a:latin typeface="Cambria Math" panose="02040503050406030204" pitchFamily="18" charset="0"/>
-                                    </a:rPr>
-                                    <m:t>𝜕</m:t>
-                                  </m:r>
-                                  <m:r>
-                                    <a:rPr lang="en-US" i="1">
-                                      <a:latin typeface="Cambria Math" panose="02040503050406030204" pitchFamily="18" charset="0"/>
-                                    </a:rPr>
-                                    <m:t>𝑓</m:t>
-                                  </m:r>
-                                </m:num>
-                                <m:den>
-                                  <m:r>
-                                    <a:rPr lang="en-US" i="1">
-                                      <a:latin typeface="Cambria Math" panose="02040503050406030204" pitchFamily="18" charset="0"/>
-                                    </a:rPr>
-                                    <m:t>𝜕</m:t>
-                                  </m:r>
-                                  <m:sSub>
-                                    <m:sSubPr>
-                                      <m:ctrlPr>
-                                        <a:rPr lang="en-US" i="1">
-                                          <a:latin typeface="Cambria Math" panose="02040503050406030204" pitchFamily="18" charset="0"/>
-                                        </a:rPr>
-                                      </m:ctrlPr>
-                                    </m:sSubPr>
-                                    <m:e>
-                                      <m:r>
-                                        <a:rPr lang="en-US" i="1">
-                                          <a:latin typeface="Cambria Math" panose="02040503050406030204" pitchFamily="18" charset="0"/>
-                                        </a:rPr>
-                                        <m:t>𝑥</m:t>
-                                      </m:r>
-                                    </m:e>
-                                    <m:sub>
-                                      <m:r>
-                                        <a:rPr lang="en-US" i="1">
-                                          <a:latin typeface="Cambria Math" panose="02040503050406030204" pitchFamily="18" charset="0"/>
-                                        </a:rPr>
-                                        <m:t>𝑛</m:t>
-                                      </m:r>
-                                    </m:sub>
-                                  </m:sSub>
-                                </m:den>
-                              </m:f>
-                            </m:e>
-                          </m:d>
-                        </m:e>
-                      </m:d>
-                      <m:d>
-                        <m:dPr>
-                          <m:ctrlPr>
-                            <a:rPr lang="en-US" i="1">
-                              <a:latin typeface="Cambria Math" panose="02040503050406030204" pitchFamily="18" charset="0"/>
-                            </a:rPr>
-                          </m:ctrlPr>
-                        </m:dPr>
-                        <m:e>
-                          <m:eqArr>
-                            <m:eqArrPr>
-                              <m:ctrlPr>
-                                <a:rPr lang="en-US" i="1">
-                                  <a:latin typeface="Cambria Math" panose="02040503050406030204" pitchFamily="18" charset="0"/>
-                                </a:rPr>
-                              </m:ctrlPr>
-                            </m:eqArrPr>
-                            <m:e>
-                              <m:f>
-                                <m:fPr>
-                                  <m:ctrlPr>
-                                    <a:rPr lang="en-US" i="1">
-                                      <a:latin typeface="Cambria Math" panose="02040503050406030204" pitchFamily="18" charset="0"/>
-                                    </a:rPr>
-                                  </m:ctrlPr>
-                                </m:fPr>
-                                <m:num>
-                                  <m:r>
-                                    <a:rPr lang="en-US" i="1">
-                                      <a:latin typeface="Cambria Math" panose="02040503050406030204" pitchFamily="18" charset="0"/>
-                                    </a:rPr>
-                                    <m:t>𝜕</m:t>
-                                  </m:r>
-                                  <m:sSub>
-                                    <m:sSubPr>
-                                      <m:ctrlPr>
-                                        <a:rPr lang="en-US" i="1">
-                                          <a:latin typeface="Cambria Math" panose="02040503050406030204" pitchFamily="18" charset="0"/>
-                                        </a:rPr>
-                                      </m:ctrlPr>
-                                    </m:sSubPr>
-                                    <m:e>
-                                      <m:r>
-                                        <a:rPr lang="en-US" i="1">
-                                          <a:latin typeface="Cambria Math" panose="02040503050406030204" pitchFamily="18" charset="0"/>
-                                        </a:rPr>
-                                        <m:t>𝑥</m:t>
-                                      </m:r>
-                                    </m:e>
-                                    <m:sub>
-                                      <m:r>
-                                        <a:rPr lang="en-US" i="1">
-                                          <a:latin typeface="Cambria Math" panose="02040503050406030204" pitchFamily="18" charset="0"/>
-                                        </a:rPr>
-                                        <m:t>1</m:t>
-                                      </m:r>
-                                    </m:sub>
-                                  </m:sSub>
-                                </m:num>
-                                <m:den>
-                                  <m:r>
-                                    <a:rPr lang="en-US" i="1">
-                                      <a:latin typeface="Cambria Math" panose="02040503050406030204" pitchFamily="18" charset="0"/>
-                                    </a:rPr>
-                                    <m:t>𝜕</m:t>
-                                  </m:r>
-                                  <m:r>
-                                    <a:rPr lang="en-US" i="1">
-                                      <a:latin typeface="Cambria Math" panose="02040503050406030204" pitchFamily="18" charset="0"/>
-                                    </a:rPr>
-                                    <m:t>𝑡</m:t>
-                                  </m:r>
-                                </m:den>
-                              </m:f>
-                            </m:e>
-                            <m:e>
-                              <m:f>
-                                <m:fPr>
-                                  <m:ctrlPr>
-                                    <a:rPr lang="en-US" i="1">
-                                      <a:latin typeface="Cambria Math" panose="02040503050406030204" pitchFamily="18" charset="0"/>
-                                    </a:rPr>
-                                  </m:ctrlPr>
-                                </m:fPr>
-                                <m:num>
-                                  <m:r>
-                                    <a:rPr lang="en-US" i="1">
-                                      <a:latin typeface="Cambria Math" panose="02040503050406030204" pitchFamily="18" charset="0"/>
-                                    </a:rPr>
-                                    <m:t>𝜕</m:t>
-                                  </m:r>
-                                  <m:sSub>
-                                    <m:sSubPr>
-                                      <m:ctrlPr>
-                                        <a:rPr lang="en-US" i="1">
-                                          <a:latin typeface="Cambria Math" panose="02040503050406030204" pitchFamily="18" charset="0"/>
-                                        </a:rPr>
-                                      </m:ctrlPr>
-                                    </m:sSubPr>
-                                    <m:e>
-                                      <m:r>
-                                        <a:rPr lang="en-US" i="1">
-                                          <a:latin typeface="Cambria Math" panose="02040503050406030204" pitchFamily="18" charset="0"/>
-                                        </a:rPr>
-                                        <m:t>𝑥</m:t>
-                                      </m:r>
-                                    </m:e>
-                                    <m:sub>
-                                      <m:r>
-                                        <a:rPr lang="en-US" i="1">
-                                          <a:latin typeface="Cambria Math" panose="02040503050406030204" pitchFamily="18" charset="0"/>
-                                        </a:rPr>
-                                        <m:t>2</m:t>
-                                      </m:r>
-                                    </m:sub>
-                                  </m:sSub>
-                                </m:num>
-                                <m:den>
-                                  <m:r>
-                                    <a:rPr lang="en-US" i="1">
-                                      <a:latin typeface="Cambria Math" panose="02040503050406030204" pitchFamily="18" charset="0"/>
-                                    </a:rPr>
-                                    <m:t>𝜕</m:t>
-                                  </m:r>
-                                  <m:r>
-                                    <a:rPr lang="en-US" i="1">
-                                      <a:latin typeface="Cambria Math" panose="02040503050406030204" pitchFamily="18" charset="0"/>
-                                    </a:rPr>
-                                    <m:t>𝑡</m:t>
-                                  </m:r>
-                                </m:den>
-                              </m:f>
-                            </m:e>
-                            <m:e>
-                              <m:r>
-                                <a:rPr lang="en-US" i="1">
-                                  <a:latin typeface="Cambria Math" panose="02040503050406030204" pitchFamily="18" charset="0"/>
-                                </a:rPr>
-                                <m:t>⋮</m:t>
-                              </m:r>
-                            </m:e>
-                            <m:e>
-                              <m:f>
-                                <m:fPr>
-                                  <m:ctrlPr>
-                                    <a:rPr lang="en-US" i="1">
-                                      <a:latin typeface="Cambria Math" panose="02040503050406030204" pitchFamily="18" charset="0"/>
-                                    </a:rPr>
-                                  </m:ctrlPr>
-                                </m:fPr>
-                                <m:num>
-                                  <m:r>
-                                    <a:rPr lang="en-US" i="1">
-                                      <a:latin typeface="Cambria Math" panose="02040503050406030204" pitchFamily="18" charset="0"/>
-                                    </a:rPr>
-                                    <m:t>𝜕</m:t>
-                                  </m:r>
-                                  <m:sSub>
-                                    <m:sSubPr>
-                                      <m:ctrlPr>
-                                        <a:rPr lang="en-US" i="1">
-                                          <a:latin typeface="Cambria Math" panose="02040503050406030204" pitchFamily="18" charset="0"/>
-                                        </a:rPr>
-                                      </m:ctrlPr>
-                                    </m:sSubPr>
-                                    <m:e>
-                                      <m:r>
-                                        <a:rPr lang="en-US" i="1">
-                                          <a:latin typeface="Cambria Math" panose="02040503050406030204" pitchFamily="18" charset="0"/>
-                                        </a:rPr>
-                                        <m:t>𝑥</m:t>
-                                      </m:r>
-                                    </m:e>
-                                    <m:sub>
-                                      <m:r>
-                                        <a:rPr lang="en-US" i="1">
-                                          <a:latin typeface="Cambria Math" panose="02040503050406030204" pitchFamily="18" charset="0"/>
-                                        </a:rPr>
-                                        <m:t>𝑛</m:t>
-                                      </m:r>
-                                    </m:sub>
-                                  </m:sSub>
-                                </m:num>
-                                <m:den>
-                                  <m:r>
-                                    <a:rPr lang="en-US" i="1">
-                                      <a:latin typeface="Cambria Math" panose="02040503050406030204" pitchFamily="18" charset="0"/>
-                                    </a:rPr>
-                                    <m:t>𝜕</m:t>
-                                  </m:r>
-                                  <m:r>
-                                    <a:rPr lang="en-US" i="1">
-                                      <a:latin typeface="Cambria Math" panose="02040503050406030204" pitchFamily="18" charset="0"/>
-                                    </a:rPr>
-                                    <m:t>𝑡</m:t>
-                                  </m:r>
-                                </m:den>
-                              </m:f>
-                            </m:e>
-                          </m:eqArr>
-                        </m:e>
-                      </m:d>
-                    </m:oMath>
-                  </m:oMathPara>
-                </a14:m>
-                <a:endParaRPr lang="en-US" dirty="0" smtClean="0"/>
-              </a:p>
-              <a:p>
-                <a:endParaRPr lang="en-US" dirty="0"/>
-              </a:p>
-              <a:p>
-                <a:pPr/>
-                <a14:m>
-                  <m:oMathPara xmlns:m="http://schemas.openxmlformats.org/officeDocument/2006/math">
-                    <m:oMathParaPr>
-                      <m:jc m:val="centerGroup"/>
-                    </m:oMathParaPr>
-                    <m:oMath xmlns:m="http://schemas.openxmlformats.org/officeDocument/2006/math">
-                      <m:r>
-                        <a:rPr lang="en-US" i="1">
-                          <a:latin typeface="Cambria Math" panose="02040503050406030204" pitchFamily="18" charset="0"/>
-                        </a:rPr>
-                        <m:t>=</m:t>
-                      </m:r>
-                      <m:r>
-                        <a:rPr lang="en-US" i="1">
-                          <a:latin typeface="Cambria Math" panose="02040503050406030204" pitchFamily="18" charset="0"/>
-                        </a:rPr>
-                        <m:t>𝐽</m:t>
-                      </m:r>
-                      <m:d>
-                        <m:dPr>
-                          <m:ctrlPr>
-                            <a:rPr lang="en-US" i="1">
-                              <a:latin typeface="Cambria Math" panose="02040503050406030204" pitchFamily="18" charset="0"/>
-                            </a:rPr>
-                          </m:ctrlPr>
-                        </m:dPr>
-                        <m:e>
-                          <m:r>
-                            <a:rPr lang="en-US" i="1">
-                              <a:latin typeface="Cambria Math" panose="02040503050406030204" pitchFamily="18" charset="0"/>
-                            </a:rPr>
-                            <m:t>𝑓</m:t>
-                          </m:r>
-                        </m:e>
-                      </m:d>
-                      <m:d>
-                        <m:dPr>
-                          <m:ctrlPr>
-                            <a:rPr lang="en-US" i="1">
-                              <a:latin typeface="Cambria Math" panose="02040503050406030204" pitchFamily="18" charset="0"/>
-                            </a:rPr>
-                          </m:ctrlPr>
-                        </m:dPr>
-                        <m:e>
-                          <m:eqArr>
-                            <m:eqArrPr>
-                              <m:ctrlPr>
-                                <a:rPr lang="en-US" i="1">
-                                  <a:latin typeface="Cambria Math" panose="02040503050406030204" pitchFamily="18" charset="0"/>
-                                </a:rPr>
-                              </m:ctrlPr>
-                            </m:eqArrPr>
-                            <m:e>
-                              <m:f>
-                                <m:fPr>
-                                  <m:ctrlPr>
-                                    <a:rPr lang="en-US" i="1">
-                                      <a:latin typeface="Cambria Math" panose="02040503050406030204" pitchFamily="18" charset="0"/>
-                                    </a:rPr>
-                                  </m:ctrlPr>
-                                </m:fPr>
-                                <m:num>
-                                  <m:r>
-                                    <a:rPr lang="en-US" i="1">
-                                      <a:latin typeface="Cambria Math" panose="02040503050406030204" pitchFamily="18" charset="0"/>
-                                    </a:rPr>
-                                    <m:t>𝜕</m:t>
-                                  </m:r>
-                                  <m:sSub>
-                                    <m:sSubPr>
-                                      <m:ctrlPr>
-                                        <a:rPr lang="en-US" i="1">
-                                          <a:latin typeface="Cambria Math" panose="02040503050406030204" pitchFamily="18" charset="0"/>
-                                        </a:rPr>
-                                      </m:ctrlPr>
-                                    </m:sSubPr>
-                                    <m:e>
-                                      <m:r>
-                                        <a:rPr lang="en-US" i="1">
-                                          <a:latin typeface="Cambria Math" panose="02040503050406030204" pitchFamily="18" charset="0"/>
-                                        </a:rPr>
-                                        <m:t>𝑥</m:t>
-                                      </m:r>
-                                    </m:e>
-                                    <m:sub>
-                                      <m:r>
-                                        <a:rPr lang="en-US" i="1">
-                                          <a:latin typeface="Cambria Math" panose="02040503050406030204" pitchFamily="18" charset="0"/>
-                                        </a:rPr>
-                                        <m:t>1</m:t>
-                                      </m:r>
-                                    </m:sub>
-                                  </m:sSub>
-                                </m:num>
-                                <m:den>
-                                  <m:r>
-                                    <a:rPr lang="en-US" i="1">
-                                      <a:latin typeface="Cambria Math" panose="02040503050406030204" pitchFamily="18" charset="0"/>
-                                    </a:rPr>
-                                    <m:t>𝜕</m:t>
-                                  </m:r>
-                                  <m:r>
-                                    <a:rPr lang="en-US" i="1">
-                                      <a:latin typeface="Cambria Math" panose="02040503050406030204" pitchFamily="18" charset="0"/>
-                                    </a:rPr>
-                                    <m:t>𝑡</m:t>
-                                  </m:r>
-                                </m:den>
-                              </m:f>
-                            </m:e>
-                            <m:e>
-                              <m:f>
-                                <m:fPr>
-                                  <m:ctrlPr>
-                                    <a:rPr lang="en-US" i="1">
-                                      <a:latin typeface="Cambria Math" panose="02040503050406030204" pitchFamily="18" charset="0"/>
-                                    </a:rPr>
-                                  </m:ctrlPr>
-                                </m:fPr>
-                                <m:num>
-                                  <m:r>
-                                    <a:rPr lang="en-US" i="1">
-                                      <a:latin typeface="Cambria Math" panose="02040503050406030204" pitchFamily="18" charset="0"/>
-                                    </a:rPr>
-                                    <m:t>𝜕</m:t>
-                                  </m:r>
-                                  <m:sSub>
-                                    <m:sSubPr>
-                                      <m:ctrlPr>
-                                        <a:rPr lang="en-US" i="1">
-                                          <a:latin typeface="Cambria Math" panose="02040503050406030204" pitchFamily="18" charset="0"/>
-                                        </a:rPr>
-                                      </m:ctrlPr>
-                                    </m:sSubPr>
-                                    <m:e>
-                                      <m:r>
-                                        <a:rPr lang="en-US" i="1">
-                                          <a:latin typeface="Cambria Math" panose="02040503050406030204" pitchFamily="18" charset="0"/>
-                                        </a:rPr>
-                                        <m:t>𝑥</m:t>
-                                      </m:r>
-                                    </m:e>
-                                    <m:sub>
-                                      <m:r>
-                                        <a:rPr lang="en-US" i="1">
-                                          <a:latin typeface="Cambria Math" panose="02040503050406030204" pitchFamily="18" charset="0"/>
-                                        </a:rPr>
-                                        <m:t>2</m:t>
-                                      </m:r>
-                                    </m:sub>
-                                  </m:sSub>
-                                </m:num>
-                                <m:den>
-                                  <m:r>
-                                    <a:rPr lang="en-US" i="1">
-                                      <a:latin typeface="Cambria Math" panose="02040503050406030204" pitchFamily="18" charset="0"/>
-                                    </a:rPr>
-                                    <m:t>𝜕</m:t>
-                                  </m:r>
-                                  <m:r>
-                                    <a:rPr lang="en-US" i="1">
-                                      <a:latin typeface="Cambria Math" panose="02040503050406030204" pitchFamily="18" charset="0"/>
-                                    </a:rPr>
-                                    <m:t>𝑡</m:t>
-                                  </m:r>
-                                </m:den>
-                              </m:f>
-                            </m:e>
-                            <m:e>
-                              <m:r>
-                                <a:rPr lang="en-US" i="1">
-                                  <a:latin typeface="Cambria Math" panose="02040503050406030204" pitchFamily="18" charset="0"/>
-                                </a:rPr>
-                                <m:t>⋮</m:t>
-                              </m:r>
-                            </m:e>
-                            <m:e>
-                              <m:f>
-                                <m:fPr>
-                                  <m:ctrlPr>
-                                    <a:rPr lang="en-US" i="1">
-                                      <a:latin typeface="Cambria Math" panose="02040503050406030204" pitchFamily="18" charset="0"/>
-                                    </a:rPr>
-                                  </m:ctrlPr>
-                                </m:fPr>
-                                <m:num>
-                                  <m:r>
-                                    <a:rPr lang="en-US" i="1">
-                                      <a:latin typeface="Cambria Math" panose="02040503050406030204" pitchFamily="18" charset="0"/>
-                                    </a:rPr>
-                                    <m:t>𝜕</m:t>
-                                  </m:r>
-                                  <m:sSub>
-                                    <m:sSubPr>
-                                      <m:ctrlPr>
-                                        <a:rPr lang="en-US" i="1">
-                                          <a:latin typeface="Cambria Math" panose="02040503050406030204" pitchFamily="18" charset="0"/>
-                                        </a:rPr>
-                                      </m:ctrlPr>
-                                    </m:sSubPr>
-                                    <m:e>
-                                      <m:r>
-                                        <a:rPr lang="en-US" i="1">
-                                          <a:latin typeface="Cambria Math" panose="02040503050406030204" pitchFamily="18" charset="0"/>
-                                        </a:rPr>
-                                        <m:t>𝑥</m:t>
-                                      </m:r>
-                                    </m:e>
-                                    <m:sub>
-                                      <m:r>
-                                        <a:rPr lang="en-US" i="1">
-                                          <a:latin typeface="Cambria Math" panose="02040503050406030204" pitchFamily="18" charset="0"/>
-                                        </a:rPr>
-                                        <m:t>𝑛</m:t>
-                                      </m:r>
-                                    </m:sub>
-                                  </m:sSub>
-                                </m:num>
-                                <m:den>
-                                  <m:r>
-                                    <a:rPr lang="en-US" i="1">
-                                      <a:latin typeface="Cambria Math" panose="02040503050406030204" pitchFamily="18" charset="0"/>
-                                    </a:rPr>
-                                    <m:t>𝜕</m:t>
-                                  </m:r>
-                                  <m:r>
-                                    <a:rPr lang="en-US" i="1">
-                                      <a:latin typeface="Cambria Math" panose="02040503050406030204" pitchFamily="18" charset="0"/>
-                                    </a:rPr>
-                                    <m:t>𝑡</m:t>
-                                  </m:r>
-                                </m:den>
-                              </m:f>
-                            </m:e>
-                          </m:eqArr>
-                        </m:e>
-                      </m:d>
-                    </m:oMath>
-                  </m:oMathPara>
-                </a14:m>
-                <a:endParaRPr lang="en-US" dirty="0"/>
-              </a:p>
-            </p:txBody>
-          </p:sp>
-        </mc:Choice>
-        <mc:Fallback>
-          <p:sp>
-            <p:nvSpPr>
-              <p:cNvPr id="56" name="TextBox 55"/>
-              <p:cNvSpPr txBox="1">
-                <a:spLocks noRot="1" noChangeAspect="1" noMove="1" noResize="1" noEditPoints="1" noAdjustHandles="1" noChangeArrowheads="1" noChangeShapeType="1" noTextEdit="1"/>
-              </p:cNvSpPr>
-              <p:nvPr/>
-            </p:nvSpPr>
-            <p:spPr>
-              <a:xfrm>
-                <a:off x="5615797" y="618518"/>
-                <a:ext cx="7004649" cy="5788829"/>
-              </a:xfrm>
-              <a:prstGeom prst="rect">
-                <a:avLst/>
-              </a:prstGeom>
-              <a:blipFill rotWithShape="0">
-                <a:blip r:embed="rId2"/>
-                <a:stretch>
-                  <a:fillRect/>
-                </a:stretch>
-              </a:blipFill>
-            </p:spPr>
-            <p:txBody>
-              <a:bodyPr/>
-              <a:lstStyle/>
-              <a:p>
-                <a:r>
-                  <a:rPr lang="en-US">
-                    <a:noFill/>
-                  </a:rPr>
-                  <a:t> </a:t>
-                </a:r>
-              </a:p>
-            </p:txBody>
-          </p:sp>
-        </mc:Fallback>
-      </mc:AlternateContent>
-    </p:spTree>
-    <p:extLst>
-      <p:ext uri="{BB962C8B-B14F-4D97-AF65-F5344CB8AC3E}">
-        <p14:creationId xmlns:p14="http://schemas.microsoft.com/office/powerpoint/2010/main" val="1629185053"/>
-      </p:ext>
-    </p:extLst>
-  </p:cSld>
-  <p:clrMapOvr>
-    <a:masterClrMapping/>
-  </p:clrMapOvr>
-  <p:timing>
-    <p:tnLst>
-      <p:par>
-        <p:cTn id="1" dur="indefinite" restart="never" nodeType="tmRoot"/>
-      </p:par>
-    </p:tnLst>
-  </p:timing>
-</p:sld>
-</file>
-
-<file path=ppt/slides/slide9.xml><?xml version="1.0" encoding="utf-8"?>
-<p:sld xmlns:a="http://schemas.openxmlformats.org/drawingml/2006/main" xmlns:r="http://schemas.openxmlformats.org/officeDocument/2006/relationships" xmlns:p="http://schemas.openxmlformats.org/presentationml/2006/main">
-  <p:cSld>
-    <p:spTree>
-      <p:nvGrpSpPr>
-        <p:cNvPr id="1" name=""/>
-        <p:cNvGrpSpPr/>
-        <p:nvPr/>
-      </p:nvGrpSpPr>
-      <p:grpSpPr>
-        <a:xfrm>
-          <a:off x="0" y="0"/>
-          <a:ext cx="0" cy="0"/>
-          <a:chOff x="0" y="0"/>
-          <a:chExt cx="0" cy="0"/>
-        </a:xfrm>
-      </p:grpSpPr>
-      <p:sp>
-        <p:nvSpPr>
-          <p:cNvPr id="2" name="Title 1"/>
-          <p:cNvSpPr>
-            <a:spLocks noGrp="1"/>
-          </p:cNvSpPr>
-          <p:nvPr>
-            <p:ph type="title"/>
-          </p:nvPr>
-        </p:nvSpPr>
-        <p:spPr/>
-        <p:txBody>
-          <a:bodyPr/>
-          <a:lstStyle/>
-          <a:p>
-            <a:r>
-              <a:rPr lang="en-US" dirty="0" smtClean="0"/>
-              <a:t>State Vector</a:t>
-            </a:r>
-            <a:endParaRPr lang="en-US" dirty="0"/>
-          </a:p>
-        </p:txBody>
-      </p:sp>
-      <p:sp>
-        <p:nvSpPr>
-          <p:cNvPr id="3" name="Content Placeholder 2"/>
-          <p:cNvSpPr>
-            <a:spLocks noGrp="1"/>
-          </p:cNvSpPr>
-          <p:nvPr>
-            <p:ph idx="1"/>
-          </p:nvPr>
-        </p:nvSpPr>
-        <p:spPr>
-          <a:xfrm>
-            <a:off x="1141413" y="2249487"/>
-            <a:ext cx="4966090" cy="3541714"/>
-          </a:xfrm>
-        </p:spPr>
-        <p:txBody>
-          <a:bodyPr>
-            <a:normAutofit/>
-          </a:bodyPr>
-          <a:lstStyle/>
-          <a:p>
-            <a:r>
-              <a:rPr lang="en-US" dirty="0" smtClean="0"/>
-              <a:t>Jacobian differentiation is used to calculate the velocity and acceleration of each joint</a:t>
-            </a:r>
-          </a:p>
-          <a:p>
-            <a:r>
-              <a:rPr lang="en-US" dirty="0" smtClean="0"/>
-              <a:t>Positions, velocities, and accelerations are all in terms of a state vector,</a:t>
-            </a:r>
-            <a:r>
-              <a:rPr lang="en-US" i="1" dirty="0" smtClean="0"/>
-              <a:t> q</a:t>
-            </a:r>
-          </a:p>
-          <a:p>
-            <a:r>
-              <a:rPr lang="en-US" dirty="0" smtClean="0"/>
-              <a:t>By extension, </a:t>
-            </a:r>
-            <a:r>
-              <a:rPr lang="en-US" dirty="0"/>
-              <a:t>j</a:t>
-            </a:r>
-            <a:r>
-              <a:rPr lang="en-US" dirty="0" smtClean="0"/>
-              <a:t>oint </a:t>
-            </a:r>
-            <a:r>
-              <a:rPr lang="en-US" dirty="0" smtClean="0"/>
-              <a:t>torques and forces are </a:t>
-            </a:r>
-            <a:r>
-              <a:rPr lang="en-US" dirty="0" smtClean="0"/>
-              <a:t>functions </a:t>
-            </a:r>
-            <a:r>
-              <a:rPr lang="en-US" dirty="0" smtClean="0"/>
-              <a:t>of q</a:t>
-            </a:r>
-            <a:endParaRPr lang="en-US" dirty="0"/>
-          </a:p>
-        </p:txBody>
-      </p:sp>
-      <mc:AlternateContent xmlns:mc="http://schemas.openxmlformats.org/markup-compatibility/2006" xmlns:a14="http://schemas.microsoft.com/office/drawing/2010/main">
-        <mc:Choice Requires="a14">
-          <p:sp>
-            <p:nvSpPr>
-              <p:cNvPr id="4" name="TextBox 3"/>
-              <p:cNvSpPr txBox="1"/>
-              <p:nvPr/>
-            </p:nvSpPr>
-            <p:spPr>
-              <a:xfrm>
-                <a:off x="8074325" y="2249487"/>
-                <a:ext cx="1915064" cy="3609130"/>
-              </a:xfrm>
-              <a:prstGeom prst="rect">
-                <a:avLst/>
-              </a:prstGeom>
-              <a:noFill/>
-            </p:spPr>
-            <p:txBody>
-              <a:bodyPr wrap="square" rtlCol="0">
-                <a:spAutoFit/>
-              </a:bodyPr>
-              <a:lstStyle/>
-              <a:p>
-                <a:pPr/>
-                <a14:m>
-                  <m:oMathPara xmlns:m="http://schemas.openxmlformats.org/officeDocument/2006/math">
-                    <m:oMathParaPr>
-                      <m:jc m:val="centerGroup"/>
-                    </m:oMathParaPr>
-                    <m:oMath xmlns:m="http://schemas.openxmlformats.org/officeDocument/2006/math">
-                      <m:r>
-                        <a:rPr lang="en-US" i="1">
-                          <a:latin typeface="Cambria Math" panose="02040503050406030204" pitchFamily="18" charset="0"/>
-                        </a:rPr>
-                        <m:t>𝑞</m:t>
-                      </m:r>
-                      <m:r>
-                        <a:rPr lang="en-US" i="1">
-                          <a:latin typeface="Cambria Math" panose="02040503050406030204" pitchFamily="18" charset="0"/>
-                        </a:rPr>
-                        <m:t>=</m:t>
-                      </m:r>
-                      <m:d>
-                        <m:dPr>
-                          <m:begChr m:val="["/>
-                          <m:endChr m:val="]"/>
-                          <m:ctrlPr>
-                            <a:rPr lang="en-US" i="1">
-                              <a:latin typeface="Cambria Math" panose="02040503050406030204" pitchFamily="18" charset="0"/>
-                            </a:rPr>
-                          </m:ctrlPr>
-                        </m:dPr>
-                        <m:e>
-                          <m:eqArr>
-                            <m:eqArrPr>
-                              <m:ctrlPr>
-                                <a:rPr lang="en-US" i="1">
-                                  <a:latin typeface="Cambria Math" panose="02040503050406030204" pitchFamily="18" charset="0"/>
-                                </a:rPr>
-                              </m:ctrlPr>
-                            </m:eqArrPr>
-                            <m:e>
-                              <m:eqArr>
-                                <m:eqArrPr>
-                                  <m:ctrlPr>
-                                    <a:rPr lang="en-US" i="1">
-                                      <a:latin typeface="Cambria Math" panose="02040503050406030204" pitchFamily="18" charset="0"/>
-                                    </a:rPr>
-                                  </m:ctrlPr>
-                                </m:eqArrPr>
-                                <m:e>
-                                  <m:r>
-                                    <a:rPr lang="en-US" i="1">
-                                      <a:latin typeface="Cambria Math" panose="02040503050406030204" pitchFamily="18" charset="0"/>
-                                    </a:rPr>
-                                    <m:t>𝑥</m:t>
-                                  </m:r>
-                                </m:e>
-                                <m:e>
-                                  <m:r>
-                                    <a:rPr lang="en-US" i="1">
-                                      <a:latin typeface="Cambria Math" panose="02040503050406030204" pitchFamily="18" charset="0"/>
-                                    </a:rPr>
-                                    <m:t>𝑦</m:t>
-                                  </m:r>
-                                </m:e>
-                                <m:e>
-                                  <m:sSub>
-                                    <m:sSubPr>
-                                      <m:ctrlPr>
-                                        <a:rPr lang="en-US" i="1">
-                                          <a:latin typeface="Cambria Math" panose="02040503050406030204" pitchFamily="18" charset="0"/>
-                                        </a:rPr>
-                                      </m:ctrlPr>
-                                    </m:sSubPr>
-                                    <m:e>
-                                      <m:r>
-                                        <a:rPr lang="en-US" i="1">
-                                          <a:latin typeface="Cambria Math" panose="02040503050406030204" pitchFamily="18" charset="0"/>
-                                        </a:rPr>
-                                        <m:t>𝜃</m:t>
-                                      </m:r>
-                                    </m:e>
-                                    <m:sub>
-                                      <m:r>
-                                        <a:rPr lang="en-US" i="1">
-                                          <a:latin typeface="Cambria Math" panose="02040503050406030204" pitchFamily="18" charset="0"/>
-                                        </a:rPr>
-                                        <m:t>𝑏𝑜𝑑𝑦</m:t>
-                                      </m:r>
-                                    </m:sub>
-                                  </m:sSub>
-                                </m:e>
-                                <m:e>
-                                  <m:sSub>
-                                    <m:sSubPr>
-                                      <m:ctrlPr>
-                                        <a:rPr lang="en-US" i="1">
-                                          <a:latin typeface="Cambria Math" panose="02040503050406030204" pitchFamily="18" charset="0"/>
-                                        </a:rPr>
-                                      </m:ctrlPr>
-                                    </m:sSubPr>
-                                    <m:e>
-                                      <m:r>
-                                        <a:rPr lang="en-US" i="1">
-                                          <a:latin typeface="Cambria Math" panose="02040503050406030204" pitchFamily="18" charset="0"/>
-                                        </a:rPr>
-                                        <m:t>𝜃</m:t>
-                                      </m:r>
-                                    </m:e>
-                                    <m:sub>
-                                      <m:r>
-                                        <a:rPr lang="en-US" i="1">
-                                          <a:latin typeface="Cambria Math" panose="02040503050406030204" pitchFamily="18" charset="0"/>
-                                        </a:rPr>
-                                        <m:t>h𝑖𝑝</m:t>
-                                      </m:r>
-                                      <m:r>
-                                        <a:rPr lang="en-US" i="1">
-                                          <a:latin typeface="Cambria Math" panose="02040503050406030204" pitchFamily="18" charset="0"/>
-                                        </a:rPr>
-                                        <m:t>, 1</m:t>
-                                      </m:r>
-                                    </m:sub>
-                                  </m:sSub>
-                                </m:e>
-                                <m:e>
-                                  <m:sSub>
-                                    <m:sSubPr>
-                                      <m:ctrlPr>
-                                        <a:rPr lang="en-US" i="1">
-                                          <a:latin typeface="Cambria Math" panose="02040503050406030204" pitchFamily="18" charset="0"/>
-                                        </a:rPr>
-                                      </m:ctrlPr>
-                                    </m:sSubPr>
-                                    <m:e>
-                                      <m:r>
-                                        <a:rPr lang="en-US" i="1">
-                                          <a:latin typeface="Cambria Math" panose="02040503050406030204" pitchFamily="18" charset="0"/>
-                                        </a:rPr>
-                                        <m:t>𝜃</m:t>
-                                      </m:r>
-                                    </m:e>
-                                    <m:sub>
-                                      <m:r>
-                                        <a:rPr lang="en-US" i="1">
-                                          <a:latin typeface="Cambria Math" panose="02040503050406030204" pitchFamily="18" charset="0"/>
-                                        </a:rPr>
-                                        <m:t>h𝑖𝑝</m:t>
-                                      </m:r>
-                                      <m:r>
-                                        <a:rPr lang="en-US" i="1">
-                                          <a:latin typeface="Cambria Math" panose="02040503050406030204" pitchFamily="18" charset="0"/>
-                                        </a:rPr>
-                                        <m:t>, 2</m:t>
-                                      </m:r>
-                                    </m:sub>
-                                  </m:sSub>
-                                </m:e>
-                                <m:e>
-                                  <m:sSub>
-                                    <m:sSubPr>
-                                      <m:ctrlPr>
-                                        <a:rPr lang="en-US" i="1">
-                                          <a:latin typeface="Cambria Math" panose="02040503050406030204" pitchFamily="18" charset="0"/>
-                                        </a:rPr>
-                                      </m:ctrlPr>
-                                    </m:sSubPr>
-                                    <m:e>
-                                      <m:r>
-                                        <a:rPr lang="en-US" i="1">
-                                          <a:latin typeface="Cambria Math" panose="02040503050406030204" pitchFamily="18" charset="0"/>
-                                        </a:rPr>
-                                        <m:t>𝜃</m:t>
-                                      </m:r>
-                                    </m:e>
-                                    <m:sub>
-                                      <m:r>
-                                        <a:rPr lang="en-US" i="1">
-                                          <a:latin typeface="Cambria Math" panose="02040503050406030204" pitchFamily="18" charset="0"/>
-                                        </a:rPr>
-                                        <m:t>h𝑖𝑝</m:t>
-                                      </m:r>
-                                      <m:r>
-                                        <a:rPr lang="en-US" i="1">
-                                          <a:latin typeface="Cambria Math" panose="02040503050406030204" pitchFamily="18" charset="0"/>
-                                        </a:rPr>
-                                        <m:t>, 3</m:t>
-                                      </m:r>
-                                    </m:sub>
-                                  </m:sSub>
-                                </m:e>
-                                <m:e>
-                                  <m:sSub>
-                                    <m:sSubPr>
-                                      <m:ctrlPr>
-                                        <a:rPr lang="en-US" i="1">
-                                          <a:latin typeface="Cambria Math" panose="02040503050406030204" pitchFamily="18" charset="0"/>
-                                        </a:rPr>
-                                      </m:ctrlPr>
-                                    </m:sSubPr>
-                                    <m:e>
-                                      <m:r>
-                                        <a:rPr lang="en-US" i="1">
-                                          <a:latin typeface="Cambria Math" panose="02040503050406030204" pitchFamily="18" charset="0"/>
-                                        </a:rPr>
-                                        <m:t>𝜃</m:t>
-                                      </m:r>
-                                    </m:e>
-                                    <m:sub>
-                                      <m:r>
-                                        <a:rPr lang="en-US" i="1">
-                                          <a:latin typeface="Cambria Math" panose="02040503050406030204" pitchFamily="18" charset="0"/>
-                                        </a:rPr>
-                                        <m:t>h𝑖𝑝</m:t>
-                                      </m:r>
-                                      <m:r>
-                                        <a:rPr lang="en-US" i="1">
-                                          <a:latin typeface="Cambria Math" panose="02040503050406030204" pitchFamily="18" charset="0"/>
-                                        </a:rPr>
-                                        <m:t>, 4</m:t>
-                                      </m:r>
-                                    </m:sub>
-                                  </m:sSub>
-                                </m:e>
-                              </m:eqArr>
-                            </m:e>
-                            <m:e>
-                              <m:sSub>
-                                <m:sSubPr>
-                                  <m:ctrlPr>
-                                    <a:rPr lang="en-US" i="1">
-                                      <a:latin typeface="Cambria Math" panose="02040503050406030204" pitchFamily="18" charset="0"/>
-                                    </a:rPr>
-                                  </m:ctrlPr>
-                                </m:sSubPr>
-                                <m:e>
-                                  <m:r>
-                                    <a:rPr lang="en-US" i="1">
-                                      <a:latin typeface="Cambria Math" panose="02040503050406030204" pitchFamily="18" charset="0"/>
-                                    </a:rPr>
-                                    <m:t>𝜃</m:t>
-                                  </m:r>
-                                </m:e>
-                                <m:sub>
-                                  <m:r>
-                                    <a:rPr lang="en-US" i="1">
-                                      <a:latin typeface="Cambria Math" panose="02040503050406030204" pitchFamily="18" charset="0"/>
-                                    </a:rPr>
-                                    <m:t>𝑘𝑛𝑒𝑒</m:t>
-                                  </m:r>
-                                  <m:r>
-                                    <a:rPr lang="en-US" i="1">
-                                      <a:latin typeface="Cambria Math" panose="02040503050406030204" pitchFamily="18" charset="0"/>
-                                    </a:rPr>
-                                    <m:t>, 1</m:t>
-                                  </m:r>
-                                </m:sub>
-                              </m:sSub>
-                            </m:e>
-                            <m:e>
-                              <m:sSub>
-                                <m:sSubPr>
-                                  <m:ctrlPr>
-                                    <a:rPr lang="en-US" i="1">
-                                      <a:latin typeface="Cambria Math" panose="02040503050406030204" pitchFamily="18" charset="0"/>
-                                    </a:rPr>
-                                  </m:ctrlPr>
-                                </m:sSubPr>
-                                <m:e>
-                                  <m:r>
-                                    <a:rPr lang="en-US" i="1">
-                                      <a:latin typeface="Cambria Math" panose="02040503050406030204" pitchFamily="18" charset="0"/>
-                                    </a:rPr>
-                                    <m:t>𝜃</m:t>
-                                  </m:r>
-                                </m:e>
-                                <m:sub>
-                                  <m:r>
-                                    <a:rPr lang="en-US" i="1">
-                                      <a:latin typeface="Cambria Math" panose="02040503050406030204" pitchFamily="18" charset="0"/>
-                                    </a:rPr>
-                                    <m:t>𝑘𝑛𝑒𝑒</m:t>
-                                  </m:r>
-                                  <m:r>
-                                    <a:rPr lang="en-US" i="1">
-                                      <a:latin typeface="Cambria Math" panose="02040503050406030204" pitchFamily="18" charset="0"/>
-                                    </a:rPr>
-                                    <m:t>, 2</m:t>
-                                  </m:r>
-                                </m:sub>
-                              </m:sSub>
-                            </m:e>
-                            <m:e>
-                              <m:sSub>
-                                <m:sSubPr>
-                                  <m:ctrlPr>
-                                    <a:rPr lang="en-US" i="1">
-                                      <a:latin typeface="Cambria Math" panose="02040503050406030204" pitchFamily="18" charset="0"/>
-                                    </a:rPr>
-                                  </m:ctrlPr>
-                                </m:sSubPr>
-                                <m:e>
-                                  <m:r>
-                                    <a:rPr lang="en-US" i="1">
-                                      <a:latin typeface="Cambria Math" panose="02040503050406030204" pitchFamily="18" charset="0"/>
-                                    </a:rPr>
-                                    <m:t>𝜃</m:t>
-                                  </m:r>
-                                </m:e>
-                                <m:sub>
-                                  <m:r>
-                                    <a:rPr lang="en-US" i="1">
-                                      <a:latin typeface="Cambria Math" panose="02040503050406030204" pitchFamily="18" charset="0"/>
-                                    </a:rPr>
-                                    <m:t>𝑘𝑛𝑒𝑒</m:t>
-                                  </m:r>
-                                  <m:r>
-                                    <a:rPr lang="en-US" i="1">
-                                      <a:latin typeface="Cambria Math" panose="02040503050406030204" pitchFamily="18" charset="0"/>
-                                    </a:rPr>
-                                    <m:t>, 3</m:t>
-                                  </m:r>
-                                </m:sub>
-                              </m:sSub>
-                            </m:e>
-                            <m:e>
-                              <m:sSub>
-                                <m:sSubPr>
-                                  <m:ctrlPr>
-                                    <a:rPr lang="en-US" i="1">
-                                      <a:latin typeface="Cambria Math" panose="02040503050406030204" pitchFamily="18" charset="0"/>
-                                    </a:rPr>
-                                  </m:ctrlPr>
-                                </m:sSubPr>
-                                <m:e>
-                                  <m:r>
-                                    <a:rPr lang="en-US" i="1">
-                                      <a:latin typeface="Cambria Math" panose="02040503050406030204" pitchFamily="18" charset="0"/>
-                                    </a:rPr>
-                                    <m:t>𝜃</m:t>
-                                  </m:r>
-                                </m:e>
-                                <m:sub>
-                                  <m:r>
-                                    <a:rPr lang="en-US" i="1">
-                                      <a:latin typeface="Cambria Math" panose="02040503050406030204" pitchFamily="18" charset="0"/>
-                                    </a:rPr>
-                                    <m:t>𝑘𝑛𝑒𝑒</m:t>
-                                  </m:r>
-                                  <m:r>
-                                    <a:rPr lang="en-US" i="1">
-                                      <a:latin typeface="Cambria Math" panose="02040503050406030204" pitchFamily="18" charset="0"/>
-                                    </a:rPr>
-                                    <m:t>, 4</m:t>
-                                  </m:r>
-                                </m:sub>
-                              </m:sSub>
-                            </m:e>
-                          </m:eqArr>
-                        </m:e>
-                      </m:d>
-                    </m:oMath>
-                  </m:oMathPara>
-                </a14:m>
-                <a:endParaRPr lang="en-US" dirty="0"/>
-              </a:p>
-              <a:p>
-                <a:endParaRPr lang="en-US" dirty="0"/>
-              </a:p>
-            </p:txBody>
-          </p:sp>
-        </mc:Choice>
-        <mc:Fallback xmlns="">
-          <p:sp>
-            <p:nvSpPr>
-              <p:cNvPr id="4" name="TextBox 3"/>
-              <p:cNvSpPr txBox="1">
-                <a:spLocks noRot="1" noChangeAspect="1" noMove="1" noResize="1" noEditPoints="1" noAdjustHandles="1" noChangeArrowheads="1" noChangeShapeType="1" noTextEdit="1"/>
-              </p:cNvSpPr>
-              <p:nvPr/>
-            </p:nvSpPr>
-            <p:spPr>
-              <a:xfrm>
-                <a:off x="8074325" y="2249487"/>
-                <a:ext cx="1915064" cy="3609130"/>
-              </a:xfrm>
-              <a:prstGeom prst="rect">
-                <a:avLst/>
-              </a:prstGeom>
-              <a:blipFill rotWithShape="0">
-                <a:blip r:embed="rId2"/>
-                <a:stretch>
-                  <a:fillRect/>
-                </a:stretch>
-              </a:blipFill>
-            </p:spPr>
-            <p:txBody>
-              <a:bodyPr/>
-              <a:lstStyle/>
-              <a:p>
-                <a:r>
-                  <a:rPr lang="en-US">
-                    <a:noFill/>
-                  </a:rPr>
-                  <a:t> </a:t>
-                </a:r>
-              </a:p>
-            </p:txBody>
-          </p:sp>
-        </mc:Fallback>
-      </mc:AlternateContent>
-    </p:spTree>
-    <p:extLst>
-      <p:ext uri="{BB962C8B-B14F-4D97-AF65-F5344CB8AC3E}">
-        <p14:creationId xmlns:p14="http://schemas.microsoft.com/office/powerpoint/2010/main" val="3463496399"/>
       </p:ext>
     </p:extLst>
   </p:cSld>

--- a/Documentation/Presentation/Design Presentation/Design Presentation.pptx
+++ b/Documentation/Presentation/Design Presentation/Design Presentation.pptx
@@ -205,7 +205,7 @@
           <a:noFill/>
           <a:extLst>
             <a:ext uri="{909E8E84-426E-40dd-AFC4-6F175D3DCCD1}">
-              <a14:hiddenFill xmlns="" xmlns:a14="http://schemas.microsoft.com/office/drawing/2010/main">
+              <a14:hiddenFill xmlns:a14="http://schemas.microsoft.com/office/drawing/2010/main" xmlns="">
                 <a:solidFill>
                   <a:srgbClr val="FFFFFF"/>
                 </a:solidFill>
@@ -264,7 +264,7 @@
             </a:ln>
             <a:extLst>
               <a:ext uri="{91240B29-F687-4f45-9708-019B960494DF}">
-                <a14:hiddenLine xmlns="" xmlns:a14="http://schemas.microsoft.com/office/drawing/2010/main" w="9525">
+                <a14:hiddenLine xmlns:a14="http://schemas.microsoft.com/office/drawing/2010/main" xmlns="" w="9525">
                   <a:solidFill>
                     <a:srgbClr val="000000"/>
                   </a:solidFill>
@@ -354,7 +354,7 @@
             </a:ln>
             <a:extLst>
               <a:ext uri="{91240B29-F687-4f45-9708-019B960494DF}">
-                <a14:hiddenLine xmlns="" xmlns:a14="http://schemas.microsoft.com/office/drawing/2010/main" w="9525">
+                <a14:hiddenLine xmlns:a14="http://schemas.microsoft.com/office/drawing/2010/main" xmlns="" w="9525">
                   <a:solidFill>
                     <a:srgbClr val="000000"/>
                   </a:solidFill>
@@ -444,7 +444,7 @@
             </a:ln>
             <a:extLst>
               <a:ext uri="{91240B29-F687-4f45-9708-019B960494DF}">
-                <a14:hiddenLine xmlns="" xmlns:a14="http://schemas.microsoft.com/office/drawing/2010/main" w="9525">
+                <a14:hiddenLine xmlns:a14="http://schemas.microsoft.com/office/drawing/2010/main" xmlns="" w="9525">
                   <a:solidFill>
                     <a:srgbClr val="000000"/>
                   </a:solidFill>
@@ -478,7 +478,7 @@
             </a:ln>
             <a:extLst>
               <a:ext uri="{91240B29-F687-4f45-9708-019B960494DF}">
-                <a14:hiddenLine xmlns="" xmlns:a14="http://schemas.microsoft.com/office/drawing/2010/main" w="9525">
+                <a14:hiddenLine xmlns:a14="http://schemas.microsoft.com/office/drawing/2010/main" xmlns="" w="9525">
                   <a:solidFill>
                     <a:srgbClr val="000000"/>
                   </a:solidFill>
@@ -568,7 +568,7 @@
             </a:ln>
             <a:extLst>
               <a:ext uri="{91240B29-F687-4f45-9708-019B960494DF}">
-                <a14:hiddenLine xmlns="" xmlns:a14="http://schemas.microsoft.com/office/drawing/2010/main" w="9525">
+                <a14:hiddenLine xmlns:a14="http://schemas.microsoft.com/office/drawing/2010/main" xmlns="" w="9525">
                   <a:solidFill>
                     <a:srgbClr val="000000"/>
                   </a:solidFill>
@@ -630,7 +630,7 @@
             </a:ln>
             <a:extLst>
               <a:ext uri="{91240B29-F687-4f45-9708-019B960494DF}">
-                <a14:hiddenLine xmlns="" xmlns:a14="http://schemas.microsoft.com/office/drawing/2010/main" w="9525">
+                <a14:hiddenLine xmlns:a14="http://schemas.microsoft.com/office/drawing/2010/main" xmlns="" w="9525">
                   <a:solidFill>
                     <a:srgbClr val="000000"/>
                   </a:solidFill>
@@ -692,7 +692,7 @@
             </a:ln>
             <a:extLst>
               <a:ext uri="{91240B29-F687-4f45-9708-019B960494DF}">
-                <a14:hiddenLine xmlns="" xmlns:a14="http://schemas.microsoft.com/office/drawing/2010/main" w="9525">
+                <a14:hiddenLine xmlns:a14="http://schemas.microsoft.com/office/drawing/2010/main" xmlns="" w="9525">
                   <a:solidFill>
                     <a:srgbClr val="000000"/>
                   </a:solidFill>
@@ -782,7 +782,7 @@
             </a:ln>
             <a:extLst>
               <a:ext uri="{91240B29-F687-4f45-9708-019B960494DF}">
-                <a14:hiddenLine xmlns="" xmlns:a14="http://schemas.microsoft.com/office/drawing/2010/main" w="9525">
+                <a14:hiddenLine xmlns:a14="http://schemas.microsoft.com/office/drawing/2010/main" xmlns="" w="9525">
                   <a:solidFill>
                     <a:srgbClr val="000000"/>
                   </a:solidFill>
@@ -844,7 +844,7 @@
             </a:ln>
             <a:extLst>
               <a:ext uri="{91240B29-F687-4f45-9708-019B960494DF}">
-                <a14:hiddenLine xmlns="" xmlns:a14="http://schemas.microsoft.com/office/drawing/2010/main" w="9525">
+                <a14:hiddenLine xmlns:a14="http://schemas.microsoft.com/office/drawing/2010/main" xmlns="" w="9525">
                   <a:solidFill>
                     <a:srgbClr val="000000"/>
                   </a:solidFill>
@@ -906,7 +906,7 @@
             </a:ln>
             <a:extLst>
               <a:ext uri="{91240B29-F687-4f45-9708-019B960494DF}">
-                <a14:hiddenLine xmlns="" xmlns:a14="http://schemas.microsoft.com/office/drawing/2010/main" w="9525">
+                <a14:hiddenLine xmlns:a14="http://schemas.microsoft.com/office/drawing/2010/main" xmlns="" w="9525">
                   <a:solidFill>
                     <a:srgbClr val="000000"/>
                   </a:solidFill>
@@ -996,7 +996,7 @@
             </a:ln>
             <a:extLst>
               <a:ext uri="{91240B29-F687-4f45-9708-019B960494DF}">
-                <a14:hiddenLine xmlns="" xmlns:a14="http://schemas.microsoft.com/office/drawing/2010/main" w="9525">
+                <a14:hiddenLine xmlns:a14="http://schemas.microsoft.com/office/drawing/2010/main" xmlns="" w="9525">
                   <a:solidFill>
                     <a:srgbClr val="000000"/>
                   </a:solidFill>
@@ -1086,7 +1086,7 @@
             </a:ln>
             <a:extLst>
               <a:ext uri="{91240B29-F687-4f45-9708-019B960494DF}">
-                <a14:hiddenLine xmlns="" xmlns:a14="http://schemas.microsoft.com/office/drawing/2010/main" w="9525">
+                <a14:hiddenLine xmlns:a14="http://schemas.microsoft.com/office/drawing/2010/main" xmlns="" w="9525">
                   <a:solidFill>
                     <a:srgbClr val="000000"/>
                   </a:solidFill>
@@ -1148,7 +1148,7 @@
             </a:ln>
             <a:extLst>
               <a:ext uri="{91240B29-F687-4f45-9708-019B960494DF}">
-                <a14:hiddenLine xmlns="" xmlns:a14="http://schemas.microsoft.com/office/drawing/2010/main" w="9525">
+                <a14:hiddenLine xmlns:a14="http://schemas.microsoft.com/office/drawing/2010/main" xmlns="" w="9525">
                   <a:solidFill>
                     <a:srgbClr val="000000"/>
                   </a:solidFill>
@@ -1258,7 +1258,7 @@
             </a:ln>
             <a:extLst>
               <a:ext uri="{91240B29-F687-4f45-9708-019B960494DF}">
-                <a14:hiddenLine xmlns="" xmlns:a14="http://schemas.microsoft.com/office/drawing/2010/main" w="9525">
+                <a14:hiddenLine xmlns:a14="http://schemas.microsoft.com/office/drawing/2010/main" xmlns="" w="9525">
                   <a:solidFill>
                     <a:srgbClr val="000000"/>
                   </a:solidFill>
@@ -1320,7 +1320,7 @@
             </a:ln>
             <a:extLst>
               <a:ext uri="{91240B29-F687-4f45-9708-019B960494DF}">
-                <a14:hiddenLine xmlns="" xmlns:a14="http://schemas.microsoft.com/office/drawing/2010/main" w="9525">
+                <a14:hiddenLine xmlns:a14="http://schemas.microsoft.com/office/drawing/2010/main" xmlns="" w="9525">
                   <a:solidFill>
                     <a:srgbClr val="000000"/>
                   </a:solidFill>
@@ -1410,7 +1410,7 @@
             </a:ln>
             <a:extLst>
               <a:ext uri="{91240B29-F687-4f45-9708-019B960494DF}">
-                <a14:hiddenLine xmlns="" xmlns:a14="http://schemas.microsoft.com/office/drawing/2010/main" w="9525">
+                <a14:hiddenLine xmlns:a14="http://schemas.microsoft.com/office/drawing/2010/main" xmlns="" w="9525">
                   <a:solidFill>
                     <a:srgbClr val="000000"/>
                   </a:solidFill>
@@ -1500,7 +1500,7 @@
             </a:ln>
             <a:extLst>
               <a:ext uri="{91240B29-F687-4f45-9708-019B960494DF}">
-                <a14:hiddenLine xmlns="" xmlns:a14="http://schemas.microsoft.com/office/drawing/2010/main" w="9525">
+                <a14:hiddenLine xmlns:a14="http://schemas.microsoft.com/office/drawing/2010/main" xmlns="" w="9525">
                   <a:solidFill>
                     <a:srgbClr val="000000"/>
                   </a:solidFill>
@@ -1562,7 +1562,7 @@
             </a:ln>
             <a:extLst>
               <a:ext uri="{91240B29-F687-4f45-9708-019B960494DF}">
-                <a14:hiddenLine xmlns="" xmlns:a14="http://schemas.microsoft.com/office/drawing/2010/main" w="9525">
+                <a14:hiddenLine xmlns:a14="http://schemas.microsoft.com/office/drawing/2010/main" xmlns="" w="9525">
                   <a:solidFill>
                     <a:srgbClr val="000000"/>
                   </a:solidFill>
@@ -1652,7 +1652,7 @@
             </a:ln>
             <a:extLst>
               <a:ext uri="{91240B29-F687-4f45-9708-019B960494DF}">
-                <a14:hiddenLine xmlns="" xmlns:a14="http://schemas.microsoft.com/office/drawing/2010/main" w="9525">
+                <a14:hiddenLine xmlns:a14="http://schemas.microsoft.com/office/drawing/2010/main" xmlns="" w="9525">
                   <a:solidFill>
                     <a:srgbClr val="000000"/>
                   </a:solidFill>
@@ -1742,7 +1742,7 @@
             </a:ln>
             <a:extLst>
               <a:ext uri="{91240B29-F687-4f45-9708-019B960494DF}">
-                <a14:hiddenLine xmlns="" xmlns:a14="http://schemas.microsoft.com/office/drawing/2010/main" w="9525">
+                <a14:hiddenLine xmlns:a14="http://schemas.microsoft.com/office/drawing/2010/main" xmlns="" w="9525">
                   <a:solidFill>
                     <a:srgbClr val="000000"/>
                   </a:solidFill>
@@ -1798,7 +1798,7 @@
             </a:ln>
             <a:extLst>
               <a:ext uri="{91240B29-F687-4f45-9708-019B960494DF}">
-                <a14:hiddenLine xmlns="" xmlns:a14="http://schemas.microsoft.com/office/drawing/2010/main" w="9525">
+                <a14:hiddenLine xmlns:a14="http://schemas.microsoft.com/office/drawing/2010/main" xmlns="" w="9525">
                   <a:solidFill>
                     <a:srgbClr val="000000"/>
                   </a:solidFill>
@@ -1888,7 +1888,7 @@
             </a:ln>
             <a:extLst>
               <a:ext uri="{91240B29-F687-4f45-9708-019B960494DF}">
-                <a14:hiddenLine xmlns="" xmlns:a14="http://schemas.microsoft.com/office/drawing/2010/main" w="9525">
+                <a14:hiddenLine xmlns:a14="http://schemas.microsoft.com/office/drawing/2010/main" xmlns="" w="9525">
                   <a:solidFill>
                     <a:srgbClr val="000000"/>
                   </a:solidFill>
@@ -1944,7 +1944,7 @@
             </a:ln>
             <a:extLst>
               <a:ext uri="{91240B29-F687-4f45-9708-019B960494DF}">
-                <a14:hiddenLine xmlns="" xmlns:a14="http://schemas.microsoft.com/office/drawing/2010/main" w="9525">
+                <a14:hiddenLine xmlns:a14="http://schemas.microsoft.com/office/drawing/2010/main" xmlns="" w="9525">
                   <a:solidFill>
                     <a:srgbClr val="000000"/>
                   </a:solidFill>
@@ -2034,7 +2034,7 @@
             </a:ln>
             <a:extLst>
               <a:ext uri="{91240B29-F687-4f45-9708-019B960494DF}">
-                <a14:hiddenLine xmlns="" xmlns:a14="http://schemas.microsoft.com/office/drawing/2010/main" w="9525">
+                <a14:hiddenLine xmlns:a14="http://schemas.microsoft.com/office/drawing/2010/main" xmlns="" w="9525">
                   <a:solidFill>
                     <a:srgbClr val="000000"/>
                   </a:solidFill>
@@ -2102,7 +2102,7 @@
             </a:ln>
             <a:extLst>
               <a:ext uri="{91240B29-F687-4f45-9708-019B960494DF}">
-                <a14:hiddenLine xmlns="" xmlns:a14="http://schemas.microsoft.com/office/drawing/2010/main" w="9525">
+                <a14:hiddenLine xmlns:a14="http://schemas.microsoft.com/office/drawing/2010/main" xmlns="" w="9525">
                   <a:solidFill>
                     <a:srgbClr val="000000"/>
                   </a:solidFill>
@@ -2192,7 +2192,7 @@
             </a:ln>
             <a:extLst>
               <a:ext uri="{91240B29-F687-4f45-9708-019B960494DF}">
-                <a14:hiddenLine xmlns="" xmlns:a14="http://schemas.microsoft.com/office/drawing/2010/main" w="9525">
+                <a14:hiddenLine xmlns:a14="http://schemas.microsoft.com/office/drawing/2010/main" xmlns="" w="9525">
                   <a:solidFill>
                     <a:srgbClr val="000000"/>
                   </a:solidFill>
@@ -2260,7 +2260,7 @@
             </a:ln>
             <a:extLst>
               <a:ext uri="{91240B29-F687-4f45-9708-019B960494DF}">
-                <a14:hiddenLine xmlns="" xmlns:a14="http://schemas.microsoft.com/office/drawing/2010/main" w="9525">
+                <a14:hiddenLine xmlns:a14="http://schemas.microsoft.com/office/drawing/2010/main" xmlns="" w="9525">
                   <a:solidFill>
                     <a:srgbClr val="000000"/>
                   </a:solidFill>
@@ -2350,7 +2350,7 @@
             </a:ln>
             <a:extLst>
               <a:ext uri="{91240B29-F687-4f45-9708-019B960494DF}">
-                <a14:hiddenLine xmlns="" xmlns:a14="http://schemas.microsoft.com/office/drawing/2010/main" w="9525">
+                <a14:hiddenLine xmlns:a14="http://schemas.microsoft.com/office/drawing/2010/main" xmlns="" w="9525">
                   <a:solidFill>
                     <a:srgbClr val="000000"/>
                   </a:solidFill>
@@ -2384,7 +2384,7 @@
             </a:ln>
             <a:extLst>
               <a:ext uri="{91240B29-F687-4f45-9708-019B960494DF}">
-                <a14:hiddenLine xmlns="" xmlns:a14="http://schemas.microsoft.com/office/drawing/2010/main" w="9525">
+                <a14:hiddenLine xmlns:a14="http://schemas.microsoft.com/office/drawing/2010/main" xmlns="" w="9525">
                   <a:solidFill>
                     <a:srgbClr val="000000"/>
                   </a:solidFill>
@@ -2474,7 +2474,7 @@
             </a:ln>
             <a:extLst>
               <a:ext uri="{91240B29-F687-4f45-9708-019B960494DF}">
-                <a14:hiddenLine xmlns="" xmlns:a14="http://schemas.microsoft.com/office/drawing/2010/main" w="9525">
+                <a14:hiddenLine xmlns:a14="http://schemas.microsoft.com/office/drawing/2010/main" xmlns="" w="9525">
                   <a:solidFill>
                     <a:srgbClr val="000000"/>
                   </a:solidFill>
@@ -2536,7 +2536,7 @@
             </a:ln>
             <a:extLst>
               <a:ext uri="{91240B29-F687-4f45-9708-019B960494DF}">
-                <a14:hiddenLine xmlns="" xmlns:a14="http://schemas.microsoft.com/office/drawing/2010/main" w="9525">
+                <a14:hiddenLine xmlns:a14="http://schemas.microsoft.com/office/drawing/2010/main" xmlns="" w="9525">
                   <a:solidFill>
                     <a:srgbClr val="000000"/>
                   </a:solidFill>
@@ -2598,7 +2598,7 @@
             </a:ln>
             <a:extLst>
               <a:ext uri="{91240B29-F687-4f45-9708-019B960494DF}">
-                <a14:hiddenLine xmlns="" xmlns:a14="http://schemas.microsoft.com/office/drawing/2010/main" w="9525">
+                <a14:hiddenLine xmlns:a14="http://schemas.microsoft.com/office/drawing/2010/main" xmlns="" w="9525">
                   <a:solidFill>
                     <a:srgbClr val="000000"/>
                   </a:solidFill>
@@ -2688,7 +2688,7 @@
             </a:ln>
             <a:extLst>
               <a:ext uri="{91240B29-F687-4f45-9708-019B960494DF}">
-                <a14:hiddenLine xmlns="" xmlns:a14="http://schemas.microsoft.com/office/drawing/2010/main" w="9525">
+                <a14:hiddenLine xmlns:a14="http://schemas.microsoft.com/office/drawing/2010/main" xmlns="" w="9525">
                   <a:solidFill>
                     <a:srgbClr val="000000"/>
                   </a:solidFill>
@@ -2756,7 +2756,7 @@
             </a:ln>
             <a:extLst>
               <a:ext uri="{91240B29-F687-4f45-9708-019B960494DF}">
-                <a14:hiddenLine xmlns="" xmlns:a14="http://schemas.microsoft.com/office/drawing/2010/main" w="9525">
+                <a14:hiddenLine xmlns:a14="http://schemas.microsoft.com/office/drawing/2010/main" xmlns="" w="9525">
                   <a:solidFill>
                     <a:srgbClr val="000000"/>
                   </a:solidFill>
@@ -2818,7 +2818,7 @@
             </a:ln>
             <a:extLst>
               <a:ext uri="{91240B29-F687-4f45-9708-019B960494DF}">
-                <a14:hiddenLine xmlns="" xmlns:a14="http://schemas.microsoft.com/office/drawing/2010/main" w="9525">
+                <a14:hiddenLine xmlns:a14="http://schemas.microsoft.com/office/drawing/2010/main" xmlns="" w="9525">
                   <a:solidFill>
                     <a:srgbClr val="000000"/>
                   </a:solidFill>
@@ -2908,7 +2908,7 @@
             </a:ln>
             <a:extLst>
               <a:ext uri="{91240B29-F687-4f45-9708-019B960494DF}">
-                <a14:hiddenLine xmlns="" xmlns:a14="http://schemas.microsoft.com/office/drawing/2010/main" w="9525">
+                <a14:hiddenLine xmlns:a14="http://schemas.microsoft.com/office/drawing/2010/main" xmlns="" w="9525">
                   <a:solidFill>
                     <a:srgbClr val="000000"/>
                   </a:solidFill>
@@ -2970,7 +2970,7 @@
             </a:ln>
             <a:extLst>
               <a:ext uri="{91240B29-F687-4f45-9708-019B960494DF}">
-                <a14:hiddenLine xmlns="" xmlns:a14="http://schemas.microsoft.com/office/drawing/2010/main" w="9525">
+                <a14:hiddenLine xmlns:a14="http://schemas.microsoft.com/office/drawing/2010/main" xmlns="" w="9525">
                   <a:solidFill>
                     <a:srgbClr val="000000"/>
                   </a:solidFill>
@@ -3060,7 +3060,7 @@
             </a:ln>
             <a:extLst>
               <a:ext uri="{91240B29-F687-4f45-9708-019B960494DF}">
-                <a14:hiddenLine xmlns="" xmlns:a14="http://schemas.microsoft.com/office/drawing/2010/main" w="9525">
+                <a14:hiddenLine xmlns:a14="http://schemas.microsoft.com/office/drawing/2010/main" xmlns="" w="9525">
                   <a:solidFill>
                     <a:srgbClr val="000000"/>
                   </a:solidFill>
@@ -3122,7 +3122,7 @@
             </a:ln>
             <a:extLst>
               <a:ext uri="{91240B29-F687-4f45-9708-019B960494DF}">
-                <a14:hiddenLine xmlns="" xmlns:a14="http://schemas.microsoft.com/office/drawing/2010/main" w="9525">
+                <a14:hiddenLine xmlns:a14="http://schemas.microsoft.com/office/drawing/2010/main" xmlns="" w="9525">
                   <a:solidFill>
                     <a:srgbClr val="000000"/>
                   </a:solidFill>
@@ -3212,7 +3212,7 @@
             </a:ln>
             <a:extLst>
               <a:ext uri="{91240B29-F687-4f45-9708-019B960494DF}">
-                <a14:hiddenLine xmlns="" xmlns:a14="http://schemas.microsoft.com/office/drawing/2010/main" w="9525">
+                <a14:hiddenLine xmlns:a14="http://schemas.microsoft.com/office/drawing/2010/main" xmlns="" w="9525">
                   <a:solidFill>
                     <a:srgbClr val="000000"/>
                   </a:solidFill>
@@ -3246,7 +3246,7 @@
             </a:ln>
             <a:extLst>
               <a:ext uri="{91240B29-F687-4f45-9708-019B960494DF}">
-                <a14:hiddenLine xmlns="" xmlns:a14="http://schemas.microsoft.com/office/drawing/2010/main" w="9525">
+                <a14:hiddenLine xmlns:a14="http://schemas.microsoft.com/office/drawing/2010/main" xmlns="" w="9525">
                   <a:solidFill>
                     <a:srgbClr val="000000"/>
                   </a:solidFill>
@@ -3311,7 +3311,7 @@
             </a:ln>
             <a:extLst>
               <a:ext uri="{91240B29-F687-4f45-9708-019B960494DF}">
-                <a14:hiddenLine xmlns="" xmlns:a14="http://schemas.microsoft.com/office/drawing/2010/main" w="9525">
+                <a14:hiddenLine xmlns:a14="http://schemas.microsoft.com/office/drawing/2010/main" xmlns="" w="9525">
                   <a:solidFill>
                     <a:srgbClr val="000000"/>
                   </a:solidFill>
@@ -3401,7 +3401,7 @@
             </a:ln>
             <a:extLst>
               <a:ext uri="{91240B29-F687-4f45-9708-019B960494DF}">
-                <a14:hiddenLine xmlns="" xmlns:a14="http://schemas.microsoft.com/office/drawing/2010/main" w="9525">
+                <a14:hiddenLine xmlns:a14="http://schemas.microsoft.com/office/drawing/2010/main" xmlns="" w="9525">
                   <a:solidFill>
                     <a:srgbClr val="000000"/>
                   </a:solidFill>
@@ -3463,7 +3463,7 @@
             </a:ln>
             <a:extLst>
               <a:ext uri="{91240B29-F687-4f45-9708-019B960494DF}">
-                <a14:hiddenLine xmlns="" xmlns:a14="http://schemas.microsoft.com/office/drawing/2010/main" w="9525">
+                <a14:hiddenLine xmlns:a14="http://schemas.microsoft.com/office/drawing/2010/main" xmlns="" w="9525">
                   <a:solidFill>
                     <a:srgbClr val="000000"/>
                   </a:solidFill>
@@ -3553,7 +3553,7 @@
             </a:ln>
             <a:extLst>
               <a:ext uri="{91240B29-F687-4f45-9708-019B960494DF}">
-                <a14:hiddenLine xmlns="" xmlns:a14="http://schemas.microsoft.com/office/drawing/2010/main" w="9525">
+                <a14:hiddenLine xmlns:a14="http://schemas.microsoft.com/office/drawing/2010/main" xmlns="" w="9525">
                   <a:solidFill>
                     <a:srgbClr val="000000"/>
                   </a:solidFill>
@@ -3643,7 +3643,7 @@
             </a:ln>
             <a:extLst>
               <a:ext uri="{91240B29-F687-4f45-9708-019B960494DF}">
-                <a14:hiddenLine xmlns="" xmlns:a14="http://schemas.microsoft.com/office/drawing/2010/main" w="9525">
+                <a14:hiddenLine xmlns:a14="http://schemas.microsoft.com/office/drawing/2010/main" xmlns="" w="9525">
                   <a:solidFill>
                     <a:srgbClr val="000000"/>
                   </a:solidFill>
@@ -3708,7 +3708,7 @@
             </a:ln>
             <a:extLst>
               <a:ext uri="{91240B29-F687-4f45-9708-019B960494DF}">
-                <a14:hiddenLine xmlns="" xmlns:a14="http://schemas.microsoft.com/office/drawing/2010/main" w="9525">
+                <a14:hiddenLine xmlns:a14="http://schemas.microsoft.com/office/drawing/2010/main" xmlns="" w="9525">
                   <a:solidFill>
                     <a:srgbClr val="000000"/>
                   </a:solidFill>
@@ -3770,7 +3770,7 @@
             </a:ln>
             <a:extLst>
               <a:ext uri="{91240B29-F687-4f45-9708-019B960494DF}">
-                <a14:hiddenLine xmlns="" xmlns:a14="http://schemas.microsoft.com/office/drawing/2010/main" w="9525">
+                <a14:hiddenLine xmlns:a14="http://schemas.microsoft.com/office/drawing/2010/main" xmlns="" w="9525">
                   <a:solidFill>
                     <a:srgbClr val="000000"/>
                   </a:solidFill>
@@ -3860,7 +3860,7 @@
             </a:ln>
             <a:extLst>
               <a:ext uri="{91240B29-F687-4f45-9708-019B960494DF}">
-                <a14:hiddenLine xmlns="" xmlns:a14="http://schemas.microsoft.com/office/drawing/2010/main" w="9525">
+                <a14:hiddenLine xmlns:a14="http://schemas.microsoft.com/office/drawing/2010/main" xmlns="" w="9525">
                   <a:solidFill>
                     <a:srgbClr val="000000"/>
                   </a:solidFill>
@@ -3950,7 +3950,7 @@
             </a:ln>
             <a:extLst>
               <a:ext uri="{91240B29-F687-4f45-9708-019B960494DF}">
-                <a14:hiddenLine xmlns="" xmlns:a14="http://schemas.microsoft.com/office/drawing/2010/main" w="9525">
+                <a14:hiddenLine xmlns:a14="http://schemas.microsoft.com/office/drawing/2010/main" xmlns="" w="9525">
                   <a:solidFill>
                     <a:srgbClr val="000000"/>
                   </a:solidFill>
@@ -4012,7 +4012,7 @@
             </a:ln>
             <a:extLst>
               <a:ext uri="{91240B29-F687-4f45-9708-019B960494DF}">
-                <a14:hiddenLine xmlns="" xmlns:a14="http://schemas.microsoft.com/office/drawing/2010/main" w="9525">
+                <a14:hiddenLine xmlns:a14="http://schemas.microsoft.com/office/drawing/2010/main" xmlns="" w="9525">
                   <a:solidFill>
                     <a:srgbClr val="000000"/>
                   </a:solidFill>
@@ -4132,7 +4132,7 @@
             </a:ln>
             <a:extLst>
               <a:ext uri="{91240B29-F687-4f45-9708-019B960494DF}">
-                <a14:hiddenLine xmlns="" xmlns:a14="http://schemas.microsoft.com/office/drawing/2010/main" w="9525">
+                <a14:hiddenLine xmlns:a14="http://schemas.microsoft.com/office/drawing/2010/main" xmlns="" w="9525">
                   <a:solidFill>
                     <a:srgbClr val="000000"/>
                   </a:solidFill>
@@ -4200,7 +4200,7 @@
             </a:ln>
             <a:extLst>
               <a:ext uri="{91240B29-F687-4f45-9708-019B960494DF}">
-                <a14:hiddenLine xmlns="" xmlns:a14="http://schemas.microsoft.com/office/drawing/2010/main" w="9525">
+                <a14:hiddenLine xmlns:a14="http://schemas.microsoft.com/office/drawing/2010/main" xmlns="" w="9525">
                   <a:solidFill>
                     <a:srgbClr val="000000"/>
                   </a:solidFill>
@@ -4290,7 +4290,7 @@
             </a:ln>
             <a:extLst>
               <a:ext uri="{91240B29-F687-4f45-9708-019B960494DF}">
-                <a14:hiddenLine xmlns="" xmlns:a14="http://schemas.microsoft.com/office/drawing/2010/main" w="9525">
+                <a14:hiddenLine xmlns:a14="http://schemas.microsoft.com/office/drawing/2010/main" xmlns="" w="9525">
                   <a:solidFill>
                     <a:srgbClr val="000000"/>
                   </a:solidFill>
@@ -9019,7 +9019,7 @@
           <a:noFill/>
           <a:extLst>
             <a:ext uri="{909E8E84-426E-40dd-AFC4-6F175D3DCCD1}">
-              <a14:hiddenFill xmlns="" xmlns:a14="http://schemas.microsoft.com/office/drawing/2010/main">
+              <a14:hiddenFill xmlns:a14="http://schemas.microsoft.com/office/drawing/2010/main" xmlns="">
                 <a:solidFill>
                   <a:srgbClr val="FFFFFF"/>
                 </a:solidFill>
@@ -9093,7 +9093,7 @@
               </a:ln>
               <a:extLst>
                 <a:ext uri="{91240B29-F687-4f45-9708-019B960494DF}">
-                  <a14:hiddenLine xmlns="" xmlns:a14="http://schemas.microsoft.com/office/drawing/2010/main" w="9525">
+                  <a14:hiddenLine xmlns:a14="http://schemas.microsoft.com/office/drawing/2010/main" xmlns="" w="9525">
                     <a:solidFill>
                       <a:srgbClr val="000000"/>
                     </a:solidFill>
@@ -9183,7 +9183,7 @@
               </a:ln>
               <a:extLst>
                 <a:ext uri="{91240B29-F687-4f45-9708-019B960494DF}">
-                  <a14:hiddenLine xmlns="" xmlns:a14="http://schemas.microsoft.com/office/drawing/2010/main" w="9525">
+                  <a14:hiddenLine xmlns:a14="http://schemas.microsoft.com/office/drawing/2010/main" xmlns="" w="9525">
                     <a:solidFill>
                       <a:srgbClr val="000000"/>
                     </a:solidFill>
@@ -9273,7 +9273,7 @@
               </a:ln>
               <a:extLst>
                 <a:ext uri="{91240B29-F687-4f45-9708-019B960494DF}">
-                  <a14:hiddenLine xmlns="" xmlns:a14="http://schemas.microsoft.com/office/drawing/2010/main" w="9525">
+                  <a14:hiddenLine xmlns:a14="http://schemas.microsoft.com/office/drawing/2010/main" xmlns="" w="9525">
                     <a:solidFill>
                       <a:srgbClr val="000000"/>
                     </a:solidFill>
@@ -9335,7 +9335,7 @@
               </a:ln>
               <a:extLst>
                 <a:ext uri="{91240B29-F687-4f45-9708-019B960494DF}">
-                  <a14:hiddenLine xmlns="" xmlns:a14="http://schemas.microsoft.com/office/drawing/2010/main" w="9525">
+                  <a14:hiddenLine xmlns:a14="http://schemas.microsoft.com/office/drawing/2010/main" xmlns="" w="9525">
                     <a:solidFill>
                       <a:srgbClr val="000000"/>
                     </a:solidFill>
@@ -9425,7 +9425,7 @@
               </a:ln>
               <a:extLst>
                 <a:ext uri="{91240B29-F687-4f45-9708-019B960494DF}">
-                  <a14:hiddenLine xmlns="" xmlns:a14="http://schemas.microsoft.com/office/drawing/2010/main" w="9525">
+                  <a14:hiddenLine xmlns:a14="http://schemas.microsoft.com/office/drawing/2010/main" xmlns="" w="9525">
                     <a:solidFill>
                       <a:srgbClr val="000000"/>
                     </a:solidFill>
@@ -9487,7 +9487,7 @@
               </a:ln>
               <a:extLst>
                 <a:ext uri="{91240B29-F687-4f45-9708-019B960494DF}">
-                  <a14:hiddenLine xmlns="" xmlns:a14="http://schemas.microsoft.com/office/drawing/2010/main" w="9525">
+                  <a14:hiddenLine xmlns:a14="http://schemas.microsoft.com/office/drawing/2010/main" xmlns="" w="9525">
                     <a:solidFill>
                       <a:srgbClr val="000000"/>
                     </a:solidFill>
@@ -9549,7 +9549,7 @@
               </a:ln>
               <a:extLst>
                 <a:ext uri="{91240B29-F687-4f45-9708-019B960494DF}">
-                  <a14:hiddenLine xmlns="" xmlns:a14="http://schemas.microsoft.com/office/drawing/2010/main" w="9525">
+                  <a14:hiddenLine xmlns:a14="http://schemas.microsoft.com/office/drawing/2010/main" xmlns="" w="9525">
                     <a:solidFill>
                       <a:srgbClr val="000000"/>
                     </a:solidFill>
@@ -9639,7 +9639,7 @@
               </a:ln>
               <a:extLst>
                 <a:ext uri="{91240B29-F687-4f45-9708-019B960494DF}">
-                  <a14:hiddenLine xmlns="" xmlns:a14="http://schemas.microsoft.com/office/drawing/2010/main" w="9525">
+                  <a14:hiddenLine xmlns:a14="http://schemas.microsoft.com/office/drawing/2010/main" xmlns="" w="9525">
                     <a:solidFill>
                       <a:srgbClr val="000000"/>
                     </a:solidFill>
@@ -9729,7 +9729,7 @@
               </a:ln>
               <a:extLst>
                 <a:ext uri="{91240B29-F687-4f45-9708-019B960494DF}">
-                  <a14:hiddenLine xmlns="" xmlns:a14="http://schemas.microsoft.com/office/drawing/2010/main" w="9525">
+                  <a14:hiddenLine xmlns:a14="http://schemas.microsoft.com/office/drawing/2010/main" xmlns="" w="9525">
                     <a:solidFill>
                       <a:srgbClr val="000000"/>
                     </a:solidFill>
@@ -9791,7 +9791,7 @@
               </a:ln>
               <a:extLst>
                 <a:ext uri="{91240B29-F687-4f45-9708-019B960494DF}">
-                  <a14:hiddenLine xmlns="" xmlns:a14="http://schemas.microsoft.com/office/drawing/2010/main" w="9525">
+                  <a14:hiddenLine xmlns:a14="http://schemas.microsoft.com/office/drawing/2010/main" xmlns="" w="9525">
                     <a:solidFill>
                       <a:srgbClr val="000000"/>
                     </a:solidFill>
@@ -9901,7 +9901,7 @@
               </a:ln>
               <a:extLst>
                 <a:ext uri="{91240B29-F687-4f45-9708-019B960494DF}">
-                  <a14:hiddenLine xmlns="" xmlns:a14="http://schemas.microsoft.com/office/drawing/2010/main" w="9525">
+                  <a14:hiddenLine xmlns:a14="http://schemas.microsoft.com/office/drawing/2010/main" xmlns="" w="9525">
                     <a:solidFill>
                       <a:srgbClr val="000000"/>
                     </a:solidFill>
@@ -9985,7 +9985,7 @@
               </a:ln>
               <a:extLst>
                 <a:ext uri="{91240B29-F687-4f45-9708-019B960494DF}">
-                  <a14:hiddenLine xmlns="" xmlns:a14="http://schemas.microsoft.com/office/drawing/2010/main" w="9525">
+                  <a14:hiddenLine xmlns:a14="http://schemas.microsoft.com/office/drawing/2010/main" xmlns="" w="9525">
                     <a:solidFill>
                       <a:srgbClr val="000000"/>
                     </a:solidFill>
@@ -10047,7 +10047,7 @@
               </a:ln>
               <a:extLst>
                 <a:ext uri="{91240B29-F687-4f45-9708-019B960494DF}">
-                  <a14:hiddenLine xmlns="" xmlns:a14="http://schemas.microsoft.com/office/drawing/2010/main" w="9525">
+                  <a14:hiddenLine xmlns:a14="http://schemas.microsoft.com/office/drawing/2010/main" xmlns="" w="9525">
                     <a:solidFill>
                       <a:srgbClr val="000000"/>
                     </a:solidFill>
@@ -10109,7 +10109,7 @@
               </a:ln>
               <a:extLst>
                 <a:ext uri="{91240B29-F687-4f45-9708-019B960494DF}">
-                  <a14:hiddenLine xmlns="" xmlns:a14="http://schemas.microsoft.com/office/drawing/2010/main" w="9525">
+                  <a14:hiddenLine xmlns:a14="http://schemas.microsoft.com/office/drawing/2010/main" xmlns="" w="9525">
                     <a:solidFill>
                       <a:srgbClr val="000000"/>
                     </a:solidFill>
@@ -10199,7 +10199,7 @@
               </a:ln>
               <a:extLst>
                 <a:ext uri="{91240B29-F687-4f45-9708-019B960494DF}">
-                  <a14:hiddenLine xmlns="" xmlns:a14="http://schemas.microsoft.com/office/drawing/2010/main" w="9525">
+                  <a14:hiddenLine xmlns:a14="http://schemas.microsoft.com/office/drawing/2010/main" xmlns="" w="9525">
                     <a:solidFill>
                       <a:srgbClr val="000000"/>
                     </a:solidFill>
@@ -10233,7 +10233,7 @@
               </a:ln>
               <a:extLst>
                 <a:ext uri="{91240B29-F687-4f45-9708-019B960494DF}">
-                  <a14:hiddenLine xmlns="" xmlns:a14="http://schemas.microsoft.com/office/drawing/2010/main" w="9525">
+                  <a14:hiddenLine xmlns:a14="http://schemas.microsoft.com/office/drawing/2010/main" xmlns="" w="9525">
                     <a:solidFill>
                       <a:srgbClr val="000000"/>
                     </a:solidFill>
@@ -10298,7 +10298,7 @@
               </a:ln>
               <a:extLst>
                 <a:ext uri="{91240B29-F687-4f45-9708-019B960494DF}">
-                  <a14:hiddenLine xmlns="" xmlns:a14="http://schemas.microsoft.com/office/drawing/2010/main" w="9525">
+                  <a14:hiddenLine xmlns:a14="http://schemas.microsoft.com/office/drawing/2010/main" xmlns="" w="9525">
                     <a:solidFill>
                       <a:srgbClr val="000000"/>
                     </a:solidFill>
@@ -10388,7 +10388,7 @@
               </a:ln>
               <a:extLst>
                 <a:ext uri="{91240B29-F687-4f45-9708-019B960494DF}">
-                  <a14:hiddenLine xmlns="" xmlns:a14="http://schemas.microsoft.com/office/drawing/2010/main" w="9525">
+                  <a14:hiddenLine xmlns:a14="http://schemas.microsoft.com/office/drawing/2010/main" xmlns="" w="9525">
                     <a:solidFill>
                       <a:srgbClr val="000000"/>
                     </a:solidFill>
@@ -10450,7 +10450,7 @@
               </a:ln>
               <a:extLst>
                 <a:ext uri="{91240B29-F687-4f45-9708-019B960494DF}">
-                  <a14:hiddenLine xmlns="" xmlns:a14="http://schemas.microsoft.com/office/drawing/2010/main" w="9525">
+                  <a14:hiddenLine xmlns:a14="http://schemas.microsoft.com/office/drawing/2010/main" xmlns="" w="9525">
                     <a:solidFill>
                       <a:srgbClr val="000000"/>
                     </a:solidFill>
@@ -10540,7 +10540,7 @@
               </a:ln>
               <a:extLst>
                 <a:ext uri="{91240B29-F687-4f45-9708-019B960494DF}">
-                  <a14:hiddenLine xmlns="" xmlns:a14="http://schemas.microsoft.com/office/drawing/2010/main" w="9525">
+                  <a14:hiddenLine xmlns:a14="http://schemas.microsoft.com/office/drawing/2010/main" xmlns="" w="9525">
                     <a:solidFill>
                       <a:srgbClr val="000000"/>
                     </a:solidFill>
@@ -10605,7 +10605,7 @@
               </a:ln>
               <a:extLst>
                 <a:ext uri="{91240B29-F687-4f45-9708-019B960494DF}">
-                  <a14:hiddenLine xmlns="" xmlns:a14="http://schemas.microsoft.com/office/drawing/2010/main" w="9525">
+                  <a14:hiddenLine xmlns:a14="http://schemas.microsoft.com/office/drawing/2010/main" xmlns="" w="9525">
                     <a:solidFill>
                       <a:srgbClr val="000000"/>
                     </a:solidFill>
@@ -10667,7 +10667,7 @@
               </a:ln>
               <a:extLst>
                 <a:ext uri="{91240B29-F687-4f45-9708-019B960494DF}">
-                  <a14:hiddenLine xmlns="" xmlns:a14="http://schemas.microsoft.com/office/drawing/2010/main" w="9525">
+                  <a14:hiddenLine xmlns:a14="http://schemas.microsoft.com/office/drawing/2010/main" xmlns="" w="9525">
                     <a:solidFill>
                       <a:srgbClr val="000000"/>
                     </a:solidFill>
@@ -10757,7 +10757,7 @@
               </a:ln>
               <a:extLst>
                 <a:ext uri="{91240B29-F687-4f45-9708-019B960494DF}">
-                  <a14:hiddenLine xmlns="" xmlns:a14="http://schemas.microsoft.com/office/drawing/2010/main" w="9525">
+                  <a14:hiddenLine xmlns:a14="http://schemas.microsoft.com/office/drawing/2010/main" xmlns="" w="9525">
                     <a:solidFill>
                       <a:srgbClr val="000000"/>
                     </a:solidFill>
@@ -10847,7 +10847,7 @@
               </a:ln>
               <a:extLst>
                 <a:ext uri="{91240B29-F687-4f45-9708-019B960494DF}">
-                  <a14:hiddenLine xmlns="" xmlns:a14="http://schemas.microsoft.com/office/drawing/2010/main" w="9525">
+                  <a14:hiddenLine xmlns:a14="http://schemas.microsoft.com/office/drawing/2010/main" xmlns="" w="9525">
                     <a:solidFill>
                       <a:srgbClr val="000000"/>
                     </a:solidFill>
@@ -10912,7 +10912,7 @@
               </a:ln>
               <a:extLst>
                 <a:ext uri="{91240B29-F687-4f45-9708-019B960494DF}">
-                  <a14:hiddenLine xmlns="" xmlns:a14="http://schemas.microsoft.com/office/drawing/2010/main" w="9525">
+                  <a14:hiddenLine xmlns:a14="http://schemas.microsoft.com/office/drawing/2010/main" xmlns="" w="9525">
                     <a:solidFill>
                       <a:srgbClr val="000000"/>
                     </a:solidFill>
@@ -11032,7 +11032,7 @@
               </a:ln>
               <a:extLst>
                 <a:ext uri="{91240B29-F687-4f45-9708-019B960494DF}">
-                  <a14:hiddenLine xmlns="" xmlns:a14="http://schemas.microsoft.com/office/drawing/2010/main" w="9525">
+                  <a14:hiddenLine xmlns:a14="http://schemas.microsoft.com/office/drawing/2010/main" xmlns="" w="9525">
                     <a:solidFill>
                       <a:srgbClr val="000000"/>
                     </a:solidFill>
@@ -11113,7 +11113,7 @@
               </a:ln>
               <a:extLst>
                 <a:ext uri="{91240B29-F687-4f45-9708-019B960494DF}">
-                  <a14:hiddenLine xmlns="" xmlns:a14="http://schemas.microsoft.com/office/drawing/2010/main" w="9525">
+                  <a14:hiddenLine xmlns:a14="http://schemas.microsoft.com/office/drawing/2010/main" xmlns="" w="9525">
                     <a:solidFill>
                       <a:srgbClr val="000000"/>
                     </a:solidFill>
@@ -11228,7 +11228,7 @@
               </a:ln>
               <a:extLst>
                 <a:ext uri="{91240B29-F687-4f45-9708-019B960494DF}">
-                  <a14:hiddenLine xmlns="" xmlns:a14="http://schemas.microsoft.com/office/drawing/2010/main" w="9525">
+                  <a14:hiddenLine xmlns:a14="http://schemas.microsoft.com/office/drawing/2010/main" xmlns="" w="9525">
                     <a:solidFill>
                       <a:srgbClr val="000000"/>
                     </a:solidFill>
@@ -11318,7 +11318,7 @@
               </a:ln>
               <a:extLst>
                 <a:ext uri="{91240B29-F687-4f45-9708-019B960494DF}">
-                  <a14:hiddenLine xmlns="" xmlns:a14="http://schemas.microsoft.com/office/drawing/2010/main" w="9525">
+                  <a14:hiddenLine xmlns:a14="http://schemas.microsoft.com/office/drawing/2010/main" xmlns="" w="9525">
                     <a:solidFill>
                       <a:srgbClr val="000000"/>
                     </a:solidFill>
@@ -11383,7 +11383,7 @@
               </a:ln>
               <a:extLst>
                 <a:ext uri="{91240B29-F687-4f45-9708-019B960494DF}">
-                  <a14:hiddenLine xmlns="" xmlns:a14="http://schemas.microsoft.com/office/drawing/2010/main" w="9525">
+                  <a14:hiddenLine xmlns:a14="http://schemas.microsoft.com/office/drawing/2010/main" xmlns="" w="9525">
                     <a:solidFill>
                       <a:srgbClr val="000000"/>
                     </a:solidFill>
@@ -11473,7 +11473,7 @@
               </a:ln>
               <a:extLst>
                 <a:ext uri="{91240B29-F687-4f45-9708-019B960494DF}">
-                  <a14:hiddenLine xmlns="" xmlns:a14="http://schemas.microsoft.com/office/drawing/2010/main" w="9525">
+                  <a14:hiddenLine xmlns:a14="http://schemas.microsoft.com/office/drawing/2010/main" xmlns="" w="9525">
                     <a:solidFill>
                       <a:srgbClr val="000000"/>
                     </a:solidFill>
@@ -11541,7 +11541,7 @@
               </a:ln>
               <a:extLst>
                 <a:ext uri="{91240B29-F687-4f45-9708-019B960494DF}">
-                  <a14:hiddenLine xmlns="" xmlns:a14="http://schemas.microsoft.com/office/drawing/2010/main" w="9525">
+                  <a14:hiddenLine xmlns:a14="http://schemas.microsoft.com/office/drawing/2010/main" xmlns="" w="9525">
                     <a:solidFill>
                       <a:srgbClr val="000000"/>
                     </a:solidFill>
@@ -11631,7 +11631,7 @@
               </a:ln>
               <a:extLst>
                 <a:ext uri="{91240B29-F687-4f45-9708-019B960494DF}">
-                  <a14:hiddenLine xmlns="" xmlns:a14="http://schemas.microsoft.com/office/drawing/2010/main" w="9525">
+                  <a14:hiddenLine xmlns:a14="http://schemas.microsoft.com/office/drawing/2010/main" xmlns="" w="9525">
                     <a:solidFill>
                       <a:srgbClr val="000000"/>
                     </a:solidFill>
@@ -11699,7 +11699,7 @@
               </a:ln>
               <a:extLst>
                 <a:ext uri="{91240B29-F687-4f45-9708-019B960494DF}">
-                  <a14:hiddenLine xmlns="" xmlns:a14="http://schemas.microsoft.com/office/drawing/2010/main" w="9525">
+                  <a14:hiddenLine xmlns:a14="http://schemas.microsoft.com/office/drawing/2010/main" xmlns="" w="9525">
                     <a:solidFill>
                       <a:srgbClr val="000000"/>
                     </a:solidFill>
@@ -11789,7 +11789,7 @@
               </a:ln>
               <a:extLst>
                 <a:ext uri="{91240B29-F687-4f45-9708-019B960494DF}">
-                  <a14:hiddenLine xmlns="" xmlns:a14="http://schemas.microsoft.com/office/drawing/2010/main" w="9525">
+                  <a14:hiddenLine xmlns:a14="http://schemas.microsoft.com/office/drawing/2010/main" xmlns="" w="9525">
                     <a:solidFill>
                       <a:srgbClr val="000000"/>
                     </a:solidFill>
@@ -11823,7 +11823,7 @@
               </a:ln>
               <a:extLst>
                 <a:ext uri="{91240B29-F687-4f45-9708-019B960494DF}">
-                  <a14:hiddenLine xmlns="" xmlns:a14="http://schemas.microsoft.com/office/drawing/2010/main" w="9525">
+                  <a14:hiddenLine xmlns:a14="http://schemas.microsoft.com/office/drawing/2010/main" xmlns="" w="9525">
                     <a:solidFill>
                       <a:srgbClr val="000000"/>
                     </a:solidFill>
@@ -14035,11 +14035,7 @@
           <a:p>
             <a:r>
               <a:rPr lang="en-US" dirty="0" smtClean="0"/>
-              <a:t>Positions</a:t>
-            </a:r>
-            <a:r>
-              <a:rPr lang="en-US" dirty="0" smtClean="0"/>
-              <a:t>, velocities, and accelerations are all in terms of a state vector,</a:t>
+              <a:t>Positions, velocities, and accelerations are all in terms of a state vector,</a:t>
             </a:r>
             <a:r>
               <a:rPr lang="en-US" i="1" dirty="0" smtClean="0"/>
@@ -19190,8 +19186,8 @@
           </a:p>
         </p:txBody>
       </p:sp>
-      <mc:AlternateContent xmlns:mc="http://schemas.openxmlformats.org/markup-compatibility/2006">
-        <mc:Choice xmlns:a14="http://schemas.microsoft.com/office/drawing/2010/main" Requires="a14">
+      <mc:AlternateContent xmlns:mc="http://schemas.openxmlformats.org/markup-compatibility/2006" xmlns:a14="http://schemas.microsoft.com/office/drawing/2010/main">
+        <mc:Choice Requires="a14">
           <p:sp>
             <p:nvSpPr>
               <p:cNvPr id="3" name="Content Placeholder 2"/>
@@ -19216,15 +19212,7 @@
               <a:p>
                 <a:r>
                   <a:rPr lang="en-US" dirty="0" smtClean="0"/>
-                  <a:t>Calculated using </a:t>
-                </a:r>
-                <a:r>
-                  <a:rPr lang="en-US" dirty="0" smtClean="0"/>
-                  <a:t>conservation </a:t>
-                </a:r>
-                <a:r>
-                  <a:rPr lang="en-US" dirty="0" smtClean="0"/>
-                  <a:t>of momentum on leg</a:t>
+                  <a:t>Calculated using conservation of momentum on leg</a:t>
                 </a:r>
               </a:p>
               <a:p>
@@ -19519,7 +19507,7 @@
             </p:txBody>
           </p:sp>
         </mc:Choice>
-        <mc:Fallback>
+        <mc:Fallback xmlns="">
           <p:sp>
             <p:nvSpPr>
               <p:cNvPr id="3" name="Content Placeholder 2"/>
@@ -24687,36 +24675,19 @@
               <a:t>Control Algorithm For One </a:t>
             </a:r>
             <a:r>
-              <a:rPr lang="en-US" dirty="0" err="1" smtClean="0"/>
-              <a:t>LEg</a:t>
+              <a:rPr lang="en-US" dirty="0" smtClean="0"/>
+              <a:t>Leg</a:t>
             </a:r>
             <a:endParaRPr lang="en-US" dirty="0"/>
-          </a:p>
-        </p:txBody>
-      </p:sp>
-      <p:sp>
-        <p:nvSpPr>
-          <p:cNvPr id="3" name="Content Placeholder 2"/>
-          <p:cNvSpPr>
-            <a:spLocks noGrp="1"/>
-          </p:cNvSpPr>
-          <p:nvPr>
-            <p:ph idx="1"/>
-          </p:nvPr>
-        </p:nvSpPr>
-        <p:spPr/>
-        <p:txBody>
-          <a:bodyPr/>
-          <a:lstStyle/>
-          <a:p>
-            <a:endParaRPr lang="en-US"/>
           </a:p>
         </p:txBody>
       </p:sp>
       <p:pic>
         <p:nvPicPr>
-          <p:cNvPr id="5" name="Picture 4" descr="D:\MyDocs\Documents\GitHub\AgileRoboticControls\System Modelling\Control\Control - Implementation.png"/>
-          <p:cNvPicPr/>
+          <p:cNvPr id="6" name="Picture 5"/>
+          <p:cNvPicPr>
+            <a:picLocks noChangeAspect="1"/>
+          </p:cNvPicPr>
           <p:nvPr/>
         </p:nvPicPr>
         <p:blipFill>
@@ -24727,23 +24698,18 @@
               </a:ext>
             </a:extLst>
           </a:blip>
-          <a:srcRect/>
           <a:stretch>
             <a:fillRect/>
           </a:stretch>
         </p:blipFill>
-        <p:spPr bwMode="auto">
+        <p:spPr>
           <a:xfrm>
-            <a:off x="390898" y="2249487"/>
-            <a:ext cx="11407025" cy="2328263"/>
+            <a:off x="318463" y="2948917"/>
+            <a:ext cx="11601656" cy="2563363"/>
           </a:xfrm>
           <a:prstGeom prst="rect">
             <a:avLst/>
           </a:prstGeom>
-          <a:noFill/>
-          <a:ln>
-            <a:noFill/>
-          </a:ln>
         </p:spPr>
       </p:pic>
     </p:spTree>

--- a/Documentation/Presentation/Design Presentation/Design Presentation.pptx
+++ b/Documentation/Presentation/Design Presentation/Design Presentation.pptx
@@ -205,7 +205,7 @@
           <a:noFill/>
           <a:extLst>
             <a:ext uri="{909E8E84-426E-40dd-AFC4-6F175D3DCCD1}">
-              <a14:hiddenFill xmlns:a14="http://schemas.microsoft.com/office/drawing/2010/main" xmlns="">
+              <a14:hiddenFill xmlns="" xmlns:a14="http://schemas.microsoft.com/office/drawing/2010/main">
                 <a:solidFill>
                   <a:srgbClr val="FFFFFF"/>
                 </a:solidFill>
@@ -264,7 +264,7 @@
             </a:ln>
             <a:extLst>
               <a:ext uri="{91240B29-F687-4f45-9708-019B960494DF}">
-                <a14:hiddenLine xmlns:a14="http://schemas.microsoft.com/office/drawing/2010/main" xmlns="" w="9525">
+                <a14:hiddenLine xmlns="" xmlns:a14="http://schemas.microsoft.com/office/drawing/2010/main" w="9525">
                   <a:solidFill>
                     <a:srgbClr val="000000"/>
                   </a:solidFill>
@@ -354,7 +354,7 @@
             </a:ln>
             <a:extLst>
               <a:ext uri="{91240B29-F687-4f45-9708-019B960494DF}">
-                <a14:hiddenLine xmlns:a14="http://schemas.microsoft.com/office/drawing/2010/main" xmlns="" w="9525">
+                <a14:hiddenLine xmlns="" xmlns:a14="http://schemas.microsoft.com/office/drawing/2010/main" w="9525">
                   <a:solidFill>
                     <a:srgbClr val="000000"/>
                   </a:solidFill>
@@ -444,7 +444,7 @@
             </a:ln>
             <a:extLst>
               <a:ext uri="{91240B29-F687-4f45-9708-019B960494DF}">
-                <a14:hiddenLine xmlns:a14="http://schemas.microsoft.com/office/drawing/2010/main" xmlns="" w="9525">
+                <a14:hiddenLine xmlns="" xmlns:a14="http://schemas.microsoft.com/office/drawing/2010/main" w="9525">
                   <a:solidFill>
                     <a:srgbClr val="000000"/>
                   </a:solidFill>
@@ -478,7 +478,7 @@
             </a:ln>
             <a:extLst>
               <a:ext uri="{91240B29-F687-4f45-9708-019B960494DF}">
-                <a14:hiddenLine xmlns:a14="http://schemas.microsoft.com/office/drawing/2010/main" xmlns="" w="9525">
+                <a14:hiddenLine xmlns="" xmlns:a14="http://schemas.microsoft.com/office/drawing/2010/main" w="9525">
                   <a:solidFill>
                     <a:srgbClr val="000000"/>
                   </a:solidFill>
@@ -568,7 +568,7 @@
             </a:ln>
             <a:extLst>
               <a:ext uri="{91240B29-F687-4f45-9708-019B960494DF}">
-                <a14:hiddenLine xmlns:a14="http://schemas.microsoft.com/office/drawing/2010/main" xmlns="" w="9525">
+                <a14:hiddenLine xmlns="" xmlns:a14="http://schemas.microsoft.com/office/drawing/2010/main" w="9525">
                   <a:solidFill>
                     <a:srgbClr val="000000"/>
                   </a:solidFill>
@@ -630,7 +630,7 @@
             </a:ln>
             <a:extLst>
               <a:ext uri="{91240B29-F687-4f45-9708-019B960494DF}">
-                <a14:hiddenLine xmlns:a14="http://schemas.microsoft.com/office/drawing/2010/main" xmlns="" w="9525">
+                <a14:hiddenLine xmlns="" xmlns:a14="http://schemas.microsoft.com/office/drawing/2010/main" w="9525">
                   <a:solidFill>
                     <a:srgbClr val="000000"/>
                   </a:solidFill>
@@ -692,7 +692,7 @@
             </a:ln>
             <a:extLst>
               <a:ext uri="{91240B29-F687-4f45-9708-019B960494DF}">
-                <a14:hiddenLine xmlns:a14="http://schemas.microsoft.com/office/drawing/2010/main" xmlns="" w="9525">
+                <a14:hiddenLine xmlns="" xmlns:a14="http://schemas.microsoft.com/office/drawing/2010/main" w="9525">
                   <a:solidFill>
                     <a:srgbClr val="000000"/>
                   </a:solidFill>
@@ -782,7 +782,7 @@
             </a:ln>
             <a:extLst>
               <a:ext uri="{91240B29-F687-4f45-9708-019B960494DF}">
-                <a14:hiddenLine xmlns:a14="http://schemas.microsoft.com/office/drawing/2010/main" xmlns="" w="9525">
+                <a14:hiddenLine xmlns="" xmlns:a14="http://schemas.microsoft.com/office/drawing/2010/main" w="9525">
                   <a:solidFill>
                     <a:srgbClr val="000000"/>
                   </a:solidFill>
@@ -844,7 +844,7 @@
             </a:ln>
             <a:extLst>
               <a:ext uri="{91240B29-F687-4f45-9708-019B960494DF}">
-                <a14:hiddenLine xmlns:a14="http://schemas.microsoft.com/office/drawing/2010/main" xmlns="" w="9525">
+                <a14:hiddenLine xmlns="" xmlns:a14="http://schemas.microsoft.com/office/drawing/2010/main" w="9525">
                   <a:solidFill>
                     <a:srgbClr val="000000"/>
                   </a:solidFill>
@@ -906,7 +906,7 @@
             </a:ln>
             <a:extLst>
               <a:ext uri="{91240B29-F687-4f45-9708-019B960494DF}">
-                <a14:hiddenLine xmlns:a14="http://schemas.microsoft.com/office/drawing/2010/main" xmlns="" w="9525">
+                <a14:hiddenLine xmlns="" xmlns:a14="http://schemas.microsoft.com/office/drawing/2010/main" w="9525">
                   <a:solidFill>
                     <a:srgbClr val="000000"/>
                   </a:solidFill>
@@ -996,7 +996,7 @@
             </a:ln>
             <a:extLst>
               <a:ext uri="{91240B29-F687-4f45-9708-019B960494DF}">
-                <a14:hiddenLine xmlns:a14="http://schemas.microsoft.com/office/drawing/2010/main" xmlns="" w="9525">
+                <a14:hiddenLine xmlns="" xmlns:a14="http://schemas.microsoft.com/office/drawing/2010/main" w="9525">
                   <a:solidFill>
                     <a:srgbClr val="000000"/>
                   </a:solidFill>
@@ -1086,7 +1086,7 @@
             </a:ln>
             <a:extLst>
               <a:ext uri="{91240B29-F687-4f45-9708-019B960494DF}">
-                <a14:hiddenLine xmlns:a14="http://schemas.microsoft.com/office/drawing/2010/main" xmlns="" w="9525">
+                <a14:hiddenLine xmlns="" xmlns:a14="http://schemas.microsoft.com/office/drawing/2010/main" w="9525">
                   <a:solidFill>
                     <a:srgbClr val="000000"/>
                   </a:solidFill>
@@ -1148,7 +1148,7 @@
             </a:ln>
             <a:extLst>
               <a:ext uri="{91240B29-F687-4f45-9708-019B960494DF}">
-                <a14:hiddenLine xmlns:a14="http://schemas.microsoft.com/office/drawing/2010/main" xmlns="" w="9525">
+                <a14:hiddenLine xmlns="" xmlns:a14="http://schemas.microsoft.com/office/drawing/2010/main" w="9525">
                   <a:solidFill>
                     <a:srgbClr val="000000"/>
                   </a:solidFill>
@@ -1258,7 +1258,7 @@
             </a:ln>
             <a:extLst>
               <a:ext uri="{91240B29-F687-4f45-9708-019B960494DF}">
-                <a14:hiddenLine xmlns:a14="http://schemas.microsoft.com/office/drawing/2010/main" xmlns="" w="9525">
+                <a14:hiddenLine xmlns="" xmlns:a14="http://schemas.microsoft.com/office/drawing/2010/main" w="9525">
                   <a:solidFill>
                     <a:srgbClr val="000000"/>
                   </a:solidFill>
@@ -1320,7 +1320,7 @@
             </a:ln>
             <a:extLst>
               <a:ext uri="{91240B29-F687-4f45-9708-019B960494DF}">
-                <a14:hiddenLine xmlns:a14="http://schemas.microsoft.com/office/drawing/2010/main" xmlns="" w="9525">
+                <a14:hiddenLine xmlns="" xmlns:a14="http://schemas.microsoft.com/office/drawing/2010/main" w="9525">
                   <a:solidFill>
                     <a:srgbClr val="000000"/>
                   </a:solidFill>
@@ -1410,7 +1410,7 @@
             </a:ln>
             <a:extLst>
               <a:ext uri="{91240B29-F687-4f45-9708-019B960494DF}">
-                <a14:hiddenLine xmlns:a14="http://schemas.microsoft.com/office/drawing/2010/main" xmlns="" w="9525">
+                <a14:hiddenLine xmlns="" xmlns:a14="http://schemas.microsoft.com/office/drawing/2010/main" w="9525">
                   <a:solidFill>
                     <a:srgbClr val="000000"/>
                   </a:solidFill>
@@ -1500,7 +1500,7 @@
             </a:ln>
             <a:extLst>
               <a:ext uri="{91240B29-F687-4f45-9708-019B960494DF}">
-                <a14:hiddenLine xmlns:a14="http://schemas.microsoft.com/office/drawing/2010/main" xmlns="" w="9525">
+                <a14:hiddenLine xmlns="" xmlns:a14="http://schemas.microsoft.com/office/drawing/2010/main" w="9525">
                   <a:solidFill>
                     <a:srgbClr val="000000"/>
                   </a:solidFill>
@@ -1562,7 +1562,7 @@
             </a:ln>
             <a:extLst>
               <a:ext uri="{91240B29-F687-4f45-9708-019B960494DF}">
-                <a14:hiddenLine xmlns:a14="http://schemas.microsoft.com/office/drawing/2010/main" xmlns="" w="9525">
+                <a14:hiddenLine xmlns="" xmlns:a14="http://schemas.microsoft.com/office/drawing/2010/main" w="9525">
                   <a:solidFill>
                     <a:srgbClr val="000000"/>
                   </a:solidFill>
@@ -1652,7 +1652,7 @@
             </a:ln>
             <a:extLst>
               <a:ext uri="{91240B29-F687-4f45-9708-019B960494DF}">
-                <a14:hiddenLine xmlns:a14="http://schemas.microsoft.com/office/drawing/2010/main" xmlns="" w="9525">
+                <a14:hiddenLine xmlns="" xmlns:a14="http://schemas.microsoft.com/office/drawing/2010/main" w="9525">
                   <a:solidFill>
                     <a:srgbClr val="000000"/>
                   </a:solidFill>
@@ -1742,7 +1742,7 @@
             </a:ln>
             <a:extLst>
               <a:ext uri="{91240B29-F687-4f45-9708-019B960494DF}">
-                <a14:hiddenLine xmlns:a14="http://schemas.microsoft.com/office/drawing/2010/main" xmlns="" w="9525">
+                <a14:hiddenLine xmlns="" xmlns:a14="http://schemas.microsoft.com/office/drawing/2010/main" w="9525">
                   <a:solidFill>
                     <a:srgbClr val="000000"/>
                   </a:solidFill>
@@ -1798,7 +1798,7 @@
             </a:ln>
             <a:extLst>
               <a:ext uri="{91240B29-F687-4f45-9708-019B960494DF}">
-                <a14:hiddenLine xmlns:a14="http://schemas.microsoft.com/office/drawing/2010/main" xmlns="" w="9525">
+                <a14:hiddenLine xmlns="" xmlns:a14="http://schemas.microsoft.com/office/drawing/2010/main" w="9525">
                   <a:solidFill>
                     <a:srgbClr val="000000"/>
                   </a:solidFill>
@@ -1888,7 +1888,7 @@
             </a:ln>
             <a:extLst>
               <a:ext uri="{91240B29-F687-4f45-9708-019B960494DF}">
-                <a14:hiddenLine xmlns:a14="http://schemas.microsoft.com/office/drawing/2010/main" xmlns="" w="9525">
+                <a14:hiddenLine xmlns="" xmlns:a14="http://schemas.microsoft.com/office/drawing/2010/main" w="9525">
                   <a:solidFill>
                     <a:srgbClr val="000000"/>
                   </a:solidFill>
@@ -1944,7 +1944,7 @@
             </a:ln>
             <a:extLst>
               <a:ext uri="{91240B29-F687-4f45-9708-019B960494DF}">
-                <a14:hiddenLine xmlns:a14="http://schemas.microsoft.com/office/drawing/2010/main" xmlns="" w="9525">
+                <a14:hiddenLine xmlns="" xmlns:a14="http://schemas.microsoft.com/office/drawing/2010/main" w="9525">
                   <a:solidFill>
                     <a:srgbClr val="000000"/>
                   </a:solidFill>
@@ -2034,7 +2034,7 @@
             </a:ln>
             <a:extLst>
               <a:ext uri="{91240B29-F687-4f45-9708-019B960494DF}">
-                <a14:hiddenLine xmlns:a14="http://schemas.microsoft.com/office/drawing/2010/main" xmlns="" w="9525">
+                <a14:hiddenLine xmlns="" xmlns:a14="http://schemas.microsoft.com/office/drawing/2010/main" w="9525">
                   <a:solidFill>
                     <a:srgbClr val="000000"/>
                   </a:solidFill>
@@ -2102,7 +2102,7 @@
             </a:ln>
             <a:extLst>
               <a:ext uri="{91240B29-F687-4f45-9708-019B960494DF}">
-                <a14:hiddenLine xmlns:a14="http://schemas.microsoft.com/office/drawing/2010/main" xmlns="" w="9525">
+                <a14:hiddenLine xmlns="" xmlns:a14="http://schemas.microsoft.com/office/drawing/2010/main" w="9525">
                   <a:solidFill>
                     <a:srgbClr val="000000"/>
                   </a:solidFill>
@@ -2192,7 +2192,7 @@
             </a:ln>
             <a:extLst>
               <a:ext uri="{91240B29-F687-4f45-9708-019B960494DF}">
-                <a14:hiddenLine xmlns:a14="http://schemas.microsoft.com/office/drawing/2010/main" xmlns="" w="9525">
+                <a14:hiddenLine xmlns="" xmlns:a14="http://schemas.microsoft.com/office/drawing/2010/main" w="9525">
                   <a:solidFill>
                     <a:srgbClr val="000000"/>
                   </a:solidFill>
@@ -2260,7 +2260,7 @@
             </a:ln>
             <a:extLst>
               <a:ext uri="{91240B29-F687-4f45-9708-019B960494DF}">
-                <a14:hiddenLine xmlns:a14="http://schemas.microsoft.com/office/drawing/2010/main" xmlns="" w="9525">
+                <a14:hiddenLine xmlns="" xmlns:a14="http://schemas.microsoft.com/office/drawing/2010/main" w="9525">
                   <a:solidFill>
                     <a:srgbClr val="000000"/>
                   </a:solidFill>
@@ -2350,7 +2350,7 @@
             </a:ln>
             <a:extLst>
               <a:ext uri="{91240B29-F687-4f45-9708-019B960494DF}">
-                <a14:hiddenLine xmlns:a14="http://schemas.microsoft.com/office/drawing/2010/main" xmlns="" w="9525">
+                <a14:hiddenLine xmlns="" xmlns:a14="http://schemas.microsoft.com/office/drawing/2010/main" w="9525">
                   <a:solidFill>
                     <a:srgbClr val="000000"/>
                   </a:solidFill>
@@ -2384,7 +2384,7 @@
             </a:ln>
             <a:extLst>
               <a:ext uri="{91240B29-F687-4f45-9708-019B960494DF}">
-                <a14:hiddenLine xmlns:a14="http://schemas.microsoft.com/office/drawing/2010/main" xmlns="" w="9525">
+                <a14:hiddenLine xmlns="" xmlns:a14="http://schemas.microsoft.com/office/drawing/2010/main" w="9525">
                   <a:solidFill>
                     <a:srgbClr val="000000"/>
                   </a:solidFill>
@@ -2474,7 +2474,7 @@
             </a:ln>
             <a:extLst>
               <a:ext uri="{91240B29-F687-4f45-9708-019B960494DF}">
-                <a14:hiddenLine xmlns:a14="http://schemas.microsoft.com/office/drawing/2010/main" xmlns="" w="9525">
+                <a14:hiddenLine xmlns="" xmlns:a14="http://schemas.microsoft.com/office/drawing/2010/main" w="9525">
                   <a:solidFill>
                     <a:srgbClr val="000000"/>
                   </a:solidFill>
@@ -2536,7 +2536,7 @@
             </a:ln>
             <a:extLst>
               <a:ext uri="{91240B29-F687-4f45-9708-019B960494DF}">
-                <a14:hiddenLine xmlns:a14="http://schemas.microsoft.com/office/drawing/2010/main" xmlns="" w="9525">
+                <a14:hiddenLine xmlns="" xmlns:a14="http://schemas.microsoft.com/office/drawing/2010/main" w="9525">
                   <a:solidFill>
                     <a:srgbClr val="000000"/>
                   </a:solidFill>
@@ -2598,7 +2598,7 @@
             </a:ln>
             <a:extLst>
               <a:ext uri="{91240B29-F687-4f45-9708-019B960494DF}">
-                <a14:hiddenLine xmlns:a14="http://schemas.microsoft.com/office/drawing/2010/main" xmlns="" w="9525">
+                <a14:hiddenLine xmlns="" xmlns:a14="http://schemas.microsoft.com/office/drawing/2010/main" w="9525">
                   <a:solidFill>
                     <a:srgbClr val="000000"/>
                   </a:solidFill>
@@ -2688,7 +2688,7 @@
             </a:ln>
             <a:extLst>
               <a:ext uri="{91240B29-F687-4f45-9708-019B960494DF}">
-                <a14:hiddenLine xmlns:a14="http://schemas.microsoft.com/office/drawing/2010/main" xmlns="" w="9525">
+                <a14:hiddenLine xmlns="" xmlns:a14="http://schemas.microsoft.com/office/drawing/2010/main" w="9525">
                   <a:solidFill>
                     <a:srgbClr val="000000"/>
                   </a:solidFill>
@@ -2756,7 +2756,7 @@
             </a:ln>
             <a:extLst>
               <a:ext uri="{91240B29-F687-4f45-9708-019B960494DF}">
-                <a14:hiddenLine xmlns:a14="http://schemas.microsoft.com/office/drawing/2010/main" xmlns="" w="9525">
+                <a14:hiddenLine xmlns="" xmlns:a14="http://schemas.microsoft.com/office/drawing/2010/main" w="9525">
                   <a:solidFill>
                     <a:srgbClr val="000000"/>
                   </a:solidFill>
@@ -2818,7 +2818,7 @@
             </a:ln>
             <a:extLst>
               <a:ext uri="{91240B29-F687-4f45-9708-019B960494DF}">
-                <a14:hiddenLine xmlns:a14="http://schemas.microsoft.com/office/drawing/2010/main" xmlns="" w="9525">
+                <a14:hiddenLine xmlns="" xmlns:a14="http://schemas.microsoft.com/office/drawing/2010/main" w="9525">
                   <a:solidFill>
                     <a:srgbClr val="000000"/>
                   </a:solidFill>
@@ -2908,7 +2908,7 @@
             </a:ln>
             <a:extLst>
               <a:ext uri="{91240B29-F687-4f45-9708-019B960494DF}">
-                <a14:hiddenLine xmlns:a14="http://schemas.microsoft.com/office/drawing/2010/main" xmlns="" w="9525">
+                <a14:hiddenLine xmlns="" xmlns:a14="http://schemas.microsoft.com/office/drawing/2010/main" w="9525">
                   <a:solidFill>
                     <a:srgbClr val="000000"/>
                   </a:solidFill>
@@ -2970,7 +2970,7 @@
             </a:ln>
             <a:extLst>
               <a:ext uri="{91240B29-F687-4f45-9708-019B960494DF}">
-                <a14:hiddenLine xmlns:a14="http://schemas.microsoft.com/office/drawing/2010/main" xmlns="" w="9525">
+                <a14:hiddenLine xmlns="" xmlns:a14="http://schemas.microsoft.com/office/drawing/2010/main" w="9525">
                   <a:solidFill>
                     <a:srgbClr val="000000"/>
                   </a:solidFill>
@@ -3060,7 +3060,7 @@
             </a:ln>
             <a:extLst>
               <a:ext uri="{91240B29-F687-4f45-9708-019B960494DF}">
-                <a14:hiddenLine xmlns:a14="http://schemas.microsoft.com/office/drawing/2010/main" xmlns="" w="9525">
+                <a14:hiddenLine xmlns="" xmlns:a14="http://schemas.microsoft.com/office/drawing/2010/main" w="9525">
                   <a:solidFill>
                     <a:srgbClr val="000000"/>
                   </a:solidFill>
@@ -3122,7 +3122,7 @@
             </a:ln>
             <a:extLst>
               <a:ext uri="{91240B29-F687-4f45-9708-019B960494DF}">
-                <a14:hiddenLine xmlns:a14="http://schemas.microsoft.com/office/drawing/2010/main" xmlns="" w="9525">
+                <a14:hiddenLine xmlns="" xmlns:a14="http://schemas.microsoft.com/office/drawing/2010/main" w="9525">
                   <a:solidFill>
                     <a:srgbClr val="000000"/>
                   </a:solidFill>
@@ -3212,7 +3212,7 @@
             </a:ln>
             <a:extLst>
               <a:ext uri="{91240B29-F687-4f45-9708-019B960494DF}">
-                <a14:hiddenLine xmlns:a14="http://schemas.microsoft.com/office/drawing/2010/main" xmlns="" w="9525">
+                <a14:hiddenLine xmlns="" xmlns:a14="http://schemas.microsoft.com/office/drawing/2010/main" w="9525">
                   <a:solidFill>
                     <a:srgbClr val="000000"/>
                   </a:solidFill>
@@ -3246,7 +3246,7 @@
             </a:ln>
             <a:extLst>
               <a:ext uri="{91240B29-F687-4f45-9708-019B960494DF}">
-                <a14:hiddenLine xmlns:a14="http://schemas.microsoft.com/office/drawing/2010/main" xmlns="" w="9525">
+                <a14:hiddenLine xmlns="" xmlns:a14="http://schemas.microsoft.com/office/drawing/2010/main" w="9525">
                   <a:solidFill>
                     <a:srgbClr val="000000"/>
                   </a:solidFill>
@@ -3311,7 +3311,7 @@
             </a:ln>
             <a:extLst>
               <a:ext uri="{91240B29-F687-4f45-9708-019B960494DF}">
-                <a14:hiddenLine xmlns:a14="http://schemas.microsoft.com/office/drawing/2010/main" xmlns="" w="9525">
+                <a14:hiddenLine xmlns="" xmlns:a14="http://schemas.microsoft.com/office/drawing/2010/main" w="9525">
                   <a:solidFill>
                     <a:srgbClr val="000000"/>
                   </a:solidFill>
@@ -3401,7 +3401,7 @@
             </a:ln>
             <a:extLst>
               <a:ext uri="{91240B29-F687-4f45-9708-019B960494DF}">
-                <a14:hiddenLine xmlns:a14="http://schemas.microsoft.com/office/drawing/2010/main" xmlns="" w="9525">
+                <a14:hiddenLine xmlns="" xmlns:a14="http://schemas.microsoft.com/office/drawing/2010/main" w="9525">
                   <a:solidFill>
                     <a:srgbClr val="000000"/>
                   </a:solidFill>
@@ -3463,7 +3463,7 @@
             </a:ln>
             <a:extLst>
               <a:ext uri="{91240B29-F687-4f45-9708-019B960494DF}">
-                <a14:hiddenLine xmlns:a14="http://schemas.microsoft.com/office/drawing/2010/main" xmlns="" w="9525">
+                <a14:hiddenLine xmlns="" xmlns:a14="http://schemas.microsoft.com/office/drawing/2010/main" w="9525">
                   <a:solidFill>
                     <a:srgbClr val="000000"/>
                   </a:solidFill>
@@ -3553,7 +3553,7 @@
             </a:ln>
             <a:extLst>
               <a:ext uri="{91240B29-F687-4f45-9708-019B960494DF}">
-                <a14:hiddenLine xmlns:a14="http://schemas.microsoft.com/office/drawing/2010/main" xmlns="" w="9525">
+                <a14:hiddenLine xmlns="" xmlns:a14="http://schemas.microsoft.com/office/drawing/2010/main" w="9525">
                   <a:solidFill>
                     <a:srgbClr val="000000"/>
                   </a:solidFill>
@@ -3643,7 +3643,7 @@
             </a:ln>
             <a:extLst>
               <a:ext uri="{91240B29-F687-4f45-9708-019B960494DF}">
-                <a14:hiddenLine xmlns:a14="http://schemas.microsoft.com/office/drawing/2010/main" xmlns="" w="9525">
+                <a14:hiddenLine xmlns="" xmlns:a14="http://schemas.microsoft.com/office/drawing/2010/main" w="9525">
                   <a:solidFill>
                     <a:srgbClr val="000000"/>
                   </a:solidFill>
@@ -3708,7 +3708,7 @@
             </a:ln>
             <a:extLst>
               <a:ext uri="{91240B29-F687-4f45-9708-019B960494DF}">
-                <a14:hiddenLine xmlns:a14="http://schemas.microsoft.com/office/drawing/2010/main" xmlns="" w="9525">
+                <a14:hiddenLine xmlns="" xmlns:a14="http://schemas.microsoft.com/office/drawing/2010/main" w="9525">
                   <a:solidFill>
                     <a:srgbClr val="000000"/>
                   </a:solidFill>
@@ -3770,7 +3770,7 @@
             </a:ln>
             <a:extLst>
               <a:ext uri="{91240B29-F687-4f45-9708-019B960494DF}">
-                <a14:hiddenLine xmlns:a14="http://schemas.microsoft.com/office/drawing/2010/main" xmlns="" w="9525">
+                <a14:hiddenLine xmlns="" xmlns:a14="http://schemas.microsoft.com/office/drawing/2010/main" w="9525">
                   <a:solidFill>
                     <a:srgbClr val="000000"/>
                   </a:solidFill>
@@ -3860,7 +3860,7 @@
             </a:ln>
             <a:extLst>
               <a:ext uri="{91240B29-F687-4f45-9708-019B960494DF}">
-                <a14:hiddenLine xmlns:a14="http://schemas.microsoft.com/office/drawing/2010/main" xmlns="" w="9525">
+                <a14:hiddenLine xmlns="" xmlns:a14="http://schemas.microsoft.com/office/drawing/2010/main" w="9525">
                   <a:solidFill>
                     <a:srgbClr val="000000"/>
                   </a:solidFill>
@@ -3950,7 +3950,7 @@
             </a:ln>
             <a:extLst>
               <a:ext uri="{91240B29-F687-4f45-9708-019B960494DF}">
-                <a14:hiddenLine xmlns:a14="http://schemas.microsoft.com/office/drawing/2010/main" xmlns="" w="9525">
+                <a14:hiddenLine xmlns="" xmlns:a14="http://schemas.microsoft.com/office/drawing/2010/main" w="9525">
                   <a:solidFill>
                     <a:srgbClr val="000000"/>
                   </a:solidFill>
@@ -4012,7 +4012,7 @@
             </a:ln>
             <a:extLst>
               <a:ext uri="{91240B29-F687-4f45-9708-019B960494DF}">
-                <a14:hiddenLine xmlns:a14="http://schemas.microsoft.com/office/drawing/2010/main" xmlns="" w="9525">
+                <a14:hiddenLine xmlns="" xmlns:a14="http://schemas.microsoft.com/office/drawing/2010/main" w="9525">
                   <a:solidFill>
                     <a:srgbClr val="000000"/>
                   </a:solidFill>
@@ -4132,7 +4132,7 @@
             </a:ln>
             <a:extLst>
               <a:ext uri="{91240B29-F687-4f45-9708-019B960494DF}">
-                <a14:hiddenLine xmlns:a14="http://schemas.microsoft.com/office/drawing/2010/main" xmlns="" w="9525">
+                <a14:hiddenLine xmlns="" xmlns:a14="http://schemas.microsoft.com/office/drawing/2010/main" w="9525">
                   <a:solidFill>
                     <a:srgbClr val="000000"/>
                   </a:solidFill>
@@ -4200,7 +4200,7 @@
             </a:ln>
             <a:extLst>
               <a:ext uri="{91240B29-F687-4f45-9708-019B960494DF}">
-                <a14:hiddenLine xmlns:a14="http://schemas.microsoft.com/office/drawing/2010/main" xmlns="" w="9525">
+                <a14:hiddenLine xmlns="" xmlns:a14="http://schemas.microsoft.com/office/drawing/2010/main" w="9525">
                   <a:solidFill>
                     <a:srgbClr val="000000"/>
                   </a:solidFill>
@@ -4290,7 +4290,7 @@
             </a:ln>
             <a:extLst>
               <a:ext uri="{91240B29-F687-4f45-9708-019B960494DF}">
-                <a14:hiddenLine xmlns:a14="http://schemas.microsoft.com/office/drawing/2010/main" xmlns="" w="9525">
+                <a14:hiddenLine xmlns="" xmlns:a14="http://schemas.microsoft.com/office/drawing/2010/main" w="9525">
                   <a:solidFill>
                     <a:srgbClr val="000000"/>
                   </a:solidFill>
@@ -9019,7 +9019,7 @@
           <a:noFill/>
           <a:extLst>
             <a:ext uri="{909E8E84-426E-40dd-AFC4-6F175D3DCCD1}">
-              <a14:hiddenFill xmlns:a14="http://schemas.microsoft.com/office/drawing/2010/main" xmlns="">
+              <a14:hiddenFill xmlns="" xmlns:a14="http://schemas.microsoft.com/office/drawing/2010/main">
                 <a:solidFill>
                   <a:srgbClr val="FFFFFF"/>
                 </a:solidFill>
@@ -9093,7 +9093,7 @@
               </a:ln>
               <a:extLst>
                 <a:ext uri="{91240B29-F687-4f45-9708-019B960494DF}">
-                  <a14:hiddenLine xmlns:a14="http://schemas.microsoft.com/office/drawing/2010/main" xmlns="" w="9525">
+                  <a14:hiddenLine xmlns="" xmlns:a14="http://schemas.microsoft.com/office/drawing/2010/main" w="9525">
                     <a:solidFill>
                       <a:srgbClr val="000000"/>
                     </a:solidFill>
@@ -9183,7 +9183,7 @@
               </a:ln>
               <a:extLst>
                 <a:ext uri="{91240B29-F687-4f45-9708-019B960494DF}">
-                  <a14:hiddenLine xmlns:a14="http://schemas.microsoft.com/office/drawing/2010/main" xmlns="" w="9525">
+                  <a14:hiddenLine xmlns="" xmlns:a14="http://schemas.microsoft.com/office/drawing/2010/main" w="9525">
                     <a:solidFill>
                       <a:srgbClr val="000000"/>
                     </a:solidFill>
@@ -9273,7 +9273,7 @@
               </a:ln>
               <a:extLst>
                 <a:ext uri="{91240B29-F687-4f45-9708-019B960494DF}">
-                  <a14:hiddenLine xmlns:a14="http://schemas.microsoft.com/office/drawing/2010/main" xmlns="" w="9525">
+                  <a14:hiddenLine xmlns="" xmlns:a14="http://schemas.microsoft.com/office/drawing/2010/main" w="9525">
                     <a:solidFill>
                       <a:srgbClr val="000000"/>
                     </a:solidFill>
@@ -9335,7 +9335,7 @@
               </a:ln>
               <a:extLst>
                 <a:ext uri="{91240B29-F687-4f45-9708-019B960494DF}">
-                  <a14:hiddenLine xmlns:a14="http://schemas.microsoft.com/office/drawing/2010/main" xmlns="" w="9525">
+                  <a14:hiddenLine xmlns="" xmlns:a14="http://schemas.microsoft.com/office/drawing/2010/main" w="9525">
                     <a:solidFill>
                       <a:srgbClr val="000000"/>
                     </a:solidFill>
@@ -9425,7 +9425,7 @@
               </a:ln>
               <a:extLst>
                 <a:ext uri="{91240B29-F687-4f45-9708-019B960494DF}">
-                  <a14:hiddenLine xmlns:a14="http://schemas.microsoft.com/office/drawing/2010/main" xmlns="" w="9525">
+                  <a14:hiddenLine xmlns="" xmlns:a14="http://schemas.microsoft.com/office/drawing/2010/main" w="9525">
                     <a:solidFill>
                       <a:srgbClr val="000000"/>
                     </a:solidFill>
@@ -9487,7 +9487,7 @@
               </a:ln>
               <a:extLst>
                 <a:ext uri="{91240B29-F687-4f45-9708-019B960494DF}">
-                  <a14:hiddenLine xmlns:a14="http://schemas.microsoft.com/office/drawing/2010/main" xmlns="" w="9525">
+                  <a14:hiddenLine xmlns="" xmlns:a14="http://schemas.microsoft.com/office/drawing/2010/main" w="9525">
                     <a:solidFill>
                       <a:srgbClr val="000000"/>
                     </a:solidFill>
@@ -9549,7 +9549,7 @@
               </a:ln>
               <a:extLst>
                 <a:ext uri="{91240B29-F687-4f45-9708-019B960494DF}">
-                  <a14:hiddenLine xmlns:a14="http://schemas.microsoft.com/office/drawing/2010/main" xmlns="" w="9525">
+                  <a14:hiddenLine xmlns="" xmlns:a14="http://schemas.microsoft.com/office/drawing/2010/main" w="9525">
                     <a:solidFill>
                       <a:srgbClr val="000000"/>
                     </a:solidFill>
@@ -9639,7 +9639,7 @@
               </a:ln>
               <a:extLst>
                 <a:ext uri="{91240B29-F687-4f45-9708-019B960494DF}">
-                  <a14:hiddenLine xmlns:a14="http://schemas.microsoft.com/office/drawing/2010/main" xmlns="" w="9525">
+                  <a14:hiddenLine xmlns="" xmlns:a14="http://schemas.microsoft.com/office/drawing/2010/main" w="9525">
                     <a:solidFill>
                       <a:srgbClr val="000000"/>
                     </a:solidFill>
@@ -9729,7 +9729,7 @@
               </a:ln>
               <a:extLst>
                 <a:ext uri="{91240B29-F687-4f45-9708-019B960494DF}">
-                  <a14:hiddenLine xmlns:a14="http://schemas.microsoft.com/office/drawing/2010/main" xmlns="" w="9525">
+                  <a14:hiddenLine xmlns="" xmlns:a14="http://schemas.microsoft.com/office/drawing/2010/main" w="9525">
                     <a:solidFill>
                       <a:srgbClr val="000000"/>
                     </a:solidFill>
@@ -9791,7 +9791,7 @@
               </a:ln>
               <a:extLst>
                 <a:ext uri="{91240B29-F687-4f45-9708-019B960494DF}">
-                  <a14:hiddenLine xmlns:a14="http://schemas.microsoft.com/office/drawing/2010/main" xmlns="" w="9525">
+                  <a14:hiddenLine xmlns="" xmlns:a14="http://schemas.microsoft.com/office/drawing/2010/main" w="9525">
                     <a:solidFill>
                       <a:srgbClr val="000000"/>
                     </a:solidFill>
@@ -9901,7 +9901,7 @@
               </a:ln>
               <a:extLst>
                 <a:ext uri="{91240B29-F687-4f45-9708-019B960494DF}">
-                  <a14:hiddenLine xmlns:a14="http://schemas.microsoft.com/office/drawing/2010/main" xmlns="" w="9525">
+                  <a14:hiddenLine xmlns="" xmlns:a14="http://schemas.microsoft.com/office/drawing/2010/main" w="9525">
                     <a:solidFill>
                       <a:srgbClr val="000000"/>
                     </a:solidFill>
@@ -9985,7 +9985,7 @@
               </a:ln>
               <a:extLst>
                 <a:ext uri="{91240B29-F687-4f45-9708-019B960494DF}">
-                  <a14:hiddenLine xmlns:a14="http://schemas.microsoft.com/office/drawing/2010/main" xmlns="" w="9525">
+                  <a14:hiddenLine xmlns="" xmlns:a14="http://schemas.microsoft.com/office/drawing/2010/main" w="9525">
                     <a:solidFill>
                       <a:srgbClr val="000000"/>
                     </a:solidFill>
@@ -10047,7 +10047,7 @@
               </a:ln>
               <a:extLst>
                 <a:ext uri="{91240B29-F687-4f45-9708-019B960494DF}">
-                  <a14:hiddenLine xmlns:a14="http://schemas.microsoft.com/office/drawing/2010/main" xmlns="" w="9525">
+                  <a14:hiddenLine xmlns="" xmlns:a14="http://schemas.microsoft.com/office/drawing/2010/main" w="9525">
                     <a:solidFill>
                       <a:srgbClr val="000000"/>
                     </a:solidFill>
@@ -10109,7 +10109,7 @@
               </a:ln>
               <a:extLst>
                 <a:ext uri="{91240B29-F687-4f45-9708-019B960494DF}">
-                  <a14:hiddenLine xmlns:a14="http://schemas.microsoft.com/office/drawing/2010/main" xmlns="" w="9525">
+                  <a14:hiddenLine xmlns="" xmlns:a14="http://schemas.microsoft.com/office/drawing/2010/main" w="9525">
                     <a:solidFill>
                       <a:srgbClr val="000000"/>
                     </a:solidFill>
@@ -10199,7 +10199,7 @@
               </a:ln>
               <a:extLst>
                 <a:ext uri="{91240B29-F687-4f45-9708-019B960494DF}">
-                  <a14:hiddenLine xmlns:a14="http://schemas.microsoft.com/office/drawing/2010/main" xmlns="" w="9525">
+                  <a14:hiddenLine xmlns="" xmlns:a14="http://schemas.microsoft.com/office/drawing/2010/main" w="9525">
                     <a:solidFill>
                       <a:srgbClr val="000000"/>
                     </a:solidFill>
@@ -10233,7 +10233,7 @@
               </a:ln>
               <a:extLst>
                 <a:ext uri="{91240B29-F687-4f45-9708-019B960494DF}">
-                  <a14:hiddenLine xmlns:a14="http://schemas.microsoft.com/office/drawing/2010/main" xmlns="" w="9525">
+                  <a14:hiddenLine xmlns="" xmlns:a14="http://schemas.microsoft.com/office/drawing/2010/main" w="9525">
                     <a:solidFill>
                       <a:srgbClr val="000000"/>
                     </a:solidFill>
@@ -10298,7 +10298,7 @@
               </a:ln>
               <a:extLst>
                 <a:ext uri="{91240B29-F687-4f45-9708-019B960494DF}">
-                  <a14:hiddenLine xmlns:a14="http://schemas.microsoft.com/office/drawing/2010/main" xmlns="" w="9525">
+                  <a14:hiddenLine xmlns="" xmlns:a14="http://schemas.microsoft.com/office/drawing/2010/main" w="9525">
                     <a:solidFill>
                       <a:srgbClr val="000000"/>
                     </a:solidFill>
@@ -10388,7 +10388,7 @@
               </a:ln>
               <a:extLst>
                 <a:ext uri="{91240B29-F687-4f45-9708-019B960494DF}">
-                  <a14:hiddenLine xmlns:a14="http://schemas.microsoft.com/office/drawing/2010/main" xmlns="" w="9525">
+                  <a14:hiddenLine xmlns="" xmlns:a14="http://schemas.microsoft.com/office/drawing/2010/main" w="9525">
                     <a:solidFill>
                       <a:srgbClr val="000000"/>
                     </a:solidFill>
@@ -10450,7 +10450,7 @@
               </a:ln>
               <a:extLst>
                 <a:ext uri="{91240B29-F687-4f45-9708-019B960494DF}">
-                  <a14:hiddenLine xmlns:a14="http://schemas.microsoft.com/office/drawing/2010/main" xmlns="" w="9525">
+                  <a14:hiddenLine xmlns="" xmlns:a14="http://schemas.microsoft.com/office/drawing/2010/main" w="9525">
                     <a:solidFill>
                       <a:srgbClr val="000000"/>
                     </a:solidFill>
@@ -10540,7 +10540,7 @@
               </a:ln>
               <a:extLst>
                 <a:ext uri="{91240B29-F687-4f45-9708-019B960494DF}">
-                  <a14:hiddenLine xmlns:a14="http://schemas.microsoft.com/office/drawing/2010/main" xmlns="" w="9525">
+                  <a14:hiddenLine xmlns="" xmlns:a14="http://schemas.microsoft.com/office/drawing/2010/main" w="9525">
                     <a:solidFill>
                       <a:srgbClr val="000000"/>
                     </a:solidFill>
@@ -10605,7 +10605,7 @@
               </a:ln>
               <a:extLst>
                 <a:ext uri="{91240B29-F687-4f45-9708-019B960494DF}">
-                  <a14:hiddenLine xmlns:a14="http://schemas.microsoft.com/office/drawing/2010/main" xmlns="" w="9525">
+                  <a14:hiddenLine xmlns="" xmlns:a14="http://schemas.microsoft.com/office/drawing/2010/main" w="9525">
                     <a:solidFill>
                       <a:srgbClr val="000000"/>
                     </a:solidFill>
@@ -10667,7 +10667,7 @@
               </a:ln>
               <a:extLst>
                 <a:ext uri="{91240B29-F687-4f45-9708-019B960494DF}">
-                  <a14:hiddenLine xmlns:a14="http://schemas.microsoft.com/office/drawing/2010/main" xmlns="" w="9525">
+                  <a14:hiddenLine xmlns="" xmlns:a14="http://schemas.microsoft.com/office/drawing/2010/main" w="9525">
                     <a:solidFill>
                       <a:srgbClr val="000000"/>
                     </a:solidFill>
@@ -10757,7 +10757,7 @@
               </a:ln>
               <a:extLst>
                 <a:ext uri="{91240B29-F687-4f45-9708-019B960494DF}">
-                  <a14:hiddenLine xmlns:a14="http://schemas.microsoft.com/office/drawing/2010/main" xmlns="" w="9525">
+                  <a14:hiddenLine xmlns="" xmlns:a14="http://schemas.microsoft.com/office/drawing/2010/main" w="9525">
                     <a:solidFill>
                       <a:srgbClr val="000000"/>
                     </a:solidFill>
@@ -10847,7 +10847,7 @@
               </a:ln>
               <a:extLst>
                 <a:ext uri="{91240B29-F687-4f45-9708-019B960494DF}">
-                  <a14:hiddenLine xmlns:a14="http://schemas.microsoft.com/office/drawing/2010/main" xmlns="" w="9525">
+                  <a14:hiddenLine xmlns="" xmlns:a14="http://schemas.microsoft.com/office/drawing/2010/main" w="9525">
                     <a:solidFill>
                       <a:srgbClr val="000000"/>
                     </a:solidFill>
@@ -10912,7 +10912,7 @@
               </a:ln>
               <a:extLst>
                 <a:ext uri="{91240B29-F687-4f45-9708-019B960494DF}">
-                  <a14:hiddenLine xmlns:a14="http://schemas.microsoft.com/office/drawing/2010/main" xmlns="" w="9525">
+                  <a14:hiddenLine xmlns="" xmlns:a14="http://schemas.microsoft.com/office/drawing/2010/main" w="9525">
                     <a:solidFill>
                       <a:srgbClr val="000000"/>
                     </a:solidFill>
@@ -11032,7 +11032,7 @@
               </a:ln>
               <a:extLst>
                 <a:ext uri="{91240B29-F687-4f45-9708-019B960494DF}">
-                  <a14:hiddenLine xmlns:a14="http://schemas.microsoft.com/office/drawing/2010/main" xmlns="" w="9525">
+                  <a14:hiddenLine xmlns="" xmlns:a14="http://schemas.microsoft.com/office/drawing/2010/main" w="9525">
                     <a:solidFill>
                       <a:srgbClr val="000000"/>
                     </a:solidFill>
@@ -11113,7 +11113,7 @@
               </a:ln>
               <a:extLst>
                 <a:ext uri="{91240B29-F687-4f45-9708-019B960494DF}">
-                  <a14:hiddenLine xmlns:a14="http://schemas.microsoft.com/office/drawing/2010/main" xmlns="" w="9525">
+                  <a14:hiddenLine xmlns="" xmlns:a14="http://schemas.microsoft.com/office/drawing/2010/main" w="9525">
                     <a:solidFill>
                       <a:srgbClr val="000000"/>
                     </a:solidFill>
@@ -11228,7 +11228,7 @@
               </a:ln>
               <a:extLst>
                 <a:ext uri="{91240B29-F687-4f45-9708-019B960494DF}">
-                  <a14:hiddenLine xmlns:a14="http://schemas.microsoft.com/office/drawing/2010/main" xmlns="" w="9525">
+                  <a14:hiddenLine xmlns="" xmlns:a14="http://schemas.microsoft.com/office/drawing/2010/main" w="9525">
                     <a:solidFill>
                       <a:srgbClr val="000000"/>
                     </a:solidFill>
@@ -11318,7 +11318,7 @@
               </a:ln>
               <a:extLst>
                 <a:ext uri="{91240B29-F687-4f45-9708-019B960494DF}">
-                  <a14:hiddenLine xmlns:a14="http://schemas.microsoft.com/office/drawing/2010/main" xmlns="" w="9525">
+                  <a14:hiddenLine xmlns="" xmlns:a14="http://schemas.microsoft.com/office/drawing/2010/main" w="9525">
                     <a:solidFill>
                       <a:srgbClr val="000000"/>
                     </a:solidFill>
@@ -11383,7 +11383,7 @@
               </a:ln>
               <a:extLst>
                 <a:ext uri="{91240B29-F687-4f45-9708-019B960494DF}">
-                  <a14:hiddenLine xmlns:a14="http://schemas.microsoft.com/office/drawing/2010/main" xmlns="" w="9525">
+                  <a14:hiddenLine xmlns="" xmlns:a14="http://schemas.microsoft.com/office/drawing/2010/main" w="9525">
                     <a:solidFill>
                       <a:srgbClr val="000000"/>
                     </a:solidFill>
@@ -11473,7 +11473,7 @@
               </a:ln>
               <a:extLst>
                 <a:ext uri="{91240B29-F687-4f45-9708-019B960494DF}">
-                  <a14:hiddenLine xmlns:a14="http://schemas.microsoft.com/office/drawing/2010/main" xmlns="" w="9525">
+                  <a14:hiddenLine xmlns="" xmlns:a14="http://schemas.microsoft.com/office/drawing/2010/main" w="9525">
                     <a:solidFill>
                       <a:srgbClr val="000000"/>
                     </a:solidFill>
@@ -11541,7 +11541,7 @@
               </a:ln>
               <a:extLst>
                 <a:ext uri="{91240B29-F687-4f45-9708-019B960494DF}">
-                  <a14:hiddenLine xmlns:a14="http://schemas.microsoft.com/office/drawing/2010/main" xmlns="" w="9525">
+                  <a14:hiddenLine xmlns="" xmlns:a14="http://schemas.microsoft.com/office/drawing/2010/main" w="9525">
                     <a:solidFill>
                       <a:srgbClr val="000000"/>
                     </a:solidFill>
@@ -11631,7 +11631,7 @@
               </a:ln>
               <a:extLst>
                 <a:ext uri="{91240B29-F687-4f45-9708-019B960494DF}">
-                  <a14:hiddenLine xmlns:a14="http://schemas.microsoft.com/office/drawing/2010/main" xmlns="" w="9525">
+                  <a14:hiddenLine xmlns="" xmlns:a14="http://schemas.microsoft.com/office/drawing/2010/main" w="9525">
                     <a:solidFill>
                       <a:srgbClr val="000000"/>
                     </a:solidFill>
@@ -11699,7 +11699,7 @@
               </a:ln>
               <a:extLst>
                 <a:ext uri="{91240B29-F687-4f45-9708-019B960494DF}">
-                  <a14:hiddenLine xmlns:a14="http://schemas.microsoft.com/office/drawing/2010/main" xmlns="" w="9525">
+                  <a14:hiddenLine xmlns="" xmlns:a14="http://schemas.microsoft.com/office/drawing/2010/main" w="9525">
                     <a:solidFill>
                       <a:srgbClr val="000000"/>
                     </a:solidFill>
@@ -11789,7 +11789,7 @@
               </a:ln>
               <a:extLst>
                 <a:ext uri="{91240B29-F687-4f45-9708-019B960494DF}">
-                  <a14:hiddenLine xmlns:a14="http://schemas.microsoft.com/office/drawing/2010/main" xmlns="" w="9525">
+                  <a14:hiddenLine xmlns="" xmlns:a14="http://schemas.microsoft.com/office/drawing/2010/main" w="9525">
                     <a:solidFill>
                       <a:srgbClr val="000000"/>
                     </a:solidFill>
@@ -11823,7 +11823,7 @@
               </a:ln>
               <a:extLst>
                 <a:ext uri="{91240B29-F687-4f45-9708-019B960494DF}">
-                  <a14:hiddenLine xmlns:a14="http://schemas.microsoft.com/office/drawing/2010/main" xmlns="" w="9525">
+                  <a14:hiddenLine xmlns="" xmlns:a14="http://schemas.microsoft.com/office/drawing/2010/main" w="9525">
                     <a:solidFill>
                       <a:srgbClr val="000000"/>
                     </a:solidFill>
@@ -24672,11 +24672,7 @@
           <a:p>
             <a:r>
               <a:rPr lang="en-US" dirty="0" smtClean="0"/>
-              <a:t>Control Algorithm For One </a:t>
-            </a:r>
-            <a:r>
-              <a:rPr lang="en-US" dirty="0" smtClean="0"/>
-              <a:t>Leg</a:t>
+              <a:t>Control Algorithm For One Leg</a:t>
             </a:r>
             <a:endParaRPr lang="en-US" dirty="0"/>
           </a:p>
@@ -25245,29 +25241,35 @@
           </a:p>
         </p:txBody>
       </p:sp>
-      <p:sp>
-        <p:nvSpPr>
-          <p:cNvPr id="3" name="Content Placeholder 2"/>
-          <p:cNvSpPr>
-            <a:spLocks noGrp="1"/>
-          </p:cNvSpPr>
+      <p:pic>
+        <p:nvPicPr>
+          <p:cNvPr id="4" name="Content Placeholder 3"/>
+          <p:cNvPicPr>
+            <a:picLocks noGrp="1" noChangeAspect="1"/>
+          </p:cNvPicPr>
           <p:nvPr>
             <p:ph idx="1"/>
           </p:nvPr>
-        </p:nvSpPr>
-        <p:spPr/>
-        <p:txBody>
-          <a:bodyPr/>
-          <a:lstStyle/>
-          <a:p>
-            <a:r>
-              <a:rPr lang="en-US" dirty="0" smtClean="0"/>
-              <a:t>&lt;Diagram to be added here&gt;</a:t>
-            </a:r>
-            <a:endParaRPr lang="en-US" dirty="0"/>
-          </a:p>
-        </p:txBody>
-      </p:sp>
+        </p:nvPicPr>
+        <p:blipFill>
+          <a:blip r:embed="rId2">
+            <a:extLst>
+              <a:ext uri="{28A0092B-C50C-407E-A947-70E740481C1C}">
+                <a14:useLocalDpi xmlns:a14="http://schemas.microsoft.com/office/drawing/2010/main" val="0"/>
+              </a:ext>
+            </a:extLst>
+          </a:blip>
+          <a:stretch>
+            <a:fillRect/>
+          </a:stretch>
+        </p:blipFill>
+        <p:spPr>
+          <a:xfrm>
+            <a:off x="2026000" y="1671516"/>
+            <a:ext cx="7109374" cy="4790955"/>
+          </a:xfrm>
+        </p:spPr>
+      </p:pic>
     </p:spTree>
     <p:extLst>
       <p:ext uri="{BB962C8B-B14F-4D97-AF65-F5344CB8AC3E}">

--- a/Documentation/Presentation/Design Presentation/Design Presentation.pptx
+++ b/Documentation/Presentation/Design Presentation/Design Presentation.pptx
@@ -142,7 +142,7 @@
   </p:defaultTextStyle>
   <p:extLst>
     <p:ext uri="{EFAFB233-063F-42B5-8137-9DF3F51BA10A}">
-      <p15:sldGuideLst xmlns:p15="http://schemas.microsoft.com/office/powerpoint/2012/main"/>
+      <p15:sldGuideLst xmlns:p15="http://schemas.microsoft.com/office/powerpoint/2012/main" xmlns=""/>
     </p:ext>
   </p:extLst>
 </p:presentation>
@@ -204,8 +204,8 @@
           </a:prstGeom>
           <a:noFill/>
           <a:extLst>
-            <a:ext uri="{909E8E84-426E-40dd-AFC4-6F175D3DCCD1}">
-              <a14:hiddenFill xmlns="" xmlns:a14="http://schemas.microsoft.com/office/drawing/2010/main">
+            <a:ext uri="{909E8E84-426E-40DD-AFC4-6F175D3DCCD1}">
+              <a14:hiddenFill xmlns:a14="http://schemas.microsoft.com/office/drawing/2010/main">
                 <a:solidFill>
                   <a:srgbClr val="FFFFFF"/>
                 </a:solidFill>
@@ -263,8 +263,8 @@
               <a:noFill/>
             </a:ln>
             <a:extLst>
-              <a:ext uri="{91240B29-F687-4f45-9708-019B960494DF}">
-                <a14:hiddenLine xmlns="" xmlns:a14="http://schemas.microsoft.com/office/drawing/2010/main" w="9525">
+              <a:ext uri="{91240B29-F687-4F45-9708-019B960494DF}">
+                <a14:hiddenLine xmlns:a14="http://schemas.microsoft.com/office/drawing/2010/main" w="9525">
                   <a:solidFill>
                     <a:srgbClr val="000000"/>
                   </a:solidFill>
@@ -353,8 +353,8 @@
               <a:noFill/>
             </a:ln>
             <a:extLst>
-              <a:ext uri="{91240B29-F687-4f45-9708-019B960494DF}">
-                <a14:hiddenLine xmlns="" xmlns:a14="http://schemas.microsoft.com/office/drawing/2010/main" w="9525">
+              <a:ext uri="{91240B29-F687-4F45-9708-019B960494DF}">
+                <a14:hiddenLine xmlns:a14="http://schemas.microsoft.com/office/drawing/2010/main" w="9525">
                   <a:solidFill>
                     <a:srgbClr val="000000"/>
                   </a:solidFill>
@@ -443,8 +443,8 @@
               <a:noFill/>
             </a:ln>
             <a:extLst>
-              <a:ext uri="{91240B29-F687-4f45-9708-019B960494DF}">
-                <a14:hiddenLine xmlns="" xmlns:a14="http://schemas.microsoft.com/office/drawing/2010/main" w="9525">
+              <a:ext uri="{91240B29-F687-4F45-9708-019B960494DF}">
+                <a14:hiddenLine xmlns:a14="http://schemas.microsoft.com/office/drawing/2010/main" w="9525">
                   <a:solidFill>
                     <a:srgbClr val="000000"/>
                   </a:solidFill>
@@ -477,8 +477,8 @@
               <a:noFill/>
             </a:ln>
             <a:extLst>
-              <a:ext uri="{91240B29-F687-4f45-9708-019B960494DF}">
-                <a14:hiddenLine xmlns="" xmlns:a14="http://schemas.microsoft.com/office/drawing/2010/main" w="9525">
+              <a:ext uri="{91240B29-F687-4F45-9708-019B960494DF}">
+                <a14:hiddenLine xmlns:a14="http://schemas.microsoft.com/office/drawing/2010/main" w="9525">
                   <a:solidFill>
                     <a:srgbClr val="000000"/>
                   </a:solidFill>
@@ -567,8 +567,8 @@
               <a:noFill/>
             </a:ln>
             <a:extLst>
-              <a:ext uri="{91240B29-F687-4f45-9708-019B960494DF}">
-                <a14:hiddenLine xmlns="" xmlns:a14="http://schemas.microsoft.com/office/drawing/2010/main" w="9525">
+              <a:ext uri="{91240B29-F687-4F45-9708-019B960494DF}">
+                <a14:hiddenLine xmlns:a14="http://schemas.microsoft.com/office/drawing/2010/main" w="9525">
                   <a:solidFill>
                     <a:srgbClr val="000000"/>
                   </a:solidFill>
@@ -629,8 +629,8 @@
               <a:noFill/>
             </a:ln>
             <a:extLst>
-              <a:ext uri="{91240B29-F687-4f45-9708-019B960494DF}">
-                <a14:hiddenLine xmlns="" xmlns:a14="http://schemas.microsoft.com/office/drawing/2010/main" w="9525">
+              <a:ext uri="{91240B29-F687-4F45-9708-019B960494DF}">
+                <a14:hiddenLine xmlns:a14="http://schemas.microsoft.com/office/drawing/2010/main" w="9525">
                   <a:solidFill>
                     <a:srgbClr val="000000"/>
                   </a:solidFill>
@@ -691,8 +691,8 @@
               <a:noFill/>
             </a:ln>
             <a:extLst>
-              <a:ext uri="{91240B29-F687-4f45-9708-019B960494DF}">
-                <a14:hiddenLine xmlns="" xmlns:a14="http://schemas.microsoft.com/office/drawing/2010/main" w="9525">
+              <a:ext uri="{91240B29-F687-4F45-9708-019B960494DF}">
+                <a14:hiddenLine xmlns:a14="http://schemas.microsoft.com/office/drawing/2010/main" w="9525">
                   <a:solidFill>
                     <a:srgbClr val="000000"/>
                   </a:solidFill>
@@ -781,8 +781,8 @@
               <a:noFill/>
             </a:ln>
             <a:extLst>
-              <a:ext uri="{91240B29-F687-4f45-9708-019B960494DF}">
-                <a14:hiddenLine xmlns="" xmlns:a14="http://schemas.microsoft.com/office/drawing/2010/main" w="9525">
+              <a:ext uri="{91240B29-F687-4F45-9708-019B960494DF}">
+                <a14:hiddenLine xmlns:a14="http://schemas.microsoft.com/office/drawing/2010/main" w="9525">
                   <a:solidFill>
                     <a:srgbClr val="000000"/>
                   </a:solidFill>
@@ -843,8 +843,8 @@
               <a:noFill/>
             </a:ln>
             <a:extLst>
-              <a:ext uri="{91240B29-F687-4f45-9708-019B960494DF}">
-                <a14:hiddenLine xmlns="" xmlns:a14="http://schemas.microsoft.com/office/drawing/2010/main" w="9525">
+              <a:ext uri="{91240B29-F687-4F45-9708-019B960494DF}">
+                <a14:hiddenLine xmlns:a14="http://schemas.microsoft.com/office/drawing/2010/main" w="9525">
                   <a:solidFill>
                     <a:srgbClr val="000000"/>
                   </a:solidFill>
@@ -905,8 +905,8 @@
               <a:noFill/>
             </a:ln>
             <a:extLst>
-              <a:ext uri="{91240B29-F687-4f45-9708-019B960494DF}">
-                <a14:hiddenLine xmlns="" xmlns:a14="http://schemas.microsoft.com/office/drawing/2010/main" w="9525">
+              <a:ext uri="{91240B29-F687-4F45-9708-019B960494DF}">
+                <a14:hiddenLine xmlns:a14="http://schemas.microsoft.com/office/drawing/2010/main" w="9525">
                   <a:solidFill>
                     <a:srgbClr val="000000"/>
                   </a:solidFill>
@@ -995,8 +995,8 @@
               <a:noFill/>
             </a:ln>
             <a:extLst>
-              <a:ext uri="{91240B29-F687-4f45-9708-019B960494DF}">
-                <a14:hiddenLine xmlns="" xmlns:a14="http://schemas.microsoft.com/office/drawing/2010/main" w="9525">
+              <a:ext uri="{91240B29-F687-4F45-9708-019B960494DF}">
+                <a14:hiddenLine xmlns:a14="http://schemas.microsoft.com/office/drawing/2010/main" w="9525">
                   <a:solidFill>
                     <a:srgbClr val="000000"/>
                   </a:solidFill>
@@ -1085,8 +1085,8 @@
               <a:noFill/>
             </a:ln>
             <a:extLst>
-              <a:ext uri="{91240B29-F687-4f45-9708-019B960494DF}">
-                <a14:hiddenLine xmlns="" xmlns:a14="http://schemas.microsoft.com/office/drawing/2010/main" w="9525">
+              <a:ext uri="{91240B29-F687-4F45-9708-019B960494DF}">
+                <a14:hiddenLine xmlns:a14="http://schemas.microsoft.com/office/drawing/2010/main" w="9525">
                   <a:solidFill>
                     <a:srgbClr val="000000"/>
                   </a:solidFill>
@@ -1147,8 +1147,8 @@
               <a:noFill/>
             </a:ln>
             <a:extLst>
-              <a:ext uri="{91240B29-F687-4f45-9708-019B960494DF}">
-                <a14:hiddenLine xmlns="" xmlns:a14="http://schemas.microsoft.com/office/drawing/2010/main" w="9525">
+              <a:ext uri="{91240B29-F687-4F45-9708-019B960494DF}">
+                <a14:hiddenLine xmlns:a14="http://schemas.microsoft.com/office/drawing/2010/main" w="9525">
                   <a:solidFill>
                     <a:srgbClr val="000000"/>
                   </a:solidFill>
@@ -1257,8 +1257,8 @@
               <a:noFill/>
             </a:ln>
             <a:extLst>
-              <a:ext uri="{91240B29-F687-4f45-9708-019B960494DF}">
-                <a14:hiddenLine xmlns="" xmlns:a14="http://schemas.microsoft.com/office/drawing/2010/main" w="9525">
+              <a:ext uri="{91240B29-F687-4F45-9708-019B960494DF}">
+                <a14:hiddenLine xmlns:a14="http://schemas.microsoft.com/office/drawing/2010/main" w="9525">
                   <a:solidFill>
                     <a:srgbClr val="000000"/>
                   </a:solidFill>
@@ -1319,8 +1319,8 @@
               <a:noFill/>
             </a:ln>
             <a:extLst>
-              <a:ext uri="{91240B29-F687-4f45-9708-019B960494DF}">
-                <a14:hiddenLine xmlns="" xmlns:a14="http://schemas.microsoft.com/office/drawing/2010/main" w="9525">
+              <a:ext uri="{91240B29-F687-4F45-9708-019B960494DF}">
+                <a14:hiddenLine xmlns:a14="http://schemas.microsoft.com/office/drawing/2010/main" w="9525">
                   <a:solidFill>
                     <a:srgbClr val="000000"/>
                   </a:solidFill>
@@ -1409,8 +1409,8 @@
               <a:noFill/>
             </a:ln>
             <a:extLst>
-              <a:ext uri="{91240B29-F687-4f45-9708-019B960494DF}">
-                <a14:hiddenLine xmlns="" xmlns:a14="http://schemas.microsoft.com/office/drawing/2010/main" w="9525">
+              <a:ext uri="{91240B29-F687-4F45-9708-019B960494DF}">
+                <a14:hiddenLine xmlns:a14="http://schemas.microsoft.com/office/drawing/2010/main" w="9525">
                   <a:solidFill>
                     <a:srgbClr val="000000"/>
                   </a:solidFill>
@@ -1499,8 +1499,8 @@
               <a:noFill/>
             </a:ln>
             <a:extLst>
-              <a:ext uri="{91240B29-F687-4f45-9708-019B960494DF}">
-                <a14:hiddenLine xmlns="" xmlns:a14="http://schemas.microsoft.com/office/drawing/2010/main" w="9525">
+              <a:ext uri="{91240B29-F687-4F45-9708-019B960494DF}">
+                <a14:hiddenLine xmlns:a14="http://schemas.microsoft.com/office/drawing/2010/main" w="9525">
                   <a:solidFill>
                     <a:srgbClr val="000000"/>
                   </a:solidFill>
@@ -1561,8 +1561,8 @@
               <a:noFill/>
             </a:ln>
             <a:extLst>
-              <a:ext uri="{91240B29-F687-4f45-9708-019B960494DF}">
-                <a14:hiddenLine xmlns="" xmlns:a14="http://schemas.microsoft.com/office/drawing/2010/main" w="9525">
+              <a:ext uri="{91240B29-F687-4F45-9708-019B960494DF}">
+                <a14:hiddenLine xmlns:a14="http://schemas.microsoft.com/office/drawing/2010/main" w="9525">
                   <a:solidFill>
                     <a:srgbClr val="000000"/>
                   </a:solidFill>
@@ -1651,8 +1651,8 @@
               <a:noFill/>
             </a:ln>
             <a:extLst>
-              <a:ext uri="{91240B29-F687-4f45-9708-019B960494DF}">
-                <a14:hiddenLine xmlns="" xmlns:a14="http://schemas.microsoft.com/office/drawing/2010/main" w="9525">
+              <a:ext uri="{91240B29-F687-4F45-9708-019B960494DF}">
+                <a14:hiddenLine xmlns:a14="http://schemas.microsoft.com/office/drawing/2010/main" w="9525">
                   <a:solidFill>
                     <a:srgbClr val="000000"/>
                   </a:solidFill>
@@ -1741,8 +1741,8 @@
               <a:noFill/>
             </a:ln>
             <a:extLst>
-              <a:ext uri="{91240B29-F687-4f45-9708-019B960494DF}">
-                <a14:hiddenLine xmlns="" xmlns:a14="http://schemas.microsoft.com/office/drawing/2010/main" w="9525">
+              <a:ext uri="{91240B29-F687-4F45-9708-019B960494DF}">
+                <a14:hiddenLine xmlns:a14="http://schemas.microsoft.com/office/drawing/2010/main" w="9525">
                   <a:solidFill>
                     <a:srgbClr val="000000"/>
                   </a:solidFill>
@@ -1797,8 +1797,8 @@
               <a:noFill/>
             </a:ln>
             <a:extLst>
-              <a:ext uri="{91240B29-F687-4f45-9708-019B960494DF}">
-                <a14:hiddenLine xmlns="" xmlns:a14="http://schemas.microsoft.com/office/drawing/2010/main" w="9525">
+              <a:ext uri="{91240B29-F687-4F45-9708-019B960494DF}">
+                <a14:hiddenLine xmlns:a14="http://schemas.microsoft.com/office/drawing/2010/main" w="9525">
                   <a:solidFill>
                     <a:srgbClr val="000000"/>
                   </a:solidFill>
@@ -1887,8 +1887,8 @@
               <a:noFill/>
             </a:ln>
             <a:extLst>
-              <a:ext uri="{91240B29-F687-4f45-9708-019B960494DF}">
-                <a14:hiddenLine xmlns="" xmlns:a14="http://schemas.microsoft.com/office/drawing/2010/main" w="9525">
+              <a:ext uri="{91240B29-F687-4F45-9708-019B960494DF}">
+                <a14:hiddenLine xmlns:a14="http://schemas.microsoft.com/office/drawing/2010/main" w="9525">
                   <a:solidFill>
                     <a:srgbClr val="000000"/>
                   </a:solidFill>
@@ -1943,8 +1943,8 @@
               <a:noFill/>
             </a:ln>
             <a:extLst>
-              <a:ext uri="{91240B29-F687-4f45-9708-019B960494DF}">
-                <a14:hiddenLine xmlns="" xmlns:a14="http://schemas.microsoft.com/office/drawing/2010/main" w="9525">
+              <a:ext uri="{91240B29-F687-4F45-9708-019B960494DF}">
+                <a14:hiddenLine xmlns:a14="http://schemas.microsoft.com/office/drawing/2010/main" w="9525">
                   <a:solidFill>
                     <a:srgbClr val="000000"/>
                   </a:solidFill>
@@ -2033,8 +2033,8 @@
               <a:noFill/>
             </a:ln>
             <a:extLst>
-              <a:ext uri="{91240B29-F687-4f45-9708-019B960494DF}">
-                <a14:hiddenLine xmlns="" xmlns:a14="http://schemas.microsoft.com/office/drawing/2010/main" w="9525">
+              <a:ext uri="{91240B29-F687-4F45-9708-019B960494DF}">
+                <a14:hiddenLine xmlns:a14="http://schemas.microsoft.com/office/drawing/2010/main" w="9525">
                   <a:solidFill>
                     <a:srgbClr val="000000"/>
                   </a:solidFill>
@@ -2101,8 +2101,8 @@
               <a:noFill/>
             </a:ln>
             <a:extLst>
-              <a:ext uri="{91240B29-F687-4f45-9708-019B960494DF}">
-                <a14:hiddenLine xmlns="" xmlns:a14="http://schemas.microsoft.com/office/drawing/2010/main" w="9525">
+              <a:ext uri="{91240B29-F687-4F45-9708-019B960494DF}">
+                <a14:hiddenLine xmlns:a14="http://schemas.microsoft.com/office/drawing/2010/main" w="9525">
                   <a:solidFill>
                     <a:srgbClr val="000000"/>
                   </a:solidFill>
@@ -2191,8 +2191,8 @@
               <a:noFill/>
             </a:ln>
             <a:extLst>
-              <a:ext uri="{91240B29-F687-4f45-9708-019B960494DF}">
-                <a14:hiddenLine xmlns="" xmlns:a14="http://schemas.microsoft.com/office/drawing/2010/main" w="9525">
+              <a:ext uri="{91240B29-F687-4F45-9708-019B960494DF}">
+                <a14:hiddenLine xmlns:a14="http://schemas.microsoft.com/office/drawing/2010/main" w="9525">
                   <a:solidFill>
                     <a:srgbClr val="000000"/>
                   </a:solidFill>
@@ -2259,8 +2259,8 @@
               <a:noFill/>
             </a:ln>
             <a:extLst>
-              <a:ext uri="{91240B29-F687-4f45-9708-019B960494DF}">
-                <a14:hiddenLine xmlns="" xmlns:a14="http://schemas.microsoft.com/office/drawing/2010/main" w="9525">
+              <a:ext uri="{91240B29-F687-4F45-9708-019B960494DF}">
+                <a14:hiddenLine xmlns:a14="http://schemas.microsoft.com/office/drawing/2010/main" w="9525">
                   <a:solidFill>
                     <a:srgbClr val="000000"/>
                   </a:solidFill>
@@ -2349,8 +2349,8 @@
               <a:noFill/>
             </a:ln>
             <a:extLst>
-              <a:ext uri="{91240B29-F687-4f45-9708-019B960494DF}">
-                <a14:hiddenLine xmlns="" xmlns:a14="http://schemas.microsoft.com/office/drawing/2010/main" w="9525">
+              <a:ext uri="{91240B29-F687-4F45-9708-019B960494DF}">
+                <a14:hiddenLine xmlns:a14="http://schemas.microsoft.com/office/drawing/2010/main" w="9525">
                   <a:solidFill>
                     <a:srgbClr val="000000"/>
                   </a:solidFill>
@@ -2383,8 +2383,8 @@
               <a:noFill/>
             </a:ln>
             <a:extLst>
-              <a:ext uri="{91240B29-F687-4f45-9708-019B960494DF}">
-                <a14:hiddenLine xmlns="" xmlns:a14="http://schemas.microsoft.com/office/drawing/2010/main" w="9525">
+              <a:ext uri="{91240B29-F687-4F45-9708-019B960494DF}">
+                <a14:hiddenLine xmlns:a14="http://schemas.microsoft.com/office/drawing/2010/main" w="9525">
                   <a:solidFill>
                     <a:srgbClr val="000000"/>
                   </a:solidFill>
@@ -2473,8 +2473,8 @@
               <a:noFill/>
             </a:ln>
             <a:extLst>
-              <a:ext uri="{91240B29-F687-4f45-9708-019B960494DF}">
-                <a14:hiddenLine xmlns="" xmlns:a14="http://schemas.microsoft.com/office/drawing/2010/main" w="9525">
+              <a:ext uri="{91240B29-F687-4F45-9708-019B960494DF}">
+                <a14:hiddenLine xmlns:a14="http://schemas.microsoft.com/office/drawing/2010/main" w="9525">
                   <a:solidFill>
                     <a:srgbClr val="000000"/>
                   </a:solidFill>
@@ -2535,8 +2535,8 @@
               <a:noFill/>
             </a:ln>
             <a:extLst>
-              <a:ext uri="{91240B29-F687-4f45-9708-019B960494DF}">
-                <a14:hiddenLine xmlns="" xmlns:a14="http://schemas.microsoft.com/office/drawing/2010/main" w="9525">
+              <a:ext uri="{91240B29-F687-4F45-9708-019B960494DF}">
+                <a14:hiddenLine xmlns:a14="http://schemas.microsoft.com/office/drawing/2010/main" w="9525">
                   <a:solidFill>
                     <a:srgbClr val="000000"/>
                   </a:solidFill>
@@ -2597,8 +2597,8 @@
               <a:noFill/>
             </a:ln>
             <a:extLst>
-              <a:ext uri="{91240B29-F687-4f45-9708-019B960494DF}">
-                <a14:hiddenLine xmlns="" xmlns:a14="http://schemas.microsoft.com/office/drawing/2010/main" w="9525">
+              <a:ext uri="{91240B29-F687-4F45-9708-019B960494DF}">
+                <a14:hiddenLine xmlns:a14="http://schemas.microsoft.com/office/drawing/2010/main" w="9525">
                   <a:solidFill>
                     <a:srgbClr val="000000"/>
                   </a:solidFill>
@@ -2687,8 +2687,8 @@
               <a:noFill/>
             </a:ln>
             <a:extLst>
-              <a:ext uri="{91240B29-F687-4f45-9708-019B960494DF}">
-                <a14:hiddenLine xmlns="" xmlns:a14="http://schemas.microsoft.com/office/drawing/2010/main" w="9525">
+              <a:ext uri="{91240B29-F687-4F45-9708-019B960494DF}">
+                <a14:hiddenLine xmlns:a14="http://schemas.microsoft.com/office/drawing/2010/main" w="9525">
                   <a:solidFill>
                     <a:srgbClr val="000000"/>
                   </a:solidFill>
@@ -2755,8 +2755,8 @@
               <a:noFill/>
             </a:ln>
             <a:extLst>
-              <a:ext uri="{91240B29-F687-4f45-9708-019B960494DF}">
-                <a14:hiddenLine xmlns="" xmlns:a14="http://schemas.microsoft.com/office/drawing/2010/main" w="9525">
+              <a:ext uri="{91240B29-F687-4F45-9708-019B960494DF}">
+                <a14:hiddenLine xmlns:a14="http://schemas.microsoft.com/office/drawing/2010/main" w="9525">
                   <a:solidFill>
                     <a:srgbClr val="000000"/>
                   </a:solidFill>
@@ -2817,8 +2817,8 @@
               <a:noFill/>
             </a:ln>
             <a:extLst>
-              <a:ext uri="{91240B29-F687-4f45-9708-019B960494DF}">
-                <a14:hiddenLine xmlns="" xmlns:a14="http://schemas.microsoft.com/office/drawing/2010/main" w="9525">
+              <a:ext uri="{91240B29-F687-4F45-9708-019B960494DF}">
+                <a14:hiddenLine xmlns:a14="http://schemas.microsoft.com/office/drawing/2010/main" w="9525">
                   <a:solidFill>
                     <a:srgbClr val="000000"/>
                   </a:solidFill>
@@ -2907,8 +2907,8 @@
               <a:noFill/>
             </a:ln>
             <a:extLst>
-              <a:ext uri="{91240B29-F687-4f45-9708-019B960494DF}">
-                <a14:hiddenLine xmlns="" xmlns:a14="http://schemas.microsoft.com/office/drawing/2010/main" w="9525">
+              <a:ext uri="{91240B29-F687-4F45-9708-019B960494DF}">
+                <a14:hiddenLine xmlns:a14="http://schemas.microsoft.com/office/drawing/2010/main" w="9525">
                   <a:solidFill>
                     <a:srgbClr val="000000"/>
                   </a:solidFill>
@@ -2969,8 +2969,8 @@
               <a:noFill/>
             </a:ln>
             <a:extLst>
-              <a:ext uri="{91240B29-F687-4f45-9708-019B960494DF}">
-                <a14:hiddenLine xmlns="" xmlns:a14="http://schemas.microsoft.com/office/drawing/2010/main" w="9525">
+              <a:ext uri="{91240B29-F687-4F45-9708-019B960494DF}">
+                <a14:hiddenLine xmlns:a14="http://schemas.microsoft.com/office/drawing/2010/main" w="9525">
                   <a:solidFill>
                     <a:srgbClr val="000000"/>
                   </a:solidFill>
@@ -3059,8 +3059,8 @@
               <a:noFill/>
             </a:ln>
             <a:extLst>
-              <a:ext uri="{91240B29-F687-4f45-9708-019B960494DF}">
-                <a14:hiddenLine xmlns="" xmlns:a14="http://schemas.microsoft.com/office/drawing/2010/main" w="9525">
+              <a:ext uri="{91240B29-F687-4F45-9708-019B960494DF}">
+                <a14:hiddenLine xmlns:a14="http://schemas.microsoft.com/office/drawing/2010/main" w="9525">
                   <a:solidFill>
                     <a:srgbClr val="000000"/>
                   </a:solidFill>
@@ -3121,8 +3121,8 @@
               <a:noFill/>
             </a:ln>
             <a:extLst>
-              <a:ext uri="{91240B29-F687-4f45-9708-019B960494DF}">
-                <a14:hiddenLine xmlns="" xmlns:a14="http://schemas.microsoft.com/office/drawing/2010/main" w="9525">
+              <a:ext uri="{91240B29-F687-4F45-9708-019B960494DF}">
+                <a14:hiddenLine xmlns:a14="http://schemas.microsoft.com/office/drawing/2010/main" w="9525">
                   <a:solidFill>
                     <a:srgbClr val="000000"/>
                   </a:solidFill>
@@ -3211,8 +3211,8 @@
               <a:noFill/>
             </a:ln>
             <a:extLst>
-              <a:ext uri="{91240B29-F687-4f45-9708-019B960494DF}">
-                <a14:hiddenLine xmlns="" xmlns:a14="http://schemas.microsoft.com/office/drawing/2010/main" w="9525">
+              <a:ext uri="{91240B29-F687-4F45-9708-019B960494DF}">
+                <a14:hiddenLine xmlns:a14="http://schemas.microsoft.com/office/drawing/2010/main" w="9525">
                   <a:solidFill>
                     <a:srgbClr val="000000"/>
                   </a:solidFill>
@@ -3245,8 +3245,8 @@
               <a:noFill/>
             </a:ln>
             <a:extLst>
-              <a:ext uri="{91240B29-F687-4f45-9708-019B960494DF}">
-                <a14:hiddenLine xmlns="" xmlns:a14="http://schemas.microsoft.com/office/drawing/2010/main" w="9525">
+              <a:ext uri="{91240B29-F687-4F45-9708-019B960494DF}">
+                <a14:hiddenLine xmlns:a14="http://schemas.microsoft.com/office/drawing/2010/main" w="9525">
                   <a:solidFill>
                     <a:srgbClr val="000000"/>
                   </a:solidFill>
@@ -3310,8 +3310,8 @@
               <a:noFill/>
             </a:ln>
             <a:extLst>
-              <a:ext uri="{91240B29-F687-4f45-9708-019B960494DF}">
-                <a14:hiddenLine xmlns="" xmlns:a14="http://schemas.microsoft.com/office/drawing/2010/main" w="9525">
+              <a:ext uri="{91240B29-F687-4F45-9708-019B960494DF}">
+                <a14:hiddenLine xmlns:a14="http://schemas.microsoft.com/office/drawing/2010/main" w="9525">
                   <a:solidFill>
                     <a:srgbClr val="000000"/>
                   </a:solidFill>
@@ -3400,8 +3400,8 @@
               <a:noFill/>
             </a:ln>
             <a:extLst>
-              <a:ext uri="{91240B29-F687-4f45-9708-019B960494DF}">
-                <a14:hiddenLine xmlns="" xmlns:a14="http://schemas.microsoft.com/office/drawing/2010/main" w="9525">
+              <a:ext uri="{91240B29-F687-4F45-9708-019B960494DF}">
+                <a14:hiddenLine xmlns:a14="http://schemas.microsoft.com/office/drawing/2010/main" w="9525">
                   <a:solidFill>
                     <a:srgbClr val="000000"/>
                   </a:solidFill>
@@ -3462,8 +3462,8 @@
               <a:noFill/>
             </a:ln>
             <a:extLst>
-              <a:ext uri="{91240B29-F687-4f45-9708-019B960494DF}">
-                <a14:hiddenLine xmlns="" xmlns:a14="http://schemas.microsoft.com/office/drawing/2010/main" w="9525">
+              <a:ext uri="{91240B29-F687-4F45-9708-019B960494DF}">
+                <a14:hiddenLine xmlns:a14="http://schemas.microsoft.com/office/drawing/2010/main" w="9525">
                   <a:solidFill>
                     <a:srgbClr val="000000"/>
                   </a:solidFill>
@@ -3552,8 +3552,8 @@
               <a:noFill/>
             </a:ln>
             <a:extLst>
-              <a:ext uri="{91240B29-F687-4f45-9708-019B960494DF}">
-                <a14:hiddenLine xmlns="" xmlns:a14="http://schemas.microsoft.com/office/drawing/2010/main" w="9525">
+              <a:ext uri="{91240B29-F687-4F45-9708-019B960494DF}">
+                <a14:hiddenLine xmlns:a14="http://schemas.microsoft.com/office/drawing/2010/main" w="9525">
                   <a:solidFill>
                     <a:srgbClr val="000000"/>
                   </a:solidFill>
@@ -3642,8 +3642,8 @@
               <a:noFill/>
             </a:ln>
             <a:extLst>
-              <a:ext uri="{91240B29-F687-4f45-9708-019B960494DF}">
-                <a14:hiddenLine xmlns="" xmlns:a14="http://schemas.microsoft.com/office/drawing/2010/main" w="9525">
+              <a:ext uri="{91240B29-F687-4F45-9708-019B960494DF}">
+                <a14:hiddenLine xmlns:a14="http://schemas.microsoft.com/office/drawing/2010/main" w="9525">
                   <a:solidFill>
                     <a:srgbClr val="000000"/>
                   </a:solidFill>
@@ -3707,8 +3707,8 @@
               <a:noFill/>
             </a:ln>
             <a:extLst>
-              <a:ext uri="{91240B29-F687-4f45-9708-019B960494DF}">
-                <a14:hiddenLine xmlns="" xmlns:a14="http://schemas.microsoft.com/office/drawing/2010/main" w="9525">
+              <a:ext uri="{91240B29-F687-4F45-9708-019B960494DF}">
+                <a14:hiddenLine xmlns:a14="http://schemas.microsoft.com/office/drawing/2010/main" w="9525">
                   <a:solidFill>
                     <a:srgbClr val="000000"/>
                   </a:solidFill>
@@ -3769,8 +3769,8 @@
               <a:noFill/>
             </a:ln>
             <a:extLst>
-              <a:ext uri="{91240B29-F687-4f45-9708-019B960494DF}">
-                <a14:hiddenLine xmlns="" xmlns:a14="http://schemas.microsoft.com/office/drawing/2010/main" w="9525">
+              <a:ext uri="{91240B29-F687-4F45-9708-019B960494DF}">
+                <a14:hiddenLine xmlns:a14="http://schemas.microsoft.com/office/drawing/2010/main" w="9525">
                   <a:solidFill>
                     <a:srgbClr val="000000"/>
                   </a:solidFill>
@@ -3859,8 +3859,8 @@
               <a:noFill/>
             </a:ln>
             <a:extLst>
-              <a:ext uri="{91240B29-F687-4f45-9708-019B960494DF}">
-                <a14:hiddenLine xmlns="" xmlns:a14="http://schemas.microsoft.com/office/drawing/2010/main" w="9525">
+              <a:ext uri="{91240B29-F687-4F45-9708-019B960494DF}">
+                <a14:hiddenLine xmlns:a14="http://schemas.microsoft.com/office/drawing/2010/main" w="9525">
                   <a:solidFill>
                     <a:srgbClr val="000000"/>
                   </a:solidFill>
@@ -3949,8 +3949,8 @@
               <a:noFill/>
             </a:ln>
             <a:extLst>
-              <a:ext uri="{91240B29-F687-4f45-9708-019B960494DF}">
-                <a14:hiddenLine xmlns="" xmlns:a14="http://schemas.microsoft.com/office/drawing/2010/main" w="9525">
+              <a:ext uri="{91240B29-F687-4F45-9708-019B960494DF}">
+                <a14:hiddenLine xmlns:a14="http://schemas.microsoft.com/office/drawing/2010/main" w="9525">
                   <a:solidFill>
                     <a:srgbClr val="000000"/>
                   </a:solidFill>
@@ -4011,8 +4011,8 @@
               <a:noFill/>
             </a:ln>
             <a:extLst>
-              <a:ext uri="{91240B29-F687-4f45-9708-019B960494DF}">
-                <a14:hiddenLine xmlns="" xmlns:a14="http://schemas.microsoft.com/office/drawing/2010/main" w="9525">
+              <a:ext uri="{91240B29-F687-4F45-9708-019B960494DF}">
+                <a14:hiddenLine xmlns:a14="http://schemas.microsoft.com/office/drawing/2010/main" w="9525">
                   <a:solidFill>
                     <a:srgbClr val="000000"/>
                   </a:solidFill>
@@ -4131,8 +4131,8 @@
               <a:noFill/>
             </a:ln>
             <a:extLst>
-              <a:ext uri="{91240B29-F687-4f45-9708-019B960494DF}">
-                <a14:hiddenLine xmlns="" xmlns:a14="http://schemas.microsoft.com/office/drawing/2010/main" w="9525">
+              <a:ext uri="{91240B29-F687-4F45-9708-019B960494DF}">
+                <a14:hiddenLine xmlns:a14="http://schemas.microsoft.com/office/drawing/2010/main" w="9525">
                   <a:solidFill>
                     <a:srgbClr val="000000"/>
                   </a:solidFill>
@@ -4199,8 +4199,8 @@
               <a:noFill/>
             </a:ln>
             <a:extLst>
-              <a:ext uri="{91240B29-F687-4f45-9708-019B960494DF}">
-                <a14:hiddenLine xmlns="" xmlns:a14="http://schemas.microsoft.com/office/drawing/2010/main" w="9525">
+              <a:ext uri="{91240B29-F687-4F45-9708-019B960494DF}">
+                <a14:hiddenLine xmlns:a14="http://schemas.microsoft.com/office/drawing/2010/main" w="9525">
                   <a:solidFill>
                     <a:srgbClr val="000000"/>
                   </a:solidFill>
@@ -4289,8 +4289,8 @@
               <a:noFill/>
             </a:ln>
             <a:extLst>
-              <a:ext uri="{91240B29-F687-4f45-9708-019B960494DF}">
-                <a14:hiddenLine xmlns="" xmlns:a14="http://schemas.microsoft.com/office/drawing/2010/main" w="9525">
+              <a:ext uri="{91240B29-F687-4F45-9708-019B960494DF}">
+                <a14:hiddenLine xmlns:a14="http://schemas.microsoft.com/office/drawing/2010/main" w="9525">
                   <a:solidFill>
                     <a:srgbClr val="000000"/>
                   </a:solidFill>
@@ -9018,8 +9018,8 @@
           </a:prstGeom>
           <a:noFill/>
           <a:extLst>
-            <a:ext uri="{909E8E84-426E-40dd-AFC4-6F175D3DCCD1}">
-              <a14:hiddenFill xmlns="" xmlns:a14="http://schemas.microsoft.com/office/drawing/2010/main">
+            <a:ext uri="{909E8E84-426E-40DD-AFC4-6F175D3DCCD1}">
+              <a14:hiddenFill xmlns:a14="http://schemas.microsoft.com/office/drawing/2010/main">
                 <a:solidFill>
                   <a:srgbClr val="FFFFFF"/>
                 </a:solidFill>
@@ -9092,8 +9092,8 @@
                 <a:noFill/>
               </a:ln>
               <a:extLst>
-                <a:ext uri="{91240B29-F687-4f45-9708-019B960494DF}">
-                  <a14:hiddenLine xmlns="" xmlns:a14="http://schemas.microsoft.com/office/drawing/2010/main" w="9525">
+                <a:ext uri="{91240B29-F687-4F45-9708-019B960494DF}">
+                  <a14:hiddenLine xmlns:a14="http://schemas.microsoft.com/office/drawing/2010/main" w="9525">
                     <a:solidFill>
                       <a:srgbClr val="000000"/>
                     </a:solidFill>
@@ -9182,8 +9182,8 @@
                 <a:noFill/>
               </a:ln>
               <a:extLst>
-                <a:ext uri="{91240B29-F687-4f45-9708-019B960494DF}">
-                  <a14:hiddenLine xmlns="" xmlns:a14="http://schemas.microsoft.com/office/drawing/2010/main" w="9525">
+                <a:ext uri="{91240B29-F687-4F45-9708-019B960494DF}">
+                  <a14:hiddenLine xmlns:a14="http://schemas.microsoft.com/office/drawing/2010/main" w="9525">
                     <a:solidFill>
                       <a:srgbClr val="000000"/>
                     </a:solidFill>
@@ -9272,8 +9272,8 @@
                 <a:noFill/>
               </a:ln>
               <a:extLst>
-                <a:ext uri="{91240B29-F687-4f45-9708-019B960494DF}">
-                  <a14:hiddenLine xmlns="" xmlns:a14="http://schemas.microsoft.com/office/drawing/2010/main" w="9525">
+                <a:ext uri="{91240B29-F687-4F45-9708-019B960494DF}">
+                  <a14:hiddenLine xmlns:a14="http://schemas.microsoft.com/office/drawing/2010/main" w="9525">
                     <a:solidFill>
                       <a:srgbClr val="000000"/>
                     </a:solidFill>
@@ -9334,8 +9334,8 @@
                 <a:noFill/>
               </a:ln>
               <a:extLst>
-                <a:ext uri="{91240B29-F687-4f45-9708-019B960494DF}">
-                  <a14:hiddenLine xmlns="" xmlns:a14="http://schemas.microsoft.com/office/drawing/2010/main" w="9525">
+                <a:ext uri="{91240B29-F687-4F45-9708-019B960494DF}">
+                  <a14:hiddenLine xmlns:a14="http://schemas.microsoft.com/office/drawing/2010/main" w="9525">
                     <a:solidFill>
                       <a:srgbClr val="000000"/>
                     </a:solidFill>
@@ -9424,8 +9424,8 @@
                 <a:noFill/>
               </a:ln>
               <a:extLst>
-                <a:ext uri="{91240B29-F687-4f45-9708-019B960494DF}">
-                  <a14:hiddenLine xmlns="" xmlns:a14="http://schemas.microsoft.com/office/drawing/2010/main" w="9525">
+                <a:ext uri="{91240B29-F687-4F45-9708-019B960494DF}">
+                  <a14:hiddenLine xmlns:a14="http://schemas.microsoft.com/office/drawing/2010/main" w="9525">
                     <a:solidFill>
                       <a:srgbClr val="000000"/>
                     </a:solidFill>
@@ -9486,8 +9486,8 @@
                 <a:noFill/>
               </a:ln>
               <a:extLst>
-                <a:ext uri="{91240B29-F687-4f45-9708-019B960494DF}">
-                  <a14:hiddenLine xmlns="" xmlns:a14="http://schemas.microsoft.com/office/drawing/2010/main" w="9525">
+                <a:ext uri="{91240B29-F687-4F45-9708-019B960494DF}">
+                  <a14:hiddenLine xmlns:a14="http://schemas.microsoft.com/office/drawing/2010/main" w="9525">
                     <a:solidFill>
                       <a:srgbClr val="000000"/>
                     </a:solidFill>
@@ -9548,8 +9548,8 @@
                 <a:noFill/>
               </a:ln>
               <a:extLst>
-                <a:ext uri="{91240B29-F687-4f45-9708-019B960494DF}">
-                  <a14:hiddenLine xmlns="" xmlns:a14="http://schemas.microsoft.com/office/drawing/2010/main" w="9525">
+                <a:ext uri="{91240B29-F687-4F45-9708-019B960494DF}">
+                  <a14:hiddenLine xmlns:a14="http://schemas.microsoft.com/office/drawing/2010/main" w="9525">
                     <a:solidFill>
                       <a:srgbClr val="000000"/>
                     </a:solidFill>
@@ -9638,8 +9638,8 @@
                 <a:noFill/>
               </a:ln>
               <a:extLst>
-                <a:ext uri="{91240B29-F687-4f45-9708-019B960494DF}">
-                  <a14:hiddenLine xmlns="" xmlns:a14="http://schemas.microsoft.com/office/drawing/2010/main" w="9525">
+                <a:ext uri="{91240B29-F687-4F45-9708-019B960494DF}">
+                  <a14:hiddenLine xmlns:a14="http://schemas.microsoft.com/office/drawing/2010/main" w="9525">
                     <a:solidFill>
                       <a:srgbClr val="000000"/>
                     </a:solidFill>
@@ -9728,8 +9728,8 @@
                 <a:noFill/>
               </a:ln>
               <a:extLst>
-                <a:ext uri="{91240B29-F687-4f45-9708-019B960494DF}">
-                  <a14:hiddenLine xmlns="" xmlns:a14="http://schemas.microsoft.com/office/drawing/2010/main" w="9525">
+                <a:ext uri="{91240B29-F687-4F45-9708-019B960494DF}">
+                  <a14:hiddenLine xmlns:a14="http://schemas.microsoft.com/office/drawing/2010/main" w="9525">
                     <a:solidFill>
                       <a:srgbClr val="000000"/>
                     </a:solidFill>
@@ -9790,8 +9790,8 @@
                 <a:noFill/>
               </a:ln>
               <a:extLst>
-                <a:ext uri="{91240B29-F687-4f45-9708-019B960494DF}">
-                  <a14:hiddenLine xmlns="" xmlns:a14="http://schemas.microsoft.com/office/drawing/2010/main" w="9525">
+                <a:ext uri="{91240B29-F687-4F45-9708-019B960494DF}">
+                  <a14:hiddenLine xmlns:a14="http://schemas.microsoft.com/office/drawing/2010/main" w="9525">
                     <a:solidFill>
                       <a:srgbClr val="000000"/>
                     </a:solidFill>
@@ -9900,8 +9900,8 @@
                 <a:noFill/>
               </a:ln>
               <a:extLst>
-                <a:ext uri="{91240B29-F687-4f45-9708-019B960494DF}">
-                  <a14:hiddenLine xmlns="" xmlns:a14="http://schemas.microsoft.com/office/drawing/2010/main" w="9525">
+                <a:ext uri="{91240B29-F687-4F45-9708-019B960494DF}">
+                  <a14:hiddenLine xmlns:a14="http://schemas.microsoft.com/office/drawing/2010/main" w="9525">
                     <a:solidFill>
                       <a:srgbClr val="000000"/>
                     </a:solidFill>
@@ -9984,8 +9984,8 @@
                 <a:noFill/>
               </a:ln>
               <a:extLst>
-                <a:ext uri="{91240B29-F687-4f45-9708-019B960494DF}">
-                  <a14:hiddenLine xmlns="" xmlns:a14="http://schemas.microsoft.com/office/drawing/2010/main" w="9525">
+                <a:ext uri="{91240B29-F687-4F45-9708-019B960494DF}">
+                  <a14:hiddenLine xmlns:a14="http://schemas.microsoft.com/office/drawing/2010/main" w="9525">
                     <a:solidFill>
                       <a:srgbClr val="000000"/>
                     </a:solidFill>
@@ -10046,8 +10046,8 @@
                 <a:noFill/>
               </a:ln>
               <a:extLst>
-                <a:ext uri="{91240B29-F687-4f45-9708-019B960494DF}">
-                  <a14:hiddenLine xmlns="" xmlns:a14="http://schemas.microsoft.com/office/drawing/2010/main" w="9525">
+                <a:ext uri="{91240B29-F687-4F45-9708-019B960494DF}">
+                  <a14:hiddenLine xmlns:a14="http://schemas.microsoft.com/office/drawing/2010/main" w="9525">
                     <a:solidFill>
                       <a:srgbClr val="000000"/>
                     </a:solidFill>
@@ -10108,8 +10108,8 @@
                 <a:noFill/>
               </a:ln>
               <a:extLst>
-                <a:ext uri="{91240B29-F687-4f45-9708-019B960494DF}">
-                  <a14:hiddenLine xmlns="" xmlns:a14="http://schemas.microsoft.com/office/drawing/2010/main" w="9525">
+                <a:ext uri="{91240B29-F687-4F45-9708-019B960494DF}">
+                  <a14:hiddenLine xmlns:a14="http://schemas.microsoft.com/office/drawing/2010/main" w="9525">
                     <a:solidFill>
                       <a:srgbClr val="000000"/>
                     </a:solidFill>
@@ -10198,8 +10198,8 @@
                 <a:noFill/>
               </a:ln>
               <a:extLst>
-                <a:ext uri="{91240B29-F687-4f45-9708-019B960494DF}">
-                  <a14:hiddenLine xmlns="" xmlns:a14="http://schemas.microsoft.com/office/drawing/2010/main" w="9525">
+                <a:ext uri="{91240B29-F687-4F45-9708-019B960494DF}">
+                  <a14:hiddenLine xmlns:a14="http://schemas.microsoft.com/office/drawing/2010/main" w="9525">
                     <a:solidFill>
                       <a:srgbClr val="000000"/>
                     </a:solidFill>
@@ -10232,8 +10232,8 @@
                 <a:noFill/>
               </a:ln>
               <a:extLst>
-                <a:ext uri="{91240B29-F687-4f45-9708-019B960494DF}">
-                  <a14:hiddenLine xmlns="" xmlns:a14="http://schemas.microsoft.com/office/drawing/2010/main" w="9525">
+                <a:ext uri="{91240B29-F687-4F45-9708-019B960494DF}">
+                  <a14:hiddenLine xmlns:a14="http://schemas.microsoft.com/office/drawing/2010/main" w="9525">
                     <a:solidFill>
                       <a:srgbClr val="000000"/>
                     </a:solidFill>
@@ -10297,8 +10297,8 @@
                 <a:noFill/>
               </a:ln>
               <a:extLst>
-                <a:ext uri="{91240B29-F687-4f45-9708-019B960494DF}">
-                  <a14:hiddenLine xmlns="" xmlns:a14="http://schemas.microsoft.com/office/drawing/2010/main" w="9525">
+                <a:ext uri="{91240B29-F687-4F45-9708-019B960494DF}">
+                  <a14:hiddenLine xmlns:a14="http://schemas.microsoft.com/office/drawing/2010/main" w="9525">
                     <a:solidFill>
                       <a:srgbClr val="000000"/>
                     </a:solidFill>
@@ -10387,8 +10387,8 @@
                 <a:noFill/>
               </a:ln>
               <a:extLst>
-                <a:ext uri="{91240B29-F687-4f45-9708-019B960494DF}">
-                  <a14:hiddenLine xmlns="" xmlns:a14="http://schemas.microsoft.com/office/drawing/2010/main" w="9525">
+                <a:ext uri="{91240B29-F687-4F45-9708-019B960494DF}">
+                  <a14:hiddenLine xmlns:a14="http://schemas.microsoft.com/office/drawing/2010/main" w="9525">
                     <a:solidFill>
                       <a:srgbClr val="000000"/>
                     </a:solidFill>
@@ -10449,8 +10449,8 @@
                 <a:noFill/>
               </a:ln>
               <a:extLst>
-                <a:ext uri="{91240B29-F687-4f45-9708-019B960494DF}">
-                  <a14:hiddenLine xmlns="" xmlns:a14="http://schemas.microsoft.com/office/drawing/2010/main" w="9525">
+                <a:ext uri="{91240B29-F687-4F45-9708-019B960494DF}">
+                  <a14:hiddenLine xmlns:a14="http://schemas.microsoft.com/office/drawing/2010/main" w="9525">
                     <a:solidFill>
                       <a:srgbClr val="000000"/>
                     </a:solidFill>
@@ -10539,8 +10539,8 @@
                 <a:noFill/>
               </a:ln>
               <a:extLst>
-                <a:ext uri="{91240B29-F687-4f45-9708-019B960494DF}">
-                  <a14:hiddenLine xmlns="" xmlns:a14="http://schemas.microsoft.com/office/drawing/2010/main" w="9525">
+                <a:ext uri="{91240B29-F687-4F45-9708-019B960494DF}">
+                  <a14:hiddenLine xmlns:a14="http://schemas.microsoft.com/office/drawing/2010/main" w="9525">
                     <a:solidFill>
                       <a:srgbClr val="000000"/>
                     </a:solidFill>
@@ -10604,8 +10604,8 @@
                 <a:noFill/>
               </a:ln>
               <a:extLst>
-                <a:ext uri="{91240B29-F687-4f45-9708-019B960494DF}">
-                  <a14:hiddenLine xmlns="" xmlns:a14="http://schemas.microsoft.com/office/drawing/2010/main" w="9525">
+                <a:ext uri="{91240B29-F687-4F45-9708-019B960494DF}">
+                  <a14:hiddenLine xmlns:a14="http://schemas.microsoft.com/office/drawing/2010/main" w="9525">
                     <a:solidFill>
                       <a:srgbClr val="000000"/>
                     </a:solidFill>
@@ -10666,8 +10666,8 @@
                 <a:noFill/>
               </a:ln>
               <a:extLst>
-                <a:ext uri="{91240B29-F687-4f45-9708-019B960494DF}">
-                  <a14:hiddenLine xmlns="" xmlns:a14="http://schemas.microsoft.com/office/drawing/2010/main" w="9525">
+                <a:ext uri="{91240B29-F687-4F45-9708-019B960494DF}">
+                  <a14:hiddenLine xmlns:a14="http://schemas.microsoft.com/office/drawing/2010/main" w="9525">
                     <a:solidFill>
                       <a:srgbClr val="000000"/>
                     </a:solidFill>
@@ -10756,8 +10756,8 @@
                 <a:noFill/>
               </a:ln>
               <a:extLst>
-                <a:ext uri="{91240B29-F687-4f45-9708-019B960494DF}">
-                  <a14:hiddenLine xmlns="" xmlns:a14="http://schemas.microsoft.com/office/drawing/2010/main" w="9525">
+                <a:ext uri="{91240B29-F687-4F45-9708-019B960494DF}">
+                  <a14:hiddenLine xmlns:a14="http://schemas.microsoft.com/office/drawing/2010/main" w="9525">
                     <a:solidFill>
                       <a:srgbClr val="000000"/>
                     </a:solidFill>
@@ -10846,8 +10846,8 @@
                 <a:noFill/>
               </a:ln>
               <a:extLst>
-                <a:ext uri="{91240B29-F687-4f45-9708-019B960494DF}">
-                  <a14:hiddenLine xmlns="" xmlns:a14="http://schemas.microsoft.com/office/drawing/2010/main" w="9525">
+                <a:ext uri="{91240B29-F687-4F45-9708-019B960494DF}">
+                  <a14:hiddenLine xmlns:a14="http://schemas.microsoft.com/office/drawing/2010/main" w="9525">
                     <a:solidFill>
                       <a:srgbClr val="000000"/>
                     </a:solidFill>
@@ -10911,8 +10911,8 @@
                 <a:noFill/>
               </a:ln>
               <a:extLst>
-                <a:ext uri="{91240B29-F687-4f45-9708-019B960494DF}">
-                  <a14:hiddenLine xmlns="" xmlns:a14="http://schemas.microsoft.com/office/drawing/2010/main" w="9525">
+                <a:ext uri="{91240B29-F687-4F45-9708-019B960494DF}">
+                  <a14:hiddenLine xmlns:a14="http://schemas.microsoft.com/office/drawing/2010/main" w="9525">
                     <a:solidFill>
                       <a:srgbClr val="000000"/>
                     </a:solidFill>
@@ -11031,8 +11031,8 @@
                 <a:noFill/>
               </a:ln>
               <a:extLst>
-                <a:ext uri="{91240B29-F687-4f45-9708-019B960494DF}">
-                  <a14:hiddenLine xmlns="" xmlns:a14="http://schemas.microsoft.com/office/drawing/2010/main" w="9525">
+                <a:ext uri="{91240B29-F687-4F45-9708-019B960494DF}">
+                  <a14:hiddenLine xmlns:a14="http://schemas.microsoft.com/office/drawing/2010/main" w="9525">
                     <a:solidFill>
                       <a:srgbClr val="000000"/>
                     </a:solidFill>
@@ -11112,8 +11112,8 @@
                 <a:noFill/>
               </a:ln>
               <a:extLst>
-                <a:ext uri="{91240B29-F687-4f45-9708-019B960494DF}">
-                  <a14:hiddenLine xmlns="" xmlns:a14="http://schemas.microsoft.com/office/drawing/2010/main" w="9525">
+                <a:ext uri="{91240B29-F687-4F45-9708-019B960494DF}">
+                  <a14:hiddenLine xmlns:a14="http://schemas.microsoft.com/office/drawing/2010/main" w="9525">
                     <a:solidFill>
                       <a:srgbClr val="000000"/>
                     </a:solidFill>
@@ -11227,8 +11227,8 @@
                 <a:noFill/>
               </a:ln>
               <a:extLst>
-                <a:ext uri="{91240B29-F687-4f45-9708-019B960494DF}">
-                  <a14:hiddenLine xmlns="" xmlns:a14="http://schemas.microsoft.com/office/drawing/2010/main" w="9525">
+                <a:ext uri="{91240B29-F687-4F45-9708-019B960494DF}">
+                  <a14:hiddenLine xmlns:a14="http://schemas.microsoft.com/office/drawing/2010/main" w="9525">
                     <a:solidFill>
                       <a:srgbClr val="000000"/>
                     </a:solidFill>
@@ -11317,8 +11317,8 @@
                 <a:noFill/>
               </a:ln>
               <a:extLst>
-                <a:ext uri="{91240B29-F687-4f45-9708-019B960494DF}">
-                  <a14:hiddenLine xmlns="" xmlns:a14="http://schemas.microsoft.com/office/drawing/2010/main" w="9525">
+                <a:ext uri="{91240B29-F687-4F45-9708-019B960494DF}">
+                  <a14:hiddenLine xmlns:a14="http://schemas.microsoft.com/office/drawing/2010/main" w="9525">
                     <a:solidFill>
                       <a:srgbClr val="000000"/>
                     </a:solidFill>
@@ -11382,8 +11382,8 @@
                 <a:noFill/>
               </a:ln>
               <a:extLst>
-                <a:ext uri="{91240B29-F687-4f45-9708-019B960494DF}">
-                  <a14:hiddenLine xmlns="" xmlns:a14="http://schemas.microsoft.com/office/drawing/2010/main" w="9525">
+                <a:ext uri="{91240B29-F687-4F45-9708-019B960494DF}">
+                  <a14:hiddenLine xmlns:a14="http://schemas.microsoft.com/office/drawing/2010/main" w="9525">
                     <a:solidFill>
                       <a:srgbClr val="000000"/>
                     </a:solidFill>
@@ -11472,8 +11472,8 @@
                 <a:noFill/>
               </a:ln>
               <a:extLst>
-                <a:ext uri="{91240B29-F687-4f45-9708-019B960494DF}">
-                  <a14:hiddenLine xmlns="" xmlns:a14="http://schemas.microsoft.com/office/drawing/2010/main" w="9525">
+                <a:ext uri="{91240B29-F687-4F45-9708-019B960494DF}">
+                  <a14:hiddenLine xmlns:a14="http://schemas.microsoft.com/office/drawing/2010/main" w="9525">
                     <a:solidFill>
                       <a:srgbClr val="000000"/>
                     </a:solidFill>
@@ -11540,8 +11540,8 @@
                 <a:noFill/>
               </a:ln>
               <a:extLst>
-                <a:ext uri="{91240B29-F687-4f45-9708-019B960494DF}">
-                  <a14:hiddenLine xmlns="" xmlns:a14="http://schemas.microsoft.com/office/drawing/2010/main" w="9525">
+                <a:ext uri="{91240B29-F687-4F45-9708-019B960494DF}">
+                  <a14:hiddenLine xmlns:a14="http://schemas.microsoft.com/office/drawing/2010/main" w="9525">
                     <a:solidFill>
                       <a:srgbClr val="000000"/>
                     </a:solidFill>
@@ -11630,8 +11630,8 @@
                 <a:noFill/>
               </a:ln>
               <a:extLst>
-                <a:ext uri="{91240B29-F687-4f45-9708-019B960494DF}">
-                  <a14:hiddenLine xmlns="" xmlns:a14="http://schemas.microsoft.com/office/drawing/2010/main" w="9525">
+                <a:ext uri="{91240B29-F687-4F45-9708-019B960494DF}">
+                  <a14:hiddenLine xmlns:a14="http://schemas.microsoft.com/office/drawing/2010/main" w="9525">
                     <a:solidFill>
                       <a:srgbClr val="000000"/>
                     </a:solidFill>
@@ -11698,8 +11698,8 @@
                 <a:noFill/>
               </a:ln>
               <a:extLst>
-                <a:ext uri="{91240B29-F687-4f45-9708-019B960494DF}">
-                  <a14:hiddenLine xmlns="" xmlns:a14="http://schemas.microsoft.com/office/drawing/2010/main" w="9525">
+                <a:ext uri="{91240B29-F687-4F45-9708-019B960494DF}">
+                  <a14:hiddenLine xmlns:a14="http://schemas.microsoft.com/office/drawing/2010/main" w="9525">
                     <a:solidFill>
                       <a:srgbClr val="000000"/>
                     </a:solidFill>
@@ -11788,8 +11788,8 @@
                 <a:noFill/>
               </a:ln>
               <a:extLst>
-                <a:ext uri="{91240B29-F687-4f45-9708-019B960494DF}">
-                  <a14:hiddenLine xmlns="" xmlns:a14="http://schemas.microsoft.com/office/drawing/2010/main" w="9525">
+                <a:ext uri="{91240B29-F687-4F45-9708-019B960494DF}">
+                  <a14:hiddenLine xmlns:a14="http://schemas.microsoft.com/office/drawing/2010/main" w="9525">
                     <a:solidFill>
                       <a:srgbClr val="000000"/>
                     </a:solidFill>
@@ -11822,8 +11822,8 @@
                 <a:noFill/>
               </a:ln>
               <a:extLst>
-                <a:ext uri="{91240B29-F687-4f45-9708-019B960494DF}">
-                  <a14:hiddenLine xmlns="" xmlns:a14="http://schemas.microsoft.com/office/drawing/2010/main" w="9525">
+                <a:ext uri="{91240B29-F687-4F45-9708-019B960494DF}">
+                  <a14:hiddenLine xmlns:a14="http://schemas.microsoft.com/office/drawing/2010/main" w="9525">
                     <a:solidFill>
                       <a:srgbClr val="000000"/>
                     </a:solidFill>
@@ -12689,7 +12689,7 @@
                         <m:fPr>
                           <m:ctrlPr>
                             <a:rPr lang="en-US" i="1" smtClean="0">
-                              <a:latin typeface="Cambria Math" panose="02040503050406030204" pitchFamily="18" charset="0"/>
+                              <a:latin typeface="Cambria Math"/>
                             </a:rPr>
                           </m:ctrlPr>
                         </m:fPr>
@@ -12716,7 +12716,7 @@
                             <m:sSubPr>
                               <m:ctrlPr>
                                 <a:rPr lang="en-US" i="1">
-                                  <a:latin typeface="Cambria Math" panose="02040503050406030204" pitchFamily="18" charset="0"/>
+                                  <a:latin typeface="Cambria Math"/>
                                 </a:rPr>
                               </m:ctrlPr>
                             </m:sSubPr>
@@ -12753,7 +12753,7 @@
                             <m:sSubPr>
                               <m:ctrlPr>
                                 <a:rPr lang="en-US" i="1">
-                                  <a:latin typeface="Cambria Math" panose="02040503050406030204" pitchFamily="18" charset="0"/>
+                                  <a:latin typeface="Cambria Math"/>
                                 </a:rPr>
                               </m:ctrlPr>
                             </m:sSubPr>
@@ -12790,7 +12790,7 @@
                             <m:sSubPr>
                               <m:ctrlPr>
                                 <a:rPr lang="en-US" i="1">
-                                  <a:latin typeface="Cambria Math" panose="02040503050406030204" pitchFamily="18" charset="0"/>
+                                  <a:latin typeface="Cambria Math"/>
                                 </a:rPr>
                               </m:ctrlPr>
                             </m:sSubPr>
@@ -12853,7 +12853,7 @@
                       <m:fPr>
                         <m:ctrlPr>
                           <a:rPr lang="en-US" i="1">
-                            <a:latin typeface="Cambria Math" panose="02040503050406030204" pitchFamily="18" charset="0"/>
+                            <a:latin typeface="Cambria Math"/>
                           </a:rPr>
                         </m:ctrlPr>
                       </m:fPr>
@@ -12882,7 +12882,7 @@
                           <m:sSubPr>
                             <m:ctrlPr>
                               <a:rPr lang="en-US" i="1">
-                                <a:latin typeface="Cambria Math" panose="02040503050406030204" pitchFamily="18" charset="0"/>
+                                <a:latin typeface="Cambria Math"/>
                               </a:rPr>
                             </m:ctrlPr>
                           </m:sSubPr>
@@ -12909,7 +12909,7 @@
                       <m:fPr>
                         <m:ctrlPr>
                           <a:rPr lang="en-US" i="1">
-                            <a:latin typeface="Cambria Math" panose="02040503050406030204" pitchFamily="18" charset="0"/>
+                            <a:latin typeface="Cambria Math"/>
                           </a:rPr>
                         </m:ctrlPr>
                       </m:fPr>
@@ -12924,7 +12924,7 @@
                           <m:sSubPr>
                             <m:ctrlPr>
                               <a:rPr lang="en-US" i="1">
-                                <a:latin typeface="Cambria Math" panose="02040503050406030204" pitchFamily="18" charset="0"/>
+                                <a:latin typeface="Cambria Math"/>
                               </a:rPr>
                             </m:ctrlPr>
                           </m:sSubPr>
@@ -12971,7 +12971,7 @@
                       <m:fPr>
                         <m:ctrlPr>
                           <a:rPr lang="en-US" i="1">
-                            <a:latin typeface="Cambria Math" panose="02040503050406030204" pitchFamily="18" charset="0"/>
+                            <a:latin typeface="Cambria Math"/>
                           </a:rPr>
                         </m:ctrlPr>
                       </m:fPr>
@@ -13000,7 +13000,7 @@
                           <m:sSubPr>
                             <m:ctrlPr>
                               <a:rPr lang="en-US" i="1">
-                                <a:latin typeface="Cambria Math" panose="02040503050406030204" pitchFamily="18" charset="0"/>
+                                <a:latin typeface="Cambria Math"/>
                               </a:rPr>
                             </m:ctrlPr>
                           </m:sSubPr>
@@ -13027,7 +13027,7 @@
                       <m:fPr>
                         <m:ctrlPr>
                           <a:rPr lang="en-US" i="1">
-                            <a:latin typeface="Cambria Math" panose="02040503050406030204" pitchFamily="18" charset="0"/>
+                            <a:latin typeface="Cambria Math"/>
                           </a:rPr>
                         </m:ctrlPr>
                       </m:fPr>
@@ -13042,7 +13042,7 @@
                           <m:sSubPr>
                             <m:ctrlPr>
                               <a:rPr lang="en-US" i="1">
-                                <a:latin typeface="Cambria Math" panose="02040503050406030204" pitchFamily="18" charset="0"/>
+                                <a:latin typeface="Cambria Math"/>
                               </a:rPr>
                             </m:ctrlPr>
                           </m:sSubPr>
@@ -13089,7 +13089,7 @@
                       <m:fPr>
                         <m:ctrlPr>
                           <a:rPr lang="en-US" i="1">
-                            <a:latin typeface="Cambria Math" panose="02040503050406030204" pitchFamily="18" charset="0"/>
+                            <a:latin typeface="Cambria Math"/>
                           </a:rPr>
                         </m:ctrlPr>
                       </m:fPr>
@@ -13118,7 +13118,7 @@
                           <m:sSubPr>
                             <m:ctrlPr>
                               <a:rPr lang="en-US" i="1">
-                                <a:latin typeface="Cambria Math" panose="02040503050406030204" pitchFamily="18" charset="0"/>
+                                <a:latin typeface="Cambria Math"/>
                               </a:rPr>
                             </m:ctrlPr>
                           </m:sSubPr>
@@ -13145,7 +13145,7 @@
                       <m:fPr>
                         <m:ctrlPr>
                           <a:rPr lang="en-US" i="1">
-                            <a:latin typeface="Cambria Math" panose="02040503050406030204" pitchFamily="18" charset="0"/>
+                            <a:latin typeface="Cambria Math"/>
                           </a:rPr>
                         </m:ctrlPr>
                       </m:fPr>
@@ -13160,7 +13160,7 @@
                           <m:sSubPr>
                             <m:ctrlPr>
                               <a:rPr lang="en-US" i="1">
-                                <a:latin typeface="Cambria Math" panose="02040503050406030204" pitchFamily="18" charset="0"/>
+                                <a:latin typeface="Cambria Math"/>
                               </a:rPr>
                             </m:ctrlPr>
                           </m:sSubPr>
@@ -13222,7 +13222,7 @@
                         <m:dPr>
                           <m:ctrlPr>
                             <a:rPr lang="en-US" i="1">
-                              <a:latin typeface="Cambria Math" panose="02040503050406030204" pitchFamily="18" charset="0"/>
+                              <a:latin typeface="Cambria Math"/>
                             </a:rPr>
                           </m:ctrlPr>
                         </m:dPr>
@@ -13233,7 +13233,7 @@
                               <m:endChr m:val="]"/>
                               <m:ctrlPr>
                                 <a:rPr lang="en-US" i="1">
-                                  <a:latin typeface="Cambria Math" panose="02040503050406030204" pitchFamily="18" charset="0"/>
+                                  <a:latin typeface="Cambria Math"/>
                                 </a:rPr>
                               </m:ctrlPr>
                             </m:dPr>
@@ -13242,7 +13242,7 @@
                                 <m:fPr>
                                   <m:ctrlPr>
                                     <a:rPr lang="en-US" i="1">
-                                      <a:latin typeface="Cambria Math" panose="02040503050406030204" pitchFamily="18" charset="0"/>
+                                      <a:latin typeface="Cambria Math"/>
                                     </a:rPr>
                                   </m:ctrlPr>
                                 </m:fPr>
@@ -13271,7 +13271,7 @@
                                     <m:sSubPr>
                                       <m:ctrlPr>
                                         <a:rPr lang="en-US" i="1">
-                                          <a:latin typeface="Cambria Math" panose="02040503050406030204" pitchFamily="18" charset="0"/>
+                                          <a:latin typeface="Cambria Math"/>
                                         </a:rPr>
                                       </m:ctrlPr>
                                     </m:sSubPr>
@@ -13302,7 +13302,7 @@
                               <m:endChr m:val="]"/>
                               <m:ctrlPr>
                                 <a:rPr lang="en-US" i="1">
-                                  <a:latin typeface="Cambria Math" panose="02040503050406030204" pitchFamily="18" charset="0"/>
+                                  <a:latin typeface="Cambria Math"/>
                                 </a:rPr>
                               </m:ctrlPr>
                             </m:dPr>
@@ -13311,7 +13311,7 @@
                                 <m:fPr>
                                   <m:ctrlPr>
                                     <a:rPr lang="en-US" i="1">
-                                      <a:latin typeface="Cambria Math" panose="02040503050406030204" pitchFamily="18" charset="0"/>
+                                      <a:latin typeface="Cambria Math"/>
                                     </a:rPr>
                                   </m:ctrlPr>
                                 </m:fPr>
@@ -13340,7 +13340,7 @@
                                     <m:sSubPr>
                                       <m:ctrlPr>
                                         <a:rPr lang="en-US" i="1">
-                                          <a:latin typeface="Cambria Math" panose="02040503050406030204" pitchFamily="18" charset="0"/>
+                                          <a:latin typeface="Cambria Math"/>
                                         </a:rPr>
                                       </m:ctrlPr>
                                     </m:sSubPr>
@@ -13371,7 +13371,7 @@
                               <m:endChr m:val="]"/>
                               <m:ctrlPr>
                                 <a:rPr lang="en-US" i="1">
-                                  <a:latin typeface="Cambria Math" panose="02040503050406030204" pitchFamily="18" charset="0"/>
+                                  <a:latin typeface="Cambria Math"/>
                                 </a:rPr>
                               </m:ctrlPr>
                             </m:dPr>
@@ -13390,7 +13390,7 @@
                               <m:endChr m:val="]"/>
                               <m:ctrlPr>
                                 <a:rPr lang="en-US" i="1">
-                                  <a:latin typeface="Cambria Math" panose="02040503050406030204" pitchFamily="18" charset="0"/>
+                                  <a:latin typeface="Cambria Math"/>
                                 </a:rPr>
                               </m:ctrlPr>
                             </m:dPr>
@@ -13399,7 +13399,7 @@
                                 <m:fPr>
                                   <m:ctrlPr>
                                     <a:rPr lang="en-US" i="1">
-                                      <a:latin typeface="Cambria Math" panose="02040503050406030204" pitchFamily="18" charset="0"/>
+                                      <a:latin typeface="Cambria Math"/>
                                     </a:rPr>
                                   </m:ctrlPr>
                                 </m:fPr>
@@ -13428,7 +13428,7 @@
                                     <m:sSubPr>
                                       <m:ctrlPr>
                                         <a:rPr lang="en-US" i="1">
-                                          <a:latin typeface="Cambria Math" panose="02040503050406030204" pitchFamily="18" charset="0"/>
+                                          <a:latin typeface="Cambria Math"/>
                                         </a:rPr>
                                       </m:ctrlPr>
                                     </m:sSubPr>
@@ -13459,7 +13459,7 @@
                         <m:dPr>
                           <m:ctrlPr>
                             <a:rPr lang="en-US" i="1">
-                              <a:latin typeface="Cambria Math" panose="02040503050406030204" pitchFamily="18" charset="0"/>
+                              <a:latin typeface="Cambria Math"/>
                             </a:rPr>
                           </m:ctrlPr>
                         </m:dPr>
@@ -13468,7 +13468,7 @@
                             <m:eqArrPr>
                               <m:ctrlPr>
                                 <a:rPr lang="en-US" i="1">
-                                  <a:latin typeface="Cambria Math" panose="02040503050406030204" pitchFamily="18" charset="0"/>
+                                  <a:latin typeface="Cambria Math"/>
                                 </a:rPr>
                               </m:ctrlPr>
                             </m:eqArrPr>
@@ -13477,7 +13477,7 @@
                                 <m:fPr>
                                   <m:ctrlPr>
                                     <a:rPr lang="en-US" i="1">
-                                      <a:latin typeface="Cambria Math" panose="02040503050406030204" pitchFamily="18" charset="0"/>
+                                      <a:latin typeface="Cambria Math"/>
                                     </a:rPr>
                                   </m:ctrlPr>
                                 </m:fPr>
@@ -13492,7 +13492,7 @@
                                     <m:sSubPr>
                                       <m:ctrlPr>
                                         <a:rPr lang="en-US" i="1">
-                                          <a:latin typeface="Cambria Math" panose="02040503050406030204" pitchFamily="18" charset="0"/>
+                                          <a:latin typeface="Cambria Math"/>
                                         </a:rPr>
                                       </m:ctrlPr>
                                     </m:sSubPr>
@@ -13535,7 +13535,7 @@
                                 <m:fPr>
                                   <m:ctrlPr>
                                     <a:rPr lang="en-US" i="1">
-                                      <a:latin typeface="Cambria Math" panose="02040503050406030204" pitchFamily="18" charset="0"/>
+                                      <a:latin typeface="Cambria Math"/>
                                     </a:rPr>
                                   </m:ctrlPr>
                                 </m:fPr>
@@ -13550,7 +13550,7 @@
                                     <m:sSubPr>
                                       <m:ctrlPr>
                                         <a:rPr lang="en-US" i="1">
-                                          <a:latin typeface="Cambria Math" panose="02040503050406030204" pitchFamily="18" charset="0"/>
+                                          <a:latin typeface="Cambria Math"/>
                                         </a:rPr>
                                       </m:ctrlPr>
                                     </m:sSubPr>
@@ -13601,7 +13601,7 @@
                                 <m:fPr>
                                   <m:ctrlPr>
                                     <a:rPr lang="en-US" i="1">
-                                      <a:latin typeface="Cambria Math" panose="02040503050406030204" pitchFamily="18" charset="0"/>
+                                      <a:latin typeface="Cambria Math"/>
                                     </a:rPr>
                                   </m:ctrlPr>
                                 </m:fPr>
@@ -13616,7 +13616,7 @@
                                     <m:sSubPr>
                                       <m:ctrlPr>
                                         <a:rPr lang="en-US" i="1">
-                                          <a:latin typeface="Cambria Math" panose="02040503050406030204" pitchFamily="18" charset="0"/>
+                                          <a:latin typeface="Cambria Math"/>
                                         </a:rPr>
                                       </m:ctrlPr>
                                     </m:sSubPr>
@@ -13689,7 +13689,7 @@
                         <m:dPr>
                           <m:ctrlPr>
                             <a:rPr lang="en-US" i="1">
-                              <a:latin typeface="Cambria Math" panose="02040503050406030204" pitchFamily="18" charset="0"/>
+                              <a:latin typeface="Cambria Math"/>
                             </a:rPr>
                           </m:ctrlPr>
                         </m:dPr>
@@ -13706,7 +13706,7 @@
                         <m:dPr>
                           <m:ctrlPr>
                             <a:rPr lang="en-US" i="1">
-                              <a:latin typeface="Cambria Math" panose="02040503050406030204" pitchFamily="18" charset="0"/>
+                              <a:latin typeface="Cambria Math"/>
                             </a:rPr>
                           </m:ctrlPr>
                         </m:dPr>
@@ -13715,7 +13715,7 @@
                             <m:eqArrPr>
                               <m:ctrlPr>
                                 <a:rPr lang="en-US" i="1">
-                                  <a:latin typeface="Cambria Math" panose="02040503050406030204" pitchFamily="18" charset="0"/>
+                                  <a:latin typeface="Cambria Math"/>
                                 </a:rPr>
                               </m:ctrlPr>
                             </m:eqArrPr>
@@ -13724,7 +13724,7 @@
                                 <m:fPr>
                                   <m:ctrlPr>
                                     <a:rPr lang="en-US" i="1">
-                                      <a:latin typeface="Cambria Math" panose="02040503050406030204" pitchFamily="18" charset="0"/>
+                                      <a:latin typeface="Cambria Math"/>
                                     </a:rPr>
                                   </m:ctrlPr>
                                 </m:fPr>
@@ -13739,7 +13739,7 @@
                                     <m:sSubPr>
                                       <m:ctrlPr>
                                         <a:rPr lang="en-US" i="1">
-                                          <a:latin typeface="Cambria Math" panose="02040503050406030204" pitchFamily="18" charset="0"/>
+                                          <a:latin typeface="Cambria Math"/>
                                         </a:rPr>
                                       </m:ctrlPr>
                                     </m:sSubPr>
@@ -13782,7 +13782,7 @@
                                 <m:fPr>
                                   <m:ctrlPr>
                                     <a:rPr lang="en-US" i="1">
-                                      <a:latin typeface="Cambria Math" panose="02040503050406030204" pitchFamily="18" charset="0"/>
+                                      <a:latin typeface="Cambria Math"/>
                                     </a:rPr>
                                   </m:ctrlPr>
                                 </m:fPr>
@@ -13797,7 +13797,7 @@
                                     <m:sSubPr>
                                       <m:ctrlPr>
                                         <a:rPr lang="en-US" i="1">
-                                          <a:latin typeface="Cambria Math" panose="02040503050406030204" pitchFamily="18" charset="0"/>
+                                          <a:latin typeface="Cambria Math"/>
                                         </a:rPr>
                                       </m:ctrlPr>
                                     </m:sSubPr>
@@ -13848,7 +13848,7 @@
                                 <m:fPr>
                                   <m:ctrlPr>
                                     <a:rPr lang="en-US" i="1">
-                                      <a:latin typeface="Cambria Math" panose="02040503050406030204" pitchFamily="18" charset="0"/>
+                                      <a:latin typeface="Cambria Math"/>
                                     </a:rPr>
                                   </m:ctrlPr>
                                 </m:fPr>
@@ -13863,7 +13863,7 @@
                                     <m:sSubPr>
                                       <m:ctrlPr>
                                         <a:rPr lang="en-US" i="1">
-                                          <a:latin typeface="Cambria Math" panose="02040503050406030204" pitchFamily="18" charset="0"/>
+                                          <a:latin typeface="Cambria Math"/>
                                         </a:rPr>
                                       </m:ctrlPr>
                                     </m:sSubPr>
@@ -14108,7 +14108,7 @@
                           <m:endChr m:val="]"/>
                           <m:ctrlPr>
                             <a:rPr lang="en-US" i="1">
-                              <a:latin typeface="Cambria Math" panose="02040503050406030204" pitchFamily="18" charset="0"/>
+                              <a:latin typeface="Cambria Math"/>
                             </a:rPr>
                           </m:ctrlPr>
                         </m:dPr>
@@ -14117,7 +14117,7 @@
                             <m:eqArrPr>
                               <m:ctrlPr>
                                 <a:rPr lang="en-US" i="1">
-                                  <a:latin typeface="Cambria Math" panose="02040503050406030204" pitchFamily="18" charset="0"/>
+                                  <a:latin typeface="Cambria Math"/>
                                 </a:rPr>
                               </m:ctrlPr>
                             </m:eqArrPr>
@@ -14126,7 +14126,7 @@
                                 <m:eqArrPr>
                                   <m:ctrlPr>
                                     <a:rPr lang="en-US" i="1">
-                                      <a:latin typeface="Cambria Math" panose="02040503050406030204" pitchFamily="18" charset="0"/>
+                                      <a:latin typeface="Cambria Math"/>
                                     </a:rPr>
                                   </m:ctrlPr>
                                 </m:eqArrPr>
@@ -14151,7 +14151,7 @@
                                     <m:sSubPr>
                                       <m:ctrlPr>
                                         <a:rPr lang="en-US" i="1">
-                                          <a:latin typeface="Cambria Math" panose="02040503050406030204" pitchFamily="18" charset="0"/>
+                                          <a:latin typeface="Cambria Math"/>
                                         </a:rPr>
                                       </m:ctrlPr>
                                     </m:sSubPr>
@@ -14178,7 +14178,7 @@
                                     <m:sSubPr>
                                       <m:ctrlPr>
                                         <a:rPr lang="en-US" i="1">
-                                          <a:latin typeface="Cambria Math" panose="02040503050406030204" pitchFamily="18" charset="0"/>
+                                          <a:latin typeface="Cambria Math"/>
                                         </a:rPr>
                                       </m:ctrlPr>
                                     </m:sSubPr>
@@ -14211,7 +14211,7 @@
                                     <m:sSubPr>
                                       <m:ctrlPr>
                                         <a:rPr lang="en-US" i="1">
-                                          <a:latin typeface="Cambria Math" panose="02040503050406030204" pitchFamily="18" charset="0"/>
+                                          <a:latin typeface="Cambria Math"/>
                                         </a:rPr>
                                       </m:ctrlPr>
                                     </m:sSubPr>
@@ -14244,7 +14244,7 @@
                                     <m:sSubPr>
                                       <m:ctrlPr>
                                         <a:rPr lang="en-US" i="1">
-                                          <a:latin typeface="Cambria Math" panose="02040503050406030204" pitchFamily="18" charset="0"/>
+                                          <a:latin typeface="Cambria Math"/>
                                         </a:rPr>
                                       </m:ctrlPr>
                                     </m:sSubPr>
@@ -14277,7 +14277,7 @@
                                     <m:sSubPr>
                                       <m:ctrlPr>
                                         <a:rPr lang="en-US" i="1">
-                                          <a:latin typeface="Cambria Math" panose="02040503050406030204" pitchFamily="18" charset="0"/>
+                                          <a:latin typeface="Cambria Math"/>
                                         </a:rPr>
                                       </m:ctrlPr>
                                     </m:sSubPr>
@@ -14312,7 +14312,7 @@
                                 <m:sSubPr>
                                   <m:ctrlPr>
                                     <a:rPr lang="en-US" i="1">
-                                      <a:latin typeface="Cambria Math" panose="02040503050406030204" pitchFamily="18" charset="0"/>
+                                      <a:latin typeface="Cambria Math"/>
                                     </a:rPr>
                                   </m:ctrlPr>
                                 </m:sSubPr>
@@ -14345,7 +14345,7 @@
                                 <m:sSubPr>
                                   <m:ctrlPr>
                                     <a:rPr lang="en-US" i="1">
-                                      <a:latin typeface="Cambria Math" panose="02040503050406030204" pitchFamily="18" charset="0"/>
+                                      <a:latin typeface="Cambria Math"/>
                                     </a:rPr>
                                   </m:ctrlPr>
                                 </m:sSubPr>
@@ -14378,7 +14378,7 @@
                                 <m:sSubPr>
                                   <m:ctrlPr>
                                     <a:rPr lang="en-US" i="1">
-                                      <a:latin typeface="Cambria Math" panose="02040503050406030204" pitchFamily="18" charset="0"/>
+                                      <a:latin typeface="Cambria Math"/>
                                     </a:rPr>
                                   </m:ctrlPr>
                                 </m:sSubPr>
@@ -14411,7 +14411,7 @@
                                 <m:sSubPr>
                                   <m:ctrlPr>
                                     <a:rPr lang="en-US" i="1">
-                                      <a:latin typeface="Cambria Math" panose="02040503050406030204" pitchFamily="18" charset="0"/>
+                                      <a:latin typeface="Cambria Math"/>
                                     </a:rPr>
                                   </m:ctrlPr>
                                 </m:sSubPr>
@@ -14992,7 +14992,7 @@
                         <m:sSubPr>
                           <m:ctrlPr>
                             <a:rPr lang="en-US" i="1" smtClean="0">
-                              <a:latin typeface="Cambria Math" panose="02040503050406030204" pitchFamily="18" charset="0"/>
+                              <a:latin typeface="Cambria Math"/>
                             </a:rPr>
                           </m:ctrlPr>
                         </m:sSubPr>
@@ -15035,7 +15035,7 @@
                         <m:sSubPr>
                           <m:ctrlPr>
                             <a:rPr lang="en-US" i="1">
-                              <a:latin typeface="Cambria Math" panose="02040503050406030204" pitchFamily="18" charset="0"/>
+                              <a:latin typeface="Cambria Math"/>
                             </a:rPr>
                           </m:ctrlPr>
                         </m:sSubPr>
@@ -15078,7 +15078,7 @@
                         <m:sSubPr>
                           <m:ctrlPr>
                             <a:rPr lang="en-US" i="1">
-                              <a:latin typeface="Cambria Math" panose="02040503050406030204" pitchFamily="18" charset="0"/>
+                              <a:latin typeface="Cambria Math"/>
                             </a:rPr>
                           </m:ctrlPr>
                         </m:sSubPr>
@@ -15121,7 +15121,7 @@
                         <m:sSubPr>
                           <m:ctrlPr>
                             <a:rPr lang="en-US" i="1">
-                              <a:latin typeface="Cambria Math" panose="02040503050406030204" pitchFamily="18" charset="0"/>
+                              <a:latin typeface="Cambria Math"/>
                             </a:rPr>
                           </m:ctrlPr>
                         </m:sSubPr>
@@ -15164,7 +15164,7 @@
                         <m:fPr>
                           <m:ctrlPr>
                             <a:rPr lang="en-US" b="0" i="1" smtClean="0">
-                              <a:latin typeface="Cambria Math" panose="02040503050406030204" pitchFamily="18" charset="0"/>
+                              <a:latin typeface="Cambria Math"/>
                             </a:rPr>
                           </m:ctrlPr>
                         </m:fPr>
@@ -15204,7 +15204,7 @@
                         <m:sSubPr>
                           <m:ctrlPr>
                             <a:rPr lang="en-US" i="1">
-                              <a:latin typeface="Cambria Math" panose="02040503050406030204" pitchFamily="18" charset="0"/>
+                              <a:latin typeface="Cambria Math"/>
                             </a:rPr>
                           </m:ctrlPr>
                         </m:sSubPr>
@@ -15247,7 +15247,7 @@
                         <m:sSubPr>
                           <m:ctrlPr>
                             <a:rPr lang="en-US" i="1">
-                              <a:latin typeface="Cambria Math" panose="02040503050406030204" pitchFamily="18" charset="0"/>
+                              <a:latin typeface="Cambria Math"/>
                             </a:rPr>
                           </m:ctrlPr>
                         </m:sSubPr>
@@ -15290,7 +15290,7 @@
                         <m:sSubPr>
                           <m:ctrlPr>
                             <a:rPr lang="en-US" i="1">
-                              <a:latin typeface="Cambria Math" panose="02040503050406030204" pitchFamily="18" charset="0"/>
+                              <a:latin typeface="Cambria Math"/>
                             </a:rPr>
                           </m:ctrlPr>
                         </m:sSubPr>
@@ -15333,7 +15333,7 @@
                         <m:sSubPr>
                           <m:ctrlPr>
                             <a:rPr lang="en-US" i="1">
-                              <a:latin typeface="Cambria Math" panose="02040503050406030204" pitchFamily="18" charset="0"/>
+                              <a:latin typeface="Cambria Math"/>
                             </a:rPr>
                           </m:ctrlPr>
                         </m:sSubPr>
@@ -15376,7 +15376,7 @@
                         <m:fPr>
                           <m:ctrlPr>
                             <a:rPr lang="en-US" b="0" i="1" smtClean="0">
-                              <a:latin typeface="Cambria Math" panose="02040503050406030204" pitchFamily="18" charset="0"/>
+                              <a:latin typeface="Cambria Math"/>
                             </a:rPr>
                           </m:ctrlPr>
                         </m:fPr>
@@ -17856,7 +17856,7 @@
                         <m:sSubPr>
                           <m:ctrlPr>
                             <a:rPr lang="en-US" i="1">
-                              <a:latin typeface="Cambria Math" panose="02040503050406030204" pitchFamily="18" charset="0"/>
+                              <a:latin typeface="Cambria Math"/>
                             </a:rPr>
                           </m:ctrlPr>
                         </m:sSubPr>
@@ -17899,7 +17899,7 @@
                         <m:sSubPr>
                           <m:ctrlPr>
                             <a:rPr lang="en-US" i="1">
-                              <a:latin typeface="Cambria Math" panose="02040503050406030204" pitchFamily="18" charset="0"/>
+                              <a:latin typeface="Cambria Math"/>
                             </a:rPr>
                           </m:ctrlPr>
                         </m:sSubPr>
@@ -17942,7 +17942,7 @@
                         <m:sSubPr>
                           <m:ctrlPr>
                             <a:rPr lang="en-US" i="1">
-                              <a:latin typeface="Cambria Math" panose="02040503050406030204" pitchFamily="18" charset="0"/>
+                              <a:latin typeface="Cambria Math"/>
                             </a:rPr>
                           </m:ctrlPr>
                         </m:sSubPr>
@@ -17985,7 +17985,7 @@
                         <m:fPr>
                           <m:ctrlPr>
                             <a:rPr lang="en-US" i="1" smtClean="0">
-                              <a:latin typeface="Cambria Math" panose="02040503050406030204" pitchFamily="18" charset="0"/>
+                              <a:latin typeface="Cambria Math"/>
                             </a:rPr>
                           </m:ctrlPr>
                         </m:fPr>
@@ -19243,7 +19243,7 @@
                         <m:sSubPr>
                           <m:ctrlPr>
                             <a:rPr lang="en-US" i="1" smtClean="0">
-                              <a:latin typeface="Cambria Math" panose="02040503050406030204" pitchFamily="18" charset="0"/>
+                              <a:latin typeface="Cambria Math"/>
                             </a:rPr>
                           </m:ctrlPr>
                         </m:sSubPr>
@@ -19274,7 +19274,7 @@
                         <m:sSubPr>
                           <m:ctrlPr>
                             <a:rPr lang="en-US" i="1">
-                              <a:latin typeface="Cambria Math" panose="02040503050406030204" pitchFamily="18" charset="0"/>
+                              <a:latin typeface="Cambria Math"/>
                             </a:rPr>
                           </m:ctrlPr>
                         </m:sSubPr>
@@ -19311,7 +19311,7 @@
                         <m:sSubPr>
                           <m:ctrlPr>
                             <a:rPr lang="en-US" i="1">
-                              <a:latin typeface="Cambria Math" panose="02040503050406030204" pitchFamily="18" charset="0"/>
+                              <a:latin typeface="Cambria Math"/>
                             </a:rPr>
                           </m:ctrlPr>
                         </m:sSubPr>
@@ -19342,7 +19342,7 @@
                         <m:sSubPr>
                           <m:ctrlPr>
                             <a:rPr lang="en-US" i="1">
-                              <a:latin typeface="Cambria Math" panose="02040503050406030204" pitchFamily="18" charset="0"/>
+                              <a:latin typeface="Cambria Math"/>
                             </a:rPr>
                           </m:ctrlPr>
                         </m:sSubPr>
@@ -19379,7 +19379,7 @@
                         <m:naryPr>
                           <m:ctrlPr>
                             <a:rPr lang="en-US" b="0" i="1" smtClean="0">
-                              <a:latin typeface="Cambria Math" panose="02040503050406030204" pitchFamily="18" charset="0"/>
+                              <a:latin typeface="Cambria Math"/>
                             </a:rPr>
                           </m:ctrlPr>
                         </m:naryPr>
@@ -19388,7 +19388,7 @@
                             <m:sSupPr>
                               <m:ctrlPr>
                                 <a:rPr lang="en-US" b="0" i="1" smtClean="0">
-                                  <a:latin typeface="Cambria Math" panose="02040503050406030204" pitchFamily="18" charset="0"/>
+                                  <a:latin typeface="Cambria Math"/>
                                 </a:rPr>
                               </m:ctrlPr>
                             </m:sSupPr>
@@ -19415,7 +19415,7 @@
                             <m:sSupPr>
                               <m:ctrlPr>
                                 <a:rPr lang="en-US" b="0" i="1" smtClean="0">
-                                  <a:latin typeface="Cambria Math" panose="02040503050406030204" pitchFamily="18" charset="0"/>
+                                  <a:latin typeface="Cambria Math"/>
                                 </a:rPr>
                               </m:ctrlPr>
                             </m:sSupPr>
@@ -19448,7 +19448,7 @@
                             <m:dPr>
                               <m:ctrlPr>
                                 <a:rPr lang="en-US" b="0" i="1" smtClean="0">
-                                  <a:latin typeface="Cambria Math" panose="02040503050406030204" pitchFamily="18" charset="0"/>
+                                  <a:latin typeface="Cambria Math"/>
                                 </a:rPr>
                               </m:ctrlPr>
                             </m:dPr>
@@ -20307,7 +20307,12 @@
             <p:ph type="title"/>
           </p:nvPr>
         </p:nvSpPr>
-        <p:spPr/>
+        <p:spPr>
+          <a:xfrm>
+            <a:off x="972080" y="0"/>
+            <a:ext cx="9905998" cy="1478570"/>
+          </a:xfrm>
+        </p:spPr>
         <p:txBody>
           <a:bodyPr/>
           <a:lstStyle/>
@@ -20330,49 +20335,65 @@
             <p:ph idx="1"/>
           </p:nvPr>
         </p:nvSpPr>
-        <p:spPr/>
+        <p:spPr>
+          <a:xfrm>
+            <a:off x="1073679" y="1622953"/>
+            <a:ext cx="9905999" cy="3541714"/>
+          </a:xfrm>
+        </p:spPr>
         <p:txBody>
-          <a:bodyPr/>
+          <a:bodyPr>
+            <a:noAutofit/>
+          </a:bodyPr>
           <a:lstStyle/>
           <a:p>
-            <a:r>
-              <a:rPr lang="en-US" dirty="0" smtClean="0"/>
+            <a:pPr marL="0" indent="0">
+              <a:buNone/>
+            </a:pPr>
+            <a:r>
+              <a:rPr lang="en-US" sz="2800" dirty="0" smtClean="0"/>
               <a:t>Benefits of pneumatics over other power sources</a:t>
             </a:r>
           </a:p>
           <a:p>
-            <a:r>
-              <a:rPr lang="en-US" dirty="0" smtClean="0"/>
+            <a:pPr marL="0" indent="0">
+              <a:buNone/>
+            </a:pPr>
+            <a:r>
+              <a:rPr lang="en-US" sz="2800" dirty="0" smtClean="0"/>
               <a:t>Component Specifications</a:t>
             </a:r>
           </a:p>
           <a:p>
             <a:pPr lvl="1"/>
             <a:r>
-              <a:rPr lang="en-US" dirty="0" smtClean="0"/>
+              <a:rPr lang="en-US" sz="2800" dirty="0" smtClean="0"/>
               <a:t>Air Cylinders</a:t>
             </a:r>
           </a:p>
           <a:p>
             <a:pPr lvl="1"/>
             <a:r>
-              <a:rPr lang="en-US" dirty="0" smtClean="0"/>
+              <a:rPr lang="en-US" sz="2800" dirty="0" smtClean="0"/>
               <a:t>Directional Control Valves</a:t>
             </a:r>
           </a:p>
           <a:p>
             <a:pPr lvl="1"/>
             <a:r>
-              <a:rPr lang="en-US" dirty="0" smtClean="0"/>
+              <a:rPr lang="en-US" sz="2800" dirty="0" smtClean="0"/>
               <a:t>Air Compressors</a:t>
             </a:r>
           </a:p>
           <a:p>
-            <a:r>
-              <a:rPr lang="en-US" dirty="0" smtClean="0"/>
+            <a:pPr marL="0" indent="0">
+              <a:buNone/>
+            </a:pPr>
+            <a:r>
+              <a:rPr lang="en-US" sz="2800" dirty="0" smtClean="0"/>
               <a:t>Other circuit components</a:t>
             </a:r>
-            <a:endParaRPr lang="en-US" dirty="0"/>
+            <a:endParaRPr lang="en-US" sz="2800" dirty="0"/>
           </a:p>
         </p:txBody>
       </p:sp>
@@ -21651,7 +21672,7 @@
         </p:blipFill>
         <p:spPr>
           <a:xfrm>
-            <a:off x="5791200" y="1295400"/>
+            <a:off x="5926666" y="1756615"/>
             <a:ext cx="5903472" cy="1478408"/>
           </a:xfrm>
           <a:prstGeom prst="rect">
@@ -21659,8 +21680,8 @@
           </a:prstGeom>
         </p:spPr>
       </p:pic>
-      <mc:AlternateContent xmlns:mc="http://schemas.openxmlformats.org/markup-compatibility/2006" xmlns:a14="http://schemas.microsoft.com/office/drawing/2010/main">
-        <mc:Choice Requires="a14">
+      <mc:AlternateContent xmlns:mc="http://schemas.openxmlformats.org/markup-compatibility/2006">
+        <mc:Choice xmlns:a14="http://schemas.microsoft.com/office/drawing/2010/main" Requires="a14">
           <p:sp>
             <p:nvSpPr>
               <p:cNvPr id="5" name="TextBox 4"/>
@@ -21669,8 +21690,8 @@
             </p:nvSpPr>
             <p:spPr>
               <a:xfrm>
-                <a:off x="7164889" y="2779112"/>
-                <a:ext cx="4239364" cy="390748"/>
+                <a:off x="6570135" y="3489029"/>
+                <a:ext cx="5046132" cy="899733"/>
               </a:xfrm>
               <a:prstGeom prst="rect">
                 <a:avLst/>
@@ -21691,13 +21712,13 @@
                     </m:oMathParaPr>
                     <m:oMath xmlns:m="http://schemas.openxmlformats.org/officeDocument/2006/math">
                       <m:r>
-                        <a:rPr lang="en-US" i="1">
+                        <a:rPr lang="en-US" sz="3200" i="1">
                           <a:latin typeface="Cambria Math"/>
                         </a:rPr>
                         <m:t>𝐹</m:t>
                       </m:r>
                       <m:r>
-                        <a:rPr lang="en-US" i="1">
+                        <a:rPr lang="en-US" sz="3200" i="1">
                           <a:latin typeface="Cambria Math"/>
                         </a:rPr>
                         <m:t> =</m:t>
@@ -21705,14 +21726,14 @@
                       <m:sSub>
                         <m:sSubPr>
                           <m:ctrlPr>
-                            <a:rPr lang="en-US" i="1">
-                              <a:latin typeface="Cambria Math" panose="02040503050406030204" pitchFamily="18" charset="0"/>
+                            <a:rPr lang="en-US" sz="3200" i="1">
+                              <a:latin typeface="Cambria Math"/>
                             </a:rPr>
                           </m:ctrlPr>
                         </m:sSubPr>
                         <m:e>
                           <m:r>
-                            <a:rPr lang="en-US" i="1">
+                            <a:rPr lang="en-US" sz="3200" i="1">
                               <a:latin typeface="Cambria Math"/>
                             </a:rPr>
                             <m:t>𝑃</m:t>
@@ -21720,7 +21741,7 @@
                         </m:e>
                         <m:sub>
                           <m:r>
-                            <a:rPr lang="en-US" i="1">
+                            <a:rPr lang="en-US" sz="3200" i="1">
                               <a:latin typeface="Cambria Math"/>
                             </a:rPr>
                             <m:t>𝑐𝑎𝑝</m:t>
@@ -21730,14 +21751,14 @@
                       <m:sSub>
                         <m:sSubPr>
                           <m:ctrlPr>
-                            <a:rPr lang="en-US" i="1">
-                              <a:latin typeface="Cambria Math" panose="02040503050406030204" pitchFamily="18" charset="0"/>
+                            <a:rPr lang="en-US" sz="3200" i="1">
+                              <a:latin typeface="Cambria Math"/>
                             </a:rPr>
                           </m:ctrlPr>
                         </m:sSubPr>
                         <m:e>
                           <m:r>
-                            <a:rPr lang="en-US" i="1">
+                            <a:rPr lang="en-US" sz="3200" i="1">
                               <a:latin typeface="Cambria Math"/>
                             </a:rPr>
                             <m:t>𝐴</m:t>
@@ -21745,7 +21766,7 @@
                         </m:e>
                         <m:sub>
                           <m:r>
-                            <a:rPr lang="en-US" i="1">
+                            <a:rPr lang="en-US" sz="3200" i="1">
                               <a:latin typeface="Cambria Math"/>
                             </a:rPr>
                             <m:t>𝑐𝑎𝑝</m:t>
@@ -21753,7 +21774,7 @@
                         </m:sub>
                       </m:sSub>
                       <m:r>
-                        <a:rPr lang="en-US" i="1">
+                        <a:rPr lang="en-US" sz="3200" i="1">
                           <a:latin typeface="Cambria Math"/>
                         </a:rPr>
                         <m:t> −</m:t>
@@ -21761,14 +21782,14 @@
                       <m:sSub>
                         <m:sSubPr>
                           <m:ctrlPr>
-                            <a:rPr lang="en-US" i="1">
-                              <a:latin typeface="Cambria Math" panose="02040503050406030204" pitchFamily="18" charset="0"/>
+                            <a:rPr lang="en-US" sz="3200" i="1">
+                              <a:latin typeface="Cambria Math"/>
                             </a:rPr>
                           </m:ctrlPr>
                         </m:sSubPr>
                         <m:e>
                           <m:r>
-                            <a:rPr lang="en-US" i="1">
+                            <a:rPr lang="en-US" sz="3200" i="1">
                               <a:latin typeface="Cambria Math"/>
                             </a:rPr>
                             <m:t>𝑃</m:t>
@@ -21776,7 +21797,7 @@
                         </m:e>
                         <m:sub>
                           <m:r>
-                            <a:rPr lang="en-US" i="1">
+                            <a:rPr lang="en-US" sz="3200" i="1">
                               <a:latin typeface="Cambria Math"/>
                             </a:rPr>
                             <m:t>𝑟𝑜𝑑</m:t>
@@ -21786,14 +21807,14 @@
                       <m:sSub>
                         <m:sSubPr>
                           <m:ctrlPr>
-                            <a:rPr lang="en-US" i="1">
-                              <a:latin typeface="Cambria Math" panose="02040503050406030204" pitchFamily="18" charset="0"/>
+                            <a:rPr lang="en-US" sz="3200" i="1">
+                              <a:latin typeface="Cambria Math"/>
                             </a:rPr>
                           </m:ctrlPr>
                         </m:sSubPr>
                         <m:e>
                           <m:r>
-                            <a:rPr lang="en-US" i="1">
+                            <a:rPr lang="en-US" sz="3200" i="1">
                               <a:latin typeface="Cambria Math"/>
                             </a:rPr>
                             <m:t>𝐴</m:t>
@@ -21801,7 +21822,7 @@
                         </m:e>
                         <m:sub>
                           <m:r>
-                            <a:rPr lang="en-US" i="1">
+                            <a:rPr lang="en-US" sz="3200" i="1">
                               <a:latin typeface="Cambria Math"/>
                             </a:rPr>
                             <m:t>𝑟𝑜𝑑</m:t>
@@ -21811,12 +21832,16 @@
                     </m:oMath>
                   </m:oMathPara>
                 </a14:m>
+                <a:endParaRPr lang="en-US" sz="3200" dirty="0" smtClean="0"/>
+              </a:p>
+              <a:p>
+                <a:pPr/>
                 <a:endParaRPr lang="en-US" dirty="0"/>
               </a:p>
             </p:txBody>
           </p:sp>
         </mc:Choice>
-        <mc:Fallback xmlns="">
+        <mc:Fallback>
           <p:sp>
             <p:nvSpPr>
               <p:cNvPr id="5" name="TextBox 4"/>
@@ -21827,16 +21852,16 @@
             </p:nvSpPr>
             <p:spPr>
               <a:xfrm>
-                <a:off x="7164889" y="2779112"/>
-                <a:ext cx="4239364" cy="390748"/>
+                <a:off x="6570135" y="3489029"/>
+                <a:ext cx="5046132" cy="899733"/>
               </a:xfrm>
               <a:prstGeom prst="rect">
                 <a:avLst/>
               </a:prstGeom>
-              <a:blipFill rotWithShape="0">
+              <a:blipFill rotWithShape="1">
                 <a:blip r:embed="rId3"/>
                 <a:stretch>
-                  <a:fillRect b="-3125"/>
+                  <a:fillRect/>
                 </a:stretch>
               </a:blipFill>
             </p:spPr>
@@ -21864,7 +21889,7 @@
         <p:spPr>
           <a:xfrm>
             <a:off x="508000" y="1600200"/>
-            <a:ext cx="5181600" cy="1569660"/>
+            <a:ext cx="5181600" cy="1384995"/>
           </a:xfrm>
           <a:prstGeom prst="rect">
             <a:avLst/>
@@ -21882,24 +21907,22 @@
               <a:buChar char="•"/>
             </a:pPr>
             <a:r>
-              <a:rPr lang="en-US" sz="2400" dirty="0" smtClean="0"/>
-              <a:t>Converts fluid power into mechanical power</a:t>
-            </a:r>
+              <a:rPr lang="en-US" sz="2800" dirty="0" smtClean="0"/>
+              <a:t>Converts fluid power into mechanical </a:t>
+            </a:r>
+            <a:r>
+              <a:rPr lang="en-US" sz="2800" dirty="0" smtClean="0"/>
+              <a:t>power</a:t>
+            </a:r>
+            <a:endParaRPr lang="en-US" sz="2800" dirty="0"/>
           </a:p>
           <a:p>
             <a:pPr marL="457200" indent="-457200">
               <a:buFont typeface="Arial" panose="020B0604020202020204" pitchFamily="34" charset="0"/>
               <a:buChar char="•"/>
             </a:pPr>
-            <a:endParaRPr lang="en-US" sz="2400" dirty="0"/>
-          </a:p>
-          <a:p>
-            <a:pPr marL="457200" indent="-457200">
-              <a:buFont typeface="Arial" panose="020B0604020202020204" pitchFamily="34" charset="0"/>
-              <a:buChar char="•"/>
-            </a:pPr>
-            <a:r>
-              <a:rPr lang="en-US" sz="2400" dirty="0" smtClean="0"/>
+            <a:r>
+              <a:rPr lang="en-US" sz="2800" dirty="0" smtClean="0"/>
               <a:t>Position Feedback Sensor</a:t>
             </a:r>
           </a:p>
@@ -21914,7 +21937,7 @@
         <p:spPr>
           <a:xfrm>
             <a:off x="609600" y="3505200"/>
-            <a:ext cx="7620000" cy="2400657"/>
+            <a:ext cx="7620000" cy="2608215"/>
           </a:xfrm>
           <a:prstGeom prst="rect">
             <a:avLst/>
@@ -21934,9 +21957,21 @@
             </a:pPr>
             <a:r>
               <a:rPr lang="en-US" sz="2800" dirty="0" smtClean="0"/>
-              <a:t>Specifications determined by:</a:t>
-            </a:r>
-            <a:endParaRPr lang="en-US" sz="2400" dirty="0"/>
+              <a:t>Specifications </a:t>
+            </a:r>
+            <a:r>
+              <a:rPr lang="en-US" sz="2800" dirty="0" smtClean="0"/>
+              <a:t>limited</a:t>
+            </a:r>
+            <a:r>
+              <a:rPr lang="en-US" sz="2800" dirty="0" smtClean="0"/>
+              <a:t> </a:t>
+            </a:r>
+            <a:r>
+              <a:rPr lang="en-US" sz="2800" dirty="0" smtClean="0"/>
+              <a:t>by:</a:t>
+            </a:r>
+            <a:endParaRPr lang="en-US" sz="2800" dirty="0"/>
           </a:p>
           <a:p>
             <a:pPr>
@@ -21945,10 +21980,10 @@
               </a:lnSpc>
             </a:pPr>
             <a:r>
-              <a:rPr lang="en-US" sz="2400" dirty="0" smtClean="0"/>
-              <a:t>-Appropriate bore diameter</a:t>
-            </a:r>
-            <a:endParaRPr lang="en-US" sz="2400" dirty="0"/>
+              <a:rPr lang="en-US" sz="2800" dirty="0" smtClean="0"/>
+              <a:t>-Volume available for cylinder placement</a:t>
+            </a:r>
+            <a:endParaRPr lang="en-US" sz="2800" dirty="0"/>
           </a:p>
           <a:p>
             <a:pPr>
@@ -21957,10 +21992,14 @@
               </a:lnSpc>
             </a:pPr>
             <a:r>
-              <a:rPr lang="en-US" sz="2400" dirty="0" smtClean="0"/>
-              <a:t>-Appropriate necessary pressure</a:t>
-            </a:r>
-            <a:endParaRPr lang="en-US" sz="2400" dirty="0"/>
+              <a:rPr lang="en-US" sz="2800" dirty="0" smtClean="0"/>
+              <a:t>-Necessary </a:t>
+            </a:r>
+            <a:r>
+              <a:rPr lang="en-US" sz="2800" dirty="0" smtClean="0"/>
+              <a:t>pressure</a:t>
+            </a:r>
+            <a:endParaRPr lang="en-US" sz="2800" dirty="0"/>
           </a:p>
           <a:p>
             <a:pPr>
@@ -21969,8 +22008,12 @@
               </a:lnSpc>
             </a:pPr>
             <a:r>
-              <a:rPr lang="en-US" sz="2400" dirty="0" smtClean="0"/>
-              <a:t>-Appropriate necessary volumetric flow rate</a:t>
+              <a:rPr lang="en-US" sz="2800" dirty="0" smtClean="0"/>
+              <a:t>-Necessary </a:t>
+            </a:r>
+            <a:r>
+              <a:rPr lang="en-US" sz="2800" dirty="0" smtClean="0"/>
+              <a:t>volumetric flow rate</a:t>
             </a:r>
           </a:p>
         </p:txBody>
@@ -22017,8 +22060,8 @@
         </p:nvSpPr>
         <p:spPr>
           <a:xfrm>
-            <a:off x="609600" y="255141"/>
-            <a:ext cx="10972800" cy="563562"/>
+            <a:off x="3335866" y="238207"/>
+            <a:ext cx="6620933" cy="563562"/>
           </a:xfrm>
         </p:spPr>
         <p:txBody>
@@ -22029,14 +22072,18 @@
           <a:p>
             <a:r>
               <a:rPr lang="en-US" dirty="0" smtClean="0"/>
-              <a:t>Example Specification</a:t>
+              <a:t>Example </a:t>
+            </a:r>
+            <a:r>
+              <a:rPr lang="en-US" dirty="0" smtClean="0"/>
+              <a:t>Specification process</a:t>
             </a:r>
             <a:endParaRPr lang="en-US" dirty="0"/>
           </a:p>
         </p:txBody>
       </p:sp>
-      <mc:AlternateContent xmlns:mc="http://schemas.openxmlformats.org/markup-compatibility/2006" xmlns:a14="http://schemas.microsoft.com/office/drawing/2010/main">
-        <mc:Choice Requires="a14">
+      <mc:AlternateContent xmlns:mc="http://schemas.openxmlformats.org/markup-compatibility/2006">
+        <mc:Choice xmlns:a14="http://schemas.microsoft.com/office/drawing/2010/main" Requires="a14">
           <p:sp>
             <p:nvSpPr>
               <p:cNvPr id="3" name="Content Placeholder 2"/>
@@ -22049,13 +22096,13 @@
             </p:nvSpPr>
             <p:spPr>
               <a:xfrm>
-                <a:off x="152400" y="1026452"/>
-                <a:ext cx="11887200" cy="5678785"/>
+                <a:off x="152400" y="874052"/>
+                <a:ext cx="6062133" cy="5678785"/>
               </a:xfrm>
             </p:spPr>
             <p:txBody>
               <a:bodyPr>
-                <a:normAutofit fontScale="92500" lnSpcReduction="10000"/>
+                <a:normAutofit fontScale="92500" lnSpcReduction="20000"/>
               </a:bodyPr>
               <a:lstStyle/>
               <a:p>
@@ -22077,13 +22124,13 @@
                       <m:rPr>
                         <m:sty m:val="p"/>
                       </m:rPr>
-                      <a:rPr lang="en-US" sz="1800" smtClean="0">
+                      <a:rPr lang="en-US" sz="2200" smtClean="0">
                         <a:latin typeface="Cambria Math"/>
                       </a:rPr>
                       <m:t>P</m:t>
                     </m:r>
                     <m:r>
-                      <a:rPr lang="en-US" sz="1800" smtClean="0">
+                      <a:rPr lang="en-US" sz="2200" smtClean="0">
                         <a:latin typeface="Cambria Math"/>
                       </a:rPr>
                       <m:t>=</m:t>
@@ -22091,8 +22138,8 @@
                     <m:f>
                       <m:fPr>
                         <m:ctrlPr>
-                          <a:rPr lang="en-US" sz="1800" i="1">
-                            <a:latin typeface="Cambria Math" panose="02040503050406030204" pitchFamily="18" charset="0"/>
+                          <a:rPr lang="en-US" sz="2200" i="1">
+                            <a:latin typeface="Cambria Math"/>
                           </a:rPr>
                         </m:ctrlPr>
                       </m:fPr>
@@ -22101,7 +22148,7 @@
                           <m:rPr>
                             <m:sty m:val="p"/>
                           </m:rPr>
-                          <a:rPr lang="en-US" sz="1800">
+                          <a:rPr lang="en-US" sz="2200">
                             <a:latin typeface="Cambria Math"/>
                           </a:rPr>
                           <m:t>F</m:t>
@@ -22111,8 +22158,8 @@
                         <m:sSub>
                           <m:sSubPr>
                             <m:ctrlPr>
-                              <a:rPr lang="en-US" sz="1800" i="1">
-                                <a:latin typeface="Cambria Math" panose="02040503050406030204" pitchFamily="18" charset="0"/>
+                              <a:rPr lang="en-US" sz="2200" i="1">
+                                <a:latin typeface="Cambria Math"/>
                               </a:rPr>
                             </m:ctrlPr>
                           </m:sSubPr>
@@ -22121,7 +22168,7 @@
                               <m:rPr>
                                 <m:sty m:val="p"/>
                               </m:rPr>
-                              <a:rPr lang="en-US" sz="1800">
+                              <a:rPr lang="en-US" sz="2200">
                                 <a:latin typeface="Cambria Math"/>
                               </a:rPr>
                               <m:t>A</m:t>
@@ -22132,7 +22179,7 @@
                               <m:rPr>
                                 <m:sty m:val="p"/>
                               </m:rPr>
-                              <a:rPr lang="en-US" sz="1800">
+                              <a:rPr lang="en-US" sz="2200">
                                 <a:latin typeface="Cambria Math"/>
                               </a:rPr>
                               <m:t>cap</m:t>
@@ -22142,7 +22189,7 @@
                       </m:den>
                     </m:f>
                     <m:r>
-                      <a:rPr lang="en-US" sz="1800" b="0" i="1" smtClean="0">
+                      <a:rPr lang="en-US" sz="2200" b="0" i="1" smtClean="0">
                         <a:latin typeface="Cambria Math"/>
                       </a:rPr>
                       <m:t>= </m:t>
@@ -22150,14 +22197,14 @@
                     <m:f>
                       <m:fPr>
                         <m:ctrlPr>
-                          <a:rPr lang="en-US" sz="1800" b="0" i="1" smtClean="0">
-                            <a:latin typeface="Cambria Math" panose="02040503050406030204" pitchFamily="18" charset="0"/>
+                          <a:rPr lang="en-US" sz="2200" b="0" i="1" smtClean="0">
+                            <a:latin typeface="Cambria Math"/>
                           </a:rPr>
                         </m:ctrlPr>
                       </m:fPr>
                       <m:num>
                         <m:r>
-                          <a:rPr lang="en-US" sz="1800" b="0" i="1" smtClean="0">
+                          <a:rPr lang="en-US" sz="2200" b="0" i="1" smtClean="0">
                             <a:latin typeface="Cambria Math"/>
                           </a:rPr>
                           <m:t>178 </m:t>
@@ -22165,14 +22212,14 @@
                         <m:sSub>
                           <m:sSubPr>
                             <m:ctrlPr>
-                              <a:rPr lang="en-US" sz="1800" b="0" i="1" smtClean="0">
-                                <a:latin typeface="Cambria Math" panose="02040503050406030204" pitchFamily="18" charset="0"/>
+                              <a:rPr lang="en-US" sz="2200" b="0" i="1" smtClean="0">
+                                <a:latin typeface="Cambria Math"/>
                               </a:rPr>
                             </m:ctrlPr>
                           </m:sSubPr>
                           <m:e>
                             <m:r>
-                              <a:rPr lang="en-US" sz="1800" b="0" i="1" smtClean="0">
+                              <a:rPr lang="en-US" sz="2200" b="0" i="1" smtClean="0">
                                 <a:latin typeface="Cambria Math"/>
                               </a:rPr>
                               <m:t>𝑙𝑏</m:t>
@@ -22180,7 +22227,7 @@
                           </m:e>
                           <m:sub>
                             <m:r>
-                              <a:rPr lang="en-US" sz="1800" b="0" i="1" smtClean="0">
+                              <a:rPr lang="en-US" sz="2200" b="0" i="1" smtClean="0">
                                 <a:latin typeface="Cambria Math"/>
                               </a:rPr>
                               <m:t>𝑓</m:t>
@@ -22190,7 +22237,7 @@
                       </m:num>
                       <m:den>
                         <m:r>
-                          <a:rPr lang="en-US" sz="1800" b="0" i="1" smtClean="0">
+                          <a:rPr lang="en-US" sz="2200" b="0" i="1" smtClean="0">
                             <a:latin typeface="Cambria Math"/>
                           </a:rPr>
                           <m:t>3.1416 </m:t>
@@ -22198,14 +22245,14 @@
                         <m:sSup>
                           <m:sSupPr>
                             <m:ctrlPr>
-                              <a:rPr lang="en-US" sz="1800" b="0" i="1" smtClean="0">
-                                <a:latin typeface="Cambria Math" panose="02040503050406030204" pitchFamily="18" charset="0"/>
+                              <a:rPr lang="en-US" sz="2200" b="0" i="1" smtClean="0">
+                                <a:latin typeface="Cambria Math"/>
                               </a:rPr>
                             </m:ctrlPr>
                           </m:sSupPr>
                           <m:e>
                             <m:r>
-                              <a:rPr lang="en-US" sz="1800" b="0" i="1" smtClean="0">
+                              <a:rPr lang="en-US" sz="2200" b="0" i="1" smtClean="0">
                                 <a:latin typeface="Cambria Math"/>
                               </a:rPr>
                               <m:t>𝑖𝑛</m:t>
@@ -22213,7 +22260,7 @@
                           </m:e>
                           <m:sup>
                             <m:r>
-                              <a:rPr lang="en-US" sz="1800" b="0" i="1" smtClean="0">
+                              <a:rPr lang="en-US" sz="2200" b="0" i="1" smtClean="0">
                                 <a:latin typeface="Cambria Math"/>
                               </a:rPr>
                               <m:t>2</m:t>
@@ -22223,37 +22270,37 @@
                       </m:den>
                     </m:f>
                     <m:r>
-                      <a:rPr lang="en-US" sz="1800" b="0" i="1" smtClean="0">
+                      <a:rPr lang="en-US" sz="2200" b="0" i="1" smtClean="0">
                         <a:latin typeface="Cambria Math"/>
                       </a:rPr>
                       <m:t>=</m:t>
                     </m:r>
                     <m:r>
-                      <a:rPr lang="en-US" sz="1800" b="1" i="1" smtClean="0">
+                      <a:rPr lang="en-US" sz="2200" b="1" i="1" smtClean="0">
                         <a:latin typeface="Cambria Math"/>
                       </a:rPr>
                       <m:t>𝟓𝟔</m:t>
                     </m:r>
                     <m:r>
-                      <a:rPr lang="en-US" sz="1800" b="1" i="1" smtClean="0">
+                      <a:rPr lang="en-US" sz="2200" b="1" i="1" smtClean="0">
                         <a:latin typeface="Cambria Math"/>
                       </a:rPr>
                       <m:t>.</m:t>
                     </m:r>
                     <m:r>
-                      <a:rPr lang="en-US" sz="1800" b="1" i="1" smtClean="0">
+                      <a:rPr lang="en-US" sz="2200" b="1" i="1" smtClean="0">
                         <a:latin typeface="Cambria Math"/>
                       </a:rPr>
                       <m:t>𝟔𝟔</m:t>
                     </m:r>
                     <m:r>
-                      <a:rPr lang="en-US" sz="1800" b="1" i="1" smtClean="0">
+                      <a:rPr lang="en-US" sz="2200" b="1" i="1" smtClean="0">
                         <a:latin typeface="Cambria Math"/>
                       </a:rPr>
                       <m:t> </m:t>
                     </m:r>
                     <m:r>
-                      <a:rPr lang="en-US" sz="1800" b="1" i="1" smtClean="0">
+                      <a:rPr lang="en-US" sz="2200" b="1" i="1" smtClean="0">
                         <a:latin typeface="Cambria Math"/>
                       </a:rPr>
                       <m:t>𝒑𝒔𝒊</m:t>
@@ -22261,7 +22308,7 @@
                   </m:oMath>
                 </a14:m>
                 <a:r>
-                  <a:rPr lang="en-US" sz="1800" b="1" dirty="0" smtClean="0"/>
+                  <a:rPr lang="en-US" sz="2200" b="1" dirty="0" smtClean="0"/>
                   <a:t> </a:t>
                 </a:r>
               </a:p>
@@ -22292,13 +22339,13 @@
                       <m:rPr>
                         <m:sty m:val="p"/>
                       </m:rPr>
-                      <a:rPr lang="en-US" sz="1800" smtClean="0">
+                      <a:rPr lang="en-US" sz="2200" smtClean="0">
                         <a:latin typeface="Cambria Math"/>
                       </a:rPr>
                       <m:t>P</m:t>
                     </m:r>
                     <m:r>
-                      <a:rPr lang="en-US" sz="1800" smtClean="0">
+                      <a:rPr lang="en-US" sz="2200" smtClean="0">
                         <a:latin typeface="Cambria Math"/>
                       </a:rPr>
                       <m:t>=</m:t>
@@ -22306,8 +22353,8 @@
                     <m:f>
                       <m:fPr>
                         <m:ctrlPr>
-                          <a:rPr lang="en-US" sz="1800" i="1">
-                            <a:latin typeface="Cambria Math" panose="02040503050406030204" pitchFamily="18" charset="0"/>
+                          <a:rPr lang="en-US" sz="2200" i="1">
+                            <a:latin typeface="Cambria Math"/>
                           </a:rPr>
                         </m:ctrlPr>
                       </m:fPr>
@@ -22316,7 +22363,7 @@
                           <m:rPr>
                             <m:sty m:val="p"/>
                           </m:rPr>
-                          <a:rPr lang="en-US" sz="1800">
+                          <a:rPr lang="en-US" sz="2200">
                             <a:latin typeface="Cambria Math"/>
                           </a:rPr>
                           <m:t>F</m:t>
@@ -22326,8 +22373,8 @@
                         <m:sSub>
                           <m:sSubPr>
                             <m:ctrlPr>
-                              <a:rPr lang="en-US" sz="1800" i="1">
-                                <a:latin typeface="Cambria Math" panose="02040503050406030204" pitchFamily="18" charset="0"/>
+                              <a:rPr lang="en-US" sz="2200" i="1">
+                                <a:latin typeface="Cambria Math"/>
                               </a:rPr>
                             </m:ctrlPr>
                           </m:sSubPr>
@@ -22336,7 +22383,7 @@
                               <m:rPr>
                                 <m:sty m:val="p"/>
                               </m:rPr>
-                              <a:rPr lang="en-US" sz="1800">
+                              <a:rPr lang="en-US" sz="2200">
                                 <a:latin typeface="Cambria Math"/>
                               </a:rPr>
                               <m:t>A</m:t>
@@ -22347,7 +22394,7 @@
                               <m:rPr>
                                 <m:sty m:val="p"/>
                               </m:rPr>
-                              <a:rPr lang="en-US" sz="1800">
+                              <a:rPr lang="en-US" sz="2200">
                                 <a:latin typeface="Cambria Math"/>
                               </a:rPr>
                               <m:t>cap</m:t>
@@ -22355,7 +22402,7 @@
                           </m:sub>
                         </m:sSub>
                         <m:r>
-                          <a:rPr lang="en-US" sz="1800" b="0" i="1" smtClean="0">
+                          <a:rPr lang="en-US" sz="2200" b="0" i="1" smtClean="0">
                             <a:latin typeface="Cambria Math"/>
                           </a:rPr>
                           <m:t>−</m:t>
@@ -22363,14 +22410,14 @@
                         <m:sSub>
                           <m:sSubPr>
                             <m:ctrlPr>
-                              <a:rPr lang="en-US" sz="1800" b="0" i="1" smtClean="0">
-                                <a:latin typeface="Cambria Math" panose="02040503050406030204" pitchFamily="18" charset="0"/>
+                              <a:rPr lang="en-US" sz="2200" b="0" i="1" smtClean="0">
+                                <a:latin typeface="Cambria Math"/>
                               </a:rPr>
                             </m:ctrlPr>
                           </m:sSubPr>
                           <m:e>
                             <m:r>
-                              <a:rPr lang="en-US" sz="1800" b="0" i="1" smtClean="0">
+                              <a:rPr lang="en-US" sz="2200" b="0" i="1" smtClean="0">
                                 <a:latin typeface="Cambria Math"/>
                               </a:rPr>
                               <m:t>𝐴</m:t>
@@ -22378,7 +22425,7 @@
                           </m:e>
                           <m:sub>
                             <m:r>
-                              <a:rPr lang="en-US" sz="1800" b="0" i="1" smtClean="0">
+                              <a:rPr lang="en-US" sz="2200" b="0" i="1" smtClean="0">
                                 <a:latin typeface="Cambria Math"/>
                               </a:rPr>
                               <m:t>𝑟𝑜𝑑</m:t>
@@ -22388,7 +22435,7 @@
                       </m:den>
                     </m:f>
                     <m:r>
-                      <a:rPr lang="en-US" sz="1800" b="0" i="1" smtClean="0">
+                      <a:rPr lang="en-US" sz="2200" b="0" i="1" smtClean="0">
                         <a:latin typeface="Cambria Math"/>
                       </a:rPr>
                       <m:t>= </m:t>
@@ -22396,14 +22443,14 @@
                     <m:f>
                       <m:fPr>
                         <m:ctrlPr>
-                          <a:rPr lang="en-US" sz="1800" b="0" i="1" smtClean="0">
-                            <a:latin typeface="Cambria Math" panose="02040503050406030204" pitchFamily="18" charset="0"/>
+                          <a:rPr lang="en-US" sz="2200" b="0" i="1" smtClean="0">
+                            <a:latin typeface="Cambria Math"/>
                           </a:rPr>
                         </m:ctrlPr>
                       </m:fPr>
                       <m:num>
                         <m:r>
-                          <a:rPr lang="en-US" sz="1800" b="0" i="1" smtClean="0">
+                          <a:rPr lang="en-US" sz="2200" b="0" i="1" smtClean="0">
                             <a:latin typeface="Cambria Math"/>
                           </a:rPr>
                           <m:t>178 </m:t>
@@ -22411,14 +22458,14 @@
                         <m:sSub>
                           <m:sSubPr>
                             <m:ctrlPr>
-                              <a:rPr lang="en-US" sz="1800" b="0" i="1" smtClean="0">
-                                <a:latin typeface="Cambria Math" panose="02040503050406030204" pitchFamily="18" charset="0"/>
+                              <a:rPr lang="en-US" sz="2200" b="0" i="1" smtClean="0">
+                                <a:latin typeface="Cambria Math"/>
                               </a:rPr>
                             </m:ctrlPr>
                           </m:sSubPr>
                           <m:e>
                             <m:r>
-                              <a:rPr lang="en-US" sz="1800" b="0" i="1" smtClean="0">
+                              <a:rPr lang="en-US" sz="2200" b="0" i="1" smtClean="0">
                                 <a:latin typeface="Cambria Math"/>
                               </a:rPr>
                               <m:t>𝑙𝑏</m:t>
@@ -22426,7 +22473,7 @@
                           </m:e>
                           <m:sub>
                             <m:r>
-                              <a:rPr lang="en-US" sz="1800" b="0" i="1" smtClean="0">
+                              <a:rPr lang="en-US" sz="2200" b="0" i="1" smtClean="0">
                                 <a:latin typeface="Cambria Math"/>
                               </a:rPr>
                               <m:t>𝑓</m:t>
@@ -22436,7 +22483,7 @@
                       </m:num>
                       <m:den>
                         <m:r>
-                          <a:rPr lang="en-US" sz="1800" b="0" i="1" smtClean="0">
+                          <a:rPr lang="en-US" sz="2200" b="0" i="1" smtClean="0">
                             <a:latin typeface="Cambria Math"/>
                           </a:rPr>
                           <m:t>3.1416 </m:t>
@@ -22444,14 +22491,14 @@
                         <m:sSup>
                           <m:sSupPr>
                             <m:ctrlPr>
-                              <a:rPr lang="en-US" sz="1800" b="0" i="1" smtClean="0">
-                                <a:latin typeface="Cambria Math" panose="02040503050406030204" pitchFamily="18" charset="0"/>
+                              <a:rPr lang="en-US" sz="2200" b="0" i="1" smtClean="0">
+                                <a:latin typeface="Cambria Math"/>
                               </a:rPr>
                             </m:ctrlPr>
                           </m:sSupPr>
                           <m:e>
                             <m:r>
-                              <a:rPr lang="en-US" sz="1800" b="0" i="1" smtClean="0">
+                              <a:rPr lang="en-US" sz="2200" b="0" i="1" smtClean="0">
                                 <a:latin typeface="Cambria Math"/>
                               </a:rPr>
                               <m:t>𝑖𝑛</m:t>
@@ -22459,7 +22506,7 @@
                           </m:e>
                           <m:sup>
                             <m:r>
-                              <a:rPr lang="en-US" sz="1800" b="0" i="1" smtClean="0">
+                              <a:rPr lang="en-US" sz="2200" b="0" i="1" smtClean="0">
                                 <a:latin typeface="Cambria Math"/>
                               </a:rPr>
                               <m:t>2</m:t>
@@ -22467,7 +22514,7 @@
                           </m:sup>
                         </m:sSup>
                         <m:r>
-                          <a:rPr lang="en-US" sz="1800" b="0" i="1" smtClean="0">
+                          <a:rPr lang="en-US" sz="2200" b="0" i="1" smtClean="0">
                             <a:latin typeface="Cambria Math"/>
                           </a:rPr>
                           <m:t>  −0.196</m:t>
@@ -22475,20 +22522,20 @@
                         <m:sSup>
                           <m:sSupPr>
                             <m:ctrlPr>
-                              <a:rPr lang="en-US" sz="1800" b="0" i="1" smtClean="0">
-                                <a:latin typeface="Cambria Math" panose="02040503050406030204" pitchFamily="18" charset="0"/>
+                              <a:rPr lang="en-US" sz="2200" b="0" i="1" smtClean="0">
+                                <a:latin typeface="Cambria Math"/>
                               </a:rPr>
                             </m:ctrlPr>
                           </m:sSupPr>
                           <m:e>
                             <m:r>
-                              <a:rPr lang="en-US" sz="1800" b="0" i="1" smtClean="0">
+                              <a:rPr lang="en-US" sz="2200" b="0" i="1" smtClean="0">
                                 <a:latin typeface="Cambria Math"/>
                               </a:rPr>
                               <m:t> </m:t>
                             </m:r>
                             <m:r>
-                              <a:rPr lang="en-US" sz="1800" b="0" i="1" smtClean="0">
+                              <a:rPr lang="en-US" sz="2200" b="0" i="1" smtClean="0">
                                 <a:latin typeface="Cambria Math"/>
                               </a:rPr>
                               <m:t>𝑖𝑛</m:t>
@@ -22496,7 +22543,7 @@
                           </m:e>
                           <m:sup>
                             <m:r>
-                              <a:rPr lang="en-US" sz="1800" b="0" i="1" smtClean="0">
+                              <a:rPr lang="en-US" sz="2200" b="0" i="1" smtClean="0">
                                 <a:latin typeface="Cambria Math"/>
                               </a:rPr>
                               <m:t>2</m:t>
@@ -22506,37 +22553,37 @@
                       </m:den>
                     </m:f>
                     <m:r>
-                      <a:rPr lang="en-US" sz="1800" b="0" i="1" smtClean="0">
+                      <a:rPr lang="en-US" sz="2200" b="0" i="1" smtClean="0">
                         <a:latin typeface="Cambria Math"/>
                       </a:rPr>
                       <m:t>=</m:t>
                     </m:r>
                     <m:r>
-                      <a:rPr lang="en-US" sz="1800" b="1" i="1" smtClean="0">
+                      <a:rPr lang="en-US" sz="2200" b="1" i="1" smtClean="0">
                         <a:latin typeface="Cambria Math"/>
                       </a:rPr>
                       <m:t>𝟓𝟔</m:t>
                     </m:r>
                     <m:r>
-                      <a:rPr lang="en-US" sz="1800" b="1" i="1" smtClean="0">
+                      <a:rPr lang="en-US" sz="2200" b="1" i="1" smtClean="0">
                         <a:latin typeface="Cambria Math"/>
                       </a:rPr>
                       <m:t>.</m:t>
                     </m:r>
                     <m:r>
-                      <a:rPr lang="en-US" sz="1800" b="1" i="1" smtClean="0">
+                      <a:rPr lang="en-US" sz="2200" b="1" i="1" smtClean="0">
                         <a:latin typeface="Cambria Math"/>
                       </a:rPr>
                       <m:t>𝟖</m:t>
                     </m:r>
                     <m:r>
-                      <a:rPr lang="en-US" sz="1800" b="1" i="1" smtClean="0">
+                      <a:rPr lang="en-US" sz="2200" b="1" i="1" smtClean="0">
                         <a:latin typeface="Cambria Math"/>
                       </a:rPr>
                       <m:t> </m:t>
                     </m:r>
                     <m:r>
-                      <a:rPr lang="en-US" sz="1800" b="1" i="1" smtClean="0">
+                      <a:rPr lang="en-US" sz="2200" b="1" i="1" smtClean="0">
                         <a:latin typeface="Cambria Math"/>
                       </a:rPr>
                       <m:t>𝒑𝒔𝒊</m:t>
@@ -22544,23 +22591,23 @@
                   </m:oMath>
                 </a14:m>
                 <a:r>
-                  <a:rPr lang="en-US" sz="1800" b="1" dirty="0" smtClean="0"/>
+                  <a:rPr lang="en-US" sz="2200" b="1" dirty="0" smtClean="0"/>
                   <a:t> </a:t>
                 </a:r>
-                <a:endParaRPr lang="en-US" sz="2000" dirty="0" smtClean="0"/>
+                <a:endParaRPr lang="en-US" sz="2200" dirty="0" smtClean="0"/>
               </a:p>
               <a:p>
                 <a:pPr marL="0" indent="0">
                   <a:buNone/>
                 </a:pPr>
-                <a:endParaRPr lang="en-US" sz="2000" b="1" dirty="0" smtClean="0"/>
+                <a:endParaRPr lang="en-US" sz="2200" b="1" dirty="0" smtClean="0"/>
               </a:p>
               <a:p>
                 <a:pPr marL="0" indent="0">
                   <a:buNone/>
                 </a:pPr>
                 <a:r>
-                  <a:rPr lang="en-US" sz="2000" b="1" dirty="0" smtClean="0"/>
+                  <a:rPr lang="en-US" sz="2200" b="1" dirty="0" smtClean="0"/>
                   <a:t>Total Volumetric Flow:</a:t>
                 </a:r>
               </a:p>
@@ -22571,13 +22618,13 @@
                 <a14:m>
                   <m:oMath xmlns:m="http://schemas.openxmlformats.org/officeDocument/2006/math">
                     <m:r>
-                      <a:rPr lang="en-US" sz="2000" i="1">
+                      <a:rPr lang="en-US" sz="2200" i="1">
                         <a:latin typeface="Cambria Math"/>
                       </a:rPr>
                       <m:t>𝑄</m:t>
                     </m:r>
                     <m:r>
-                      <a:rPr lang="en-US" sz="2000" i="1">
+                      <a:rPr lang="en-US" sz="2200" i="1">
                         <a:latin typeface="Cambria Math"/>
                       </a:rPr>
                       <m:t>=</m:t>
@@ -22585,14 +22632,20 @@
                     <m:sSub>
                       <m:sSubPr>
                         <m:ctrlPr>
-                          <a:rPr lang="en-US" sz="2000" i="1">
-                            <a:latin typeface="Cambria Math" panose="02040503050406030204" pitchFamily="18" charset="0"/>
+                          <a:rPr lang="en-US" sz="2200" i="1">
+                            <a:latin typeface="Cambria Math"/>
                           </a:rPr>
                         </m:ctrlPr>
                       </m:sSubPr>
                       <m:e>
                         <m:r>
-                          <a:rPr lang="en-US" sz="2000" i="1">
+                          <a:rPr lang="en-US" sz="2200" b="0" i="1" smtClean="0">
+                            <a:latin typeface="Cambria Math"/>
+                          </a:rPr>
+                          <m:t>(</m:t>
+                        </m:r>
+                        <m:r>
+                          <a:rPr lang="en-US" sz="2200" i="1">
                             <a:latin typeface="Cambria Math"/>
                           </a:rPr>
                           <m:t>𝐴</m:t>
@@ -22600,13 +22653,13 @@
                       </m:e>
                       <m:sub>
                         <m:r>
-                          <a:rPr lang="en-US" sz="2000" i="1">
+                          <a:rPr lang="en-US" sz="2200" i="1">
                             <a:latin typeface="Cambria Math"/>
                           </a:rPr>
                           <m:t>𝑝</m:t>
                         </m:r>
                         <m:r>
-                          <a:rPr lang="en-US" sz="2000" b="0" i="1" smtClean="0">
+                          <a:rPr lang="en-US" sz="2200" b="0" i="1" smtClean="0">
                             <a:latin typeface="Cambria Math"/>
                           </a:rPr>
                           <m:t>𝑖𝑠𝑡𝑜𝑛</m:t>
@@ -22616,14 +22669,20 @@
                     <m:sSub>
                       <m:sSubPr>
                         <m:ctrlPr>
-                          <a:rPr lang="en-US" sz="2000" i="1">
-                            <a:latin typeface="Cambria Math" panose="02040503050406030204" pitchFamily="18" charset="0"/>
+                          <a:rPr lang="en-US" sz="2200" i="1">
+                            <a:latin typeface="Cambria Math"/>
                           </a:rPr>
                         </m:ctrlPr>
                       </m:sSubPr>
                       <m:e>
                         <m:r>
-                          <a:rPr lang="en-US" sz="2000" i="1">
+                          <a:rPr lang="en-US" sz="2200" b="0" i="1" smtClean="0">
+                            <a:latin typeface="Cambria Math"/>
+                          </a:rPr>
+                          <m:t>)(</m:t>
+                        </m:r>
+                        <m:r>
+                          <a:rPr lang="en-US" sz="2200" i="1">
                             <a:latin typeface="Cambria Math"/>
                           </a:rPr>
                           <m:t>𝐷</m:t>
@@ -22631,13 +22690,13 @@
                       </m:e>
                       <m:sub>
                         <m:r>
-                          <a:rPr lang="en-US" sz="2000" i="1">
+                          <a:rPr lang="en-US" sz="2200" i="1">
                             <a:latin typeface="Cambria Math"/>
                           </a:rPr>
                           <m:t>𝑇</m:t>
                         </m:r>
                         <m:r>
-                          <a:rPr lang="en-US" sz="2000" b="0" i="1" smtClean="0">
+                          <a:rPr lang="en-US" sz="2200" b="0" i="1" smtClean="0">
                             <a:latin typeface="Cambria Math"/>
                           </a:rPr>
                           <m:t>𝑜𝑡𝑎𝑙</m:t>
@@ -22645,36 +22704,60 @@
                       </m:sub>
                     </m:sSub>
                     <m:r>
-                      <a:rPr lang="en-US" sz="2000" i="1">
+                      <a:rPr lang="en-US" sz="2200" b="0" i="1" smtClean="0">
                         <a:latin typeface="Cambria Math"/>
                       </a:rPr>
-                      <m:t>𝑁𝐶</m:t>
+                      <m:t>)(</m:t>
                     </m:r>
                     <m:r>
-                      <a:rPr lang="en-US" sz="2000" b="0" i="1" smtClean="0">
+                      <a:rPr lang="en-US" sz="2200" i="1">
+                        <a:latin typeface="Cambria Math"/>
+                      </a:rPr>
+                      <m:t>𝑁</m:t>
+                    </m:r>
+                    <m:r>
+                      <a:rPr lang="en-US" sz="2200" b="0" i="1" smtClean="0">
+                        <a:latin typeface="Cambria Math"/>
+                      </a:rPr>
+                      <m:t>)(</m:t>
+                    </m:r>
+                    <m:r>
+                      <a:rPr lang="en-US" sz="2200" i="1">
+                        <a:latin typeface="Cambria Math"/>
+                      </a:rPr>
+                      <m:t>𝐶</m:t>
+                    </m:r>
+                    <m:r>
+                      <a:rPr lang="en-US" sz="2200" b="0" i="1" smtClean="0">
                         <a:latin typeface="Cambria Math"/>
                       </a:rPr>
                       <m:t>𝑜𝑚𝑝𝑟𝑒𝑠𝑠𝑖𝑜𝑛</m:t>
                     </m:r>
                     <m:r>
-                      <a:rPr lang="en-US" sz="2000" b="0" i="1" smtClean="0">
+                      <a:rPr lang="en-US" sz="2200" b="0" i="1" smtClean="0">
                         <a:latin typeface="Cambria Math"/>
                       </a:rPr>
                       <m:t> </m:t>
                     </m:r>
                     <m:r>
-                      <a:rPr lang="en-US" sz="2000" b="0" i="1" smtClean="0">
+                      <a:rPr lang="en-US" sz="2200" b="0" i="1" smtClean="0">
                         <a:latin typeface="Cambria Math"/>
                       </a:rPr>
                       <m:t>𝑅𝑎𝑡𝑖𝑜</m:t>
                     </m:r>
+                    <m:r>
+                      <a:rPr lang="en-US" sz="2200" b="0" i="1" smtClean="0">
+                        <a:latin typeface="Cambria Math"/>
+                      </a:rPr>
+                      <m:t>)</m:t>
+                    </m:r>
                   </m:oMath>
                 </a14:m>
                 <a:r>
-                  <a:rPr lang="en-US" sz="2000" dirty="0" smtClean="0"/>
+                  <a:rPr lang="en-US" sz="2200" dirty="0" smtClean="0"/>
                   <a:t> </a:t>
                 </a:r>
-                <a:endParaRPr lang="en-US" sz="2000" dirty="0"/>
+                <a:endParaRPr lang="en-US" sz="2200" dirty="0"/>
               </a:p>
               <a:p>
                 <a:pPr marL="0" indent="0">
@@ -22687,13 +22770,13 @@
                     </m:oMathParaPr>
                     <m:oMath xmlns:m="http://schemas.openxmlformats.org/officeDocument/2006/math">
                       <m:r>
-                        <a:rPr lang="en-US" sz="2000" i="1" smtClean="0">
+                        <a:rPr lang="en-US" sz="2200" i="1" smtClean="0">
                           <a:latin typeface="Cambria Math"/>
                         </a:rPr>
                         <m:t>𝑄</m:t>
                       </m:r>
                       <m:r>
-                        <a:rPr lang="en-US" sz="2000" i="1" smtClean="0">
+                        <a:rPr lang="en-US" sz="2200" i="1" smtClean="0">
                           <a:latin typeface="Cambria Math"/>
                         </a:rPr>
                         <m:t>=</m:t>
@@ -22701,8 +22784,8 @@
                       <m:f>
                         <m:fPr>
                           <m:ctrlPr>
-                            <a:rPr lang="en-US" sz="2000" b="0" i="1" smtClean="0">
-                              <a:latin typeface="Cambria Math" panose="02040503050406030204" pitchFamily="18" charset="0"/>
+                            <a:rPr lang="en-US" sz="2200" b="0" i="1" smtClean="0">
+                              <a:latin typeface="Cambria Math"/>
                             </a:rPr>
                           </m:ctrlPr>
                         </m:fPr>
@@ -22710,20 +22793,20 @@
                           <m:d>
                             <m:dPr>
                               <m:ctrlPr>
-                                <a:rPr lang="en-US" sz="2000" b="0" i="1" smtClean="0">
-                                  <a:latin typeface="Cambria Math" panose="02040503050406030204" pitchFamily="18" charset="0"/>
+                                <a:rPr lang="en-US" sz="2200" b="0" i="1" smtClean="0">
+                                  <a:latin typeface="Cambria Math"/>
                                 </a:rPr>
                               </m:ctrlPr>
                             </m:dPr>
                             <m:e>
                               <m:r>
-                                <a:rPr lang="en-US" sz="2000" i="1" smtClean="0">
+                                <a:rPr lang="en-US" sz="2200" i="1" smtClean="0">
                                   <a:latin typeface="Cambria Math"/>
                                 </a:rPr>
                                 <m:t>3</m:t>
                               </m:r>
                               <m:r>
-                                <a:rPr lang="en-US" sz="2000" b="0" i="1" smtClean="0">
+                                <a:rPr lang="en-US" sz="2200" b="0" i="1" smtClean="0">
                                   <a:latin typeface="Cambria Math"/>
                                 </a:rPr>
                                 <m:t>.1416 </m:t>
@@ -22731,14 +22814,14 @@
                               <m:sSup>
                                 <m:sSupPr>
                                   <m:ctrlPr>
-                                    <a:rPr lang="en-US" sz="2000" b="0" i="1" smtClean="0">
-                                      <a:latin typeface="Cambria Math" panose="02040503050406030204" pitchFamily="18" charset="0"/>
+                                    <a:rPr lang="en-US" sz="2200" b="0" i="1" smtClean="0">
+                                      <a:latin typeface="Cambria Math"/>
                                     </a:rPr>
                                   </m:ctrlPr>
                                 </m:sSupPr>
                                 <m:e>
                                   <m:r>
-                                    <a:rPr lang="en-US" sz="2000" b="0" i="1" smtClean="0">
+                                    <a:rPr lang="en-US" sz="2200" b="0" i="1" smtClean="0">
                                       <a:latin typeface="Cambria Math"/>
                                     </a:rPr>
                                     <m:t>𝑖𝑛</m:t>
@@ -22746,7 +22829,7 @@
                                 </m:e>
                                 <m:sup>
                                   <m:r>
-                                    <a:rPr lang="en-US" sz="2000" b="0" i="1" smtClean="0">
+                                    <a:rPr lang="en-US" sz="2200" b="0" i="1" smtClean="0">
                                       <a:latin typeface="Cambria Math"/>
                                     </a:rPr>
                                     <m:t>2</m:t>
@@ -22758,20 +22841,20 @@
                           <m:d>
                             <m:dPr>
                               <m:ctrlPr>
-                                <a:rPr lang="en-US" sz="2000" b="0" i="1" smtClean="0">
-                                  <a:latin typeface="Cambria Math" panose="02040503050406030204" pitchFamily="18" charset="0"/>
+                                <a:rPr lang="en-US" sz="2200" b="0" i="1" smtClean="0">
+                                  <a:latin typeface="Cambria Math"/>
                                 </a:rPr>
                               </m:ctrlPr>
                             </m:dPr>
                             <m:e>
                               <m:r>
-                                <a:rPr lang="en-US" sz="2000" b="0" i="1" smtClean="0">
+                                <a:rPr lang="en-US" sz="2200" b="0" i="1" smtClean="0">
                                   <a:latin typeface="Cambria Math"/>
                                 </a:rPr>
                                 <m:t>8 </m:t>
                               </m:r>
                               <m:r>
-                                <a:rPr lang="en-US" sz="2000" b="0" i="1" smtClean="0">
+                                <a:rPr lang="en-US" sz="2200" b="0" i="1" smtClean="0">
                                   <a:latin typeface="Cambria Math"/>
                                 </a:rPr>
                                 <m:t>𝑖𝑛</m:t>
@@ -22781,14 +22864,14 @@
                           <m:d>
                             <m:dPr>
                               <m:ctrlPr>
-                                <a:rPr lang="en-US" sz="2000" b="0" i="1" smtClean="0">
-                                  <a:latin typeface="Cambria Math" panose="02040503050406030204" pitchFamily="18" charset="0"/>
+                                <a:rPr lang="en-US" sz="2200" b="0" i="1" smtClean="0">
+                                  <a:latin typeface="Cambria Math"/>
                                 </a:rPr>
                               </m:ctrlPr>
                             </m:dPr>
                             <m:e>
                               <m:r>
-                                <a:rPr lang="en-US" sz="2000" b="0" i="1" smtClean="0">
+                                <a:rPr lang="en-US" sz="2200" b="0" i="1" smtClean="0">
                                   <a:latin typeface="Cambria Math"/>
                                 </a:rPr>
                                 <m:t>60</m:t>
@@ -22798,8 +22881,8 @@
                           <m:d>
                             <m:dPr>
                               <m:ctrlPr>
-                                <a:rPr lang="en-US" sz="2000" b="0" i="1" smtClean="0">
-                                  <a:latin typeface="Cambria Math" panose="02040503050406030204" pitchFamily="18" charset="0"/>
+                                <a:rPr lang="en-US" sz="2200" b="0" i="1" smtClean="0">
+                                  <a:latin typeface="Cambria Math"/>
                                 </a:rPr>
                               </m:ctrlPr>
                             </m:dPr>
@@ -22807,32 +22890,32 @@
                               <m:f>
                                 <m:fPr>
                                   <m:ctrlPr>
-                                    <a:rPr lang="en-US" sz="2000" b="0" i="1" smtClean="0">
-                                      <a:latin typeface="Cambria Math" panose="02040503050406030204" pitchFamily="18" charset="0"/>
+                                    <a:rPr lang="en-US" sz="2200" b="0" i="1" smtClean="0">
+                                      <a:latin typeface="Cambria Math"/>
                                     </a:rPr>
                                   </m:ctrlPr>
                                 </m:fPr>
                                 <m:num>
                                   <m:r>
-                                    <a:rPr lang="en-US" sz="2000" b="0" i="1" smtClean="0">
+                                    <a:rPr lang="en-US" sz="2200" b="0" i="1" smtClean="0">
                                       <a:latin typeface="Cambria Math"/>
                                     </a:rPr>
                                     <m:t>56.73</m:t>
                                   </m:r>
                                   <m:r>
-                                    <a:rPr lang="en-US" sz="2000" b="0" i="1" smtClean="0">
+                                    <a:rPr lang="en-US" sz="2200" b="0" i="1" smtClean="0">
                                       <a:latin typeface="Cambria Math"/>
                                     </a:rPr>
                                     <m:t>𝑝𝑠𝑖</m:t>
                                   </m:r>
                                   <m:r>
-                                    <a:rPr lang="en-US" sz="2000" b="0" i="1" smtClean="0">
+                                    <a:rPr lang="en-US" sz="2200" b="0" i="1" smtClean="0">
                                       <a:latin typeface="Cambria Math"/>
                                     </a:rPr>
                                     <m:t>+14.7</m:t>
                                   </m:r>
                                   <m:r>
-                                    <a:rPr lang="en-US" sz="2000" b="0" i="1" smtClean="0">
+                                    <a:rPr lang="en-US" sz="2200" b="0" i="1" smtClean="0">
                                       <a:latin typeface="Cambria Math"/>
                                     </a:rPr>
                                     <m:t>𝑝𝑠𝑖</m:t>
@@ -22840,13 +22923,13 @@
                                 </m:num>
                                 <m:den>
                                   <m:r>
-                                    <a:rPr lang="en-US" sz="2000" b="0" i="1" smtClean="0">
+                                    <a:rPr lang="en-US" sz="2200" b="0" i="1" smtClean="0">
                                       <a:latin typeface="Cambria Math"/>
                                     </a:rPr>
                                     <m:t>14.7</m:t>
                                   </m:r>
                                   <m:r>
-                                    <a:rPr lang="en-US" sz="2000" b="0" i="1" smtClean="0">
+                                    <a:rPr lang="en-US" sz="2200" b="0" i="1" smtClean="0">
                                       <a:latin typeface="Cambria Math"/>
                                     </a:rPr>
                                     <m:t>𝑝𝑠𝑖</m:t>
@@ -22860,14 +22943,14 @@
                           <m:d>
                             <m:dPr>
                               <m:ctrlPr>
-                                <a:rPr lang="en-US" sz="2000" i="1">
-                                  <a:latin typeface="Cambria Math" panose="02040503050406030204" pitchFamily="18" charset="0"/>
+                                <a:rPr lang="en-US" sz="2200" i="1">
+                                  <a:latin typeface="Cambria Math"/>
                                 </a:rPr>
                               </m:ctrlPr>
                             </m:dPr>
                             <m:e>
                               <m:r>
-                                <a:rPr lang="en-US" sz="2000" i="1">
+                                <a:rPr lang="en-US" sz="2200" i="1">
                                   <a:latin typeface="Cambria Math" panose="02040503050406030204" pitchFamily="18" charset="0"/>
                                 </a:rPr>
                                 <m:t>1728</m:t>
@@ -22875,14 +22958,14 @@
                               <m:f>
                                 <m:fPr>
                                   <m:ctrlPr>
-                                    <a:rPr lang="en-US" sz="2000" i="1">
-                                      <a:latin typeface="Cambria Math" panose="02040503050406030204" pitchFamily="18" charset="0"/>
+                                    <a:rPr lang="en-US" sz="2200" i="1">
+                                      <a:latin typeface="Cambria Math"/>
                                     </a:rPr>
                                   </m:ctrlPr>
                                 </m:fPr>
                                 <m:num>
                                   <m:r>
-                                    <a:rPr lang="en-US" sz="2000" i="1">
+                                    <a:rPr lang="en-US" sz="2200" i="1">
                                       <a:latin typeface="Cambria Math" panose="02040503050406030204" pitchFamily="18" charset="0"/>
                                     </a:rPr>
                                     <m:t>𝑖</m:t>
@@ -22890,14 +22973,14 @@
                                   <m:sSup>
                                     <m:sSupPr>
                                       <m:ctrlPr>
-                                        <a:rPr lang="en-US" sz="2000" i="1">
-                                          <a:latin typeface="Cambria Math" panose="02040503050406030204" pitchFamily="18" charset="0"/>
+                                        <a:rPr lang="en-US" sz="2200" i="1">
+                                          <a:latin typeface="Cambria Math"/>
                                         </a:rPr>
                                       </m:ctrlPr>
                                     </m:sSupPr>
                                     <m:e>
                                       <m:r>
-                                        <a:rPr lang="en-US" sz="2000" i="1">
+                                        <a:rPr lang="en-US" sz="2200" i="1">
                                           <a:latin typeface="Cambria Math" panose="02040503050406030204" pitchFamily="18" charset="0"/>
                                         </a:rPr>
                                         <m:t>𝑛</m:t>
@@ -22905,7 +22988,7 @@
                                     </m:e>
                                     <m:sup>
                                       <m:r>
-                                        <a:rPr lang="en-US" sz="2000" i="1">
+                                        <a:rPr lang="en-US" sz="2200" i="1">
                                           <a:latin typeface="Cambria Math" panose="02040503050406030204" pitchFamily="18" charset="0"/>
                                         </a:rPr>
                                         <m:t>3</m:t>
@@ -22915,7 +22998,7 @@
                                 </m:num>
                                 <m:den>
                                   <m:r>
-                                    <a:rPr lang="en-US" sz="2000" i="1">
+                                    <a:rPr lang="en-US" sz="2200" i="1">
                                       <a:latin typeface="Cambria Math" panose="02040503050406030204" pitchFamily="18" charset="0"/>
                                     </a:rPr>
                                     <m:t>𝑓</m:t>
@@ -22923,14 +23006,14 @@
                                   <m:sSup>
                                     <m:sSupPr>
                                       <m:ctrlPr>
-                                        <a:rPr lang="en-US" sz="2000" i="1">
-                                          <a:latin typeface="Cambria Math" panose="02040503050406030204" pitchFamily="18" charset="0"/>
+                                        <a:rPr lang="en-US" sz="2200" i="1">
+                                          <a:latin typeface="Cambria Math"/>
                                         </a:rPr>
                                       </m:ctrlPr>
                                     </m:sSupPr>
                                     <m:e>
                                       <m:r>
-                                        <a:rPr lang="en-US" sz="2000" i="1">
+                                        <a:rPr lang="en-US" sz="2200" i="1">
                                           <a:latin typeface="Cambria Math" panose="02040503050406030204" pitchFamily="18" charset="0"/>
                                         </a:rPr>
                                         <m:t>𝑡</m:t>
@@ -22938,7 +23021,7 @@
                                     </m:e>
                                     <m:sup>
                                       <m:r>
-                                        <a:rPr lang="en-US" sz="2000" i="1">
+                                        <a:rPr lang="en-US" sz="2200" i="1">
                                           <a:latin typeface="Cambria Math" panose="02040503050406030204" pitchFamily="18" charset="0"/>
                                         </a:rPr>
                                         <m:t>3</m:t>
@@ -22954,7 +23037,7 @@
                     </m:oMath>
                   </m:oMathPara>
                 </a14:m>
-                <a:endParaRPr lang="en-US" sz="2000" b="0" dirty="0" smtClean="0"/>
+                <a:endParaRPr lang="en-US" sz="2200" b="0" dirty="0" smtClean="0"/>
               </a:p>
               <a:p>
                 <a:pPr marL="0" indent="0">
@@ -22963,37 +23046,37 @@
                 <a14:m>
                   <m:oMath xmlns:m="http://schemas.openxmlformats.org/officeDocument/2006/math">
                     <m:r>
-                      <a:rPr lang="en-US" sz="2000" b="1" i="1" smtClean="0">
+                      <a:rPr lang="en-US" sz="2200" b="1" i="1" smtClean="0">
                         <a:latin typeface="Cambria Math"/>
                       </a:rPr>
                       <m:t>𝑸</m:t>
                     </m:r>
                     <m:r>
-                      <a:rPr lang="en-US" sz="2000" b="1" i="1" smtClean="0">
+                      <a:rPr lang="en-US" sz="2200" b="1" i="1" smtClean="0">
                         <a:latin typeface="Cambria Math"/>
                       </a:rPr>
                       <m:t>=</m:t>
                     </m:r>
                     <m:r>
-                      <a:rPr lang="en-US" sz="2000" b="1" i="1" smtClean="0">
+                      <a:rPr lang="en-US" sz="2200" b="1" i="1" smtClean="0">
                         <a:latin typeface="Cambria Math"/>
                       </a:rPr>
                       <m:t>𝟒</m:t>
                     </m:r>
                     <m:r>
-                      <a:rPr lang="en-US" sz="2000" b="1" i="1" smtClean="0">
+                      <a:rPr lang="en-US" sz="2200" b="1" i="1" smtClean="0">
                         <a:latin typeface="Cambria Math"/>
                       </a:rPr>
                       <m:t>.</m:t>
                     </m:r>
                     <m:r>
-                      <a:rPr lang="en-US" sz="2000" b="1" i="1" smtClean="0">
+                      <a:rPr lang="en-US" sz="2200" b="1" i="1" smtClean="0">
                         <a:latin typeface="Cambria Math"/>
                       </a:rPr>
                       <m:t>𝟐𝟒</m:t>
                     </m:r>
                     <m:r>
-                      <a:rPr lang="en-US" sz="2000" b="1" i="1" smtClean="0">
+                      <a:rPr lang="en-US" sz="2200" b="1" i="1" smtClean="0">
                         <a:latin typeface="Cambria Math"/>
                       </a:rPr>
                       <m:t> </m:t>
@@ -23001,8 +23084,8 @@
                     <m:f>
                       <m:fPr>
                         <m:ctrlPr>
-                          <a:rPr lang="en-US" sz="2000" b="1" i="1" smtClean="0">
-                            <a:latin typeface="Cambria Math" panose="02040503050406030204" pitchFamily="18" charset="0"/>
+                          <a:rPr lang="en-US" sz="2200" b="1" i="1" smtClean="0">
+                            <a:latin typeface="Cambria Math"/>
                           </a:rPr>
                         </m:ctrlPr>
                       </m:fPr>
@@ -23010,14 +23093,14 @@
                         <m:sSup>
                           <m:sSupPr>
                             <m:ctrlPr>
-                              <a:rPr lang="en-US" sz="2000" b="1" i="1" smtClean="0">
-                                <a:latin typeface="Cambria Math" panose="02040503050406030204" pitchFamily="18" charset="0"/>
+                              <a:rPr lang="en-US" sz="2200" b="1" i="1" smtClean="0">
+                                <a:latin typeface="Cambria Math"/>
                               </a:rPr>
                             </m:ctrlPr>
                           </m:sSupPr>
                           <m:e>
                             <m:r>
-                              <a:rPr lang="en-US" sz="2000" b="1" i="1" smtClean="0">
+                              <a:rPr lang="en-US" sz="2200" b="1" i="1" smtClean="0">
                                 <a:latin typeface="Cambria Math"/>
                               </a:rPr>
                               <m:t>𝒇𝒕</m:t>
@@ -23025,7 +23108,7 @@
                           </m:e>
                           <m:sup>
                             <m:r>
-                              <a:rPr lang="en-US" sz="2000" b="1" i="1" smtClean="0">
+                              <a:rPr lang="en-US" sz="2200" b="1" i="1" smtClean="0">
                                 <a:latin typeface="Cambria Math"/>
                               </a:rPr>
                               <m:t>𝟑</m:t>
@@ -23035,7 +23118,7 @@
                       </m:num>
                       <m:den>
                         <m:r>
-                          <a:rPr lang="en-US" sz="2000" b="1" i="1" smtClean="0">
+                          <a:rPr lang="en-US" sz="2200" b="1" i="1" smtClean="0">
                             <a:latin typeface="Cambria Math"/>
                           </a:rPr>
                           <m:t>𝒔𝒆𝒄</m:t>
@@ -23045,10 +23128,10 @@
                   </m:oMath>
                 </a14:m>
                 <a:r>
-                  <a:rPr lang="en-US" sz="2000" b="1" dirty="0" smtClean="0"/>
+                  <a:rPr lang="en-US" sz="2200" b="1" dirty="0" smtClean="0"/>
                   <a:t> at STP</a:t>
                 </a:r>
-                <a:endParaRPr lang="en-US" sz="2000" b="1" dirty="0"/>
+                <a:endParaRPr lang="en-US" sz="2200" b="1" dirty="0"/>
               </a:p>
               <a:p>
                 <a:pPr marL="0" indent="0">
@@ -23059,7 +23142,7 @@
             </p:txBody>
           </p:sp>
         </mc:Choice>
-        <mc:Fallback xmlns="">
+        <mc:Fallback>
           <p:sp>
             <p:nvSpPr>
               <p:cNvPr id="3" name="Content Placeholder 2"/>
@@ -23072,13 +23155,13 @@
             </p:nvSpPr>
             <p:spPr>
               <a:xfrm>
-                <a:off x="152400" y="1026452"/>
-                <a:ext cx="11887200" cy="5678785"/>
+                <a:off x="152400" y="874052"/>
+                <a:ext cx="6062133" cy="5678785"/>
               </a:xfrm>
-              <a:blipFill rotWithShape="0">
-                <a:blip r:embed="rId3"/>
+              <a:blipFill rotWithShape="1">
+                <a:blip r:embed="rId2"/>
                 <a:stretch>
-                  <a:fillRect l="-513" t="-322"/>
+                  <a:fillRect l="-1006" t="-536"/>
                 </a:stretch>
               </a:blipFill>
             </p:spPr>
@@ -23120,12 +23203,12 @@
           <a:lstStyle/>
           <a:p>
             <a:r>
-              <a:rPr lang="en-US" sz="2400" b="1" dirty="0" err="1" smtClean="0"/>
-              <a:t>Selcted</a:t>
-            </a:r>
-            <a:r>
               <a:rPr lang="en-US" sz="2400" b="1" dirty="0" smtClean="0"/>
-              <a:t> Cylinder Specs</a:t>
+              <a:t>Selected </a:t>
+            </a:r>
+            <a:r>
+              <a:rPr lang="en-US" sz="2400" b="1" dirty="0" smtClean="0"/>
+              <a:t>Cylinder Specs</a:t>
             </a:r>
             <a:r>
               <a:rPr lang="en-US" sz="2400" dirty="0" smtClean="0"/>
@@ -23185,11 +23268,19 @@
             </a:r>
             <a:r>
               <a:rPr lang="en-US" sz="2400" dirty="0" err="1" smtClean="0"/>
-              <a:t>lbf</a:t>
+              <a:t>lb</a:t>
+            </a:r>
+            <a:r>
+              <a:rPr lang="en-US" sz="2400" baseline="-25000" dirty="0" err="1" smtClean="0"/>
+              <a:t>f</a:t>
             </a:r>
             <a:r>
               <a:rPr lang="en-US" sz="2400" dirty="0" smtClean="0"/>
-              <a:t> max output</a:t>
+              <a:t> </a:t>
+            </a:r>
+            <a:r>
+              <a:rPr lang="en-US" sz="2400" dirty="0" smtClean="0"/>
+              <a:t>max output</a:t>
             </a:r>
           </a:p>
           <a:p>
@@ -23261,7 +23352,11 @@
           <a:p>
             <a:r>
               <a:rPr lang="en-US" dirty="0" smtClean="0"/>
-              <a:t>Directional Control Valves</a:t>
+              <a:t>Directional Control </a:t>
+            </a:r>
+            <a:r>
+              <a:rPr lang="en-US" dirty="0" smtClean="0"/>
+              <a:t>Valves (DCV)</a:t>
             </a:r>
             <a:endParaRPr lang="en-US" dirty="0"/>
           </a:p>
@@ -23646,7 +23741,7 @@
         </p:nvSpPr>
         <p:spPr>
           <a:xfrm>
-            <a:off x="812800" y="3810001"/>
+            <a:off x="651434" y="3810000"/>
             <a:ext cx="9582411" cy="2031325"/>
           </a:xfrm>
           <a:prstGeom prst="rect">
@@ -23667,7 +23762,19 @@
             </a:pPr>
             <a:r>
               <a:rPr lang="en-US" sz="2800" dirty="0" smtClean="0"/>
-              <a:t>Specifications determined by: </a:t>
+              <a:t>Specifications </a:t>
+            </a:r>
+            <a:r>
+              <a:rPr lang="en-US" sz="2800" dirty="0" smtClean="0"/>
+              <a:t>limited</a:t>
+            </a:r>
+            <a:r>
+              <a:rPr lang="en-US" sz="2800" dirty="0" smtClean="0"/>
+              <a:t> </a:t>
+            </a:r>
+            <a:r>
+              <a:rPr lang="en-US" sz="2800" dirty="0" smtClean="0"/>
+              <a:t>by: </a:t>
             </a:r>
           </a:p>
           <a:p>
@@ -23737,13 +23844,13 @@
         </p:nvSpPr>
         <p:spPr>
           <a:xfrm>
-            <a:off x="609602" y="381000"/>
-            <a:ext cx="8839199" cy="5029200"/>
+            <a:off x="626535" y="211666"/>
+            <a:ext cx="9397998" cy="5494867"/>
           </a:xfrm>
         </p:spPr>
         <p:txBody>
           <a:bodyPr>
-            <a:normAutofit/>
+            <a:normAutofit fontScale="92500" lnSpcReduction="10000"/>
           </a:bodyPr>
           <a:lstStyle/>
           <a:p>
@@ -23751,15 +23858,15 @@
               <a:buNone/>
             </a:pPr>
             <a:r>
-              <a:rPr lang="en-US" dirty="0" smtClean="0"/>
+              <a:rPr lang="en-US" sz="3900" dirty="0" smtClean="0"/>
               <a:t>Remaining Pneumatic </a:t>
             </a:r>
             <a:r>
-              <a:rPr lang="en-US" dirty="0"/>
+              <a:rPr lang="en-US" sz="3900" dirty="0"/>
               <a:t>components </a:t>
             </a:r>
             <a:r>
-              <a:rPr lang="en-US" dirty="0" smtClean="0"/>
+              <a:rPr lang="en-US" sz="3900" dirty="0" smtClean="0"/>
               <a:t>include:</a:t>
             </a:r>
           </a:p>
@@ -23770,12 +23877,36 @@
             <a:endParaRPr lang="en-US" dirty="0" smtClean="0"/>
           </a:p>
           <a:p>
+            <a:pPr marL="0" indent="0">
+              <a:buNone/>
+            </a:pPr>
             <a:r>
               <a:rPr lang="en-US" sz="3000" dirty="0" smtClean="0"/>
-              <a:t>Receiver Tank</a:t>
-            </a:r>
-          </a:p>
-          <a:p>
+              <a:t>Receiver </a:t>
+            </a:r>
+            <a:r>
+              <a:rPr lang="en-US" sz="3000" dirty="0" smtClean="0"/>
+              <a:t>Tank</a:t>
+            </a:r>
+          </a:p>
+          <a:p>
+            <a:pPr marL="0" indent="0">
+              <a:buNone/>
+            </a:pPr>
+            <a:r>
+              <a:rPr lang="en-US" sz="3000" dirty="0" smtClean="0"/>
+              <a:t>-</a:t>
+            </a:r>
+            <a:r>
+              <a:rPr lang="en-US" sz="2800" dirty="0" smtClean="0"/>
+              <a:t>Sized depending on additional flow needs</a:t>
+            </a:r>
+            <a:endParaRPr lang="en-US" sz="2800" dirty="0" smtClean="0"/>
+          </a:p>
+          <a:p>
+            <a:pPr marL="0" indent="0">
+              <a:buNone/>
+            </a:pPr>
             <a:r>
               <a:rPr lang="en-US" sz="3000" dirty="0" smtClean="0"/>
               <a:t>Solenoid </a:t>
@@ -23788,8 +23919,26 @@
               <a:rPr lang="en-US" sz="3000" dirty="0" smtClean="0"/>
               <a:t>alve </a:t>
             </a:r>
-          </a:p>
-          <a:p>
+            <a:endParaRPr lang="en-US" sz="3000" dirty="0" smtClean="0"/>
+          </a:p>
+          <a:p>
+            <a:pPr marL="0" indent="0">
+              <a:buNone/>
+            </a:pPr>
+            <a:r>
+              <a:rPr lang="en-US" sz="3000" dirty="0" smtClean="0"/>
+              <a:t>-</a:t>
+            </a:r>
+            <a:r>
+              <a:rPr lang="en-US" sz="2800" dirty="0" smtClean="0"/>
+              <a:t>Main on/off switch of fluid flow to system</a:t>
+            </a:r>
+            <a:endParaRPr lang="en-US" sz="2800" dirty="0" smtClean="0"/>
+          </a:p>
+          <a:p>
+            <a:pPr marL="0" indent="0">
+              <a:buNone/>
+            </a:pPr>
             <a:r>
               <a:rPr lang="en-US" sz="3000" dirty="0" smtClean="0"/>
               <a:t>Pressure </a:t>
@@ -23803,23 +23952,38 @@
               <a:t>elief </a:t>
             </a:r>
             <a:r>
-              <a:rPr lang="en-US" sz="3000" dirty="0"/>
-              <a:t>V</a:t>
-            </a:r>
-            <a:r>
               <a:rPr lang="en-US" sz="3000" dirty="0" smtClean="0"/>
-              <a:t>alve</a:t>
-            </a:r>
-          </a:p>
-          <a:p>
-            <a:r>
-              <a:rPr lang="en-US" sz="3000" dirty="0"/>
-              <a:t>T</a:t>
-            </a:r>
+              <a:t>Valve</a:t>
+            </a:r>
+          </a:p>
+          <a:p>
+            <a:pPr marL="0" indent="0">
+              <a:buNone/>
+            </a:pPr>
             <a:r>
               <a:rPr lang="en-US" sz="3000" dirty="0" smtClean="0"/>
-              <a:t>ubing</a:t>
-            </a:r>
+              <a:t>-</a:t>
+            </a:r>
+            <a:r>
+              <a:rPr lang="en-US" sz="2800" dirty="0" smtClean="0"/>
+              <a:t>Dictates upper pressure limit</a:t>
+            </a:r>
+            <a:endParaRPr lang="en-US" sz="2800" dirty="0" smtClean="0"/>
+          </a:p>
+          <a:p>
+            <a:pPr marL="0" indent="0">
+              <a:buNone/>
+            </a:pPr>
+            <a:r>
+              <a:rPr lang="en-US" sz="3000" dirty="0" smtClean="0"/>
+              <a:t>Tubing</a:t>
+            </a:r>
+          </a:p>
+          <a:p>
+            <a:pPr marL="0" indent="0">
+              <a:buNone/>
+            </a:pPr>
+            <a:endParaRPr lang="en-US" sz="3000" dirty="0" smtClean="0"/>
           </a:p>
         </p:txBody>
       </p:sp>
@@ -23844,7 +24008,7 @@
         </p:blipFill>
         <p:spPr bwMode="auto">
           <a:xfrm>
-            <a:off x="6705601" y="1752600"/>
+            <a:off x="7662334" y="1109132"/>
             <a:ext cx="4267201" cy="2514600"/>
           </a:xfrm>
           <a:prstGeom prst="rect">
@@ -23854,6 +24018,47 @@
           <a:ln>
             <a:noFill/>
           </a:ln>
+        </p:spPr>
+      </p:pic>
+      <p:pic>
+        <p:nvPicPr>
+          <p:cNvPr id="1026" name="Picture 2" descr="http://www.automationdirect.com/images/overviews/nitra_poly_tubing_200.jpg"/>
+          <p:cNvPicPr>
+            <a:picLocks noChangeAspect="1" noChangeArrowheads="1"/>
+          </p:cNvPicPr>
+          <p:nvPr/>
+        </p:nvPicPr>
+        <p:blipFill>
+          <a:blip r:embed="rId3">
+            <a:extLst>
+              <a:ext uri="{28A0092B-C50C-407E-A947-70E740481C1C}">
+                <a14:useLocalDpi xmlns:a14="http://schemas.microsoft.com/office/drawing/2010/main" val="0"/>
+              </a:ext>
+            </a:extLst>
+          </a:blip>
+          <a:srcRect/>
+          <a:stretch>
+            <a:fillRect/>
+          </a:stretch>
+        </p:blipFill>
+        <p:spPr bwMode="auto">
+          <a:xfrm>
+            <a:off x="7662334" y="3746500"/>
+            <a:ext cx="2683932" cy="2683932"/>
+          </a:xfrm>
+          <a:prstGeom prst="rect">
+            <a:avLst/>
+          </a:prstGeom>
+          <a:noFill/>
+          <a:extLst>
+            <a:ext uri="{909E8E84-426E-40DD-AFC4-6F175D3DCCD1}">
+              <a14:hiddenFill xmlns:a14="http://schemas.microsoft.com/office/drawing/2010/main">
+                <a:solidFill>
+                  <a:srgbClr val="FFFFFF"/>
+                </a:solidFill>
+              </a14:hiddenFill>
+            </a:ext>
+          </a:extLst>
         </p:spPr>
       </p:pic>
     </p:spTree>
@@ -23896,7 +24101,12 @@
             <p:ph type="title"/>
           </p:nvPr>
         </p:nvSpPr>
-        <p:spPr/>
+        <p:spPr>
+          <a:xfrm>
+            <a:off x="1124480" y="135467"/>
+            <a:ext cx="9905998" cy="1478570"/>
+          </a:xfrm>
+        </p:spPr>
         <p:txBody>
           <a:bodyPr/>
           <a:lstStyle/>
@@ -23919,7 +24129,12 @@
             <p:ph idx="1"/>
           </p:nvPr>
         </p:nvSpPr>
-        <p:spPr/>
+        <p:spPr>
+          <a:xfrm>
+            <a:off x="880534" y="1913468"/>
+            <a:ext cx="10183811" cy="4080934"/>
+          </a:xfrm>
+        </p:spPr>
         <p:txBody>
           <a:bodyPr/>
           <a:lstStyle/>
@@ -23928,17 +24143,66 @@
               <a:buNone/>
             </a:pPr>
             <a:r>
-              <a:rPr lang="en-US" dirty="0" smtClean="0"/>
-              <a:t>Air Cylinders (8):</a:t>
-            </a:r>
+              <a:rPr lang="en-US" sz="2800" dirty="0" smtClean="0"/>
+              <a:t>Air Cylinders (8</a:t>
+            </a:r>
+            <a:r>
+              <a:rPr lang="en-US" sz="2800" dirty="0" smtClean="0"/>
+              <a:t>): 2 inch </a:t>
+            </a:r>
+            <a:r>
+              <a:rPr lang="en-US" sz="2800" dirty="0"/>
+              <a:t>b</a:t>
+            </a:r>
+            <a:r>
+              <a:rPr lang="en-US" sz="2800" dirty="0" smtClean="0"/>
+              <a:t>ore </a:t>
+            </a:r>
+            <a:r>
+              <a:rPr lang="en-US" sz="2800" dirty="0"/>
+              <a:t>d</a:t>
+            </a:r>
+            <a:r>
+              <a:rPr lang="en-US" sz="2800" dirty="0" smtClean="0"/>
+              <a:t>iameter, 3 inch </a:t>
+            </a:r>
+            <a:r>
+              <a:rPr lang="en-US" sz="2800" dirty="0"/>
+              <a:t>s</a:t>
+            </a:r>
+            <a:r>
+              <a:rPr lang="en-US" sz="2800" dirty="0" smtClean="0"/>
+              <a:t>troke length for shank, 4 inch stroke length fo</a:t>
+            </a:r>
+            <a:r>
+              <a:rPr lang="en-US" sz="2800" dirty="0" smtClean="0"/>
+              <a:t>r thigh</a:t>
+            </a:r>
+            <a:endParaRPr lang="en-US" sz="2800" dirty="0" smtClean="0"/>
           </a:p>
           <a:p>
             <a:pPr marL="0" indent="0">
               <a:buNone/>
             </a:pPr>
             <a:r>
-              <a:rPr lang="en-US" dirty="0" smtClean="0"/>
-              <a:t>Directional Control Valves (8):</a:t>
+              <a:rPr lang="en-US" sz="2800" dirty="0" smtClean="0"/>
+              <a:t>Directional Control Valves (8</a:t>
+            </a:r>
+            <a:r>
+              <a:rPr lang="en-US" sz="2800" dirty="0" smtClean="0"/>
+              <a:t>): 5 ports, 3 spool positions, </a:t>
+            </a:r>
+            <a:r>
+              <a:rPr lang="en-US" sz="2800" dirty="0" err="1" smtClean="0"/>
+              <a:t>C</a:t>
+            </a:r>
+            <a:r>
+              <a:rPr lang="en-US" sz="2800" baseline="-25000" dirty="0" err="1" smtClean="0"/>
+              <a:t>v</a:t>
+            </a:r>
+            <a:r>
+              <a:rPr lang="en-US" sz="2800" dirty="0" smtClean="0"/>
+              <a:t> = 0.67 (21 CFM)</a:t>
             </a:r>
           </a:p>
           <a:p>
@@ -23946,8 +24210,16 @@
               <a:buNone/>
             </a:pPr>
             <a:r>
-              <a:rPr lang="en-US" dirty="0" smtClean="0"/>
-              <a:t>Air Compressor:</a:t>
+              <a:rPr lang="en-US" sz="2800" dirty="0" smtClean="0"/>
+              <a:t>Air Compressor: 10 gallon, 5.3 CFM (At 90 psi), </a:t>
+            </a:r>
+            <a:r>
+              <a:rPr lang="en-US" sz="2800" dirty="0" smtClean="0"/>
+              <a:t>125 psi m</a:t>
+            </a:r>
+            <a:r>
+              <a:rPr lang="en-US" sz="2800" dirty="0" smtClean="0"/>
+              <a:t>aximum pressure </a:t>
             </a:r>
           </a:p>
           <a:p>
@@ -24000,7 +24272,7 @@
         </p:nvSpPr>
         <p:spPr>
           <a:xfrm>
-            <a:off x="1100470" y="250030"/>
+            <a:off x="1089416" y="173829"/>
             <a:ext cx="9905999" cy="969171"/>
           </a:xfrm>
         </p:spPr>
@@ -24010,7 +24282,11 @@
           <a:p>
             <a:r>
               <a:rPr lang="en-US" dirty="0" smtClean="0"/>
-              <a:t>Pneumatic Circuit</a:t>
+              <a:t>Pneumatic </a:t>
+            </a:r>
+            <a:r>
+              <a:rPr lang="en-US" dirty="0" smtClean="0"/>
+              <a:t>Circuit Segment</a:t>
             </a:r>
             <a:endParaRPr lang="en-US" dirty="0"/>
           </a:p>
@@ -25241,35 +25517,29 @@
           </a:p>
         </p:txBody>
       </p:sp>
-      <p:pic>
-        <p:nvPicPr>
-          <p:cNvPr id="4" name="Content Placeholder 3"/>
-          <p:cNvPicPr>
-            <a:picLocks noGrp="1" noChangeAspect="1"/>
-          </p:cNvPicPr>
+      <p:sp>
+        <p:nvSpPr>
+          <p:cNvPr id="3" name="Content Placeholder 2"/>
+          <p:cNvSpPr>
+            <a:spLocks noGrp="1"/>
+          </p:cNvSpPr>
           <p:nvPr>
             <p:ph idx="1"/>
           </p:nvPr>
-        </p:nvPicPr>
-        <p:blipFill>
-          <a:blip r:embed="rId2">
-            <a:extLst>
-              <a:ext uri="{28A0092B-C50C-407E-A947-70E740481C1C}">
-                <a14:useLocalDpi xmlns:a14="http://schemas.microsoft.com/office/drawing/2010/main" val="0"/>
-              </a:ext>
-            </a:extLst>
-          </a:blip>
-          <a:stretch>
-            <a:fillRect/>
-          </a:stretch>
-        </p:blipFill>
-        <p:spPr>
-          <a:xfrm>
-            <a:off x="2026000" y="1671516"/>
-            <a:ext cx="7109374" cy="4790955"/>
-          </a:xfrm>
-        </p:spPr>
-      </p:pic>
+        </p:nvSpPr>
+        <p:spPr/>
+        <p:txBody>
+          <a:bodyPr/>
+          <a:lstStyle/>
+          <a:p>
+            <a:r>
+              <a:rPr lang="en-US" dirty="0" smtClean="0"/>
+              <a:t>&lt;Diagram to be added here&gt;</a:t>
+            </a:r>
+            <a:endParaRPr lang="en-US" dirty="0"/>
+          </a:p>
+        </p:txBody>
+      </p:sp>
     </p:spTree>
     <p:extLst>
       <p:ext uri="{BB962C8B-B14F-4D97-AF65-F5344CB8AC3E}">
@@ -25866,7 +26136,7 @@
             <a:lstStyle/>
             <a:p>
               <a:pPr algn="ctr"/>
-              <a:endParaRPr lang="en-US">
+              <a:endParaRPr lang="en-US" dirty="0">
                 <a:solidFill>
                   <a:schemeClr val="bg1"/>
                 </a:solidFill>
@@ -25972,7 +26242,7 @@
                     </a:bodyPr>
                     <a:lstStyle/>
                     <a:p>
-                      <a:endParaRPr lang="en-US">
+                      <a:endParaRPr lang="en-US" dirty="0">
                         <a:solidFill>
                           <a:schemeClr val="bg1"/>
                         </a:solidFill>
@@ -26372,7 +26642,7 @@
                         </a:spcAft>
                       </a:pPr>
                       <a:r>
-                        <a:rPr lang="en-US" sz="1100">
+                        <a:rPr lang="en-US" sz="1100" dirty="0">
                           <a:solidFill>
                             <a:schemeClr val="bg1"/>
                           </a:solidFill>
@@ -26490,7 +26760,7 @@
                           </a:spcAft>
                         </a:pPr>
                         <a:r>
-                          <a:rPr lang="en-US" sz="1100">
+                          <a:rPr lang="en-US" sz="1100" dirty="0">
                             <a:solidFill>
                               <a:schemeClr val="bg1"/>
                             </a:solidFill>
@@ -26601,7 +26871,7 @@
                     </a:bodyPr>
                     <a:lstStyle/>
                     <a:p>
-                      <a:endParaRPr lang="en-US">
+                      <a:endParaRPr lang="en-US" dirty="0">
                         <a:solidFill>
                           <a:schemeClr val="bg1"/>
                         </a:solidFill>
@@ -26827,7 +27097,7 @@
                       </a:bodyPr>
                       <a:lstStyle/>
                       <a:p>
-                        <a:endParaRPr lang="en-US">
+                        <a:endParaRPr lang="en-US" dirty="0">
                           <a:solidFill>
                             <a:schemeClr val="bg1"/>
                           </a:solidFill>
@@ -27032,7 +27302,7 @@
                       </a:bodyPr>
                       <a:lstStyle/>
                       <a:p>
-                        <a:endParaRPr lang="en-US">
+                        <a:endParaRPr lang="en-US" dirty="0">
                           <a:solidFill>
                             <a:schemeClr val="bg1"/>
                           </a:solidFill>
@@ -27189,7 +27459,7 @@
                       </a:spcAft>
                     </a:pPr>
                     <a:r>
-                      <a:rPr lang="en-US" sz="1100">
+                      <a:rPr lang="en-US" sz="1100" dirty="0">
                         <a:solidFill>
                           <a:schemeClr val="bg1"/>
                         </a:solidFill>
@@ -27257,7 +27527,7 @@
                       </a:spcAft>
                     </a:pPr>
                     <a:r>
-                      <a:rPr lang="en-US" sz="1100">
+                      <a:rPr lang="en-US" sz="1100" dirty="0">
                         <a:solidFill>
                           <a:schemeClr val="bg1"/>
                         </a:solidFill>
@@ -27325,7 +27595,7 @@
                       </a:spcAft>
                     </a:pPr>
                     <a:r>
-                      <a:rPr lang="en-US" sz="1100">
+                      <a:rPr lang="en-US" sz="1100" dirty="0">
                         <a:solidFill>
                           <a:schemeClr val="bg1"/>
                         </a:solidFill>
@@ -27349,7 +27619,7 @@
                       </a:spcAft>
                     </a:pPr>
                     <a:r>
-                      <a:rPr lang="en-US" sz="1100">
+                      <a:rPr lang="en-US" sz="1100" dirty="0">
                         <a:solidFill>
                           <a:schemeClr val="bg1"/>
                         </a:solidFill>
@@ -27417,7 +27687,7 @@
                       </a:spcAft>
                     </a:pPr>
                     <a:r>
-                      <a:rPr lang="en-US" sz="1100">
+                      <a:rPr lang="en-US" sz="1100" dirty="0">
                         <a:solidFill>
                           <a:schemeClr val="bg1"/>
                         </a:solidFill>
@@ -27569,7 +27839,7 @@
                     </a:spcAft>
                   </a:pPr>
                   <a:r>
-                    <a:rPr lang="en-US" sz="1100">
+                    <a:rPr lang="en-US" sz="1100" dirty="0">
                       <a:solidFill>
                         <a:schemeClr val="bg1"/>
                       </a:solidFill>
@@ -28349,7 +28619,7 @@
   <a:extraClrSchemeLst/>
   <a:extLst>
     <a:ext uri="{05A4C25C-085E-4340-85A3-A5531E510DB2}">
-      <thm15:themeFamily xmlns:thm15="http://schemas.microsoft.com/office/thememl/2012/main" name="Circuit" id="{0AC2F7E7-15F5-431C-B2A2-456FE929F56C}" vid="{14971C58-AB76-4A2A-B231-5F8CA03CF491}"/>
+      <thm15:themeFamily xmlns:thm15="http://schemas.microsoft.com/office/thememl/2012/main" xmlns="" name="Circuit" id="{0AC2F7E7-15F5-431C-B2A2-456FE929F56C}" vid="{14971C58-AB76-4A2A-B231-5F8CA03CF491}"/>
     </a:ext>
   </a:extLst>
 </a:theme>

--- a/Documentation/Presentation/Design Presentation/Design Presentation.pptx
+++ b/Documentation/Presentation/Design Presentation/Design Presentation.pptx
@@ -22,26 +22,30 @@
     <p:sldId id="280" r:id="rId16"/>
     <p:sldId id="281" r:id="rId17"/>
     <p:sldId id="282" r:id="rId18"/>
-    <p:sldId id="259" r:id="rId19"/>
-    <p:sldId id="260" r:id="rId20"/>
-    <p:sldId id="263" r:id="rId21"/>
-    <p:sldId id="264" r:id="rId22"/>
-    <p:sldId id="265" r:id="rId23"/>
-    <p:sldId id="266" r:id="rId24"/>
-    <p:sldId id="267" r:id="rId25"/>
-    <p:sldId id="268" r:id="rId26"/>
-    <p:sldId id="269" r:id="rId27"/>
-    <p:sldId id="270" r:id="rId28"/>
-    <p:sldId id="261" r:id="rId29"/>
-    <p:sldId id="287" r:id="rId30"/>
-    <p:sldId id="286" r:id="rId31"/>
-    <p:sldId id="285" r:id="rId32"/>
-    <p:sldId id="284" r:id="rId33"/>
-    <p:sldId id="283" r:id="rId34"/>
-    <p:sldId id="289" r:id="rId35"/>
-    <p:sldId id="288" r:id="rId36"/>
-    <p:sldId id="290" r:id="rId37"/>
-    <p:sldId id="262" r:id="rId38"/>
+    <p:sldId id="294" r:id="rId19"/>
+    <p:sldId id="295" r:id="rId20"/>
+    <p:sldId id="296" r:id="rId21"/>
+    <p:sldId id="297" r:id="rId22"/>
+    <p:sldId id="298" r:id="rId23"/>
+    <p:sldId id="260" r:id="rId24"/>
+    <p:sldId id="263" r:id="rId25"/>
+    <p:sldId id="264" r:id="rId26"/>
+    <p:sldId id="265" r:id="rId27"/>
+    <p:sldId id="266" r:id="rId28"/>
+    <p:sldId id="267" r:id="rId29"/>
+    <p:sldId id="268" r:id="rId30"/>
+    <p:sldId id="269" r:id="rId31"/>
+    <p:sldId id="270" r:id="rId32"/>
+    <p:sldId id="261" r:id="rId33"/>
+    <p:sldId id="287" r:id="rId34"/>
+    <p:sldId id="286" r:id="rId35"/>
+    <p:sldId id="285" r:id="rId36"/>
+    <p:sldId id="284" r:id="rId37"/>
+    <p:sldId id="283" r:id="rId38"/>
+    <p:sldId id="289" r:id="rId39"/>
+    <p:sldId id="288" r:id="rId40"/>
+    <p:sldId id="290" r:id="rId41"/>
+    <p:sldId id="262" r:id="rId42"/>
   </p:sldIdLst>
   <p:sldSz cx="12192000" cy="6858000"/>
   <p:notesSz cx="6858000" cy="9144000"/>
@@ -142,7 +146,7 @@
   </p:defaultTextStyle>
   <p:extLst>
     <p:ext uri="{EFAFB233-063F-42B5-8137-9DF3F51BA10A}">
-      <p15:sldGuideLst xmlns:p15="http://schemas.microsoft.com/office/powerpoint/2012/main" xmlns=""/>
+      <p15:sldGuideLst xmlns="" xmlns:p15="http://schemas.microsoft.com/office/powerpoint/2012/main"/>
     </p:ext>
   </p:extLst>
 </p:presentation>
@@ -20242,7 +20246,7 @@
           <a:p>
             <a:r>
               <a:rPr lang="en-US" dirty="0" smtClean="0"/>
-              <a:t>Mechanical</a:t>
+              <a:t>Mechanical Design</a:t>
             </a:r>
             <a:endParaRPr lang="en-US" dirty="0"/>
           </a:p>
@@ -20263,14 +20267,45 @@
           <a:bodyPr/>
           <a:lstStyle/>
           <a:p>
-            <a:endParaRPr lang="en-US"/>
+            <a:r>
+              <a:rPr lang="en-US" dirty="0" smtClean="0"/>
+              <a:t>Component Design</a:t>
+            </a:r>
+          </a:p>
+          <a:p>
+            <a:pPr lvl="1"/>
+            <a:r>
+              <a:rPr lang="en-US" dirty="0" smtClean="0"/>
+              <a:t>Chassis</a:t>
+            </a:r>
+          </a:p>
+          <a:p>
+            <a:pPr lvl="1"/>
+            <a:r>
+              <a:rPr lang="en-US" dirty="0" smtClean="0"/>
+              <a:t>Thigh/shank</a:t>
+            </a:r>
+            <a:endParaRPr lang="en-US" dirty="0"/>
+          </a:p>
+          <a:p>
+            <a:r>
+              <a:rPr lang="en-US" dirty="0" smtClean="0"/>
+              <a:t>Material Choices</a:t>
+            </a:r>
+          </a:p>
+          <a:p>
+            <a:r>
+              <a:rPr lang="en-US" dirty="0" smtClean="0"/>
+              <a:t>FEA of Components</a:t>
+            </a:r>
+            <a:endParaRPr lang="en-US" dirty="0"/>
           </a:p>
         </p:txBody>
       </p:sp>
     </p:spTree>
     <p:extLst>
       <p:ext uri="{BB962C8B-B14F-4D97-AF65-F5344CB8AC3E}">
-        <p14:creationId xmlns:p14="http://schemas.microsoft.com/office/powerpoint/2010/main" val="674988903"/>
+        <p14:creationId xmlns:p14="http://schemas.microsoft.com/office/powerpoint/2010/main" val="3479837747"/>
       </p:ext>
     </p:extLst>
   </p:cSld>
@@ -20307,19 +20342,14 @@
             <p:ph type="title"/>
           </p:nvPr>
         </p:nvSpPr>
-        <p:spPr>
-          <a:xfrm>
-            <a:off x="972080" y="0"/>
-            <a:ext cx="9905998" cy="1478570"/>
-          </a:xfrm>
-        </p:spPr>
+        <p:spPr/>
         <p:txBody>
           <a:bodyPr/>
           <a:lstStyle/>
           <a:p>
             <a:r>
               <a:rPr lang="en-US" dirty="0" smtClean="0"/>
-              <a:t>Pneumatics</a:t>
+              <a:t>Chassis</a:t>
             </a:r>
             <a:endParaRPr lang="en-US" dirty="0"/>
           </a:p>
@@ -20335,72 +20365,49 @@
             <p:ph idx="1"/>
           </p:nvPr>
         </p:nvSpPr>
-        <p:spPr>
-          <a:xfrm>
-            <a:off x="1073679" y="1622953"/>
-            <a:ext cx="9905999" cy="3541714"/>
-          </a:xfrm>
-        </p:spPr>
+        <p:spPr/>
         <p:txBody>
-          <a:bodyPr>
-            <a:noAutofit/>
-          </a:bodyPr>
+          <a:bodyPr/>
           <a:lstStyle/>
           <a:p>
-            <a:pPr marL="0" indent="0">
-              <a:buNone/>
-            </a:pPr>
-            <a:r>
-              <a:rPr lang="en-US" sz="2800" dirty="0" smtClean="0"/>
-              <a:t>Benefits of pneumatics over other power sources</a:t>
-            </a:r>
-          </a:p>
-          <a:p>
-            <a:pPr marL="0" indent="0">
-              <a:buNone/>
-            </a:pPr>
-            <a:r>
-              <a:rPr lang="en-US" sz="2800" dirty="0" smtClean="0"/>
-              <a:t>Component Specifications</a:t>
+            <a:r>
+              <a:rPr lang="en-US" dirty="0" smtClean="0"/>
+              <a:t>Main support for the body</a:t>
+            </a:r>
+          </a:p>
+          <a:p>
+            <a:r>
+              <a:rPr lang="en-US" dirty="0" smtClean="0"/>
+              <a:t>Houses all electric and pneumatic components</a:t>
             </a:r>
           </a:p>
           <a:p>
             <a:pPr lvl="1"/>
             <a:r>
-              <a:rPr lang="en-US" sz="2800" dirty="0" smtClean="0"/>
-              <a:t>Air Cylinders</a:t>
+              <a:rPr lang="en-US" dirty="0" smtClean="0"/>
+              <a:t>Needs to allow easy access to components</a:t>
             </a:r>
           </a:p>
           <a:p>
             <a:pPr lvl="1"/>
             <a:r>
-              <a:rPr lang="en-US" sz="2800" dirty="0" smtClean="0"/>
-              <a:t>Directional Control Valves</a:t>
-            </a:r>
-          </a:p>
-          <a:p>
-            <a:pPr lvl="1"/>
-            <a:r>
-              <a:rPr lang="en-US" sz="2800" dirty="0" smtClean="0"/>
-              <a:t>Air Compressors</a:t>
-            </a:r>
-          </a:p>
-          <a:p>
-            <a:pPr marL="0" indent="0">
-              <a:buNone/>
-            </a:pPr>
-            <a:r>
-              <a:rPr lang="en-US" sz="2800" dirty="0" smtClean="0"/>
-              <a:t>Other circuit components</a:t>
-            </a:r>
-            <a:endParaRPr lang="en-US" sz="2800" dirty="0"/>
+              <a:rPr lang="en-US" dirty="0" smtClean="0"/>
+              <a:t>Provide protection from falls/collisions</a:t>
+            </a:r>
+            <a:endParaRPr lang="en-US" dirty="0"/>
+          </a:p>
+          <a:p>
+            <a:r>
+              <a:rPr lang="en-US" dirty="0" smtClean="0"/>
+              <a:t>Lightweight design to reduce the overall forces on the legs</a:t>
+            </a:r>
           </a:p>
         </p:txBody>
       </p:sp>
     </p:spTree>
     <p:extLst>
       <p:ext uri="{BB962C8B-B14F-4D97-AF65-F5344CB8AC3E}">
-        <p14:creationId xmlns:p14="http://schemas.microsoft.com/office/powerpoint/2010/main" val="971052709"/>
+        <p14:creationId xmlns:p14="http://schemas.microsoft.com/office/powerpoint/2010/main" val="3334424264"/>
       </p:ext>
     </p:extLst>
   </p:cSld>
@@ -20579,6 +20586,442 @@
 </file>
 
 <file path=ppt/slides/slide20.xml><?xml version="1.0" encoding="utf-8"?>
+<p:sld xmlns:a="http://schemas.openxmlformats.org/drawingml/2006/main" xmlns:r="http://schemas.openxmlformats.org/officeDocument/2006/relationships" xmlns:p="http://schemas.openxmlformats.org/presentationml/2006/main">
+  <p:cSld>
+    <p:spTree>
+      <p:nvGrpSpPr>
+        <p:cNvPr id="1" name=""/>
+        <p:cNvGrpSpPr/>
+        <p:nvPr/>
+      </p:nvGrpSpPr>
+      <p:grpSpPr>
+        <a:xfrm>
+          <a:off x="0" y="0"/>
+          <a:ext cx="0" cy="0"/>
+          <a:chOff x="0" y="0"/>
+          <a:chExt cx="0" cy="0"/>
+        </a:xfrm>
+      </p:grpSpPr>
+      <p:sp>
+        <p:nvSpPr>
+          <p:cNvPr id="2" name="Title 1"/>
+          <p:cNvSpPr>
+            <a:spLocks noGrp="1"/>
+          </p:cNvSpPr>
+          <p:nvPr>
+            <p:ph type="title"/>
+          </p:nvPr>
+        </p:nvSpPr>
+        <p:spPr/>
+        <p:txBody>
+          <a:bodyPr/>
+          <a:lstStyle/>
+          <a:p>
+            <a:r>
+              <a:rPr lang="en-US" dirty="0" smtClean="0"/>
+              <a:t>Thigh/Shank</a:t>
+            </a:r>
+            <a:endParaRPr lang="en-US" dirty="0"/>
+          </a:p>
+        </p:txBody>
+      </p:sp>
+      <p:sp>
+        <p:nvSpPr>
+          <p:cNvPr id="3" name="Content Placeholder 2"/>
+          <p:cNvSpPr>
+            <a:spLocks noGrp="1"/>
+          </p:cNvSpPr>
+          <p:nvPr>
+            <p:ph idx="1"/>
+          </p:nvPr>
+        </p:nvSpPr>
+        <p:spPr/>
+        <p:txBody>
+          <a:bodyPr/>
+          <a:lstStyle/>
+          <a:p>
+            <a:r>
+              <a:rPr lang="en-US" dirty="0" smtClean="0"/>
+              <a:t>Based on the leg structure of quadruped mammals</a:t>
+            </a:r>
+          </a:p>
+          <a:p>
+            <a:pPr lvl="1"/>
+            <a:r>
+              <a:rPr lang="en-US" dirty="0" smtClean="0"/>
+              <a:t>Removal of 3</a:t>
+            </a:r>
+            <a:r>
+              <a:rPr lang="en-US" baseline="30000" dirty="0" smtClean="0"/>
+              <a:t>rd</a:t>
+            </a:r>
+            <a:r>
+              <a:rPr lang="en-US" dirty="0" smtClean="0"/>
+              <a:t> joint for simplification of design</a:t>
+            </a:r>
+          </a:p>
+          <a:p>
+            <a:pPr lvl="1"/>
+            <a:r>
+              <a:rPr lang="en-US" dirty="0" smtClean="0"/>
+              <a:t>Bent thigh to compensate for lost mobility</a:t>
+            </a:r>
+          </a:p>
+          <a:p>
+            <a:pPr lvl="1"/>
+            <a:r>
+              <a:rPr lang="en-US" dirty="0" smtClean="0"/>
+              <a:t>Prevents singularity point of knee piston</a:t>
+            </a:r>
+          </a:p>
+          <a:p>
+            <a:r>
+              <a:rPr lang="en-US" dirty="0" smtClean="0"/>
+              <a:t>Step length used to determine component lengths</a:t>
+            </a:r>
+          </a:p>
+          <a:p>
+            <a:endParaRPr lang="en-US" dirty="0" smtClean="0"/>
+          </a:p>
+          <a:p>
+            <a:endParaRPr lang="en-US" dirty="0" smtClean="0"/>
+          </a:p>
+        </p:txBody>
+      </p:sp>
+    </p:spTree>
+    <p:extLst>
+      <p:ext uri="{BB962C8B-B14F-4D97-AF65-F5344CB8AC3E}">
+        <p14:creationId xmlns:p14="http://schemas.microsoft.com/office/powerpoint/2010/main" val="2195630154"/>
+      </p:ext>
+    </p:extLst>
+  </p:cSld>
+  <p:clrMapOvr>
+    <a:masterClrMapping/>
+  </p:clrMapOvr>
+</p:sld>
+</file>
+
+<file path=ppt/slides/slide21.xml><?xml version="1.0" encoding="utf-8"?>
+<p:sld xmlns:a="http://schemas.openxmlformats.org/drawingml/2006/main" xmlns:r="http://schemas.openxmlformats.org/officeDocument/2006/relationships" xmlns:p="http://schemas.openxmlformats.org/presentationml/2006/main">
+  <p:cSld>
+    <p:spTree>
+      <p:nvGrpSpPr>
+        <p:cNvPr id="1" name=""/>
+        <p:cNvGrpSpPr/>
+        <p:nvPr/>
+      </p:nvGrpSpPr>
+      <p:grpSpPr>
+        <a:xfrm>
+          <a:off x="0" y="0"/>
+          <a:ext cx="0" cy="0"/>
+          <a:chOff x="0" y="0"/>
+          <a:chExt cx="0" cy="0"/>
+        </a:xfrm>
+      </p:grpSpPr>
+      <p:sp>
+        <p:nvSpPr>
+          <p:cNvPr id="2" name="Title 1"/>
+          <p:cNvSpPr>
+            <a:spLocks noGrp="1"/>
+          </p:cNvSpPr>
+          <p:nvPr>
+            <p:ph type="title"/>
+          </p:nvPr>
+        </p:nvSpPr>
+        <p:spPr/>
+        <p:txBody>
+          <a:bodyPr/>
+          <a:lstStyle/>
+          <a:p>
+            <a:r>
+              <a:rPr lang="en-US" dirty="0" smtClean="0"/>
+              <a:t>Material Choices</a:t>
+            </a:r>
+            <a:endParaRPr lang="en-US" dirty="0"/>
+          </a:p>
+        </p:txBody>
+      </p:sp>
+      <p:sp>
+        <p:nvSpPr>
+          <p:cNvPr id="3" name="Content Placeholder 2"/>
+          <p:cNvSpPr>
+            <a:spLocks noGrp="1"/>
+          </p:cNvSpPr>
+          <p:nvPr>
+            <p:ph idx="1"/>
+          </p:nvPr>
+        </p:nvSpPr>
+        <p:spPr/>
+        <p:txBody>
+          <a:bodyPr/>
+          <a:lstStyle/>
+          <a:p>
+            <a:r>
+              <a:rPr lang="en-US" dirty="0" smtClean="0"/>
+              <a:t>Chassis</a:t>
+            </a:r>
+          </a:p>
+          <a:p>
+            <a:pPr lvl="1"/>
+            <a:r>
+              <a:rPr lang="en-US" dirty="0" smtClean="0"/>
+              <a:t>6105-T5 T-Slotted Aluminum framing</a:t>
+            </a:r>
+          </a:p>
+          <a:p>
+            <a:pPr lvl="1"/>
+            <a:r>
+              <a:rPr lang="en-US" dirty="0" smtClean="0"/>
+              <a:t>Strong, lightweight material</a:t>
+            </a:r>
+            <a:endParaRPr lang="en-US" dirty="0"/>
+          </a:p>
+          <a:p>
+            <a:pPr lvl="1"/>
+            <a:r>
+              <a:rPr lang="en-US" dirty="0" smtClean="0"/>
+              <a:t>Number of plates/brackets available for easy assembly</a:t>
+            </a:r>
+          </a:p>
+          <a:p>
+            <a:r>
+              <a:rPr lang="en-US" dirty="0" smtClean="0"/>
+              <a:t>Thigh/Shank</a:t>
+            </a:r>
+          </a:p>
+          <a:p>
+            <a:pPr lvl="1"/>
+            <a:r>
+              <a:rPr lang="en-US" dirty="0" smtClean="0"/>
+              <a:t>6061 Aluminum</a:t>
+            </a:r>
+          </a:p>
+          <a:p>
+            <a:pPr lvl="1"/>
+            <a:r>
+              <a:rPr lang="en-US" dirty="0" smtClean="0"/>
+              <a:t>Good strength, machinability, and easily welded</a:t>
+            </a:r>
+            <a:endParaRPr lang="en-US" dirty="0"/>
+          </a:p>
+        </p:txBody>
+      </p:sp>
+    </p:spTree>
+    <p:extLst>
+      <p:ext uri="{BB962C8B-B14F-4D97-AF65-F5344CB8AC3E}">
+        <p14:creationId xmlns:p14="http://schemas.microsoft.com/office/powerpoint/2010/main" val="3477708154"/>
+      </p:ext>
+    </p:extLst>
+  </p:cSld>
+  <p:clrMapOvr>
+    <a:masterClrMapping/>
+  </p:clrMapOvr>
+</p:sld>
+</file>
+
+<file path=ppt/slides/slide22.xml><?xml version="1.0" encoding="utf-8"?>
+<p:sld xmlns:a="http://schemas.openxmlformats.org/drawingml/2006/main" xmlns:r="http://schemas.openxmlformats.org/officeDocument/2006/relationships" xmlns:p="http://schemas.openxmlformats.org/presentationml/2006/main">
+  <p:cSld>
+    <p:spTree>
+      <p:nvGrpSpPr>
+        <p:cNvPr id="1" name=""/>
+        <p:cNvGrpSpPr/>
+        <p:nvPr/>
+      </p:nvGrpSpPr>
+      <p:grpSpPr>
+        <a:xfrm>
+          <a:off x="0" y="0"/>
+          <a:ext cx="0" cy="0"/>
+          <a:chOff x="0" y="0"/>
+          <a:chExt cx="0" cy="0"/>
+        </a:xfrm>
+      </p:grpSpPr>
+      <p:sp>
+        <p:nvSpPr>
+          <p:cNvPr id="2" name="Title 1"/>
+          <p:cNvSpPr>
+            <a:spLocks noGrp="1"/>
+          </p:cNvSpPr>
+          <p:nvPr>
+            <p:ph type="title"/>
+          </p:nvPr>
+        </p:nvSpPr>
+        <p:spPr/>
+        <p:txBody>
+          <a:bodyPr/>
+          <a:lstStyle/>
+          <a:p>
+            <a:r>
+              <a:rPr lang="en-US" dirty="0" smtClean="0"/>
+              <a:t>Finite Element Analysis of Components</a:t>
+            </a:r>
+            <a:endParaRPr lang="en-US" dirty="0"/>
+          </a:p>
+        </p:txBody>
+      </p:sp>
+      <p:sp>
+        <p:nvSpPr>
+          <p:cNvPr id="3" name="Content Placeholder 2"/>
+          <p:cNvSpPr>
+            <a:spLocks noGrp="1"/>
+          </p:cNvSpPr>
+          <p:nvPr>
+            <p:ph idx="1"/>
+          </p:nvPr>
+        </p:nvSpPr>
+        <p:spPr/>
+        <p:txBody>
+          <a:bodyPr/>
+          <a:lstStyle/>
+          <a:p>
+            <a:endParaRPr lang="en-US"/>
+          </a:p>
+        </p:txBody>
+      </p:sp>
+    </p:spTree>
+    <p:extLst>
+      <p:ext uri="{BB962C8B-B14F-4D97-AF65-F5344CB8AC3E}">
+        <p14:creationId xmlns:p14="http://schemas.microsoft.com/office/powerpoint/2010/main" val="2854252946"/>
+      </p:ext>
+    </p:extLst>
+  </p:cSld>
+  <p:clrMapOvr>
+    <a:masterClrMapping/>
+  </p:clrMapOvr>
+</p:sld>
+</file>
+
+<file path=ppt/slides/slide23.xml><?xml version="1.0" encoding="utf-8"?>
+<p:sld xmlns:a="http://schemas.openxmlformats.org/drawingml/2006/main" xmlns:r="http://schemas.openxmlformats.org/officeDocument/2006/relationships" xmlns:p="http://schemas.openxmlformats.org/presentationml/2006/main">
+  <p:cSld>
+    <p:spTree>
+      <p:nvGrpSpPr>
+        <p:cNvPr id="1" name=""/>
+        <p:cNvGrpSpPr/>
+        <p:nvPr/>
+      </p:nvGrpSpPr>
+      <p:grpSpPr>
+        <a:xfrm>
+          <a:off x="0" y="0"/>
+          <a:ext cx="0" cy="0"/>
+          <a:chOff x="0" y="0"/>
+          <a:chExt cx="0" cy="0"/>
+        </a:xfrm>
+      </p:grpSpPr>
+      <p:sp>
+        <p:nvSpPr>
+          <p:cNvPr id="2" name="Title 1"/>
+          <p:cNvSpPr>
+            <a:spLocks noGrp="1"/>
+          </p:cNvSpPr>
+          <p:nvPr>
+            <p:ph type="title"/>
+          </p:nvPr>
+        </p:nvSpPr>
+        <p:spPr>
+          <a:xfrm>
+            <a:off x="972080" y="0"/>
+            <a:ext cx="9905998" cy="1478570"/>
+          </a:xfrm>
+        </p:spPr>
+        <p:txBody>
+          <a:bodyPr/>
+          <a:lstStyle/>
+          <a:p>
+            <a:r>
+              <a:rPr lang="en-US" dirty="0" smtClean="0"/>
+              <a:t>Pneumatics</a:t>
+            </a:r>
+            <a:endParaRPr lang="en-US" dirty="0"/>
+          </a:p>
+        </p:txBody>
+      </p:sp>
+      <p:sp>
+        <p:nvSpPr>
+          <p:cNvPr id="3" name="Content Placeholder 2"/>
+          <p:cNvSpPr>
+            <a:spLocks noGrp="1"/>
+          </p:cNvSpPr>
+          <p:nvPr>
+            <p:ph idx="1"/>
+          </p:nvPr>
+        </p:nvSpPr>
+        <p:spPr>
+          <a:xfrm>
+            <a:off x="1073679" y="1622953"/>
+            <a:ext cx="9905999" cy="3541714"/>
+          </a:xfrm>
+        </p:spPr>
+        <p:txBody>
+          <a:bodyPr>
+            <a:noAutofit/>
+          </a:bodyPr>
+          <a:lstStyle/>
+          <a:p>
+            <a:pPr marL="0" indent="0">
+              <a:buNone/>
+            </a:pPr>
+            <a:r>
+              <a:rPr lang="en-US" sz="2800" dirty="0" smtClean="0"/>
+              <a:t>Benefits of pneumatics over other power sources</a:t>
+            </a:r>
+          </a:p>
+          <a:p>
+            <a:pPr marL="0" indent="0">
+              <a:buNone/>
+            </a:pPr>
+            <a:r>
+              <a:rPr lang="en-US" sz="2800" dirty="0" smtClean="0"/>
+              <a:t>Component Specifications</a:t>
+            </a:r>
+          </a:p>
+          <a:p>
+            <a:pPr lvl="1"/>
+            <a:r>
+              <a:rPr lang="en-US" sz="2800" dirty="0" smtClean="0"/>
+              <a:t>Air Cylinders</a:t>
+            </a:r>
+          </a:p>
+          <a:p>
+            <a:pPr lvl="1"/>
+            <a:r>
+              <a:rPr lang="en-US" sz="2800" dirty="0" smtClean="0"/>
+              <a:t>Directional Control Valves</a:t>
+            </a:r>
+          </a:p>
+          <a:p>
+            <a:pPr lvl="1"/>
+            <a:r>
+              <a:rPr lang="en-US" sz="2800" dirty="0" smtClean="0"/>
+              <a:t>Air Compressors</a:t>
+            </a:r>
+          </a:p>
+          <a:p>
+            <a:pPr marL="0" indent="0">
+              <a:buNone/>
+            </a:pPr>
+            <a:r>
+              <a:rPr lang="en-US" sz="2800" dirty="0" smtClean="0"/>
+              <a:t>Other circuit components</a:t>
+            </a:r>
+            <a:endParaRPr lang="en-US" sz="2800" dirty="0"/>
+          </a:p>
+        </p:txBody>
+      </p:sp>
+    </p:spTree>
+    <p:extLst>
+      <p:ext uri="{BB962C8B-B14F-4D97-AF65-F5344CB8AC3E}">
+        <p14:creationId xmlns:p14="http://schemas.microsoft.com/office/powerpoint/2010/main" val="971052709"/>
+      </p:ext>
+    </p:extLst>
+  </p:cSld>
+  <p:clrMapOvr>
+    <a:masterClrMapping/>
+  </p:clrMapOvr>
+</p:sld>
+</file>
+
+<file path=ppt/slides/slide24.xml><?xml version="1.0" encoding="utf-8"?>
 <p:sld xmlns:a="http://schemas.openxmlformats.org/drawingml/2006/main" xmlns:r="http://schemas.openxmlformats.org/officeDocument/2006/relationships" xmlns:p="http://schemas.openxmlformats.org/presentationml/2006/main">
   <p:cSld>
     <p:spTree>
@@ -21601,7 +22044,7 @@
 </p:sld>
 </file>
 
-<file path=ppt/slides/slide21.xml><?xml version="1.0" encoding="utf-8"?>
+<file path=ppt/slides/slide25.xml><?xml version="1.0" encoding="utf-8"?>
 <p:sld xmlns:a="http://schemas.openxmlformats.org/drawingml/2006/main" xmlns:r="http://schemas.openxmlformats.org/officeDocument/2006/relationships" xmlns:p="http://schemas.openxmlformats.org/presentationml/2006/main">
   <p:cSld>
     <p:spTree>
@@ -21680,8 +22123,8 @@
           </a:prstGeom>
         </p:spPr>
       </p:pic>
-      <mc:AlternateContent xmlns:mc="http://schemas.openxmlformats.org/markup-compatibility/2006">
-        <mc:Choice xmlns:a14="http://schemas.microsoft.com/office/drawing/2010/main" Requires="a14">
+      <mc:AlternateContent xmlns:mc="http://schemas.openxmlformats.org/markup-compatibility/2006" xmlns:a14="http://schemas.microsoft.com/office/drawing/2010/main">
+        <mc:Choice Requires="a14">
           <p:sp>
             <p:nvSpPr>
               <p:cNvPr id="5" name="TextBox 4"/>
@@ -21835,13 +22278,12 @@
                 <a:endParaRPr lang="en-US" sz="3200" dirty="0" smtClean="0"/>
               </a:p>
               <a:p>
-                <a:pPr/>
                 <a:endParaRPr lang="en-US" dirty="0"/>
               </a:p>
             </p:txBody>
           </p:sp>
         </mc:Choice>
-        <mc:Fallback>
+        <mc:Fallback xmlns="">
           <p:sp>
             <p:nvSpPr>
               <p:cNvPr id="5" name="TextBox 4"/>
@@ -21908,11 +22350,7 @@
             </a:pPr>
             <a:r>
               <a:rPr lang="en-US" sz="2800" dirty="0" smtClean="0"/>
-              <a:t>Converts fluid power into mechanical </a:t>
-            </a:r>
-            <a:r>
-              <a:rPr lang="en-US" sz="2800" dirty="0" smtClean="0"/>
-              <a:t>power</a:t>
+              <a:t>Converts fluid power into mechanical power</a:t>
             </a:r>
             <a:endParaRPr lang="en-US" sz="2800" dirty="0"/>
           </a:p>
@@ -21957,19 +22395,7 @@
             </a:pPr>
             <a:r>
               <a:rPr lang="en-US" sz="2800" dirty="0" smtClean="0"/>
-              <a:t>Specifications </a:t>
-            </a:r>
-            <a:r>
-              <a:rPr lang="en-US" sz="2800" dirty="0" smtClean="0"/>
-              <a:t>limited</a:t>
-            </a:r>
-            <a:r>
-              <a:rPr lang="en-US" sz="2800" dirty="0" smtClean="0"/>
-              <a:t> </a:t>
-            </a:r>
-            <a:r>
-              <a:rPr lang="en-US" sz="2800" dirty="0" smtClean="0"/>
-              <a:t>by:</a:t>
+              <a:t>Specifications limited by:</a:t>
             </a:r>
             <a:endParaRPr lang="en-US" sz="2800" dirty="0"/>
           </a:p>
@@ -21993,11 +22419,7 @@
             </a:pPr>
             <a:r>
               <a:rPr lang="en-US" sz="2800" dirty="0" smtClean="0"/>
-              <a:t>-Necessary </a:t>
-            </a:r>
-            <a:r>
-              <a:rPr lang="en-US" sz="2800" dirty="0" smtClean="0"/>
-              <a:t>pressure</a:t>
+              <a:t>-Necessary pressure</a:t>
             </a:r>
             <a:endParaRPr lang="en-US" sz="2800" dirty="0"/>
           </a:p>
@@ -22009,11 +22431,7 @@
             </a:pPr>
             <a:r>
               <a:rPr lang="en-US" sz="2800" dirty="0" smtClean="0"/>
-              <a:t>-Necessary </a:t>
-            </a:r>
-            <a:r>
-              <a:rPr lang="en-US" sz="2800" dirty="0" smtClean="0"/>
-              <a:t>volumetric flow rate</a:t>
+              <a:t>-Necessary volumetric flow rate</a:t>
             </a:r>
           </a:p>
         </p:txBody>
@@ -22031,7 +22449,7 @@
 </p:sld>
 </file>
 
-<file path=ppt/slides/slide22.xml><?xml version="1.0" encoding="utf-8"?>
+<file path=ppt/slides/slide26.xml><?xml version="1.0" encoding="utf-8"?>
 <p:sld xmlns:a="http://schemas.openxmlformats.org/drawingml/2006/main" xmlns:r="http://schemas.openxmlformats.org/officeDocument/2006/relationships" xmlns:p="http://schemas.openxmlformats.org/presentationml/2006/main">
   <p:cSld>
     <p:spTree>
@@ -22072,18 +22490,14 @@
           <a:p>
             <a:r>
               <a:rPr lang="en-US" dirty="0" smtClean="0"/>
-              <a:t>Example </a:t>
-            </a:r>
-            <a:r>
-              <a:rPr lang="en-US" dirty="0" smtClean="0"/>
-              <a:t>Specification process</a:t>
+              <a:t>Example Specification process</a:t>
             </a:r>
             <a:endParaRPr lang="en-US" dirty="0"/>
           </a:p>
         </p:txBody>
       </p:sp>
-      <mc:AlternateContent xmlns:mc="http://schemas.openxmlformats.org/markup-compatibility/2006">
-        <mc:Choice xmlns:a14="http://schemas.microsoft.com/office/drawing/2010/main" Requires="a14">
+      <mc:AlternateContent xmlns:mc="http://schemas.openxmlformats.org/markup-compatibility/2006" xmlns:a14="http://schemas.microsoft.com/office/drawing/2010/main">
+        <mc:Choice Requires="a14">
           <p:sp>
             <p:nvSpPr>
               <p:cNvPr id="3" name="Content Placeholder 2"/>
@@ -23142,7 +23556,7 @@
             </p:txBody>
           </p:sp>
         </mc:Choice>
-        <mc:Fallback>
+        <mc:Fallback xmlns="">
           <p:sp>
             <p:nvSpPr>
               <p:cNvPr id="3" name="Content Placeholder 2"/>
@@ -23204,11 +23618,7 @@
           <a:p>
             <a:r>
               <a:rPr lang="en-US" sz="2400" b="1" dirty="0" smtClean="0"/>
-              <a:t>Selected </a:t>
-            </a:r>
-            <a:r>
-              <a:rPr lang="en-US" sz="2400" b="1" dirty="0" smtClean="0"/>
-              <a:t>Cylinder Specs</a:t>
+              <a:t>Selected Cylinder Specs</a:t>
             </a:r>
             <a:r>
               <a:rPr lang="en-US" sz="2400" dirty="0" smtClean="0"/>
@@ -23276,11 +23686,7 @@
             </a:r>
             <a:r>
               <a:rPr lang="en-US" sz="2400" dirty="0" smtClean="0"/>
-              <a:t> </a:t>
-            </a:r>
-            <a:r>
-              <a:rPr lang="en-US" sz="2400" dirty="0" smtClean="0"/>
-              <a:t>max output</a:t>
+              <a:t> max output</a:t>
             </a:r>
           </a:p>
           <a:p>
@@ -23311,7 +23717,7 @@
 </p:sld>
 </file>
 
-<file path=ppt/slides/slide23.xml><?xml version="1.0" encoding="utf-8"?>
+<file path=ppt/slides/slide27.xml><?xml version="1.0" encoding="utf-8"?>
 <p:sld xmlns:a="http://schemas.openxmlformats.org/drawingml/2006/main" xmlns:r="http://schemas.openxmlformats.org/officeDocument/2006/relationships" xmlns:p="http://schemas.openxmlformats.org/presentationml/2006/main">
   <p:cSld>
     <p:spTree>
@@ -23352,11 +23758,7 @@
           <a:p>
             <a:r>
               <a:rPr lang="en-US" dirty="0" smtClean="0"/>
-              <a:t>Directional Control </a:t>
-            </a:r>
-            <a:r>
-              <a:rPr lang="en-US" dirty="0" smtClean="0"/>
-              <a:t>Valves (DCV)</a:t>
+              <a:t>Directional Control Valves (DCV)</a:t>
             </a:r>
             <a:endParaRPr lang="en-US" dirty="0"/>
           </a:p>
@@ -23601,7 +24003,7 @@
 </p:sld>
 </file>
 
-<file path=ppt/slides/slide24.xml><?xml version="1.0" encoding="utf-8"?>
+<file path=ppt/slides/slide28.xml><?xml version="1.0" encoding="utf-8"?>
 <p:sld xmlns:a="http://schemas.openxmlformats.org/drawingml/2006/main" xmlns:r="http://schemas.openxmlformats.org/officeDocument/2006/relationships" xmlns:p="http://schemas.openxmlformats.org/presentationml/2006/main">
   <p:cSld>
     <p:spTree>
@@ -23762,19 +24164,7 @@
             </a:pPr>
             <a:r>
               <a:rPr lang="en-US" sz="2800" dirty="0" smtClean="0"/>
-              <a:t>Specifications </a:t>
-            </a:r>
-            <a:r>
-              <a:rPr lang="en-US" sz="2800" dirty="0" smtClean="0"/>
-              <a:t>limited</a:t>
-            </a:r>
-            <a:r>
-              <a:rPr lang="en-US" sz="2800" dirty="0" smtClean="0"/>
-              <a:t> </a:t>
-            </a:r>
-            <a:r>
-              <a:rPr lang="en-US" sz="2800" dirty="0" smtClean="0"/>
-              <a:t>by: </a:t>
+              <a:t>Specifications limited by: </a:t>
             </a:r>
           </a:p>
           <a:p>
@@ -23815,7 +24205,7 @@
 </p:sld>
 </file>
 
-<file path=ppt/slides/slide25.xml><?xml version="1.0" encoding="utf-8"?>
+<file path=ppt/slides/slide29.xml><?xml version="1.0" encoding="utf-8"?>
 <p:sld xmlns:a="http://schemas.openxmlformats.org/drawingml/2006/main" xmlns:r="http://schemas.openxmlformats.org/officeDocument/2006/relationships" xmlns:p="http://schemas.openxmlformats.org/presentationml/2006/main">
   <p:cSld>
     <p:spTree>
@@ -23882,11 +24272,7 @@
             </a:pPr>
             <a:r>
               <a:rPr lang="en-US" sz="3000" dirty="0" smtClean="0"/>
-              <a:t>Receiver </a:t>
-            </a:r>
-            <a:r>
-              <a:rPr lang="en-US" sz="3000" dirty="0" smtClean="0"/>
-              <a:t>Tank</a:t>
+              <a:t>Receiver Tank</a:t>
             </a:r>
           </a:p>
           <a:p>
@@ -23901,7 +24287,6 @@
               <a:rPr lang="en-US" sz="2800" dirty="0" smtClean="0"/>
               <a:t>Sized depending on additional flow needs</a:t>
             </a:r>
-            <a:endParaRPr lang="en-US" sz="2800" dirty="0" smtClean="0"/>
           </a:p>
           <a:p>
             <a:pPr marL="0" indent="0">
@@ -23919,7 +24304,6 @@
               <a:rPr lang="en-US" sz="3000" dirty="0" smtClean="0"/>
               <a:t>alve </a:t>
             </a:r>
-            <a:endParaRPr lang="en-US" sz="3000" dirty="0" smtClean="0"/>
           </a:p>
           <a:p>
             <a:pPr marL="0" indent="0">
@@ -23933,7 +24317,6 @@
               <a:rPr lang="en-US" sz="2800" dirty="0" smtClean="0"/>
               <a:t>Main on/off switch of fluid flow to system</a:t>
             </a:r>
-            <a:endParaRPr lang="en-US" sz="2800" dirty="0" smtClean="0"/>
           </a:p>
           <a:p>
             <a:pPr marL="0" indent="0">
@@ -23949,11 +24332,7 @@
             </a:r>
             <a:r>
               <a:rPr lang="en-US" sz="3000" dirty="0" smtClean="0"/>
-              <a:t>elief </a:t>
-            </a:r>
-            <a:r>
-              <a:rPr lang="en-US" sz="3000" dirty="0" smtClean="0"/>
-              <a:t>Valve</a:t>
+              <a:t>elief Valve</a:t>
             </a:r>
           </a:p>
           <a:p>
@@ -23968,7 +24347,6 @@
               <a:rPr lang="en-US" sz="2800" dirty="0" smtClean="0"/>
               <a:t>Dictates upper pressure limit</a:t>
             </a:r>
-            <a:endParaRPr lang="en-US" sz="2800" dirty="0" smtClean="0"/>
           </a:p>
           <a:p>
             <a:pPr marL="0" indent="0">
@@ -24074,7 +24452,154 @@
 </p:sld>
 </file>
 
-<file path=ppt/slides/slide26.xml><?xml version="1.0" encoding="utf-8"?>
+<file path=ppt/slides/slide3.xml><?xml version="1.0" encoding="utf-8"?>
+<p:sld xmlns:a="http://schemas.openxmlformats.org/drawingml/2006/main" xmlns:r="http://schemas.openxmlformats.org/officeDocument/2006/relationships" xmlns:p="http://schemas.openxmlformats.org/presentationml/2006/main">
+  <p:cSld>
+    <p:spTree>
+      <p:nvGrpSpPr>
+        <p:cNvPr id="1" name=""/>
+        <p:cNvGrpSpPr/>
+        <p:nvPr/>
+      </p:nvGrpSpPr>
+      <p:grpSpPr>
+        <a:xfrm>
+          <a:off x="0" y="0"/>
+          <a:ext cx="0" cy="0"/>
+          <a:chOff x="0" y="0"/>
+          <a:chExt cx="0" cy="0"/>
+        </a:xfrm>
+      </p:grpSpPr>
+      <p:sp>
+        <p:nvSpPr>
+          <p:cNvPr id="2" name="Title 1"/>
+          <p:cNvSpPr>
+            <a:spLocks noGrp="1"/>
+          </p:cNvSpPr>
+          <p:nvPr>
+            <p:ph type="title"/>
+          </p:nvPr>
+        </p:nvSpPr>
+        <p:spPr/>
+        <p:txBody>
+          <a:bodyPr/>
+          <a:lstStyle/>
+          <a:p>
+            <a:r>
+              <a:rPr lang="en-US" dirty="0" smtClean="0"/>
+              <a:t>Major Design Decisions</a:t>
+            </a:r>
+            <a:endParaRPr lang="en-US" dirty="0"/>
+          </a:p>
+        </p:txBody>
+      </p:sp>
+      <p:sp>
+        <p:nvSpPr>
+          <p:cNvPr id="3" name="Content Placeholder 2"/>
+          <p:cNvSpPr>
+            <a:spLocks noGrp="1"/>
+          </p:cNvSpPr>
+          <p:nvPr>
+            <p:ph idx="1"/>
+          </p:nvPr>
+        </p:nvSpPr>
+        <p:spPr>
+          <a:xfrm>
+            <a:off x="1141412" y="2249487"/>
+            <a:ext cx="9905999" cy="4063390"/>
+          </a:xfrm>
+        </p:spPr>
+        <p:txBody>
+          <a:bodyPr>
+            <a:normAutofit/>
+          </a:bodyPr>
+          <a:lstStyle/>
+          <a:p>
+            <a:r>
+              <a:rPr lang="en-US" dirty="0"/>
+              <a:t>Quadruped Locomotion</a:t>
+            </a:r>
+          </a:p>
+          <a:p>
+            <a:pPr lvl="1"/>
+            <a:r>
+              <a:rPr lang="en-US" dirty="0"/>
+              <a:t>Agile motion</a:t>
+            </a:r>
+          </a:p>
+          <a:p>
+            <a:pPr lvl="1"/>
+            <a:r>
+              <a:rPr lang="en-US" dirty="0"/>
+              <a:t>Stable</a:t>
+            </a:r>
+          </a:p>
+          <a:p>
+            <a:pPr lvl="1"/>
+            <a:r>
+              <a:rPr lang="en-US" dirty="0"/>
+              <a:t>Rugged </a:t>
+            </a:r>
+            <a:r>
+              <a:rPr lang="en-US" dirty="0" smtClean="0"/>
+              <a:t>Terrain</a:t>
+            </a:r>
+          </a:p>
+          <a:p>
+            <a:pPr lvl="1"/>
+            <a:r>
+              <a:rPr lang="en-US" dirty="0" smtClean="0"/>
+              <a:t>Two Links per Leg</a:t>
+            </a:r>
+            <a:endParaRPr lang="en-US" dirty="0"/>
+          </a:p>
+          <a:p>
+            <a:r>
+              <a:rPr lang="en-US" dirty="0"/>
+              <a:t>Pneumatic Power</a:t>
+            </a:r>
+          </a:p>
+          <a:p>
+            <a:pPr lvl="1"/>
+            <a:r>
+              <a:rPr lang="en-US" dirty="0"/>
+              <a:t>High energy density</a:t>
+            </a:r>
+          </a:p>
+          <a:p>
+            <a:pPr lvl="1"/>
+            <a:r>
+              <a:rPr lang="en-US" dirty="0"/>
+              <a:t>Clean and </a:t>
+            </a:r>
+            <a:r>
+              <a:rPr lang="en-US" dirty="0" smtClean="0"/>
+              <a:t>lightweight</a:t>
+            </a:r>
+            <a:endParaRPr lang="en-US" dirty="0"/>
+          </a:p>
+        </p:txBody>
+      </p:sp>
+    </p:spTree>
+    <p:extLst>
+      <p:ext uri="{BB962C8B-B14F-4D97-AF65-F5344CB8AC3E}">
+        <p14:creationId xmlns:p14="http://schemas.microsoft.com/office/powerpoint/2010/main" val="3853199244"/>
+      </p:ext>
+    </p:extLst>
+  </p:cSld>
+  <p:clrMapOvr>
+    <a:masterClrMapping/>
+  </p:clrMapOvr>
+  <p:timing>
+    <p:tnLst>
+      <p:par>
+        <p:cTn id="1" dur="indefinite" restart="never" nodeType="tmRoot"/>
+      </p:par>
+    </p:tnLst>
+  </p:timing>
+</p:sld>
+</file>
+
+<file path=ppt/slides/slide30.xml><?xml version="1.0" encoding="utf-8"?>
 <p:sld xmlns:a="http://schemas.openxmlformats.org/drawingml/2006/main" xmlns:r="http://schemas.openxmlformats.org/officeDocument/2006/relationships" xmlns:p="http://schemas.openxmlformats.org/presentationml/2006/main">
   <p:cSld>
     <p:spTree>
@@ -24144,11 +24669,7 @@
             </a:pPr>
             <a:r>
               <a:rPr lang="en-US" sz="2800" dirty="0" smtClean="0"/>
-              <a:t>Air Cylinders (8</a:t>
-            </a:r>
-            <a:r>
-              <a:rPr lang="en-US" sz="2800" dirty="0" smtClean="0"/>
-              <a:t>): 2 inch </a:t>
+              <a:t>Air Cylinders (8): 2 inch </a:t>
             </a:r>
             <a:r>
               <a:rPr lang="en-US" sz="2800" dirty="0"/>
@@ -24172,13 +24693,8 @@
             </a:r>
             <a:r>
               <a:rPr lang="en-US" sz="2800" dirty="0" smtClean="0"/>
-              <a:t>troke length for shank, 4 inch stroke length fo</a:t>
-            </a:r>
-            <a:r>
-              <a:rPr lang="en-US" sz="2800" dirty="0" smtClean="0"/>
-              <a:t>r thigh</a:t>
-            </a:r>
-            <a:endParaRPr lang="en-US" sz="2800" dirty="0" smtClean="0"/>
+              <a:t>troke length for shank, 4 inch stroke length for thigh</a:t>
+            </a:r>
           </a:p>
           <a:p>
             <a:pPr marL="0" indent="0">
@@ -24186,11 +24702,7 @@
             </a:pPr>
             <a:r>
               <a:rPr lang="en-US" sz="2800" dirty="0" smtClean="0"/>
-              <a:t>Directional Control Valves (8</a:t>
-            </a:r>
-            <a:r>
-              <a:rPr lang="en-US" sz="2800" dirty="0" smtClean="0"/>
-              <a:t>): 5 ports, 3 spool positions, </a:t>
+              <a:t>Directional Control Valves (8): 5 ports, 3 spool positions, </a:t>
             </a:r>
             <a:r>
               <a:rPr lang="en-US" sz="2800" dirty="0" err="1" smtClean="0"/>
@@ -24211,15 +24723,7 @@
             </a:pPr>
             <a:r>
               <a:rPr lang="en-US" sz="2800" dirty="0" smtClean="0"/>
-              <a:t>Air Compressor: 10 gallon, 5.3 CFM (At 90 psi), </a:t>
-            </a:r>
-            <a:r>
-              <a:rPr lang="en-US" sz="2800" dirty="0" smtClean="0"/>
-              <a:t>125 psi m</a:t>
-            </a:r>
-            <a:r>
-              <a:rPr lang="en-US" sz="2800" dirty="0" smtClean="0"/>
-              <a:t>aximum pressure </a:t>
+              <a:t>Air Compressor: 10 gallon, 5.3 CFM (At 90 psi), 125 psi maximum pressure </a:t>
             </a:r>
           </a:p>
           <a:p>
@@ -24243,7 +24747,7 @@
 </p:sld>
 </file>
 
-<file path=ppt/slides/slide27.xml><?xml version="1.0" encoding="utf-8"?>
+<file path=ppt/slides/slide31.xml><?xml version="1.0" encoding="utf-8"?>
 <p:sld xmlns:a="http://schemas.openxmlformats.org/drawingml/2006/main" xmlns:r="http://schemas.openxmlformats.org/officeDocument/2006/relationships" xmlns:p="http://schemas.openxmlformats.org/presentationml/2006/main">
   <p:cSld>
     <p:spTree>
@@ -24282,11 +24786,7 @@
           <a:p>
             <a:r>
               <a:rPr lang="en-US" dirty="0" smtClean="0"/>
-              <a:t>Pneumatic </a:t>
-            </a:r>
-            <a:r>
-              <a:rPr lang="en-US" dirty="0" smtClean="0"/>
-              <a:t>Circuit Segment</a:t>
+              <a:t>Pneumatic Circuit Segment</a:t>
             </a:r>
             <a:endParaRPr lang="en-US" dirty="0"/>
           </a:p>
@@ -24390,7 +24890,7 @@
 </p:sld>
 </file>
 
-<file path=ppt/slides/slide28.xml><?xml version="1.0" encoding="utf-8"?>
+<file path=ppt/slides/slide32.xml><?xml version="1.0" encoding="utf-8"?>
 <p:sld xmlns:a="http://schemas.openxmlformats.org/drawingml/2006/main" xmlns:r="http://schemas.openxmlformats.org/officeDocument/2006/relationships" xmlns:p="http://schemas.openxmlformats.org/presentationml/2006/main">
   <p:cSld>
     <p:spTree>
@@ -24501,7 +25001,7 @@
 </p:sld>
 </file>
 
-<file path=ppt/slides/slide29.xml><?xml version="1.0" encoding="utf-8"?>
+<file path=ppt/slides/slide33.xml><?xml version="1.0" encoding="utf-8"?>
 <p:sld xmlns:a="http://schemas.openxmlformats.org/drawingml/2006/main" xmlns:r="http://schemas.openxmlformats.org/officeDocument/2006/relationships" xmlns:p="http://schemas.openxmlformats.org/presentationml/2006/main">
   <p:cSld>
     <p:spTree>
@@ -24647,154 +25147,7 @@
 </p:sld>
 </file>
 
-<file path=ppt/slides/slide3.xml><?xml version="1.0" encoding="utf-8"?>
-<p:sld xmlns:a="http://schemas.openxmlformats.org/drawingml/2006/main" xmlns:r="http://schemas.openxmlformats.org/officeDocument/2006/relationships" xmlns:p="http://schemas.openxmlformats.org/presentationml/2006/main">
-  <p:cSld>
-    <p:spTree>
-      <p:nvGrpSpPr>
-        <p:cNvPr id="1" name=""/>
-        <p:cNvGrpSpPr/>
-        <p:nvPr/>
-      </p:nvGrpSpPr>
-      <p:grpSpPr>
-        <a:xfrm>
-          <a:off x="0" y="0"/>
-          <a:ext cx="0" cy="0"/>
-          <a:chOff x="0" y="0"/>
-          <a:chExt cx="0" cy="0"/>
-        </a:xfrm>
-      </p:grpSpPr>
-      <p:sp>
-        <p:nvSpPr>
-          <p:cNvPr id="2" name="Title 1"/>
-          <p:cNvSpPr>
-            <a:spLocks noGrp="1"/>
-          </p:cNvSpPr>
-          <p:nvPr>
-            <p:ph type="title"/>
-          </p:nvPr>
-        </p:nvSpPr>
-        <p:spPr/>
-        <p:txBody>
-          <a:bodyPr/>
-          <a:lstStyle/>
-          <a:p>
-            <a:r>
-              <a:rPr lang="en-US" dirty="0" smtClean="0"/>
-              <a:t>Major Design Decisions</a:t>
-            </a:r>
-            <a:endParaRPr lang="en-US" dirty="0"/>
-          </a:p>
-        </p:txBody>
-      </p:sp>
-      <p:sp>
-        <p:nvSpPr>
-          <p:cNvPr id="3" name="Content Placeholder 2"/>
-          <p:cNvSpPr>
-            <a:spLocks noGrp="1"/>
-          </p:cNvSpPr>
-          <p:nvPr>
-            <p:ph idx="1"/>
-          </p:nvPr>
-        </p:nvSpPr>
-        <p:spPr>
-          <a:xfrm>
-            <a:off x="1141412" y="2249487"/>
-            <a:ext cx="9905999" cy="4063390"/>
-          </a:xfrm>
-        </p:spPr>
-        <p:txBody>
-          <a:bodyPr>
-            <a:normAutofit/>
-          </a:bodyPr>
-          <a:lstStyle/>
-          <a:p>
-            <a:r>
-              <a:rPr lang="en-US" dirty="0"/>
-              <a:t>Quadruped Locomotion</a:t>
-            </a:r>
-          </a:p>
-          <a:p>
-            <a:pPr lvl="1"/>
-            <a:r>
-              <a:rPr lang="en-US" dirty="0"/>
-              <a:t>Agile motion</a:t>
-            </a:r>
-          </a:p>
-          <a:p>
-            <a:pPr lvl="1"/>
-            <a:r>
-              <a:rPr lang="en-US" dirty="0"/>
-              <a:t>Stable</a:t>
-            </a:r>
-          </a:p>
-          <a:p>
-            <a:pPr lvl="1"/>
-            <a:r>
-              <a:rPr lang="en-US" dirty="0"/>
-              <a:t>Rugged </a:t>
-            </a:r>
-            <a:r>
-              <a:rPr lang="en-US" dirty="0" smtClean="0"/>
-              <a:t>Terrain</a:t>
-            </a:r>
-          </a:p>
-          <a:p>
-            <a:pPr lvl="1"/>
-            <a:r>
-              <a:rPr lang="en-US" dirty="0" smtClean="0"/>
-              <a:t>Two Links per Leg</a:t>
-            </a:r>
-            <a:endParaRPr lang="en-US" dirty="0"/>
-          </a:p>
-          <a:p>
-            <a:r>
-              <a:rPr lang="en-US" dirty="0"/>
-              <a:t>Pneumatic Power</a:t>
-            </a:r>
-          </a:p>
-          <a:p>
-            <a:pPr lvl="1"/>
-            <a:r>
-              <a:rPr lang="en-US" dirty="0"/>
-              <a:t>High energy density</a:t>
-            </a:r>
-          </a:p>
-          <a:p>
-            <a:pPr lvl="1"/>
-            <a:r>
-              <a:rPr lang="en-US" dirty="0"/>
-              <a:t>Clean and </a:t>
-            </a:r>
-            <a:r>
-              <a:rPr lang="en-US" dirty="0" smtClean="0"/>
-              <a:t>lightweight</a:t>
-            </a:r>
-            <a:endParaRPr lang="en-US" dirty="0"/>
-          </a:p>
-        </p:txBody>
-      </p:sp>
-    </p:spTree>
-    <p:extLst>
-      <p:ext uri="{BB962C8B-B14F-4D97-AF65-F5344CB8AC3E}">
-        <p14:creationId xmlns:p14="http://schemas.microsoft.com/office/powerpoint/2010/main" val="3853199244"/>
-      </p:ext>
-    </p:extLst>
-  </p:cSld>
-  <p:clrMapOvr>
-    <a:masterClrMapping/>
-  </p:clrMapOvr>
-  <p:timing>
-    <p:tnLst>
-      <p:par>
-        <p:cTn id="1" dur="indefinite" restart="never" nodeType="tmRoot"/>
-      </p:par>
-    </p:tnLst>
-  </p:timing>
-</p:sld>
-</file>
-
-<file path=ppt/slides/slide30.xml><?xml version="1.0" encoding="utf-8"?>
+<file path=ppt/slides/slide34.xml><?xml version="1.0" encoding="utf-8"?>
 <p:sld xmlns:a="http://schemas.openxmlformats.org/drawingml/2006/main" xmlns:r="http://schemas.openxmlformats.org/officeDocument/2006/relationships" xmlns:p="http://schemas.openxmlformats.org/presentationml/2006/main">
   <p:cSld>
     <p:spTree>
@@ -24914,7 +25267,7 @@
 </p:sld>
 </file>
 
-<file path=ppt/slides/slide31.xml><?xml version="1.0" encoding="utf-8"?>
+<file path=ppt/slides/slide35.xml><?xml version="1.0" encoding="utf-8"?>
 <p:sld xmlns:a="http://schemas.openxmlformats.org/drawingml/2006/main" xmlns:r="http://schemas.openxmlformats.org/officeDocument/2006/relationships" xmlns:p="http://schemas.openxmlformats.org/presentationml/2006/main">
   <p:cSld>
     <p:spTree>
@@ -24997,7 +25350,7 @@
 </p:sld>
 </file>
 
-<file path=ppt/slides/slide32.xml><?xml version="1.0" encoding="utf-8"?>
+<file path=ppt/slides/slide36.xml><?xml version="1.0" encoding="utf-8"?>
 <p:sld xmlns:a="http://schemas.openxmlformats.org/drawingml/2006/main" xmlns:r="http://schemas.openxmlformats.org/officeDocument/2006/relationships" xmlns:p="http://schemas.openxmlformats.org/presentationml/2006/main">
   <p:cSld>
     <p:spTree>
@@ -25221,7 +25574,7 @@
 </p:sld>
 </file>
 
-<file path=ppt/slides/slide33.xml><?xml version="1.0" encoding="utf-8"?>
+<file path=ppt/slides/slide37.xml><?xml version="1.0" encoding="utf-8"?>
 <p:sld xmlns:a="http://schemas.openxmlformats.org/drawingml/2006/main" xmlns:r="http://schemas.openxmlformats.org/officeDocument/2006/relationships" xmlns:p="http://schemas.openxmlformats.org/presentationml/2006/main">
   <p:cSld>
     <p:spTree>
@@ -25323,7 +25676,7 @@
 </p:sld>
 </file>
 
-<file path=ppt/slides/slide34.xml><?xml version="1.0" encoding="utf-8"?>
+<file path=ppt/slides/slide38.xml><?xml version="1.0" encoding="utf-8"?>
 <p:sld xmlns:a="http://schemas.openxmlformats.org/drawingml/2006/main" xmlns:r="http://schemas.openxmlformats.org/officeDocument/2006/relationships" xmlns:p="http://schemas.openxmlformats.org/presentationml/2006/main">
   <p:cSld>
     <p:spTree>
@@ -25477,7 +25830,7 @@
 </p:sld>
 </file>
 
-<file path=ppt/slides/slide35.xml><?xml version="1.0" encoding="utf-8"?>
+<file path=ppt/slides/slide39.xml><?xml version="1.0" encoding="utf-8"?>
 <p:sld xmlns:a="http://schemas.openxmlformats.org/drawingml/2006/main" xmlns:r="http://schemas.openxmlformats.org/officeDocument/2006/relationships" xmlns:p="http://schemas.openxmlformats.org/presentationml/2006/main">
   <p:cSld>
     <p:spTree>
@@ -25553,7 +25906,133 @@
 </p:sld>
 </file>
 
-<file path=ppt/slides/slide36.xml><?xml version="1.0" encoding="utf-8"?>
+<file path=ppt/slides/slide4.xml><?xml version="1.0" encoding="utf-8"?>
+<p:sld xmlns:a="http://schemas.openxmlformats.org/drawingml/2006/main" xmlns:r="http://schemas.openxmlformats.org/officeDocument/2006/relationships" xmlns:p="http://schemas.openxmlformats.org/presentationml/2006/main">
+  <p:cSld>
+    <p:spTree>
+      <p:nvGrpSpPr>
+        <p:cNvPr id="1" name=""/>
+        <p:cNvGrpSpPr/>
+        <p:nvPr/>
+      </p:nvGrpSpPr>
+      <p:grpSpPr>
+        <a:xfrm>
+          <a:off x="0" y="0"/>
+          <a:ext cx="0" cy="0"/>
+          <a:chOff x="0" y="0"/>
+          <a:chExt cx="0" cy="0"/>
+        </a:xfrm>
+      </p:grpSpPr>
+      <p:sp>
+        <p:nvSpPr>
+          <p:cNvPr id="2" name="Title 1"/>
+          <p:cNvSpPr>
+            <a:spLocks noGrp="1"/>
+          </p:cNvSpPr>
+          <p:nvPr>
+            <p:ph type="title"/>
+          </p:nvPr>
+        </p:nvSpPr>
+        <p:spPr/>
+        <p:txBody>
+          <a:bodyPr/>
+          <a:lstStyle/>
+          <a:p>
+            <a:r>
+              <a:rPr lang="en-US" dirty="0" smtClean="0"/>
+              <a:t>Major Constraints and Objectives</a:t>
+            </a:r>
+            <a:endParaRPr lang="en-US" dirty="0"/>
+          </a:p>
+        </p:txBody>
+      </p:sp>
+      <p:sp>
+        <p:nvSpPr>
+          <p:cNvPr id="3" name="Content Placeholder 2"/>
+          <p:cNvSpPr>
+            <a:spLocks noGrp="1"/>
+          </p:cNvSpPr>
+          <p:nvPr>
+            <p:ph idx="1"/>
+          </p:nvPr>
+        </p:nvSpPr>
+        <p:spPr>
+          <a:xfrm>
+            <a:off x="1141412" y="2249486"/>
+            <a:ext cx="9905999" cy="4143149"/>
+          </a:xfrm>
+        </p:spPr>
+        <p:txBody>
+          <a:bodyPr>
+            <a:normAutofit/>
+          </a:bodyPr>
+          <a:lstStyle/>
+          <a:p>
+            <a:r>
+              <a:rPr lang="en-US" dirty="0" smtClean="0"/>
+              <a:t>Does not weight over 35 Kg</a:t>
+            </a:r>
+          </a:p>
+          <a:p>
+            <a:r>
+              <a:rPr lang="en-US" dirty="0" smtClean="0"/>
+              <a:t>Operational speed up to 0.5 m/s</a:t>
+            </a:r>
+          </a:p>
+          <a:p>
+            <a:r>
+              <a:rPr lang="en-US" dirty="0" smtClean="0"/>
+              <a:t>Gait implementations for creep and walk</a:t>
+            </a:r>
+          </a:p>
+          <a:p>
+            <a:r>
+              <a:rPr lang="en-US" dirty="0" smtClean="0"/>
+              <a:t>Emergency stops easily accessible</a:t>
+            </a:r>
+          </a:p>
+          <a:p>
+            <a:r>
+              <a:rPr lang="en-US" dirty="0" smtClean="0"/>
+              <a:t>Battery life of at least 3 hours for pneumatic components</a:t>
+            </a:r>
+          </a:p>
+          <a:p>
+            <a:r>
+              <a:rPr lang="en-US" dirty="0" smtClean="0"/>
+              <a:t>Onboard batteries and control system</a:t>
+            </a:r>
+          </a:p>
+          <a:p>
+            <a:r>
+              <a:rPr lang="en-US" dirty="0" smtClean="0"/>
+              <a:t>Tethered air supply</a:t>
+            </a:r>
+            <a:endParaRPr lang="en-US" dirty="0"/>
+          </a:p>
+        </p:txBody>
+      </p:sp>
+    </p:spTree>
+    <p:extLst>
+      <p:ext uri="{BB962C8B-B14F-4D97-AF65-F5344CB8AC3E}">
+        <p14:creationId xmlns:p14="http://schemas.microsoft.com/office/powerpoint/2010/main" val="2870593098"/>
+      </p:ext>
+    </p:extLst>
+  </p:cSld>
+  <p:clrMapOvr>
+    <a:masterClrMapping/>
+  </p:clrMapOvr>
+  <p:timing>
+    <p:tnLst>
+      <p:par>
+        <p:cTn id="1" dur="indefinite" restart="never" nodeType="tmRoot"/>
+      </p:par>
+    </p:tnLst>
+  </p:timing>
+</p:sld>
+</file>
+
+<file path=ppt/slides/slide40.xml><?xml version="1.0" encoding="utf-8"?>
 <p:sld xmlns:a="http://schemas.openxmlformats.org/drawingml/2006/main" xmlns:r="http://schemas.openxmlformats.org/officeDocument/2006/relationships" xmlns:p="http://schemas.openxmlformats.org/presentationml/2006/main">
   <p:cSld>
     <p:spTree>
@@ -25680,7 +26159,7 @@
 </p:sld>
 </file>
 
-<file path=ppt/slides/slide37.xml><?xml version="1.0" encoding="utf-8"?>
+<file path=ppt/slides/slide41.xml><?xml version="1.0" encoding="utf-8"?>
 <p:sld xmlns:a="http://schemas.openxmlformats.org/drawingml/2006/main" xmlns:r="http://schemas.openxmlformats.org/officeDocument/2006/relationships" xmlns:p="http://schemas.openxmlformats.org/presentationml/2006/main">
   <p:cSld>
     <p:spTree>
@@ -25749,132 +26228,6 @@
   <p:clrMapOvr>
     <a:masterClrMapping/>
   </p:clrMapOvr>
-</p:sld>
-</file>
-
-<file path=ppt/slides/slide4.xml><?xml version="1.0" encoding="utf-8"?>
-<p:sld xmlns:a="http://schemas.openxmlformats.org/drawingml/2006/main" xmlns:r="http://schemas.openxmlformats.org/officeDocument/2006/relationships" xmlns:p="http://schemas.openxmlformats.org/presentationml/2006/main">
-  <p:cSld>
-    <p:spTree>
-      <p:nvGrpSpPr>
-        <p:cNvPr id="1" name=""/>
-        <p:cNvGrpSpPr/>
-        <p:nvPr/>
-      </p:nvGrpSpPr>
-      <p:grpSpPr>
-        <a:xfrm>
-          <a:off x="0" y="0"/>
-          <a:ext cx="0" cy="0"/>
-          <a:chOff x="0" y="0"/>
-          <a:chExt cx="0" cy="0"/>
-        </a:xfrm>
-      </p:grpSpPr>
-      <p:sp>
-        <p:nvSpPr>
-          <p:cNvPr id="2" name="Title 1"/>
-          <p:cNvSpPr>
-            <a:spLocks noGrp="1"/>
-          </p:cNvSpPr>
-          <p:nvPr>
-            <p:ph type="title"/>
-          </p:nvPr>
-        </p:nvSpPr>
-        <p:spPr/>
-        <p:txBody>
-          <a:bodyPr/>
-          <a:lstStyle/>
-          <a:p>
-            <a:r>
-              <a:rPr lang="en-US" dirty="0" smtClean="0"/>
-              <a:t>Major Constraints and Objectives</a:t>
-            </a:r>
-            <a:endParaRPr lang="en-US" dirty="0"/>
-          </a:p>
-        </p:txBody>
-      </p:sp>
-      <p:sp>
-        <p:nvSpPr>
-          <p:cNvPr id="3" name="Content Placeholder 2"/>
-          <p:cNvSpPr>
-            <a:spLocks noGrp="1"/>
-          </p:cNvSpPr>
-          <p:nvPr>
-            <p:ph idx="1"/>
-          </p:nvPr>
-        </p:nvSpPr>
-        <p:spPr>
-          <a:xfrm>
-            <a:off x="1141412" y="2249486"/>
-            <a:ext cx="9905999" cy="4143149"/>
-          </a:xfrm>
-        </p:spPr>
-        <p:txBody>
-          <a:bodyPr>
-            <a:normAutofit/>
-          </a:bodyPr>
-          <a:lstStyle/>
-          <a:p>
-            <a:r>
-              <a:rPr lang="en-US" dirty="0" smtClean="0"/>
-              <a:t>Does not weight over 35 Kg</a:t>
-            </a:r>
-          </a:p>
-          <a:p>
-            <a:r>
-              <a:rPr lang="en-US" dirty="0" smtClean="0"/>
-              <a:t>Operational speed up to 0.5 m/s</a:t>
-            </a:r>
-          </a:p>
-          <a:p>
-            <a:r>
-              <a:rPr lang="en-US" dirty="0" smtClean="0"/>
-              <a:t>Gait implementations for creep and walk</a:t>
-            </a:r>
-          </a:p>
-          <a:p>
-            <a:r>
-              <a:rPr lang="en-US" dirty="0" smtClean="0"/>
-              <a:t>Emergency stops easily accessible</a:t>
-            </a:r>
-          </a:p>
-          <a:p>
-            <a:r>
-              <a:rPr lang="en-US" dirty="0" smtClean="0"/>
-              <a:t>Battery life of at least 3 hours for pneumatic components</a:t>
-            </a:r>
-          </a:p>
-          <a:p>
-            <a:r>
-              <a:rPr lang="en-US" dirty="0" smtClean="0"/>
-              <a:t>Onboard batteries and control system</a:t>
-            </a:r>
-          </a:p>
-          <a:p>
-            <a:r>
-              <a:rPr lang="en-US" dirty="0" smtClean="0"/>
-              <a:t>Tethered air supply</a:t>
-            </a:r>
-            <a:endParaRPr lang="en-US" dirty="0"/>
-          </a:p>
-        </p:txBody>
-      </p:sp>
-    </p:spTree>
-    <p:extLst>
-      <p:ext uri="{BB962C8B-B14F-4D97-AF65-F5344CB8AC3E}">
-        <p14:creationId xmlns:p14="http://schemas.microsoft.com/office/powerpoint/2010/main" val="2870593098"/>
-      </p:ext>
-    </p:extLst>
-  </p:cSld>
-  <p:clrMapOvr>
-    <a:masterClrMapping/>
-  </p:clrMapOvr>
-  <p:timing>
-    <p:tnLst>
-      <p:par>
-        <p:cTn id="1" dur="indefinite" restart="never" nodeType="tmRoot"/>
-      </p:par>
-    </p:tnLst>
-  </p:timing>
 </p:sld>
 </file>
 
@@ -28619,7 +28972,7 @@
   <a:extraClrSchemeLst/>
   <a:extLst>
     <a:ext uri="{05A4C25C-085E-4340-85A3-A5531E510DB2}">
-      <thm15:themeFamily xmlns:thm15="http://schemas.microsoft.com/office/thememl/2012/main" xmlns="" name="Circuit" id="{0AC2F7E7-15F5-431C-B2A2-456FE929F56C}" vid="{14971C58-AB76-4A2A-B231-5F8CA03CF491}"/>
+      <thm15:themeFamily xmlns="" xmlns:thm15="http://schemas.microsoft.com/office/thememl/2012/main" name="Circuit" id="{0AC2F7E7-15F5-431C-B2A2-456FE929F56C}" vid="{14971C58-AB76-4A2A-B231-5F8CA03CF491}"/>
     </a:ext>
   </a:extLst>
 </a:theme>

--- a/Documentation/Presentation/Design Presentation/Design Presentation.pptx
+++ b/Documentation/Presentation/Design Presentation/Design Presentation.pptx
@@ -45,7 +45,8 @@
     <p:sldId id="289" r:id="rId39"/>
     <p:sldId id="288" r:id="rId40"/>
     <p:sldId id="290" r:id="rId41"/>
-    <p:sldId id="262" r:id="rId42"/>
+    <p:sldId id="299" r:id="rId42"/>
+    <p:sldId id="262" r:id="rId43"/>
   </p:sldIdLst>
   <p:sldSz cx="12192000" cy="6858000"/>
   <p:notesSz cx="6858000" cy="9144000"/>
@@ -146,7 +147,18 @@
   </p:defaultTextStyle>
   <p:extLst>
     <p:ext uri="{EFAFB233-063F-42B5-8137-9DF3F51BA10A}">
-      <p15:sldGuideLst xmlns="" xmlns:p15="http://schemas.microsoft.com/office/powerpoint/2012/main"/>
+      <p15:sldGuideLst xmlns:p15="http://schemas.microsoft.com/office/powerpoint/2012/main">
+        <p15:guide id="1" orient="horz" pos="2160">
+          <p15:clr>
+            <a:srgbClr val="A4A3A4"/>
+          </p15:clr>
+        </p15:guide>
+        <p15:guide id="2" pos="3840">
+          <p15:clr>
+            <a:srgbClr val="A4A3A4"/>
+          </p15:clr>
+        </p15:guide>
+      </p15:sldGuideLst>
     </p:ext>
   </p:extLst>
 </p:presentation>
@@ -12561,6 +12573,13 @@
   <p:clrMapOvr>
     <a:masterClrMapping/>
   </p:clrMapOvr>
+  <p:timing>
+    <p:tnLst>
+      <p:par>
+        <p:cTn id="1" dur="indefinite" restart="never" nodeType="tmRoot"/>
+      </p:par>
+    </p:tnLst>
+  </p:timing>
 </p:sld>
 </file>
 
@@ -12693,7 +12712,7 @@
                         <m:fPr>
                           <m:ctrlPr>
                             <a:rPr lang="en-US" i="1" smtClean="0">
-                              <a:latin typeface="Cambria Math"/>
+                              <a:latin typeface="Cambria Math" panose="02040503050406030204" pitchFamily="18" charset="0"/>
                             </a:rPr>
                           </m:ctrlPr>
                         </m:fPr>
@@ -12720,7 +12739,7 @@
                             <m:sSubPr>
                               <m:ctrlPr>
                                 <a:rPr lang="en-US" i="1">
-                                  <a:latin typeface="Cambria Math"/>
+                                  <a:latin typeface="Cambria Math" panose="02040503050406030204" pitchFamily="18" charset="0"/>
                                 </a:rPr>
                               </m:ctrlPr>
                             </m:sSubPr>
@@ -12757,7 +12776,7 @@
                             <m:sSubPr>
                               <m:ctrlPr>
                                 <a:rPr lang="en-US" i="1">
-                                  <a:latin typeface="Cambria Math"/>
+                                  <a:latin typeface="Cambria Math" panose="02040503050406030204" pitchFamily="18" charset="0"/>
                                 </a:rPr>
                               </m:ctrlPr>
                             </m:sSubPr>
@@ -12794,7 +12813,7 @@
                             <m:sSubPr>
                               <m:ctrlPr>
                                 <a:rPr lang="en-US" i="1">
-                                  <a:latin typeface="Cambria Math"/>
+                                  <a:latin typeface="Cambria Math" panose="02040503050406030204" pitchFamily="18" charset="0"/>
                                 </a:rPr>
                               </m:ctrlPr>
                             </m:sSubPr>
@@ -12857,7 +12876,7 @@
                       <m:fPr>
                         <m:ctrlPr>
                           <a:rPr lang="en-US" i="1">
-                            <a:latin typeface="Cambria Math"/>
+                            <a:latin typeface="Cambria Math" panose="02040503050406030204" pitchFamily="18" charset="0"/>
                           </a:rPr>
                         </m:ctrlPr>
                       </m:fPr>
@@ -12886,7 +12905,7 @@
                           <m:sSubPr>
                             <m:ctrlPr>
                               <a:rPr lang="en-US" i="1">
-                                <a:latin typeface="Cambria Math"/>
+                                <a:latin typeface="Cambria Math" panose="02040503050406030204" pitchFamily="18" charset="0"/>
                               </a:rPr>
                             </m:ctrlPr>
                           </m:sSubPr>
@@ -12913,7 +12932,7 @@
                       <m:fPr>
                         <m:ctrlPr>
                           <a:rPr lang="en-US" i="1">
-                            <a:latin typeface="Cambria Math"/>
+                            <a:latin typeface="Cambria Math" panose="02040503050406030204" pitchFamily="18" charset="0"/>
                           </a:rPr>
                         </m:ctrlPr>
                       </m:fPr>
@@ -12928,7 +12947,7 @@
                           <m:sSubPr>
                             <m:ctrlPr>
                               <a:rPr lang="en-US" i="1">
-                                <a:latin typeface="Cambria Math"/>
+                                <a:latin typeface="Cambria Math" panose="02040503050406030204" pitchFamily="18" charset="0"/>
                               </a:rPr>
                             </m:ctrlPr>
                           </m:sSubPr>
@@ -12975,7 +12994,7 @@
                       <m:fPr>
                         <m:ctrlPr>
                           <a:rPr lang="en-US" i="1">
-                            <a:latin typeface="Cambria Math"/>
+                            <a:latin typeface="Cambria Math" panose="02040503050406030204" pitchFamily="18" charset="0"/>
                           </a:rPr>
                         </m:ctrlPr>
                       </m:fPr>
@@ -13004,7 +13023,7 @@
                           <m:sSubPr>
                             <m:ctrlPr>
                               <a:rPr lang="en-US" i="1">
-                                <a:latin typeface="Cambria Math"/>
+                                <a:latin typeface="Cambria Math" panose="02040503050406030204" pitchFamily="18" charset="0"/>
                               </a:rPr>
                             </m:ctrlPr>
                           </m:sSubPr>
@@ -13031,7 +13050,7 @@
                       <m:fPr>
                         <m:ctrlPr>
                           <a:rPr lang="en-US" i="1">
-                            <a:latin typeface="Cambria Math"/>
+                            <a:latin typeface="Cambria Math" panose="02040503050406030204" pitchFamily="18" charset="0"/>
                           </a:rPr>
                         </m:ctrlPr>
                       </m:fPr>
@@ -13046,7 +13065,7 @@
                           <m:sSubPr>
                             <m:ctrlPr>
                               <a:rPr lang="en-US" i="1">
-                                <a:latin typeface="Cambria Math"/>
+                                <a:latin typeface="Cambria Math" panose="02040503050406030204" pitchFamily="18" charset="0"/>
                               </a:rPr>
                             </m:ctrlPr>
                           </m:sSubPr>
@@ -13093,7 +13112,7 @@
                       <m:fPr>
                         <m:ctrlPr>
                           <a:rPr lang="en-US" i="1">
-                            <a:latin typeface="Cambria Math"/>
+                            <a:latin typeface="Cambria Math" panose="02040503050406030204" pitchFamily="18" charset="0"/>
                           </a:rPr>
                         </m:ctrlPr>
                       </m:fPr>
@@ -13122,7 +13141,7 @@
                           <m:sSubPr>
                             <m:ctrlPr>
                               <a:rPr lang="en-US" i="1">
-                                <a:latin typeface="Cambria Math"/>
+                                <a:latin typeface="Cambria Math" panose="02040503050406030204" pitchFamily="18" charset="0"/>
                               </a:rPr>
                             </m:ctrlPr>
                           </m:sSubPr>
@@ -13149,7 +13168,7 @@
                       <m:fPr>
                         <m:ctrlPr>
                           <a:rPr lang="en-US" i="1">
-                            <a:latin typeface="Cambria Math"/>
+                            <a:latin typeface="Cambria Math" panose="02040503050406030204" pitchFamily="18" charset="0"/>
                           </a:rPr>
                         </m:ctrlPr>
                       </m:fPr>
@@ -13164,7 +13183,7 @@
                           <m:sSubPr>
                             <m:ctrlPr>
                               <a:rPr lang="en-US" i="1">
-                                <a:latin typeface="Cambria Math"/>
+                                <a:latin typeface="Cambria Math" panose="02040503050406030204" pitchFamily="18" charset="0"/>
                               </a:rPr>
                             </m:ctrlPr>
                           </m:sSubPr>
@@ -13226,7 +13245,7 @@
                         <m:dPr>
                           <m:ctrlPr>
                             <a:rPr lang="en-US" i="1">
-                              <a:latin typeface="Cambria Math"/>
+                              <a:latin typeface="Cambria Math" panose="02040503050406030204" pitchFamily="18" charset="0"/>
                             </a:rPr>
                           </m:ctrlPr>
                         </m:dPr>
@@ -13237,7 +13256,7 @@
                               <m:endChr m:val="]"/>
                               <m:ctrlPr>
                                 <a:rPr lang="en-US" i="1">
-                                  <a:latin typeface="Cambria Math"/>
+                                  <a:latin typeface="Cambria Math" panose="02040503050406030204" pitchFamily="18" charset="0"/>
                                 </a:rPr>
                               </m:ctrlPr>
                             </m:dPr>
@@ -13246,7 +13265,7 @@
                                 <m:fPr>
                                   <m:ctrlPr>
                                     <a:rPr lang="en-US" i="1">
-                                      <a:latin typeface="Cambria Math"/>
+                                      <a:latin typeface="Cambria Math" panose="02040503050406030204" pitchFamily="18" charset="0"/>
                                     </a:rPr>
                                   </m:ctrlPr>
                                 </m:fPr>
@@ -13275,7 +13294,7 @@
                                     <m:sSubPr>
                                       <m:ctrlPr>
                                         <a:rPr lang="en-US" i="1">
-                                          <a:latin typeface="Cambria Math"/>
+                                          <a:latin typeface="Cambria Math" panose="02040503050406030204" pitchFamily="18" charset="0"/>
                                         </a:rPr>
                                       </m:ctrlPr>
                                     </m:sSubPr>
@@ -13306,7 +13325,7 @@
                               <m:endChr m:val="]"/>
                               <m:ctrlPr>
                                 <a:rPr lang="en-US" i="1">
-                                  <a:latin typeface="Cambria Math"/>
+                                  <a:latin typeface="Cambria Math" panose="02040503050406030204" pitchFamily="18" charset="0"/>
                                 </a:rPr>
                               </m:ctrlPr>
                             </m:dPr>
@@ -13315,7 +13334,7 @@
                                 <m:fPr>
                                   <m:ctrlPr>
                                     <a:rPr lang="en-US" i="1">
-                                      <a:latin typeface="Cambria Math"/>
+                                      <a:latin typeface="Cambria Math" panose="02040503050406030204" pitchFamily="18" charset="0"/>
                                     </a:rPr>
                                   </m:ctrlPr>
                                 </m:fPr>
@@ -13344,7 +13363,7 @@
                                     <m:sSubPr>
                                       <m:ctrlPr>
                                         <a:rPr lang="en-US" i="1">
-                                          <a:latin typeface="Cambria Math"/>
+                                          <a:latin typeface="Cambria Math" panose="02040503050406030204" pitchFamily="18" charset="0"/>
                                         </a:rPr>
                                       </m:ctrlPr>
                                     </m:sSubPr>
@@ -13375,7 +13394,7 @@
                               <m:endChr m:val="]"/>
                               <m:ctrlPr>
                                 <a:rPr lang="en-US" i="1">
-                                  <a:latin typeface="Cambria Math"/>
+                                  <a:latin typeface="Cambria Math" panose="02040503050406030204" pitchFamily="18" charset="0"/>
                                 </a:rPr>
                               </m:ctrlPr>
                             </m:dPr>
@@ -13394,7 +13413,7 @@
                               <m:endChr m:val="]"/>
                               <m:ctrlPr>
                                 <a:rPr lang="en-US" i="1">
-                                  <a:latin typeface="Cambria Math"/>
+                                  <a:latin typeface="Cambria Math" panose="02040503050406030204" pitchFamily="18" charset="0"/>
                                 </a:rPr>
                               </m:ctrlPr>
                             </m:dPr>
@@ -13403,7 +13422,7 @@
                                 <m:fPr>
                                   <m:ctrlPr>
                                     <a:rPr lang="en-US" i="1">
-                                      <a:latin typeface="Cambria Math"/>
+                                      <a:latin typeface="Cambria Math" panose="02040503050406030204" pitchFamily="18" charset="0"/>
                                     </a:rPr>
                                   </m:ctrlPr>
                                 </m:fPr>
@@ -13432,7 +13451,7 @@
                                     <m:sSubPr>
                                       <m:ctrlPr>
                                         <a:rPr lang="en-US" i="1">
-                                          <a:latin typeface="Cambria Math"/>
+                                          <a:latin typeface="Cambria Math" panose="02040503050406030204" pitchFamily="18" charset="0"/>
                                         </a:rPr>
                                       </m:ctrlPr>
                                     </m:sSubPr>
@@ -13463,7 +13482,7 @@
                         <m:dPr>
                           <m:ctrlPr>
                             <a:rPr lang="en-US" i="1">
-                              <a:latin typeface="Cambria Math"/>
+                              <a:latin typeface="Cambria Math" panose="02040503050406030204" pitchFamily="18" charset="0"/>
                             </a:rPr>
                           </m:ctrlPr>
                         </m:dPr>
@@ -13472,7 +13491,7 @@
                             <m:eqArrPr>
                               <m:ctrlPr>
                                 <a:rPr lang="en-US" i="1">
-                                  <a:latin typeface="Cambria Math"/>
+                                  <a:latin typeface="Cambria Math" panose="02040503050406030204" pitchFamily="18" charset="0"/>
                                 </a:rPr>
                               </m:ctrlPr>
                             </m:eqArrPr>
@@ -13481,7 +13500,7 @@
                                 <m:fPr>
                                   <m:ctrlPr>
                                     <a:rPr lang="en-US" i="1">
-                                      <a:latin typeface="Cambria Math"/>
+                                      <a:latin typeface="Cambria Math" panose="02040503050406030204" pitchFamily="18" charset="0"/>
                                     </a:rPr>
                                   </m:ctrlPr>
                                 </m:fPr>
@@ -13496,7 +13515,7 @@
                                     <m:sSubPr>
                                       <m:ctrlPr>
                                         <a:rPr lang="en-US" i="1">
-                                          <a:latin typeface="Cambria Math"/>
+                                          <a:latin typeface="Cambria Math" panose="02040503050406030204" pitchFamily="18" charset="0"/>
                                         </a:rPr>
                                       </m:ctrlPr>
                                     </m:sSubPr>
@@ -13539,7 +13558,7 @@
                                 <m:fPr>
                                   <m:ctrlPr>
                                     <a:rPr lang="en-US" i="1">
-                                      <a:latin typeface="Cambria Math"/>
+                                      <a:latin typeface="Cambria Math" panose="02040503050406030204" pitchFamily="18" charset="0"/>
                                     </a:rPr>
                                   </m:ctrlPr>
                                 </m:fPr>
@@ -13554,7 +13573,7 @@
                                     <m:sSubPr>
                                       <m:ctrlPr>
                                         <a:rPr lang="en-US" i="1">
-                                          <a:latin typeface="Cambria Math"/>
+                                          <a:latin typeface="Cambria Math" panose="02040503050406030204" pitchFamily="18" charset="0"/>
                                         </a:rPr>
                                       </m:ctrlPr>
                                     </m:sSubPr>
@@ -13605,7 +13624,7 @@
                                 <m:fPr>
                                   <m:ctrlPr>
                                     <a:rPr lang="en-US" i="1">
-                                      <a:latin typeface="Cambria Math"/>
+                                      <a:latin typeface="Cambria Math" panose="02040503050406030204" pitchFamily="18" charset="0"/>
                                     </a:rPr>
                                   </m:ctrlPr>
                                 </m:fPr>
@@ -13620,7 +13639,7 @@
                                     <m:sSubPr>
                                       <m:ctrlPr>
                                         <a:rPr lang="en-US" i="1">
-                                          <a:latin typeface="Cambria Math"/>
+                                          <a:latin typeface="Cambria Math" panose="02040503050406030204" pitchFamily="18" charset="0"/>
                                         </a:rPr>
                                       </m:ctrlPr>
                                     </m:sSubPr>
@@ -13693,7 +13712,7 @@
                         <m:dPr>
                           <m:ctrlPr>
                             <a:rPr lang="en-US" i="1">
-                              <a:latin typeface="Cambria Math"/>
+                              <a:latin typeface="Cambria Math" panose="02040503050406030204" pitchFamily="18" charset="0"/>
                             </a:rPr>
                           </m:ctrlPr>
                         </m:dPr>
@@ -13710,7 +13729,7 @@
                         <m:dPr>
                           <m:ctrlPr>
                             <a:rPr lang="en-US" i="1">
-                              <a:latin typeface="Cambria Math"/>
+                              <a:latin typeface="Cambria Math" panose="02040503050406030204" pitchFamily="18" charset="0"/>
                             </a:rPr>
                           </m:ctrlPr>
                         </m:dPr>
@@ -13719,7 +13738,7 @@
                             <m:eqArrPr>
                               <m:ctrlPr>
                                 <a:rPr lang="en-US" i="1">
-                                  <a:latin typeface="Cambria Math"/>
+                                  <a:latin typeface="Cambria Math" panose="02040503050406030204" pitchFamily="18" charset="0"/>
                                 </a:rPr>
                               </m:ctrlPr>
                             </m:eqArrPr>
@@ -13728,7 +13747,7 @@
                                 <m:fPr>
                                   <m:ctrlPr>
                                     <a:rPr lang="en-US" i="1">
-                                      <a:latin typeface="Cambria Math"/>
+                                      <a:latin typeface="Cambria Math" panose="02040503050406030204" pitchFamily="18" charset="0"/>
                                     </a:rPr>
                                   </m:ctrlPr>
                                 </m:fPr>
@@ -13743,7 +13762,7 @@
                                     <m:sSubPr>
                                       <m:ctrlPr>
                                         <a:rPr lang="en-US" i="1">
-                                          <a:latin typeface="Cambria Math"/>
+                                          <a:latin typeface="Cambria Math" panose="02040503050406030204" pitchFamily="18" charset="0"/>
                                         </a:rPr>
                                       </m:ctrlPr>
                                     </m:sSubPr>
@@ -13786,7 +13805,7 @@
                                 <m:fPr>
                                   <m:ctrlPr>
                                     <a:rPr lang="en-US" i="1">
-                                      <a:latin typeface="Cambria Math"/>
+                                      <a:latin typeface="Cambria Math" panose="02040503050406030204" pitchFamily="18" charset="0"/>
                                     </a:rPr>
                                   </m:ctrlPr>
                                 </m:fPr>
@@ -13801,7 +13820,7 @@
                                     <m:sSubPr>
                                       <m:ctrlPr>
                                         <a:rPr lang="en-US" i="1">
-                                          <a:latin typeface="Cambria Math"/>
+                                          <a:latin typeface="Cambria Math" panose="02040503050406030204" pitchFamily="18" charset="0"/>
                                         </a:rPr>
                                       </m:ctrlPr>
                                     </m:sSubPr>
@@ -13852,7 +13871,7 @@
                                 <m:fPr>
                                   <m:ctrlPr>
                                     <a:rPr lang="en-US" i="1">
-                                      <a:latin typeface="Cambria Math"/>
+                                      <a:latin typeface="Cambria Math" panose="02040503050406030204" pitchFamily="18" charset="0"/>
                                     </a:rPr>
                                   </m:ctrlPr>
                                 </m:fPr>
@@ -13867,7 +13886,7 @@
                                     <m:sSubPr>
                                       <m:ctrlPr>
                                         <a:rPr lang="en-US" i="1">
-                                          <a:latin typeface="Cambria Math"/>
+                                          <a:latin typeface="Cambria Math" panose="02040503050406030204" pitchFamily="18" charset="0"/>
                                         </a:rPr>
                                       </m:ctrlPr>
                                     </m:sSubPr>
@@ -14112,7 +14131,7 @@
                           <m:endChr m:val="]"/>
                           <m:ctrlPr>
                             <a:rPr lang="en-US" i="1">
-                              <a:latin typeface="Cambria Math"/>
+                              <a:latin typeface="Cambria Math" panose="02040503050406030204" pitchFamily="18" charset="0"/>
                             </a:rPr>
                           </m:ctrlPr>
                         </m:dPr>
@@ -14121,7 +14140,7 @@
                             <m:eqArrPr>
                               <m:ctrlPr>
                                 <a:rPr lang="en-US" i="1">
-                                  <a:latin typeface="Cambria Math"/>
+                                  <a:latin typeface="Cambria Math" panose="02040503050406030204" pitchFamily="18" charset="0"/>
                                 </a:rPr>
                               </m:ctrlPr>
                             </m:eqArrPr>
@@ -14130,7 +14149,7 @@
                                 <m:eqArrPr>
                                   <m:ctrlPr>
                                     <a:rPr lang="en-US" i="1">
-                                      <a:latin typeface="Cambria Math"/>
+                                      <a:latin typeface="Cambria Math" panose="02040503050406030204" pitchFamily="18" charset="0"/>
                                     </a:rPr>
                                   </m:ctrlPr>
                                 </m:eqArrPr>
@@ -14155,7 +14174,7 @@
                                     <m:sSubPr>
                                       <m:ctrlPr>
                                         <a:rPr lang="en-US" i="1">
-                                          <a:latin typeface="Cambria Math"/>
+                                          <a:latin typeface="Cambria Math" panose="02040503050406030204" pitchFamily="18" charset="0"/>
                                         </a:rPr>
                                       </m:ctrlPr>
                                     </m:sSubPr>
@@ -14182,7 +14201,7 @@
                                     <m:sSubPr>
                                       <m:ctrlPr>
                                         <a:rPr lang="en-US" i="1">
-                                          <a:latin typeface="Cambria Math"/>
+                                          <a:latin typeface="Cambria Math" panose="02040503050406030204" pitchFamily="18" charset="0"/>
                                         </a:rPr>
                                       </m:ctrlPr>
                                     </m:sSubPr>
@@ -14215,7 +14234,7 @@
                                     <m:sSubPr>
                                       <m:ctrlPr>
                                         <a:rPr lang="en-US" i="1">
-                                          <a:latin typeface="Cambria Math"/>
+                                          <a:latin typeface="Cambria Math" panose="02040503050406030204" pitchFamily="18" charset="0"/>
                                         </a:rPr>
                                       </m:ctrlPr>
                                     </m:sSubPr>
@@ -14248,7 +14267,7 @@
                                     <m:sSubPr>
                                       <m:ctrlPr>
                                         <a:rPr lang="en-US" i="1">
-                                          <a:latin typeface="Cambria Math"/>
+                                          <a:latin typeface="Cambria Math" panose="02040503050406030204" pitchFamily="18" charset="0"/>
                                         </a:rPr>
                                       </m:ctrlPr>
                                     </m:sSubPr>
@@ -14281,7 +14300,7 @@
                                     <m:sSubPr>
                                       <m:ctrlPr>
                                         <a:rPr lang="en-US" i="1">
-                                          <a:latin typeface="Cambria Math"/>
+                                          <a:latin typeface="Cambria Math" panose="02040503050406030204" pitchFamily="18" charset="0"/>
                                         </a:rPr>
                                       </m:ctrlPr>
                                     </m:sSubPr>
@@ -14316,7 +14335,7 @@
                                 <m:sSubPr>
                                   <m:ctrlPr>
                                     <a:rPr lang="en-US" i="1">
-                                      <a:latin typeface="Cambria Math"/>
+                                      <a:latin typeface="Cambria Math" panose="02040503050406030204" pitchFamily="18" charset="0"/>
                                     </a:rPr>
                                   </m:ctrlPr>
                                 </m:sSubPr>
@@ -14349,7 +14368,7 @@
                                 <m:sSubPr>
                                   <m:ctrlPr>
                                     <a:rPr lang="en-US" i="1">
-                                      <a:latin typeface="Cambria Math"/>
+                                      <a:latin typeface="Cambria Math" panose="02040503050406030204" pitchFamily="18" charset="0"/>
                                     </a:rPr>
                                   </m:ctrlPr>
                                 </m:sSubPr>
@@ -14382,7 +14401,7 @@
                                 <m:sSubPr>
                                   <m:ctrlPr>
                                     <a:rPr lang="en-US" i="1">
-                                      <a:latin typeface="Cambria Math"/>
+                                      <a:latin typeface="Cambria Math" panose="02040503050406030204" pitchFamily="18" charset="0"/>
                                     </a:rPr>
                                   </m:ctrlPr>
                                 </m:sSubPr>
@@ -14415,7 +14434,7 @@
                                 <m:sSubPr>
                                   <m:ctrlPr>
                                     <a:rPr lang="en-US" i="1">
-                                      <a:latin typeface="Cambria Math"/>
+                                      <a:latin typeface="Cambria Math" panose="02040503050406030204" pitchFamily="18" charset="0"/>
                                     </a:rPr>
                                   </m:ctrlPr>
                                 </m:sSubPr>
@@ -14996,7 +15015,7 @@
                         <m:sSubPr>
                           <m:ctrlPr>
                             <a:rPr lang="en-US" i="1" smtClean="0">
-                              <a:latin typeface="Cambria Math"/>
+                              <a:latin typeface="Cambria Math" panose="02040503050406030204" pitchFamily="18" charset="0"/>
                             </a:rPr>
                           </m:ctrlPr>
                         </m:sSubPr>
@@ -15039,7 +15058,7 @@
                         <m:sSubPr>
                           <m:ctrlPr>
                             <a:rPr lang="en-US" i="1">
-                              <a:latin typeface="Cambria Math"/>
+                              <a:latin typeface="Cambria Math" panose="02040503050406030204" pitchFamily="18" charset="0"/>
                             </a:rPr>
                           </m:ctrlPr>
                         </m:sSubPr>
@@ -15082,7 +15101,7 @@
                         <m:sSubPr>
                           <m:ctrlPr>
                             <a:rPr lang="en-US" i="1">
-                              <a:latin typeface="Cambria Math"/>
+                              <a:latin typeface="Cambria Math" panose="02040503050406030204" pitchFamily="18" charset="0"/>
                             </a:rPr>
                           </m:ctrlPr>
                         </m:sSubPr>
@@ -15125,7 +15144,7 @@
                         <m:sSubPr>
                           <m:ctrlPr>
                             <a:rPr lang="en-US" i="1">
-                              <a:latin typeface="Cambria Math"/>
+                              <a:latin typeface="Cambria Math" panose="02040503050406030204" pitchFamily="18" charset="0"/>
                             </a:rPr>
                           </m:ctrlPr>
                         </m:sSubPr>
@@ -15168,7 +15187,7 @@
                         <m:fPr>
                           <m:ctrlPr>
                             <a:rPr lang="en-US" b="0" i="1" smtClean="0">
-                              <a:latin typeface="Cambria Math"/>
+                              <a:latin typeface="Cambria Math" panose="02040503050406030204" pitchFamily="18" charset="0"/>
                             </a:rPr>
                           </m:ctrlPr>
                         </m:fPr>
@@ -15208,7 +15227,7 @@
                         <m:sSubPr>
                           <m:ctrlPr>
                             <a:rPr lang="en-US" i="1">
-                              <a:latin typeface="Cambria Math"/>
+                              <a:latin typeface="Cambria Math" panose="02040503050406030204" pitchFamily="18" charset="0"/>
                             </a:rPr>
                           </m:ctrlPr>
                         </m:sSubPr>
@@ -15251,7 +15270,7 @@
                         <m:sSubPr>
                           <m:ctrlPr>
                             <a:rPr lang="en-US" i="1">
-                              <a:latin typeface="Cambria Math"/>
+                              <a:latin typeface="Cambria Math" panose="02040503050406030204" pitchFamily="18" charset="0"/>
                             </a:rPr>
                           </m:ctrlPr>
                         </m:sSubPr>
@@ -15294,7 +15313,7 @@
                         <m:sSubPr>
                           <m:ctrlPr>
                             <a:rPr lang="en-US" i="1">
-                              <a:latin typeface="Cambria Math"/>
+                              <a:latin typeface="Cambria Math" panose="02040503050406030204" pitchFamily="18" charset="0"/>
                             </a:rPr>
                           </m:ctrlPr>
                         </m:sSubPr>
@@ -15337,7 +15356,7 @@
                         <m:sSubPr>
                           <m:ctrlPr>
                             <a:rPr lang="en-US" i="1">
-                              <a:latin typeface="Cambria Math"/>
+                              <a:latin typeface="Cambria Math" panose="02040503050406030204" pitchFamily="18" charset="0"/>
                             </a:rPr>
                           </m:ctrlPr>
                         </m:sSubPr>
@@ -15380,7 +15399,7 @@
                         <m:fPr>
                           <m:ctrlPr>
                             <a:rPr lang="en-US" b="0" i="1" smtClean="0">
-                              <a:latin typeface="Cambria Math"/>
+                              <a:latin typeface="Cambria Math" panose="02040503050406030204" pitchFamily="18" charset="0"/>
                             </a:rPr>
                           </m:ctrlPr>
                         </m:fPr>
@@ -17044,6 +17063,13 @@
   <p:clrMapOvr>
     <a:masterClrMapping/>
   </p:clrMapOvr>
+  <p:timing>
+    <p:tnLst>
+      <p:par>
+        <p:cTn id="1" dur="indefinite" restart="never" nodeType="tmRoot"/>
+      </p:par>
+    </p:tnLst>
+  </p:timing>
 </p:sld>
 </file>
 
@@ -17860,7 +17886,7 @@
                         <m:sSubPr>
                           <m:ctrlPr>
                             <a:rPr lang="en-US" i="1">
-                              <a:latin typeface="Cambria Math"/>
+                              <a:latin typeface="Cambria Math" panose="02040503050406030204" pitchFamily="18" charset="0"/>
                             </a:rPr>
                           </m:ctrlPr>
                         </m:sSubPr>
@@ -17903,7 +17929,7 @@
                         <m:sSubPr>
                           <m:ctrlPr>
                             <a:rPr lang="en-US" i="1">
-                              <a:latin typeface="Cambria Math"/>
+                              <a:latin typeface="Cambria Math" panose="02040503050406030204" pitchFamily="18" charset="0"/>
                             </a:rPr>
                           </m:ctrlPr>
                         </m:sSubPr>
@@ -17946,7 +17972,7 @@
                         <m:sSubPr>
                           <m:ctrlPr>
                             <a:rPr lang="en-US" i="1">
-                              <a:latin typeface="Cambria Math"/>
+                              <a:latin typeface="Cambria Math" panose="02040503050406030204" pitchFamily="18" charset="0"/>
                             </a:rPr>
                           </m:ctrlPr>
                         </m:sSubPr>
@@ -17989,7 +18015,7 @@
                         <m:fPr>
                           <m:ctrlPr>
                             <a:rPr lang="en-US" i="1" smtClean="0">
-                              <a:latin typeface="Cambria Math"/>
+                              <a:latin typeface="Cambria Math" panose="02040503050406030204" pitchFamily="18" charset="0"/>
                             </a:rPr>
                           </m:ctrlPr>
                         </m:fPr>
@@ -18440,6 +18466,13 @@
   <p:clrMapOvr>
     <a:masterClrMapping/>
   </p:clrMapOvr>
+  <p:timing>
+    <p:tnLst>
+      <p:par>
+        <p:cTn id="1" dur="indefinite" restart="never" nodeType="tmRoot"/>
+      </p:par>
+    </p:tnLst>
+  </p:timing>
 </p:sld>
 </file>
 
@@ -19247,7 +19280,7 @@
                         <m:sSubPr>
                           <m:ctrlPr>
                             <a:rPr lang="en-US" i="1" smtClean="0">
-                              <a:latin typeface="Cambria Math"/>
+                              <a:latin typeface="Cambria Math" panose="02040503050406030204" pitchFamily="18" charset="0"/>
                             </a:rPr>
                           </m:ctrlPr>
                         </m:sSubPr>
@@ -19278,7 +19311,7 @@
                         <m:sSubPr>
                           <m:ctrlPr>
                             <a:rPr lang="en-US" i="1">
-                              <a:latin typeface="Cambria Math"/>
+                              <a:latin typeface="Cambria Math" panose="02040503050406030204" pitchFamily="18" charset="0"/>
                             </a:rPr>
                           </m:ctrlPr>
                         </m:sSubPr>
@@ -19315,7 +19348,7 @@
                         <m:sSubPr>
                           <m:ctrlPr>
                             <a:rPr lang="en-US" i="1">
-                              <a:latin typeface="Cambria Math"/>
+                              <a:latin typeface="Cambria Math" panose="02040503050406030204" pitchFamily="18" charset="0"/>
                             </a:rPr>
                           </m:ctrlPr>
                         </m:sSubPr>
@@ -19346,7 +19379,7 @@
                         <m:sSubPr>
                           <m:ctrlPr>
                             <a:rPr lang="en-US" i="1">
-                              <a:latin typeface="Cambria Math"/>
+                              <a:latin typeface="Cambria Math" panose="02040503050406030204" pitchFamily="18" charset="0"/>
                             </a:rPr>
                           </m:ctrlPr>
                         </m:sSubPr>
@@ -19383,7 +19416,7 @@
                         <m:naryPr>
                           <m:ctrlPr>
                             <a:rPr lang="en-US" b="0" i="1" smtClean="0">
-                              <a:latin typeface="Cambria Math"/>
+                              <a:latin typeface="Cambria Math" panose="02040503050406030204" pitchFamily="18" charset="0"/>
                             </a:rPr>
                           </m:ctrlPr>
                         </m:naryPr>
@@ -19392,7 +19425,7 @@
                             <m:sSupPr>
                               <m:ctrlPr>
                                 <a:rPr lang="en-US" b="0" i="1" smtClean="0">
-                                  <a:latin typeface="Cambria Math"/>
+                                  <a:latin typeface="Cambria Math" panose="02040503050406030204" pitchFamily="18" charset="0"/>
                                 </a:rPr>
                               </m:ctrlPr>
                             </m:sSupPr>
@@ -19419,7 +19452,7 @@
                             <m:sSupPr>
                               <m:ctrlPr>
                                 <a:rPr lang="en-US" b="0" i="1" smtClean="0">
-                                  <a:latin typeface="Cambria Math"/>
+                                  <a:latin typeface="Cambria Math" panose="02040503050406030204" pitchFamily="18" charset="0"/>
                                 </a:rPr>
                               </m:ctrlPr>
                             </m:sSupPr>
@@ -19452,7 +19485,7 @@
                             <m:dPr>
                               <m:ctrlPr>
                                 <a:rPr lang="en-US" b="0" i="1" smtClean="0">
-                                  <a:latin typeface="Cambria Math"/>
+                                  <a:latin typeface="Cambria Math" panose="02040503050406030204" pitchFamily="18" charset="0"/>
                                 </a:rPr>
                               </m:ctrlPr>
                             </m:dPr>
@@ -20121,6 +20154,13 @@
   <p:clrMapOvr>
     <a:masterClrMapping/>
   </p:clrMapOvr>
+  <p:timing>
+    <p:tnLst>
+      <p:par>
+        <p:cTn id="1" dur="indefinite" restart="never" nodeType="tmRoot"/>
+      </p:par>
+    </p:tnLst>
+  </p:timing>
 </p:sld>
 </file>
 
@@ -20209,6 +20249,13 @@
   <p:clrMapOvr>
     <a:masterClrMapping/>
   </p:clrMapOvr>
+  <p:timing>
+    <p:tnLst>
+      <p:par>
+        <p:cTn id="1" dur="indefinite" restart="never" nodeType="tmRoot"/>
+      </p:par>
+    </p:tnLst>
+  </p:timing>
 </p:sld>
 </file>
 
@@ -20312,6 +20359,13 @@
   <p:clrMapOvr>
     <a:masterClrMapping/>
   </p:clrMapOvr>
+  <p:timing>
+    <p:tnLst>
+      <p:par>
+        <p:cTn id="1" dur="indefinite" restart="never" nodeType="tmRoot"/>
+      </p:par>
+    </p:tnLst>
+  </p:timing>
 </p:sld>
 </file>
 
@@ -20414,6 +20468,13 @@
   <p:clrMapOvr>
     <a:masterClrMapping/>
   </p:clrMapOvr>
+  <p:timing>
+    <p:tnLst>
+      <p:par>
+        <p:cTn id="1" dur="indefinite" restart="never" nodeType="tmRoot"/>
+      </p:par>
+    </p:tnLst>
+  </p:timing>
 </p:sld>
 </file>
 
@@ -20698,6 +20759,13 @@
   <p:clrMapOvr>
     <a:masterClrMapping/>
   </p:clrMapOvr>
+  <p:timing>
+    <p:tnLst>
+      <p:par>
+        <p:cTn id="1" dur="indefinite" restart="never" nodeType="tmRoot"/>
+      </p:par>
+    </p:tnLst>
+  </p:timing>
 </p:sld>
 </file>
 
@@ -20816,6 +20884,13 @@
   <p:clrMapOvr>
     <a:masterClrMapping/>
   </p:clrMapOvr>
+  <p:timing>
+    <p:tnLst>
+      <p:par>
+        <p:cTn id="1" dur="indefinite" restart="never" nodeType="tmRoot"/>
+      </p:par>
+    </p:tnLst>
+  </p:timing>
 </p:sld>
 </file>
 
@@ -20888,6 +20963,13 @@
   <p:clrMapOvr>
     <a:masterClrMapping/>
   </p:clrMapOvr>
+  <p:timing>
+    <p:tnLst>
+      <p:par>
+        <p:cTn id="1" dur="indefinite" restart="never" nodeType="tmRoot"/>
+      </p:par>
+    </p:tnLst>
+  </p:timing>
 </p:sld>
 </file>
 
@@ -20930,7 +21012,7 @@
           <a:p>
             <a:r>
               <a:rPr lang="en-US" dirty="0" smtClean="0"/>
-              <a:t>Pneumatics</a:t>
+              <a:t>Power Source</a:t>
             </a:r>
             <a:endParaRPr lang="en-US" dirty="0"/>
           </a:p>
@@ -20963,8 +21045,9 @@
             </a:pPr>
             <a:r>
               <a:rPr lang="en-US" sz="2800" dirty="0" smtClean="0"/>
-              <a:t>Benefits of pneumatics over other power sources</a:t>
-            </a:r>
+              <a:t>Power Source Options</a:t>
+            </a:r>
+            <a:endParaRPr lang="en-US" sz="2800" dirty="0" smtClean="0"/>
           </a:p>
           <a:p>
             <a:pPr marL="0" indent="0">
@@ -21018,6 +21101,13 @@
   <p:clrMapOvr>
     <a:masterClrMapping/>
   </p:clrMapOvr>
+  <p:timing>
+    <p:tnLst>
+      <p:par>
+        <p:cTn id="1" dur="indefinite" restart="never" nodeType="tmRoot"/>
+      </p:par>
+    </p:tnLst>
+  </p:timing>
 </p:sld>
 </file>
 
@@ -22041,6 +22131,13 @@
   <p:clrMapOvr>
     <a:masterClrMapping/>
   </p:clrMapOvr>
+  <p:timing>
+    <p:tnLst>
+      <p:par>
+        <p:cTn id="1" dur="indefinite" restart="never" nodeType="tmRoot"/>
+      </p:par>
+    </p:tnLst>
+  </p:timing>
 </p:sld>
 </file>
 
@@ -22170,7 +22267,7 @@
                         <m:sSubPr>
                           <m:ctrlPr>
                             <a:rPr lang="en-US" sz="3200" i="1">
-                              <a:latin typeface="Cambria Math"/>
+                              <a:latin typeface="Cambria Math" panose="02040503050406030204" pitchFamily="18" charset="0"/>
                             </a:rPr>
                           </m:ctrlPr>
                         </m:sSubPr>
@@ -22195,7 +22292,7 @@
                         <m:sSubPr>
                           <m:ctrlPr>
                             <a:rPr lang="en-US" sz="3200" i="1">
-                              <a:latin typeface="Cambria Math"/>
+                              <a:latin typeface="Cambria Math" panose="02040503050406030204" pitchFamily="18" charset="0"/>
                             </a:rPr>
                           </m:ctrlPr>
                         </m:sSubPr>
@@ -22226,7 +22323,7 @@
                         <m:sSubPr>
                           <m:ctrlPr>
                             <a:rPr lang="en-US" sz="3200" i="1">
-                              <a:latin typeface="Cambria Math"/>
+                              <a:latin typeface="Cambria Math" panose="02040503050406030204" pitchFamily="18" charset="0"/>
                             </a:rPr>
                           </m:ctrlPr>
                         </m:sSubPr>
@@ -22251,7 +22348,7 @@
                         <m:sSubPr>
                           <m:ctrlPr>
                             <a:rPr lang="en-US" sz="3200" i="1">
-                              <a:latin typeface="Cambria Math"/>
+                              <a:latin typeface="Cambria Math" panose="02040503050406030204" pitchFamily="18" charset="0"/>
                             </a:rPr>
                           </m:ctrlPr>
                         </m:sSubPr>
@@ -22446,6 +22543,13 @@
   <p:clrMapOvr>
     <a:masterClrMapping/>
   </p:clrMapOvr>
+  <p:timing>
+    <p:tnLst>
+      <p:par>
+        <p:cTn id="1" dur="indefinite" restart="never" nodeType="tmRoot"/>
+      </p:par>
+    </p:tnLst>
+  </p:timing>
 </p:sld>
 </file>
 
@@ -22553,7 +22657,7 @@
                       <m:fPr>
                         <m:ctrlPr>
                           <a:rPr lang="en-US" sz="2200" i="1">
-                            <a:latin typeface="Cambria Math"/>
+                            <a:latin typeface="Cambria Math" panose="02040503050406030204" pitchFamily="18" charset="0"/>
                           </a:rPr>
                         </m:ctrlPr>
                       </m:fPr>
@@ -22573,7 +22677,7 @@
                           <m:sSubPr>
                             <m:ctrlPr>
                               <a:rPr lang="en-US" sz="2200" i="1">
-                                <a:latin typeface="Cambria Math"/>
+                                <a:latin typeface="Cambria Math" panose="02040503050406030204" pitchFamily="18" charset="0"/>
                               </a:rPr>
                             </m:ctrlPr>
                           </m:sSubPr>
@@ -22612,7 +22716,7 @@
                       <m:fPr>
                         <m:ctrlPr>
                           <a:rPr lang="en-US" sz="2200" b="0" i="1" smtClean="0">
-                            <a:latin typeface="Cambria Math"/>
+                            <a:latin typeface="Cambria Math" panose="02040503050406030204" pitchFamily="18" charset="0"/>
                           </a:rPr>
                         </m:ctrlPr>
                       </m:fPr>
@@ -22627,7 +22731,7 @@
                           <m:sSubPr>
                             <m:ctrlPr>
                               <a:rPr lang="en-US" sz="2200" b="0" i="1" smtClean="0">
-                                <a:latin typeface="Cambria Math"/>
+                                <a:latin typeface="Cambria Math" panose="02040503050406030204" pitchFamily="18" charset="0"/>
                               </a:rPr>
                             </m:ctrlPr>
                           </m:sSubPr>
@@ -22660,7 +22764,7 @@
                           <m:sSupPr>
                             <m:ctrlPr>
                               <a:rPr lang="en-US" sz="2200" b="0" i="1" smtClean="0">
-                                <a:latin typeface="Cambria Math"/>
+                                <a:latin typeface="Cambria Math" panose="02040503050406030204" pitchFamily="18" charset="0"/>
                               </a:rPr>
                             </m:ctrlPr>
                           </m:sSupPr>
@@ -22768,7 +22872,7 @@
                       <m:fPr>
                         <m:ctrlPr>
                           <a:rPr lang="en-US" sz="2200" i="1">
-                            <a:latin typeface="Cambria Math"/>
+                            <a:latin typeface="Cambria Math" panose="02040503050406030204" pitchFamily="18" charset="0"/>
                           </a:rPr>
                         </m:ctrlPr>
                       </m:fPr>
@@ -22788,7 +22892,7 @@
                           <m:sSubPr>
                             <m:ctrlPr>
                               <a:rPr lang="en-US" sz="2200" i="1">
-                                <a:latin typeface="Cambria Math"/>
+                                <a:latin typeface="Cambria Math" panose="02040503050406030204" pitchFamily="18" charset="0"/>
                               </a:rPr>
                             </m:ctrlPr>
                           </m:sSubPr>
@@ -22825,7 +22929,7 @@
                           <m:sSubPr>
                             <m:ctrlPr>
                               <a:rPr lang="en-US" sz="2200" b="0" i="1" smtClean="0">
-                                <a:latin typeface="Cambria Math"/>
+                                <a:latin typeface="Cambria Math" panose="02040503050406030204" pitchFamily="18" charset="0"/>
                               </a:rPr>
                             </m:ctrlPr>
                           </m:sSubPr>
@@ -22858,7 +22962,7 @@
                       <m:fPr>
                         <m:ctrlPr>
                           <a:rPr lang="en-US" sz="2200" b="0" i="1" smtClean="0">
-                            <a:latin typeface="Cambria Math"/>
+                            <a:latin typeface="Cambria Math" panose="02040503050406030204" pitchFamily="18" charset="0"/>
                           </a:rPr>
                         </m:ctrlPr>
                       </m:fPr>
@@ -22873,7 +22977,7 @@
                           <m:sSubPr>
                             <m:ctrlPr>
                               <a:rPr lang="en-US" sz="2200" b="0" i="1" smtClean="0">
-                                <a:latin typeface="Cambria Math"/>
+                                <a:latin typeface="Cambria Math" panose="02040503050406030204" pitchFamily="18" charset="0"/>
                               </a:rPr>
                             </m:ctrlPr>
                           </m:sSubPr>
@@ -22906,7 +23010,7 @@
                           <m:sSupPr>
                             <m:ctrlPr>
                               <a:rPr lang="en-US" sz="2200" b="0" i="1" smtClean="0">
-                                <a:latin typeface="Cambria Math"/>
+                                <a:latin typeface="Cambria Math" panose="02040503050406030204" pitchFamily="18" charset="0"/>
                               </a:rPr>
                             </m:ctrlPr>
                           </m:sSupPr>
@@ -22937,7 +23041,7 @@
                           <m:sSupPr>
                             <m:ctrlPr>
                               <a:rPr lang="en-US" sz="2200" b="0" i="1" smtClean="0">
-                                <a:latin typeface="Cambria Math"/>
+                                <a:latin typeface="Cambria Math" panose="02040503050406030204" pitchFamily="18" charset="0"/>
                               </a:rPr>
                             </m:ctrlPr>
                           </m:sSupPr>
@@ -23047,7 +23151,7 @@
                       <m:sSubPr>
                         <m:ctrlPr>
                           <a:rPr lang="en-US" sz="2200" i="1">
-                            <a:latin typeface="Cambria Math"/>
+                            <a:latin typeface="Cambria Math" panose="02040503050406030204" pitchFamily="18" charset="0"/>
                           </a:rPr>
                         </m:ctrlPr>
                       </m:sSubPr>
@@ -23084,7 +23188,7 @@
                       <m:sSubPr>
                         <m:ctrlPr>
                           <a:rPr lang="en-US" sz="2200" i="1">
-                            <a:latin typeface="Cambria Math"/>
+                            <a:latin typeface="Cambria Math" panose="02040503050406030204" pitchFamily="18" charset="0"/>
                           </a:rPr>
                         </m:ctrlPr>
                       </m:sSubPr>
@@ -23199,7 +23303,7 @@
                         <m:fPr>
                           <m:ctrlPr>
                             <a:rPr lang="en-US" sz="2200" b="0" i="1" smtClean="0">
-                              <a:latin typeface="Cambria Math"/>
+                              <a:latin typeface="Cambria Math" panose="02040503050406030204" pitchFamily="18" charset="0"/>
                             </a:rPr>
                           </m:ctrlPr>
                         </m:fPr>
@@ -23208,7 +23312,7 @@
                             <m:dPr>
                               <m:ctrlPr>
                                 <a:rPr lang="en-US" sz="2200" b="0" i="1" smtClean="0">
-                                  <a:latin typeface="Cambria Math"/>
+                                  <a:latin typeface="Cambria Math" panose="02040503050406030204" pitchFamily="18" charset="0"/>
                                 </a:rPr>
                               </m:ctrlPr>
                             </m:dPr>
@@ -23229,7 +23333,7 @@
                                 <m:sSupPr>
                                   <m:ctrlPr>
                                     <a:rPr lang="en-US" sz="2200" b="0" i="1" smtClean="0">
-                                      <a:latin typeface="Cambria Math"/>
+                                      <a:latin typeface="Cambria Math" panose="02040503050406030204" pitchFamily="18" charset="0"/>
                                     </a:rPr>
                                   </m:ctrlPr>
                                 </m:sSupPr>
@@ -23256,7 +23360,7 @@
                             <m:dPr>
                               <m:ctrlPr>
                                 <a:rPr lang="en-US" sz="2200" b="0" i="1" smtClean="0">
-                                  <a:latin typeface="Cambria Math"/>
+                                  <a:latin typeface="Cambria Math" panose="02040503050406030204" pitchFamily="18" charset="0"/>
                                 </a:rPr>
                               </m:ctrlPr>
                             </m:dPr>
@@ -23279,7 +23383,7 @@
                             <m:dPr>
                               <m:ctrlPr>
                                 <a:rPr lang="en-US" sz="2200" b="0" i="1" smtClean="0">
-                                  <a:latin typeface="Cambria Math"/>
+                                  <a:latin typeface="Cambria Math" panose="02040503050406030204" pitchFamily="18" charset="0"/>
                                 </a:rPr>
                               </m:ctrlPr>
                             </m:dPr>
@@ -23296,7 +23400,7 @@
                             <m:dPr>
                               <m:ctrlPr>
                                 <a:rPr lang="en-US" sz="2200" b="0" i="1" smtClean="0">
-                                  <a:latin typeface="Cambria Math"/>
+                                  <a:latin typeface="Cambria Math" panose="02040503050406030204" pitchFamily="18" charset="0"/>
                                 </a:rPr>
                               </m:ctrlPr>
                             </m:dPr>
@@ -23305,7 +23409,7 @@
                                 <m:fPr>
                                   <m:ctrlPr>
                                     <a:rPr lang="en-US" sz="2200" b="0" i="1" smtClean="0">
-                                      <a:latin typeface="Cambria Math"/>
+                                      <a:latin typeface="Cambria Math" panose="02040503050406030204" pitchFamily="18" charset="0"/>
                                     </a:rPr>
                                   </m:ctrlPr>
                                 </m:fPr>
@@ -23358,7 +23462,7 @@
                             <m:dPr>
                               <m:ctrlPr>
                                 <a:rPr lang="en-US" sz="2200" i="1">
-                                  <a:latin typeface="Cambria Math"/>
+                                  <a:latin typeface="Cambria Math" panose="02040503050406030204" pitchFamily="18" charset="0"/>
                                 </a:rPr>
                               </m:ctrlPr>
                             </m:dPr>
@@ -23373,7 +23477,7 @@
                                 <m:fPr>
                                   <m:ctrlPr>
                                     <a:rPr lang="en-US" sz="2200" i="1">
-                                      <a:latin typeface="Cambria Math"/>
+                                      <a:latin typeface="Cambria Math" panose="02040503050406030204" pitchFamily="18" charset="0"/>
                                     </a:rPr>
                                   </m:ctrlPr>
                                 </m:fPr>
@@ -23388,7 +23492,7 @@
                                     <m:sSupPr>
                                       <m:ctrlPr>
                                         <a:rPr lang="en-US" sz="2200" i="1">
-                                          <a:latin typeface="Cambria Math"/>
+                                          <a:latin typeface="Cambria Math" panose="02040503050406030204" pitchFamily="18" charset="0"/>
                                         </a:rPr>
                                       </m:ctrlPr>
                                     </m:sSupPr>
@@ -23421,7 +23525,7 @@
                                     <m:sSupPr>
                                       <m:ctrlPr>
                                         <a:rPr lang="en-US" sz="2200" i="1">
-                                          <a:latin typeface="Cambria Math"/>
+                                          <a:latin typeface="Cambria Math" panose="02040503050406030204" pitchFamily="18" charset="0"/>
                                         </a:rPr>
                                       </m:ctrlPr>
                                     </m:sSupPr>
@@ -23499,7 +23603,7 @@
                       <m:fPr>
                         <m:ctrlPr>
                           <a:rPr lang="en-US" sz="2200" b="1" i="1" smtClean="0">
-                            <a:latin typeface="Cambria Math"/>
+                            <a:latin typeface="Cambria Math" panose="02040503050406030204" pitchFamily="18" charset="0"/>
                           </a:rPr>
                         </m:ctrlPr>
                       </m:fPr>
@@ -23508,7 +23612,7 @@
                           <m:sSupPr>
                             <m:ctrlPr>
                               <a:rPr lang="en-US" sz="2200" b="1" i="1" smtClean="0">
-                                <a:latin typeface="Cambria Math"/>
+                                <a:latin typeface="Cambria Math" panose="02040503050406030204" pitchFamily="18" charset="0"/>
                               </a:rPr>
                             </m:ctrlPr>
                           </m:sSupPr>
@@ -23714,6 +23818,13 @@
   <p:clrMapOvr>
     <a:masterClrMapping/>
   </p:clrMapOvr>
+  <p:timing>
+    <p:tnLst>
+      <p:par>
+        <p:cTn id="1" dur="indefinite" restart="never" nodeType="tmRoot"/>
+      </p:par>
+    </p:tnLst>
+  </p:timing>
 </p:sld>
 </file>
 
@@ -24000,6 +24111,13 @@
   <p:clrMapOvr>
     <a:masterClrMapping/>
   </p:clrMapOvr>
+  <p:timing>
+    <p:tnLst>
+      <p:par>
+        <p:cTn id="1" dur="indefinite" restart="never" nodeType="tmRoot"/>
+      </p:par>
+    </p:tnLst>
+  </p:timing>
 </p:sld>
 </file>
 
@@ -24164,7 +24282,15 @@
             </a:pPr>
             <a:r>
               <a:rPr lang="en-US" sz="2800" dirty="0" smtClean="0"/>
-              <a:t>Specifications limited by: </a:t>
+              <a:t>Specifications </a:t>
+            </a:r>
+            <a:r>
+              <a:rPr lang="en-US" sz="2800" dirty="0" smtClean="0"/>
+              <a:t>determined by</a:t>
+            </a:r>
+            <a:r>
+              <a:rPr lang="en-US" sz="2800" dirty="0" smtClean="0"/>
+              <a:t>: </a:t>
             </a:r>
           </a:p>
           <a:p>
@@ -24202,6 +24328,13 @@
   <p:clrMapOvr>
     <a:masterClrMapping/>
   </p:clrMapOvr>
+  <p:timing>
+    <p:tnLst>
+      <p:par>
+        <p:cTn id="1" dur="indefinite" restart="never" nodeType="tmRoot"/>
+      </p:par>
+    </p:tnLst>
+  </p:timing>
 </p:sld>
 </file>
 
@@ -24449,6 +24582,13 @@
   <p:clrMapOvr>
     <a:masterClrMapping/>
   </p:clrMapOvr>
+  <p:timing>
+    <p:tnLst>
+      <p:par>
+        <p:cTn id="1" dur="indefinite" restart="never" nodeType="tmRoot"/>
+      </p:par>
+    </p:tnLst>
+  </p:timing>
 </p:sld>
 </file>
 
@@ -24638,7 +24778,7 @@
           <a:p>
             <a:r>
               <a:rPr lang="en-US" dirty="0" smtClean="0"/>
-              <a:t>Chosen Specifications</a:t>
+              <a:t>Selected Specifications</a:t>
             </a:r>
             <a:endParaRPr lang="en-US" dirty="0"/>
           </a:p>
@@ -24744,6 +24884,13 @@
   <p:clrMapOvr>
     <a:masterClrMapping/>
   </p:clrMapOvr>
+  <p:timing>
+    <p:tnLst>
+      <p:par>
+        <p:cTn id="1" dur="indefinite" restart="never" nodeType="tmRoot"/>
+      </p:par>
+    </p:tnLst>
+  </p:timing>
 </p:sld>
 </file>
 
@@ -24887,6 +25034,13 @@
   <p:clrMapOvr>
     <a:masterClrMapping/>
   </p:clrMapOvr>
+  <p:timing>
+    <p:tnLst>
+      <p:par>
+        <p:cTn id="1" dur="indefinite" restart="never" nodeType="tmRoot"/>
+      </p:par>
+    </p:tnLst>
+  </p:timing>
 </p:sld>
 </file>
 
@@ -24998,6 +25152,13 @@
   <p:clrMapOvr>
     <a:masterClrMapping/>
   </p:clrMapOvr>
+  <p:timing>
+    <p:tnLst>
+      <p:par>
+        <p:cTn id="1" dur="indefinite" restart="never" nodeType="tmRoot"/>
+      </p:par>
+    </p:tnLst>
+  </p:timing>
 </p:sld>
 </file>
 
@@ -25144,6 +25305,13 @@
   <p:clrMapOvr>
     <a:masterClrMapping/>
   </p:clrMapOvr>
+  <p:timing>
+    <p:tnLst>
+      <p:par>
+        <p:cTn id="1" dur="indefinite" restart="never" nodeType="tmRoot"/>
+      </p:par>
+    </p:tnLst>
+  </p:timing>
 </p:sld>
 </file>
 
@@ -25221,39 +25389,102 @@
           </a:p>
         </p:txBody>
       </p:sp>
-      <p:pic>
-        <p:nvPicPr>
-          <p:cNvPr id="4" name="Picture 3" descr="D:\MyDocs\Documents\GitHub\AgileRoboticControls\System Modelling\Control\Control - General.png"/>
-          <p:cNvPicPr/>
+      <p:grpSp>
+        <p:nvGrpSpPr>
+          <p:cNvPr id="6" name="Group 5"/>
+          <p:cNvGrpSpPr/>
           <p:nvPr/>
-        </p:nvPicPr>
-        <p:blipFill>
-          <a:blip r:embed="rId2">
-            <a:extLst>
-              <a:ext uri="{28A0092B-C50C-407E-A947-70E740481C1C}">
-                <a14:useLocalDpi xmlns:a14="http://schemas.microsoft.com/office/drawing/2010/main" val="0"/>
-              </a:ext>
-            </a:extLst>
-          </a:blip>
-          <a:srcRect/>
-          <a:stretch>
-            <a:fillRect/>
-          </a:stretch>
-        </p:blipFill>
-        <p:spPr bwMode="auto">
+        </p:nvGrpSpPr>
+        <p:grpSpPr>
           <a:xfrm>
-            <a:off x="2319643" y="4397387"/>
-            <a:ext cx="6756946" cy="1856764"/>
+            <a:off x="2215662" y="4290646"/>
+            <a:ext cx="6972300" cy="2215662"/>
+            <a:chOff x="2215662" y="4290646"/>
+            <a:chExt cx="6972300" cy="2215662"/>
           </a:xfrm>
-          <a:prstGeom prst="rect">
-            <a:avLst/>
-          </a:prstGeom>
-          <a:noFill/>
-          <a:ln>
+        </p:grpSpPr>
+        <p:sp>
+          <p:nvSpPr>
+            <p:cNvPr id="5" name="Rectangle 4"/>
+            <p:cNvSpPr/>
+            <p:nvPr/>
+          </p:nvSpPr>
+          <p:spPr>
+            <a:xfrm>
+              <a:off x="2215662" y="4290646"/>
+              <a:ext cx="6972300" cy="2215662"/>
+            </a:xfrm>
+            <a:prstGeom prst="rect">
+              <a:avLst/>
+            </a:prstGeom>
+            <a:solidFill>
+              <a:schemeClr val="tx1"/>
+            </a:solidFill>
+            <a:ln>
+              <a:solidFill>
+                <a:schemeClr val="tx1"/>
+              </a:solidFill>
+            </a:ln>
+          </p:spPr>
+          <p:style>
+            <a:lnRef idx="2">
+              <a:schemeClr val="accent1">
+                <a:shade val="50000"/>
+              </a:schemeClr>
+            </a:lnRef>
+            <a:fillRef idx="1">
+              <a:schemeClr val="accent1"/>
+            </a:fillRef>
+            <a:effectRef idx="0">
+              <a:schemeClr val="accent1"/>
+            </a:effectRef>
+            <a:fontRef idx="minor">
+              <a:schemeClr val="lt1"/>
+            </a:fontRef>
+          </p:style>
+          <p:txBody>
+            <a:bodyPr rtlCol="0" anchor="ctr"/>
+            <a:lstStyle/>
+            <a:p>
+              <a:pPr algn="ctr"/>
+              <a:endParaRPr lang="en-US"/>
+            </a:p>
+          </p:txBody>
+        </p:sp>
+        <p:pic>
+          <p:nvPicPr>
+            <p:cNvPr id="4" name="Picture 3" descr="D:\MyDocs\Documents\GitHub\AgileRoboticControls\System Modelling\Control\Control - General.png"/>
+            <p:cNvPicPr/>
+            <p:nvPr/>
+          </p:nvPicPr>
+          <p:blipFill>
+            <a:blip r:embed="rId2">
+              <a:extLst>
+                <a:ext uri="{28A0092B-C50C-407E-A947-70E740481C1C}">
+                  <a14:useLocalDpi xmlns:a14="http://schemas.microsoft.com/office/drawing/2010/main" val="0"/>
+                </a:ext>
+              </a:extLst>
+            </a:blip>
+            <a:srcRect/>
+            <a:stretch>
+              <a:fillRect/>
+            </a:stretch>
+          </p:blipFill>
+          <p:spPr bwMode="auto">
+            <a:xfrm>
+              <a:off x="2319643" y="4397387"/>
+              <a:ext cx="6756946" cy="1856764"/>
+            </a:xfrm>
+            <a:prstGeom prst="rect">
+              <a:avLst/>
+            </a:prstGeom>
             <a:noFill/>
-          </a:ln>
-        </p:spPr>
-      </p:pic>
+            <a:ln>
+              <a:noFill/>
+            </a:ln>
+          </p:spPr>
+        </p:pic>
+      </p:grpSp>
     </p:spTree>
     <p:extLst>
       <p:ext uri="{BB962C8B-B14F-4D97-AF65-F5344CB8AC3E}">
@@ -25264,6 +25495,13 @@
   <p:clrMapOvr>
     <a:masterClrMapping/>
   </p:clrMapOvr>
+  <p:timing>
+    <p:tnLst>
+      <p:par>
+        <p:cTn id="1" dur="indefinite" restart="never" nodeType="tmRoot"/>
+      </p:par>
+    </p:tnLst>
+  </p:timing>
 </p:sld>
 </file>
 
@@ -25307,36 +25545,99 @@
           </a:p>
         </p:txBody>
       </p:sp>
-      <p:pic>
-        <p:nvPicPr>
-          <p:cNvPr id="6" name="Picture 5"/>
-          <p:cNvPicPr>
-            <a:picLocks noChangeAspect="1"/>
-          </p:cNvPicPr>
+      <p:grpSp>
+        <p:nvGrpSpPr>
+          <p:cNvPr id="4" name="Group 3"/>
+          <p:cNvGrpSpPr/>
           <p:nvPr/>
-        </p:nvPicPr>
-        <p:blipFill>
-          <a:blip r:embed="rId2">
-            <a:extLst>
-              <a:ext uri="{28A0092B-C50C-407E-A947-70E740481C1C}">
-                <a14:useLocalDpi xmlns:a14="http://schemas.microsoft.com/office/drawing/2010/main" val="0"/>
-              </a:ext>
-            </a:extLst>
-          </a:blip>
-          <a:stretch>
-            <a:fillRect/>
-          </a:stretch>
-        </p:blipFill>
-        <p:spPr>
+        </p:nvGrpSpPr>
+        <p:grpSpPr>
           <a:xfrm>
-            <a:off x="318463" y="2948917"/>
-            <a:ext cx="11601656" cy="2563363"/>
+            <a:off x="158262" y="2839915"/>
+            <a:ext cx="11904784" cy="2831123"/>
+            <a:chOff x="158262" y="2839915"/>
+            <a:chExt cx="11904784" cy="2831123"/>
           </a:xfrm>
-          <a:prstGeom prst="rect">
-            <a:avLst/>
-          </a:prstGeom>
-        </p:spPr>
-      </p:pic>
+        </p:grpSpPr>
+        <p:sp>
+          <p:nvSpPr>
+            <p:cNvPr id="3" name="Rectangle 2"/>
+            <p:cNvSpPr/>
+            <p:nvPr/>
+          </p:nvSpPr>
+          <p:spPr>
+            <a:xfrm>
+              <a:off x="158262" y="2839915"/>
+              <a:ext cx="11904784" cy="2831123"/>
+            </a:xfrm>
+            <a:prstGeom prst="rect">
+              <a:avLst/>
+            </a:prstGeom>
+            <a:solidFill>
+              <a:schemeClr val="tx1"/>
+            </a:solidFill>
+            <a:ln>
+              <a:solidFill>
+                <a:schemeClr val="tx1"/>
+              </a:solidFill>
+            </a:ln>
+          </p:spPr>
+          <p:style>
+            <a:lnRef idx="2">
+              <a:schemeClr val="accent1">
+                <a:shade val="50000"/>
+              </a:schemeClr>
+            </a:lnRef>
+            <a:fillRef idx="1">
+              <a:schemeClr val="accent1"/>
+            </a:fillRef>
+            <a:effectRef idx="0">
+              <a:schemeClr val="accent1"/>
+            </a:effectRef>
+            <a:fontRef idx="minor">
+              <a:schemeClr val="lt1"/>
+            </a:fontRef>
+          </p:style>
+          <p:txBody>
+            <a:bodyPr rtlCol="0" anchor="ctr"/>
+            <a:lstStyle/>
+            <a:p>
+              <a:pPr algn="ctr"/>
+              <a:endParaRPr lang="en-US"/>
+            </a:p>
+          </p:txBody>
+        </p:sp>
+        <p:pic>
+          <p:nvPicPr>
+            <p:cNvPr id="6" name="Picture 5"/>
+            <p:cNvPicPr>
+              <a:picLocks noChangeAspect="1"/>
+            </p:cNvPicPr>
+            <p:nvPr/>
+          </p:nvPicPr>
+          <p:blipFill>
+            <a:blip r:embed="rId2">
+              <a:extLst>
+                <a:ext uri="{28A0092B-C50C-407E-A947-70E740481C1C}">
+                  <a14:useLocalDpi xmlns:a14="http://schemas.microsoft.com/office/drawing/2010/main" val="0"/>
+                </a:ext>
+              </a:extLst>
+            </a:blip>
+            <a:stretch>
+              <a:fillRect/>
+            </a:stretch>
+          </p:blipFill>
+          <p:spPr>
+            <a:xfrm>
+              <a:off x="318463" y="2948917"/>
+              <a:ext cx="11601656" cy="2563363"/>
+            </a:xfrm>
+            <a:prstGeom prst="rect">
+              <a:avLst/>
+            </a:prstGeom>
+          </p:spPr>
+        </p:pic>
+      </p:grpSp>
     </p:spTree>
     <p:extLst>
       <p:ext uri="{BB962C8B-B14F-4D97-AF65-F5344CB8AC3E}">
@@ -25347,6 +25648,13 @@
   <p:clrMapOvr>
     <a:masterClrMapping/>
   </p:clrMapOvr>
+  <p:timing>
+    <p:tnLst>
+      <p:par>
+        <p:cTn id="1" dur="indefinite" restart="never" nodeType="tmRoot"/>
+      </p:par>
+    </p:tnLst>
+  </p:timing>
 </p:sld>
 </file>
 
@@ -25571,6 +25879,13 @@
   <p:clrMapOvr>
     <a:masterClrMapping/>
   </p:clrMapOvr>
+  <p:timing>
+    <p:tnLst>
+      <p:par>
+        <p:cTn id="1" dur="indefinite" restart="never" nodeType="tmRoot"/>
+      </p:par>
+    </p:tnLst>
+  </p:timing>
 </p:sld>
 </file>
 
@@ -25673,6 +25988,13 @@
   <p:clrMapOvr>
     <a:masterClrMapping/>
   </p:clrMapOvr>
+  <p:timing>
+    <p:tnLst>
+      <p:par>
+        <p:cTn id="1" dur="indefinite" restart="never" nodeType="tmRoot"/>
+      </p:par>
+    </p:tnLst>
+  </p:timing>
 </p:sld>
 </file>
 
@@ -25827,6 +26149,13 @@
   <p:clrMapOvr>
     <a:masterClrMapping/>
   </p:clrMapOvr>
+  <p:timing>
+    <p:tnLst>
+      <p:par>
+        <p:cTn id="1" dur="indefinite" restart="never" nodeType="tmRoot"/>
+      </p:par>
+    </p:tnLst>
+  </p:timing>
 </p:sld>
 </file>
 
@@ -25870,29 +26199,36 @@
           </a:p>
         </p:txBody>
       </p:sp>
-      <p:sp>
-        <p:nvSpPr>
-          <p:cNvPr id="3" name="Content Placeholder 2"/>
-          <p:cNvSpPr>
-            <a:spLocks noGrp="1"/>
-          </p:cNvSpPr>
-          <p:nvPr>
-            <p:ph idx="1"/>
-          </p:nvPr>
-        </p:nvSpPr>
-        <p:spPr/>
-        <p:txBody>
-          <a:bodyPr/>
-          <a:lstStyle/>
-          <a:p>
-            <a:r>
-              <a:rPr lang="en-US" dirty="0" smtClean="0"/>
-              <a:t>&lt;Diagram to be added here&gt;</a:t>
-            </a:r>
-            <a:endParaRPr lang="en-US" dirty="0"/>
-          </a:p>
-        </p:txBody>
-      </p:sp>
+      <p:pic>
+        <p:nvPicPr>
+          <p:cNvPr id="4" name="Picture 3"/>
+          <p:cNvPicPr>
+            <a:picLocks noChangeAspect="1"/>
+          </p:cNvPicPr>
+          <p:nvPr/>
+        </p:nvPicPr>
+        <p:blipFill>
+          <a:blip r:embed="rId2">
+            <a:extLst>
+              <a:ext uri="{28A0092B-C50C-407E-A947-70E740481C1C}">
+                <a14:useLocalDpi xmlns:a14="http://schemas.microsoft.com/office/drawing/2010/main" val="0"/>
+              </a:ext>
+            </a:extLst>
+          </a:blip>
+          <a:stretch>
+            <a:fillRect/>
+          </a:stretch>
+        </p:blipFill>
+        <p:spPr>
+          <a:xfrm>
+            <a:off x="1951891" y="1773160"/>
+            <a:ext cx="7210764" cy="4859280"/>
+          </a:xfrm>
+          <a:prstGeom prst="rect">
+            <a:avLst/>
+          </a:prstGeom>
+        </p:spPr>
+      </p:pic>
     </p:spTree>
     <p:extLst>
       <p:ext uri="{BB962C8B-B14F-4D97-AF65-F5344CB8AC3E}">
@@ -25903,6 +26239,13 @@
   <p:clrMapOvr>
     <a:masterClrMapping/>
   </p:clrMapOvr>
+  <p:timing>
+    <p:tnLst>
+      <p:par>
+        <p:cTn id="1" dur="indefinite" restart="never" nodeType="tmRoot"/>
+      </p:par>
+    </p:tnLst>
+  </p:timing>
 </p:sld>
 </file>
 
@@ -26156,6 +26499,13 @@
   <p:clrMapOvr>
     <a:masterClrMapping/>
   </p:clrMapOvr>
+  <p:timing>
+    <p:tnLst>
+      <p:par>
+        <p:cTn id="1" dur="indefinite" restart="never" nodeType="tmRoot"/>
+      </p:par>
+    </p:tnLst>
+  </p:timing>
 </p:sld>
 </file>
 
@@ -26192,8 +26542,8 @@
           <a:lstStyle/>
           <a:p>
             <a:r>
-              <a:rPr lang="en-US" smtClean="0"/>
-              <a:t>Questions?</a:t>
+              <a:rPr lang="en-US" dirty="0" smtClean="0"/>
+              <a:t>What’s Next?</a:t>
             </a:r>
             <a:endParaRPr lang="en-US" dirty="0"/>
           </a:p>
@@ -26214,6 +26564,112 @@
           <a:bodyPr/>
           <a:lstStyle/>
           <a:p>
+            <a:r>
+              <a:rPr lang="en-US" dirty="0" smtClean="0"/>
+              <a:t>Finalize component specifications</a:t>
+            </a:r>
+          </a:p>
+          <a:p>
+            <a:r>
+              <a:rPr lang="en-US" dirty="0" smtClean="0"/>
+              <a:t>Order subsystem components</a:t>
+            </a:r>
+          </a:p>
+          <a:p>
+            <a:r>
+              <a:rPr lang="en-US" dirty="0" smtClean="0"/>
+              <a:t>Control system development</a:t>
+            </a:r>
+          </a:p>
+          <a:p>
+            <a:r>
+              <a:rPr lang="en-US" dirty="0" smtClean="0"/>
+              <a:t>Build prototype leg and test control</a:t>
+            </a:r>
+          </a:p>
+          <a:p>
+            <a:r>
+              <a:rPr lang="en-US" dirty="0" smtClean="0"/>
+              <a:t>Assemble chassis and electrical systems</a:t>
+            </a:r>
+          </a:p>
+          <a:p>
+            <a:r>
+              <a:rPr lang="en-US" dirty="0" smtClean="0"/>
+              <a:t>Gait implementation</a:t>
+            </a:r>
+            <a:endParaRPr lang="en-US" dirty="0"/>
+          </a:p>
+        </p:txBody>
+      </p:sp>
+    </p:spTree>
+    <p:extLst>
+      <p:ext uri="{BB962C8B-B14F-4D97-AF65-F5344CB8AC3E}">
+        <p14:creationId xmlns:p14="http://schemas.microsoft.com/office/powerpoint/2010/main" val="150057578"/>
+      </p:ext>
+    </p:extLst>
+  </p:cSld>
+  <p:clrMapOvr>
+    <a:masterClrMapping/>
+  </p:clrMapOvr>
+</p:sld>
+</file>
+
+<file path=ppt/slides/slide42.xml><?xml version="1.0" encoding="utf-8"?>
+<p:sld xmlns:a="http://schemas.openxmlformats.org/drawingml/2006/main" xmlns:r="http://schemas.openxmlformats.org/officeDocument/2006/relationships" xmlns:p="http://schemas.openxmlformats.org/presentationml/2006/main">
+  <p:cSld>
+    <p:spTree>
+      <p:nvGrpSpPr>
+        <p:cNvPr id="1" name=""/>
+        <p:cNvGrpSpPr/>
+        <p:nvPr/>
+      </p:nvGrpSpPr>
+      <p:grpSpPr>
+        <a:xfrm>
+          <a:off x="0" y="0"/>
+          <a:ext cx="0" cy="0"/>
+          <a:chOff x="0" y="0"/>
+          <a:chExt cx="0" cy="0"/>
+        </a:xfrm>
+      </p:grpSpPr>
+      <p:sp>
+        <p:nvSpPr>
+          <p:cNvPr id="2" name="Title 1"/>
+          <p:cNvSpPr>
+            <a:spLocks noGrp="1"/>
+          </p:cNvSpPr>
+          <p:nvPr>
+            <p:ph type="title"/>
+          </p:nvPr>
+        </p:nvSpPr>
+        <p:spPr/>
+        <p:txBody>
+          <a:bodyPr/>
+          <a:lstStyle/>
+          <a:p>
+            <a:r>
+              <a:rPr lang="en-US" smtClean="0"/>
+              <a:t>Questions?</a:t>
+            </a:r>
+            <a:endParaRPr lang="en-US" dirty="0"/>
+          </a:p>
+        </p:txBody>
+      </p:sp>
+      <p:sp>
+        <p:nvSpPr>
+          <p:cNvPr id="3" name="Content Placeholder 2"/>
+          <p:cNvSpPr>
+            <a:spLocks noGrp="1"/>
+          </p:cNvSpPr>
+          <p:nvPr>
+            <p:ph idx="1"/>
+          </p:nvPr>
+        </p:nvSpPr>
+        <p:spPr/>
+        <p:txBody>
+          <a:bodyPr/>
+          <a:lstStyle/>
+          <a:p>
             <a:endParaRPr lang="en-US"/>
           </a:p>
         </p:txBody>
@@ -26228,6 +26684,13 @@
   <p:clrMapOvr>
     <a:masterClrMapping/>
   </p:clrMapOvr>
+  <p:timing>
+    <p:tnLst>
+      <p:par>
+        <p:cTn id="1" dur="indefinite" restart="never" nodeType="tmRoot"/>
+      </p:par>
+    </p:tnLst>
+  </p:timing>
 </p:sld>
 </file>
 
@@ -26328,6 +26791,13 @@
   <p:clrMapOvr>
     <a:masterClrMapping/>
   </p:clrMapOvr>
+  <p:timing>
+    <p:tnLst>
+      <p:par>
+        <p:cTn id="1" dur="indefinite" restart="never" nodeType="tmRoot"/>
+      </p:par>
+    </p:tnLst>
+  </p:timing>
 </p:sld>
 </file>
 
@@ -28389,12 +28859,13 @@
             </a:r>
             <a:r>
               <a:rPr lang="en-US" dirty="0"/>
-              <a:t>selected due to its </a:t>
+              <a:t>selected due to </a:t>
             </a:r>
             <a:r>
               <a:rPr lang="en-US" dirty="0" smtClean="0"/>
-              <a:t>familiarity</a:t>
-            </a:r>
+              <a:t>our familiarity with it</a:t>
+            </a:r>
+            <a:endParaRPr lang="en-US" dirty="0" smtClean="0"/>
           </a:p>
           <a:p>
             <a:pPr lvl="1"/>
@@ -28972,7 +29443,7 @@
   <a:extraClrSchemeLst/>
   <a:extLst>
     <a:ext uri="{05A4C25C-085E-4340-85A3-A5531E510DB2}">
-      <thm15:themeFamily xmlns="" xmlns:thm15="http://schemas.microsoft.com/office/thememl/2012/main" name="Circuit" id="{0AC2F7E7-15F5-431C-B2A2-456FE929F56C}" vid="{14971C58-AB76-4A2A-B231-5F8CA03CF491}"/>
+      <thm15:themeFamily xmlns:thm15="http://schemas.microsoft.com/office/thememl/2012/main" name="Circuit" id="{0AC2F7E7-15F5-431C-B2A2-456FE929F56C}" vid="{14971C58-AB76-4A2A-B231-5F8CA03CF491}"/>
     </a:ext>
   </a:extLst>
 </a:theme>

--- a/Documentation/Presentation/Design Presentation/Design Presentation.pptx
+++ b/Documentation/Presentation/Design Presentation/Design Presentation.pptx
@@ -24,29 +24,33 @@
     <p:sldId id="282" r:id="rId18"/>
     <p:sldId id="294" r:id="rId19"/>
     <p:sldId id="295" r:id="rId20"/>
-    <p:sldId id="296" r:id="rId21"/>
-    <p:sldId id="297" r:id="rId22"/>
-    <p:sldId id="298" r:id="rId23"/>
-    <p:sldId id="260" r:id="rId24"/>
-    <p:sldId id="263" r:id="rId25"/>
-    <p:sldId id="264" r:id="rId26"/>
-    <p:sldId id="265" r:id="rId27"/>
-    <p:sldId id="266" r:id="rId28"/>
-    <p:sldId id="267" r:id="rId29"/>
-    <p:sldId id="268" r:id="rId30"/>
-    <p:sldId id="269" r:id="rId31"/>
-    <p:sldId id="270" r:id="rId32"/>
-    <p:sldId id="261" r:id="rId33"/>
-    <p:sldId id="287" r:id="rId34"/>
-    <p:sldId id="286" r:id="rId35"/>
-    <p:sldId id="285" r:id="rId36"/>
-    <p:sldId id="284" r:id="rId37"/>
-    <p:sldId id="283" r:id="rId38"/>
-    <p:sldId id="289" r:id="rId39"/>
-    <p:sldId id="288" r:id="rId40"/>
-    <p:sldId id="290" r:id="rId41"/>
-    <p:sldId id="299" r:id="rId42"/>
-    <p:sldId id="262" r:id="rId43"/>
+    <p:sldId id="300" r:id="rId21"/>
+    <p:sldId id="296" r:id="rId22"/>
+    <p:sldId id="301" r:id="rId23"/>
+    <p:sldId id="302" r:id="rId24"/>
+    <p:sldId id="298" r:id="rId25"/>
+    <p:sldId id="303" r:id="rId26"/>
+    <p:sldId id="304" r:id="rId27"/>
+    <p:sldId id="260" r:id="rId28"/>
+    <p:sldId id="263" r:id="rId29"/>
+    <p:sldId id="264" r:id="rId30"/>
+    <p:sldId id="265" r:id="rId31"/>
+    <p:sldId id="266" r:id="rId32"/>
+    <p:sldId id="267" r:id="rId33"/>
+    <p:sldId id="268" r:id="rId34"/>
+    <p:sldId id="269" r:id="rId35"/>
+    <p:sldId id="270" r:id="rId36"/>
+    <p:sldId id="261" r:id="rId37"/>
+    <p:sldId id="287" r:id="rId38"/>
+    <p:sldId id="286" r:id="rId39"/>
+    <p:sldId id="285" r:id="rId40"/>
+    <p:sldId id="284" r:id="rId41"/>
+    <p:sldId id="283" r:id="rId42"/>
+    <p:sldId id="289" r:id="rId43"/>
+    <p:sldId id="288" r:id="rId44"/>
+    <p:sldId id="290" r:id="rId45"/>
+    <p:sldId id="299" r:id="rId46"/>
+    <p:sldId id="262" r:id="rId47"/>
   </p:sldIdLst>
   <p:sldSz cx="12192000" cy="6858000"/>
   <p:notesSz cx="6858000" cy="9144000"/>
@@ -147,7 +151,7 @@
   </p:defaultTextStyle>
   <p:extLst>
     <p:ext uri="{EFAFB233-063F-42B5-8137-9DF3F51BA10A}">
-      <p15:sldGuideLst xmlns:p15="http://schemas.microsoft.com/office/powerpoint/2012/main">
+      <p15:sldGuideLst xmlns:p15="http://schemas.microsoft.com/office/powerpoint/2012/main" xmlns="">
         <p15:guide id="1" orient="horz" pos="2160">
           <p15:clr>
             <a:srgbClr val="A4A3A4"/>
@@ -12712,7 +12716,7 @@
                         <m:fPr>
                           <m:ctrlPr>
                             <a:rPr lang="en-US" i="1" smtClean="0">
-                              <a:latin typeface="Cambria Math" panose="02040503050406030204" pitchFamily="18" charset="0"/>
+                              <a:latin typeface="Cambria Math"/>
                             </a:rPr>
                           </m:ctrlPr>
                         </m:fPr>
@@ -12739,7 +12743,7 @@
                             <m:sSubPr>
                               <m:ctrlPr>
                                 <a:rPr lang="en-US" i="1">
-                                  <a:latin typeface="Cambria Math" panose="02040503050406030204" pitchFamily="18" charset="0"/>
+                                  <a:latin typeface="Cambria Math"/>
                                 </a:rPr>
                               </m:ctrlPr>
                             </m:sSubPr>
@@ -12776,7 +12780,7 @@
                             <m:sSubPr>
                               <m:ctrlPr>
                                 <a:rPr lang="en-US" i="1">
-                                  <a:latin typeface="Cambria Math" panose="02040503050406030204" pitchFamily="18" charset="0"/>
+                                  <a:latin typeface="Cambria Math"/>
                                 </a:rPr>
                               </m:ctrlPr>
                             </m:sSubPr>
@@ -12813,7 +12817,7 @@
                             <m:sSubPr>
                               <m:ctrlPr>
                                 <a:rPr lang="en-US" i="1">
-                                  <a:latin typeface="Cambria Math" panose="02040503050406030204" pitchFamily="18" charset="0"/>
+                                  <a:latin typeface="Cambria Math"/>
                                 </a:rPr>
                               </m:ctrlPr>
                             </m:sSubPr>
@@ -12876,7 +12880,7 @@
                       <m:fPr>
                         <m:ctrlPr>
                           <a:rPr lang="en-US" i="1">
-                            <a:latin typeface="Cambria Math" panose="02040503050406030204" pitchFamily="18" charset="0"/>
+                            <a:latin typeface="Cambria Math"/>
                           </a:rPr>
                         </m:ctrlPr>
                       </m:fPr>
@@ -12905,7 +12909,7 @@
                           <m:sSubPr>
                             <m:ctrlPr>
                               <a:rPr lang="en-US" i="1">
-                                <a:latin typeface="Cambria Math" panose="02040503050406030204" pitchFamily="18" charset="0"/>
+                                <a:latin typeface="Cambria Math"/>
                               </a:rPr>
                             </m:ctrlPr>
                           </m:sSubPr>
@@ -12932,7 +12936,7 @@
                       <m:fPr>
                         <m:ctrlPr>
                           <a:rPr lang="en-US" i="1">
-                            <a:latin typeface="Cambria Math" panose="02040503050406030204" pitchFamily="18" charset="0"/>
+                            <a:latin typeface="Cambria Math"/>
                           </a:rPr>
                         </m:ctrlPr>
                       </m:fPr>
@@ -12947,7 +12951,7 @@
                           <m:sSubPr>
                             <m:ctrlPr>
                               <a:rPr lang="en-US" i="1">
-                                <a:latin typeface="Cambria Math" panose="02040503050406030204" pitchFamily="18" charset="0"/>
+                                <a:latin typeface="Cambria Math"/>
                               </a:rPr>
                             </m:ctrlPr>
                           </m:sSubPr>
@@ -12994,7 +12998,7 @@
                       <m:fPr>
                         <m:ctrlPr>
                           <a:rPr lang="en-US" i="1">
-                            <a:latin typeface="Cambria Math" panose="02040503050406030204" pitchFamily="18" charset="0"/>
+                            <a:latin typeface="Cambria Math"/>
                           </a:rPr>
                         </m:ctrlPr>
                       </m:fPr>
@@ -13023,7 +13027,7 @@
                           <m:sSubPr>
                             <m:ctrlPr>
                               <a:rPr lang="en-US" i="1">
-                                <a:latin typeface="Cambria Math" panose="02040503050406030204" pitchFamily="18" charset="0"/>
+                                <a:latin typeface="Cambria Math"/>
                               </a:rPr>
                             </m:ctrlPr>
                           </m:sSubPr>
@@ -13050,7 +13054,7 @@
                       <m:fPr>
                         <m:ctrlPr>
                           <a:rPr lang="en-US" i="1">
-                            <a:latin typeface="Cambria Math" panose="02040503050406030204" pitchFamily="18" charset="0"/>
+                            <a:latin typeface="Cambria Math"/>
                           </a:rPr>
                         </m:ctrlPr>
                       </m:fPr>
@@ -13065,7 +13069,7 @@
                           <m:sSubPr>
                             <m:ctrlPr>
                               <a:rPr lang="en-US" i="1">
-                                <a:latin typeface="Cambria Math" panose="02040503050406030204" pitchFamily="18" charset="0"/>
+                                <a:latin typeface="Cambria Math"/>
                               </a:rPr>
                             </m:ctrlPr>
                           </m:sSubPr>
@@ -13112,7 +13116,7 @@
                       <m:fPr>
                         <m:ctrlPr>
                           <a:rPr lang="en-US" i="1">
-                            <a:latin typeface="Cambria Math" panose="02040503050406030204" pitchFamily="18" charset="0"/>
+                            <a:latin typeface="Cambria Math"/>
                           </a:rPr>
                         </m:ctrlPr>
                       </m:fPr>
@@ -13141,7 +13145,7 @@
                           <m:sSubPr>
                             <m:ctrlPr>
                               <a:rPr lang="en-US" i="1">
-                                <a:latin typeface="Cambria Math" panose="02040503050406030204" pitchFamily="18" charset="0"/>
+                                <a:latin typeface="Cambria Math"/>
                               </a:rPr>
                             </m:ctrlPr>
                           </m:sSubPr>
@@ -13168,7 +13172,7 @@
                       <m:fPr>
                         <m:ctrlPr>
                           <a:rPr lang="en-US" i="1">
-                            <a:latin typeface="Cambria Math" panose="02040503050406030204" pitchFamily="18" charset="0"/>
+                            <a:latin typeface="Cambria Math"/>
                           </a:rPr>
                         </m:ctrlPr>
                       </m:fPr>
@@ -13183,7 +13187,7 @@
                           <m:sSubPr>
                             <m:ctrlPr>
                               <a:rPr lang="en-US" i="1">
-                                <a:latin typeface="Cambria Math" panose="02040503050406030204" pitchFamily="18" charset="0"/>
+                                <a:latin typeface="Cambria Math"/>
                               </a:rPr>
                             </m:ctrlPr>
                           </m:sSubPr>
@@ -13245,7 +13249,7 @@
                         <m:dPr>
                           <m:ctrlPr>
                             <a:rPr lang="en-US" i="1">
-                              <a:latin typeface="Cambria Math" panose="02040503050406030204" pitchFamily="18" charset="0"/>
+                              <a:latin typeface="Cambria Math"/>
                             </a:rPr>
                           </m:ctrlPr>
                         </m:dPr>
@@ -13256,7 +13260,7 @@
                               <m:endChr m:val="]"/>
                               <m:ctrlPr>
                                 <a:rPr lang="en-US" i="1">
-                                  <a:latin typeface="Cambria Math" panose="02040503050406030204" pitchFamily="18" charset="0"/>
+                                  <a:latin typeface="Cambria Math"/>
                                 </a:rPr>
                               </m:ctrlPr>
                             </m:dPr>
@@ -13265,7 +13269,7 @@
                                 <m:fPr>
                                   <m:ctrlPr>
                                     <a:rPr lang="en-US" i="1">
-                                      <a:latin typeface="Cambria Math" panose="02040503050406030204" pitchFamily="18" charset="0"/>
+                                      <a:latin typeface="Cambria Math"/>
                                     </a:rPr>
                                   </m:ctrlPr>
                                 </m:fPr>
@@ -13294,7 +13298,7 @@
                                     <m:sSubPr>
                                       <m:ctrlPr>
                                         <a:rPr lang="en-US" i="1">
-                                          <a:latin typeface="Cambria Math" panose="02040503050406030204" pitchFamily="18" charset="0"/>
+                                          <a:latin typeface="Cambria Math"/>
                                         </a:rPr>
                                       </m:ctrlPr>
                                     </m:sSubPr>
@@ -13325,7 +13329,7 @@
                               <m:endChr m:val="]"/>
                               <m:ctrlPr>
                                 <a:rPr lang="en-US" i="1">
-                                  <a:latin typeface="Cambria Math" panose="02040503050406030204" pitchFamily="18" charset="0"/>
+                                  <a:latin typeface="Cambria Math"/>
                                 </a:rPr>
                               </m:ctrlPr>
                             </m:dPr>
@@ -13334,7 +13338,7 @@
                                 <m:fPr>
                                   <m:ctrlPr>
                                     <a:rPr lang="en-US" i="1">
-                                      <a:latin typeface="Cambria Math" panose="02040503050406030204" pitchFamily="18" charset="0"/>
+                                      <a:latin typeface="Cambria Math"/>
                                     </a:rPr>
                                   </m:ctrlPr>
                                 </m:fPr>
@@ -13363,7 +13367,7 @@
                                     <m:sSubPr>
                                       <m:ctrlPr>
                                         <a:rPr lang="en-US" i="1">
-                                          <a:latin typeface="Cambria Math" panose="02040503050406030204" pitchFamily="18" charset="0"/>
+                                          <a:latin typeface="Cambria Math"/>
                                         </a:rPr>
                                       </m:ctrlPr>
                                     </m:sSubPr>
@@ -13394,7 +13398,7 @@
                               <m:endChr m:val="]"/>
                               <m:ctrlPr>
                                 <a:rPr lang="en-US" i="1">
-                                  <a:latin typeface="Cambria Math" panose="02040503050406030204" pitchFamily="18" charset="0"/>
+                                  <a:latin typeface="Cambria Math"/>
                                 </a:rPr>
                               </m:ctrlPr>
                             </m:dPr>
@@ -13413,7 +13417,7 @@
                               <m:endChr m:val="]"/>
                               <m:ctrlPr>
                                 <a:rPr lang="en-US" i="1">
-                                  <a:latin typeface="Cambria Math" panose="02040503050406030204" pitchFamily="18" charset="0"/>
+                                  <a:latin typeface="Cambria Math"/>
                                 </a:rPr>
                               </m:ctrlPr>
                             </m:dPr>
@@ -13422,7 +13426,7 @@
                                 <m:fPr>
                                   <m:ctrlPr>
                                     <a:rPr lang="en-US" i="1">
-                                      <a:latin typeface="Cambria Math" panose="02040503050406030204" pitchFamily="18" charset="0"/>
+                                      <a:latin typeface="Cambria Math"/>
                                     </a:rPr>
                                   </m:ctrlPr>
                                 </m:fPr>
@@ -13451,7 +13455,7 @@
                                     <m:sSubPr>
                                       <m:ctrlPr>
                                         <a:rPr lang="en-US" i="1">
-                                          <a:latin typeface="Cambria Math" panose="02040503050406030204" pitchFamily="18" charset="0"/>
+                                          <a:latin typeface="Cambria Math"/>
                                         </a:rPr>
                                       </m:ctrlPr>
                                     </m:sSubPr>
@@ -13482,7 +13486,7 @@
                         <m:dPr>
                           <m:ctrlPr>
                             <a:rPr lang="en-US" i="1">
-                              <a:latin typeface="Cambria Math" panose="02040503050406030204" pitchFamily="18" charset="0"/>
+                              <a:latin typeface="Cambria Math"/>
                             </a:rPr>
                           </m:ctrlPr>
                         </m:dPr>
@@ -13491,7 +13495,7 @@
                             <m:eqArrPr>
                               <m:ctrlPr>
                                 <a:rPr lang="en-US" i="1">
-                                  <a:latin typeface="Cambria Math" panose="02040503050406030204" pitchFamily="18" charset="0"/>
+                                  <a:latin typeface="Cambria Math"/>
                                 </a:rPr>
                               </m:ctrlPr>
                             </m:eqArrPr>
@@ -13500,7 +13504,7 @@
                                 <m:fPr>
                                   <m:ctrlPr>
                                     <a:rPr lang="en-US" i="1">
-                                      <a:latin typeface="Cambria Math" panose="02040503050406030204" pitchFamily="18" charset="0"/>
+                                      <a:latin typeface="Cambria Math"/>
                                     </a:rPr>
                                   </m:ctrlPr>
                                 </m:fPr>
@@ -13515,7 +13519,7 @@
                                     <m:sSubPr>
                                       <m:ctrlPr>
                                         <a:rPr lang="en-US" i="1">
-                                          <a:latin typeface="Cambria Math" panose="02040503050406030204" pitchFamily="18" charset="0"/>
+                                          <a:latin typeface="Cambria Math"/>
                                         </a:rPr>
                                       </m:ctrlPr>
                                     </m:sSubPr>
@@ -13558,7 +13562,7 @@
                                 <m:fPr>
                                   <m:ctrlPr>
                                     <a:rPr lang="en-US" i="1">
-                                      <a:latin typeface="Cambria Math" panose="02040503050406030204" pitchFamily="18" charset="0"/>
+                                      <a:latin typeface="Cambria Math"/>
                                     </a:rPr>
                                   </m:ctrlPr>
                                 </m:fPr>
@@ -13573,7 +13577,7 @@
                                     <m:sSubPr>
                                       <m:ctrlPr>
                                         <a:rPr lang="en-US" i="1">
-                                          <a:latin typeface="Cambria Math" panose="02040503050406030204" pitchFamily="18" charset="0"/>
+                                          <a:latin typeface="Cambria Math"/>
                                         </a:rPr>
                                       </m:ctrlPr>
                                     </m:sSubPr>
@@ -13624,7 +13628,7 @@
                                 <m:fPr>
                                   <m:ctrlPr>
                                     <a:rPr lang="en-US" i="1">
-                                      <a:latin typeface="Cambria Math" panose="02040503050406030204" pitchFamily="18" charset="0"/>
+                                      <a:latin typeface="Cambria Math"/>
                                     </a:rPr>
                                   </m:ctrlPr>
                                 </m:fPr>
@@ -13639,7 +13643,7 @@
                                     <m:sSubPr>
                                       <m:ctrlPr>
                                         <a:rPr lang="en-US" i="1">
-                                          <a:latin typeface="Cambria Math" panose="02040503050406030204" pitchFamily="18" charset="0"/>
+                                          <a:latin typeface="Cambria Math"/>
                                         </a:rPr>
                                       </m:ctrlPr>
                                     </m:sSubPr>
@@ -13712,7 +13716,7 @@
                         <m:dPr>
                           <m:ctrlPr>
                             <a:rPr lang="en-US" i="1">
-                              <a:latin typeface="Cambria Math" panose="02040503050406030204" pitchFamily="18" charset="0"/>
+                              <a:latin typeface="Cambria Math"/>
                             </a:rPr>
                           </m:ctrlPr>
                         </m:dPr>
@@ -13729,7 +13733,7 @@
                         <m:dPr>
                           <m:ctrlPr>
                             <a:rPr lang="en-US" i="1">
-                              <a:latin typeface="Cambria Math" panose="02040503050406030204" pitchFamily="18" charset="0"/>
+                              <a:latin typeface="Cambria Math"/>
                             </a:rPr>
                           </m:ctrlPr>
                         </m:dPr>
@@ -13738,7 +13742,7 @@
                             <m:eqArrPr>
                               <m:ctrlPr>
                                 <a:rPr lang="en-US" i="1">
-                                  <a:latin typeface="Cambria Math" panose="02040503050406030204" pitchFamily="18" charset="0"/>
+                                  <a:latin typeface="Cambria Math"/>
                                 </a:rPr>
                               </m:ctrlPr>
                             </m:eqArrPr>
@@ -13747,7 +13751,7 @@
                                 <m:fPr>
                                   <m:ctrlPr>
                                     <a:rPr lang="en-US" i="1">
-                                      <a:latin typeface="Cambria Math" panose="02040503050406030204" pitchFamily="18" charset="0"/>
+                                      <a:latin typeface="Cambria Math"/>
                                     </a:rPr>
                                   </m:ctrlPr>
                                 </m:fPr>
@@ -13762,7 +13766,7 @@
                                     <m:sSubPr>
                                       <m:ctrlPr>
                                         <a:rPr lang="en-US" i="1">
-                                          <a:latin typeface="Cambria Math" panose="02040503050406030204" pitchFamily="18" charset="0"/>
+                                          <a:latin typeface="Cambria Math"/>
                                         </a:rPr>
                                       </m:ctrlPr>
                                     </m:sSubPr>
@@ -13805,7 +13809,7 @@
                                 <m:fPr>
                                   <m:ctrlPr>
                                     <a:rPr lang="en-US" i="1">
-                                      <a:latin typeface="Cambria Math" panose="02040503050406030204" pitchFamily="18" charset="0"/>
+                                      <a:latin typeface="Cambria Math"/>
                                     </a:rPr>
                                   </m:ctrlPr>
                                 </m:fPr>
@@ -13820,7 +13824,7 @@
                                     <m:sSubPr>
                                       <m:ctrlPr>
                                         <a:rPr lang="en-US" i="1">
-                                          <a:latin typeface="Cambria Math" panose="02040503050406030204" pitchFamily="18" charset="0"/>
+                                          <a:latin typeface="Cambria Math"/>
                                         </a:rPr>
                                       </m:ctrlPr>
                                     </m:sSubPr>
@@ -13871,7 +13875,7 @@
                                 <m:fPr>
                                   <m:ctrlPr>
                                     <a:rPr lang="en-US" i="1">
-                                      <a:latin typeface="Cambria Math" panose="02040503050406030204" pitchFamily="18" charset="0"/>
+                                      <a:latin typeface="Cambria Math"/>
                                     </a:rPr>
                                   </m:ctrlPr>
                                 </m:fPr>
@@ -13886,7 +13890,7 @@
                                     <m:sSubPr>
                                       <m:ctrlPr>
                                         <a:rPr lang="en-US" i="1">
-                                          <a:latin typeface="Cambria Math" panose="02040503050406030204" pitchFamily="18" charset="0"/>
+                                          <a:latin typeface="Cambria Math"/>
                                         </a:rPr>
                                       </m:ctrlPr>
                                     </m:sSubPr>
@@ -14131,7 +14135,7 @@
                           <m:endChr m:val="]"/>
                           <m:ctrlPr>
                             <a:rPr lang="en-US" i="1">
-                              <a:latin typeface="Cambria Math" panose="02040503050406030204" pitchFamily="18" charset="0"/>
+                              <a:latin typeface="Cambria Math"/>
                             </a:rPr>
                           </m:ctrlPr>
                         </m:dPr>
@@ -14140,7 +14144,7 @@
                             <m:eqArrPr>
                               <m:ctrlPr>
                                 <a:rPr lang="en-US" i="1">
-                                  <a:latin typeface="Cambria Math" panose="02040503050406030204" pitchFamily="18" charset="0"/>
+                                  <a:latin typeface="Cambria Math"/>
                                 </a:rPr>
                               </m:ctrlPr>
                             </m:eqArrPr>
@@ -14149,7 +14153,7 @@
                                 <m:eqArrPr>
                                   <m:ctrlPr>
                                     <a:rPr lang="en-US" i="1">
-                                      <a:latin typeface="Cambria Math" panose="02040503050406030204" pitchFamily="18" charset="0"/>
+                                      <a:latin typeface="Cambria Math"/>
                                     </a:rPr>
                                   </m:ctrlPr>
                                 </m:eqArrPr>
@@ -14174,7 +14178,7 @@
                                     <m:sSubPr>
                                       <m:ctrlPr>
                                         <a:rPr lang="en-US" i="1">
-                                          <a:latin typeface="Cambria Math" panose="02040503050406030204" pitchFamily="18" charset="0"/>
+                                          <a:latin typeface="Cambria Math"/>
                                         </a:rPr>
                                       </m:ctrlPr>
                                     </m:sSubPr>
@@ -14201,7 +14205,7 @@
                                     <m:sSubPr>
                                       <m:ctrlPr>
                                         <a:rPr lang="en-US" i="1">
-                                          <a:latin typeface="Cambria Math" panose="02040503050406030204" pitchFamily="18" charset="0"/>
+                                          <a:latin typeface="Cambria Math"/>
                                         </a:rPr>
                                       </m:ctrlPr>
                                     </m:sSubPr>
@@ -14234,7 +14238,7 @@
                                     <m:sSubPr>
                                       <m:ctrlPr>
                                         <a:rPr lang="en-US" i="1">
-                                          <a:latin typeface="Cambria Math" panose="02040503050406030204" pitchFamily="18" charset="0"/>
+                                          <a:latin typeface="Cambria Math"/>
                                         </a:rPr>
                                       </m:ctrlPr>
                                     </m:sSubPr>
@@ -14267,7 +14271,7 @@
                                     <m:sSubPr>
                                       <m:ctrlPr>
                                         <a:rPr lang="en-US" i="1">
-                                          <a:latin typeface="Cambria Math" panose="02040503050406030204" pitchFamily="18" charset="0"/>
+                                          <a:latin typeface="Cambria Math"/>
                                         </a:rPr>
                                       </m:ctrlPr>
                                     </m:sSubPr>
@@ -14300,7 +14304,7 @@
                                     <m:sSubPr>
                                       <m:ctrlPr>
                                         <a:rPr lang="en-US" i="1">
-                                          <a:latin typeface="Cambria Math" panose="02040503050406030204" pitchFamily="18" charset="0"/>
+                                          <a:latin typeface="Cambria Math"/>
                                         </a:rPr>
                                       </m:ctrlPr>
                                     </m:sSubPr>
@@ -14335,7 +14339,7 @@
                                 <m:sSubPr>
                                   <m:ctrlPr>
                                     <a:rPr lang="en-US" i="1">
-                                      <a:latin typeface="Cambria Math" panose="02040503050406030204" pitchFamily="18" charset="0"/>
+                                      <a:latin typeface="Cambria Math"/>
                                     </a:rPr>
                                   </m:ctrlPr>
                                 </m:sSubPr>
@@ -14368,7 +14372,7 @@
                                 <m:sSubPr>
                                   <m:ctrlPr>
                                     <a:rPr lang="en-US" i="1">
-                                      <a:latin typeface="Cambria Math" panose="02040503050406030204" pitchFamily="18" charset="0"/>
+                                      <a:latin typeface="Cambria Math"/>
                                     </a:rPr>
                                   </m:ctrlPr>
                                 </m:sSubPr>
@@ -14401,7 +14405,7 @@
                                 <m:sSubPr>
                                   <m:ctrlPr>
                                     <a:rPr lang="en-US" i="1">
-                                      <a:latin typeface="Cambria Math" panose="02040503050406030204" pitchFamily="18" charset="0"/>
+                                      <a:latin typeface="Cambria Math"/>
                                     </a:rPr>
                                   </m:ctrlPr>
                                 </m:sSubPr>
@@ -14434,7 +14438,7 @@
                                 <m:sSubPr>
                                   <m:ctrlPr>
                                     <a:rPr lang="en-US" i="1">
-                                      <a:latin typeface="Cambria Math" panose="02040503050406030204" pitchFamily="18" charset="0"/>
+                                      <a:latin typeface="Cambria Math"/>
                                     </a:rPr>
                                   </m:ctrlPr>
                                 </m:sSubPr>
@@ -15015,7 +15019,7 @@
                         <m:sSubPr>
                           <m:ctrlPr>
                             <a:rPr lang="en-US" i="1" smtClean="0">
-                              <a:latin typeface="Cambria Math" panose="02040503050406030204" pitchFamily="18" charset="0"/>
+                              <a:latin typeface="Cambria Math"/>
                             </a:rPr>
                           </m:ctrlPr>
                         </m:sSubPr>
@@ -15058,7 +15062,7 @@
                         <m:sSubPr>
                           <m:ctrlPr>
                             <a:rPr lang="en-US" i="1">
-                              <a:latin typeface="Cambria Math" panose="02040503050406030204" pitchFamily="18" charset="0"/>
+                              <a:latin typeface="Cambria Math"/>
                             </a:rPr>
                           </m:ctrlPr>
                         </m:sSubPr>
@@ -15101,7 +15105,7 @@
                         <m:sSubPr>
                           <m:ctrlPr>
                             <a:rPr lang="en-US" i="1">
-                              <a:latin typeface="Cambria Math" panose="02040503050406030204" pitchFamily="18" charset="0"/>
+                              <a:latin typeface="Cambria Math"/>
                             </a:rPr>
                           </m:ctrlPr>
                         </m:sSubPr>
@@ -15144,7 +15148,7 @@
                         <m:sSubPr>
                           <m:ctrlPr>
                             <a:rPr lang="en-US" i="1">
-                              <a:latin typeface="Cambria Math" panose="02040503050406030204" pitchFamily="18" charset="0"/>
+                              <a:latin typeface="Cambria Math"/>
                             </a:rPr>
                           </m:ctrlPr>
                         </m:sSubPr>
@@ -15187,7 +15191,7 @@
                         <m:fPr>
                           <m:ctrlPr>
                             <a:rPr lang="en-US" b="0" i="1" smtClean="0">
-                              <a:latin typeface="Cambria Math" panose="02040503050406030204" pitchFamily="18" charset="0"/>
+                              <a:latin typeface="Cambria Math"/>
                             </a:rPr>
                           </m:ctrlPr>
                         </m:fPr>
@@ -15227,7 +15231,7 @@
                         <m:sSubPr>
                           <m:ctrlPr>
                             <a:rPr lang="en-US" i="1">
-                              <a:latin typeface="Cambria Math" panose="02040503050406030204" pitchFamily="18" charset="0"/>
+                              <a:latin typeface="Cambria Math"/>
                             </a:rPr>
                           </m:ctrlPr>
                         </m:sSubPr>
@@ -15270,7 +15274,7 @@
                         <m:sSubPr>
                           <m:ctrlPr>
                             <a:rPr lang="en-US" i="1">
-                              <a:latin typeface="Cambria Math" panose="02040503050406030204" pitchFamily="18" charset="0"/>
+                              <a:latin typeface="Cambria Math"/>
                             </a:rPr>
                           </m:ctrlPr>
                         </m:sSubPr>
@@ -15313,7 +15317,7 @@
                         <m:sSubPr>
                           <m:ctrlPr>
                             <a:rPr lang="en-US" i="1">
-                              <a:latin typeface="Cambria Math" panose="02040503050406030204" pitchFamily="18" charset="0"/>
+                              <a:latin typeface="Cambria Math"/>
                             </a:rPr>
                           </m:ctrlPr>
                         </m:sSubPr>
@@ -15356,7 +15360,7 @@
                         <m:sSubPr>
                           <m:ctrlPr>
                             <a:rPr lang="en-US" i="1">
-                              <a:latin typeface="Cambria Math" panose="02040503050406030204" pitchFamily="18" charset="0"/>
+                              <a:latin typeface="Cambria Math"/>
                             </a:rPr>
                           </m:ctrlPr>
                         </m:sSubPr>
@@ -15399,7 +15403,7 @@
                         <m:fPr>
                           <m:ctrlPr>
                             <a:rPr lang="en-US" b="0" i="1" smtClean="0">
-                              <a:latin typeface="Cambria Math" panose="02040503050406030204" pitchFamily="18" charset="0"/>
+                              <a:latin typeface="Cambria Math"/>
                             </a:rPr>
                           </m:ctrlPr>
                         </m:fPr>
@@ -17886,7 +17890,7 @@
                         <m:sSubPr>
                           <m:ctrlPr>
                             <a:rPr lang="en-US" i="1">
-                              <a:latin typeface="Cambria Math" panose="02040503050406030204" pitchFamily="18" charset="0"/>
+                              <a:latin typeface="Cambria Math"/>
                             </a:rPr>
                           </m:ctrlPr>
                         </m:sSubPr>
@@ -17929,7 +17933,7 @@
                         <m:sSubPr>
                           <m:ctrlPr>
                             <a:rPr lang="en-US" i="1">
-                              <a:latin typeface="Cambria Math" panose="02040503050406030204" pitchFamily="18" charset="0"/>
+                              <a:latin typeface="Cambria Math"/>
                             </a:rPr>
                           </m:ctrlPr>
                         </m:sSubPr>
@@ -17972,7 +17976,7 @@
                         <m:sSubPr>
                           <m:ctrlPr>
                             <a:rPr lang="en-US" i="1">
-                              <a:latin typeface="Cambria Math" panose="02040503050406030204" pitchFamily="18" charset="0"/>
+                              <a:latin typeface="Cambria Math"/>
                             </a:rPr>
                           </m:ctrlPr>
                         </m:sSubPr>
@@ -18015,7 +18019,7 @@
                         <m:fPr>
                           <m:ctrlPr>
                             <a:rPr lang="en-US" i="1" smtClean="0">
-                              <a:latin typeface="Cambria Math" panose="02040503050406030204" pitchFamily="18" charset="0"/>
+                              <a:latin typeface="Cambria Math"/>
                             </a:rPr>
                           </m:ctrlPr>
                         </m:fPr>
@@ -19280,7 +19284,7 @@
                         <m:sSubPr>
                           <m:ctrlPr>
                             <a:rPr lang="en-US" i="1" smtClean="0">
-                              <a:latin typeface="Cambria Math" panose="02040503050406030204" pitchFamily="18" charset="0"/>
+                              <a:latin typeface="Cambria Math"/>
                             </a:rPr>
                           </m:ctrlPr>
                         </m:sSubPr>
@@ -19311,7 +19315,7 @@
                         <m:sSubPr>
                           <m:ctrlPr>
                             <a:rPr lang="en-US" i="1">
-                              <a:latin typeface="Cambria Math" panose="02040503050406030204" pitchFamily="18" charset="0"/>
+                              <a:latin typeface="Cambria Math"/>
                             </a:rPr>
                           </m:ctrlPr>
                         </m:sSubPr>
@@ -19348,7 +19352,7 @@
                         <m:sSubPr>
                           <m:ctrlPr>
                             <a:rPr lang="en-US" i="1">
-                              <a:latin typeface="Cambria Math" panose="02040503050406030204" pitchFamily="18" charset="0"/>
+                              <a:latin typeface="Cambria Math"/>
                             </a:rPr>
                           </m:ctrlPr>
                         </m:sSubPr>
@@ -19379,7 +19383,7 @@
                         <m:sSubPr>
                           <m:ctrlPr>
                             <a:rPr lang="en-US" i="1">
-                              <a:latin typeface="Cambria Math" panose="02040503050406030204" pitchFamily="18" charset="0"/>
+                              <a:latin typeface="Cambria Math"/>
                             </a:rPr>
                           </m:ctrlPr>
                         </m:sSubPr>
@@ -19416,7 +19420,7 @@
                         <m:naryPr>
                           <m:ctrlPr>
                             <a:rPr lang="en-US" b="0" i="1" smtClean="0">
-                              <a:latin typeface="Cambria Math" panose="02040503050406030204" pitchFamily="18" charset="0"/>
+                              <a:latin typeface="Cambria Math"/>
                             </a:rPr>
                           </m:ctrlPr>
                         </m:naryPr>
@@ -19425,7 +19429,7 @@
                             <m:sSupPr>
                               <m:ctrlPr>
                                 <a:rPr lang="en-US" b="0" i="1" smtClean="0">
-                                  <a:latin typeface="Cambria Math" panose="02040503050406030204" pitchFamily="18" charset="0"/>
+                                  <a:latin typeface="Cambria Math"/>
                                 </a:rPr>
                               </m:ctrlPr>
                             </m:sSupPr>
@@ -19452,7 +19456,7 @@
                             <m:sSupPr>
                               <m:ctrlPr>
                                 <a:rPr lang="en-US" b="0" i="1" smtClean="0">
-                                  <a:latin typeface="Cambria Math" panose="02040503050406030204" pitchFamily="18" charset="0"/>
+                                  <a:latin typeface="Cambria Math"/>
                                 </a:rPr>
                               </m:ctrlPr>
                             </m:sSupPr>
@@ -19485,7 +19489,7 @@
                             <m:dPr>
                               <m:ctrlPr>
                                 <a:rPr lang="en-US" b="0" i="1" smtClean="0">
-                                  <a:latin typeface="Cambria Math" panose="02040503050406030204" pitchFamily="18" charset="0"/>
+                                  <a:latin typeface="Cambria Math"/>
                                 </a:rPr>
                               </m:ctrlPr>
                             </m:dPr>
@@ -20330,20 +20334,25 @@
             <a:pPr lvl="1"/>
             <a:r>
               <a:rPr lang="en-US" dirty="0" smtClean="0"/>
-              <a:t>Thigh/shank</a:t>
+              <a:t>Thigh</a:t>
+            </a:r>
+          </a:p>
+          <a:p>
+            <a:pPr lvl="1"/>
+            <a:r>
+              <a:rPr lang="en-US" dirty="0" smtClean="0"/>
+              <a:t>Shank</a:t>
             </a:r>
             <a:endParaRPr lang="en-US" dirty="0"/>
           </a:p>
           <a:p>
             <a:r>
               <a:rPr lang="en-US" dirty="0" smtClean="0"/>
-              <a:t>Material Choices</a:t>
-            </a:r>
-          </a:p>
-          <a:p>
+              <a:t>FEA </a:t>
+            </a:r>
             <a:r>
               <a:rPr lang="en-US" dirty="0" smtClean="0"/>
-              <a:t>FEA of Components</a:t>
+              <a:t>of Components</a:t>
             </a:r>
             <a:endParaRPr lang="en-US" dirty="0"/>
           </a:p>
@@ -20453,11 +20462,51 @@
           <a:p>
             <a:r>
               <a:rPr lang="en-US" dirty="0" smtClean="0"/>
-              <a:t>Lightweight design to reduce the overall forces on the legs</a:t>
-            </a:r>
+              <a:t>Lightweight design to reduce the overall forces on the </a:t>
+            </a:r>
+            <a:r>
+              <a:rPr lang="en-US" dirty="0" smtClean="0"/>
+              <a:t>legs</a:t>
+            </a:r>
+          </a:p>
+          <a:p>
+            <a:pPr marL="0" indent="0">
+              <a:buNone/>
+            </a:pPr>
+            <a:endParaRPr lang="en-US" dirty="0" smtClean="0"/>
           </a:p>
         </p:txBody>
       </p:sp>
+      <p:pic>
+        <p:nvPicPr>
+          <p:cNvPr id="4" name="Picture 3"/>
+          <p:cNvPicPr>
+            <a:picLocks noChangeAspect="1"/>
+          </p:cNvPicPr>
+          <p:nvPr/>
+        </p:nvPicPr>
+        <p:blipFill>
+          <a:blip r:embed="rId2">
+            <a:extLst>
+              <a:ext uri="{28A0092B-C50C-407E-A947-70E740481C1C}">
+                <a14:useLocalDpi xmlns:a14="http://schemas.microsoft.com/office/drawing/2010/main" val="0"/>
+              </a:ext>
+            </a:extLst>
+          </a:blip>
+          <a:stretch>
+            <a:fillRect/>
+          </a:stretch>
+        </p:blipFill>
+        <p:spPr>
+          <a:xfrm>
+            <a:off x="7074849" y="880237"/>
+            <a:ext cx="4607252" cy="3120582"/>
+          </a:xfrm>
+          <a:prstGeom prst="rect">
+            <a:avLst/>
+          </a:prstGeom>
+        </p:spPr>
+      </p:pic>
     </p:spTree>
     <p:extLst>
       <p:ext uri="{BB962C8B-B14F-4D97-AF65-F5344CB8AC3E}">
@@ -20680,7 +20729,7 @@
           <a:p>
             <a:r>
               <a:rPr lang="en-US" dirty="0" smtClean="0"/>
-              <a:t>Thigh/Shank</a:t>
+              <a:t>Chassis Construction</a:t>
             </a:r>
             <a:endParaRPr lang="en-US" dirty="0"/>
           </a:p>
@@ -20702,70 +20751,75 @@
           <a:lstStyle/>
           <a:p>
             <a:r>
+              <a:rPr lang="en-US" dirty="0"/>
+              <a:t>6105-T5 T-Slotted Aluminum framing</a:t>
+            </a:r>
+          </a:p>
+          <a:p>
+            <a:pPr lvl="1"/>
+            <a:r>
+              <a:rPr lang="en-US" dirty="0"/>
+              <a:t>Strong, lightweight </a:t>
+            </a:r>
+            <a:r>
               <a:rPr lang="en-US" dirty="0" smtClean="0"/>
-              <a:t>Based on the leg structure of quadruped mammals</a:t>
+              <a:t>material</a:t>
             </a:r>
           </a:p>
           <a:p>
             <a:pPr lvl="1"/>
             <a:r>
               <a:rPr lang="en-US" dirty="0" smtClean="0"/>
-              <a:t>Removal of 3</a:t>
-            </a:r>
-            <a:r>
-              <a:rPr lang="en-US" baseline="30000" dirty="0" smtClean="0"/>
-              <a:t>rd</a:t>
-            </a:r>
+              <a:t>Yield Strength  = 275 MPa, Ultimate Strength = 310 MPa</a:t>
+            </a:r>
+            <a:endParaRPr lang="en-US" dirty="0"/>
+          </a:p>
+          <a:p>
+            <a:pPr lvl="1"/>
             <a:r>
               <a:rPr lang="en-US" dirty="0" smtClean="0"/>
-              <a:t> joint for simplification of design</a:t>
-            </a:r>
-          </a:p>
-          <a:p>
-            <a:pPr lvl="1"/>
+              <a:t>Variety of </a:t>
+            </a:r>
+            <a:r>
+              <a:rPr lang="en-US" dirty="0"/>
+              <a:t>plates/brackets available for easy </a:t>
+            </a:r>
             <a:r>
               <a:rPr lang="en-US" dirty="0" smtClean="0"/>
-              <a:t>Bent thigh to compensate for lost mobility</a:t>
-            </a:r>
-          </a:p>
-          <a:p>
-            <a:pPr lvl="1"/>
+              <a:t>assembly</a:t>
+            </a:r>
+          </a:p>
+          <a:p>
             <a:r>
               <a:rPr lang="en-US" dirty="0" smtClean="0"/>
-              <a:t>Prevents singularity point of knee piston</a:t>
+              <a:t>Lengths will be cut and assembled using available plates</a:t>
             </a:r>
           </a:p>
           <a:p>
             <a:r>
               <a:rPr lang="en-US" dirty="0" smtClean="0"/>
-              <a:t>Step length used to determine component lengths</a:t>
-            </a:r>
-          </a:p>
-          <a:p>
-            <a:endParaRPr lang="en-US" dirty="0" smtClean="0"/>
-          </a:p>
-          <a:p>
-            <a:endParaRPr lang="en-US" dirty="0" smtClean="0"/>
+              <a:t>Addition of cross brace to reduce stress near front legs</a:t>
+            </a:r>
+          </a:p>
+          <a:p>
+            <a:r>
+              <a:rPr lang="en-US" dirty="0" smtClean="0"/>
+              <a:t>Hip and Piston joint will be fashioned with similar attachments as plates</a:t>
+            </a:r>
+            <a:endParaRPr lang="en-US" dirty="0"/>
           </a:p>
         </p:txBody>
       </p:sp>
     </p:spTree>
     <p:extLst>
       <p:ext uri="{BB962C8B-B14F-4D97-AF65-F5344CB8AC3E}">
-        <p14:creationId xmlns:p14="http://schemas.microsoft.com/office/powerpoint/2010/main" val="2195630154"/>
+        <p14:creationId xmlns:p14="http://schemas.microsoft.com/office/powerpoint/2010/main" val="870263717"/>
       </p:ext>
     </p:extLst>
   </p:cSld>
   <p:clrMapOvr>
     <a:masterClrMapping/>
   </p:clrMapOvr>
-  <p:timing>
-    <p:tnLst>
-      <p:par>
-        <p:cTn id="1" dur="indefinite" restart="never" nodeType="tmRoot"/>
-      </p:par>
-    </p:tnLst>
-  </p:timing>
 </p:sld>
 </file>
 
@@ -20803,7 +20857,7 @@
           <a:p>
             <a:r>
               <a:rPr lang="en-US" dirty="0" smtClean="0"/>
-              <a:t>Material Choices</a:t>
+              <a:t>Thigh</a:t>
             </a:r>
             <a:endParaRPr lang="en-US" dirty="0"/>
           </a:p>
@@ -20826,58 +20880,96 @@
           <a:p>
             <a:r>
               <a:rPr lang="en-US" dirty="0" smtClean="0"/>
-              <a:t>Chassis</a:t>
+              <a:t>Based on the leg structure of quadruped mammals</a:t>
             </a:r>
           </a:p>
           <a:p>
             <a:pPr lvl="1"/>
             <a:r>
               <a:rPr lang="en-US" dirty="0" smtClean="0"/>
-              <a:t>6105-T5 T-Slotted Aluminum framing</a:t>
+              <a:t>Removal of 3</a:t>
+            </a:r>
+            <a:r>
+              <a:rPr lang="en-US" baseline="30000" dirty="0" smtClean="0"/>
+              <a:t>rd</a:t>
+            </a:r>
+            <a:r>
+              <a:rPr lang="en-US" dirty="0" smtClean="0"/>
+              <a:t> joint for simplification of design</a:t>
             </a:r>
           </a:p>
           <a:p>
             <a:pPr lvl="1"/>
             <a:r>
               <a:rPr lang="en-US" dirty="0" smtClean="0"/>
-              <a:t>Strong, lightweight material</a:t>
-            </a:r>
-            <a:endParaRPr lang="en-US" dirty="0"/>
+              <a:t>Bent thigh to compensate for lost mobility</a:t>
+            </a:r>
           </a:p>
           <a:p>
             <a:pPr lvl="1"/>
             <a:r>
               <a:rPr lang="en-US" dirty="0" smtClean="0"/>
-              <a:t>Number of plates/brackets available for easy assembly</a:t>
-            </a:r>
-          </a:p>
-          <a:p>
+              <a:t>Prevents singularity point of knee </a:t>
+            </a:r>
             <a:r>
               <a:rPr lang="en-US" dirty="0" smtClean="0"/>
-              <a:t>Thigh/Shank</a:t>
-            </a:r>
-          </a:p>
-          <a:p>
-            <a:pPr lvl="1"/>
+              <a:t>piston</a:t>
+            </a:r>
+          </a:p>
+          <a:p>
             <a:r>
               <a:rPr lang="en-US" dirty="0" smtClean="0"/>
-              <a:t>6061 Aluminum</a:t>
-            </a:r>
-          </a:p>
-          <a:p>
-            <a:pPr lvl="1"/>
-            <a:r>
-              <a:rPr lang="en-US" dirty="0" smtClean="0"/>
-              <a:t>Good strength, machinability, and easily welded</a:t>
-            </a:r>
-            <a:endParaRPr lang="en-US" dirty="0"/>
+              <a:t>Rib added at bend to reduce stress felt by joint</a:t>
+            </a:r>
+          </a:p>
+          <a:p>
+            <a:endParaRPr lang="en-US" dirty="0" smtClean="0"/>
+          </a:p>
+          <a:p>
+            <a:pPr marL="0" indent="0">
+              <a:buNone/>
+            </a:pPr>
+            <a:endParaRPr lang="en-US" dirty="0" smtClean="0"/>
+          </a:p>
+          <a:p>
+            <a:endParaRPr lang="en-US" dirty="0" smtClean="0"/>
           </a:p>
         </p:txBody>
       </p:sp>
+      <p:pic>
+        <p:nvPicPr>
+          <p:cNvPr id="4" name="Picture 3"/>
+          <p:cNvPicPr>
+            <a:picLocks noChangeAspect="1"/>
+          </p:cNvPicPr>
+          <p:nvPr/>
+        </p:nvPicPr>
+        <p:blipFill>
+          <a:blip r:embed="rId2">
+            <a:extLst>
+              <a:ext uri="{28A0092B-C50C-407E-A947-70E740481C1C}">
+                <a14:useLocalDpi xmlns:a14="http://schemas.microsoft.com/office/drawing/2010/main" val="0"/>
+              </a:ext>
+            </a:extLst>
+          </a:blip>
+          <a:stretch>
+            <a:fillRect/>
+          </a:stretch>
+        </p:blipFill>
+        <p:spPr>
+          <a:xfrm>
+            <a:off x="7889867" y="1204956"/>
+            <a:ext cx="3561071" cy="4695629"/>
+          </a:xfrm>
+          <a:prstGeom prst="rect">
+            <a:avLst/>
+          </a:prstGeom>
+        </p:spPr>
+      </p:pic>
     </p:spTree>
     <p:extLst>
       <p:ext uri="{BB962C8B-B14F-4D97-AF65-F5344CB8AC3E}">
-        <p14:creationId xmlns:p14="http://schemas.microsoft.com/office/powerpoint/2010/main" val="3477708154"/>
+        <p14:creationId xmlns:p14="http://schemas.microsoft.com/office/powerpoint/2010/main" val="2195630154"/>
       </p:ext>
     </p:extLst>
   </p:cSld>
@@ -20928,7 +21020,7 @@
           <a:p>
             <a:r>
               <a:rPr lang="en-US" dirty="0" smtClean="0"/>
-              <a:t>Finite Element Analysis of Components</a:t>
+              <a:t>Shank</a:t>
             </a:r>
             <a:endParaRPr lang="en-US" dirty="0"/>
           </a:p>
@@ -20949,7 +21041,289 @@
           <a:bodyPr/>
           <a:lstStyle/>
           <a:p>
-            <a:endParaRPr lang="en-US"/>
+            <a:r>
+              <a:rPr lang="en-US" dirty="0" smtClean="0"/>
+              <a:t>Portion of leg that will contact the floor</a:t>
+            </a:r>
+          </a:p>
+          <a:p>
+            <a:r>
+              <a:rPr lang="en-US" dirty="0" smtClean="0"/>
+              <a:t>Length determined by step length</a:t>
+            </a:r>
+          </a:p>
+          <a:p>
+            <a:r>
+              <a:rPr lang="en-US" dirty="0" smtClean="0"/>
+              <a:t>The end of the shank will be dipped in Urethane</a:t>
+            </a:r>
+            <a:endParaRPr lang="en-US" dirty="0"/>
+          </a:p>
+        </p:txBody>
+      </p:sp>
+      <p:pic>
+        <p:nvPicPr>
+          <p:cNvPr id="4" name="Picture 3"/>
+          <p:cNvPicPr>
+            <a:picLocks noChangeAspect="1"/>
+          </p:cNvPicPr>
+          <p:nvPr/>
+        </p:nvPicPr>
+        <p:blipFill>
+          <a:blip r:embed="rId2">
+            <a:extLst>
+              <a:ext uri="{28A0092B-C50C-407E-A947-70E740481C1C}">
+                <a14:useLocalDpi xmlns:a14="http://schemas.microsoft.com/office/drawing/2010/main" val="0"/>
+              </a:ext>
+            </a:extLst>
+          </a:blip>
+          <a:stretch>
+            <a:fillRect/>
+          </a:stretch>
+        </p:blipFill>
+        <p:spPr>
+          <a:xfrm>
+            <a:off x="8636130" y="797002"/>
+            <a:ext cx="2354580" cy="5417820"/>
+          </a:xfrm>
+          <a:prstGeom prst="rect">
+            <a:avLst/>
+          </a:prstGeom>
+        </p:spPr>
+      </p:pic>
+    </p:spTree>
+    <p:extLst>
+      <p:ext uri="{BB962C8B-B14F-4D97-AF65-F5344CB8AC3E}">
+        <p14:creationId xmlns:p14="http://schemas.microsoft.com/office/powerpoint/2010/main" val="2723243761"/>
+      </p:ext>
+    </p:extLst>
+  </p:cSld>
+  <p:clrMapOvr>
+    <a:masterClrMapping/>
+  </p:clrMapOvr>
+</p:sld>
+</file>
+
+<file path=ppt/slides/slide23.xml><?xml version="1.0" encoding="utf-8"?>
+<p:sld xmlns:a="http://schemas.openxmlformats.org/drawingml/2006/main" xmlns:r="http://schemas.openxmlformats.org/officeDocument/2006/relationships" xmlns:p="http://schemas.openxmlformats.org/presentationml/2006/main">
+  <p:cSld>
+    <p:spTree>
+      <p:nvGrpSpPr>
+        <p:cNvPr id="1" name=""/>
+        <p:cNvGrpSpPr/>
+        <p:nvPr/>
+      </p:nvGrpSpPr>
+      <p:grpSpPr>
+        <a:xfrm>
+          <a:off x="0" y="0"/>
+          <a:ext cx="0" cy="0"/>
+          <a:chOff x="0" y="0"/>
+          <a:chExt cx="0" cy="0"/>
+        </a:xfrm>
+      </p:grpSpPr>
+      <p:sp>
+        <p:nvSpPr>
+          <p:cNvPr id="2" name="Title 1"/>
+          <p:cNvSpPr>
+            <a:spLocks noGrp="1"/>
+          </p:cNvSpPr>
+          <p:nvPr>
+            <p:ph type="title"/>
+          </p:nvPr>
+        </p:nvSpPr>
+        <p:spPr/>
+        <p:txBody>
+          <a:bodyPr/>
+          <a:lstStyle/>
+          <a:p>
+            <a:r>
+              <a:rPr lang="en-US" dirty="0" smtClean="0"/>
+              <a:t>Thigh/Shank Construction</a:t>
+            </a:r>
+            <a:endParaRPr lang="en-US" dirty="0"/>
+          </a:p>
+        </p:txBody>
+      </p:sp>
+      <p:sp>
+        <p:nvSpPr>
+          <p:cNvPr id="3" name="Content Placeholder 2"/>
+          <p:cNvSpPr>
+            <a:spLocks noGrp="1"/>
+          </p:cNvSpPr>
+          <p:nvPr>
+            <p:ph idx="1"/>
+          </p:nvPr>
+        </p:nvSpPr>
+        <p:spPr/>
+        <p:txBody>
+          <a:bodyPr/>
+          <a:lstStyle/>
+          <a:p>
+            <a:r>
+              <a:rPr lang="en-US" dirty="0"/>
+              <a:t>6061 </a:t>
+            </a:r>
+            <a:r>
+              <a:rPr lang="en-US" dirty="0" smtClean="0"/>
+              <a:t>Aluminum Bars</a:t>
+            </a:r>
+            <a:endParaRPr lang="en-US" dirty="0"/>
+          </a:p>
+          <a:p>
+            <a:pPr lvl="1"/>
+            <a:r>
+              <a:rPr lang="en-US" dirty="0"/>
+              <a:t>Good strength, machinability, and easily </a:t>
+            </a:r>
+            <a:r>
+              <a:rPr lang="en-US" dirty="0" smtClean="0"/>
+              <a:t>welded</a:t>
+            </a:r>
+          </a:p>
+          <a:p>
+            <a:pPr lvl="1"/>
+            <a:r>
+              <a:rPr lang="en-US" dirty="0" smtClean="0"/>
+              <a:t>Yield Strength = 276 MPa, Ultimate Strength = 310 MPa</a:t>
+            </a:r>
+          </a:p>
+          <a:p>
+            <a:pPr lvl="1"/>
+            <a:r>
+              <a:rPr lang="en-US" dirty="0" smtClean="0"/>
+              <a:t>Thigh bend will be welded</a:t>
+            </a:r>
+          </a:p>
+          <a:p>
+            <a:pPr marL="457200" lvl="1" indent="0">
+              <a:buNone/>
+            </a:pPr>
+            <a:endParaRPr lang="en-US" dirty="0"/>
+          </a:p>
+          <a:p>
+            <a:endParaRPr lang="en-US" dirty="0"/>
+          </a:p>
+        </p:txBody>
+      </p:sp>
+    </p:spTree>
+    <p:extLst>
+      <p:ext uri="{BB962C8B-B14F-4D97-AF65-F5344CB8AC3E}">
+        <p14:creationId xmlns:p14="http://schemas.microsoft.com/office/powerpoint/2010/main" val="753131909"/>
+      </p:ext>
+    </p:extLst>
+  </p:cSld>
+  <p:clrMapOvr>
+    <a:masterClrMapping/>
+  </p:clrMapOvr>
+</p:sld>
+</file>
+
+<file path=ppt/slides/slide24.xml><?xml version="1.0" encoding="utf-8"?>
+<p:sld xmlns:a="http://schemas.openxmlformats.org/drawingml/2006/main" xmlns:r="http://schemas.openxmlformats.org/officeDocument/2006/relationships" xmlns:p="http://schemas.openxmlformats.org/presentationml/2006/main">
+  <p:cSld>
+    <p:spTree>
+      <p:nvGrpSpPr>
+        <p:cNvPr id="1" name=""/>
+        <p:cNvGrpSpPr/>
+        <p:nvPr/>
+      </p:nvGrpSpPr>
+      <p:grpSpPr>
+        <a:xfrm>
+          <a:off x="0" y="0"/>
+          <a:ext cx="0" cy="0"/>
+          <a:chOff x="0" y="0"/>
+          <a:chExt cx="0" cy="0"/>
+        </a:xfrm>
+      </p:grpSpPr>
+      <p:sp>
+        <p:nvSpPr>
+          <p:cNvPr id="2" name="Title 1"/>
+          <p:cNvSpPr>
+            <a:spLocks noGrp="1"/>
+          </p:cNvSpPr>
+          <p:nvPr>
+            <p:ph type="title"/>
+          </p:nvPr>
+        </p:nvSpPr>
+        <p:spPr/>
+        <p:txBody>
+          <a:bodyPr/>
+          <a:lstStyle/>
+          <a:p>
+            <a:r>
+              <a:rPr lang="en-US" dirty="0" smtClean="0"/>
+              <a:t>Finite Element Analysis of Components</a:t>
+            </a:r>
+            <a:endParaRPr lang="en-US" dirty="0"/>
+          </a:p>
+        </p:txBody>
+      </p:sp>
+      <p:sp>
+        <p:nvSpPr>
+          <p:cNvPr id="3" name="Content Placeholder 2"/>
+          <p:cNvSpPr>
+            <a:spLocks noGrp="1"/>
+          </p:cNvSpPr>
+          <p:nvPr>
+            <p:ph idx="1"/>
+          </p:nvPr>
+        </p:nvSpPr>
+        <p:spPr/>
+        <p:txBody>
+          <a:bodyPr/>
+          <a:lstStyle/>
+          <a:p>
+            <a:r>
+              <a:rPr lang="en-US" dirty="0" smtClean="0"/>
+              <a:t>All components tested using “worst case” </a:t>
+            </a:r>
+            <a:r>
+              <a:rPr lang="en-US" dirty="0" err="1" smtClean="0"/>
+              <a:t>scenerio</a:t>
+            </a:r>
+            <a:endParaRPr lang="en-US" dirty="0" smtClean="0"/>
+          </a:p>
+          <a:p>
+            <a:pPr lvl="1"/>
+            <a:r>
+              <a:rPr lang="en-US" dirty="0" smtClean="0"/>
+              <a:t>Moving at top speed</a:t>
+            </a:r>
+          </a:p>
+          <a:p>
+            <a:pPr lvl="1"/>
+            <a:r>
+              <a:rPr lang="en-US" dirty="0" smtClean="0"/>
+              <a:t>Creep gait being used</a:t>
+            </a:r>
+          </a:p>
+          <a:p>
+            <a:pPr lvl="1"/>
+            <a:r>
+              <a:rPr lang="en-US" dirty="0" smtClean="0"/>
+              <a:t>Hip and Knee joint seized</a:t>
+            </a:r>
+          </a:p>
+          <a:p>
+            <a:r>
+              <a:rPr lang="en-US" dirty="0" smtClean="0"/>
+              <a:t>Mesh</a:t>
+            </a:r>
+          </a:p>
+          <a:p>
+            <a:pPr lvl="1"/>
+            <a:r>
+              <a:rPr lang="en-US" dirty="0" smtClean="0"/>
+              <a:t>Surface mesh sufficient</a:t>
+            </a:r>
+          </a:p>
+          <a:p>
+            <a:pPr lvl="1"/>
+            <a:r>
+              <a:rPr lang="en-US" dirty="0" smtClean="0"/>
+              <a:t>Kept Tet10 elements to accurately track bending</a:t>
+            </a:r>
+            <a:endParaRPr lang="en-US" dirty="0"/>
           </a:p>
         </p:txBody>
       </p:sp>
@@ -20973,7 +21347,199 @@
 </p:sld>
 </file>
 
-<file path=ppt/slides/slide23.xml><?xml version="1.0" encoding="utf-8"?>
+<file path=ppt/slides/slide25.xml><?xml version="1.0" encoding="utf-8"?>
+<p:sld xmlns:a="http://schemas.openxmlformats.org/drawingml/2006/main" xmlns:r="http://schemas.openxmlformats.org/officeDocument/2006/relationships" xmlns:p="http://schemas.openxmlformats.org/presentationml/2006/main">
+  <p:cSld>
+    <p:spTree>
+      <p:nvGrpSpPr>
+        <p:cNvPr id="1" name=""/>
+        <p:cNvGrpSpPr/>
+        <p:nvPr/>
+      </p:nvGrpSpPr>
+      <p:grpSpPr>
+        <a:xfrm>
+          <a:off x="0" y="0"/>
+          <a:ext cx="0" cy="0"/>
+          <a:chOff x="0" y="0"/>
+          <a:chExt cx="0" cy="0"/>
+        </a:xfrm>
+      </p:grpSpPr>
+      <p:sp>
+        <p:nvSpPr>
+          <p:cNvPr id="2" name="Title 1"/>
+          <p:cNvSpPr>
+            <a:spLocks noGrp="1"/>
+          </p:cNvSpPr>
+          <p:nvPr>
+            <p:ph type="title"/>
+          </p:nvPr>
+        </p:nvSpPr>
+        <p:spPr/>
+        <p:txBody>
+          <a:bodyPr/>
+          <a:lstStyle/>
+          <a:p>
+            <a:r>
+              <a:rPr lang="en-US" dirty="0" smtClean="0"/>
+              <a:t>Chassis FEA Result</a:t>
+            </a:r>
+            <a:endParaRPr lang="en-US" dirty="0"/>
+          </a:p>
+        </p:txBody>
+      </p:sp>
+      <p:pic>
+        <p:nvPicPr>
+          <p:cNvPr id="4" name="Content Placeholder 3"/>
+          <p:cNvPicPr>
+            <a:picLocks noGrp="1" noChangeAspect="1"/>
+          </p:cNvPicPr>
+          <p:nvPr>
+            <p:ph idx="1"/>
+          </p:nvPr>
+        </p:nvPicPr>
+        <p:blipFill rotWithShape="1">
+          <a:blip r:embed="rId2">
+            <a:extLst>
+              <a:ext uri="{28A0092B-C50C-407E-A947-70E740481C1C}">
+                <a14:useLocalDpi xmlns:a14="http://schemas.microsoft.com/office/drawing/2010/main" val="0"/>
+              </a:ext>
+            </a:extLst>
+          </a:blip>
+          <a:srcRect l="548" t="603" r="645"/>
+          <a:stretch/>
+        </p:blipFill>
+        <p:spPr>
+          <a:xfrm>
+            <a:off x="1427147" y="1845891"/>
+            <a:ext cx="9439082" cy="4352521"/>
+          </a:xfrm>
+        </p:spPr>
+      </p:pic>
+    </p:spTree>
+    <p:extLst>
+      <p:ext uri="{BB962C8B-B14F-4D97-AF65-F5344CB8AC3E}">
+        <p14:creationId xmlns:p14="http://schemas.microsoft.com/office/powerpoint/2010/main" val="3602662752"/>
+      </p:ext>
+    </p:extLst>
+  </p:cSld>
+  <p:clrMapOvr>
+    <a:masterClrMapping/>
+  </p:clrMapOvr>
+</p:sld>
+</file>
+
+<file path=ppt/slides/slide26.xml><?xml version="1.0" encoding="utf-8"?>
+<p:sld xmlns:a="http://schemas.openxmlformats.org/drawingml/2006/main" xmlns:r="http://schemas.openxmlformats.org/officeDocument/2006/relationships" xmlns:p="http://schemas.openxmlformats.org/presentationml/2006/main">
+  <p:cSld>
+    <p:spTree>
+      <p:nvGrpSpPr>
+        <p:cNvPr id="1" name=""/>
+        <p:cNvGrpSpPr/>
+        <p:nvPr/>
+      </p:nvGrpSpPr>
+      <p:grpSpPr>
+        <a:xfrm>
+          <a:off x="0" y="0"/>
+          <a:ext cx="0" cy="0"/>
+          <a:chOff x="0" y="0"/>
+          <a:chExt cx="0" cy="0"/>
+        </a:xfrm>
+      </p:grpSpPr>
+      <p:sp>
+        <p:nvSpPr>
+          <p:cNvPr id="2" name="Title 1"/>
+          <p:cNvSpPr>
+            <a:spLocks noGrp="1"/>
+          </p:cNvSpPr>
+          <p:nvPr>
+            <p:ph type="title"/>
+          </p:nvPr>
+        </p:nvSpPr>
+        <p:spPr/>
+        <p:txBody>
+          <a:bodyPr/>
+          <a:lstStyle/>
+          <a:p>
+            <a:r>
+              <a:rPr lang="en-US" dirty="0" smtClean="0"/>
+              <a:t>Thigh/Shank FEA result</a:t>
+            </a:r>
+            <a:endParaRPr lang="en-US" dirty="0"/>
+          </a:p>
+        </p:txBody>
+      </p:sp>
+      <p:pic>
+        <p:nvPicPr>
+          <p:cNvPr id="6" name="Content Placeholder 5"/>
+          <p:cNvPicPr>
+            <a:picLocks noGrp="1" noChangeAspect="1"/>
+          </p:cNvPicPr>
+          <p:nvPr>
+            <p:ph sz="half" idx="1"/>
+          </p:nvPr>
+        </p:nvPicPr>
+        <p:blipFill>
+          <a:blip r:embed="rId2">
+            <a:extLst>
+              <a:ext uri="{28A0092B-C50C-407E-A947-70E740481C1C}">
+                <a14:useLocalDpi xmlns:a14="http://schemas.microsoft.com/office/drawing/2010/main" val="0"/>
+              </a:ext>
+            </a:extLst>
+          </a:blip>
+          <a:stretch>
+            <a:fillRect/>
+          </a:stretch>
+        </p:blipFill>
+        <p:spPr>
+          <a:xfrm>
+            <a:off x="1555715" y="1782738"/>
+            <a:ext cx="3768314" cy="4613836"/>
+          </a:xfrm>
+        </p:spPr>
+      </p:pic>
+      <p:pic>
+        <p:nvPicPr>
+          <p:cNvPr id="7" name="Content Placeholder 6"/>
+          <p:cNvPicPr>
+            <a:picLocks noGrp="1" noChangeAspect="1"/>
+          </p:cNvPicPr>
+          <p:nvPr>
+            <p:ph sz="half" idx="2"/>
+          </p:nvPr>
+        </p:nvPicPr>
+        <p:blipFill>
+          <a:blip r:embed="rId3">
+            <a:extLst>
+              <a:ext uri="{28A0092B-C50C-407E-A947-70E740481C1C}">
+                <a14:useLocalDpi xmlns:a14="http://schemas.microsoft.com/office/drawing/2010/main" val="0"/>
+              </a:ext>
+            </a:extLst>
+          </a:blip>
+          <a:stretch>
+            <a:fillRect/>
+          </a:stretch>
+        </p:blipFill>
+        <p:spPr>
+          <a:xfrm>
+            <a:off x="6696674" y="1832886"/>
+            <a:ext cx="3532642" cy="4607795"/>
+          </a:xfrm>
+        </p:spPr>
+      </p:pic>
+    </p:spTree>
+    <p:extLst>
+      <p:ext uri="{BB962C8B-B14F-4D97-AF65-F5344CB8AC3E}">
+        <p14:creationId xmlns:p14="http://schemas.microsoft.com/office/powerpoint/2010/main" val="1565442858"/>
+      </p:ext>
+    </p:extLst>
+  </p:cSld>
+  <p:clrMapOvr>
+    <a:masterClrMapping/>
+  </p:clrMapOvr>
+</p:sld>
+</file>
+
+<file path=ppt/slides/slide27.xml><?xml version="1.0" encoding="utf-8"?>
 <p:sld xmlns:a="http://schemas.openxmlformats.org/drawingml/2006/main" xmlns:r="http://schemas.openxmlformats.org/officeDocument/2006/relationships" xmlns:p="http://schemas.openxmlformats.org/presentationml/2006/main">
   <p:cSld>
     <p:spTree>
@@ -21047,7 +21613,6 @@
               <a:rPr lang="en-US" sz="2800" dirty="0" smtClean="0"/>
               <a:t>Power Source Options</a:t>
             </a:r>
-            <a:endParaRPr lang="en-US" sz="2800" dirty="0" smtClean="0"/>
           </a:p>
           <a:p>
             <a:pPr marL="0" indent="0">
@@ -21111,7 +21676,7 @@
 </p:sld>
 </file>
 
-<file path=ppt/slides/slide24.xml><?xml version="1.0" encoding="utf-8"?>
+<file path=ppt/slides/slide28.xml><?xml version="1.0" encoding="utf-8"?>
 <p:sld xmlns:a="http://schemas.openxmlformats.org/drawingml/2006/main" xmlns:r="http://schemas.openxmlformats.org/officeDocument/2006/relationships" xmlns:p="http://schemas.openxmlformats.org/presentationml/2006/main">
   <p:cSld>
     <p:spTree>
@@ -22141,7 +22706,7 @@
 </p:sld>
 </file>
 
-<file path=ppt/slides/slide25.xml><?xml version="1.0" encoding="utf-8"?>
+<file path=ppt/slides/slide29.xml><?xml version="1.0" encoding="utf-8"?>
 <p:sld xmlns:a="http://schemas.openxmlformats.org/drawingml/2006/main" xmlns:r="http://schemas.openxmlformats.org/officeDocument/2006/relationships" xmlns:p="http://schemas.openxmlformats.org/presentationml/2006/main">
   <p:cSld>
     <p:spTree>
@@ -22267,7 +22832,7 @@
                         <m:sSubPr>
                           <m:ctrlPr>
                             <a:rPr lang="en-US" sz="3200" i="1">
-                              <a:latin typeface="Cambria Math" panose="02040503050406030204" pitchFamily="18" charset="0"/>
+                              <a:latin typeface="Cambria Math"/>
                             </a:rPr>
                           </m:ctrlPr>
                         </m:sSubPr>
@@ -22292,7 +22857,7 @@
                         <m:sSubPr>
                           <m:ctrlPr>
                             <a:rPr lang="en-US" sz="3200" i="1">
-                              <a:latin typeface="Cambria Math" panose="02040503050406030204" pitchFamily="18" charset="0"/>
+                              <a:latin typeface="Cambria Math"/>
                             </a:rPr>
                           </m:ctrlPr>
                         </m:sSubPr>
@@ -22323,7 +22888,7 @@
                         <m:sSubPr>
                           <m:ctrlPr>
                             <a:rPr lang="en-US" sz="3200" i="1">
-                              <a:latin typeface="Cambria Math" panose="02040503050406030204" pitchFamily="18" charset="0"/>
+                              <a:latin typeface="Cambria Math"/>
                             </a:rPr>
                           </m:ctrlPr>
                         </m:sSubPr>
@@ -22348,7 +22913,7 @@
                         <m:sSubPr>
                           <m:ctrlPr>
                             <a:rPr lang="en-US" sz="3200" i="1">
-                              <a:latin typeface="Cambria Math" panose="02040503050406030204" pitchFamily="18" charset="0"/>
+                              <a:latin typeface="Cambria Math"/>
                             </a:rPr>
                           </m:ctrlPr>
                         </m:sSubPr>
@@ -22553,7 +23118,154 @@
 </p:sld>
 </file>
 
-<file path=ppt/slides/slide26.xml><?xml version="1.0" encoding="utf-8"?>
+<file path=ppt/slides/slide3.xml><?xml version="1.0" encoding="utf-8"?>
+<p:sld xmlns:a="http://schemas.openxmlformats.org/drawingml/2006/main" xmlns:r="http://schemas.openxmlformats.org/officeDocument/2006/relationships" xmlns:p="http://schemas.openxmlformats.org/presentationml/2006/main">
+  <p:cSld>
+    <p:spTree>
+      <p:nvGrpSpPr>
+        <p:cNvPr id="1" name=""/>
+        <p:cNvGrpSpPr/>
+        <p:nvPr/>
+      </p:nvGrpSpPr>
+      <p:grpSpPr>
+        <a:xfrm>
+          <a:off x="0" y="0"/>
+          <a:ext cx="0" cy="0"/>
+          <a:chOff x="0" y="0"/>
+          <a:chExt cx="0" cy="0"/>
+        </a:xfrm>
+      </p:grpSpPr>
+      <p:sp>
+        <p:nvSpPr>
+          <p:cNvPr id="2" name="Title 1"/>
+          <p:cNvSpPr>
+            <a:spLocks noGrp="1"/>
+          </p:cNvSpPr>
+          <p:nvPr>
+            <p:ph type="title"/>
+          </p:nvPr>
+        </p:nvSpPr>
+        <p:spPr/>
+        <p:txBody>
+          <a:bodyPr/>
+          <a:lstStyle/>
+          <a:p>
+            <a:r>
+              <a:rPr lang="en-US" dirty="0" smtClean="0"/>
+              <a:t>Major Design Decisions</a:t>
+            </a:r>
+            <a:endParaRPr lang="en-US" dirty="0"/>
+          </a:p>
+        </p:txBody>
+      </p:sp>
+      <p:sp>
+        <p:nvSpPr>
+          <p:cNvPr id="3" name="Content Placeholder 2"/>
+          <p:cNvSpPr>
+            <a:spLocks noGrp="1"/>
+          </p:cNvSpPr>
+          <p:nvPr>
+            <p:ph idx="1"/>
+          </p:nvPr>
+        </p:nvSpPr>
+        <p:spPr>
+          <a:xfrm>
+            <a:off x="1141412" y="2249487"/>
+            <a:ext cx="9905999" cy="4063390"/>
+          </a:xfrm>
+        </p:spPr>
+        <p:txBody>
+          <a:bodyPr>
+            <a:normAutofit/>
+          </a:bodyPr>
+          <a:lstStyle/>
+          <a:p>
+            <a:r>
+              <a:rPr lang="en-US" dirty="0"/>
+              <a:t>Quadruped Locomotion</a:t>
+            </a:r>
+          </a:p>
+          <a:p>
+            <a:pPr lvl="1"/>
+            <a:r>
+              <a:rPr lang="en-US" dirty="0"/>
+              <a:t>Agile motion</a:t>
+            </a:r>
+          </a:p>
+          <a:p>
+            <a:pPr lvl="1"/>
+            <a:r>
+              <a:rPr lang="en-US" dirty="0"/>
+              <a:t>Stable</a:t>
+            </a:r>
+          </a:p>
+          <a:p>
+            <a:pPr lvl="1"/>
+            <a:r>
+              <a:rPr lang="en-US" dirty="0"/>
+              <a:t>Rugged </a:t>
+            </a:r>
+            <a:r>
+              <a:rPr lang="en-US" dirty="0" smtClean="0"/>
+              <a:t>Terrain</a:t>
+            </a:r>
+          </a:p>
+          <a:p>
+            <a:pPr lvl="1"/>
+            <a:r>
+              <a:rPr lang="en-US" dirty="0" smtClean="0"/>
+              <a:t>Two Links per Leg</a:t>
+            </a:r>
+            <a:endParaRPr lang="en-US" dirty="0"/>
+          </a:p>
+          <a:p>
+            <a:r>
+              <a:rPr lang="en-US" dirty="0"/>
+              <a:t>Pneumatic Power</a:t>
+            </a:r>
+          </a:p>
+          <a:p>
+            <a:pPr lvl="1"/>
+            <a:r>
+              <a:rPr lang="en-US" dirty="0"/>
+              <a:t>High energy density</a:t>
+            </a:r>
+          </a:p>
+          <a:p>
+            <a:pPr lvl="1"/>
+            <a:r>
+              <a:rPr lang="en-US" dirty="0"/>
+              <a:t>Clean and </a:t>
+            </a:r>
+            <a:r>
+              <a:rPr lang="en-US" dirty="0" smtClean="0"/>
+              <a:t>lightweight</a:t>
+            </a:r>
+            <a:endParaRPr lang="en-US" dirty="0"/>
+          </a:p>
+        </p:txBody>
+      </p:sp>
+    </p:spTree>
+    <p:extLst>
+      <p:ext uri="{BB962C8B-B14F-4D97-AF65-F5344CB8AC3E}">
+        <p14:creationId xmlns:p14="http://schemas.microsoft.com/office/powerpoint/2010/main" val="3853199244"/>
+      </p:ext>
+    </p:extLst>
+  </p:cSld>
+  <p:clrMapOvr>
+    <a:masterClrMapping/>
+  </p:clrMapOvr>
+  <p:timing>
+    <p:tnLst>
+      <p:par>
+        <p:cTn id="1" dur="indefinite" restart="never" nodeType="tmRoot"/>
+      </p:par>
+    </p:tnLst>
+  </p:timing>
+</p:sld>
+</file>
+
+<file path=ppt/slides/slide30.xml><?xml version="1.0" encoding="utf-8"?>
 <p:sld xmlns:a="http://schemas.openxmlformats.org/drawingml/2006/main" xmlns:r="http://schemas.openxmlformats.org/officeDocument/2006/relationships" xmlns:p="http://schemas.openxmlformats.org/presentationml/2006/main">
   <p:cSld>
     <p:spTree>
@@ -22657,7 +23369,7 @@
                       <m:fPr>
                         <m:ctrlPr>
                           <a:rPr lang="en-US" sz="2200" i="1">
-                            <a:latin typeface="Cambria Math" panose="02040503050406030204" pitchFamily="18" charset="0"/>
+                            <a:latin typeface="Cambria Math"/>
                           </a:rPr>
                         </m:ctrlPr>
                       </m:fPr>
@@ -22677,7 +23389,7 @@
                           <m:sSubPr>
                             <m:ctrlPr>
                               <a:rPr lang="en-US" sz="2200" i="1">
-                                <a:latin typeface="Cambria Math" panose="02040503050406030204" pitchFamily="18" charset="0"/>
+                                <a:latin typeface="Cambria Math"/>
                               </a:rPr>
                             </m:ctrlPr>
                           </m:sSubPr>
@@ -22716,7 +23428,7 @@
                       <m:fPr>
                         <m:ctrlPr>
                           <a:rPr lang="en-US" sz="2200" b="0" i="1" smtClean="0">
-                            <a:latin typeface="Cambria Math" panose="02040503050406030204" pitchFamily="18" charset="0"/>
+                            <a:latin typeface="Cambria Math"/>
                           </a:rPr>
                         </m:ctrlPr>
                       </m:fPr>
@@ -22731,7 +23443,7 @@
                           <m:sSubPr>
                             <m:ctrlPr>
                               <a:rPr lang="en-US" sz="2200" b="0" i="1" smtClean="0">
-                                <a:latin typeface="Cambria Math" panose="02040503050406030204" pitchFamily="18" charset="0"/>
+                                <a:latin typeface="Cambria Math"/>
                               </a:rPr>
                             </m:ctrlPr>
                           </m:sSubPr>
@@ -22764,7 +23476,7 @@
                           <m:sSupPr>
                             <m:ctrlPr>
                               <a:rPr lang="en-US" sz="2200" b="0" i="1" smtClean="0">
-                                <a:latin typeface="Cambria Math" panose="02040503050406030204" pitchFamily="18" charset="0"/>
+                                <a:latin typeface="Cambria Math"/>
                               </a:rPr>
                             </m:ctrlPr>
                           </m:sSupPr>
@@ -22872,7 +23584,7 @@
                       <m:fPr>
                         <m:ctrlPr>
                           <a:rPr lang="en-US" sz="2200" i="1">
-                            <a:latin typeface="Cambria Math" panose="02040503050406030204" pitchFamily="18" charset="0"/>
+                            <a:latin typeface="Cambria Math"/>
                           </a:rPr>
                         </m:ctrlPr>
                       </m:fPr>
@@ -22892,7 +23604,7 @@
                           <m:sSubPr>
                             <m:ctrlPr>
                               <a:rPr lang="en-US" sz="2200" i="1">
-                                <a:latin typeface="Cambria Math" panose="02040503050406030204" pitchFamily="18" charset="0"/>
+                                <a:latin typeface="Cambria Math"/>
                               </a:rPr>
                             </m:ctrlPr>
                           </m:sSubPr>
@@ -22929,7 +23641,7 @@
                           <m:sSubPr>
                             <m:ctrlPr>
                               <a:rPr lang="en-US" sz="2200" b="0" i="1" smtClean="0">
-                                <a:latin typeface="Cambria Math" panose="02040503050406030204" pitchFamily="18" charset="0"/>
+                                <a:latin typeface="Cambria Math"/>
                               </a:rPr>
                             </m:ctrlPr>
                           </m:sSubPr>
@@ -22962,7 +23674,7 @@
                       <m:fPr>
                         <m:ctrlPr>
                           <a:rPr lang="en-US" sz="2200" b="0" i="1" smtClean="0">
-                            <a:latin typeface="Cambria Math" panose="02040503050406030204" pitchFamily="18" charset="0"/>
+                            <a:latin typeface="Cambria Math"/>
                           </a:rPr>
                         </m:ctrlPr>
                       </m:fPr>
@@ -22977,7 +23689,7 @@
                           <m:sSubPr>
                             <m:ctrlPr>
                               <a:rPr lang="en-US" sz="2200" b="0" i="1" smtClean="0">
-                                <a:latin typeface="Cambria Math" panose="02040503050406030204" pitchFamily="18" charset="0"/>
+                                <a:latin typeface="Cambria Math"/>
                               </a:rPr>
                             </m:ctrlPr>
                           </m:sSubPr>
@@ -23010,7 +23722,7 @@
                           <m:sSupPr>
                             <m:ctrlPr>
                               <a:rPr lang="en-US" sz="2200" b="0" i="1" smtClean="0">
-                                <a:latin typeface="Cambria Math" panose="02040503050406030204" pitchFamily="18" charset="0"/>
+                                <a:latin typeface="Cambria Math"/>
                               </a:rPr>
                             </m:ctrlPr>
                           </m:sSupPr>
@@ -23041,7 +23753,7 @@
                           <m:sSupPr>
                             <m:ctrlPr>
                               <a:rPr lang="en-US" sz="2200" b="0" i="1" smtClean="0">
-                                <a:latin typeface="Cambria Math" panose="02040503050406030204" pitchFamily="18" charset="0"/>
+                                <a:latin typeface="Cambria Math"/>
                               </a:rPr>
                             </m:ctrlPr>
                           </m:sSupPr>
@@ -23151,7 +23863,7 @@
                       <m:sSubPr>
                         <m:ctrlPr>
                           <a:rPr lang="en-US" sz="2200" i="1">
-                            <a:latin typeface="Cambria Math" panose="02040503050406030204" pitchFamily="18" charset="0"/>
+                            <a:latin typeface="Cambria Math"/>
                           </a:rPr>
                         </m:ctrlPr>
                       </m:sSubPr>
@@ -23188,7 +23900,7 @@
                       <m:sSubPr>
                         <m:ctrlPr>
                           <a:rPr lang="en-US" sz="2200" i="1">
-                            <a:latin typeface="Cambria Math" panose="02040503050406030204" pitchFamily="18" charset="0"/>
+                            <a:latin typeface="Cambria Math"/>
                           </a:rPr>
                         </m:ctrlPr>
                       </m:sSubPr>
@@ -23303,7 +24015,7 @@
                         <m:fPr>
                           <m:ctrlPr>
                             <a:rPr lang="en-US" sz="2200" b="0" i="1" smtClean="0">
-                              <a:latin typeface="Cambria Math" panose="02040503050406030204" pitchFamily="18" charset="0"/>
+                              <a:latin typeface="Cambria Math"/>
                             </a:rPr>
                           </m:ctrlPr>
                         </m:fPr>
@@ -23312,7 +24024,7 @@
                             <m:dPr>
                               <m:ctrlPr>
                                 <a:rPr lang="en-US" sz="2200" b="0" i="1" smtClean="0">
-                                  <a:latin typeface="Cambria Math" panose="02040503050406030204" pitchFamily="18" charset="0"/>
+                                  <a:latin typeface="Cambria Math"/>
                                 </a:rPr>
                               </m:ctrlPr>
                             </m:dPr>
@@ -23333,7 +24045,7 @@
                                 <m:sSupPr>
                                   <m:ctrlPr>
                                     <a:rPr lang="en-US" sz="2200" b="0" i="1" smtClean="0">
-                                      <a:latin typeface="Cambria Math" panose="02040503050406030204" pitchFamily="18" charset="0"/>
+                                      <a:latin typeface="Cambria Math"/>
                                     </a:rPr>
                                   </m:ctrlPr>
                                 </m:sSupPr>
@@ -23360,7 +24072,7 @@
                             <m:dPr>
                               <m:ctrlPr>
                                 <a:rPr lang="en-US" sz="2200" b="0" i="1" smtClean="0">
-                                  <a:latin typeface="Cambria Math" panose="02040503050406030204" pitchFamily="18" charset="0"/>
+                                  <a:latin typeface="Cambria Math"/>
                                 </a:rPr>
                               </m:ctrlPr>
                             </m:dPr>
@@ -23383,7 +24095,7 @@
                             <m:dPr>
                               <m:ctrlPr>
                                 <a:rPr lang="en-US" sz="2200" b="0" i="1" smtClean="0">
-                                  <a:latin typeface="Cambria Math" panose="02040503050406030204" pitchFamily="18" charset="0"/>
+                                  <a:latin typeface="Cambria Math"/>
                                 </a:rPr>
                               </m:ctrlPr>
                             </m:dPr>
@@ -23400,7 +24112,7 @@
                             <m:dPr>
                               <m:ctrlPr>
                                 <a:rPr lang="en-US" sz="2200" b="0" i="1" smtClean="0">
-                                  <a:latin typeface="Cambria Math" panose="02040503050406030204" pitchFamily="18" charset="0"/>
+                                  <a:latin typeface="Cambria Math"/>
                                 </a:rPr>
                               </m:ctrlPr>
                             </m:dPr>
@@ -23409,7 +24121,7 @@
                                 <m:fPr>
                                   <m:ctrlPr>
                                     <a:rPr lang="en-US" sz="2200" b="0" i="1" smtClean="0">
-                                      <a:latin typeface="Cambria Math" panose="02040503050406030204" pitchFamily="18" charset="0"/>
+                                      <a:latin typeface="Cambria Math"/>
                                     </a:rPr>
                                   </m:ctrlPr>
                                 </m:fPr>
@@ -23462,7 +24174,7 @@
                             <m:dPr>
                               <m:ctrlPr>
                                 <a:rPr lang="en-US" sz="2200" i="1">
-                                  <a:latin typeface="Cambria Math" panose="02040503050406030204" pitchFamily="18" charset="0"/>
+                                  <a:latin typeface="Cambria Math"/>
                                 </a:rPr>
                               </m:ctrlPr>
                             </m:dPr>
@@ -23477,7 +24189,7 @@
                                 <m:fPr>
                                   <m:ctrlPr>
                                     <a:rPr lang="en-US" sz="2200" i="1">
-                                      <a:latin typeface="Cambria Math" panose="02040503050406030204" pitchFamily="18" charset="0"/>
+                                      <a:latin typeface="Cambria Math"/>
                                     </a:rPr>
                                   </m:ctrlPr>
                                 </m:fPr>
@@ -23492,7 +24204,7 @@
                                     <m:sSupPr>
                                       <m:ctrlPr>
                                         <a:rPr lang="en-US" sz="2200" i="1">
-                                          <a:latin typeface="Cambria Math" panose="02040503050406030204" pitchFamily="18" charset="0"/>
+                                          <a:latin typeface="Cambria Math"/>
                                         </a:rPr>
                                       </m:ctrlPr>
                                     </m:sSupPr>
@@ -23525,7 +24237,7 @@
                                     <m:sSupPr>
                                       <m:ctrlPr>
                                         <a:rPr lang="en-US" sz="2200" i="1">
-                                          <a:latin typeface="Cambria Math" panose="02040503050406030204" pitchFamily="18" charset="0"/>
+                                          <a:latin typeface="Cambria Math"/>
                                         </a:rPr>
                                       </m:ctrlPr>
                                     </m:sSupPr>
@@ -23603,7 +24315,7 @@
                       <m:fPr>
                         <m:ctrlPr>
                           <a:rPr lang="en-US" sz="2200" b="1" i="1" smtClean="0">
-                            <a:latin typeface="Cambria Math" panose="02040503050406030204" pitchFamily="18" charset="0"/>
+                            <a:latin typeface="Cambria Math"/>
                           </a:rPr>
                         </m:ctrlPr>
                       </m:fPr>
@@ -23612,7 +24324,7 @@
                           <m:sSupPr>
                             <m:ctrlPr>
                               <a:rPr lang="en-US" sz="2200" b="1" i="1" smtClean="0">
-                                <a:latin typeface="Cambria Math" panose="02040503050406030204" pitchFamily="18" charset="0"/>
+                                <a:latin typeface="Cambria Math"/>
                               </a:rPr>
                             </m:ctrlPr>
                           </m:sSupPr>
@@ -23828,7 +24540,7 @@
 </p:sld>
 </file>
 
-<file path=ppt/slides/slide27.xml><?xml version="1.0" encoding="utf-8"?>
+<file path=ppt/slides/slide31.xml><?xml version="1.0" encoding="utf-8"?>
 <p:sld xmlns:a="http://schemas.openxmlformats.org/drawingml/2006/main" xmlns:r="http://schemas.openxmlformats.org/officeDocument/2006/relationships" xmlns:p="http://schemas.openxmlformats.org/presentationml/2006/main">
   <p:cSld>
     <p:spTree>
@@ -24121,7 +24833,7 @@
 </p:sld>
 </file>
 
-<file path=ppt/slides/slide28.xml><?xml version="1.0" encoding="utf-8"?>
+<file path=ppt/slides/slide32.xml><?xml version="1.0" encoding="utf-8"?>
 <p:sld xmlns:a="http://schemas.openxmlformats.org/drawingml/2006/main" xmlns:r="http://schemas.openxmlformats.org/officeDocument/2006/relationships" xmlns:p="http://schemas.openxmlformats.org/presentationml/2006/main">
   <p:cSld>
     <p:spTree>
@@ -24282,15 +24994,7 @@
             </a:pPr>
             <a:r>
               <a:rPr lang="en-US" sz="2800" dirty="0" smtClean="0"/>
-              <a:t>Specifications </a:t>
-            </a:r>
-            <a:r>
-              <a:rPr lang="en-US" sz="2800" dirty="0" smtClean="0"/>
-              <a:t>determined by</a:t>
-            </a:r>
-            <a:r>
-              <a:rPr lang="en-US" sz="2800" dirty="0" smtClean="0"/>
-              <a:t>: </a:t>
+              <a:t>Specifications determined by: </a:t>
             </a:r>
           </a:p>
           <a:p>
@@ -24338,7 +25042,7 @@
 </p:sld>
 </file>
 
-<file path=ppt/slides/slide29.xml><?xml version="1.0" encoding="utf-8"?>
+<file path=ppt/slides/slide33.xml><?xml version="1.0" encoding="utf-8"?>
 <p:sld xmlns:a="http://schemas.openxmlformats.org/drawingml/2006/main" xmlns:r="http://schemas.openxmlformats.org/officeDocument/2006/relationships" xmlns:p="http://schemas.openxmlformats.org/presentationml/2006/main">
   <p:cSld>
     <p:spTree>
@@ -24592,154 +25296,7 @@
 </p:sld>
 </file>
 
-<file path=ppt/slides/slide3.xml><?xml version="1.0" encoding="utf-8"?>
-<p:sld xmlns:a="http://schemas.openxmlformats.org/drawingml/2006/main" xmlns:r="http://schemas.openxmlformats.org/officeDocument/2006/relationships" xmlns:p="http://schemas.openxmlformats.org/presentationml/2006/main">
-  <p:cSld>
-    <p:spTree>
-      <p:nvGrpSpPr>
-        <p:cNvPr id="1" name=""/>
-        <p:cNvGrpSpPr/>
-        <p:nvPr/>
-      </p:nvGrpSpPr>
-      <p:grpSpPr>
-        <a:xfrm>
-          <a:off x="0" y="0"/>
-          <a:ext cx="0" cy="0"/>
-          <a:chOff x="0" y="0"/>
-          <a:chExt cx="0" cy="0"/>
-        </a:xfrm>
-      </p:grpSpPr>
-      <p:sp>
-        <p:nvSpPr>
-          <p:cNvPr id="2" name="Title 1"/>
-          <p:cNvSpPr>
-            <a:spLocks noGrp="1"/>
-          </p:cNvSpPr>
-          <p:nvPr>
-            <p:ph type="title"/>
-          </p:nvPr>
-        </p:nvSpPr>
-        <p:spPr/>
-        <p:txBody>
-          <a:bodyPr/>
-          <a:lstStyle/>
-          <a:p>
-            <a:r>
-              <a:rPr lang="en-US" dirty="0" smtClean="0"/>
-              <a:t>Major Design Decisions</a:t>
-            </a:r>
-            <a:endParaRPr lang="en-US" dirty="0"/>
-          </a:p>
-        </p:txBody>
-      </p:sp>
-      <p:sp>
-        <p:nvSpPr>
-          <p:cNvPr id="3" name="Content Placeholder 2"/>
-          <p:cNvSpPr>
-            <a:spLocks noGrp="1"/>
-          </p:cNvSpPr>
-          <p:nvPr>
-            <p:ph idx="1"/>
-          </p:nvPr>
-        </p:nvSpPr>
-        <p:spPr>
-          <a:xfrm>
-            <a:off x="1141412" y="2249487"/>
-            <a:ext cx="9905999" cy="4063390"/>
-          </a:xfrm>
-        </p:spPr>
-        <p:txBody>
-          <a:bodyPr>
-            <a:normAutofit/>
-          </a:bodyPr>
-          <a:lstStyle/>
-          <a:p>
-            <a:r>
-              <a:rPr lang="en-US" dirty="0"/>
-              <a:t>Quadruped Locomotion</a:t>
-            </a:r>
-          </a:p>
-          <a:p>
-            <a:pPr lvl="1"/>
-            <a:r>
-              <a:rPr lang="en-US" dirty="0"/>
-              <a:t>Agile motion</a:t>
-            </a:r>
-          </a:p>
-          <a:p>
-            <a:pPr lvl="1"/>
-            <a:r>
-              <a:rPr lang="en-US" dirty="0"/>
-              <a:t>Stable</a:t>
-            </a:r>
-          </a:p>
-          <a:p>
-            <a:pPr lvl="1"/>
-            <a:r>
-              <a:rPr lang="en-US" dirty="0"/>
-              <a:t>Rugged </a:t>
-            </a:r>
-            <a:r>
-              <a:rPr lang="en-US" dirty="0" smtClean="0"/>
-              <a:t>Terrain</a:t>
-            </a:r>
-          </a:p>
-          <a:p>
-            <a:pPr lvl="1"/>
-            <a:r>
-              <a:rPr lang="en-US" dirty="0" smtClean="0"/>
-              <a:t>Two Links per Leg</a:t>
-            </a:r>
-            <a:endParaRPr lang="en-US" dirty="0"/>
-          </a:p>
-          <a:p>
-            <a:r>
-              <a:rPr lang="en-US" dirty="0"/>
-              <a:t>Pneumatic Power</a:t>
-            </a:r>
-          </a:p>
-          <a:p>
-            <a:pPr lvl="1"/>
-            <a:r>
-              <a:rPr lang="en-US" dirty="0"/>
-              <a:t>High energy density</a:t>
-            </a:r>
-          </a:p>
-          <a:p>
-            <a:pPr lvl="1"/>
-            <a:r>
-              <a:rPr lang="en-US" dirty="0"/>
-              <a:t>Clean and </a:t>
-            </a:r>
-            <a:r>
-              <a:rPr lang="en-US" dirty="0" smtClean="0"/>
-              <a:t>lightweight</a:t>
-            </a:r>
-            <a:endParaRPr lang="en-US" dirty="0"/>
-          </a:p>
-        </p:txBody>
-      </p:sp>
-    </p:spTree>
-    <p:extLst>
-      <p:ext uri="{BB962C8B-B14F-4D97-AF65-F5344CB8AC3E}">
-        <p14:creationId xmlns:p14="http://schemas.microsoft.com/office/powerpoint/2010/main" val="3853199244"/>
-      </p:ext>
-    </p:extLst>
-  </p:cSld>
-  <p:clrMapOvr>
-    <a:masterClrMapping/>
-  </p:clrMapOvr>
-  <p:timing>
-    <p:tnLst>
-      <p:par>
-        <p:cTn id="1" dur="indefinite" restart="never" nodeType="tmRoot"/>
-      </p:par>
-    </p:tnLst>
-  </p:timing>
-</p:sld>
-</file>
-
-<file path=ppt/slides/slide30.xml><?xml version="1.0" encoding="utf-8"?>
+<file path=ppt/slides/slide34.xml><?xml version="1.0" encoding="utf-8"?>
 <p:sld xmlns:a="http://schemas.openxmlformats.org/drawingml/2006/main" xmlns:r="http://schemas.openxmlformats.org/officeDocument/2006/relationships" xmlns:p="http://schemas.openxmlformats.org/presentationml/2006/main">
   <p:cSld>
     <p:spTree>
@@ -24894,7 +25451,7 @@
 </p:sld>
 </file>
 
-<file path=ppt/slides/slide31.xml><?xml version="1.0" encoding="utf-8"?>
+<file path=ppt/slides/slide35.xml><?xml version="1.0" encoding="utf-8"?>
 <p:sld xmlns:a="http://schemas.openxmlformats.org/drawingml/2006/main" xmlns:r="http://schemas.openxmlformats.org/officeDocument/2006/relationships" xmlns:p="http://schemas.openxmlformats.org/presentationml/2006/main">
   <p:cSld>
     <p:spTree>
@@ -25044,7 +25601,7 @@
 </p:sld>
 </file>
 
-<file path=ppt/slides/slide32.xml><?xml version="1.0" encoding="utf-8"?>
+<file path=ppt/slides/slide36.xml><?xml version="1.0" encoding="utf-8"?>
 <p:sld xmlns:a="http://schemas.openxmlformats.org/drawingml/2006/main" xmlns:r="http://schemas.openxmlformats.org/officeDocument/2006/relationships" xmlns:p="http://schemas.openxmlformats.org/presentationml/2006/main">
   <p:cSld>
     <p:spTree>
@@ -25162,7 +25719,7 @@
 </p:sld>
 </file>
 
-<file path=ppt/slides/slide33.xml><?xml version="1.0" encoding="utf-8"?>
+<file path=ppt/slides/slide37.xml><?xml version="1.0" encoding="utf-8"?>
 <p:sld xmlns:a="http://schemas.openxmlformats.org/drawingml/2006/main" xmlns:r="http://schemas.openxmlformats.org/officeDocument/2006/relationships" xmlns:p="http://schemas.openxmlformats.org/presentationml/2006/main">
   <p:cSld>
     <p:spTree>
@@ -25315,7 +25872,7 @@
 </p:sld>
 </file>
 
-<file path=ppt/slides/slide34.xml><?xml version="1.0" encoding="utf-8"?>
+<file path=ppt/slides/slide38.xml><?xml version="1.0" encoding="utf-8"?>
 <p:sld xmlns:a="http://schemas.openxmlformats.org/drawingml/2006/main" xmlns:r="http://schemas.openxmlformats.org/officeDocument/2006/relationships" xmlns:p="http://schemas.openxmlformats.org/presentationml/2006/main">
   <p:cSld>
     <p:spTree>
@@ -25505,7 +26062,7 @@
 </p:sld>
 </file>
 
-<file path=ppt/slides/slide35.xml><?xml version="1.0" encoding="utf-8"?>
+<file path=ppt/slides/slide39.xml><?xml version="1.0" encoding="utf-8"?>
 <p:sld xmlns:a="http://schemas.openxmlformats.org/drawingml/2006/main" xmlns:r="http://schemas.openxmlformats.org/officeDocument/2006/relationships" xmlns:p="http://schemas.openxmlformats.org/presentationml/2006/main">
   <p:cSld>
     <p:spTree>
@@ -25658,7 +26215,133 @@
 </p:sld>
 </file>
 
-<file path=ppt/slides/slide36.xml><?xml version="1.0" encoding="utf-8"?>
+<file path=ppt/slides/slide4.xml><?xml version="1.0" encoding="utf-8"?>
+<p:sld xmlns:a="http://schemas.openxmlformats.org/drawingml/2006/main" xmlns:r="http://schemas.openxmlformats.org/officeDocument/2006/relationships" xmlns:p="http://schemas.openxmlformats.org/presentationml/2006/main">
+  <p:cSld>
+    <p:spTree>
+      <p:nvGrpSpPr>
+        <p:cNvPr id="1" name=""/>
+        <p:cNvGrpSpPr/>
+        <p:nvPr/>
+      </p:nvGrpSpPr>
+      <p:grpSpPr>
+        <a:xfrm>
+          <a:off x="0" y="0"/>
+          <a:ext cx="0" cy="0"/>
+          <a:chOff x="0" y="0"/>
+          <a:chExt cx="0" cy="0"/>
+        </a:xfrm>
+      </p:grpSpPr>
+      <p:sp>
+        <p:nvSpPr>
+          <p:cNvPr id="2" name="Title 1"/>
+          <p:cNvSpPr>
+            <a:spLocks noGrp="1"/>
+          </p:cNvSpPr>
+          <p:nvPr>
+            <p:ph type="title"/>
+          </p:nvPr>
+        </p:nvSpPr>
+        <p:spPr/>
+        <p:txBody>
+          <a:bodyPr/>
+          <a:lstStyle/>
+          <a:p>
+            <a:r>
+              <a:rPr lang="en-US" dirty="0" smtClean="0"/>
+              <a:t>Major Constraints and Objectives</a:t>
+            </a:r>
+            <a:endParaRPr lang="en-US" dirty="0"/>
+          </a:p>
+        </p:txBody>
+      </p:sp>
+      <p:sp>
+        <p:nvSpPr>
+          <p:cNvPr id="3" name="Content Placeholder 2"/>
+          <p:cNvSpPr>
+            <a:spLocks noGrp="1"/>
+          </p:cNvSpPr>
+          <p:nvPr>
+            <p:ph idx="1"/>
+          </p:nvPr>
+        </p:nvSpPr>
+        <p:spPr>
+          <a:xfrm>
+            <a:off x="1141412" y="2249486"/>
+            <a:ext cx="9905999" cy="4143149"/>
+          </a:xfrm>
+        </p:spPr>
+        <p:txBody>
+          <a:bodyPr>
+            <a:normAutofit/>
+          </a:bodyPr>
+          <a:lstStyle/>
+          <a:p>
+            <a:r>
+              <a:rPr lang="en-US" dirty="0" smtClean="0"/>
+              <a:t>Does not weight over 35 Kg</a:t>
+            </a:r>
+          </a:p>
+          <a:p>
+            <a:r>
+              <a:rPr lang="en-US" dirty="0" smtClean="0"/>
+              <a:t>Operational speed up to 0.5 m/s</a:t>
+            </a:r>
+          </a:p>
+          <a:p>
+            <a:r>
+              <a:rPr lang="en-US" dirty="0" smtClean="0"/>
+              <a:t>Gait implementations for creep and walk</a:t>
+            </a:r>
+          </a:p>
+          <a:p>
+            <a:r>
+              <a:rPr lang="en-US" dirty="0" smtClean="0"/>
+              <a:t>Emergency stops easily accessible</a:t>
+            </a:r>
+          </a:p>
+          <a:p>
+            <a:r>
+              <a:rPr lang="en-US" dirty="0" smtClean="0"/>
+              <a:t>Battery life of at least 3 hours for pneumatic components</a:t>
+            </a:r>
+          </a:p>
+          <a:p>
+            <a:r>
+              <a:rPr lang="en-US" dirty="0" smtClean="0"/>
+              <a:t>Onboard batteries and control system</a:t>
+            </a:r>
+          </a:p>
+          <a:p>
+            <a:r>
+              <a:rPr lang="en-US" dirty="0" smtClean="0"/>
+              <a:t>Tethered air supply</a:t>
+            </a:r>
+            <a:endParaRPr lang="en-US" dirty="0"/>
+          </a:p>
+        </p:txBody>
+      </p:sp>
+    </p:spTree>
+    <p:extLst>
+      <p:ext uri="{BB962C8B-B14F-4D97-AF65-F5344CB8AC3E}">
+        <p14:creationId xmlns:p14="http://schemas.microsoft.com/office/powerpoint/2010/main" val="2870593098"/>
+      </p:ext>
+    </p:extLst>
+  </p:cSld>
+  <p:clrMapOvr>
+    <a:masterClrMapping/>
+  </p:clrMapOvr>
+  <p:timing>
+    <p:tnLst>
+      <p:par>
+        <p:cTn id="1" dur="indefinite" restart="never" nodeType="tmRoot"/>
+      </p:par>
+    </p:tnLst>
+  </p:timing>
+</p:sld>
+</file>
+
+<file path=ppt/slides/slide40.xml><?xml version="1.0" encoding="utf-8"?>
 <p:sld xmlns:a="http://schemas.openxmlformats.org/drawingml/2006/main" xmlns:r="http://schemas.openxmlformats.org/officeDocument/2006/relationships" xmlns:p="http://schemas.openxmlformats.org/presentationml/2006/main">
   <p:cSld>
     <p:spTree>
@@ -25889,7 +26572,7 @@
 </p:sld>
 </file>
 
-<file path=ppt/slides/slide37.xml><?xml version="1.0" encoding="utf-8"?>
+<file path=ppt/slides/slide41.xml><?xml version="1.0" encoding="utf-8"?>
 <p:sld xmlns:a="http://schemas.openxmlformats.org/drawingml/2006/main" xmlns:r="http://schemas.openxmlformats.org/officeDocument/2006/relationships" xmlns:p="http://schemas.openxmlformats.org/presentationml/2006/main">
   <p:cSld>
     <p:spTree>
@@ -25998,7 +26681,7 @@
 </p:sld>
 </file>
 
-<file path=ppt/slides/slide38.xml><?xml version="1.0" encoding="utf-8"?>
+<file path=ppt/slides/slide42.xml><?xml version="1.0" encoding="utf-8"?>
 <p:sld xmlns:a="http://schemas.openxmlformats.org/drawingml/2006/main" xmlns:r="http://schemas.openxmlformats.org/officeDocument/2006/relationships" xmlns:p="http://schemas.openxmlformats.org/presentationml/2006/main">
   <p:cSld>
     <p:spTree>
@@ -26159,7 +26842,7 @@
 </p:sld>
 </file>
 
-<file path=ppt/slides/slide39.xml><?xml version="1.0" encoding="utf-8"?>
+<file path=ppt/slides/slide43.xml><?xml version="1.0" encoding="utf-8"?>
 <p:sld xmlns:a="http://schemas.openxmlformats.org/drawingml/2006/main" xmlns:r="http://schemas.openxmlformats.org/officeDocument/2006/relationships" xmlns:p="http://schemas.openxmlformats.org/presentationml/2006/main">
   <p:cSld>
     <p:spTree>
@@ -26249,133 +26932,7 @@
 </p:sld>
 </file>
 
-<file path=ppt/slides/slide4.xml><?xml version="1.0" encoding="utf-8"?>
-<p:sld xmlns:a="http://schemas.openxmlformats.org/drawingml/2006/main" xmlns:r="http://schemas.openxmlformats.org/officeDocument/2006/relationships" xmlns:p="http://schemas.openxmlformats.org/presentationml/2006/main">
-  <p:cSld>
-    <p:spTree>
-      <p:nvGrpSpPr>
-        <p:cNvPr id="1" name=""/>
-        <p:cNvGrpSpPr/>
-        <p:nvPr/>
-      </p:nvGrpSpPr>
-      <p:grpSpPr>
-        <a:xfrm>
-          <a:off x="0" y="0"/>
-          <a:ext cx="0" cy="0"/>
-          <a:chOff x="0" y="0"/>
-          <a:chExt cx="0" cy="0"/>
-        </a:xfrm>
-      </p:grpSpPr>
-      <p:sp>
-        <p:nvSpPr>
-          <p:cNvPr id="2" name="Title 1"/>
-          <p:cNvSpPr>
-            <a:spLocks noGrp="1"/>
-          </p:cNvSpPr>
-          <p:nvPr>
-            <p:ph type="title"/>
-          </p:nvPr>
-        </p:nvSpPr>
-        <p:spPr/>
-        <p:txBody>
-          <a:bodyPr/>
-          <a:lstStyle/>
-          <a:p>
-            <a:r>
-              <a:rPr lang="en-US" dirty="0" smtClean="0"/>
-              <a:t>Major Constraints and Objectives</a:t>
-            </a:r>
-            <a:endParaRPr lang="en-US" dirty="0"/>
-          </a:p>
-        </p:txBody>
-      </p:sp>
-      <p:sp>
-        <p:nvSpPr>
-          <p:cNvPr id="3" name="Content Placeholder 2"/>
-          <p:cNvSpPr>
-            <a:spLocks noGrp="1"/>
-          </p:cNvSpPr>
-          <p:nvPr>
-            <p:ph idx="1"/>
-          </p:nvPr>
-        </p:nvSpPr>
-        <p:spPr>
-          <a:xfrm>
-            <a:off x="1141412" y="2249486"/>
-            <a:ext cx="9905999" cy="4143149"/>
-          </a:xfrm>
-        </p:spPr>
-        <p:txBody>
-          <a:bodyPr>
-            <a:normAutofit/>
-          </a:bodyPr>
-          <a:lstStyle/>
-          <a:p>
-            <a:r>
-              <a:rPr lang="en-US" dirty="0" smtClean="0"/>
-              <a:t>Does not weight over 35 Kg</a:t>
-            </a:r>
-          </a:p>
-          <a:p>
-            <a:r>
-              <a:rPr lang="en-US" dirty="0" smtClean="0"/>
-              <a:t>Operational speed up to 0.5 m/s</a:t>
-            </a:r>
-          </a:p>
-          <a:p>
-            <a:r>
-              <a:rPr lang="en-US" dirty="0" smtClean="0"/>
-              <a:t>Gait implementations for creep and walk</a:t>
-            </a:r>
-          </a:p>
-          <a:p>
-            <a:r>
-              <a:rPr lang="en-US" dirty="0" smtClean="0"/>
-              <a:t>Emergency stops easily accessible</a:t>
-            </a:r>
-          </a:p>
-          <a:p>
-            <a:r>
-              <a:rPr lang="en-US" dirty="0" smtClean="0"/>
-              <a:t>Battery life of at least 3 hours for pneumatic components</a:t>
-            </a:r>
-          </a:p>
-          <a:p>
-            <a:r>
-              <a:rPr lang="en-US" dirty="0" smtClean="0"/>
-              <a:t>Onboard batteries and control system</a:t>
-            </a:r>
-          </a:p>
-          <a:p>
-            <a:r>
-              <a:rPr lang="en-US" dirty="0" smtClean="0"/>
-              <a:t>Tethered air supply</a:t>
-            </a:r>
-            <a:endParaRPr lang="en-US" dirty="0"/>
-          </a:p>
-        </p:txBody>
-      </p:sp>
-    </p:spTree>
-    <p:extLst>
-      <p:ext uri="{BB962C8B-B14F-4D97-AF65-F5344CB8AC3E}">
-        <p14:creationId xmlns:p14="http://schemas.microsoft.com/office/powerpoint/2010/main" val="2870593098"/>
-      </p:ext>
-    </p:extLst>
-  </p:cSld>
-  <p:clrMapOvr>
-    <a:masterClrMapping/>
-  </p:clrMapOvr>
-  <p:timing>
-    <p:tnLst>
-      <p:par>
-        <p:cTn id="1" dur="indefinite" restart="never" nodeType="tmRoot"/>
-      </p:par>
-    </p:tnLst>
-  </p:timing>
-</p:sld>
-</file>
-
-<file path=ppt/slides/slide40.xml><?xml version="1.0" encoding="utf-8"?>
+<file path=ppt/slides/slide44.xml><?xml version="1.0" encoding="utf-8"?>
 <p:sld xmlns:a="http://schemas.openxmlformats.org/drawingml/2006/main" xmlns:r="http://schemas.openxmlformats.org/officeDocument/2006/relationships" xmlns:p="http://schemas.openxmlformats.org/presentationml/2006/main">
   <p:cSld>
     <p:spTree>
@@ -26509,7 +27066,7 @@
 </p:sld>
 </file>
 
-<file path=ppt/slides/slide41.xml><?xml version="1.0" encoding="utf-8"?>
+<file path=ppt/slides/slide45.xml><?xml version="1.0" encoding="utf-8"?>
 <p:sld xmlns:a="http://schemas.openxmlformats.org/drawingml/2006/main" xmlns:r="http://schemas.openxmlformats.org/officeDocument/2006/relationships" xmlns:p="http://schemas.openxmlformats.org/presentationml/2006/main">
   <p:cSld>
     <p:spTree>
@@ -26615,7 +27172,7 @@
 </p:sld>
 </file>
 
-<file path=ppt/slides/slide42.xml><?xml version="1.0" encoding="utf-8"?>
+<file path=ppt/slides/slide46.xml><?xml version="1.0" encoding="utf-8"?>
 <p:sld xmlns:a="http://schemas.openxmlformats.org/drawingml/2006/main" xmlns:r="http://schemas.openxmlformats.org/officeDocument/2006/relationships" xmlns:p="http://schemas.openxmlformats.org/presentationml/2006/main">
   <p:cSld>
     <p:spTree>
@@ -28865,7 +29422,6 @@
               <a:rPr lang="en-US" dirty="0" smtClean="0"/>
               <a:t>our familiarity with it</a:t>
             </a:r>
-            <a:endParaRPr lang="en-US" dirty="0" smtClean="0"/>
           </a:p>
           <a:p>
             <a:pPr lvl="1"/>
@@ -29443,7 +29999,7 @@
   <a:extraClrSchemeLst/>
   <a:extLst>
     <a:ext uri="{05A4C25C-085E-4340-85A3-A5531E510DB2}">
-      <thm15:themeFamily xmlns:thm15="http://schemas.microsoft.com/office/thememl/2012/main" name="Circuit" id="{0AC2F7E7-15F5-431C-B2A2-456FE929F56C}" vid="{14971C58-AB76-4A2A-B231-5F8CA03CF491}"/>
+      <thm15:themeFamily xmlns:thm15="http://schemas.microsoft.com/office/thememl/2012/main" xmlns="" name="Circuit" id="{0AC2F7E7-15F5-431C-B2A2-456FE929F56C}" vid="{14971C58-AB76-4A2A-B231-5F8CA03CF491}"/>
     </a:ext>
   </a:extLst>
 </a:theme>

--- a/Documentation/Presentation/Design Presentation/Design Presentation.pptx
+++ b/Documentation/Presentation/Design Presentation/Design Presentation.pptx
@@ -31,15 +31,15 @@
     <p:sldId id="298" r:id="rId25"/>
     <p:sldId id="303" r:id="rId26"/>
     <p:sldId id="304" r:id="rId27"/>
-    <p:sldId id="260" r:id="rId28"/>
-    <p:sldId id="263" r:id="rId29"/>
-    <p:sldId id="264" r:id="rId30"/>
-    <p:sldId id="265" r:id="rId31"/>
-    <p:sldId id="266" r:id="rId32"/>
-    <p:sldId id="267" r:id="rId33"/>
-    <p:sldId id="268" r:id="rId34"/>
-    <p:sldId id="269" r:id="rId35"/>
-    <p:sldId id="270" r:id="rId36"/>
+    <p:sldId id="305" r:id="rId28"/>
+    <p:sldId id="306" r:id="rId29"/>
+    <p:sldId id="307" r:id="rId30"/>
+    <p:sldId id="308" r:id="rId31"/>
+    <p:sldId id="309" r:id="rId32"/>
+    <p:sldId id="310" r:id="rId33"/>
+    <p:sldId id="311" r:id="rId34"/>
+    <p:sldId id="312" r:id="rId35"/>
+    <p:sldId id="313" r:id="rId36"/>
     <p:sldId id="261" r:id="rId37"/>
     <p:sldId id="287" r:id="rId38"/>
     <p:sldId id="286" r:id="rId39"/>
@@ -151,7 +151,7 @@
   </p:defaultTextStyle>
   <p:extLst>
     <p:ext uri="{EFAFB233-063F-42B5-8137-9DF3F51BA10A}">
-      <p15:sldGuideLst xmlns:p15="http://schemas.microsoft.com/office/powerpoint/2012/main" xmlns="">
+      <p15:sldGuideLst xmlns="" xmlns:p15="http://schemas.microsoft.com/office/powerpoint/2012/main">
         <p15:guide id="1" orient="horz" pos="2160">
           <p15:clr>
             <a:srgbClr val="A4A3A4"/>
@@ -4450,7 +4450,7 @@
           <a:p>
             <a:fld id="{48A87A34-81AB-432B-8DAE-1953F412C126}" type="datetimeFigureOut">
               <a:rPr lang="en-US" dirty="0"/>
-              <a:t>2/26/2015</a:t>
+              <a:t>2/27/2015</a:t>
             </a:fld>
             <a:endParaRPr lang="en-US" dirty="0"/>
           </a:p>
@@ -4712,7 +4712,7 @@
           <a:p>
             <a:fld id="{48A87A34-81AB-432B-8DAE-1953F412C126}" type="datetimeFigureOut">
               <a:rPr lang="en-US" dirty="0"/>
-              <a:t>2/26/2015</a:t>
+              <a:t>2/27/2015</a:t>
             </a:fld>
             <a:endParaRPr lang="en-US" dirty="0"/>
           </a:p>
@@ -4903,7 +4903,7 @@
           <a:p>
             <a:fld id="{48A87A34-81AB-432B-8DAE-1953F412C126}" type="datetimeFigureOut">
               <a:rPr lang="en-US" dirty="0"/>
-              <a:t>2/26/2015</a:t>
+              <a:t>2/27/2015</a:t>
             </a:fld>
             <a:endParaRPr lang="en-US" dirty="0"/>
           </a:p>
@@ -5161,7 +5161,7 @@
           <a:p>
             <a:fld id="{48A87A34-81AB-432B-8DAE-1953F412C126}" type="datetimeFigureOut">
               <a:rPr lang="en-US" dirty="0"/>
-              <a:t>2/26/2015</a:t>
+              <a:t>2/27/2015</a:t>
             </a:fld>
             <a:endParaRPr lang="en-US" dirty="0"/>
           </a:p>
@@ -5590,7 +5590,7 @@
           <a:p>
             <a:fld id="{48A87A34-81AB-432B-8DAE-1953F412C126}" type="datetimeFigureOut">
               <a:rPr lang="en-US" dirty="0"/>
-              <a:t>2/26/2015</a:t>
+              <a:t>2/27/2015</a:t>
             </a:fld>
             <a:endParaRPr lang="en-US" dirty="0"/>
           </a:p>
@@ -6131,7 +6131,7 @@
           <a:p>
             <a:fld id="{48A87A34-81AB-432B-8DAE-1953F412C126}" type="datetimeFigureOut">
               <a:rPr lang="en-US" dirty="0"/>
-              <a:t>2/26/2015</a:t>
+              <a:t>2/27/2015</a:t>
             </a:fld>
             <a:endParaRPr lang="en-US" dirty="0"/>
           </a:p>
@@ -6846,7 +6846,7 @@
           <a:p>
             <a:fld id="{48A87A34-81AB-432B-8DAE-1953F412C126}" type="datetimeFigureOut">
               <a:rPr lang="en-US" dirty="0"/>
-              <a:t>2/26/2015</a:t>
+              <a:t>2/27/2015</a:t>
             </a:fld>
             <a:endParaRPr lang="en-US" dirty="0"/>
           </a:p>
@@ -7011,7 +7011,7 @@
           <a:p>
             <a:fld id="{48A87A34-81AB-432B-8DAE-1953F412C126}" type="datetimeFigureOut">
               <a:rPr lang="en-US" dirty="0"/>
-              <a:t>2/26/2015</a:t>
+              <a:t>2/27/2015</a:t>
             </a:fld>
             <a:endParaRPr lang="en-US" dirty="0"/>
           </a:p>
@@ -7186,7 +7186,7 @@
           <a:p>
             <a:fld id="{48A87A34-81AB-432B-8DAE-1953F412C126}" type="datetimeFigureOut">
               <a:rPr lang="en-US" dirty="0"/>
-              <a:t>2/26/2015</a:t>
+              <a:t>2/27/2015</a:t>
             </a:fld>
             <a:endParaRPr lang="en-US" dirty="0"/>
           </a:p>
@@ -7351,7 +7351,7 @@
           <a:p>
             <a:fld id="{48A87A34-81AB-432B-8DAE-1953F412C126}" type="datetimeFigureOut">
               <a:rPr lang="en-US" dirty="0"/>
-              <a:t>2/26/2015</a:t>
+              <a:t>2/27/2015</a:t>
             </a:fld>
             <a:endParaRPr lang="en-US" dirty="0"/>
           </a:p>
@@ -7596,7 +7596,7 @@
           <a:p>
             <a:fld id="{48A87A34-81AB-432B-8DAE-1953F412C126}" type="datetimeFigureOut">
               <a:rPr lang="en-US" dirty="0"/>
-              <a:t>2/26/2015</a:t>
+              <a:t>2/27/2015</a:t>
             </a:fld>
             <a:endParaRPr lang="en-US" dirty="0"/>
           </a:p>
@@ -7823,7 +7823,7 @@
           <a:p>
             <a:fld id="{48A87A34-81AB-432B-8DAE-1953F412C126}" type="datetimeFigureOut">
               <a:rPr lang="en-US" dirty="0"/>
-              <a:t>2/26/2015</a:t>
+              <a:t>2/27/2015</a:t>
             </a:fld>
             <a:endParaRPr lang="en-US" dirty="0"/>
           </a:p>
@@ -8199,7 +8199,7 @@
           <a:p>
             <a:fld id="{48A87A34-81AB-432B-8DAE-1953F412C126}" type="datetimeFigureOut">
               <a:rPr lang="en-US" dirty="0"/>
-              <a:t>2/26/2015</a:t>
+              <a:t>2/27/2015</a:t>
             </a:fld>
             <a:endParaRPr lang="en-US" dirty="0"/>
           </a:p>
@@ -8312,7 +8312,7 @@
           <a:p>
             <a:fld id="{48A87A34-81AB-432B-8DAE-1953F412C126}" type="datetimeFigureOut">
               <a:rPr lang="en-US" dirty="0"/>
-              <a:t>2/26/2015</a:t>
+              <a:t>2/27/2015</a:t>
             </a:fld>
             <a:endParaRPr lang="en-US" dirty="0"/>
           </a:p>
@@ -8402,7 +8402,7 @@
           <a:p>
             <a:fld id="{48A87A34-81AB-432B-8DAE-1953F412C126}" type="datetimeFigureOut">
               <a:rPr lang="en-US" dirty="0"/>
-              <a:t>2/26/2015</a:t>
+              <a:t>2/27/2015</a:t>
             </a:fld>
             <a:endParaRPr lang="en-US" dirty="0"/>
           </a:p>
@@ -8646,7 +8646,7 @@
           <a:p>
             <a:fld id="{48A87A34-81AB-432B-8DAE-1953F412C126}" type="datetimeFigureOut">
               <a:rPr lang="en-US" dirty="0"/>
-              <a:t>2/26/2015</a:t>
+              <a:t>2/27/2015</a:t>
             </a:fld>
             <a:endParaRPr lang="en-US" dirty="0"/>
           </a:p>
@@ -8921,7 +8921,7 @@
           <a:p>
             <a:fld id="{48A87A34-81AB-432B-8DAE-1953F412C126}" type="datetimeFigureOut">
               <a:rPr lang="en-US" dirty="0"/>
-              <a:t>2/26/2015</a:t>
+              <a:t>2/27/2015</a:t>
             </a:fld>
             <a:endParaRPr lang="en-US" dirty="0"/>
           </a:p>
@@ -11984,7 +11984,7 @@
             <a:fld id="{48A87A34-81AB-432B-8DAE-1953F412C126}" type="datetimeFigureOut">
               <a:rPr lang="en-US" dirty="0"/>
               <a:pPr/>
-              <a:t>2/26/2015</a:t>
+              <a:t>2/27/2015</a:t>
             </a:fld>
             <a:endParaRPr lang="en-US" dirty="0"/>
           </a:p>
@@ -20348,11 +20348,7 @@
           <a:p>
             <a:r>
               <a:rPr lang="en-US" dirty="0" smtClean="0"/>
-              <a:t>FEA </a:t>
-            </a:r>
-            <a:r>
-              <a:rPr lang="en-US" dirty="0" smtClean="0"/>
-              <a:t>of Components</a:t>
+              <a:t>FEA of Components</a:t>
             </a:r>
             <a:endParaRPr lang="en-US" dirty="0"/>
           </a:p>
@@ -20462,11 +20458,7 @@
           <a:p>
             <a:r>
               <a:rPr lang="en-US" dirty="0" smtClean="0"/>
-              <a:t>Lightweight design to reduce the overall forces on the </a:t>
-            </a:r>
-            <a:r>
-              <a:rPr lang="en-US" dirty="0" smtClean="0"/>
-              <a:t>legs</a:t>
+              <a:t>Lightweight design to reduce the overall forces on the legs</a:t>
             </a:r>
           </a:p>
           <a:p>
@@ -20909,11 +20901,7 @@
             <a:pPr lvl="1"/>
             <a:r>
               <a:rPr lang="en-US" dirty="0" smtClean="0"/>
-              <a:t>Prevents singularity point of knee </a:t>
-            </a:r>
-            <a:r>
-              <a:rPr lang="en-US" dirty="0" smtClean="0"/>
-              <a:t>piston</a:t>
+              <a:t>Prevents singularity point of knee piston</a:t>
             </a:r>
           </a:p>
           <a:p>
@@ -21606,48 +21594,61 @@
           </a:bodyPr>
           <a:lstStyle/>
           <a:p>
-            <a:pPr marL="0" indent="0">
+            <a:r>
+              <a:rPr lang="en-US" sz="2800" dirty="0" smtClean="0"/>
+              <a:t>Power source </a:t>
+            </a:r>
+            <a:r>
+              <a:rPr lang="en-US" sz="2800" dirty="0"/>
+              <a:t>o</a:t>
+            </a:r>
+            <a:r>
+              <a:rPr lang="en-US" sz="2800" dirty="0" smtClean="0"/>
+              <a:t>ptions</a:t>
+            </a:r>
+          </a:p>
+          <a:p>
+            <a:r>
+              <a:rPr lang="en-US" sz="2800" dirty="0" smtClean="0"/>
+              <a:t>Component specifications</a:t>
+            </a:r>
+          </a:p>
+          <a:p>
+            <a:pPr marL="457200" lvl="1" indent="0">
               <a:buNone/>
             </a:pPr>
             <a:r>
               <a:rPr lang="en-US" sz="2800" dirty="0" smtClean="0"/>
-              <a:t>Power Source Options</a:t>
-            </a:r>
-          </a:p>
-          <a:p>
-            <a:pPr marL="0" indent="0">
+              <a:t>-Air Cylinders</a:t>
+            </a:r>
+          </a:p>
+          <a:p>
+            <a:pPr marL="457200" lvl="1" indent="0">
               <a:buNone/>
             </a:pPr>
             <a:r>
-              <a:rPr lang="en-US" sz="2800" dirty="0" smtClean="0"/>
-              <a:t>Component Specifications</a:t>
-            </a:r>
-          </a:p>
-          <a:p>
-            <a:pPr lvl="1"/>
-            <a:r>
-              <a:rPr lang="en-US" sz="2800" dirty="0" smtClean="0"/>
-              <a:t>Air Cylinders</a:t>
-            </a:r>
-          </a:p>
-          <a:p>
-            <a:pPr lvl="1"/>
+              <a:rPr lang="en-US" sz="2800" dirty="0"/>
+              <a:t>-</a:t>
+            </a:r>
             <a:r>
               <a:rPr lang="en-US" sz="2800" dirty="0" smtClean="0"/>
               <a:t>Directional Control Valves</a:t>
             </a:r>
           </a:p>
           <a:p>
-            <a:pPr lvl="1"/>
+            <a:pPr marL="457200" lvl="1" indent="0">
+              <a:buNone/>
+            </a:pPr>
+            <a:r>
+              <a:rPr lang="en-US" sz="2800" dirty="0"/>
+              <a:t>-</a:t>
+            </a:r>
             <a:r>
               <a:rPr lang="en-US" sz="2800" dirty="0" smtClean="0"/>
               <a:t>Air Compressors</a:t>
             </a:r>
           </a:p>
           <a:p>
-            <a:pPr marL="0" indent="0">
-              <a:buNone/>
-            </a:pPr>
             <a:r>
               <a:rPr lang="en-US" sz="2800" dirty="0" smtClean="0"/>
               <a:t>Other circuit components</a:t>
@@ -21659,7 +21660,7 @@
     </p:spTree>
     <p:extLst>
       <p:ext uri="{BB962C8B-B14F-4D97-AF65-F5344CB8AC3E}">
-        <p14:creationId xmlns:p14="http://schemas.microsoft.com/office/powerpoint/2010/main" val="971052709"/>
+        <p14:creationId xmlns:p14="http://schemas.microsoft.com/office/powerpoint/2010/main" val="1006393667"/>
       </p:ext>
     </p:extLst>
   </p:cSld>
@@ -22689,7 +22690,7 @@
     </p:spTree>
     <p:extLst>
       <p:ext uri="{BB962C8B-B14F-4D97-AF65-F5344CB8AC3E}">
-        <p14:creationId xmlns:p14="http://schemas.microsoft.com/office/powerpoint/2010/main" val="3085210089"/>
+        <p14:creationId xmlns:p14="http://schemas.microsoft.com/office/powerpoint/2010/main" val="575171829"/>
       </p:ext>
     </p:extLst>
   </p:cSld>
@@ -22993,7 +22994,7 @@
         <p:spPr>
           <a:xfrm>
             <a:off x="508000" y="1600200"/>
-            <a:ext cx="5181600" cy="1384995"/>
+            <a:ext cx="5181600" cy="1815882"/>
           </a:xfrm>
           <a:prstGeom prst="rect">
             <a:avLst/>
@@ -23023,8 +23024,23 @@
             </a:pPr>
             <a:r>
               <a:rPr lang="en-US" sz="2800" dirty="0" smtClean="0"/>
-              <a:t>Position Feedback Sensor</a:t>
-            </a:r>
+              <a:t>Position Feedback </a:t>
+            </a:r>
+            <a:r>
+              <a:rPr lang="en-US" sz="2800" dirty="0" smtClean="0"/>
+              <a:t>Sensor (PFS)</a:t>
+            </a:r>
+          </a:p>
+          <a:p>
+            <a:pPr marL="457200" indent="-457200">
+              <a:buFont typeface="Arial" panose="020B0604020202020204" pitchFamily="34" charset="0"/>
+              <a:buChar char="•"/>
+            </a:pPr>
+            <a:r>
+              <a:rPr lang="en-US" sz="2800" dirty="0" smtClean="0"/>
+              <a:t>Dual-acting</a:t>
+            </a:r>
+            <a:endParaRPr lang="en-US" sz="2800" dirty="0" smtClean="0"/>
           </a:p>
         </p:txBody>
       </p:sp>
@@ -23101,7 +23117,7 @@
     </p:spTree>
     <p:extLst>
       <p:ext uri="{BB962C8B-B14F-4D97-AF65-F5344CB8AC3E}">
-        <p14:creationId xmlns:p14="http://schemas.microsoft.com/office/powerpoint/2010/main" val="580393049"/>
+        <p14:creationId xmlns:p14="http://schemas.microsoft.com/office/powerpoint/2010/main" val="3261995440"/>
       </p:ext>
     </p:extLst>
   </p:cSld>
@@ -23326,7 +23342,7 @@
             </p:nvSpPr>
             <p:spPr>
               <a:xfrm>
-                <a:off x="152400" y="874052"/>
+                <a:off x="5671073" y="1056931"/>
                 <a:ext cx="6062133" cy="5678785"/>
               </a:xfrm>
             </p:spPr>
@@ -24351,7 +24367,7 @@
                           <a:rPr lang="en-US" sz="2200" b="1" i="1" smtClean="0">
                             <a:latin typeface="Cambria Math"/>
                           </a:rPr>
-                          <m:t>𝒔𝒆𝒄</m:t>
+                          <m:t>𝒎𝒊𝒏</m:t>
                         </m:r>
                       </m:den>
                     </m:f>
@@ -24385,13 +24401,13 @@
             </p:nvSpPr>
             <p:spPr>
               <a:xfrm>
-                <a:off x="152400" y="874052"/>
+                <a:off x="5671073" y="1056931"/>
                 <a:ext cx="6062133" cy="5678785"/>
               </a:xfrm>
               <a:blipFill rotWithShape="1">
                 <a:blip r:embed="rId2"/>
                 <a:stretch>
-                  <a:fillRect l="-1006" t="-536"/>
+                  <a:fillRect l="-1005" t="-536"/>
                 </a:stretch>
               </a:blipFill>
             </p:spPr>
@@ -24418,8 +24434,8 @@
         </p:nvSpPr>
         <p:spPr>
           <a:xfrm>
-            <a:off x="7637522" y="4123335"/>
-            <a:ext cx="3220259" cy="1200329"/>
+            <a:off x="880500" y="3789847"/>
+            <a:ext cx="3220259" cy="830997"/>
           </a:xfrm>
           <a:prstGeom prst="rect">
             <a:avLst/>
@@ -24434,7 +24450,7 @@
           <a:p>
             <a:r>
               <a:rPr lang="en-US" sz="2400" b="1" dirty="0" smtClean="0"/>
-              <a:t>Selected Cylinder Specs</a:t>
+              <a:t>Selected Cylinder Spec</a:t>
             </a:r>
             <a:r>
               <a:rPr lang="en-US" sz="2400" dirty="0" smtClean="0"/>
@@ -24444,15 +24460,21 @@
           <a:p>
             <a:r>
               <a:rPr lang="en-US" sz="2400" dirty="0" smtClean="0"/>
-              <a:t>2 inch Bore Diameter</a:t>
-            </a:r>
-          </a:p>
-          <a:p>
+              <a:t>2 inch </a:t>
+            </a:r>
             <a:r>
               <a:rPr lang="en-US" sz="2400" dirty="0" smtClean="0"/>
-              <a:t>4 inch Stroke Length</a:t>
-            </a:r>
-            <a:endParaRPr lang="en-US" dirty="0" smtClean="0"/>
+              <a:t>bore </a:t>
+            </a:r>
+            <a:r>
+              <a:rPr lang="en-US" sz="2400" dirty="0"/>
+              <a:t>d</a:t>
+            </a:r>
+            <a:r>
+              <a:rPr lang="en-US" sz="2400" dirty="0" smtClean="0"/>
+              <a:t>iameter</a:t>
+            </a:r>
+            <a:endParaRPr lang="en-US" sz="2400" dirty="0" smtClean="0"/>
           </a:p>
         </p:txBody>
       </p:sp>
@@ -24464,7 +24486,7 @@
         </p:nvSpPr>
         <p:spPr>
           <a:xfrm>
-            <a:off x="7637522" y="1493710"/>
+            <a:off x="880500" y="1127950"/>
             <a:ext cx="3766600" cy="1569660"/>
           </a:xfrm>
           <a:prstGeom prst="rect">
@@ -24523,7 +24545,7 @@
     </p:spTree>
     <p:extLst>
       <p:ext uri="{BB962C8B-B14F-4D97-AF65-F5344CB8AC3E}">
-        <p14:creationId xmlns:p14="http://schemas.microsoft.com/office/powerpoint/2010/main" val="1029922859"/>
+        <p14:creationId xmlns:p14="http://schemas.microsoft.com/office/powerpoint/2010/main" val="2006029286"/>
       </p:ext>
     </p:extLst>
   </p:cSld>
@@ -24611,7 +24633,19 @@
           <a:p>
             <a:r>
               <a:rPr lang="en-US" sz="2400" dirty="0" smtClean="0"/>
-              <a:t>Controls fluid flow through air cylinders based on spool position</a:t>
+              <a:t>Controls fluid flow </a:t>
+            </a:r>
+            <a:r>
+              <a:rPr lang="en-US" sz="2400" dirty="0" smtClean="0"/>
+              <a:t>into</a:t>
+            </a:r>
+            <a:r>
+              <a:rPr lang="en-US" sz="2400" dirty="0" smtClean="0"/>
+              <a:t> </a:t>
+            </a:r>
+            <a:r>
+              <a:rPr lang="en-US" sz="2400" dirty="0" smtClean="0"/>
+              <a:t>air cylinders based on spool position</a:t>
             </a:r>
           </a:p>
           <a:p>
@@ -24816,7 +24850,7 @@
     </p:spTree>
     <p:extLst>
       <p:ext uri="{BB962C8B-B14F-4D97-AF65-F5344CB8AC3E}">
-        <p14:creationId xmlns:p14="http://schemas.microsoft.com/office/powerpoint/2010/main" val="3735460542"/>
+        <p14:creationId xmlns:p14="http://schemas.microsoft.com/office/powerpoint/2010/main" val="195552304"/>
       </p:ext>
     </p:extLst>
   </p:cSld>
@@ -24947,7 +24981,7 @@
         </p:blipFill>
         <p:spPr bwMode="auto">
           <a:xfrm>
-            <a:off x="8801621" y="1591327"/>
+            <a:off x="7994225" y="1211948"/>
             <a:ext cx="3187179" cy="2514600"/>
           </a:xfrm>
           <a:prstGeom prst="rect">
@@ -25005,7 +25039,15 @@
             </a:pPr>
             <a:r>
               <a:rPr lang="en-US" sz="2800" dirty="0" smtClean="0"/>
-              <a:t>-Maximum Pressure required by air cylinders</a:t>
+              <a:t>-Maximum </a:t>
+            </a:r>
+            <a:r>
+              <a:rPr lang="en-US" sz="2800" dirty="0" smtClean="0"/>
+              <a:t>pressure </a:t>
+            </a:r>
+            <a:r>
+              <a:rPr lang="en-US" sz="2800" dirty="0" smtClean="0"/>
+              <a:t>required by air cylinders</a:t>
             </a:r>
           </a:p>
           <a:p>
@@ -25025,7 +25067,7 @@
     </p:spTree>
     <p:extLst>
       <p:ext uri="{BB962C8B-B14F-4D97-AF65-F5344CB8AC3E}">
-        <p14:creationId xmlns:p14="http://schemas.microsoft.com/office/powerpoint/2010/main" val="3075888402"/>
+        <p14:creationId xmlns:p14="http://schemas.microsoft.com/office/powerpoint/2010/main" val="566154956"/>
       </p:ext>
     </p:extLst>
   </p:cSld>
@@ -25043,6 +25085,169 @@
 </file>
 
 <file path=ppt/slides/slide33.xml><?xml version="1.0" encoding="utf-8"?>
+<p:sld xmlns:a="http://schemas.openxmlformats.org/drawingml/2006/main" xmlns:r="http://schemas.openxmlformats.org/officeDocument/2006/relationships" xmlns:p="http://schemas.openxmlformats.org/presentationml/2006/main">
+  <p:cSld>
+    <p:spTree>
+      <p:nvGrpSpPr>
+        <p:cNvPr id="1" name=""/>
+        <p:cNvGrpSpPr/>
+        <p:nvPr/>
+      </p:nvGrpSpPr>
+      <p:grpSpPr>
+        <a:xfrm>
+          <a:off x="0" y="0"/>
+          <a:ext cx="0" cy="0"/>
+          <a:chOff x="0" y="0"/>
+          <a:chExt cx="0" cy="0"/>
+        </a:xfrm>
+      </p:grpSpPr>
+      <p:sp>
+        <p:nvSpPr>
+          <p:cNvPr id="2" name="Title 1"/>
+          <p:cNvSpPr>
+            <a:spLocks noGrp="1"/>
+          </p:cNvSpPr>
+          <p:nvPr>
+            <p:ph type="title"/>
+          </p:nvPr>
+        </p:nvSpPr>
+        <p:spPr>
+          <a:xfrm>
+            <a:off x="1124480" y="135467"/>
+            <a:ext cx="9905998" cy="1478570"/>
+          </a:xfrm>
+        </p:spPr>
+        <p:txBody>
+          <a:bodyPr/>
+          <a:lstStyle/>
+          <a:p>
+            <a:r>
+              <a:rPr lang="en-US" dirty="0" smtClean="0"/>
+              <a:t>Selected Specifications</a:t>
+            </a:r>
+            <a:endParaRPr lang="en-US" dirty="0"/>
+          </a:p>
+        </p:txBody>
+      </p:sp>
+      <p:sp>
+        <p:nvSpPr>
+          <p:cNvPr id="3" name="Content Placeholder 2"/>
+          <p:cNvSpPr>
+            <a:spLocks noGrp="1"/>
+          </p:cNvSpPr>
+          <p:nvPr>
+            <p:ph idx="1"/>
+          </p:nvPr>
+        </p:nvSpPr>
+        <p:spPr>
+          <a:xfrm>
+            <a:off x="880534" y="1913468"/>
+            <a:ext cx="10183811" cy="4080934"/>
+          </a:xfrm>
+        </p:spPr>
+        <p:txBody>
+          <a:bodyPr/>
+          <a:lstStyle/>
+          <a:p>
+            <a:pPr marL="0" indent="0">
+              <a:buNone/>
+            </a:pPr>
+            <a:r>
+              <a:rPr lang="en-US" sz="2800" dirty="0" smtClean="0"/>
+              <a:t>Air </a:t>
+            </a:r>
+            <a:r>
+              <a:rPr lang="en-US" sz="2800" dirty="0" smtClean="0"/>
+              <a:t>Cylinders w/ PFS </a:t>
+            </a:r>
+            <a:r>
+              <a:rPr lang="en-US" sz="2800" dirty="0" smtClean="0"/>
+              <a:t>(8): 2 inch </a:t>
+            </a:r>
+            <a:r>
+              <a:rPr lang="en-US" sz="2800" dirty="0"/>
+              <a:t>b</a:t>
+            </a:r>
+            <a:r>
+              <a:rPr lang="en-US" sz="2800" dirty="0" smtClean="0"/>
+              <a:t>ore </a:t>
+            </a:r>
+            <a:r>
+              <a:rPr lang="en-US" sz="2800" dirty="0"/>
+              <a:t>d</a:t>
+            </a:r>
+            <a:r>
+              <a:rPr lang="en-US" sz="2800" dirty="0" smtClean="0"/>
+              <a:t>iameter, 3 inch </a:t>
+            </a:r>
+            <a:r>
+              <a:rPr lang="en-US" sz="2800" dirty="0"/>
+              <a:t>s</a:t>
+            </a:r>
+            <a:r>
+              <a:rPr lang="en-US" sz="2800" dirty="0" smtClean="0"/>
+              <a:t>troke length for shank, 4 inch stroke length for thigh</a:t>
+            </a:r>
+          </a:p>
+          <a:p>
+            <a:pPr marL="0" indent="0">
+              <a:buNone/>
+            </a:pPr>
+            <a:r>
+              <a:rPr lang="en-US" sz="2800" dirty="0" smtClean="0"/>
+              <a:t>Directional Control Valves (8): 4 ports, 3 spool positions, </a:t>
+            </a:r>
+            <a:r>
+              <a:rPr lang="en-US" sz="2800" dirty="0" err="1" smtClean="0"/>
+              <a:t>C</a:t>
+            </a:r>
+            <a:r>
+              <a:rPr lang="en-US" sz="2800" baseline="-25000" dirty="0" err="1" smtClean="0"/>
+              <a:t>v</a:t>
+            </a:r>
+            <a:r>
+              <a:rPr lang="en-US" sz="2800" dirty="0" smtClean="0"/>
+              <a:t> = 0.67 (21 CFM)</a:t>
+            </a:r>
+          </a:p>
+          <a:p>
+            <a:pPr marL="0" indent="0">
+              <a:buNone/>
+            </a:pPr>
+            <a:r>
+              <a:rPr lang="en-US" sz="2800" dirty="0" smtClean="0"/>
+              <a:t>Air Compressor: 10 gallon, 5.3 CFM (At 90 psi), 125 psi maximum pressure </a:t>
+            </a:r>
+          </a:p>
+          <a:p>
+            <a:pPr marL="0" indent="0">
+              <a:buNone/>
+            </a:pPr>
+            <a:endParaRPr lang="en-US" dirty="0"/>
+          </a:p>
+        </p:txBody>
+      </p:sp>
+    </p:spTree>
+    <p:extLst>
+      <p:ext uri="{BB962C8B-B14F-4D97-AF65-F5344CB8AC3E}">
+        <p14:creationId xmlns:p14="http://schemas.microsoft.com/office/powerpoint/2010/main" val="979571589"/>
+      </p:ext>
+    </p:extLst>
+  </p:cSld>
+  <p:clrMapOvr>
+    <a:masterClrMapping/>
+  </p:clrMapOvr>
+  <p:timing>
+    <p:tnLst>
+      <p:par>
+        <p:cTn id="1" dur="indefinite" restart="never" nodeType="tmRoot"/>
+      </p:par>
+    </p:tnLst>
+  </p:timing>
+</p:sld>
+</file>
+
+<file path=ppt/slides/slide34.xml><?xml version="1.0" encoding="utf-8"?>
 <p:sld xmlns:a="http://schemas.openxmlformats.org/drawingml/2006/main" xmlns:r="http://schemas.openxmlformats.org/officeDocument/2006/relationships" xmlns:p="http://schemas.openxmlformats.org/presentationml/2006/main">
   <p:cSld>
     <p:spTree>
@@ -25182,8 +25387,13 @@
             </a:r>
             <a:r>
               <a:rPr lang="en-US" sz="2800" dirty="0" smtClean="0"/>
-              <a:t>Dictates upper pressure limit</a:t>
-            </a:r>
+              <a:t>Dictates </a:t>
+            </a:r>
+            <a:r>
+              <a:rPr lang="en-US" sz="2800" dirty="0" smtClean="0"/>
+              <a:t>maximum system pressure</a:t>
+            </a:r>
+            <a:endParaRPr lang="en-US" sz="2800" dirty="0" smtClean="0"/>
           </a:p>
           <a:p>
             <a:pPr marL="0" indent="0">
@@ -25279,162 +25489,7 @@
     </p:spTree>
     <p:extLst>
       <p:ext uri="{BB962C8B-B14F-4D97-AF65-F5344CB8AC3E}">
-        <p14:creationId xmlns:p14="http://schemas.microsoft.com/office/powerpoint/2010/main" val="2267217922"/>
-      </p:ext>
-    </p:extLst>
-  </p:cSld>
-  <p:clrMapOvr>
-    <a:masterClrMapping/>
-  </p:clrMapOvr>
-  <p:timing>
-    <p:tnLst>
-      <p:par>
-        <p:cTn id="1" dur="indefinite" restart="never" nodeType="tmRoot"/>
-      </p:par>
-    </p:tnLst>
-  </p:timing>
-</p:sld>
-</file>
-
-<file path=ppt/slides/slide34.xml><?xml version="1.0" encoding="utf-8"?>
-<p:sld xmlns:a="http://schemas.openxmlformats.org/drawingml/2006/main" xmlns:r="http://schemas.openxmlformats.org/officeDocument/2006/relationships" xmlns:p="http://schemas.openxmlformats.org/presentationml/2006/main">
-  <p:cSld>
-    <p:spTree>
-      <p:nvGrpSpPr>
-        <p:cNvPr id="1" name=""/>
-        <p:cNvGrpSpPr/>
-        <p:nvPr/>
-      </p:nvGrpSpPr>
-      <p:grpSpPr>
-        <a:xfrm>
-          <a:off x="0" y="0"/>
-          <a:ext cx="0" cy="0"/>
-          <a:chOff x="0" y="0"/>
-          <a:chExt cx="0" cy="0"/>
-        </a:xfrm>
-      </p:grpSpPr>
-      <p:sp>
-        <p:nvSpPr>
-          <p:cNvPr id="2" name="Title 1"/>
-          <p:cNvSpPr>
-            <a:spLocks noGrp="1"/>
-          </p:cNvSpPr>
-          <p:nvPr>
-            <p:ph type="title"/>
-          </p:nvPr>
-        </p:nvSpPr>
-        <p:spPr>
-          <a:xfrm>
-            <a:off x="1124480" y="135467"/>
-            <a:ext cx="9905998" cy="1478570"/>
-          </a:xfrm>
-        </p:spPr>
-        <p:txBody>
-          <a:bodyPr/>
-          <a:lstStyle/>
-          <a:p>
-            <a:r>
-              <a:rPr lang="en-US" dirty="0" smtClean="0"/>
-              <a:t>Selected Specifications</a:t>
-            </a:r>
-            <a:endParaRPr lang="en-US" dirty="0"/>
-          </a:p>
-        </p:txBody>
-      </p:sp>
-      <p:sp>
-        <p:nvSpPr>
-          <p:cNvPr id="3" name="Content Placeholder 2"/>
-          <p:cNvSpPr>
-            <a:spLocks noGrp="1"/>
-          </p:cNvSpPr>
-          <p:nvPr>
-            <p:ph idx="1"/>
-          </p:nvPr>
-        </p:nvSpPr>
-        <p:spPr>
-          <a:xfrm>
-            <a:off x="880534" y="1913468"/>
-            <a:ext cx="10183811" cy="4080934"/>
-          </a:xfrm>
-        </p:spPr>
-        <p:txBody>
-          <a:bodyPr/>
-          <a:lstStyle/>
-          <a:p>
-            <a:pPr marL="0" indent="0">
-              <a:buNone/>
-            </a:pPr>
-            <a:r>
-              <a:rPr lang="en-US" sz="2800" dirty="0" smtClean="0"/>
-              <a:t>Air Cylinders (8): 2 inch </a:t>
-            </a:r>
-            <a:r>
-              <a:rPr lang="en-US" sz="2800" dirty="0"/>
-              <a:t>b</a:t>
-            </a:r>
-            <a:r>
-              <a:rPr lang="en-US" sz="2800" dirty="0" smtClean="0"/>
-              <a:t>ore </a:t>
-            </a:r>
-            <a:r>
-              <a:rPr lang="en-US" sz="2800" dirty="0"/>
-              <a:t>d</a:t>
-            </a:r>
-            <a:r>
-              <a:rPr lang="en-US" sz="2800" dirty="0" smtClean="0"/>
-              <a:t>iameter, 3 inch </a:t>
-            </a:r>
-            <a:r>
-              <a:rPr lang="en-US" sz="2800" dirty="0"/>
-              <a:t>s</a:t>
-            </a:r>
-            <a:r>
-              <a:rPr lang="en-US" sz="2800" dirty="0" smtClean="0"/>
-              <a:t>troke length for shank, 4 inch stroke length for thigh</a:t>
-            </a:r>
-          </a:p>
-          <a:p>
-            <a:pPr marL="0" indent="0">
-              <a:buNone/>
-            </a:pPr>
-            <a:r>
-              <a:rPr lang="en-US" sz="2800" dirty="0" smtClean="0"/>
-              <a:t>Directional Control Valves (8): 5 ports, 3 spool positions, </a:t>
-            </a:r>
-            <a:r>
-              <a:rPr lang="en-US" sz="2800" dirty="0" err="1" smtClean="0"/>
-              <a:t>C</a:t>
-            </a:r>
-            <a:r>
-              <a:rPr lang="en-US" sz="2800" baseline="-25000" dirty="0" err="1" smtClean="0"/>
-              <a:t>v</a:t>
-            </a:r>
-            <a:r>
-              <a:rPr lang="en-US" sz="2800" dirty="0" smtClean="0"/>
-              <a:t> = 0.67 (21 CFM)</a:t>
-            </a:r>
-          </a:p>
-          <a:p>
-            <a:pPr marL="0" indent="0">
-              <a:buNone/>
-            </a:pPr>
-            <a:r>
-              <a:rPr lang="en-US" sz="2800" dirty="0" smtClean="0"/>
-              <a:t>Air Compressor: 10 gallon, 5.3 CFM (At 90 psi), 125 psi maximum pressure </a:t>
-            </a:r>
-          </a:p>
-          <a:p>
-            <a:pPr marL="0" indent="0">
-              <a:buNone/>
-            </a:pPr>
-            <a:endParaRPr lang="en-US" dirty="0"/>
-          </a:p>
-        </p:txBody>
-      </p:sp>
-    </p:spTree>
-    <p:extLst>
-      <p:ext uri="{BB962C8B-B14F-4D97-AF65-F5344CB8AC3E}">
-        <p14:creationId xmlns:p14="http://schemas.microsoft.com/office/powerpoint/2010/main" val="440445108"/>
+        <p14:creationId xmlns:p14="http://schemas.microsoft.com/office/powerpoint/2010/main" val="3786942953"/>
       </p:ext>
     </p:extLst>
   </p:cSld>
@@ -25584,7 +25639,7 @@
     </p:spTree>
     <p:extLst>
       <p:ext uri="{BB962C8B-B14F-4D97-AF65-F5344CB8AC3E}">
-        <p14:creationId xmlns:p14="http://schemas.microsoft.com/office/powerpoint/2010/main" val="3644864986"/>
+        <p14:creationId xmlns:p14="http://schemas.microsoft.com/office/powerpoint/2010/main" val="797561193"/>
       </p:ext>
     </p:extLst>
   </p:cSld>
@@ -29999,7 +30054,7 @@
   <a:extraClrSchemeLst/>
   <a:extLst>
     <a:ext uri="{05A4C25C-085E-4340-85A3-A5531E510DB2}">
-      <thm15:themeFamily xmlns:thm15="http://schemas.microsoft.com/office/thememl/2012/main" xmlns="" name="Circuit" id="{0AC2F7E7-15F5-431C-B2A2-456FE929F56C}" vid="{14971C58-AB76-4A2A-B231-5F8CA03CF491}"/>
+      <thm15:themeFamily xmlns="" xmlns:thm15="http://schemas.microsoft.com/office/thememl/2012/main" name="Circuit" id="{0AC2F7E7-15F5-431C-B2A2-456FE929F56C}" vid="{14971C58-AB76-4A2A-B231-5F8CA03CF491}"/>
     </a:ext>
   </a:extLst>
 </a:theme>

--- a/Documentation/Presentation/Design Presentation/Design Presentation.pptx
+++ b/Documentation/Presentation/Design Presentation/Design Presentation.pptx
@@ -151,7 +151,7 @@
   </p:defaultTextStyle>
   <p:extLst>
     <p:ext uri="{EFAFB233-063F-42B5-8137-9DF3F51BA10A}">
-      <p15:sldGuideLst xmlns:p15="http://schemas.microsoft.com/office/powerpoint/2012/main" xmlns="">
+      <p15:sldGuideLst xmlns:p15="http://schemas.microsoft.com/office/powerpoint/2012/main">
         <p15:guide id="1" orient="horz" pos="2160">
           <p15:clr>
             <a:srgbClr val="A4A3A4"/>
@@ -12567,6 +12567,85 @@
           </a:prstGeom>
         </p:spPr>
       </p:pic>
+      <p:pic>
+        <p:nvPicPr>
+          <p:cNvPr id="7" name="Picture 6"/>
+          <p:cNvPicPr/>
+          <p:nvPr/>
+        </p:nvPicPr>
+        <p:blipFill>
+          <a:blip r:embed="rId5" cstate="print">
+            <a:extLst>
+              <a:ext uri="{28A0092B-C50C-407E-A947-70E740481C1C}">
+                <a14:useLocalDpi xmlns:a14="http://schemas.microsoft.com/office/drawing/2010/main" val="0"/>
+              </a:ext>
+            </a:extLst>
+          </a:blip>
+          <a:stretch>
+            <a:fillRect/>
+          </a:stretch>
+        </p:blipFill>
+        <p:spPr>
+          <a:xfrm>
+            <a:off x="7886937" y="3141780"/>
+            <a:ext cx="3543062" cy="2957094"/>
+          </a:xfrm>
+          <a:prstGeom prst="rect">
+            <a:avLst/>
+          </a:prstGeom>
+          <a:ln>
+            <a:solidFill>
+              <a:schemeClr val="bg1"/>
+            </a:solidFill>
+          </a:ln>
+        </p:spPr>
+      </p:pic>
+      <p:pic>
+        <p:nvPicPr>
+          <p:cNvPr id="9" name="Picture 8"/>
+          <p:cNvPicPr/>
+          <p:nvPr/>
+        </p:nvPicPr>
+        <p:blipFill rotWithShape="1">
+          <a:blip r:embed="rId6">
+            <a:extLst>
+              <a:ext uri="{BEBA8EAE-BF5A-486C-A8C5-ECC9F3942E4B}">
+                <a14:imgProps xmlns:a14="http://schemas.microsoft.com/office/drawing/2010/main">
+                  <a14:imgLayer r:embed="rId7">
+                    <a14:imgEffect>
+                      <a14:sharpenSoften amount="50000"/>
+                    </a14:imgEffect>
+                  </a14:imgLayer>
+                </a14:imgProps>
+              </a:ext>
+              <a:ext uri="{28A0092B-C50C-407E-A947-70E740481C1C}">
+                <a14:useLocalDpi xmlns:a14="http://schemas.microsoft.com/office/drawing/2010/main" val="0"/>
+              </a:ext>
+            </a:extLst>
+          </a:blip>
+          <a:srcRect l="11132" r="28321" b="27402"/>
+          <a:stretch/>
+        </p:blipFill>
+        <p:spPr bwMode="auto">
+          <a:xfrm>
+            <a:off x="4048866" y="134177"/>
+            <a:ext cx="1759585" cy="1158240"/>
+          </a:xfrm>
+          <a:prstGeom prst="rect">
+            <a:avLst/>
+          </a:prstGeom>
+          <a:ln>
+            <a:solidFill>
+              <a:schemeClr val="bg1"/>
+            </a:solidFill>
+          </a:ln>
+          <a:extLst>
+            <a:ext uri="{53640926-AAD7-44D8-BBD7-CCE9431645EC}">
+              <a14:shadowObscured xmlns:a14="http://schemas.microsoft.com/office/drawing/2010/main"/>
+            </a:ext>
+          </a:extLst>
+        </p:spPr>
+      </p:pic>
     </p:spTree>
     <p:extLst>
       <p:ext uri="{BB962C8B-B14F-4D97-AF65-F5344CB8AC3E}">
@@ -12716,7 +12795,7 @@
                         <m:fPr>
                           <m:ctrlPr>
                             <a:rPr lang="en-US" i="1" smtClean="0">
-                              <a:latin typeface="Cambria Math"/>
+                              <a:latin typeface="Cambria Math" panose="02040503050406030204" pitchFamily="18" charset="0"/>
                             </a:rPr>
                           </m:ctrlPr>
                         </m:fPr>
@@ -12743,7 +12822,7 @@
                             <m:sSubPr>
                               <m:ctrlPr>
                                 <a:rPr lang="en-US" i="1">
-                                  <a:latin typeface="Cambria Math"/>
+                                  <a:latin typeface="Cambria Math" panose="02040503050406030204" pitchFamily="18" charset="0"/>
                                 </a:rPr>
                               </m:ctrlPr>
                             </m:sSubPr>
@@ -12780,7 +12859,7 @@
                             <m:sSubPr>
                               <m:ctrlPr>
                                 <a:rPr lang="en-US" i="1">
-                                  <a:latin typeface="Cambria Math"/>
+                                  <a:latin typeface="Cambria Math" panose="02040503050406030204" pitchFamily="18" charset="0"/>
                                 </a:rPr>
                               </m:ctrlPr>
                             </m:sSubPr>
@@ -12817,7 +12896,7 @@
                             <m:sSubPr>
                               <m:ctrlPr>
                                 <a:rPr lang="en-US" i="1">
-                                  <a:latin typeface="Cambria Math"/>
+                                  <a:latin typeface="Cambria Math" panose="02040503050406030204" pitchFamily="18" charset="0"/>
                                 </a:rPr>
                               </m:ctrlPr>
                             </m:sSubPr>
@@ -12880,7 +12959,7 @@
                       <m:fPr>
                         <m:ctrlPr>
                           <a:rPr lang="en-US" i="1">
-                            <a:latin typeface="Cambria Math"/>
+                            <a:latin typeface="Cambria Math" panose="02040503050406030204" pitchFamily="18" charset="0"/>
                           </a:rPr>
                         </m:ctrlPr>
                       </m:fPr>
@@ -12909,7 +12988,7 @@
                           <m:sSubPr>
                             <m:ctrlPr>
                               <a:rPr lang="en-US" i="1">
-                                <a:latin typeface="Cambria Math"/>
+                                <a:latin typeface="Cambria Math" panose="02040503050406030204" pitchFamily="18" charset="0"/>
                               </a:rPr>
                             </m:ctrlPr>
                           </m:sSubPr>
@@ -12936,7 +13015,7 @@
                       <m:fPr>
                         <m:ctrlPr>
                           <a:rPr lang="en-US" i="1">
-                            <a:latin typeface="Cambria Math"/>
+                            <a:latin typeface="Cambria Math" panose="02040503050406030204" pitchFamily="18" charset="0"/>
                           </a:rPr>
                         </m:ctrlPr>
                       </m:fPr>
@@ -12951,7 +13030,7 @@
                           <m:sSubPr>
                             <m:ctrlPr>
                               <a:rPr lang="en-US" i="1">
-                                <a:latin typeface="Cambria Math"/>
+                                <a:latin typeface="Cambria Math" panose="02040503050406030204" pitchFamily="18" charset="0"/>
                               </a:rPr>
                             </m:ctrlPr>
                           </m:sSubPr>
@@ -12998,7 +13077,7 @@
                       <m:fPr>
                         <m:ctrlPr>
                           <a:rPr lang="en-US" i="1">
-                            <a:latin typeface="Cambria Math"/>
+                            <a:latin typeface="Cambria Math" panose="02040503050406030204" pitchFamily="18" charset="0"/>
                           </a:rPr>
                         </m:ctrlPr>
                       </m:fPr>
@@ -13027,7 +13106,7 @@
                           <m:sSubPr>
                             <m:ctrlPr>
                               <a:rPr lang="en-US" i="1">
-                                <a:latin typeface="Cambria Math"/>
+                                <a:latin typeface="Cambria Math" panose="02040503050406030204" pitchFamily="18" charset="0"/>
                               </a:rPr>
                             </m:ctrlPr>
                           </m:sSubPr>
@@ -13054,7 +13133,7 @@
                       <m:fPr>
                         <m:ctrlPr>
                           <a:rPr lang="en-US" i="1">
-                            <a:latin typeface="Cambria Math"/>
+                            <a:latin typeface="Cambria Math" panose="02040503050406030204" pitchFamily="18" charset="0"/>
                           </a:rPr>
                         </m:ctrlPr>
                       </m:fPr>
@@ -13069,7 +13148,7 @@
                           <m:sSubPr>
                             <m:ctrlPr>
                               <a:rPr lang="en-US" i="1">
-                                <a:latin typeface="Cambria Math"/>
+                                <a:latin typeface="Cambria Math" panose="02040503050406030204" pitchFamily="18" charset="0"/>
                               </a:rPr>
                             </m:ctrlPr>
                           </m:sSubPr>
@@ -13116,7 +13195,7 @@
                       <m:fPr>
                         <m:ctrlPr>
                           <a:rPr lang="en-US" i="1">
-                            <a:latin typeface="Cambria Math"/>
+                            <a:latin typeface="Cambria Math" panose="02040503050406030204" pitchFamily="18" charset="0"/>
                           </a:rPr>
                         </m:ctrlPr>
                       </m:fPr>
@@ -13145,7 +13224,7 @@
                           <m:sSubPr>
                             <m:ctrlPr>
                               <a:rPr lang="en-US" i="1">
-                                <a:latin typeface="Cambria Math"/>
+                                <a:latin typeface="Cambria Math" panose="02040503050406030204" pitchFamily="18" charset="0"/>
                               </a:rPr>
                             </m:ctrlPr>
                           </m:sSubPr>
@@ -13172,7 +13251,7 @@
                       <m:fPr>
                         <m:ctrlPr>
                           <a:rPr lang="en-US" i="1">
-                            <a:latin typeface="Cambria Math"/>
+                            <a:latin typeface="Cambria Math" panose="02040503050406030204" pitchFamily="18" charset="0"/>
                           </a:rPr>
                         </m:ctrlPr>
                       </m:fPr>
@@ -13187,7 +13266,7 @@
                           <m:sSubPr>
                             <m:ctrlPr>
                               <a:rPr lang="en-US" i="1">
-                                <a:latin typeface="Cambria Math"/>
+                                <a:latin typeface="Cambria Math" panose="02040503050406030204" pitchFamily="18" charset="0"/>
                               </a:rPr>
                             </m:ctrlPr>
                           </m:sSubPr>
@@ -13249,7 +13328,7 @@
                         <m:dPr>
                           <m:ctrlPr>
                             <a:rPr lang="en-US" i="1">
-                              <a:latin typeface="Cambria Math"/>
+                              <a:latin typeface="Cambria Math" panose="02040503050406030204" pitchFamily="18" charset="0"/>
                             </a:rPr>
                           </m:ctrlPr>
                         </m:dPr>
@@ -13260,7 +13339,7 @@
                               <m:endChr m:val="]"/>
                               <m:ctrlPr>
                                 <a:rPr lang="en-US" i="1">
-                                  <a:latin typeface="Cambria Math"/>
+                                  <a:latin typeface="Cambria Math" panose="02040503050406030204" pitchFamily="18" charset="0"/>
                                 </a:rPr>
                               </m:ctrlPr>
                             </m:dPr>
@@ -13269,7 +13348,7 @@
                                 <m:fPr>
                                   <m:ctrlPr>
                                     <a:rPr lang="en-US" i="1">
-                                      <a:latin typeface="Cambria Math"/>
+                                      <a:latin typeface="Cambria Math" panose="02040503050406030204" pitchFamily="18" charset="0"/>
                                     </a:rPr>
                                   </m:ctrlPr>
                                 </m:fPr>
@@ -13298,7 +13377,7 @@
                                     <m:sSubPr>
                                       <m:ctrlPr>
                                         <a:rPr lang="en-US" i="1">
-                                          <a:latin typeface="Cambria Math"/>
+                                          <a:latin typeface="Cambria Math" panose="02040503050406030204" pitchFamily="18" charset="0"/>
                                         </a:rPr>
                                       </m:ctrlPr>
                                     </m:sSubPr>
@@ -13329,7 +13408,7 @@
                               <m:endChr m:val="]"/>
                               <m:ctrlPr>
                                 <a:rPr lang="en-US" i="1">
-                                  <a:latin typeface="Cambria Math"/>
+                                  <a:latin typeface="Cambria Math" panose="02040503050406030204" pitchFamily="18" charset="0"/>
                                 </a:rPr>
                               </m:ctrlPr>
                             </m:dPr>
@@ -13338,7 +13417,7 @@
                                 <m:fPr>
                                   <m:ctrlPr>
                                     <a:rPr lang="en-US" i="1">
-                                      <a:latin typeface="Cambria Math"/>
+                                      <a:latin typeface="Cambria Math" panose="02040503050406030204" pitchFamily="18" charset="0"/>
                                     </a:rPr>
                                   </m:ctrlPr>
                                 </m:fPr>
@@ -13367,7 +13446,7 @@
                                     <m:sSubPr>
                                       <m:ctrlPr>
                                         <a:rPr lang="en-US" i="1">
-                                          <a:latin typeface="Cambria Math"/>
+                                          <a:latin typeface="Cambria Math" panose="02040503050406030204" pitchFamily="18" charset="0"/>
                                         </a:rPr>
                                       </m:ctrlPr>
                                     </m:sSubPr>
@@ -13398,7 +13477,7 @@
                               <m:endChr m:val="]"/>
                               <m:ctrlPr>
                                 <a:rPr lang="en-US" i="1">
-                                  <a:latin typeface="Cambria Math"/>
+                                  <a:latin typeface="Cambria Math" panose="02040503050406030204" pitchFamily="18" charset="0"/>
                                 </a:rPr>
                               </m:ctrlPr>
                             </m:dPr>
@@ -13417,7 +13496,7 @@
                               <m:endChr m:val="]"/>
                               <m:ctrlPr>
                                 <a:rPr lang="en-US" i="1">
-                                  <a:latin typeface="Cambria Math"/>
+                                  <a:latin typeface="Cambria Math" panose="02040503050406030204" pitchFamily="18" charset="0"/>
                                 </a:rPr>
                               </m:ctrlPr>
                             </m:dPr>
@@ -13426,7 +13505,7 @@
                                 <m:fPr>
                                   <m:ctrlPr>
                                     <a:rPr lang="en-US" i="1">
-                                      <a:latin typeface="Cambria Math"/>
+                                      <a:latin typeface="Cambria Math" panose="02040503050406030204" pitchFamily="18" charset="0"/>
                                     </a:rPr>
                                   </m:ctrlPr>
                                 </m:fPr>
@@ -13455,7 +13534,7 @@
                                     <m:sSubPr>
                                       <m:ctrlPr>
                                         <a:rPr lang="en-US" i="1">
-                                          <a:latin typeface="Cambria Math"/>
+                                          <a:latin typeface="Cambria Math" panose="02040503050406030204" pitchFamily="18" charset="0"/>
                                         </a:rPr>
                                       </m:ctrlPr>
                                     </m:sSubPr>
@@ -13486,7 +13565,7 @@
                         <m:dPr>
                           <m:ctrlPr>
                             <a:rPr lang="en-US" i="1">
-                              <a:latin typeface="Cambria Math"/>
+                              <a:latin typeface="Cambria Math" panose="02040503050406030204" pitchFamily="18" charset="0"/>
                             </a:rPr>
                           </m:ctrlPr>
                         </m:dPr>
@@ -13495,7 +13574,7 @@
                             <m:eqArrPr>
                               <m:ctrlPr>
                                 <a:rPr lang="en-US" i="1">
-                                  <a:latin typeface="Cambria Math"/>
+                                  <a:latin typeface="Cambria Math" panose="02040503050406030204" pitchFamily="18" charset="0"/>
                                 </a:rPr>
                               </m:ctrlPr>
                             </m:eqArrPr>
@@ -13504,7 +13583,7 @@
                                 <m:fPr>
                                   <m:ctrlPr>
                                     <a:rPr lang="en-US" i="1">
-                                      <a:latin typeface="Cambria Math"/>
+                                      <a:latin typeface="Cambria Math" panose="02040503050406030204" pitchFamily="18" charset="0"/>
                                     </a:rPr>
                                   </m:ctrlPr>
                                 </m:fPr>
@@ -13519,7 +13598,7 @@
                                     <m:sSubPr>
                                       <m:ctrlPr>
                                         <a:rPr lang="en-US" i="1">
-                                          <a:latin typeface="Cambria Math"/>
+                                          <a:latin typeface="Cambria Math" panose="02040503050406030204" pitchFamily="18" charset="0"/>
                                         </a:rPr>
                                       </m:ctrlPr>
                                     </m:sSubPr>
@@ -13562,7 +13641,7 @@
                                 <m:fPr>
                                   <m:ctrlPr>
                                     <a:rPr lang="en-US" i="1">
-                                      <a:latin typeface="Cambria Math"/>
+                                      <a:latin typeface="Cambria Math" panose="02040503050406030204" pitchFamily="18" charset="0"/>
                                     </a:rPr>
                                   </m:ctrlPr>
                                 </m:fPr>
@@ -13577,7 +13656,7 @@
                                     <m:sSubPr>
                                       <m:ctrlPr>
                                         <a:rPr lang="en-US" i="1">
-                                          <a:latin typeface="Cambria Math"/>
+                                          <a:latin typeface="Cambria Math" panose="02040503050406030204" pitchFamily="18" charset="0"/>
                                         </a:rPr>
                                       </m:ctrlPr>
                                     </m:sSubPr>
@@ -13628,7 +13707,7 @@
                                 <m:fPr>
                                   <m:ctrlPr>
                                     <a:rPr lang="en-US" i="1">
-                                      <a:latin typeface="Cambria Math"/>
+                                      <a:latin typeface="Cambria Math" panose="02040503050406030204" pitchFamily="18" charset="0"/>
                                     </a:rPr>
                                   </m:ctrlPr>
                                 </m:fPr>
@@ -13643,7 +13722,7 @@
                                     <m:sSubPr>
                                       <m:ctrlPr>
                                         <a:rPr lang="en-US" i="1">
-                                          <a:latin typeface="Cambria Math"/>
+                                          <a:latin typeface="Cambria Math" panose="02040503050406030204" pitchFamily="18" charset="0"/>
                                         </a:rPr>
                                       </m:ctrlPr>
                                     </m:sSubPr>
@@ -13716,7 +13795,7 @@
                         <m:dPr>
                           <m:ctrlPr>
                             <a:rPr lang="en-US" i="1">
-                              <a:latin typeface="Cambria Math"/>
+                              <a:latin typeface="Cambria Math" panose="02040503050406030204" pitchFamily="18" charset="0"/>
                             </a:rPr>
                           </m:ctrlPr>
                         </m:dPr>
@@ -13733,7 +13812,7 @@
                         <m:dPr>
                           <m:ctrlPr>
                             <a:rPr lang="en-US" i="1">
-                              <a:latin typeface="Cambria Math"/>
+                              <a:latin typeface="Cambria Math" panose="02040503050406030204" pitchFamily="18" charset="0"/>
                             </a:rPr>
                           </m:ctrlPr>
                         </m:dPr>
@@ -13742,7 +13821,7 @@
                             <m:eqArrPr>
                               <m:ctrlPr>
                                 <a:rPr lang="en-US" i="1">
-                                  <a:latin typeface="Cambria Math"/>
+                                  <a:latin typeface="Cambria Math" panose="02040503050406030204" pitchFamily="18" charset="0"/>
                                 </a:rPr>
                               </m:ctrlPr>
                             </m:eqArrPr>
@@ -13751,7 +13830,7 @@
                                 <m:fPr>
                                   <m:ctrlPr>
                                     <a:rPr lang="en-US" i="1">
-                                      <a:latin typeface="Cambria Math"/>
+                                      <a:latin typeface="Cambria Math" panose="02040503050406030204" pitchFamily="18" charset="0"/>
                                     </a:rPr>
                                   </m:ctrlPr>
                                 </m:fPr>
@@ -13766,7 +13845,7 @@
                                     <m:sSubPr>
                                       <m:ctrlPr>
                                         <a:rPr lang="en-US" i="1">
-                                          <a:latin typeface="Cambria Math"/>
+                                          <a:latin typeface="Cambria Math" panose="02040503050406030204" pitchFamily="18" charset="0"/>
                                         </a:rPr>
                                       </m:ctrlPr>
                                     </m:sSubPr>
@@ -13809,7 +13888,7 @@
                                 <m:fPr>
                                   <m:ctrlPr>
                                     <a:rPr lang="en-US" i="1">
-                                      <a:latin typeface="Cambria Math"/>
+                                      <a:latin typeface="Cambria Math" panose="02040503050406030204" pitchFamily="18" charset="0"/>
                                     </a:rPr>
                                   </m:ctrlPr>
                                 </m:fPr>
@@ -13824,7 +13903,7 @@
                                     <m:sSubPr>
                                       <m:ctrlPr>
                                         <a:rPr lang="en-US" i="1">
-                                          <a:latin typeface="Cambria Math"/>
+                                          <a:latin typeface="Cambria Math" panose="02040503050406030204" pitchFamily="18" charset="0"/>
                                         </a:rPr>
                                       </m:ctrlPr>
                                     </m:sSubPr>
@@ -13875,7 +13954,7 @@
                                 <m:fPr>
                                   <m:ctrlPr>
                                     <a:rPr lang="en-US" i="1">
-                                      <a:latin typeface="Cambria Math"/>
+                                      <a:latin typeface="Cambria Math" panose="02040503050406030204" pitchFamily="18" charset="0"/>
                                     </a:rPr>
                                   </m:ctrlPr>
                                 </m:fPr>
@@ -13890,7 +13969,7 @@
                                     <m:sSubPr>
                                       <m:ctrlPr>
                                         <a:rPr lang="en-US" i="1">
-                                          <a:latin typeface="Cambria Math"/>
+                                          <a:latin typeface="Cambria Math" panose="02040503050406030204" pitchFamily="18" charset="0"/>
                                         </a:rPr>
                                       </m:ctrlPr>
                                     </m:sSubPr>
@@ -14135,7 +14214,7 @@
                           <m:endChr m:val="]"/>
                           <m:ctrlPr>
                             <a:rPr lang="en-US" i="1">
-                              <a:latin typeface="Cambria Math"/>
+                              <a:latin typeface="Cambria Math" panose="02040503050406030204" pitchFamily="18" charset="0"/>
                             </a:rPr>
                           </m:ctrlPr>
                         </m:dPr>
@@ -14144,7 +14223,7 @@
                             <m:eqArrPr>
                               <m:ctrlPr>
                                 <a:rPr lang="en-US" i="1">
-                                  <a:latin typeface="Cambria Math"/>
+                                  <a:latin typeface="Cambria Math" panose="02040503050406030204" pitchFamily="18" charset="0"/>
                                 </a:rPr>
                               </m:ctrlPr>
                             </m:eqArrPr>
@@ -14153,7 +14232,7 @@
                                 <m:eqArrPr>
                                   <m:ctrlPr>
                                     <a:rPr lang="en-US" i="1">
-                                      <a:latin typeface="Cambria Math"/>
+                                      <a:latin typeface="Cambria Math" panose="02040503050406030204" pitchFamily="18" charset="0"/>
                                     </a:rPr>
                                   </m:ctrlPr>
                                 </m:eqArrPr>
@@ -14178,7 +14257,7 @@
                                     <m:sSubPr>
                                       <m:ctrlPr>
                                         <a:rPr lang="en-US" i="1">
-                                          <a:latin typeface="Cambria Math"/>
+                                          <a:latin typeface="Cambria Math" panose="02040503050406030204" pitchFamily="18" charset="0"/>
                                         </a:rPr>
                                       </m:ctrlPr>
                                     </m:sSubPr>
@@ -14205,7 +14284,7 @@
                                     <m:sSubPr>
                                       <m:ctrlPr>
                                         <a:rPr lang="en-US" i="1">
-                                          <a:latin typeface="Cambria Math"/>
+                                          <a:latin typeface="Cambria Math" panose="02040503050406030204" pitchFamily="18" charset="0"/>
                                         </a:rPr>
                                       </m:ctrlPr>
                                     </m:sSubPr>
@@ -14238,7 +14317,7 @@
                                     <m:sSubPr>
                                       <m:ctrlPr>
                                         <a:rPr lang="en-US" i="1">
-                                          <a:latin typeface="Cambria Math"/>
+                                          <a:latin typeface="Cambria Math" panose="02040503050406030204" pitchFamily="18" charset="0"/>
                                         </a:rPr>
                                       </m:ctrlPr>
                                     </m:sSubPr>
@@ -14271,7 +14350,7 @@
                                     <m:sSubPr>
                                       <m:ctrlPr>
                                         <a:rPr lang="en-US" i="1">
-                                          <a:latin typeface="Cambria Math"/>
+                                          <a:latin typeface="Cambria Math" panose="02040503050406030204" pitchFamily="18" charset="0"/>
                                         </a:rPr>
                                       </m:ctrlPr>
                                     </m:sSubPr>
@@ -14304,7 +14383,7 @@
                                     <m:sSubPr>
                                       <m:ctrlPr>
                                         <a:rPr lang="en-US" i="1">
-                                          <a:latin typeface="Cambria Math"/>
+                                          <a:latin typeface="Cambria Math" panose="02040503050406030204" pitchFamily="18" charset="0"/>
                                         </a:rPr>
                                       </m:ctrlPr>
                                     </m:sSubPr>
@@ -14339,7 +14418,7 @@
                                 <m:sSubPr>
                                   <m:ctrlPr>
                                     <a:rPr lang="en-US" i="1">
-                                      <a:latin typeface="Cambria Math"/>
+                                      <a:latin typeface="Cambria Math" panose="02040503050406030204" pitchFamily="18" charset="0"/>
                                     </a:rPr>
                                   </m:ctrlPr>
                                 </m:sSubPr>
@@ -14372,7 +14451,7 @@
                                 <m:sSubPr>
                                   <m:ctrlPr>
                                     <a:rPr lang="en-US" i="1">
-                                      <a:latin typeface="Cambria Math"/>
+                                      <a:latin typeface="Cambria Math" panose="02040503050406030204" pitchFamily="18" charset="0"/>
                                     </a:rPr>
                                   </m:ctrlPr>
                                 </m:sSubPr>
@@ -14405,7 +14484,7 @@
                                 <m:sSubPr>
                                   <m:ctrlPr>
                                     <a:rPr lang="en-US" i="1">
-                                      <a:latin typeface="Cambria Math"/>
+                                      <a:latin typeface="Cambria Math" panose="02040503050406030204" pitchFamily="18" charset="0"/>
                                     </a:rPr>
                                   </m:ctrlPr>
                                 </m:sSubPr>
@@ -14438,7 +14517,7 @@
                                 <m:sSubPr>
                                   <m:ctrlPr>
                                     <a:rPr lang="en-US" i="1">
-                                      <a:latin typeface="Cambria Math"/>
+                                      <a:latin typeface="Cambria Math" panose="02040503050406030204" pitchFamily="18" charset="0"/>
                                     </a:rPr>
                                   </m:ctrlPr>
                                 </m:sSubPr>
@@ -14631,143 +14710,39 @@
           </a:p>
         </p:txBody>
       </p:sp>
-      <p:grpSp>
-        <p:nvGrpSpPr>
-          <p:cNvPr id="4" name="Group 3"/>
-          <p:cNvGrpSpPr/>
-          <p:nvPr/>
-        </p:nvGrpSpPr>
-        <p:grpSpPr>
+      <p:pic>
+        <p:nvPicPr>
+          <p:cNvPr id="8" name="Leg Animation">
+            <a:hlinkClick r:id="" action="ppaction://media"/>
+          </p:cNvPr>
+          <p:cNvPicPr>
+            <a:picLocks noChangeAspect="1"/>
+          </p:cNvPicPr>
+          <p:nvPr>
+            <a:videoFile r:link="rId2"/>
+            <p:extLst>
+              <p:ext uri="{DAA4B4D4-6D71-4841-9C94-3DE7FCFB9230}">
+                <p14:media xmlns:p14="http://schemas.microsoft.com/office/powerpoint/2010/main" r:embed="rId1"/>
+              </p:ext>
+            </p:extLst>
+          </p:nvPr>
+        </p:nvPicPr>
+        <p:blipFill>
+          <a:blip r:embed="rId4"/>
+          <a:stretch>
+            <a:fillRect/>
+          </a:stretch>
+        </p:blipFill>
+        <p:spPr>
           <a:xfrm>
-            <a:off x="6469810" y="1951211"/>
-            <a:ext cx="5119987" cy="3839990"/>
-            <a:chOff x="5375335" y="1775693"/>
-            <a:chExt cx="5672076" cy="4254057"/>
+            <a:off x="6777486" y="2249487"/>
+            <a:ext cx="4572000" cy="3048000"/>
           </a:xfrm>
-        </p:grpSpPr>
-        <p:pic>
-          <p:nvPicPr>
-            <p:cNvPr id="5" name="Picture 4"/>
-            <p:cNvPicPr>
-              <a:picLocks noChangeAspect="1"/>
-            </p:cNvPicPr>
-            <p:nvPr/>
-          </p:nvPicPr>
-          <p:blipFill>
-            <a:blip r:embed="rId2">
-              <a:extLst>
-                <a:ext uri="{28A0092B-C50C-407E-A947-70E740481C1C}">
-                  <a14:useLocalDpi xmlns:a14="http://schemas.microsoft.com/office/drawing/2010/main" val="0"/>
-                </a:ext>
-              </a:extLst>
-            </a:blip>
-            <a:stretch>
-              <a:fillRect/>
-            </a:stretch>
-          </p:blipFill>
-          <p:spPr>
-            <a:xfrm>
-              <a:off x="5375335" y="1775693"/>
-              <a:ext cx="5672076" cy="4254057"/>
-            </a:xfrm>
-            <a:prstGeom prst="rect">
-              <a:avLst/>
-            </a:prstGeom>
-          </p:spPr>
-        </p:pic>
-        <p:sp>
-          <p:nvSpPr>
-            <p:cNvPr id="6" name="Rectangle 5"/>
-            <p:cNvSpPr/>
-            <p:nvPr/>
-          </p:nvSpPr>
-          <p:spPr>
-            <a:xfrm>
-              <a:off x="7076999" y="1785671"/>
-              <a:ext cx="2268748" cy="302791"/>
-            </a:xfrm>
-            <a:prstGeom prst="rect">
-              <a:avLst/>
-            </a:prstGeom>
-            <a:solidFill>
-              <a:srgbClr val="C9CCC9"/>
-            </a:solidFill>
-            <a:ln>
-              <a:noFill/>
-            </a:ln>
-          </p:spPr>
-          <p:style>
-            <a:lnRef idx="2">
-              <a:schemeClr val="accent1">
-                <a:shade val="50000"/>
-              </a:schemeClr>
-            </a:lnRef>
-            <a:fillRef idx="1">
-              <a:schemeClr val="accent1"/>
-            </a:fillRef>
-            <a:effectRef idx="0">
-              <a:schemeClr val="accent1"/>
-            </a:effectRef>
-            <a:fontRef idx="minor">
-              <a:schemeClr val="lt1"/>
-            </a:fontRef>
-          </p:style>
-          <p:txBody>
-            <a:bodyPr rtlCol="0" anchor="ctr"/>
-            <a:lstStyle/>
-            <a:p>
-              <a:pPr algn="ctr"/>
-              <a:endParaRPr lang="en-US"/>
-            </a:p>
-          </p:txBody>
-        </p:sp>
-        <p:sp>
-          <p:nvSpPr>
-            <p:cNvPr id="7" name="Rectangle 6"/>
-            <p:cNvSpPr/>
-            <p:nvPr/>
-          </p:nvSpPr>
-          <p:spPr>
-            <a:xfrm>
-              <a:off x="5375335" y="5693435"/>
-              <a:ext cx="1241125" cy="334386"/>
-            </a:xfrm>
-            <a:prstGeom prst="rect">
-              <a:avLst/>
-            </a:prstGeom>
-            <a:solidFill>
-              <a:srgbClr val="C9CCC9"/>
-            </a:solidFill>
-            <a:ln>
-              <a:noFill/>
-            </a:ln>
-          </p:spPr>
-          <p:style>
-            <a:lnRef idx="2">
-              <a:schemeClr val="accent1">
-                <a:shade val="50000"/>
-              </a:schemeClr>
-            </a:lnRef>
-            <a:fillRef idx="1">
-              <a:schemeClr val="accent1"/>
-            </a:fillRef>
-            <a:effectRef idx="0">
-              <a:schemeClr val="accent1"/>
-            </a:effectRef>
-            <a:fontRef idx="minor">
-              <a:schemeClr val="lt1"/>
-            </a:fontRef>
-          </p:style>
-          <p:txBody>
-            <a:bodyPr rtlCol="0" anchor="ctr"/>
-            <a:lstStyle/>
-            <a:p>
-              <a:pPr algn="ctr"/>
-              <a:endParaRPr lang="en-US"/>
-            </a:p>
-          </p:txBody>
-        </p:sp>
-      </p:grpSp>
+          <a:prstGeom prst="rect">
+            <a:avLst/>
+          </a:prstGeom>
+        </p:spPr>
+      </p:pic>
     </p:spTree>
     <p:extLst>
       <p:ext uri="{BB962C8B-B14F-4D97-AF65-F5344CB8AC3E}">
@@ -14781,7 +14756,138 @@
   <p:timing>
     <p:tnLst>
       <p:par>
-        <p:cTn id="1" dur="indefinite" restart="never" nodeType="tmRoot"/>
+        <p:cTn id="1" dur="indefinite" restart="never" nodeType="tmRoot">
+          <p:childTnLst>
+            <p:seq concurrent="1" nextAc="seek">
+              <p:cTn id="2" dur="indefinite" nodeType="mainSeq">
+                <p:childTnLst>
+                  <p:par>
+                    <p:cTn id="3" fill="hold">
+                      <p:stCondLst>
+                        <p:cond delay="indefinite"/>
+                        <p:cond evt="onBegin" delay="0">
+                          <p:tn val="2"/>
+                        </p:cond>
+                      </p:stCondLst>
+                      <p:childTnLst>
+                        <p:par>
+                          <p:cTn id="4" fill="hold">
+                            <p:stCondLst>
+                              <p:cond delay="0"/>
+                            </p:stCondLst>
+                            <p:childTnLst>
+                              <p:par>
+                                <p:cTn id="5" presetID="1" presetClass="mediacall" presetSubtype="0" fill="hold" nodeType="afterEffect">
+                                  <p:stCondLst>
+                                    <p:cond delay="0"/>
+                                  </p:stCondLst>
+                                  <p:childTnLst>
+                                    <p:cmd type="call" cmd="playFrom(0.0)">
+                                      <p:cBhvr>
+                                        <p:cTn id="6" dur="34020" fill="hold"/>
+                                        <p:tgtEl>
+                                          <p:spTgt spid="8"/>
+                                        </p:tgtEl>
+                                      </p:cBhvr>
+                                    </p:cmd>
+                                  </p:childTnLst>
+                                </p:cTn>
+                              </p:par>
+                            </p:childTnLst>
+                          </p:cTn>
+                        </p:par>
+                      </p:childTnLst>
+                    </p:cTn>
+                  </p:par>
+                </p:childTnLst>
+              </p:cTn>
+              <p:prevCondLst>
+                <p:cond evt="onPrev" delay="0">
+                  <p:tgtEl>
+                    <p:sldTgt/>
+                  </p:tgtEl>
+                </p:cond>
+              </p:prevCondLst>
+              <p:nextCondLst>
+                <p:cond evt="onNext" delay="0">
+                  <p:tgtEl>
+                    <p:sldTgt/>
+                  </p:tgtEl>
+                </p:cond>
+              </p:nextCondLst>
+            </p:seq>
+            <p:video>
+              <p:cMediaNode vol="80000">
+                <p:cTn id="7" repeatCount="indefinite" fill="hold" display="0">
+                  <p:stCondLst>
+                    <p:cond delay="indefinite"/>
+                  </p:stCondLst>
+                </p:cTn>
+                <p:tgtEl>
+                  <p:spTgt spid="8"/>
+                </p:tgtEl>
+              </p:cMediaNode>
+            </p:video>
+            <p:seq concurrent="1" nextAc="seek">
+              <p:cTn id="8" restart="whenNotActive" fill="hold" evtFilter="cancelBubble" nodeType="interactiveSeq">
+                <p:stCondLst>
+                  <p:cond evt="onClick" delay="0">
+                    <p:tgtEl>
+                      <p:spTgt spid="8"/>
+                    </p:tgtEl>
+                  </p:cond>
+                </p:stCondLst>
+                <p:endSync evt="end" delay="0">
+                  <p:rtn val="all"/>
+                </p:endSync>
+                <p:childTnLst>
+                  <p:par>
+                    <p:cTn id="9" fill="hold">
+                      <p:stCondLst>
+                        <p:cond delay="0"/>
+                      </p:stCondLst>
+                      <p:childTnLst>
+                        <p:par>
+                          <p:cTn id="10" fill="hold">
+                            <p:stCondLst>
+                              <p:cond delay="0"/>
+                            </p:stCondLst>
+                            <p:childTnLst>
+                              <p:par>
+                                <p:cTn id="11" presetID="2" presetClass="mediacall" presetSubtype="0" fill="hold" nodeType="clickEffect">
+                                  <p:stCondLst>
+                                    <p:cond delay="0"/>
+                                  </p:stCondLst>
+                                  <p:childTnLst>
+                                    <p:cmd type="call" cmd="togglePause">
+                                      <p:cBhvr>
+                                        <p:cTn id="12" dur="1" fill="hold"/>
+                                        <p:tgtEl>
+                                          <p:spTgt spid="8"/>
+                                        </p:tgtEl>
+                                      </p:cBhvr>
+                                    </p:cmd>
+                                  </p:childTnLst>
+                                </p:cTn>
+                              </p:par>
+                            </p:childTnLst>
+                          </p:cTn>
+                        </p:par>
+                      </p:childTnLst>
+                    </p:cTn>
+                  </p:par>
+                </p:childTnLst>
+              </p:cTn>
+              <p:nextCondLst>
+                <p:cond evt="onClick" delay="0">
+                  <p:tgtEl>
+                    <p:spTgt spid="8"/>
+                  </p:tgtEl>
+                </p:cond>
+              </p:nextCondLst>
+            </p:seq>
+          </p:childTnLst>
+        </p:cTn>
       </p:par>
     </p:tnLst>
   </p:timing>
@@ -15019,7 +15125,7 @@
                         <m:sSubPr>
                           <m:ctrlPr>
                             <a:rPr lang="en-US" i="1" smtClean="0">
-                              <a:latin typeface="Cambria Math"/>
+                              <a:latin typeface="Cambria Math" panose="02040503050406030204" pitchFamily="18" charset="0"/>
                             </a:rPr>
                           </m:ctrlPr>
                         </m:sSubPr>
@@ -15062,7 +15168,7 @@
                         <m:sSubPr>
                           <m:ctrlPr>
                             <a:rPr lang="en-US" i="1">
-                              <a:latin typeface="Cambria Math"/>
+                              <a:latin typeface="Cambria Math" panose="02040503050406030204" pitchFamily="18" charset="0"/>
                             </a:rPr>
                           </m:ctrlPr>
                         </m:sSubPr>
@@ -15105,7 +15211,7 @@
                         <m:sSubPr>
                           <m:ctrlPr>
                             <a:rPr lang="en-US" i="1">
-                              <a:latin typeface="Cambria Math"/>
+                              <a:latin typeface="Cambria Math" panose="02040503050406030204" pitchFamily="18" charset="0"/>
                             </a:rPr>
                           </m:ctrlPr>
                         </m:sSubPr>
@@ -15148,7 +15254,7 @@
                         <m:sSubPr>
                           <m:ctrlPr>
                             <a:rPr lang="en-US" i="1">
-                              <a:latin typeface="Cambria Math"/>
+                              <a:latin typeface="Cambria Math" panose="02040503050406030204" pitchFamily="18" charset="0"/>
                             </a:rPr>
                           </m:ctrlPr>
                         </m:sSubPr>
@@ -15191,7 +15297,7 @@
                         <m:fPr>
                           <m:ctrlPr>
                             <a:rPr lang="en-US" b="0" i="1" smtClean="0">
-                              <a:latin typeface="Cambria Math"/>
+                              <a:latin typeface="Cambria Math" panose="02040503050406030204" pitchFamily="18" charset="0"/>
                             </a:rPr>
                           </m:ctrlPr>
                         </m:fPr>
@@ -15231,7 +15337,7 @@
                         <m:sSubPr>
                           <m:ctrlPr>
                             <a:rPr lang="en-US" i="1">
-                              <a:latin typeface="Cambria Math"/>
+                              <a:latin typeface="Cambria Math" panose="02040503050406030204" pitchFamily="18" charset="0"/>
                             </a:rPr>
                           </m:ctrlPr>
                         </m:sSubPr>
@@ -15274,7 +15380,7 @@
                         <m:sSubPr>
                           <m:ctrlPr>
                             <a:rPr lang="en-US" i="1">
-                              <a:latin typeface="Cambria Math"/>
+                              <a:latin typeface="Cambria Math" panose="02040503050406030204" pitchFamily="18" charset="0"/>
                             </a:rPr>
                           </m:ctrlPr>
                         </m:sSubPr>
@@ -15317,7 +15423,7 @@
                         <m:sSubPr>
                           <m:ctrlPr>
                             <a:rPr lang="en-US" i="1">
-                              <a:latin typeface="Cambria Math"/>
+                              <a:latin typeface="Cambria Math" panose="02040503050406030204" pitchFamily="18" charset="0"/>
                             </a:rPr>
                           </m:ctrlPr>
                         </m:sSubPr>
@@ -15360,7 +15466,7 @@
                         <m:sSubPr>
                           <m:ctrlPr>
                             <a:rPr lang="en-US" i="1">
-                              <a:latin typeface="Cambria Math"/>
+                              <a:latin typeface="Cambria Math" panose="02040503050406030204" pitchFamily="18" charset="0"/>
                             </a:rPr>
                           </m:ctrlPr>
                         </m:sSubPr>
@@ -15403,7 +15509,7 @@
                         <m:fPr>
                           <m:ctrlPr>
                             <a:rPr lang="en-US" b="0" i="1" smtClean="0">
-                              <a:latin typeface="Cambria Math"/>
+                              <a:latin typeface="Cambria Math" panose="02040503050406030204" pitchFamily="18" charset="0"/>
                             </a:rPr>
                           </m:ctrlPr>
                         </m:fPr>
@@ -17890,7 +17996,7 @@
                         <m:sSubPr>
                           <m:ctrlPr>
                             <a:rPr lang="en-US" i="1">
-                              <a:latin typeface="Cambria Math"/>
+                              <a:latin typeface="Cambria Math" panose="02040503050406030204" pitchFamily="18" charset="0"/>
                             </a:rPr>
                           </m:ctrlPr>
                         </m:sSubPr>
@@ -17933,7 +18039,7 @@
                         <m:sSubPr>
                           <m:ctrlPr>
                             <a:rPr lang="en-US" i="1">
-                              <a:latin typeface="Cambria Math"/>
+                              <a:latin typeface="Cambria Math" panose="02040503050406030204" pitchFamily="18" charset="0"/>
                             </a:rPr>
                           </m:ctrlPr>
                         </m:sSubPr>
@@ -17976,7 +18082,7 @@
                         <m:sSubPr>
                           <m:ctrlPr>
                             <a:rPr lang="en-US" i="1">
-                              <a:latin typeface="Cambria Math"/>
+                              <a:latin typeface="Cambria Math" panose="02040503050406030204" pitchFamily="18" charset="0"/>
                             </a:rPr>
                           </m:ctrlPr>
                         </m:sSubPr>
@@ -18019,7 +18125,7 @@
                         <m:fPr>
                           <m:ctrlPr>
                             <a:rPr lang="en-US" i="1" smtClean="0">
-                              <a:latin typeface="Cambria Math"/>
+                              <a:latin typeface="Cambria Math" panose="02040503050406030204" pitchFamily="18" charset="0"/>
                             </a:rPr>
                           </m:ctrlPr>
                         </m:fPr>
@@ -19284,7 +19390,7 @@
                         <m:sSubPr>
                           <m:ctrlPr>
                             <a:rPr lang="en-US" i="1" smtClean="0">
-                              <a:latin typeface="Cambria Math"/>
+                              <a:latin typeface="Cambria Math" panose="02040503050406030204" pitchFamily="18" charset="0"/>
                             </a:rPr>
                           </m:ctrlPr>
                         </m:sSubPr>
@@ -19315,7 +19421,7 @@
                         <m:sSubPr>
                           <m:ctrlPr>
                             <a:rPr lang="en-US" i="1">
-                              <a:latin typeface="Cambria Math"/>
+                              <a:latin typeface="Cambria Math" panose="02040503050406030204" pitchFamily="18" charset="0"/>
                             </a:rPr>
                           </m:ctrlPr>
                         </m:sSubPr>
@@ -19352,7 +19458,7 @@
                         <m:sSubPr>
                           <m:ctrlPr>
                             <a:rPr lang="en-US" i="1">
-                              <a:latin typeface="Cambria Math"/>
+                              <a:latin typeface="Cambria Math" panose="02040503050406030204" pitchFamily="18" charset="0"/>
                             </a:rPr>
                           </m:ctrlPr>
                         </m:sSubPr>
@@ -19383,7 +19489,7 @@
                         <m:sSubPr>
                           <m:ctrlPr>
                             <a:rPr lang="en-US" i="1">
-                              <a:latin typeface="Cambria Math"/>
+                              <a:latin typeface="Cambria Math" panose="02040503050406030204" pitchFamily="18" charset="0"/>
                             </a:rPr>
                           </m:ctrlPr>
                         </m:sSubPr>
@@ -19420,7 +19526,7 @@
                         <m:naryPr>
                           <m:ctrlPr>
                             <a:rPr lang="en-US" b="0" i="1" smtClean="0">
-                              <a:latin typeface="Cambria Math"/>
+                              <a:latin typeface="Cambria Math" panose="02040503050406030204" pitchFamily="18" charset="0"/>
                             </a:rPr>
                           </m:ctrlPr>
                         </m:naryPr>
@@ -19429,7 +19535,7 @@
                             <m:sSupPr>
                               <m:ctrlPr>
                                 <a:rPr lang="en-US" b="0" i="1" smtClean="0">
-                                  <a:latin typeface="Cambria Math"/>
+                                  <a:latin typeface="Cambria Math" panose="02040503050406030204" pitchFamily="18" charset="0"/>
                                 </a:rPr>
                               </m:ctrlPr>
                             </m:sSupPr>
@@ -19456,7 +19562,7 @@
                             <m:sSupPr>
                               <m:ctrlPr>
                                 <a:rPr lang="en-US" b="0" i="1" smtClean="0">
-                                  <a:latin typeface="Cambria Math"/>
+                                  <a:latin typeface="Cambria Math" panose="02040503050406030204" pitchFamily="18" charset="0"/>
                                 </a:rPr>
                               </m:ctrlPr>
                             </m:sSupPr>
@@ -19489,7 +19595,7 @@
                             <m:dPr>
                               <m:ctrlPr>
                                 <a:rPr lang="en-US" b="0" i="1" smtClean="0">
-                                  <a:latin typeface="Cambria Math"/>
+                                  <a:latin typeface="Cambria Math" panose="02040503050406030204" pitchFamily="18" charset="0"/>
                                 </a:rPr>
                               </m:ctrlPr>
                             </m:dPr>
@@ -20348,11 +20454,7 @@
           <a:p>
             <a:r>
               <a:rPr lang="en-US" dirty="0" smtClean="0"/>
-              <a:t>FEA </a:t>
-            </a:r>
-            <a:r>
-              <a:rPr lang="en-US" dirty="0" smtClean="0"/>
-              <a:t>of Components</a:t>
+              <a:t>FEA of Components</a:t>
             </a:r>
             <a:endParaRPr lang="en-US" dirty="0"/>
           </a:p>
@@ -20462,11 +20564,7 @@
           <a:p>
             <a:r>
               <a:rPr lang="en-US" dirty="0" smtClean="0"/>
-              <a:t>Lightweight design to reduce the overall forces on the </a:t>
-            </a:r>
-            <a:r>
-              <a:rPr lang="en-US" dirty="0" smtClean="0"/>
-              <a:t>legs</a:t>
+              <a:t>Lightweight design to reduce the overall forces on the legs</a:t>
             </a:r>
           </a:p>
           <a:p>
@@ -20820,6 +20918,13 @@
   <p:clrMapOvr>
     <a:masterClrMapping/>
   </p:clrMapOvr>
+  <p:timing>
+    <p:tnLst>
+      <p:par>
+        <p:cTn id="1" dur="indefinite" restart="never" nodeType="tmRoot"/>
+      </p:par>
+    </p:tnLst>
+  </p:timing>
 </p:sld>
 </file>
 
@@ -20909,11 +21014,7 @@
             <a:pPr lvl="1"/>
             <a:r>
               <a:rPr lang="en-US" dirty="0" smtClean="0"/>
-              <a:t>Prevents singularity point of knee </a:t>
-            </a:r>
-            <a:r>
-              <a:rPr lang="en-US" dirty="0" smtClean="0"/>
-              <a:t>piston</a:t>
+              <a:t>Prevents singularity point of knee piston</a:t>
             </a:r>
           </a:p>
           <a:p>
@@ -21101,6 +21202,13 @@
   <p:clrMapOvr>
     <a:masterClrMapping/>
   </p:clrMapOvr>
+  <p:timing>
+    <p:tnLst>
+      <p:par>
+        <p:cTn id="1" dur="indefinite" restart="never" nodeType="tmRoot"/>
+      </p:par>
+    </p:tnLst>
+  </p:timing>
 </p:sld>
 </file>
 
@@ -21215,6 +21323,13 @@
   <p:clrMapOvr>
     <a:masterClrMapping/>
   </p:clrMapOvr>
+  <p:timing>
+    <p:tnLst>
+      <p:par>
+        <p:cTn id="1" dur="indefinite" restart="never" nodeType="tmRoot"/>
+      </p:par>
+    </p:tnLst>
+  </p:timing>
 </p:sld>
 </file>
 
@@ -21425,6 +21540,13 @@
   <p:clrMapOvr>
     <a:masterClrMapping/>
   </p:clrMapOvr>
+  <p:timing>
+    <p:tnLst>
+      <p:par>
+        <p:cTn id="1" dur="indefinite" restart="never" nodeType="tmRoot"/>
+      </p:par>
+    </p:tnLst>
+  </p:timing>
 </p:sld>
 </file>
 
@@ -21536,6 +21658,13 @@
   <p:clrMapOvr>
     <a:masterClrMapping/>
   </p:clrMapOvr>
+  <p:timing>
+    <p:tnLst>
+      <p:par>
+        <p:cTn id="1" dur="indefinite" restart="never" nodeType="tmRoot"/>
+      </p:par>
+    </p:tnLst>
+  </p:timing>
 </p:sld>
 </file>
 
@@ -22832,7 +22961,7 @@
                         <m:sSubPr>
                           <m:ctrlPr>
                             <a:rPr lang="en-US" sz="3200" i="1">
-                              <a:latin typeface="Cambria Math"/>
+                              <a:latin typeface="Cambria Math" panose="02040503050406030204" pitchFamily="18" charset="0"/>
                             </a:rPr>
                           </m:ctrlPr>
                         </m:sSubPr>
@@ -22857,7 +22986,7 @@
                         <m:sSubPr>
                           <m:ctrlPr>
                             <a:rPr lang="en-US" sz="3200" i="1">
-                              <a:latin typeface="Cambria Math"/>
+                              <a:latin typeface="Cambria Math" panose="02040503050406030204" pitchFamily="18" charset="0"/>
                             </a:rPr>
                           </m:ctrlPr>
                         </m:sSubPr>
@@ -22888,7 +23017,7 @@
                         <m:sSubPr>
                           <m:ctrlPr>
                             <a:rPr lang="en-US" sz="3200" i="1">
-                              <a:latin typeface="Cambria Math"/>
+                              <a:latin typeface="Cambria Math" panose="02040503050406030204" pitchFamily="18" charset="0"/>
                             </a:rPr>
                           </m:ctrlPr>
                         </m:sSubPr>
@@ -22913,7 +23042,7 @@
                         <m:sSubPr>
                           <m:ctrlPr>
                             <a:rPr lang="en-US" sz="3200" i="1">
-                              <a:latin typeface="Cambria Math"/>
+                              <a:latin typeface="Cambria Math" panose="02040503050406030204" pitchFamily="18" charset="0"/>
                             </a:rPr>
                           </m:ctrlPr>
                         </m:sSubPr>
@@ -23369,7 +23498,7 @@
                       <m:fPr>
                         <m:ctrlPr>
                           <a:rPr lang="en-US" sz="2200" i="1">
-                            <a:latin typeface="Cambria Math"/>
+                            <a:latin typeface="Cambria Math" panose="02040503050406030204" pitchFamily="18" charset="0"/>
                           </a:rPr>
                         </m:ctrlPr>
                       </m:fPr>
@@ -23389,7 +23518,7 @@
                           <m:sSubPr>
                             <m:ctrlPr>
                               <a:rPr lang="en-US" sz="2200" i="1">
-                                <a:latin typeface="Cambria Math"/>
+                                <a:latin typeface="Cambria Math" panose="02040503050406030204" pitchFamily="18" charset="0"/>
                               </a:rPr>
                             </m:ctrlPr>
                           </m:sSubPr>
@@ -23428,7 +23557,7 @@
                       <m:fPr>
                         <m:ctrlPr>
                           <a:rPr lang="en-US" sz="2200" b="0" i="1" smtClean="0">
-                            <a:latin typeface="Cambria Math"/>
+                            <a:latin typeface="Cambria Math" panose="02040503050406030204" pitchFamily="18" charset="0"/>
                           </a:rPr>
                         </m:ctrlPr>
                       </m:fPr>
@@ -23443,7 +23572,7 @@
                           <m:sSubPr>
                             <m:ctrlPr>
                               <a:rPr lang="en-US" sz="2200" b="0" i="1" smtClean="0">
-                                <a:latin typeface="Cambria Math"/>
+                                <a:latin typeface="Cambria Math" panose="02040503050406030204" pitchFamily="18" charset="0"/>
                               </a:rPr>
                             </m:ctrlPr>
                           </m:sSubPr>
@@ -23476,7 +23605,7 @@
                           <m:sSupPr>
                             <m:ctrlPr>
                               <a:rPr lang="en-US" sz="2200" b="0" i="1" smtClean="0">
-                                <a:latin typeface="Cambria Math"/>
+                                <a:latin typeface="Cambria Math" panose="02040503050406030204" pitchFamily="18" charset="0"/>
                               </a:rPr>
                             </m:ctrlPr>
                           </m:sSupPr>
@@ -23584,7 +23713,7 @@
                       <m:fPr>
                         <m:ctrlPr>
                           <a:rPr lang="en-US" sz="2200" i="1">
-                            <a:latin typeface="Cambria Math"/>
+                            <a:latin typeface="Cambria Math" panose="02040503050406030204" pitchFamily="18" charset="0"/>
                           </a:rPr>
                         </m:ctrlPr>
                       </m:fPr>
@@ -23604,7 +23733,7 @@
                           <m:sSubPr>
                             <m:ctrlPr>
                               <a:rPr lang="en-US" sz="2200" i="1">
-                                <a:latin typeface="Cambria Math"/>
+                                <a:latin typeface="Cambria Math" panose="02040503050406030204" pitchFamily="18" charset="0"/>
                               </a:rPr>
                             </m:ctrlPr>
                           </m:sSubPr>
@@ -23641,7 +23770,7 @@
                           <m:sSubPr>
                             <m:ctrlPr>
                               <a:rPr lang="en-US" sz="2200" b="0" i="1" smtClean="0">
-                                <a:latin typeface="Cambria Math"/>
+                                <a:latin typeface="Cambria Math" panose="02040503050406030204" pitchFamily="18" charset="0"/>
                               </a:rPr>
                             </m:ctrlPr>
                           </m:sSubPr>
@@ -23674,7 +23803,7 @@
                       <m:fPr>
                         <m:ctrlPr>
                           <a:rPr lang="en-US" sz="2200" b="0" i="1" smtClean="0">
-                            <a:latin typeface="Cambria Math"/>
+                            <a:latin typeface="Cambria Math" panose="02040503050406030204" pitchFamily="18" charset="0"/>
                           </a:rPr>
                         </m:ctrlPr>
                       </m:fPr>
@@ -23689,7 +23818,7 @@
                           <m:sSubPr>
                             <m:ctrlPr>
                               <a:rPr lang="en-US" sz="2200" b="0" i="1" smtClean="0">
-                                <a:latin typeface="Cambria Math"/>
+                                <a:latin typeface="Cambria Math" panose="02040503050406030204" pitchFamily="18" charset="0"/>
                               </a:rPr>
                             </m:ctrlPr>
                           </m:sSubPr>
@@ -23722,7 +23851,7 @@
                           <m:sSupPr>
                             <m:ctrlPr>
                               <a:rPr lang="en-US" sz="2200" b="0" i="1" smtClean="0">
-                                <a:latin typeface="Cambria Math"/>
+                                <a:latin typeface="Cambria Math" panose="02040503050406030204" pitchFamily="18" charset="0"/>
                               </a:rPr>
                             </m:ctrlPr>
                           </m:sSupPr>
@@ -23753,7 +23882,7 @@
                           <m:sSupPr>
                             <m:ctrlPr>
                               <a:rPr lang="en-US" sz="2200" b="0" i="1" smtClean="0">
-                                <a:latin typeface="Cambria Math"/>
+                                <a:latin typeface="Cambria Math" panose="02040503050406030204" pitchFamily="18" charset="0"/>
                               </a:rPr>
                             </m:ctrlPr>
                           </m:sSupPr>
@@ -23863,7 +23992,7 @@
                       <m:sSubPr>
                         <m:ctrlPr>
                           <a:rPr lang="en-US" sz="2200" i="1">
-                            <a:latin typeface="Cambria Math"/>
+                            <a:latin typeface="Cambria Math" panose="02040503050406030204" pitchFamily="18" charset="0"/>
                           </a:rPr>
                         </m:ctrlPr>
                       </m:sSubPr>
@@ -23900,7 +24029,7 @@
                       <m:sSubPr>
                         <m:ctrlPr>
                           <a:rPr lang="en-US" sz="2200" i="1">
-                            <a:latin typeface="Cambria Math"/>
+                            <a:latin typeface="Cambria Math" panose="02040503050406030204" pitchFamily="18" charset="0"/>
                           </a:rPr>
                         </m:ctrlPr>
                       </m:sSubPr>
@@ -24015,7 +24144,7 @@
                         <m:fPr>
                           <m:ctrlPr>
                             <a:rPr lang="en-US" sz="2200" b="0" i="1" smtClean="0">
-                              <a:latin typeface="Cambria Math"/>
+                              <a:latin typeface="Cambria Math" panose="02040503050406030204" pitchFamily="18" charset="0"/>
                             </a:rPr>
                           </m:ctrlPr>
                         </m:fPr>
@@ -24024,7 +24153,7 @@
                             <m:dPr>
                               <m:ctrlPr>
                                 <a:rPr lang="en-US" sz="2200" b="0" i="1" smtClean="0">
-                                  <a:latin typeface="Cambria Math"/>
+                                  <a:latin typeface="Cambria Math" panose="02040503050406030204" pitchFamily="18" charset="0"/>
                                 </a:rPr>
                               </m:ctrlPr>
                             </m:dPr>
@@ -24045,7 +24174,7 @@
                                 <m:sSupPr>
                                   <m:ctrlPr>
                                     <a:rPr lang="en-US" sz="2200" b="0" i="1" smtClean="0">
-                                      <a:latin typeface="Cambria Math"/>
+                                      <a:latin typeface="Cambria Math" panose="02040503050406030204" pitchFamily="18" charset="0"/>
                                     </a:rPr>
                                   </m:ctrlPr>
                                 </m:sSupPr>
@@ -24072,7 +24201,7 @@
                             <m:dPr>
                               <m:ctrlPr>
                                 <a:rPr lang="en-US" sz="2200" b="0" i="1" smtClean="0">
-                                  <a:latin typeface="Cambria Math"/>
+                                  <a:latin typeface="Cambria Math" panose="02040503050406030204" pitchFamily="18" charset="0"/>
                                 </a:rPr>
                               </m:ctrlPr>
                             </m:dPr>
@@ -24095,7 +24224,7 @@
                             <m:dPr>
                               <m:ctrlPr>
                                 <a:rPr lang="en-US" sz="2200" b="0" i="1" smtClean="0">
-                                  <a:latin typeface="Cambria Math"/>
+                                  <a:latin typeface="Cambria Math" panose="02040503050406030204" pitchFamily="18" charset="0"/>
                                 </a:rPr>
                               </m:ctrlPr>
                             </m:dPr>
@@ -24112,7 +24241,7 @@
                             <m:dPr>
                               <m:ctrlPr>
                                 <a:rPr lang="en-US" sz="2200" b="0" i="1" smtClean="0">
-                                  <a:latin typeface="Cambria Math"/>
+                                  <a:latin typeface="Cambria Math" panose="02040503050406030204" pitchFamily="18" charset="0"/>
                                 </a:rPr>
                               </m:ctrlPr>
                             </m:dPr>
@@ -24121,7 +24250,7 @@
                                 <m:fPr>
                                   <m:ctrlPr>
                                     <a:rPr lang="en-US" sz="2200" b="0" i="1" smtClean="0">
-                                      <a:latin typeface="Cambria Math"/>
+                                      <a:latin typeface="Cambria Math" panose="02040503050406030204" pitchFamily="18" charset="0"/>
                                     </a:rPr>
                                   </m:ctrlPr>
                                 </m:fPr>
@@ -24174,7 +24303,7 @@
                             <m:dPr>
                               <m:ctrlPr>
                                 <a:rPr lang="en-US" sz="2200" i="1">
-                                  <a:latin typeface="Cambria Math"/>
+                                  <a:latin typeface="Cambria Math" panose="02040503050406030204" pitchFamily="18" charset="0"/>
                                 </a:rPr>
                               </m:ctrlPr>
                             </m:dPr>
@@ -24189,7 +24318,7 @@
                                 <m:fPr>
                                   <m:ctrlPr>
                                     <a:rPr lang="en-US" sz="2200" i="1">
-                                      <a:latin typeface="Cambria Math"/>
+                                      <a:latin typeface="Cambria Math" panose="02040503050406030204" pitchFamily="18" charset="0"/>
                                     </a:rPr>
                                   </m:ctrlPr>
                                 </m:fPr>
@@ -24204,7 +24333,7 @@
                                     <m:sSupPr>
                                       <m:ctrlPr>
                                         <a:rPr lang="en-US" sz="2200" i="1">
-                                          <a:latin typeface="Cambria Math"/>
+                                          <a:latin typeface="Cambria Math" panose="02040503050406030204" pitchFamily="18" charset="0"/>
                                         </a:rPr>
                                       </m:ctrlPr>
                                     </m:sSupPr>
@@ -24237,7 +24366,7 @@
                                     <m:sSupPr>
                                       <m:ctrlPr>
                                         <a:rPr lang="en-US" sz="2200" i="1">
-                                          <a:latin typeface="Cambria Math"/>
+                                          <a:latin typeface="Cambria Math" panose="02040503050406030204" pitchFamily="18" charset="0"/>
                                         </a:rPr>
                                       </m:ctrlPr>
                                     </m:sSupPr>
@@ -24315,7 +24444,7 @@
                       <m:fPr>
                         <m:ctrlPr>
                           <a:rPr lang="en-US" sz="2200" b="1" i="1" smtClean="0">
-                            <a:latin typeface="Cambria Math"/>
+                            <a:latin typeface="Cambria Math" panose="02040503050406030204" pitchFamily="18" charset="0"/>
                           </a:rPr>
                         </m:ctrlPr>
                       </m:fPr>
@@ -24324,7 +24453,7 @@
                           <m:sSupPr>
                             <m:ctrlPr>
                               <a:rPr lang="en-US" sz="2200" b="1" i="1" smtClean="0">
-                                <a:latin typeface="Cambria Math"/>
+                                <a:latin typeface="Cambria Math" panose="02040503050406030204" pitchFamily="18" charset="0"/>
                               </a:rPr>
                             </m:ctrlPr>
                           </m:sSupPr>
@@ -27169,6 +27298,13 @@
   <p:clrMapOvr>
     <a:masterClrMapping/>
   </p:clrMapOvr>
+  <p:timing>
+    <p:tnLst>
+      <p:par>
+        <p:cTn id="1" dur="indefinite" restart="never" nodeType="tmRoot"/>
+      </p:par>
+    </p:tnLst>
+  </p:timing>
 </p:sld>
 </file>
 
@@ -29999,7 +30135,7 @@
   <a:extraClrSchemeLst/>
   <a:extLst>
     <a:ext uri="{05A4C25C-085E-4340-85A3-A5531E510DB2}">
-      <thm15:themeFamily xmlns:thm15="http://schemas.microsoft.com/office/thememl/2012/main" xmlns="" name="Circuit" id="{0AC2F7E7-15F5-431C-B2A2-456FE929F56C}" vid="{14971C58-AB76-4A2A-B231-5F8CA03CF491}"/>
+      <thm15:themeFamily xmlns:thm15="http://schemas.microsoft.com/office/thememl/2012/main" name="Circuit" id="{0AC2F7E7-15F5-431C-B2A2-456FE929F56C}" vid="{14971C58-AB76-4A2A-B231-5F8CA03CF491}"/>
     </a:ext>
   </a:extLst>
 </a:theme>

--- a/Documentation/Presentation/Design Presentation/Design Presentation.pptx
+++ b/Documentation/Presentation/Design Presentation/Design Presentation.pptx
@@ -151,7 +151,7 @@
   </p:defaultTextStyle>
   <p:extLst>
     <p:ext uri="{EFAFB233-063F-42B5-8137-9DF3F51BA10A}">
-      <p15:sldGuideLst xmlns:p15="http://schemas.microsoft.com/office/powerpoint/2012/main">
+      <p15:sldGuideLst xmlns:p15="http://schemas.microsoft.com/office/powerpoint/2012/main" xmlns="">
         <p15:guide id="1" orient="horz" pos="2160">
           <p15:clr>
             <a:srgbClr val="A4A3A4"/>
@@ -4450,7 +4450,7 @@
           <a:p>
             <a:fld id="{48A87A34-81AB-432B-8DAE-1953F412C126}" type="datetimeFigureOut">
               <a:rPr lang="en-US" dirty="0"/>
-              <a:t>2/26/2015</a:t>
+              <a:t>2/27/2015</a:t>
             </a:fld>
             <a:endParaRPr lang="en-US" dirty="0"/>
           </a:p>
@@ -4712,7 +4712,7 @@
           <a:p>
             <a:fld id="{48A87A34-81AB-432B-8DAE-1953F412C126}" type="datetimeFigureOut">
               <a:rPr lang="en-US" dirty="0"/>
-              <a:t>2/26/2015</a:t>
+              <a:t>2/27/2015</a:t>
             </a:fld>
             <a:endParaRPr lang="en-US" dirty="0"/>
           </a:p>
@@ -4903,7 +4903,7 @@
           <a:p>
             <a:fld id="{48A87A34-81AB-432B-8DAE-1953F412C126}" type="datetimeFigureOut">
               <a:rPr lang="en-US" dirty="0"/>
-              <a:t>2/26/2015</a:t>
+              <a:t>2/27/2015</a:t>
             </a:fld>
             <a:endParaRPr lang="en-US" dirty="0"/>
           </a:p>
@@ -5161,7 +5161,7 @@
           <a:p>
             <a:fld id="{48A87A34-81AB-432B-8DAE-1953F412C126}" type="datetimeFigureOut">
               <a:rPr lang="en-US" dirty="0"/>
-              <a:t>2/26/2015</a:t>
+              <a:t>2/27/2015</a:t>
             </a:fld>
             <a:endParaRPr lang="en-US" dirty="0"/>
           </a:p>
@@ -5590,7 +5590,7 @@
           <a:p>
             <a:fld id="{48A87A34-81AB-432B-8DAE-1953F412C126}" type="datetimeFigureOut">
               <a:rPr lang="en-US" dirty="0"/>
-              <a:t>2/26/2015</a:t>
+              <a:t>2/27/2015</a:t>
             </a:fld>
             <a:endParaRPr lang="en-US" dirty="0"/>
           </a:p>
@@ -6131,7 +6131,7 @@
           <a:p>
             <a:fld id="{48A87A34-81AB-432B-8DAE-1953F412C126}" type="datetimeFigureOut">
               <a:rPr lang="en-US" dirty="0"/>
-              <a:t>2/26/2015</a:t>
+              <a:t>2/27/2015</a:t>
             </a:fld>
             <a:endParaRPr lang="en-US" dirty="0"/>
           </a:p>
@@ -6846,7 +6846,7 @@
           <a:p>
             <a:fld id="{48A87A34-81AB-432B-8DAE-1953F412C126}" type="datetimeFigureOut">
               <a:rPr lang="en-US" dirty="0"/>
-              <a:t>2/26/2015</a:t>
+              <a:t>2/27/2015</a:t>
             </a:fld>
             <a:endParaRPr lang="en-US" dirty="0"/>
           </a:p>
@@ -7011,7 +7011,7 @@
           <a:p>
             <a:fld id="{48A87A34-81AB-432B-8DAE-1953F412C126}" type="datetimeFigureOut">
               <a:rPr lang="en-US" dirty="0"/>
-              <a:t>2/26/2015</a:t>
+              <a:t>2/27/2015</a:t>
             </a:fld>
             <a:endParaRPr lang="en-US" dirty="0"/>
           </a:p>
@@ -7186,7 +7186,7 @@
           <a:p>
             <a:fld id="{48A87A34-81AB-432B-8DAE-1953F412C126}" type="datetimeFigureOut">
               <a:rPr lang="en-US" dirty="0"/>
-              <a:t>2/26/2015</a:t>
+              <a:t>2/27/2015</a:t>
             </a:fld>
             <a:endParaRPr lang="en-US" dirty="0"/>
           </a:p>
@@ -7351,7 +7351,7 @@
           <a:p>
             <a:fld id="{48A87A34-81AB-432B-8DAE-1953F412C126}" type="datetimeFigureOut">
               <a:rPr lang="en-US" dirty="0"/>
-              <a:t>2/26/2015</a:t>
+              <a:t>2/27/2015</a:t>
             </a:fld>
             <a:endParaRPr lang="en-US" dirty="0"/>
           </a:p>
@@ -7596,7 +7596,7 @@
           <a:p>
             <a:fld id="{48A87A34-81AB-432B-8DAE-1953F412C126}" type="datetimeFigureOut">
               <a:rPr lang="en-US" dirty="0"/>
-              <a:t>2/26/2015</a:t>
+              <a:t>2/27/2015</a:t>
             </a:fld>
             <a:endParaRPr lang="en-US" dirty="0"/>
           </a:p>
@@ -7823,7 +7823,7 @@
           <a:p>
             <a:fld id="{48A87A34-81AB-432B-8DAE-1953F412C126}" type="datetimeFigureOut">
               <a:rPr lang="en-US" dirty="0"/>
-              <a:t>2/26/2015</a:t>
+              <a:t>2/27/2015</a:t>
             </a:fld>
             <a:endParaRPr lang="en-US" dirty="0"/>
           </a:p>
@@ -8199,7 +8199,7 @@
           <a:p>
             <a:fld id="{48A87A34-81AB-432B-8DAE-1953F412C126}" type="datetimeFigureOut">
               <a:rPr lang="en-US" dirty="0"/>
-              <a:t>2/26/2015</a:t>
+              <a:t>2/27/2015</a:t>
             </a:fld>
             <a:endParaRPr lang="en-US" dirty="0"/>
           </a:p>
@@ -8312,7 +8312,7 @@
           <a:p>
             <a:fld id="{48A87A34-81AB-432B-8DAE-1953F412C126}" type="datetimeFigureOut">
               <a:rPr lang="en-US" dirty="0"/>
-              <a:t>2/26/2015</a:t>
+              <a:t>2/27/2015</a:t>
             </a:fld>
             <a:endParaRPr lang="en-US" dirty="0"/>
           </a:p>
@@ -8402,7 +8402,7 @@
           <a:p>
             <a:fld id="{48A87A34-81AB-432B-8DAE-1953F412C126}" type="datetimeFigureOut">
               <a:rPr lang="en-US" dirty="0"/>
-              <a:t>2/26/2015</a:t>
+              <a:t>2/27/2015</a:t>
             </a:fld>
             <a:endParaRPr lang="en-US" dirty="0"/>
           </a:p>
@@ -8646,7 +8646,7 @@
           <a:p>
             <a:fld id="{48A87A34-81AB-432B-8DAE-1953F412C126}" type="datetimeFigureOut">
               <a:rPr lang="en-US" dirty="0"/>
-              <a:t>2/26/2015</a:t>
+              <a:t>2/27/2015</a:t>
             </a:fld>
             <a:endParaRPr lang="en-US" dirty="0"/>
           </a:p>
@@ -8921,7 +8921,7 @@
           <a:p>
             <a:fld id="{48A87A34-81AB-432B-8DAE-1953F412C126}" type="datetimeFigureOut">
               <a:rPr lang="en-US" dirty="0"/>
-              <a:t>2/26/2015</a:t>
+              <a:t>2/27/2015</a:t>
             </a:fld>
             <a:endParaRPr lang="en-US" dirty="0"/>
           </a:p>
@@ -11984,7 +11984,7 @@
             <a:fld id="{48A87A34-81AB-432B-8DAE-1953F412C126}" type="datetimeFigureOut">
               <a:rPr lang="en-US" dirty="0"/>
               <a:pPr/>
-              <a:t>2/26/2015</a:t>
+              <a:t>2/27/2015</a:t>
             </a:fld>
             <a:endParaRPr lang="en-US" dirty="0"/>
           </a:p>
@@ -12795,7 +12795,7 @@
                         <m:fPr>
                           <m:ctrlPr>
                             <a:rPr lang="en-US" i="1" smtClean="0">
-                              <a:latin typeface="Cambria Math" panose="02040503050406030204" pitchFamily="18" charset="0"/>
+                              <a:latin typeface="Cambria Math"/>
                             </a:rPr>
                           </m:ctrlPr>
                         </m:fPr>
@@ -12822,7 +12822,7 @@
                             <m:sSubPr>
                               <m:ctrlPr>
                                 <a:rPr lang="en-US" i="1">
-                                  <a:latin typeface="Cambria Math" panose="02040503050406030204" pitchFamily="18" charset="0"/>
+                                  <a:latin typeface="Cambria Math"/>
                                 </a:rPr>
                               </m:ctrlPr>
                             </m:sSubPr>
@@ -12859,7 +12859,7 @@
                             <m:sSubPr>
                               <m:ctrlPr>
                                 <a:rPr lang="en-US" i="1">
-                                  <a:latin typeface="Cambria Math" panose="02040503050406030204" pitchFamily="18" charset="0"/>
+                                  <a:latin typeface="Cambria Math"/>
                                 </a:rPr>
                               </m:ctrlPr>
                             </m:sSubPr>
@@ -12896,7 +12896,7 @@
                             <m:sSubPr>
                               <m:ctrlPr>
                                 <a:rPr lang="en-US" i="1">
-                                  <a:latin typeface="Cambria Math" panose="02040503050406030204" pitchFamily="18" charset="0"/>
+                                  <a:latin typeface="Cambria Math"/>
                                 </a:rPr>
                               </m:ctrlPr>
                             </m:sSubPr>
@@ -12959,7 +12959,7 @@
                       <m:fPr>
                         <m:ctrlPr>
                           <a:rPr lang="en-US" i="1">
-                            <a:latin typeface="Cambria Math" panose="02040503050406030204" pitchFamily="18" charset="0"/>
+                            <a:latin typeface="Cambria Math"/>
                           </a:rPr>
                         </m:ctrlPr>
                       </m:fPr>
@@ -12988,7 +12988,7 @@
                           <m:sSubPr>
                             <m:ctrlPr>
                               <a:rPr lang="en-US" i="1">
-                                <a:latin typeface="Cambria Math" panose="02040503050406030204" pitchFamily="18" charset="0"/>
+                                <a:latin typeface="Cambria Math"/>
                               </a:rPr>
                             </m:ctrlPr>
                           </m:sSubPr>
@@ -13015,7 +13015,7 @@
                       <m:fPr>
                         <m:ctrlPr>
                           <a:rPr lang="en-US" i="1">
-                            <a:latin typeface="Cambria Math" panose="02040503050406030204" pitchFamily="18" charset="0"/>
+                            <a:latin typeface="Cambria Math"/>
                           </a:rPr>
                         </m:ctrlPr>
                       </m:fPr>
@@ -13030,7 +13030,7 @@
                           <m:sSubPr>
                             <m:ctrlPr>
                               <a:rPr lang="en-US" i="1">
-                                <a:latin typeface="Cambria Math" panose="02040503050406030204" pitchFamily="18" charset="0"/>
+                                <a:latin typeface="Cambria Math"/>
                               </a:rPr>
                             </m:ctrlPr>
                           </m:sSubPr>
@@ -13077,7 +13077,7 @@
                       <m:fPr>
                         <m:ctrlPr>
                           <a:rPr lang="en-US" i="1">
-                            <a:latin typeface="Cambria Math" panose="02040503050406030204" pitchFamily="18" charset="0"/>
+                            <a:latin typeface="Cambria Math"/>
                           </a:rPr>
                         </m:ctrlPr>
                       </m:fPr>
@@ -13106,7 +13106,7 @@
                           <m:sSubPr>
                             <m:ctrlPr>
                               <a:rPr lang="en-US" i="1">
-                                <a:latin typeface="Cambria Math" panose="02040503050406030204" pitchFamily="18" charset="0"/>
+                                <a:latin typeface="Cambria Math"/>
                               </a:rPr>
                             </m:ctrlPr>
                           </m:sSubPr>
@@ -13133,7 +13133,7 @@
                       <m:fPr>
                         <m:ctrlPr>
                           <a:rPr lang="en-US" i="1">
-                            <a:latin typeface="Cambria Math" panose="02040503050406030204" pitchFamily="18" charset="0"/>
+                            <a:latin typeface="Cambria Math"/>
                           </a:rPr>
                         </m:ctrlPr>
                       </m:fPr>
@@ -13148,7 +13148,7 @@
                           <m:sSubPr>
                             <m:ctrlPr>
                               <a:rPr lang="en-US" i="1">
-                                <a:latin typeface="Cambria Math" panose="02040503050406030204" pitchFamily="18" charset="0"/>
+                                <a:latin typeface="Cambria Math"/>
                               </a:rPr>
                             </m:ctrlPr>
                           </m:sSubPr>
@@ -13195,7 +13195,7 @@
                       <m:fPr>
                         <m:ctrlPr>
                           <a:rPr lang="en-US" i="1">
-                            <a:latin typeface="Cambria Math" panose="02040503050406030204" pitchFamily="18" charset="0"/>
+                            <a:latin typeface="Cambria Math"/>
                           </a:rPr>
                         </m:ctrlPr>
                       </m:fPr>
@@ -13224,7 +13224,7 @@
                           <m:sSubPr>
                             <m:ctrlPr>
                               <a:rPr lang="en-US" i="1">
-                                <a:latin typeface="Cambria Math" panose="02040503050406030204" pitchFamily="18" charset="0"/>
+                                <a:latin typeface="Cambria Math"/>
                               </a:rPr>
                             </m:ctrlPr>
                           </m:sSubPr>
@@ -13251,7 +13251,7 @@
                       <m:fPr>
                         <m:ctrlPr>
                           <a:rPr lang="en-US" i="1">
-                            <a:latin typeface="Cambria Math" panose="02040503050406030204" pitchFamily="18" charset="0"/>
+                            <a:latin typeface="Cambria Math"/>
                           </a:rPr>
                         </m:ctrlPr>
                       </m:fPr>
@@ -13266,7 +13266,7 @@
                           <m:sSubPr>
                             <m:ctrlPr>
                               <a:rPr lang="en-US" i="1">
-                                <a:latin typeface="Cambria Math" panose="02040503050406030204" pitchFamily="18" charset="0"/>
+                                <a:latin typeface="Cambria Math"/>
                               </a:rPr>
                             </m:ctrlPr>
                           </m:sSubPr>
@@ -13328,7 +13328,7 @@
                         <m:dPr>
                           <m:ctrlPr>
                             <a:rPr lang="en-US" i="1">
-                              <a:latin typeface="Cambria Math" panose="02040503050406030204" pitchFamily="18" charset="0"/>
+                              <a:latin typeface="Cambria Math"/>
                             </a:rPr>
                           </m:ctrlPr>
                         </m:dPr>
@@ -13339,7 +13339,7 @@
                               <m:endChr m:val="]"/>
                               <m:ctrlPr>
                                 <a:rPr lang="en-US" i="1">
-                                  <a:latin typeface="Cambria Math" panose="02040503050406030204" pitchFamily="18" charset="0"/>
+                                  <a:latin typeface="Cambria Math"/>
                                 </a:rPr>
                               </m:ctrlPr>
                             </m:dPr>
@@ -13348,7 +13348,7 @@
                                 <m:fPr>
                                   <m:ctrlPr>
                                     <a:rPr lang="en-US" i="1">
-                                      <a:latin typeface="Cambria Math" panose="02040503050406030204" pitchFamily="18" charset="0"/>
+                                      <a:latin typeface="Cambria Math"/>
                                     </a:rPr>
                                   </m:ctrlPr>
                                 </m:fPr>
@@ -13377,7 +13377,7 @@
                                     <m:sSubPr>
                                       <m:ctrlPr>
                                         <a:rPr lang="en-US" i="1">
-                                          <a:latin typeface="Cambria Math" panose="02040503050406030204" pitchFamily="18" charset="0"/>
+                                          <a:latin typeface="Cambria Math"/>
                                         </a:rPr>
                                       </m:ctrlPr>
                                     </m:sSubPr>
@@ -13408,7 +13408,7 @@
                               <m:endChr m:val="]"/>
                               <m:ctrlPr>
                                 <a:rPr lang="en-US" i="1">
-                                  <a:latin typeface="Cambria Math" panose="02040503050406030204" pitchFamily="18" charset="0"/>
+                                  <a:latin typeface="Cambria Math"/>
                                 </a:rPr>
                               </m:ctrlPr>
                             </m:dPr>
@@ -13417,7 +13417,7 @@
                                 <m:fPr>
                                   <m:ctrlPr>
                                     <a:rPr lang="en-US" i="1">
-                                      <a:latin typeface="Cambria Math" panose="02040503050406030204" pitchFamily="18" charset="0"/>
+                                      <a:latin typeface="Cambria Math"/>
                                     </a:rPr>
                                   </m:ctrlPr>
                                 </m:fPr>
@@ -13446,7 +13446,7 @@
                                     <m:sSubPr>
                                       <m:ctrlPr>
                                         <a:rPr lang="en-US" i="1">
-                                          <a:latin typeface="Cambria Math" panose="02040503050406030204" pitchFamily="18" charset="0"/>
+                                          <a:latin typeface="Cambria Math"/>
                                         </a:rPr>
                                       </m:ctrlPr>
                                     </m:sSubPr>
@@ -13477,7 +13477,7 @@
                               <m:endChr m:val="]"/>
                               <m:ctrlPr>
                                 <a:rPr lang="en-US" i="1">
-                                  <a:latin typeface="Cambria Math" panose="02040503050406030204" pitchFamily="18" charset="0"/>
+                                  <a:latin typeface="Cambria Math"/>
                                 </a:rPr>
                               </m:ctrlPr>
                             </m:dPr>
@@ -13496,7 +13496,7 @@
                               <m:endChr m:val="]"/>
                               <m:ctrlPr>
                                 <a:rPr lang="en-US" i="1">
-                                  <a:latin typeface="Cambria Math" panose="02040503050406030204" pitchFamily="18" charset="0"/>
+                                  <a:latin typeface="Cambria Math"/>
                                 </a:rPr>
                               </m:ctrlPr>
                             </m:dPr>
@@ -13505,7 +13505,7 @@
                                 <m:fPr>
                                   <m:ctrlPr>
                                     <a:rPr lang="en-US" i="1">
-                                      <a:latin typeface="Cambria Math" panose="02040503050406030204" pitchFamily="18" charset="0"/>
+                                      <a:latin typeface="Cambria Math"/>
                                     </a:rPr>
                                   </m:ctrlPr>
                                 </m:fPr>
@@ -13534,7 +13534,7 @@
                                     <m:sSubPr>
                                       <m:ctrlPr>
                                         <a:rPr lang="en-US" i="1">
-                                          <a:latin typeface="Cambria Math" panose="02040503050406030204" pitchFamily="18" charset="0"/>
+                                          <a:latin typeface="Cambria Math"/>
                                         </a:rPr>
                                       </m:ctrlPr>
                                     </m:sSubPr>
@@ -13565,7 +13565,7 @@
                         <m:dPr>
                           <m:ctrlPr>
                             <a:rPr lang="en-US" i="1">
-                              <a:latin typeface="Cambria Math" panose="02040503050406030204" pitchFamily="18" charset="0"/>
+                              <a:latin typeface="Cambria Math"/>
                             </a:rPr>
                           </m:ctrlPr>
                         </m:dPr>
@@ -13574,7 +13574,7 @@
                             <m:eqArrPr>
                               <m:ctrlPr>
                                 <a:rPr lang="en-US" i="1">
-                                  <a:latin typeface="Cambria Math" panose="02040503050406030204" pitchFamily="18" charset="0"/>
+                                  <a:latin typeface="Cambria Math"/>
                                 </a:rPr>
                               </m:ctrlPr>
                             </m:eqArrPr>
@@ -13583,7 +13583,7 @@
                                 <m:fPr>
                                   <m:ctrlPr>
                                     <a:rPr lang="en-US" i="1">
-                                      <a:latin typeface="Cambria Math" panose="02040503050406030204" pitchFamily="18" charset="0"/>
+                                      <a:latin typeface="Cambria Math"/>
                                     </a:rPr>
                                   </m:ctrlPr>
                                 </m:fPr>
@@ -13598,7 +13598,7 @@
                                     <m:sSubPr>
                                       <m:ctrlPr>
                                         <a:rPr lang="en-US" i="1">
-                                          <a:latin typeface="Cambria Math" panose="02040503050406030204" pitchFamily="18" charset="0"/>
+                                          <a:latin typeface="Cambria Math"/>
                                         </a:rPr>
                                       </m:ctrlPr>
                                     </m:sSubPr>
@@ -13641,7 +13641,7 @@
                                 <m:fPr>
                                   <m:ctrlPr>
                                     <a:rPr lang="en-US" i="1">
-                                      <a:latin typeface="Cambria Math" panose="02040503050406030204" pitchFamily="18" charset="0"/>
+                                      <a:latin typeface="Cambria Math"/>
                                     </a:rPr>
                                   </m:ctrlPr>
                                 </m:fPr>
@@ -13656,7 +13656,7 @@
                                     <m:sSubPr>
                                       <m:ctrlPr>
                                         <a:rPr lang="en-US" i="1">
-                                          <a:latin typeface="Cambria Math" panose="02040503050406030204" pitchFamily="18" charset="0"/>
+                                          <a:latin typeface="Cambria Math"/>
                                         </a:rPr>
                                       </m:ctrlPr>
                                     </m:sSubPr>
@@ -13707,7 +13707,7 @@
                                 <m:fPr>
                                   <m:ctrlPr>
                                     <a:rPr lang="en-US" i="1">
-                                      <a:latin typeface="Cambria Math" panose="02040503050406030204" pitchFamily="18" charset="0"/>
+                                      <a:latin typeface="Cambria Math"/>
                                     </a:rPr>
                                   </m:ctrlPr>
                                 </m:fPr>
@@ -13722,7 +13722,7 @@
                                     <m:sSubPr>
                                       <m:ctrlPr>
                                         <a:rPr lang="en-US" i="1">
-                                          <a:latin typeface="Cambria Math" panose="02040503050406030204" pitchFamily="18" charset="0"/>
+                                          <a:latin typeface="Cambria Math"/>
                                         </a:rPr>
                                       </m:ctrlPr>
                                     </m:sSubPr>
@@ -13795,7 +13795,7 @@
                         <m:dPr>
                           <m:ctrlPr>
                             <a:rPr lang="en-US" i="1">
-                              <a:latin typeface="Cambria Math" panose="02040503050406030204" pitchFamily="18" charset="0"/>
+                              <a:latin typeface="Cambria Math"/>
                             </a:rPr>
                           </m:ctrlPr>
                         </m:dPr>
@@ -13812,7 +13812,7 @@
                         <m:dPr>
                           <m:ctrlPr>
                             <a:rPr lang="en-US" i="1">
-                              <a:latin typeface="Cambria Math" panose="02040503050406030204" pitchFamily="18" charset="0"/>
+                              <a:latin typeface="Cambria Math"/>
                             </a:rPr>
                           </m:ctrlPr>
                         </m:dPr>
@@ -13821,7 +13821,7 @@
                             <m:eqArrPr>
                               <m:ctrlPr>
                                 <a:rPr lang="en-US" i="1">
-                                  <a:latin typeface="Cambria Math" panose="02040503050406030204" pitchFamily="18" charset="0"/>
+                                  <a:latin typeface="Cambria Math"/>
                                 </a:rPr>
                               </m:ctrlPr>
                             </m:eqArrPr>
@@ -13830,7 +13830,7 @@
                                 <m:fPr>
                                   <m:ctrlPr>
                                     <a:rPr lang="en-US" i="1">
-                                      <a:latin typeface="Cambria Math" panose="02040503050406030204" pitchFamily="18" charset="0"/>
+                                      <a:latin typeface="Cambria Math"/>
                                     </a:rPr>
                                   </m:ctrlPr>
                                 </m:fPr>
@@ -13845,7 +13845,7 @@
                                     <m:sSubPr>
                                       <m:ctrlPr>
                                         <a:rPr lang="en-US" i="1">
-                                          <a:latin typeface="Cambria Math" panose="02040503050406030204" pitchFamily="18" charset="0"/>
+                                          <a:latin typeface="Cambria Math"/>
                                         </a:rPr>
                                       </m:ctrlPr>
                                     </m:sSubPr>
@@ -13888,7 +13888,7 @@
                                 <m:fPr>
                                   <m:ctrlPr>
                                     <a:rPr lang="en-US" i="1">
-                                      <a:latin typeface="Cambria Math" panose="02040503050406030204" pitchFamily="18" charset="0"/>
+                                      <a:latin typeface="Cambria Math"/>
                                     </a:rPr>
                                   </m:ctrlPr>
                                 </m:fPr>
@@ -13903,7 +13903,7 @@
                                     <m:sSubPr>
                                       <m:ctrlPr>
                                         <a:rPr lang="en-US" i="1">
-                                          <a:latin typeface="Cambria Math" panose="02040503050406030204" pitchFamily="18" charset="0"/>
+                                          <a:latin typeface="Cambria Math"/>
                                         </a:rPr>
                                       </m:ctrlPr>
                                     </m:sSubPr>
@@ -13954,7 +13954,7 @@
                                 <m:fPr>
                                   <m:ctrlPr>
                                     <a:rPr lang="en-US" i="1">
-                                      <a:latin typeface="Cambria Math" panose="02040503050406030204" pitchFamily="18" charset="0"/>
+                                      <a:latin typeface="Cambria Math"/>
                                     </a:rPr>
                                   </m:ctrlPr>
                                 </m:fPr>
@@ -13969,7 +13969,7 @@
                                     <m:sSubPr>
                                       <m:ctrlPr>
                                         <a:rPr lang="en-US" i="1">
-                                          <a:latin typeface="Cambria Math" panose="02040503050406030204" pitchFamily="18" charset="0"/>
+                                          <a:latin typeface="Cambria Math"/>
                                         </a:rPr>
                                       </m:ctrlPr>
                                     </m:sSubPr>
@@ -14214,7 +14214,7 @@
                           <m:endChr m:val="]"/>
                           <m:ctrlPr>
                             <a:rPr lang="en-US" i="1">
-                              <a:latin typeface="Cambria Math" panose="02040503050406030204" pitchFamily="18" charset="0"/>
+                              <a:latin typeface="Cambria Math"/>
                             </a:rPr>
                           </m:ctrlPr>
                         </m:dPr>
@@ -14223,7 +14223,7 @@
                             <m:eqArrPr>
                               <m:ctrlPr>
                                 <a:rPr lang="en-US" i="1">
-                                  <a:latin typeface="Cambria Math" panose="02040503050406030204" pitchFamily="18" charset="0"/>
+                                  <a:latin typeface="Cambria Math"/>
                                 </a:rPr>
                               </m:ctrlPr>
                             </m:eqArrPr>
@@ -14232,7 +14232,7 @@
                                 <m:eqArrPr>
                                   <m:ctrlPr>
                                     <a:rPr lang="en-US" i="1">
-                                      <a:latin typeface="Cambria Math" panose="02040503050406030204" pitchFamily="18" charset="0"/>
+                                      <a:latin typeface="Cambria Math"/>
                                     </a:rPr>
                                   </m:ctrlPr>
                                 </m:eqArrPr>
@@ -14257,7 +14257,7 @@
                                     <m:sSubPr>
                                       <m:ctrlPr>
                                         <a:rPr lang="en-US" i="1">
-                                          <a:latin typeface="Cambria Math" panose="02040503050406030204" pitchFamily="18" charset="0"/>
+                                          <a:latin typeface="Cambria Math"/>
                                         </a:rPr>
                                       </m:ctrlPr>
                                     </m:sSubPr>
@@ -14284,7 +14284,7 @@
                                     <m:sSubPr>
                                       <m:ctrlPr>
                                         <a:rPr lang="en-US" i="1">
-                                          <a:latin typeface="Cambria Math" panose="02040503050406030204" pitchFamily="18" charset="0"/>
+                                          <a:latin typeface="Cambria Math"/>
                                         </a:rPr>
                                       </m:ctrlPr>
                                     </m:sSubPr>
@@ -14317,7 +14317,7 @@
                                     <m:sSubPr>
                                       <m:ctrlPr>
                                         <a:rPr lang="en-US" i="1">
-                                          <a:latin typeface="Cambria Math" panose="02040503050406030204" pitchFamily="18" charset="0"/>
+                                          <a:latin typeface="Cambria Math"/>
                                         </a:rPr>
                                       </m:ctrlPr>
                                     </m:sSubPr>
@@ -14350,7 +14350,7 @@
                                     <m:sSubPr>
                                       <m:ctrlPr>
                                         <a:rPr lang="en-US" i="1">
-                                          <a:latin typeface="Cambria Math" panose="02040503050406030204" pitchFamily="18" charset="0"/>
+                                          <a:latin typeface="Cambria Math"/>
                                         </a:rPr>
                                       </m:ctrlPr>
                                     </m:sSubPr>
@@ -14383,7 +14383,7 @@
                                     <m:sSubPr>
                                       <m:ctrlPr>
                                         <a:rPr lang="en-US" i="1">
-                                          <a:latin typeface="Cambria Math" panose="02040503050406030204" pitchFamily="18" charset="0"/>
+                                          <a:latin typeface="Cambria Math"/>
                                         </a:rPr>
                                       </m:ctrlPr>
                                     </m:sSubPr>
@@ -14418,7 +14418,7 @@
                                 <m:sSubPr>
                                   <m:ctrlPr>
                                     <a:rPr lang="en-US" i="1">
-                                      <a:latin typeface="Cambria Math" panose="02040503050406030204" pitchFamily="18" charset="0"/>
+                                      <a:latin typeface="Cambria Math"/>
                                     </a:rPr>
                                   </m:ctrlPr>
                                 </m:sSubPr>
@@ -14451,7 +14451,7 @@
                                 <m:sSubPr>
                                   <m:ctrlPr>
                                     <a:rPr lang="en-US" i="1">
-                                      <a:latin typeface="Cambria Math" panose="02040503050406030204" pitchFamily="18" charset="0"/>
+                                      <a:latin typeface="Cambria Math"/>
                                     </a:rPr>
                                   </m:ctrlPr>
                                 </m:sSubPr>
@@ -14484,7 +14484,7 @@
                                 <m:sSubPr>
                                   <m:ctrlPr>
                                     <a:rPr lang="en-US" i="1">
-                                      <a:latin typeface="Cambria Math" panose="02040503050406030204" pitchFamily="18" charset="0"/>
+                                      <a:latin typeface="Cambria Math"/>
                                     </a:rPr>
                                   </m:ctrlPr>
                                 </m:sSubPr>
@@ -14517,7 +14517,7 @@
                                 <m:sSubPr>
                                   <m:ctrlPr>
                                     <a:rPr lang="en-US" i="1">
-                                      <a:latin typeface="Cambria Math" panose="02040503050406030204" pitchFamily="18" charset="0"/>
+                                      <a:latin typeface="Cambria Math"/>
                                     </a:rPr>
                                   </m:ctrlPr>
                                 </m:sSubPr>
@@ -15125,7 +15125,7 @@
                         <m:sSubPr>
                           <m:ctrlPr>
                             <a:rPr lang="en-US" i="1" smtClean="0">
-                              <a:latin typeface="Cambria Math" panose="02040503050406030204" pitchFamily="18" charset="0"/>
+                              <a:latin typeface="Cambria Math"/>
                             </a:rPr>
                           </m:ctrlPr>
                         </m:sSubPr>
@@ -15168,7 +15168,7 @@
                         <m:sSubPr>
                           <m:ctrlPr>
                             <a:rPr lang="en-US" i="1">
-                              <a:latin typeface="Cambria Math" panose="02040503050406030204" pitchFamily="18" charset="0"/>
+                              <a:latin typeface="Cambria Math"/>
                             </a:rPr>
                           </m:ctrlPr>
                         </m:sSubPr>
@@ -15211,7 +15211,7 @@
                         <m:sSubPr>
                           <m:ctrlPr>
                             <a:rPr lang="en-US" i="1">
-                              <a:latin typeface="Cambria Math" panose="02040503050406030204" pitchFamily="18" charset="0"/>
+                              <a:latin typeface="Cambria Math"/>
                             </a:rPr>
                           </m:ctrlPr>
                         </m:sSubPr>
@@ -15254,7 +15254,7 @@
                         <m:sSubPr>
                           <m:ctrlPr>
                             <a:rPr lang="en-US" i="1">
-                              <a:latin typeface="Cambria Math" panose="02040503050406030204" pitchFamily="18" charset="0"/>
+                              <a:latin typeface="Cambria Math"/>
                             </a:rPr>
                           </m:ctrlPr>
                         </m:sSubPr>
@@ -15297,7 +15297,7 @@
                         <m:fPr>
                           <m:ctrlPr>
                             <a:rPr lang="en-US" b="0" i="1" smtClean="0">
-                              <a:latin typeface="Cambria Math" panose="02040503050406030204" pitchFamily="18" charset="0"/>
+                              <a:latin typeface="Cambria Math"/>
                             </a:rPr>
                           </m:ctrlPr>
                         </m:fPr>
@@ -15337,7 +15337,7 @@
                         <m:sSubPr>
                           <m:ctrlPr>
                             <a:rPr lang="en-US" i="1">
-                              <a:latin typeface="Cambria Math" panose="02040503050406030204" pitchFamily="18" charset="0"/>
+                              <a:latin typeface="Cambria Math"/>
                             </a:rPr>
                           </m:ctrlPr>
                         </m:sSubPr>
@@ -15380,7 +15380,7 @@
                         <m:sSubPr>
                           <m:ctrlPr>
                             <a:rPr lang="en-US" i="1">
-                              <a:latin typeface="Cambria Math" panose="02040503050406030204" pitchFamily="18" charset="0"/>
+                              <a:latin typeface="Cambria Math"/>
                             </a:rPr>
                           </m:ctrlPr>
                         </m:sSubPr>
@@ -15423,7 +15423,7 @@
                         <m:sSubPr>
                           <m:ctrlPr>
                             <a:rPr lang="en-US" i="1">
-                              <a:latin typeface="Cambria Math" panose="02040503050406030204" pitchFamily="18" charset="0"/>
+                              <a:latin typeface="Cambria Math"/>
                             </a:rPr>
                           </m:ctrlPr>
                         </m:sSubPr>
@@ -15466,7 +15466,7 @@
                         <m:sSubPr>
                           <m:ctrlPr>
                             <a:rPr lang="en-US" i="1">
-                              <a:latin typeface="Cambria Math" panose="02040503050406030204" pitchFamily="18" charset="0"/>
+                              <a:latin typeface="Cambria Math"/>
                             </a:rPr>
                           </m:ctrlPr>
                         </m:sSubPr>
@@ -15509,7 +15509,7 @@
                         <m:fPr>
                           <m:ctrlPr>
                             <a:rPr lang="en-US" b="0" i="1" smtClean="0">
-                              <a:latin typeface="Cambria Math" panose="02040503050406030204" pitchFamily="18" charset="0"/>
+                              <a:latin typeface="Cambria Math"/>
                             </a:rPr>
                           </m:ctrlPr>
                         </m:fPr>
@@ -17996,7 +17996,7 @@
                         <m:sSubPr>
                           <m:ctrlPr>
                             <a:rPr lang="en-US" i="1">
-                              <a:latin typeface="Cambria Math" panose="02040503050406030204" pitchFamily="18" charset="0"/>
+                              <a:latin typeface="Cambria Math"/>
                             </a:rPr>
                           </m:ctrlPr>
                         </m:sSubPr>
@@ -18039,7 +18039,7 @@
                         <m:sSubPr>
                           <m:ctrlPr>
                             <a:rPr lang="en-US" i="1">
-                              <a:latin typeface="Cambria Math" panose="02040503050406030204" pitchFamily="18" charset="0"/>
+                              <a:latin typeface="Cambria Math"/>
                             </a:rPr>
                           </m:ctrlPr>
                         </m:sSubPr>
@@ -18082,7 +18082,7 @@
                         <m:sSubPr>
                           <m:ctrlPr>
                             <a:rPr lang="en-US" i="1">
-                              <a:latin typeface="Cambria Math" panose="02040503050406030204" pitchFamily="18" charset="0"/>
+                              <a:latin typeface="Cambria Math"/>
                             </a:rPr>
                           </m:ctrlPr>
                         </m:sSubPr>
@@ -18125,7 +18125,7 @@
                         <m:fPr>
                           <m:ctrlPr>
                             <a:rPr lang="en-US" i="1" smtClean="0">
-                              <a:latin typeface="Cambria Math" panose="02040503050406030204" pitchFamily="18" charset="0"/>
+                              <a:latin typeface="Cambria Math"/>
                             </a:rPr>
                           </m:ctrlPr>
                         </m:fPr>
@@ -19390,7 +19390,7 @@
                         <m:sSubPr>
                           <m:ctrlPr>
                             <a:rPr lang="en-US" i="1" smtClean="0">
-                              <a:latin typeface="Cambria Math" panose="02040503050406030204" pitchFamily="18" charset="0"/>
+                              <a:latin typeface="Cambria Math"/>
                             </a:rPr>
                           </m:ctrlPr>
                         </m:sSubPr>
@@ -19421,7 +19421,7 @@
                         <m:sSubPr>
                           <m:ctrlPr>
                             <a:rPr lang="en-US" i="1">
-                              <a:latin typeface="Cambria Math" panose="02040503050406030204" pitchFamily="18" charset="0"/>
+                              <a:latin typeface="Cambria Math"/>
                             </a:rPr>
                           </m:ctrlPr>
                         </m:sSubPr>
@@ -19458,7 +19458,7 @@
                         <m:sSubPr>
                           <m:ctrlPr>
                             <a:rPr lang="en-US" i="1">
-                              <a:latin typeface="Cambria Math" panose="02040503050406030204" pitchFamily="18" charset="0"/>
+                              <a:latin typeface="Cambria Math"/>
                             </a:rPr>
                           </m:ctrlPr>
                         </m:sSubPr>
@@ -19489,7 +19489,7 @@
                         <m:sSubPr>
                           <m:ctrlPr>
                             <a:rPr lang="en-US" i="1">
-                              <a:latin typeface="Cambria Math" panose="02040503050406030204" pitchFamily="18" charset="0"/>
+                              <a:latin typeface="Cambria Math"/>
                             </a:rPr>
                           </m:ctrlPr>
                         </m:sSubPr>
@@ -19526,7 +19526,7 @@
                         <m:naryPr>
                           <m:ctrlPr>
                             <a:rPr lang="en-US" b="0" i="1" smtClean="0">
-                              <a:latin typeface="Cambria Math" panose="02040503050406030204" pitchFamily="18" charset="0"/>
+                              <a:latin typeface="Cambria Math"/>
                             </a:rPr>
                           </m:ctrlPr>
                         </m:naryPr>
@@ -19535,7 +19535,7 @@
                             <m:sSupPr>
                               <m:ctrlPr>
                                 <a:rPr lang="en-US" b="0" i="1" smtClean="0">
-                                  <a:latin typeface="Cambria Math" panose="02040503050406030204" pitchFamily="18" charset="0"/>
+                                  <a:latin typeface="Cambria Math"/>
                                 </a:rPr>
                               </m:ctrlPr>
                             </m:sSupPr>
@@ -19562,7 +19562,7 @@
                             <m:sSupPr>
                               <m:ctrlPr>
                                 <a:rPr lang="en-US" b="0" i="1" smtClean="0">
-                                  <a:latin typeface="Cambria Math" panose="02040503050406030204" pitchFamily="18" charset="0"/>
+                                  <a:latin typeface="Cambria Math"/>
                                 </a:rPr>
                               </m:ctrlPr>
                             </m:sSupPr>
@@ -19595,7 +19595,7 @@
                             <m:dPr>
                               <m:ctrlPr>
                                 <a:rPr lang="en-US" b="0" i="1" smtClean="0">
-                                  <a:latin typeface="Cambria Math" panose="02040503050406030204" pitchFamily="18" charset="0"/>
+                                  <a:latin typeface="Cambria Math"/>
                                 </a:rPr>
                               </m:ctrlPr>
                             </m:dPr>
@@ -21385,7 +21385,9 @@
         </p:nvSpPr>
         <p:spPr/>
         <p:txBody>
-          <a:bodyPr/>
+          <a:bodyPr>
+            <a:normAutofit lnSpcReduction="10000"/>
+          </a:bodyPr>
           <a:lstStyle/>
           <a:p>
             <a:r>
@@ -21393,8 +21395,8 @@
               <a:t>All components tested using “worst case” </a:t>
             </a:r>
             <a:r>
-              <a:rPr lang="en-US" dirty="0" err="1" smtClean="0"/>
-              <a:t>scenerio</a:t>
+              <a:rPr lang="en-US" dirty="0" smtClean="0"/>
+              <a:t>scenario</a:t>
             </a:r>
             <a:endParaRPr lang="en-US" dirty="0" smtClean="0"/>
           </a:p>
@@ -21436,7 +21438,30 @@
             <a:pPr lvl="1"/>
             <a:r>
               <a:rPr lang="en-US" dirty="0" smtClean="0"/>
-              <a:t>Kept Tet10 elements to accurately track bending</a:t>
+              <a:t>Kept </a:t>
+            </a:r>
+            <a:r>
+              <a:rPr lang="en-US" dirty="0" smtClean="0"/>
+              <a:t>Quad8</a:t>
+            </a:r>
+            <a:r>
+              <a:rPr lang="en-US" dirty="0" smtClean="0"/>
+              <a:t> </a:t>
+            </a:r>
+            <a:r>
+              <a:rPr lang="en-US" dirty="0" smtClean="0"/>
+              <a:t>elements to accurately track </a:t>
+            </a:r>
+            <a:r>
+              <a:rPr lang="en-US" dirty="0" smtClean="0"/>
+              <a:t>bending</a:t>
+            </a:r>
+          </a:p>
+          <a:p>
+            <a:pPr lvl="1"/>
+            <a:r>
+              <a:rPr lang="en-US" dirty="0" smtClean="0"/>
+              <a:t>Average Mesh quality around 0.75 for all components</a:t>
             </a:r>
             <a:endParaRPr lang="en-US" dirty="0"/>
           </a:p>
@@ -22961,7 +22986,7 @@
                         <m:sSubPr>
                           <m:ctrlPr>
                             <a:rPr lang="en-US" sz="3200" i="1">
-                              <a:latin typeface="Cambria Math" panose="02040503050406030204" pitchFamily="18" charset="0"/>
+                              <a:latin typeface="Cambria Math"/>
                             </a:rPr>
                           </m:ctrlPr>
                         </m:sSubPr>
@@ -22986,7 +23011,7 @@
                         <m:sSubPr>
                           <m:ctrlPr>
                             <a:rPr lang="en-US" sz="3200" i="1">
-                              <a:latin typeface="Cambria Math" panose="02040503050406030204" pitchFamily="18" charset="0"/>
+                              <a:latin typeface="Cambria Math"/>
                             </a:rPr>
                           </m:ctrlPr>
                         </m:sSubPr>
@@ -23017,7 +23042,7 @@
                         <m:sSubPr>
                           <m:ctrlPr>
                             <a:rPr lang="en-US" sz="3200" i="1">
-                              <a:latin typeface="Cambria Math" panose="02040503050406030204" pitchFamily="18" charset="0"/>
+                              <a:latin typeface="Cambria Math"/>
                             </a:rPr>
                           </m:ctrlPr>
                         </m:sSubPr>
@@ -23042,7 +23067,7 @@
                         <m:sSubPr>
                           <m:ctrlPr>
                             <a:rPr lang="en-US" sz="3200" i="1">
-                              <a:latin typeface="Cambria Math" panose="02040503050406030204" pitchFamily="18" charset="0"/>
+                              <a:latin typeface="Cambria Math"/>
                             </a:rPr>
                           </m:ctrlPr>
                         </m:sSubPr>
@@ -23498,7 +23523,7 @@
                       <m:fPr>
                         <m:ctrlPr>
                           <a:rPr lang="en-US" sz="2200" i="1">
-                            <a:latin typeface="Cambria Math" panose="02040503050406030204" pitchFamily="18" charset="0"/>
+                            <a:latin typeface="Cambria Math"/>
                           </a:rPr>
                         </m:ctrlPr>
                       </m:fPr>
@@ -23518,7 +23543,7 @@
                           <m:sSubPr>
                             <m:ctrlPr>
                               <a:rPr lang="en-US" sz="2200" i="1">
-                                <a:latin typeface="Cambria Math" panose="02040503050406030204" pitchFamily="18" charset="0"/>
+                                <a:latin typeface="Cambria Math"/>
                               </a:rPr>
                             </m:ctrlPr>
                           </m:sSubPr>
@@ -23557,7 +23582,7 @@
                       <m:fPr>
                         <m:ctrlPr>
                           <a:rPr lang="en-US" sz="2200" b="0" i="1" smtClean="0">
-                            <a:latin typeface="Cambria Math" panose="02040503050406030204" pitchFamily="18" charset="0"/>
+                            <a:latin typeface="Cambria Math"/>
                           </a:rPr>
                         </m:ctrlPr>
                       </m:fPr>
@@ -23572,7 +23597,7 @@
                           <m:sSubPr>
                             <m:ctrlPr>
                               <a:rPr lang="en-US" sz="2200" b="0" i="1" smtClean="0">
-                                <a:latin typeface="Cambria Math" panose="02040503050406030204" pitchFamily="18" charset="0"/>
+                                <a:latin typeface="Cambria Math"/>
                               </a:rPr>
                             </m:ctrlPr>
                           </m:sSubPr>
@@ -23605,7 +23630,7 @@
                           <m:sSupPr>
                             <m:ctrlPr>
                               <a:rPr lang="en-US" sz="2200" b="0" i="1" smtClean="0">
-                                <a:latin typeface="Cambria Math" panose="02040503050406030204" pitchFamily="18" charset="0"/>
+                                <a:latin typeface="Cambria Math"/>
                               </a:rPr>
                             </m:ctrlPr>
                           </m:sSupPr>
@@ -23713,7 +23738,7 @@
                       <m:fPr>
                         <m:ctrlPr>
                           <a:rPr lang="en-US" sz="2200" i="1">
-                            <a:latin typeface="Cambria Math" panose="02040503050406030204" pitchFamily="18" charset="0"/>
+                            <a:latin typeface="Cambria Math"/>
                           </a:rPr>
                         </m:ctrlPr>
                       </m:fPr>
@@ -23733,7 +23758,7 @@
                           <m:sSubPr>
                             <m:ctrlPr>
                               <a:rPr lang="en-US" sz="2200" i="1">
-                                <a:latin typeface="Cambria Math" panose="02040503050406030204" pitchFamily="18" charset="0"/>
+                                <a:latin typeface="Cambria Math"/>
                               </a:rPr>
                             </m:ctrlPr>
                           </m:sSubPr>
@@ -23770,7 +23795,7 @@
                           <m:sSubPr>
                             <m:ctrlPr>
                               <a:rPr lang="en-US" sz="2200" b="0" i="1" smtClean="0">
-                                <a:latin typeface="Cambria Math" panose="02040503050406030204" pitchFamily="18" charset="0"/>
+                                <a:latin typeface="Cambria Math"/>
                               </a:rPr>
                             </m:ctrlPr>
                           </m:sSubPr>
@@ -23803,7 +23828,7 @@
                       <m:fPr>
                         <m:ctrlPr>
                           <a:rPr lang="en-US" sz="2200" b="0" i="1" smtClean="0">
-                            <a:latin typeface="Cambria Math" panose="02040503050406030204" pitchFamily="18" charset="0"/>
+                            <a:latin typeface="Cambria Math"/>
                           </a:rPr>
                         </m:ctrlPr>
                       </m:fPr>
@@ -23818,7 +23843,7 @@
                           <m:sSubPr>
                             <m:ctrlPr>
                               <a:rPr lang="en-US" sz="2200" b="0" i="1" smtClean="0">
-                                <a:latin typeface="Cambria Math" panose="02040503050406030204" pitchFamily="18" charset="0"/>
+                                <a:latin typeface="Cambria Math"/>
                               </a:rPr>
                             </m:ctrlPr>
                           </m:sSubPr>
@@ -23851,7 +23876,7 @@
                           <m:sSupPr>
                             <m:ctrlPr>
                               <a:rPr lang="en-US" sz="2200" b="0" i="1" smtClean="0">
-                                <a:latin typeface="Cambria Math" panose="02040503050406030204" pitchFamily="18" charset="0"/>
+                                <a:latin typeface="Cambria Math"/>
                               </a:rPr>
                             </m:ctrlPr>
                           </m:sSupPr>
@@ -23882,7 +23907,7 @@
                           <m:sSupPr>
                             <m:ctrlPr>
                               <a:rPr lang="en-US" sz="2200" b="0" i="1" smtClean="0">
-                                <a:latin typeface="Cambria Math" panose="02040503050406030204" pitchFamily="18" charset="0"/>
+                                <a:latin typeface="Cambria Math"/>
                               </a:rPr>
                             </m:ctrlPr>
                           </m:sSupPr>
@@ -23992,7 +24017,7 @@
                       <m:sSubPr>
                         <m:ctrlPr>
                           <a:rPr lang="en-US" sz="2200" i="1">
-                            <a:latin typeface="Cambria Math" panose="02040503050406030204" pitchFamily="18" charset="0"/>
+                            <a:latin typeface="Cambria Math"/>
                           </a:rPr>
                         </m:ctrlPr>
                       </m:sSubPr>
@@ -24029,7 +24054,7 @@
                       <m:sSubPr>
                         <m:ctrlPr>
                           <a:rPr lang="en-US" sz="2200" i="1">
-                            <a:latin typeface="Cambria Math" panose="02040503050406030204" pitchFamily="18" charset="0"/>
+                            <a:latin typeface="Cambria Math"/>
                           </a:rPr>
                         </m:ctrlPr>
                       </m:sSubPr>
@@ -24144,7 +24169,7 @@
                         <m:fPr>
                           <m:ctrlPr>
                             <a:rPr lang="en-US" sz="2200" b="0" i="1" smtClean="0">
-                              <a:latin typeface="Cambria Math" panose="02040503050406030204" pitchFamily="18" charset="0"/>
+                              <a:latin typeface="Cambria Math"/>
                             </a:rPr>
                           </m:ctrlPr>
                         </m:fPr>
@@ -24153,7 +24178,7 @@
                             <m:dPr>
                               <m:ctrlPr>
                                 <a:rPr lang="en-US" sz="2200" b="0" i="1" smtClean="0">
-                                  <a:latin typeface="Cambria Math" panose="02040503050406030204" pitchFamily="18" charset="0"/>
+                                  <a:latin typeface="Cambria Math"/>
                                 </a:rPr>
                               </m:ctrlPr>
                             </m:dPr>
@@ -24174,7 +24199,7 @@
                                 <m:sSupPr>
                                   <m:ctrlPr>
                                     <a:rPr lang="en-US" sz="2200" b="0" i="1" smtClean="0">
-                                      <a:latin typeface="Cambria Math" panose="02040503050406030204" pitchFamily="18" charset="0"/>
+                                      <a:latin typeface="Cambria Math"/>
                                     </a:rPr>
                                   </m:ctrlPr>
                                 </m:sSupPr>
@@ -24201,7 +24226,7 @@
                             <m:dPr>
                               <m:ctrlPr>
                                 <a:rPr lang="en-US" sz="2200" b="0" i="1" smtClean="0">
-                                  <a:latin typeface="Cambria Math" panose="02040503050406030204" pitchFamily="18" charset="0"/>
+                                  <a:latin typeface="Cambria Math"/>
                                 </a:rPr>
                               </m:ctrlPr>
                             </m:dPr>
@@ -24224,7 +24249,7 @@
                             <m:dPr>
                               <m:ctrlPr>
                                 <a:rPr lang="en-US" sz="2200" b="0" i="1" smtClean="0">
-                                  <a:latin typeface="Cambria Math" panose="02040503050406030204" pitchFamily="18" charset="0"/>
+                                  <a:latin typeface="Cambria Math"/>
                                 </a:rPr>
                               </m:ctrlPr>
                             </m:dPr>
@@ -24241,7 +24266,7 @@
                             <m:dPr>
                               <m:ctrlPr>
                                 <a:rPr lang="en-US" sz="2200" b="0" i="1" smtClean="0">
-                                  <a:latin typeface="Cambria Math" panose="02040503050406030204" pitchFamily="18" charset="0"/>
+                                  <a:latin typeface="Cambria Math"/>
                                 </a:rPr>
                               </m:ctrlPr>
                             </m:dPr>
@@ -24250,7 +24275,7 @@
                                 <m:fPr>
                                   <m:ctrlPr>
                                     <a:rPr lang="en-US" sz="2200" b="0" i="1" smtClean="0">
-                                      <a:latin typeface="Cambria Math" panose="02040503050406030204" pitchFamily="18" charset="0"/>
+                                      <a:latin typeface="Cambria Math"/>
                                     </a:rPr>
                                   </m:ctrlPr>
                                 </m:fPr>
@@ -24303,7 +24328,7 @@
                             <m:dPr>
                               <m:ctrlPr>
                                 <a:rPr lang="en-US" sz="2200" i="1">
-                                  <a:latin typeface="Cambria Math" panose="02040503050406030204" pitchFamily="18" charset="0"/>
+                                  <a:latin typeface="Cambria Math"/>
                                 </a:rPr>
                               </m:ctrlPr>
                             </m:dPr>
@@ -24318,7 +24343,7 @@
                                 <m:fPr>
                                   <m:ctrlPr>
                                     <a:rPr lang="en-US" sz="2200" i="1">
-                                      <a:latin typeface="Cambria Math" panose="02040503050406030204" pitchFamily="18" charset="0"/>
+                                      <a:latin typeface="Cambria Math"/>
                                     </a:rPr>
                                   </m:ctrlPr>
                                 </m:fPr>
@@ -24333,7 +24358,7 @@
                                     <m:sSupPr>
                                       <m:ctrlPr>
                                         <a:rPr lang="en-US" sz="2200" i="1">
-                                          <a:latin typeface="Cambria Math" panose="02040503050406030204" pitchFamily="18" charset="0"/>
+                                          <a:latin typeface="Cambria Math"/>
                                         </a:rPr>
                                       </m:ctrlPr>
                                     </m:sSupPr>
@@ -24366,7 +24391,7 @@
                                     <m:sSupPr>
                                       <m:ctrlPr>
                                         <a:rPr lang="en-US" sz="2200" i="1">
-                                          <a:latin typeface="Cambria Math" panose="02040503050406030204" pitchFamily="18" charset="0"/>
+                                          <a:latin typeface="Cambria Math"/>
                                         </a:rPr>
                                       </m:ctrlPr>
                                     </m:sSupPr>
@@ -24444,7 +24469,7 @@
                       <m:fPr>
                         <m:ctrlPr>
                           <a:rPr lang="en-US" sz="2200" b="1" i="1" smtClean="0">
-                            <a:latin typeface="Cambria Math" panose="02040503050406030204" pitchFamily="18" charset="0"/>
+                            <a:latin typeface="Cambria Math"/>
                           </a:rPr>
                         </m:ctrlPr>
                       </m:fPr>
@@ -24453,7 +24478,7 @@
                           <m:sSupPr>
                             <m:ctrlPr>
                               <a:rPr lang="en-US" sz="2200" b="1" i="1" smtClean="0">
-                                <a:latin typeface="Cambria Math" panose="02040503050406030204" pitchFamily="18" charset="0"/>
+                                <a:latin typeface="Cambria Math"/>
                               </a:rPr>
                             </m:ctrlPr>
                           </m:sSupPr>
@@ -30135,7 +30160,7 @@
   <a:extraClrSchemeLst/>
   <a:extLst>
     <a:ext uri="{05A4C25C-085E-4340-85A3-A5531E510DB2}">
-      <thm15:themeFamily xmlns:thm15="http://schemas.microsoft.com/office/thememl/2012/main" name="Circuit" id="{0AC2F7E7-15F5-431C-B2A2-456FE929F56C}" vid="{14971C58-AB76-4A2A-B231-5F8CA03CF491}"/>
+      <thm15:themeFamily xmlns:thm15="http://schemas.microsoft.com/office/thememl/2012/main" xmlns="" name="Circuit" id="{0AC2F7E7-15F5-431C-B2A2-456FE929F56C}" vid="{14971C58-AB76-4A2A-B231-5F8CA03CF491}"/>
     </a:ext>
   </a:extLst>
 </a:theme>

--- a/Documentation/Presentation/Design Presentation/Design Presentation.pptx
+++ b/Documentation/Presentation/Design Presentation/Design Presentation.pptx
@@ -31,15 +31,15 @@
     <p:sldId id="298" r:id="rId25"/>
     <p:sldId id="303" r:id="rId26"/>
     <p:sldId id="304" r:id="rId27"/>
-    <p:sldId id="260" r:id="rId28"/>
-    <p:sldId id="263" r:id="rId29"/>
-    <p:sldId id="264" r:id="rId30"/>
-    <p:sldId id="265" r:id="rId31"/>
-    <p:sldId id="266" r:id="rId32"/>
-    <p:sldId id="267" r:id="rId33"/>
-    <p:sldId id="268" r:id="rId34"/>
-    <p:sldId id="269" r:id="rId35"/>
-    <p:sldId id="270" r:id="rId36"/>
+    <p:sldId id="305" r:id="rId28"/>
+    <p:sldId id="306" r:id="rId29"/>
+    <p:sldId id="307" r:id="rId30"/>
+    <p:sldId id="308" r:id="rId31"/>
+    <p:sldId id="309" r:id="rId32"/>
+    <p:sldId id="310" r:id="rId33"/>
+    <p:sldId id="311" r:id="rId34"/>
+    <p:sldId id="312" r:id="rId35"/>
+    <p:sldId id="313" r:id="rId36"/>
     <p:sldId id="261" r:id="rId37"/>
     <p:sldId id="287" r:id="rId38"/>
     <p:sldId id="286" r:id="rId39"/>
@@ -151,7 +151,7 @@
   </p:defaultTextStyle>
   <p:extLst>
     <p:ext uri="{EFAFB233-063F-42B5-8137-9DF3F51BA10A}">
-      <p15:sldGuideLst xmlns:p15="http://schemas.microsoft.com/office/powerpoint/2012/main" xmlns="">
+      <p15:sldGuideLst xmlns="" xmlns:p15="http://schemas.microsoft.com/office/powerpoint/2012/main">
         <p15:guide id="1" orient="horz" pos="2160">
           <p15:clr>
             <a:srgbClr val="A4A3A4"/>
@@ -21392,13 +21392,8 @@
           <a:p>
             <a:r>
               <a:rPr lang="en-US" dirty="0" smtClean="0"/>
-              <a:t>All components tested using “worst case” </a:t>
-            </a:r>
-            <a:r>
-              <a:rPr lang="en-US" dirty="0" smtClean="0"/>
-              <a:t>scenario</a:t>
-            </a:r>
-            <a:endParaRPr lang="en-US" dirty="0" smtClean="0"/>
+              <a:t>All components tested using “worst case” scenario</a:t>
+            </a:r>
           </a:p>
           <a:p>
             <a:pPr lvl="1"/>
@@ -21438,23 +21433,7 @@
             <a:pPr lvl="1"/>
             <a:r>
               <a:rPr lang="en-US" dirty="0" smtClean="0"/>
-              <a:t>Kept </a:t>
-            </a:r>
-            <a:r>
-              <a:rPr lang="en-US" dirty="0" smtClean="0"/>
-              <a:t>Quad8</a:t>
-            </a:r>
-            <a:r>
-              <a:rPr lang="en-US" dirty="0" smtClean="0"/>
-              <a:t> </a:t>
-            </a:r>
-            <a:r>
-              <a:rPr lang="en-US" dirty="0" smtClean="0"/>
-              <a:t>elements to accurately track </a:t>
-            </a:r>
-            <a:r>
-              <a:rPr lang="en-US" dirty="0" smtClean="0"/>
-              <a:t>bending</a:t>
+              <a:t>Kept Quad8 elements to accurately track bending</a:t>
             </a:r>
           </a:p>
           <a:p>
@@ -21760,48 +21739,61 @@
           </a:bodyPr>
           <a:lstStyle/>
           <a:p>
-            <a:pPr marL="0" indent="0">
+            <a:r>
+              <a:rPr lang="en-US" sz="2800" dirty="0" smtClean="0"/>
+              <a:t>Power source </a:t>
+            </a:r>
+            <a:r>
+              <a:rPr lang="en-US" sz="2800" dirty="0"/>
+              <a:t>o</a:t>
+            </a:r>
+            <a:r>
+              <a:rPr lang="en-US" sz="2800" dirty="0" smtClean="0"/>
+              <a:t>ptions</a:t>
+            </a:r>
+          </a:p>
+          <a:p>
+            <a:r>
+              <a:rPr lang="en-US" sz="2800" dirty="0" smtClean="0"/>
+              <a:t>Component specifications</a:t>
+            </a:r>
+          </a:p>
+          <a:p>
+            <a:pPr marL="457200" lvl="1" indent="0">
               <a:buNone/>
             </a:pPr>
             <a:r>
               <a:rPr lang="en-US" sz="2800" dirty="0" smtClean="0"/>
-              <a:t>Power Source Options</a:t>
-            </a:r>
-          </a:p>
-          <a:p>
-            <a:pPr marL="0" indent="0">
+              <a:t>-Air Cylinders</a:t>
+            </a:r>
+          </a:p>
+          <a:p>
+            <a:pPr marL="457200" lvl="1" indent="0">
               <a:buNone/>
             </a:pPr>
             <a:r>
-              <a:rPr lang="en-US" sz="2800" dirty="0" smtClean="0"/>
-              <a:t>Component Specifications</a:t>
-            </a:r>
-          </a:p>
-          <a:p>
-            <a:pPr lvl="1"/>
-            <a:r>
-              <a:rPr lang="en-US" sz="2800" dirty="0" smtClean="0"/>
-              <a:t>Air Cylinders</a:t>
-            </a:r>
-          </a:p>
-          <a:p>
-            <a:pPr lvl="1"/>
+              <a:rPr lang="en-US" sz="2800" dirty="0"/>
+              <a:t>-</a:t>
+            </a:r>
             <a:r>
               <a:rPr lang="en-US" sz="2800" dirty="0" smtClean="0"/>
               <a:t>Directional Control Valves</a:t>
             </a:r>
           </a:p>
           <a:p>
-            <a:pPr lvl="1"/>
+            <a:pPr marL="457200" lvl="1" indent="0">
+              <a:buNone/>
+            </a:pPr>
+            <a:r>
+              <a:rPr lang="en-US" sz="2800" dirty="0"/>
+              <a:t>-</a:t>
+            </a:r>
             <a:r>
               <a:rPr lang="en-US" sz="2800" dirty="0" smtClean="0"/>
               <a:t>Air Compressors</a:t>
             </a:r>
           </a:p>
           <a:p>
-            <a:pPr marL="0" indent="0">
-              <a:buNone/>
-            </a:pPr>
             <a:r>
               <a:rPr lang="en-US" sz="2800" dirty="0" smtClean="0"/>
               <a:t>Other circuit components</a:t>
@@ -21813,7 +21805,7 @@
     </p:spTree>
     <p:extLst>
       <p:ext uri="{BB962C8B-B14F-4D97-AF65-F5344CB8AC3E}">
-        <p14:creationId xmlns:p14="http://schemas.microsoft.com/office/powerpoint/2010/main" val="971052709"/>
+        <p14:creationId xmlns:p14="http://schemas.microsoft.com/office/powerpoint/2010/main" val="3817411465"/>
       </p:ext>
     </p:extLst>
   </p:cSld>
@@ -22843,7 +22835,7 @@
     </p:spTree>
     <p:extLst>
       <p:ext uri="{BB962C8B-B14F-4D97-AF65-F5344CB8AC3E}">
-        <p14:creationId xmlns:p14="http://schemas.microsoft.com/office/powerpoint/2010/main" val="3085210089"/>
+        <p14:creationId xmlns:p14="http://schemas.microsoft.com/office/powerpoint/2010/main" val="1465312566"/>
       </p:ext>
     </p:extLst>
   </p:cSld>
@@ -23147,7 +23139,7 @@
         <p:spPr>
           <a:xfrm>
             <a:off x="508000" y="1600200"/>
-            <a:ext cx="5181600" cy="1384995"/>
+            <a:ext cx="5181600" cy="1815882"/>
           </a:xfrm>
           <a:prstGeom prst="rect">
             <a:avLst/>
@@ -23177,7 +23169,17 @@
             </a:pPr>
             <a:r>
               <a:rPr lang="en-US" sz="2800" dirty="0" smtClean="0"/>
-              <a:t>Position Feedback Sensor</a:t>
+              <a:t>Position Feedback Sensor (PFS)</a:t>
+            </a:r>
+          </a:p>
+          <a:p>
+            <a:pPr marL="457200" indent="-457200">
+              <a:buFont typeface="Arial" panose="020B0604020202020204" pitchFamily="34" charset="0"/>
+              <a:buChar char="•"/>
+            </a:pPr>
+            <a:r>
+              <a:rPr lang="en-US" sz="2800" dirty="0" smtClean="0"/>
+              <a:t>Dual-acting</a:t>
             </a:r>
           </a:p>
         </p:txBody>
@@ -23255,7 +23257,7 @@
     </p:spTree>
     <p:extLst>
       <p:ext uri="{BB962C8B-B14F-4D97-AF65-F5344CB8AC3E}">
-        <p14:creationId xmlns:p14="http://schemas.microsoft.com/office/powerpoint/2010/main" val="580393049"/>
+        <p14:creationId xmlns:p14="http://schemas.microsoft.com/office/powerpoint/2010/main" val="3081199557"/>
       </p:ext>
     </p:extLst>
   </p:cSld>
@@ -23480,7 +23482,7 @@
             </p:nvSpPr>
             <p:spPr>
               <a:xfrm>
-                <a:off x="152400" y="874052"/>
+                <a:off x="5671073" y="1056931"/>
                 <a:ext cx="6062133" cy="5678785"/>
               </a:xfrm>
             </p:spPr>
@@ -24505,7 +24507,7 @@
                           <a:rPr lang="en-US" sz="2200" b="1" i="1" smtClean="0">
                             <a:latin typeface="Cambria Math"/>
                           </a:rPr>
-                          <m:t>𝒔𝒆𝒄</m:t>
+                          <m:t>𝒎𝒊𝒏</m:t>
                         </m:r>
                       </m:den>
                     </m:f>
@@ -24539,13 +24541,13 @@
             </p:nvSpPr>
             <p:spPr>
               <a:xfrm>
-                <a:off x="152400" y="874052"/>
+                <a:off x="5671073" y="1056931"/>
                 <a:ext cx="6062133" cy="5678785"/>
               </a:xfrm>
               <a:blipFill rotWithShape="1">
                 <a:blip r:embed="rId2"/>
                 <a:stretch>
-                  <a:fillRect l="-1006" t="-536"/>
+                  <a:fillRect l="-1005" t="-536"/>
                 </a:stretch>
               </a:blipFill>
             </p:spPr>
@@ -24572,8 +24574,8 @@
         </p:nvSpPr>
         <p:spPr>
           <a:xfrm>
-            <a:off x="7637522" y="4123335"/>
-            <a:ext cx="3220259" cy="1200329"/>
+            <a:off x="880500" y="3789847"/>
+            <a:ext cx="3220259" cy="830997"/>
           </a:xfrm>
           <a:prstGeom prst="rect">
             <a:avLst/>
@@ -24588,7 +24590,7 @@
           <a:p>
             <a:r>
               <a:rPr lang="en-US" sz="2400" b="1" dirty="0" smtClean="0"/>
-              <a:t>Selected Cylinder Specs</a:t>
+              <a:t>Selected Cylinder Spec</a:t>
             </a:r>
             <a:r>
               <a:rPr lang="en-US" sz="2400" dirty="0" smtClean="0"/>
@@ -24598,15 +24600,16 @@
           <a:p>
             <a:r>
               <a:rPr lang="en-US" sz="2400" dirty="0" smtClean="0"/>
-              <a:t>2 inch Bore Diameter</a:t>
-            </a:r>
-          </a:p>
-          <a:p>
+              <a:t>2 inch bore </a:t>
+            </a:r>
+            <a:r>
+              <a:rPr lang="en-US" sz="2400" dirty="0"/>
+              <a:t>d</a:t>
+            </a:r>
             <a:r>
               <a:rPr lang="en-US" sz="2400" dirty="0" smtClean="0"/>
-              <a:t>4 inch Stroke Length</a:t>
-            </a:r>
-            <a:endParaRPr lang="en-US" dirty="0" smtClean="0"/>
+              <a:t>iameter</a:t>
+            </a:r>
           </a:p>
         </p:txBody>
       </p:sp>
@@ -24618,7 +24621,7 @@
         </p:nvSpPr>
         <p:spPr>
           <a:xfrm>
-            <a:off x="7637522" y="1493710"/>
+            <a:off x="880500" y="1127950"/>
             <a:ext cx="3766600" cy="1569660"/>
           </a:xfrm>
           <a:prstGeom prst="rect">
@@ -24677,7 +24680,7 @@
     </p:spTree>
     <p:extLst>
       <p:ext uri="{BB962C8B-B14F-4D97-AF65-F5344CB8AC3E}">
-        <p14:creationId xmlns:p14="http://schemas.microsoft.com/office/powerpoint/2010/main" val="1029922859"/>
+        <p14:creationId xmlns:p14="http://schemas.microsoft.com/office/powerpoint/2010/main" val="3215362710"/>
       </p:ext>
     </p:extLst>
   </p:cSld>
@@ -24765,7 +24768,7 @@
           <a:p>
             <a:r>
               <a:rPr lang="en-US" sz="2400" dirty="0" smtClean="0"/>
-              <a:t>Controls fluid flow through air cylinders based on spool position</a:t>
+              <a:t>Controls fluid flow into air cylinders based on spool position</a:t>
             </a:r>
           </a:p>
           <a:p>
@@ -24970,7 +24973,7 @@
     </p:spTree>
     <p:extLst>
       <p:ext uri="{BB962C8B-B14F-4D97-AF65-F5344CB8AC3E}">
-        <p14:creationId xmlns:p14="http://schemas.microsoft.com/office/powerpoint/2010/main" val="3735460542"/>
+        <p14:creationId xmlns:p14="http://schemas.microsoft.com/office/powerpoint/2010/main" val="629610357"/>
       </p:ext>
     </p:extLst>
   </p:cSld>
@@ -25101,7 +25104,7 @@
         </p:blipFill>
         <p:spPr bwMode="auto">
           <a:xfrm>
-            <a:off x="8801621" y="1591327"/>
+            <a:off x="7994225" y="1211948"/>
             <a:ext cx="3187179" cy="2514600"/>
           </a:xfrm>
           <a:prstGeom prst="rect">
@@ -25159,7 +25162,7 @@
             </a:pPr>
             <a:r>
               <a:rPr lang="en-US" sz="2800" dirty="0" smtClean="0"/>
-              <a:t>-Maximum Pressure required by air cylinders</a:t>
+              <a:t>-Maximum pressure required by air cylinders</a:t>
             </a:r>
           </a:p>
           <a:p>
@@ -25179,7 +25182,7 @@
     </p:spTree>
     <p:extLst>
       <p:ext uri="{BB962C8B-B14F-4D97-AF65-F5344CB8AC3E}">
-        <p14:creationId xmlns:p14="http://schemas.microsoft.com/office/powerpoint/2010/main" val="3075888402"/>
+        <p14:creationId xmlns:p14="http://schemas.microsoft.com/office/powerpoint/2010/main" val="1725994081"/>
       </p:ext>
     </p:extLst>
   </p:cSld>
@@ -25197,6 +25200,161 @@
 </file>
 
 <file path=ppt/slides/slide33.xml><?xml version="1.0" encoding="utf-8"?>
+<p:sld xmlns:a="http://schemas.openxmlformats.org/drawingml/2006/main" xmlns:r="http://schemas.openxmlformats.org/officeDocument/2006/relationships" xmlns:p="http://schemas.openxmlformats.org/presentationml/2006/main">
+  <p:cSld>
+    <p:spTree>
+      <p:nvGrpSpPr>
+        <p:cNvPr id="1" name=""/>
+        <p:cNvGrpSpPr/>
+        <p:nvPr/>
+      </p:nvGrpSpPr>
+      <p:grpSpPr>
+        <a:xfrm>
+          <a:off x="0" y="0"/>
+          <a:ext cx="0" cy="0"/>
+          <a:chOff x="0" y="0"/>
+          <a:chExt cx="0" cy="0"/>
+        </a:xfrm>
+      </p:grpSpPr>
+      <p:sp>
+        <p:nvSpPr>
+          <p:cNvPr id="2" name="Title 1"/>
+          <p:cNvSpPr>
+            <a:spLocks noGrp="1"/>
+          </p:cNvSpPr>
+          <p:nvPr>
+            <p:ph type="title"/>
+          </p:nvPr>
+        </p:nvSpPr>
+        <p:spPr>
+          <a:xfrm>
+            <a:off x="1124480" y="135467"/>
+            <a:ext cx="9905998" cy="1478570"/>
+          </a:xfrm>
+        </p:spPr>
+        <p:txBody>
+          <a:bodyPr/>
+          <a:lstStyle/>
+          <a:p>
+            <a:r>
+              <a:rPr lang="en-US" dirty="0" smtClean="0"/>
+              <a:t>Selected Specifications</a:t>
+            </a:r>
+            <a:endParaRPr lang="en-US" dirty="0"/>
+          </a:p>
+        </p:txBody>
+      </p:sp>
+      <p:sp>
+        <p:nvSpPr>
+          <p:cNvPr id="3" name="Content Placeholder 2"/>
+          <p:cNvSpPr>
+            <a:spLocks noGrp="1"/>
+          </p:cNvSpPr>
+          <p:nvPr>
+            <p:ph idx="1"/>
+          </p:nvPr>
+        </p:nvSpPr>
+        <p:spPr>
+          <a:xfrm>
+            <a:off x="880534" y="1913468"/>
+            <a:ext cx="10183811" cy="4080934"/>
+          </a:xfrm>
+        </p:spPr>
+        <p:txBody>
+          <a:bodyPr/>
+          <a:lstStyle/>
+          <a:p>
+            <a:pPr marL="0" indent="0">
+              <a:buNone/>
+            </a:pPr>
+            <a:r>
+              <a:rPr lang="en-US" sz="2800" dirty="0" smtClean="0"/>
+              <a:t>Air Cylinders w/ PFS (8): 2 inch </a:t>
+            </a:r>
+            <a:r>
+              <a:rPr lang="en-US" sz="2800" dirty="0"/>
+              <a:t>b</a:t>
+            </a:r>
+            <a:r>
+              <a:rPr lang="en-US" sz="2800" dirty="0" smtClean="0"/>
+              <a:t>ore </a:t>
+            </a:r>
+            <a:r>
+              <a:rPr lang="en-US" sz="2800" dirty="0"/>
+              <a:t>d</a:t>
+            </a:r>
+            <a:r>
+              <a:rPr lang="en-US" sz="2800" dirty="0" smtClean="0"/>
+              <a:t>iameter, 3 inch </a:t>
+            </a:r>
+            <a:r>
+              <a:rPr lang="en-US" sz="2800" dirty="0"/>
+              <a:t>s</a:t>
+            </a:r>
+            <a:r>
+              <a:rPr lang="en-US" sz="2800" dirty="0" smtClean="0"/>
+              <a:t>troke length for shank, 4 inch stroke length for thigh</a:t>
+            </a:r>
+          </a:p>
+          <a:p>
+            <a:pPr marL="0" indent="0">
+              <a:buNone/>
+            </a:pPr>
+            <a:r>
+              <a:rPr lang="en-US" sz="2800" dirty="0" smtClean="0"/>
+              <a:t>Directional Control Valves (8): 4 ports, 3 spool positions, </a:t>
+            </a:r>
+            <a:r>
+              <a:rPr lang="en-US" sz="2800" dirty="0" err="1" smtClean="0"/>
+              <a:t>C</a:t>
+            </a:r>
+            <a:r>
+              <a:rPr lang="en-US" sz="2800" baseline="-25000" dirty="0" err="1" smtClean="0"/>
+              <a:t>v</a:t>
+            </a:r>
+            <a:r>
+              <a:rPr lang="en-US" sz="2800" dirty="0" smtClean="0"/>
+              <a:t> = 0.67 (21 CFM)</a:t>
+            </a:r>
+          </a:p>
+          <a:p>
+            <a:pPr marL="0" indent="0">
+              <a:buNone/>
+            </a:pPr>
+            <a:r>
+              <a:rPr lang="en-US" sz="2800" dirty="0" smtClean="0"/>
+              <a:t>Air Compressor: 10 gallon, 5.3 CFM (At 90 psi), 125 psi maximum pressure </a:t>
+            </a:r>
+          </a:p>
+          <a:p>
+            <a:pPr marL="0" indent="0">
+              <a:buNone/>
+            </a:pPr>
+            <a:endParaRPr lang="en-US" dirty="0"/>
+          </a:p>
+        </p:txBody>
+      </p:sp>
+    </p:spTree>
+    <p:extLst>
+      <p:ext uri="{BB962C8B-B14F-4D97-AF65-F5344CB8AC3E}">
+        <p14:creationId xmlns:p14="http://schemas.microsoft.com/office/powerpoint/2010/main" val="1554750761"/>
+      </p:ext>
+    </p:extLst>
+  </p:cSld>
+  <p:clrMapOvr>
+    <a:masterClrMapping/>
+  </p:clrMapOvr>
+  <p:timing>
+    <p:tnLst>
+      <p:par>
+        <p:cTn id="1" dur="indefinite" restart="never" nodeType="tmRoot"/>
+      </p:par>
+    </p:tnLst>
+  </p:timing>
+</p:sld>
+</file>
+
+<file path=ppt/slides/slide34.xml><?xml version="1.0" encoding="utf-8"?>
 <p:sld xmlns:a="http://schemas.openxmlformats.org/drawingml/2006/main" xmlns:r="http://schemas.openxmlformats.org/officeDocument/2006/relationships" xmlns:p="http://schemas.openxmlformats.org/presentationml/2006/main">
   <p:cSld>
     <p:spTree>
@@ -25336,7 +25494,7 @@
             </a:r>
             <a:r>
               <a:rPr lang="en-US" sz="2800" dirty="0" smtClean="0"/>
-              <a:t>Dictates upper pressure limit</a:t>
+              <a:t>Dictates maximum system pressure</a:t>
             </a:r>
           </a:p>
           <a:p>
@@ -25433,162 +25591,7 @@
     </p:spTree>
     <p:extLst>
       <p:ext uri="{BB962C8B-B14F-4D97-AF65-F5344CB8AC3E}">
-        <p14:creationId xmlns:p14="http://schemas.microsoft.com/office/powerpoint/2010/main" val="2267217922"/>
-      </p:ext>
-    </p:extLst>
-  </p:cSld>
-  <p:clrMapOvr>
-    <a:masterClrMapping/>
-  </p:clrMapOvr>
-  <p:timing>
-    <p:tnLst>
-      <p:par>
-        <p:cTn id="1" dur="indefinite" restart="never" nodeType="tmRoot"/>
-      </p:par>
-    </p:tnLst>
-  </p:timing>
-</p:sld>
-</file>
-
-<file path=ppt/slides/slide34.xml><?xml version="1.0" encoding="utf-8"?>
-<p:sld xmlns:a="http://schemas.openxmlformats.org/drawingml/2006/main" xmlns:r="http://schemas.openxmlformats.org/officeDocument/2006/relationships" xmlns:p="http://schemas.openxmlformats.org/presentationml/2006/main">
-  <p:cSld>
-    <p:spTree>
-      <p:nvGrpSpPr>
-        <p:cNvPr id="1" name=""/>
-        <p:cNvGrpSpPr/>
-        <p:nvPr/>
-      </p:nvGrpSpPr>
-      <p:grpSpPr>
-        <a:xfrm>
-          <a:off x="0" y="0"/>
-          <a:ext cx="0" cy="0"/>
-          <a:chOff x="0" y="0"/>
-          <a:chExt cx="0" cy="0"/>
-        </a:xfrm>
-      </p:grpSpPr>
-      <p:sp>
-        <p:nvSpPr>
-          <p:cNvPr id="2" name="Title 1"/>
-          <p:cNvSpPr>
-            <a:spLocks noGrp="1"/>
-          </p:cNvSpPr>
-          <p:nvPr>
-            <p:ph type="title"/>
-          </p:nvPr>
-        </p:nvSpPr>
-        <p:spPr>
-          <a:xfrm>
-            <a:off x="1124480" y="135467"/>
-            <a:ext cx="9905998" cy="1478570"/>
-          </a:xfrm>
-        </p:spPr>
-        <p:txBody>
-          <a:bodyPr/>
-          <a:lstStyle/>
-          <a:p>
-            <a:r>
-              <a:rPr lang="en-US" dirty="0" smtClean="0"/>
-              <a:t>Selected Specifications</a:t>
-            </a:r>
-            <a:endParaRPr lang="en-US" dirty="0"/>
-          </a:p>
-        </p:txBody>
-      </p:sp>
-      <p:sp>
-        <p:nvSpPr>
-          <p:cNvPr id="3" name="Content Placeholder 2"/>
-          <p:cNvSpPr>
-            <a:spLocks noGrp="1"/>
-          </p:cNvSpPr>
-          <p:nvPr>
-            <p:ph idx="1"/>
-          </p:nvPr>
-        </p:nvSpPr>
-        <p:spPr>
-          <a:xfrm>
-            <a:off x="880534" y="1913468"/>
-            <a:ext cx="10183811" cy="4080934"/>
-          </a:xfrm>
-        </p:spPr>
-        <p:txBody>
-          <a:bodyPr/>
-          <a:lstStyle/>
-          <a:p>
-            <a:pPr marL="0" indent="0">
-              <a:buNone/>
-            </a:pPr>
-            <a:r>
-              <a:rPr lang="en-US" sz="2800" dirty="0" smtClean="0"/>
-              <a:t>Air Cylinders (8): 2 inch </a:t>
-            </a:r>
-            <a:r>
-              <a:rPr lang="en-US" sz="2800" dirty="0"/>
-              <a:t>b</a:t>
-            </a:r>
-            <a:r>
-              <a:rPr lang="en-US" sz="2800" dirty="0" smtClean="0"/>
-              <a:t>ore </a:t>
-            </a:r>
-            <a:r>
-              <a:rPr lang="en-US" sz="2800" dirty="0"/>
-              <a:t>d</a:t>
-            </a:r>
-            <a:r>
-              <a:rPr lang="en-US" sz="2800" dirty="0" smtClean="0"/>
-              <a:t>iameter, 3 inch </a:t>
-            </a:r>
-            <a:r>
-              <a:rPr lang="en-US" sz="2800" dirty="0"/>
-              <a:t>s</a:t>
-            </a:r>
-            <a:r>
-              <a:rPr lang="en-US" sz="2800" dirty="0" smtClean="0"/>
-              <a:t>troke length for shank, 4 inch stroke length for thigh</a:t>
-            </a:r>
-          </a:p>
-          <a:p>
-            <a:pPr marL="0" indent="0">
-              <a:buNone/>
-            </a:pPr>
-            <a:r>
-              <a:rPr lang="en-US" sz="2800" dirty="0" smtClean="0"/>
-              <a:t>Directional Control Valves (8): 5 ports, 3 spool positions, </a:t>
-            </a:r>
-            <a:r>
-              <a:rPr lang="en-US" sz="2800" dirty="0" err="1" smtClean="0"/>
-              <a:t>C</a:t>
-            </a:r>
-            <a:r>
-              <a:rPr lang="en-US" sz="2800" baseline="-25000" dirty="0" err="1" smtClean="0"/>
-              <a:t>v</a:t>
-            </a:r>
-            <a:r>
-              <a:rPr lang="en-US" sz="2800" dirty="0" smtClean="0"/>
-              <a:t> = 0.67 (21 CFM)</a:t>
-            </a:r>
-          </a:p>
-          <a:p>
-            <a:pPr marL="0" indent="0">
-              <a:buNone/>
-            </a:pPr>
-            <a:r>
-              <a:rPr lang="en-US" sz="2800" dirty="0" smtClean="0"/>
-              <a:t>Air Compressor: 10 gallon, 5.3 CFM (At 90 psi), 125 psi maximum pressure </a:t>
-            </a:r>
-          </a:p>
-          <a:p>
-            <a:pPr marL="0" indent="0">
-              <a:buNone/>
-            </a:pPr>
-            <a:endParaRPr lang="en-US" dirty="0"/>
-          </a:p>
-        </p:txBody>
-      </p:sp>
-    </p:spTree>
-    <p:extLst>
-      <p:ext uri="{BB962C8B-B14F-4D97-AF65-F5344CB8AC3E}">
-        <p14:creationId xmlns:p14="http://schemas.microsoft.com/office/powerpoint/2010/main" val="440445108"/>
+        <p14:creationId xmlns:p14="http://schemas.microsoft.com/office/powerpoint/2010/main" val="4129368009"/>
       </p:ext>
     </p:extLst>
   </p:cSld>
@@ -25738,7 +25741,7 @@
     </p:spTree>
     <p:extLst>
       <p:ext uri="{BB962C8B-B14F-4D97-AF65-F5344CB8AC3E}">
-        <p14:creationId xmlns:p14="http://schemas.microsoft.com/office/powerpoint/2010/main" val="3644864986"/>
+        <p14:creationId xmlns:p14="http://schemas.microsoft.com/office/powerpoint/2010/main" val="2984164616"/>
       </p:ext>
     </p:extLst>
   </p:cSld>
@@ -30160,7 +30163,7 @@
   <a:extraClrSchemeLst/>
   <a:extLst>
     <a:ext uri="{05A4C25C-085E-4340-85A3-A5531E510DB2}">
-      <thm15:themeFamily xmlns:thm15="http://schemas.microsoft.com/office/thememl/2012/main" xmlns="" name="Circuit" id="{0AC2F7E7-15F5-431C-B2A2-456FE929F56C}" vid="{14971C58-AB76-4A2A-B231-5F8CA03CF491}"/>
+      <thm15:themeFamily xmlns="" xmlns:thm15="http://schemas.microsoft.com/office/thememl/2012/main" name="Circuit" id="{0AC2F7E7-15F5-431C-B2A2-456FE929F56C}" vid="{14971C58-AB76-4A2A-B231-5F8CA03CF491}"/>
     </a:ext>
   </a:extLst>
 </a:theme>
